--- a/docpac_mar18/Presentation.pptx
+++ b/docpac_mar18/Presentation.pptx
@@ -6,6 +6,14 @@
   </p:sldMasterIdLst>
   <p:sldIdLst>
     <p:sldId id="256" r:id="rId2"/>
+    <p:sldId id="257" r:id="rId3"/>
+    <p:sldId id="258" r:id="rId4"/>
+    <p:sldId id="259" r:id="rId5"/>
+    <p:sldId id="260" r:id="rId6"/>
+    <p:sldId id="261" r:id="rId7"/>
+    <p:sldId id="263" r:id="rId8"/>
+    <p:sldId id="264" r:id="rId9"/>
+    <p:sldId id="262" r:id="rId10"/>
   </p:sldIdLst>
   <p:sldSz cx="12192000" cy="6858000"/>
   <p:notesSz cx="6858000" cy="9144000"/>
@@ -104,7 +112,193 @@
       </a:defRPr>
     </a:lvl9pPr>
   </p:defaultTextStyle>
+  <p:extLst>
+    <p:ext uri="{EFAFB233-063F-42B5-8137-9DF3F51BA10A}">
+      <p15:sldGuideLst xmlns:p15="http://schemas.microsoft.com/office/powerpoint/2012/main"/>
+    </p:ext>
+  </p:extLst>
 </p:presentation>
+</file>
+
+<file path=ppt/changesInfos/changesInfo1.xml><?xml version="1.0" encoding="utf-8"?>
+<pc:chgInfo xmlns:a="http://schemas.openxmlformats.org/drawingml/2006/main" xmlns:r="http://schemas.openxmlformats.org/officeDocument/2006/relationships" xmlns:ac="http://schemas.microsoft.com/office/drawing/2013/main/command" xmlns:pc="http://schemas.microsoft.com/office/powerpoint/2013/main/command">
+  <pc:docChgLst>
+    <pc:chgData name="Fink, Parker" userId="980d64e8-f9ac-4cb3-85a7-c84722290ea9" providerId="ADAL" clId="{E796E882-7C7E-4F11-ADF1-62F05D5DF131}"/>
+    <pc:docChg chg="undo custSel addSld modSld">
+      <pc:chgData name="Fink, Parker" userId="980d64e8-f9ac-4cb3-85a7-c84722290ea9" providerId="ADAL" clId="{E796E882-7C7E-4F11-ADF1-62F05D5DF131}" dt="2022-03-15T15:16:30.670" v="1555" actId="20577"/>
+      <pc:docMkLst>
+        <pc:docMk/>
+      </pc:docMkLst>
+      <pc:sldChg chg="delSp modSp delAnim modAnim">
+        <pc:chgData name="Fink, Parker" userId="980d64e8-f9ac-4cb3-85a7-c84722290ea9" providerId="ADAL" clId="{E796E882-7C7E-4F11-ADF1-62F05D5DF131}" dt="2022-03-15T15:08:05.617" v="1250"/>
+        <pc:sldMkLst>
+          <pc:docMk/>
+          <pc:sldMk cId="3815526219" sldId="256"/>
+        </pc:sldMkLst>
+        <pc:spChg chg="mod">
+          <ac:chgData name="Fink, Parker" userId="980d64e8-f9ac-4cb3-85a7-c84722290ea9" providerId="ADAL" clId="{E796E882-7C7E-4F11-ADF1-62F05D5DF131}" dt="2022-03-15T14:49:42.065" v="601" actId="20577"/>
+          <ac:spMkLst>
+            <pc:docMk/>
+            <pc:sldMk cId="3815526219" sldId="256"/>
+            <ac:spMk id="2" creationId="{1D507B25-FBA1-4B47-AC43-B35E7534E096}"/>
+          </ac:spMkLst>
+        </pc:spChg>
+        <pc:spChg chg="del mod">
+          <ac:chgData name="Fink, Parker" userId="980d64e8-f9ac-4cb3-85a7-c84722290ea9" providerId="ADAL" clId="{E796E882-7C7E-4F11-ADF1-62F05D5DF131}" dt="2022-03-15T15:08:05.617" v="1250"/>
+          <ac:spMkLst>
+            <pc:docMk/>
+            <pc:sldMk cId="3815526219" sldId="256"/>
+            <ac:spMk id="4" creationId="{7B36C1D9-3D1E-4808-B1C6-24E406C10775}"/>
+          </ac:spMkLst>
+        </pc:spChg>
+      </pc:sldChg>
+      <pc:sldChg chg="modSp modAnim">
+        <pc:chgData name="Fink, Parker" userId="980d64e8-f9ac-4cb3-85a7-c84722290ea9" providerId="ADAL" clId="{E796E882-7C7E-4F11-ADF1-62F05D5DF131}" dt="2022-03-15T15:09:45.039" v="1258" actId="27636"/>
+        <pc:sldMkLst>
+          <pc:docMk/>
+          <pc:sldMk cId="2649324647" sldId="257"/>
+        </pc:sldMkLst>
+        <pc:spChg chg="mod">
+          <ac:chgData name="Fink, Parker" userId="980d64e8-f9ac-4cb3-85a7-c84722290ea9" providerId="ADAL" clId="{E796E882-7C7E-4F11-ADF1-62F05D5DF131}" dt="2022-03-15T15:09:45.039" v="1258" actId="27636"/>
+          <ac:spMkLst>
+            <pc:docMk/>
+            <pc:sldMk cId="2649324647" sldId="257"/>
+            <ac:spMk id="3" creationId="{9BEEC859-6BD8-4AC2-9695-29581BC782CD}"/>
+          </ac:spMkLst>
+        </pc:spChg>
+      </pc:sldChg>
+      <pc:sldChg chg="modSp">
+        <pc:chgData name="Fink, Parker" userId="980d64e8-f9ac-4cb3-85a7-c84722290ea9" providerId="ADAL" clId="{E796E882-7C7E-4F11-ADF1-62F05D5DF131}" dt="2022-03-15T14:54:17.366" v="606" actId="20577"/>
+        <pc:sldMkLst>
+          <pc:docMk/>
+          <pc:sldMk cId="1942424538" sldId="258"/>
+        </pc:sldMkLst>
+        <pc:spChg chg="mod">
+          <ac:chgData name="Fink, Parker" userId="980d64e8-f9ac-4cb3-85a7-c84722290ea9" providerId="ADAL" clId="{E796E882-7C7E-4F11-ADF1-62F05D5DF131}" dt="2022-03-15T14:54:17.366" v="606" actId="20577"/>
+          <ac:spMkLst>
+            <pc:docMk/>
+            <pc:sldMk cId="1942424538" sldId="258"/>
+            <ac:spMk id="3" creationId="{5A9C69BA-45F6-4B52-90EE-6488F6AD2512}"/>
+          </ac:spMkLst>
+        </pc:spChg>
+      </pc:sldChg>
+      <pc:sldChg chg="modSp">
+        <pc:chgData name="Fink, Parker" userId="980d64e8-f9ac-4cb3-85a7-c84722290ea9" providerId="ADAL" clId="{E796E882-7C7E-4F11-ADF1-62F05D5DF131}" dt="2022-03-15T15:16:30.670" v="1555" actId="20577"/>
+        <pc:sldMkLst>
+          <pc:docMk/>
+          <pc:sldMk cId="861680280" sldId="259"/>
+        </pc:sldMkLst>
+        <pc:spChg chg="mod">
+          <ac:chgData name="Fink, Parker" userId="980d64e8-f9ac-4cb3-85a7-c84722290ea9" providerId="ADAL" clId="{E796E882-7C7E-4F11-ADF1-62F05D5DF131}" dt="2022-03-15T15:16:30.670" v="1555" actId="20577"/>
+          <ac:spMkLst>
+            <pc:docMk/>
+            <pc:sldMk cId="861680280" sldId="259"/>
+            <ac:spMk id="3" creationId="{7DED94F2-B8BE-4341-9EBE-770D348F7B8E}"/>
+          </ac:spMkLst>
+        </pc:spChg>
+      </pc:sldChg>
+      <pc:sldChg chg="modSp">
+        <pc:chgData name="Fink, Parker" userId="980d64e8-f9ac-4cb3-85a7-c84722290ea9" providerId="ADAL" clId="{E796E882-7C7E-4F11-ADF1-62F05D5DF131}" dt="2022-03-15T15:09:57.784" v="1259" actId="122"/>
+        <pc:sldMkLst>
+          <pc:docMk/>
+          <pc:sldMk cId="1640360448" sldId="260"/>
+        </pc:sldMkLst>
+        <pc:spChg chg="mod">
+          <ac:chgData name="Fink, Parker" userId="980d64e8-f9ac-4cb3-85a7-c84722290ea9" providerId="ADAL" clId="{E796E882-7C7E-4F11-ADF1-62F05D5DF131}" dt="2022-03-15T15:09:57.784" v="1259" actId="122"/>
+          <ac:spMkLst>
+            <pc:docMk/>
+            <pc:sldMk cId="1640360448" sldId="260"/>
+            <ac:spMk id="3" creationId="{FDE42B3F-9788-4543-98E0-D7CAF76F3FE4}"/>
+          </ac:spMkLst>
+        </pc:spChg>
+      </pc:sldChg>
+      <pc:sldChg chg="modSp modAnim">
+        <pc:chgData name="Fink, Parker" userId="980d64e8-f9ac-4cb3-85a7-c84722290ea9" providerId="ADAL" clId="{E796E882-7C7E-4F11-ADF1-62F05D5DF131}" dt="2022-03-15T15:10:10.743" v="1261" actId="122"/>
+        <pc:sldMkLst>
+          <pc:docMk/>
+          <pc:sldMk cId="2094170780" sldId="261"/>
+        </pc:sldMkLst>
+        <pc:spChg chg="mod">
+          <ac:chgData name="Fink, Parker" userId="980d64e8-f9ac-4cb3-85a7-c84722290ea9" providerId="ADAL" clId="{E796E882-7C7E-4F11-ADF1-62F05D5DF131}" dt="2022-03-15T14:39:03.660" v="144" actId="20577"/>
+          <ac:spMkLst>
+            <pc:docMk/>
+            <pc:sldMk cId="2094170780" sldId="261"/>
+            <ac:spMk id="2" creationId="{3561A41D-2879-44CD-A7F7-8048C1D463B6}"/>
+          </ac:spMkLst>
+        </pc:spChg>
+        <pc:spChg chg="mod">
+          <ac:chgData name="Fink, Parker" userId="980d64e8-f9ac-4cb3-85a7-c84722290ea9" providerId="ADAL" clId="{E796E882-7C7E-4F11-ADF1-62F05D5DF131}" dt="2022-03-15T15:10:10.743" v="1261" actId="122"/>
+          <ac:spMkLst>
+            <pc:docMk/>
+            <pc:sldMk cId="2094170780" sldId="261"/>
+            <ac:spMk id="3" creationId="{A3CED4C5-EE19-43F5-94D1-7E1A47A2FA98}"/>
+          </ac:spMkLst>
+        </pc:spChg>
+      </pc:sldChg>
+      <pc:sldChg chg="modSp modAnim">
+        <pc:chgData name="Fink, Parker" userId="980d64e8-f9ac-4cb3-85a7-c84722290ea9" providerId="ADAL" clId="{E796E882-7C7E-4F11-ADF1-62F05D5DF131}" dt="2022-03-15T15:10:25.852" v="1265" actId="20577"/>
+        <pc:sldMkLst>
+          <pc:docMk/>
+          <pc:sldMk cId="1744036771" sldId="262"/>
+        </pc:sldMkLst>
+        <pc:spChg chg="mod">
+          <ac:chgData name="Fink, Parker" userId="980d64e8-f9ac-4cb3-85a7-c84722290ea9" providerId="ADAL" clId="{E796E882-7C7E-4F11-ADF1-62F05D5DF131}" dt="2022-03-15T15:10:25.852" v="1265" actId="20577"/>
+          <ac:spMkLst>
+            <pc:docMk/>
+            <pc:sldMk cId="1744036771" sldId="262"/>
+            <ac:spMk id="3" creationId="{D532A9F5-D19D-474A-859B-82F2557D3308}"/>
+          </ac:spMkLst>
+        </pc:spChg>
+      </pc:sldChg>
+      <pc:sldChg chg="modSp add">
+        <pc:chgData name="Fink, Parker" userId="980d64e8-f9ac-4cb3-85a7-c84722290ea9" providerId="ADAL" clId="{E796E882-7C7E-4F11-ADF1-62F05D5DF131}" dt="2022-03-15T15:12:42.206" v="1289" actId="20577"/>
+        <pc:sldMkLst>
+          <pc:docMk/>
+          <pc:sldMk cId="1883990918" sldId="263"/>
+        </pc:sldMkLst>
+        <pc:spChg chg="mod">
+          <ac:chgData name="Fink, Parker" userId="980d64e8-f9ac-4cb3-85a7-c84722290ea9" providerId="ADAL" clId="{E796E882-7C7E-4F11-ADF1-62F05D5DF131}" dt="2022-03-15T14:55:17.607" v="612" actId="20577"/>
+          <ac:spMkLst>
+            <pc:docMk/>
+            <pc:sldMk cId="1883990918" sldId="263"/>
+            <ac:spMk id="2" creationId="{53FD0F9B-DF3F-4B7E-A57B-80C701B247B8}"/>
+          </ac:spMkLst>
+        </pc:spChg>
+        <pc:spChg chg="mod">
+          <ac:chgData name="Fink, Parker" userId="980d64e8-f9ac-4cb3-85a7-c84722290ea9" providerId="ADAL" clId="{E796E882-7C7E-4F11-ADF1-62F05D5DF131}" dt="2022-03-15T15:12:42.206" v="1289" actId="20577"/>
+          <ac:spMkLst>
+            <pc:docMk/>
+            <pc:sldMk cId="1883990918" sldId="263"/>
+            <ac:spMk id="3" creationId="{CA08C212-55D6-46F3-9B98-F3D651280CE3}"/>
+          </ac:spMkLst>
+        </pc:spChg>
+      </pc:sldChg>
+      <pc:sldChg chg="modSp add">
+        <pc:chgData name="Fink, Parker" userId="980d64e8-f9ac-4cb3-85a7-c84722290ea9" providerId="ADAL" clId="{E796E882-7C7E-4F11-ADF1-62F05D5DF131}" dt="2022-03-15T15:14:07.927" v="1554" actId="20577"/>
+        <pc:sldMkLst>
+          <pc:docMk/>
+          <pc:sldMk cId="3150132924" sldId="264"/>
+        </pc:sldMkLst>
+        <pc:spChg chg="mod">
+          <ac:chgData name="Fink, Parker" userId="980d64e8-f9ac-4cb3-85a7-c84722290ea9" providerId="ADAL" clId="{E796E882-7C7E-4F11-ADF1-62F05D5DF131}" dt="2022-03-15T15:13:01.404" v="1323" actId="20577"/>
+          <ac:spMkLst>
+            <pc:docMk/>
+            <pc:sldMk cId="3150132924" sldId="264"/>
+            <ac:spMk id="2" creationId="{0A13842D-0901-49AF-AC0F-31B4AB4F480B}"/>
+          </ac:spMkLst>
+        </pc:spChg>
+        <pc:spChg chg="mod">
+          <ac:chgData name="Fink, Parker" userId="980d64e8-f9ac-4cb3-85a7-c84722290ea9" providerId="ADAL" clId="{E796E882-7C7E-4F11-ADF1-62F05D5DF131}" dt="2022-03-15T15:14:07.927" v="1554" actId="20577"/>
+          <ac:spMkLst>
+            <pc:docMk/>
+            <pc:sldMk cId="3150132924" sldId="264"/>
+            <ac:spMk id="3" creationId="{4A23F66F-08F1-4AE3-920F-F226F9CD51E4}"/>
+          </ac:spMkLst>
+        </pc:spChg>
+      </pc:sldChg>
+    </pc:docChg>
+  </pc:docChgLst>
+</pc:chgInfo>
 </file>
 
 <file path=ppt/slideLayouts/slideLayout1.xml><?xml version="1.0" encoding="utf-8"?>
@@ -3342,7 +3536,14 @@
           <a:bodyPr/>
           <a:lstStyle/>
           <a:p>
-            <a:endParaRPr lang="en-US"/>
+            <a:r>
+              <a:rPr lang="en-US" dirty="0" err="1"/>
+              <a:t>Dilfs</a:t>
+            </a:r>
+            <a:r>
+              <a:rPr lang="en-US" dirty="0"/>
+              <a:t>?</a:t>
+            </a:r>
           </a:p>
         </p:txBody>
       </p:sp>
@@ -3362,12 +3563,23 @@
             <p:ph type="subTitle" idx="1"/>
           </p:nvPr>
         </p:nvSpPr>
-        <p:spPr/>
+        <p:spPr>
+          <a:xfrm>
+            <a:off x="1524000" y="3602038"/>
+            <a:ext cx="9144000" cy="516956"/>
+          </a:xfrm>
+        </p:spPr>
         <p:txBody>
           <a:bodyPr/>
           <a:lstStyle/>
           <a:p>
-            <a:endParaRPr lang="en-US"/>
+            <a:r>
+              <a:rPr lang="en-US" dirty="0"/>
+              <a:t>But what are they</a:t>
+            </a:r>
+          </a:p>
+          <a:p>
+            <a:endParaRPr lang="en-US" dirty="0"/>
           </a:p>
         </p:txBody>
       </p:sp>
@@ -3375,6 +3587,4022 @@
     <p:extLst>
       <p:ext uri="{BB962C8B-B14F-4D97-AF65-F5344CB8AC3E}">
         <p14:creationId xmlns:p14="http://schemas.microsoft.com/office/powerpoint/2010/main" val="3815526219"/>
+      </p:ext>
+    </p:extLst>
+  </p:cSld>
+  <p:clrMapOvr>
+    <a:masterClrMapping/>
+  </p:clrMapOvr>
+  <p:timing>
+    <p:tnLst>
+      <p:par>
+        <p:cTn id="1" dur="indefinite" restart="never" nodeType="tmRoot">
+          <p:childTnLst>
+            <p:seq concurrent="1" nextAc="seek">
+              <p:cTn id="2" dur="indefinite" nodeType="mainSeq">
+                <p:childTnLst>
+                  <p:par>
+                    <p:cTn id="3" fill="hold">
+                      <p:stCondLst>
+                        <p:cond delay="indefinite"/>
+                      </p:stCondLst>
+                      <p:childTnLst>
+                        <p:par>
+                          <p:cTn id="4" fill="hold">
+                            <p:stCondLst>
+                              <p:cond delay="0"/>
+                            </p:stCondLst>
+                            <p:childTnLst>
+                              <p:par>
+                                <p:cTn id="5" presetID="10" presetClass="entr" presetSubtype="0" fill="hold" grpId="0" nodeType="clickEffect">
+                                  <p:stCondLst>
+                                    <p:cond delay="0"/>
+                                  </p:stCondLst>
+                                  <p:childTnLst>
+                                    <p:set>
+                                      <p:cBhvr>
+                                        <p:cTn id="6" dur="1" fill="hold">
+                                          <p:stCondLst>
+                                            <p:cond delay="0"/>
+                                          </p:stCondLst>
+                                        </p:cTn>
+                                        <p:tgtEl>
+                                          <p:spTgt spid="2"/>
+                                        </p:tgtEl>
+                                        <p:attrNameLst>
+                                          <p:attrName>style.visibility</p:attrName>
+                                        </p:attrNameLst>
+                                      </p:cBhvr>
+                                      <p:to>
+                                        <p:strVal val="visible"/>
+                                      </p:to>
+                                    </p:set>
+                                    <p:animEffect transition="in" filter="fade">
+                                      <p:cBhvr>
+                                        <p:cTn id="7" dur="2000"/>
+                                        <p:tgtEl>
+                                          <p:spTgt spid="2"/>
+                                        </p:tgtEl>
+                                      </p:cBhvr>
+                                    </p:animEffect>
+                                  </p:childTnLst>
+                                </p:cTn>
+                              </p:par>
+                            </p:childTnLst>
+                          </p:cTn>
+                        </p:par>
+                      </p:childTnLst>
+                    </p:cTn>
+                  </p:par>
+                  <p:par>
+                    <p:cTn id="8" fill="hold">
+                      <p:stCondLst>
+                        <p:cond delay="indefinite"/>
+                      </p:stCondLst>
+                      <p:childTnLst>
+                        <p:par>
+                          <p:cTn id="9" fill="hold">
+                            <p:stCondLst>
+                              <p:cond delay="0"/>
+                            </p:stCondLst>
+                            <p:childTnLst>
+                              <p:par>
+                                <p:cTn id="10" presetID="2" presetClass="entr" presetSubtype="4" fill="hold" nodeType="clickEffect">
+                                  <p:stCondLst>
+                                    <p:cond delay="0"/>
+                                  </p:stCondLst>
+                                  <p:childTnLst>
+                                    <p:set>
+                                      <p:cBhvr>
+                                        <p:cTn id="11" dur="1" fill="hold">
+                                          <p:stCondLst>
+                                            <p:cond delay="0"/>
+                                          </p:stCondLst>
+                                        </p:cTn>
+                                        <p:tgtEl>
+                                          <p:spTgt spid="3">
+                                            <p:txEl>
+                                              <p:pRg st="0" end="0"/>
+                                            </p:txEl>
+                                          </p:spTgt>
+                                        </p:tgtEl>
+                                        <p:attrNameLst>
+                                          <p:attrName>style.visibility</p:attrName>
+                                        </p:attrNameLst>
+                                      </p:cBhvr>
+                                      <p:to>
+                                        <p:strVal val="visible"/>
+                                      </p:to>
+                                    </p:set>
+                                    <p:anim calcmode="lin" valueType="num">
+                                      <p:cBhvr additive="base">
+                                        <p:cTn id="12" dur="500" fill="hold"/>
+                                        <p:tgtEl>
+                                          <p:spTgt spid="3">
+                                            <p:txEl>
+                                              <p:pRg st="0" end="0"/>
+                                            </p:txEl>
+                                          </p:spTgt>
+                                        </p:tgtEl>
+                                        <p:attrNameLst>
+                                          <p:attrName>ppt_x</p:attrName>
+                                        </p:attrNameLst>
+                                      </p:cBhvr>
+                                      <p:tavLst>
+                                        <p:tav tm="0">
+                                          <p:val>
+                                            <p:strVal val="#ppt_x"/>
+                                          </p:val>
+                                        </p:tav>
+                                        <p:tav tm="100000">
+                                          <p:val>
+                                            <p:strVal val="#ppt_x"/>
+                                          </p:val>
+                                        </p:tav>
+                                      </p:tavLst>
+                                    </p:anim>
+                                    <p:anim calcmode="lin" valueType="num">
+                                      <p:cBhvr additive="base">
+                                        <p:cTn id="13" dur="500" fill="hold"/>
+                                        <p:tgtEl>
+                                          <p:spTgt spid="3">
+                                            <p:txEl>
+                                              <p:pRg st="0" end="0"/>
+                                            </p:txEl>
+                                          </p:spTgt>
+                                        </p:tgtEl>
+                                        <p:attrNameLst>
+                                          <p:attrName>ppt_y</p:attrName>
+                                        </p:attrNameLst>
+                                      </p:cBhvr>
+                                      <p:tavLst>
+                                        <p:tav tm="0">
+                                          <p:val>
+                                            <p:strVal val="1+#ppt_h/2"/>
+                                          </p:val>
+                                        </p:tav>
+                                        <p:tav tm="100000">
+                                          <p:val>
+                                            <p:strVal val="#ppt_y"/>
+                                          </p:val>
+                                        </p:tav>
+                                      </p:tavLst>
+                                    </p:anim>
+                                  </p:childTnLst>
+                                </p:cTn>
+                              </p:par>
+                            </p:childTnLst>
+                          </p:cTn>
+                        </p:par>
+                      </p:childTnLst>
+                    </p:cTn>
+                  </p:par>
+                </p:childTnLst>
+              </p:cTn>
+              <p:prevCondLst>
+                <p:cond evt="onPrev" delay="0">
+                  <p:tgtEl>
+                    <p:sldTgt/>
+                  </p:tgtEl>
+                </p:cond>
+              </p:prevCondLst>
+              <p:nextCondLst>
+                <p:cond evt="onNext" delay="0">
+                  <p:tgtEl>
+                    <p:sldTgt/>
+                  </p:tgtEl>
+                </p:cond>
+              </p:nextCondLst>
+            </p:seq>
+          </p:childTnLst>
+        </p:cTn>
+      </p:par>
+    </p:tnLst>
+    <p:bldLst>
+      <p:bldP spid="2" grpId="0"/>
+    </p:bldLst>
+  </p:timing>
+</p:sld>
+</file>
+
+<file path=ppt/slides/slide2.xml><?xml version="1.0" encoding="utf-8"?>
+<p:sld xmlns:a="http://schemas.openxmlformats.org/drawingml/2006/main" xmlns:r="http://schemas.openxmlformats.org/officeDocument/2006/relationships" xmlns:p="http://schemas.openxmlformats.org/presentationml/2006/main">
+  <p:cSld>
+    <p:spTree>
+      <p:nvGrpSpPr>
+        <p:cNvPr id="1" name=""/>
+        <p:cNvGrpSpPr/>
+        <p:nvPr/>
+      </p:nvGrpSpPr>
+      <p:grpSpPr>
+        <a:xfrm>
+          <a:off x="0" y="0"/>
+          <a:ext cx="0" cy="0"/>
+          <a:chOff x="0" y="0"/>
+          <a:chExt cx="0" cy="0"/>
+        </a:xfrm>
+      </p:grpSpPr>
+      <p:sp>
+        <p:nvSpPr>
+          <p:cNvPr id="2" name="Title 1">
+            <a:extLst>
+              <a:ext uri="{FF2B5EF4-FFF2-40B4-BE49-F238E27FC236}">
+                <a16:creationId xmlns:a16="http://schemas.microsoft.com/office/drawing/2014/main" id="{93C87B1A-37C6-4534-A1B1-1C0ACCED3831}"/>
+              </a:ext>
+            </a:extLst>
+          </p:cNvPr>
+          <p:cNvSpPr>
+            <a:spLocks noGrp="1"/>
+          </p:cNvSpPr>
+          <p:nvPr>
+            <p:ph type="title"/>
+          </p:nvPr>
+        </p:nvSpPr>
+        <p:spPr/>
+        <p:txBody>
+          <a:bodyPr/>
+          <a:lstStyle/>
+          <a:p>
+            <a:pPr algn="ctr"/>
+            <a:r>
+              <a:rPr lang="en-US" dirty="0"/>
+              <a:t>D.I.L.F.S.</a:t>
+            </a:r>
+          </a:p>
+        </p:txBody>
+      </p:sp>
+      <p:sp>
+        <p:nvSpPr>
+          <p:cNvPr id="3" name="Content Placeholder 2">
+            <a:extLst>
+              <a:ext uri="{FF2B5EF4-FFF2-40B4-BE49-F238E27FC236}">
+                <a16:creationId xmlns:a16="http://schemas.microsoft.com/office/drawing/2014/main" id="{9BEEC859-6BD8-4AC2-9695-29581BC782CD}"/>
+              </a:ext>
+            </a:extLst>
+          </p:cNvPr>
+          <p:cNvSpPr>
+            <a:spLocks noGrp="1"/>
+          </p:cNvSpPr>
+          <p:nvPr>
+            <p:ph idx="1"/>
+          </p:nvPr>
+        </p:nvSpPr>
+        <p:spPr/>
+        <p:txBody>
+          <a:bodyPr>
+            <a:normAutofit fontScale="92500" lnSpcReduction="20000"/>
+          </a:bodyPr>
+          <a:lstStyle/>
+          <a:p>
+            <a:pPr algn="ctr"/>
+            <a:r>
+              <a:rPr lang="en-US" sz="4400" b="1" dirty="0"/>
+              <a:t>D</a:t>
+            </a:r>
+            <a:r>
+              <a:rPr lang="en-US" dirty="0"/>
+              <a:t>o communicate</a:t>
+            </a:r>
+          </a:p>
+          <a:p>
+            <a:pPr algn="ctr"/>
+            <a:r>
+              <a:rPr lang="en-US" sz="4400" b="1" dirty="0"/>
+              <a:t>I</a:t>
+            </a:r>
+            <a:r>
+              <a:rPr lang="en-US" dirty="0"/>
+              <a:t>s important to communicate</a:t>
+            </a:r>
+          </a:p>
+          <a:p>
+            <a:pPr algn="ctr"/>
+            <a:r>
+              <a:rPr lang="en-US" sz="4400" b="1" dirty="0"/>
+              <a:t>L</a:t>
+            </a:r>
+            <a:r>
+              <a:rPr lang="en-US" dirty="0"/>
+              <a:t>ike, you really need to communicate</a:t>
+            </a:r>
+          </a:p>
+          <a:p>
+            <a:pPr algn="ctr"/>
+            <a:r>
+              <a:rPr lang="en-US" sz="4400" b="1" dirty="0"/>
+              <a:t>F</a:t>
+            </a:r>
+            <a:r>
+              <a:rPr lang="en-US" dirty="0"/>
+              <a:t>or real you need to communicate</a:t>
+            </a:r>
+          </a:p>
+          <a:p>
+            <a:pPr algn="ctr"/>
+            <a:r>
+              <a:rPr lang="en-US" sz="4000" b="1" dirty="0"/>
+              <a:t>S</a:t>
+            </a:r>
+            <a:r>
+              <a:rPr lang="en-US" dirty="0"/>
+              <a:t>o you want to communicate</a:t>
+            </a:r>
+          </a:p>
+          <a:p>
+            <a:pPr marL="0" indent="0" algn="ctr">
+              <a:buNone/>
+            </a:pPr>
+            <a:endParaRPr lang="en-US" dirty="0"/>
+          </a:p>
+          <a:p>
+            <a:pPr algn="ctr"/>
+            <a:r>
+              <a:rPr lang="en-US" dirty="0"/>
+              <a:t>Communication is important</a:t>
+            </a:r>
+          </a:p>
+          <a:p>
+            <a:pPr algn="ctr"/>
+            <a:r>
+              <a:rPr lang="en-US" dirty="0"/>
+              <a:t>So do it…</a:t>
+            </a:r>
+          </a:p>
+        </p:txBody>
+      </p:sp>
+    </p:spTree>
+    <p:extLst>
+      <p:ext uri="{BB962C8B-B14F-4D97-AF65-F5344CB8AC3E}">
+        <p14:creationId xmlns:p14="http://schemas.microsoft.com/office/powerpoint/2010/main" val="2649324647"/>
+      </p:ext>
+    </p:extLst>
+  </p:cSld>
+  <p:clrMapOvr>
+    <a:masterClrMapping/>
+  </p:clrMapOvr>
+  <p:timing>
+    <p:tnLst>
+      <p:par>
+        <p:cTn id="1" dur="indefinite" restart="never" nodeType="tmRoot">
+          <p:childTnLst>
+            <p:seq concurrent="1" nextAc="seek">
+              <p:cTn id="2" dur="indefinite" nodeType="mainSeq">
+                <p:childTnLst>
+                  <p:par>
+                    <p:cTn id="3" fill="hold">
+                      <p:stCondLst>
+                        <p:cond delay="indefinite"/>
+                      </p:stCondLst>
+                      <p:childTnLst>
+                        <p:par>
+                          <p:cTn id="4" fill="hold">
+                            <p:stCondLst>
+                              <p:cond delay="0"/>
+                            </p:stCondLst>
+                            <p:childTnLst>
+                              <p:par>
+                                <p:cTn id="5" presetID="10" presetClass="entr" presetSubtype="0" fill="hold" nodeType="clickEffect">
+                                  <p:stCondLst>
+                                    <p:cond delay="0"/>
+                                  </p:stCondLst>
+                                  <p:childTnLst>
+                                    <p:set>
+                                      <p:cBhvr>
+                                        <p:cTn id="6" dur="1" fill="hold">
+                                          <p:stCondLst>
+                                            <p:cond delay="0"/>
+                                          </p:stCondLst>
+                                        </p:cTn>
+                                        <p:tgtEl>
+                                          <p:spTgt spid="3">
+                                            <p:txEl>
+                                              <p:pRg st="0" end="0"/>
+                                            </p:txEl>
+                                          </p:spTgt>
+                                        </p:tgtEl>
+                                        <p:attrNameLst>
+                                          <p:attrName>style.visibility</p:attrName>
+                                        </p:attrNameLst>
+                                      </p:cBhvr>
+                                      <p:to>
+                                        <p:strVal val="visible"/>
+                                      </p:to>
+                                    </p:set>
+                                    <p:animEffect transition="in" filter="fade">
+                                      <p:cBhvr>
+                                        <p:cTn id="7" dur="500"/>
+                                        <p:tgtEl>
+                                          <p:spTgt spid="3">
+                                            <p:txEl>
+                                              <p:pRg st="0" end="0"/>
+                                            </p:txEl>
+                                          </p:spTgt>
+                                        </p:tgtEl>
+                                      </p:cBhvr>
+                                    </p:animEffect>
+                                  </p:childTnLst>
+                                </p:cTn>
+                              </p:par>
+                            </p:childTnLst>
+                          </p:cTn>
+                        </p:par>
+                      </p:childTnLst>
+                    </p:cTn>
+                  </p:par>
+                  <p:par>
+                    <p:cTn id="8" fill="hold">
+                      <p:stCondLst>
+                        <p:cond delay="indefinite"/>
+                      </p:stCondLst>
+                      <p:childTnLst>
+                        <p:par>
+                          <p:cTn id="9" fill="hold">
+                            <p:stCondLst>
+                              <p:cond delay="0"/>
+                            </p:stCondLst>
+                            <p:childTnLst>
+                              <p:par>
+                                <p:cTn id="10" presetID="10" presetClass="entr" presetSubtype="0" fill="hold" nodeType="clickEffect">
+                                  <p:stCondLst>
+                                    <p:cond delay="0"/>
+                                  </p:stCondLst>
+                                  <p:childTnLst>
+                                    <p:set>
+                                      <p:cBhvr>
+                                        <p:cTn id="11" dur="1" fill="hold">
+                                          <p:stCondLst>
+                                            <p:cond delay="0"/>
+                                          </p:stCondLst>
+                                        </p:cTn>
+                                        <p:tgtEl>
+                                          <p:spTgt spid="3">
+                                            <p:txEl>
+                                              <p:pRg st="1" end="1"/>
+                                            </p:txEl>
+                                          </p:spTgt>
+                                        </p:tgtEl>
+                                        <p:attrNameLst>
+                                          <p:attrName>style.visibility</p:attrName>
+                                        </p:attrNameLst>
+                                      </p:cBhvr>
+                                      <p:to>
+                                        <p:strVal val="visible"/>
+                                      </p:to>
+                                    </p:set>
+                                    <p:animEffect transition="in" filter="fade">
+                                      <p:cBhvr>
+                                        <p:cTn id="12" dur="500"/>
+                                        <p:tgtEl>
+                                          <p:spTgt spid="3">
+                                            <p:txEl>
+                                              <p:pRg st="1" end="1"/>
+                                            </p:txEl>
+                                          </p:spTgt>
+                                        </p:tgtEl>
+                                      </p:cBhvr>
+                                    </p:animEffect>
+                                  </p:childTnLst>
+                                </p:cTn>
+                              </p:par>
+                            </p:childTnLst>
+                          </p:cTn>
+                        </p:par>
+                      </p:childTnLst>
+                    </p:cTn>
+                  </p:par>
+                  <p:par>
+                    <p:cTn id="13" fill="hold">
+                      <p:stCondLst>
+                        <p:cond delay="indefinite"/>
+                      </p:stCondLst>
+                      <p:childTnLst>
+                        <p:par>
+                          <p:cTn id="14" fill="hold">
+                            <p:stCondLst>
+                              <p:cond delay="0"/>
+                            </p:stCondLst>
+                            <p:childTnLst>
+                              <p:par>
+                                <p:cTn id="15" presetID="10" presetClass="entr" presetSubtype="0" fill="hold" nodeType="clickEffect">
+                                  <p:stCondLst>
+                                    <p:cond delay="0"/>
+                                  </p:stCondLst>
+                                  <p:childTnLst>
+                                    <p:set>
+                                      <p:cBhvr>
+                                        <p:cTn id="16" dur="1" fill="hold">
+                                          <p:stCondLst>
+                                            <p:cond delay="0"/>
+                                          </p:stCondLst>
+                                        </p:cTn>
+                                        <p:tgtEl>
+                                          <p:spTgt spid="3">
+                                            <p:txEl>
+                                              <p:pRg st="2" end="2"/>
+                                            </p:txEl>
+                                          </p:spTgt>
+                                        </p:tgtEl>
+                                        <p:attrNameLst>
+                                          <p:attrName>style.visibility</p:attrName>
+                                        </p:attrNameLst>
+                                      </p:cBhvr>
+                                      <p:to>
+                                        <p:strVal val="visible"/>
+                                      </p:to>
+                                    </p:set>
+                                    <p:animEffect transition="in" filter="fade">
+                                      <p:cBhvr>
+                                        <p:cTn id="17" dur="500"/>
+                                        <p:tgtEl>
+                                          <p:spTgt spid="3">
+                                            <p:txEl>
+                                              <p:pRg st="2" end="2"/>
+                                            </p:txEl>
+                                          </p:spTgt>
+                                        </p:tgtEl>
+                                      </p:cBhvr>
+                                    </p:animEffect>
+                                  </p:childTnLst>
+                                </p:cTn>
+                              </p:par>
+                            </p:childTnLst>
+                          </p:cTn>
+                        </p:par>
+                      </p:childTnLst>
+                    </p:cTn>
+                  </p:par>
+                  <p:par>
+                    <p:cTn id="18" fill="hold">
+                      <p:stCondLst>
+                        <p:cond delay="indefinite"/>
+                      </p:stCondLst>
+                      <p:childTnLst>
+                        <p:par>
+                          <p:cTn id="19" fill="hold">
+                            <p:stCondLst>
+                              <p:cond delay="0"/>
+                            </p:stCondLst>
+                            <p:childTnLst>
+                              <p:par>
+                                <p:cTn id="20" presetID="10" presetClass="entr" presetSubtype="0" fill="hold" nodeType="clickEffect">
+                                  <p:stCondLst>
+                                    <p:cond delay="0"/>
+                                  </p:stCondLst>
+                                  <p:childTnLst>
+                                    <p:set>
+                                      <p:cBhvr>
+                                        <p:cTn id="21" dur="1" fill="hold">
+                                          <p:stCondLst>
+                                            <p:cond delay="0"/>
+                                          </p:stCondLst>
+                                        </p:cTn>
+                                        <p:tgtEl>
+                                          <p:spTgt spid="3">
+                                            <p:txEl>
+                                              <p:pRg st="3" end="3"/>
+                                            </p:txEl>
+                                          </p:spTgt>
+                                        </p:tgtEl>
+                                        <p:attrNameLst>
+                                          <p:attrName>style.visibility</p:attrName>
+                                        </p:attrNameLst>
+                                      </p:cBhvr>
+                                      <p:to>
+                                        <p:strVal val="visible"/>
+                                      </p:to>
+                                    </p:set>
+                                    <p:animEffect transition="in" filter="fade">
+                                      <p:cBhvr>
+                                        <p:cTn id="22" dur="500"/>
+                                        <p:tgtEl>
+                                          <p:spTgt spid="3">
+                                            <p:txEl>
+                                              <p:pRg st="3" end="3"/>
+                                            </p:txEl>
+                                          </p:spTgt>
+                                        </p:tgtEl>
+                                      </p:cBhvr>
+                                    </p:animEffect>
+                                  </p:childTnLst>
+                                </p:cTn>
+                              </p:par>
+                            </p:childTnLst>
+                          </p:cTn>
+                        </p:par>
+                      </p:childTnLst>
+                    </p:cTn>
+                  </p:par>
+                  <p:par>
+                    <p:cTn id="23" fill="hold">
+                      <p:stCondLst>
+                        <p:cond delay="indefinite"/>
+                      </p:stCondLst>
+                      <p:childTnLst>
+                        <p:par>
+                          <p:cTn id="24" fill="hold">
+                            <p:stCondLst>
+                              <p:cond delay="0"/>
+                            </p:stCondLst>
+                            <p:childTnLst>
+                              <p:par>
+                                <p:cTn id="25" presetID="10" presetClass="entr" presetSubtype="0" fill="hold" nodeType="clickEffect">
+                                  <p:stCondLst>
+                                    <p:cond delay="0"/>
+                                  </p:stCondLst>
+                                  <p:childTnLst>
+                                    <p:set>
+                                      <p:cBhvr>
+                                        <p:cTn id="26" dur="1" fill="hold">
+                                          <p:stCondLst>
+                                            <p:cond delay="0"/>
+                                          </p:stCondLst>
+                                        </p:cTn>
+                                        <p:tgtEl>
+                                          <p:spTgt spid="3">
+                                            <p:txEl>
+                                              <p:pRg st="4" end="4"/>
+                                            </p:txEl>
+                                          </p:spTgt>
+                                        </p:tgtEl>
+                                        <p:attrNameLst>
+                                          <p:attrName>style.visibility</p:attrName>
+                                        </p:attrNameLst>
+                                      </p:cBhvr>
+                                      <p:to>
+                                        <p:strVal val="visible"/>
+                                      </p:to>
+                                    </p:set>
+                                    <p:animEffect transition="in" filter="fade">
+                                      <p:cBhvr>
+                                        <p:cTn id="27" dur="500"/>
+                                        <p:tgtEl>
+                                          <p:spTgt spid="3">
+                                            <p:txEl>
+                                              <p:pRg st="4" end="4"/>
+                                            </p:txEl>
+                                          </p:spTgt>
+                                        </p:tgtEl>
+                                      </p:cBhvr>
+                                    </p:animEffect>
+                                  </p:childTnLst>
+                                </p:cTn>
+                              </p:par>
+                            </p:childTnLst>
+                          </p:cTn>
+                        </p:par>
+                      </p:childTnLst>
+                    </p:cTn>
+                  </p:par>
+                  <p:par>
+                    <p:cTn id="28" fill="hold">
+                      <p:stCondLst>
+                        <p:cond delay="indefinite"/>
+                      </p:stCondLst>
+                      <p:childTnLst>
+                        <p:par>
+                          <p:cTn id="29" fill="hold">
+                            <p:stCondLst>
+                              <p:cond delay="0"/>
+                            </p:stCondLst>
+                            <p:childTnLst>
+                              <p:par>
+                                <p:cTn id="30" presetID="10" presetClass="entr" presetSubtype="0" fill="hold" nodeType="clickEffect">
+                                  <p:stCondLst>
+                                    <p:cond delay="0"/>
+                                  </p:stCondLst>
+                                  <p:childTnLst>
+                                    <p:set>
+                                      <p:cBhvr>
+                                        <p:cTn id="31" dur="1" fill="hold">
+                                          <p:stCondLst>
+                                            <p:cond delay="0"/>
+                                          </p:stCondLst>
+                                        </p:cTn>
+                                        <p:tgtEl>
+                                          <p:spTgt spid="3">
+                                            <p:txEl>
+                                              <p:pRg st="6" end="6"/>
+                                            </p:txEl>
+                                          </p:spTgt>
+                                        </p:tgtEl>
+                                        <p:attrNameLst>
+                                          <p:attrName>style.visibility</p:attrName>
+                                        </p:attrNameLst>
+                                      </p:cBhvr>
+                                      <p:to>
+                                        <p:strVal val="visible"/>
+                                      </p:to>
+                                    </p:set>
+                                    <p:animEffect transition="in" filter="fade">
+                                      <p:cBhvr>
+                                        <p:cTn id="32" dur="500"/>
+                                        <p:tgtEl>
+                                          <p:spTgt spid="3">
+                                            <p:txEl>
+                                              <p:pRg st="6" end="6"/>
+                                            </p:txEl>
+                                          </p:spTgt>
+                                        </p:tgtEl>
+                                      </p:cBhvr>
+                                    </p:animEffect>
+                                  </p:childTnLst>
+                                </p:cTn>
+                              </p:par>
+                            </p:childTnLst>
+                          </p:cTn>
+                        </p:par>
+                      </p:childTnLst>
+                    </p:cTn>
+                  </p:par>
+                  <p:par>
+                    <p:cTn id="33" fill="hold">
+                      <p:stCondLst>
+                        <p:cond delay="indefinite"/>
+                      </p:stCondLst>
+                      <p:childTnLst>
+                        <p:par>
+                          <p:cTn id="34" fill="hold">
+                            <p:stCondLst>
+                              <p:cond delay="0"/>
+                            </p:stCondLst>
+                            <p:childTnLst>
+                              <p:par>
+                                <p:cTn id="35" presetID="10" presetClass="entr" presetSubtype="0" fill="hold" nodeType="clickEffect">
+                                  <p:stCondLst>
+                                    <p:cond delay="0"/>
+                                  </p:stCondLst>
+                                  <p:childTnLst>
+                                    <p:set>
+                                      <p:cBhvr>
+                                        <p:cTn id="36" dur="1" fill="hold">
+                                          <p:stCondLst>
+                                            <p:cond delay="0"/>
+                                          </p:stCondLst>
+                                        </p:cTn>
+                                        <p:tgtEl>
+                                          <p:spTgt spid="3">
+                                            <p:txEl>
+                                              <p:pRg st="7" end="7"/>
+                                            </p:txEl>
+                                          </p:spTgt>
+                                        </p:tgtEl>
+                                        <p:attrNameLst>
+                                          <p:attrName>style.visibility</p:attrName>
+                                        </p:attrNameLst>
+                                      </p:cBhvr>
+                                      <p:to>
+                                        <p:strVal val="visible"/>
+                                      </p:to>
+                                    </p:set>
+                                    <p:animEffect transition="in" filter="fade">
+                                      <p:cBhvr>
+                                        <p:cTn id="37" dur="500"/>
+                                        <p:tgtEl>
+                                          <p:spTgt spid="3">
+                                            <p:txEl>
+                                              <p:pRg st="7" end="7"/>
+                                            </p:txEl>
+                                          </p:spTgt>
+                                        </p:tgtEl>
+                                      </p:cBhvr>
+                                    </p:animEffect>
+                                  </p:childTnLst>
+                                </p:cTn>
+                              </p:par>
+                            </p:childTnLst>
+                          </p:cTn>
+                        </p:par>
+                      </p:childTnLst>
+                    </p:cTn>
+                  </p:par>
+                </p:childTnLst>
+              </p:cTn>
+              <p:prevCondLst>
+                <p:cond evt="onPrev" delay="0">
+                  <p:tgtEl>
+                    <p:sldTgt/>
+                  </p:tgtEl>
+                </p:cond>
+              </p:prevCondLst>
+              <p:nextCondLst>
+                <p:cond evt="onNext" delay="0">
+                  <p:tgtEl>
+                    <p:sldTgt/>
+                  </p:tgtEl>
+                </p:cond>
+              </p:nextCondLst>
+            </p:seq>
+          </p:childTnLst>
+        </p:cTn>
+      </p:par>
+    </p:tnLst>
+  </p:timing>
+</p:sld>
+</file>
+
+<file path=ppt/slides/slide3.xml><?xml version="1.0" encoding="utf-8"?>
+<p:sld xmlns:a="http://schemas.openxmlformats.org/drawingml/2006/main" xmlns:r="http://schemas.openxmlformats.org/officeDocument/2006/relationships" xmlns:p="http://schemas.openxmlformats.org/presentationml/2006/main">
+  <p:cSld>
+    <p:spTree>
+      <p:nvGrpSpPr>
+        <p:cNvPr id="1" name=""/>
+        <p:cNvGrpSpPr/>
+        <p:nvPr/>
+      </p:nvGrpSpPr>
+      <p:grpSpPr>
+        <a:xfrm>
+          <a:off x="0" y="0"/>
+          <a:ext cx="0" cy="0"/>
+          <a:chOff x="0" y="0"/>
+          <a:chExt cx="0" cy="0"/>
+        </a:xfrm>
+      </p:grpSpPr>
+      <p:sp>
+        <p:nvSpPr>
+          <p:cNvPr id="2" name="Title 1">
+            <a:extLst>
+              <a:ext uri="{FF2B5EF4-FFF2-40B4-BE49-F238E27FC236}">
+                <a16:creationId xmlns:a16="http://schemas.microsoft.com/office/drawing/2014/main" id="{8D4D20A6-BBE3-42B8-8FC7-FA4EC1334403}"/>
+              </a:ext>
+            </a:extLst>
+          </p:cNvPr>
+          <p:cNvSpPr>
+            <a:spLocks noGrp="1"/>
+          </p:cNvSpPr>
+          <p:nvPr>
+            <p:ph type="title"/>
+          </p:nvPr>
+        </p:nvSpPr>
+        <p:spPr/>
+        <p:txBody>
+          <a:bodyPr/>
+          <a:lstStyle/>
+          <a:p>
+            <a:r>
+              <a:rPr lang="en-US" dirty="0"/>
+              <a:t>Why communication</a:t>
+            </a:r>
+          </a:p>
+        </p:txBody>
+      </p:sp>
+      <p:sp>
+        <p:nvSpPr>
+          <p:cNvPr id="3" name="Content Placeholder 2">
+            <a:extLst>
+              <a:ext uri="{FF2B5EF4-FFF2-40B4-BE49-F238E27FC236}">
+                <a16:creationId xmlns:a16="http://schemas.microsoft.com/office/drawing/2014/main" id="{5A9C69BA-45F6-4B52-90EE-6488F6AD2512}"/>
+              </a:ext>
+            </a:extLst>
+          </p:cNvPr>
+          <p:cNvSpPr>
+            <a:spLocks noGrp="1"/>
+          </p:cNvSpPr>
+          <p:nvPr>
+            <p:ph idx="1"/>
+          </p:nvPr>
+        </p:nvSpPr>
+        <p:spPr/>
+        <p:txBody>
+          <a:bodyPr/>
+          <a:lstStyle/>
+          <a:p>
+            <a:pPr algn="ctr"/>
+            <a:r>
+              <a:rPr lang="en-US" dirty="0"/>
+              <a:t>We need to all know what is going on and when</a:t>
+            </a:r>
+          </a:p>
+          <a:p>
+            <a:pPr algn="ctr"/>
+            <a:r>
+              <a:rPr lang="en-US" dirty="0"/>
+              <a:t>It keeps people up to speed</a:t>
+            </a:r>
+          </a:p>
+          <a:p>
+            <a:pPr algn="ctr"/>
+            <a:r>
+              <a:rPr lang="en-US" dirty="0"/>
+              <a:t>Everyone knows their place and what to do</a:t>
+            </a:r>
+          </a:p>
+          <a:p>
+            <a:pPr algn="ctr"/>
+            <a:r>
+              <a:rPr lang="en-US" dirty="0"/>
+              <a:t>People know what is done, what it was, when it was completed, and what to do from there</a:t>
+            </a:r>
+          </a:p>
+          <a:p>
+            <a:pPr algn="ctr"/>
+            <a:r>
+              <a:rPr lang="en-US" dirty="0"/>
+              <a:t>Its not hard</a:t>
+            </a:r>
+          </a:p>
+          <a:p>
+            <a:pPr algn="ctr"/>
+            <a:endParaRPr lang="en-US" dirty="0"/>
+          </a:p>
+          <a:p>
+            <a:pPr marL="1828800" lvl="4" indent="0" algn="ctr">
+              <a:buNone/>
+            </a:pPr>
+            <a:endParaRPr lang="en-US" dirty="0"/>
+          </a:p>
+        </p:txBody>
+      </p:sp>
+    </p:spTree>
+    <p:extLst>
+      <p:ext uri="{BB962C8B-B14F-4D97-AF65-F5344CB8AC3E}">
+        <p14:creationId xmlns:p14="http://schemas.microsoft.com/office/powerpoint/2010/main" val="1942424538"/>
+      </p:ext>
+    </p:extLst>
+  </p:cSld>
+  <p:clrMapOvr>
+    <a:masterClrMapping/>
+  </p:clrMapOvr>
+</p:sld>
+</file>
+
+<file path=ppt/slides/slide4.xml><?xml version="1.0" encoding="utf-8"?>
+<p:sld xmlns:a="http://schemas.openxmlformats.org/drawingml/2006/main" xmlns:r="http://schemas.openxmlformats.org/officeDocument/2006/relationships" xmlns:p="http://schemas.openxmlformats.org/presentationml/2006/main">
+  <p:cSld>
+    <p:spTree>
+      <p:nvGrpSpPr>
+        <p:cNvPr id="1" name=""/>
+        <p:cNvGrpSpPr/>
+        <p:nvPr/>
+      </p:nvGrpSpPr>
+      <p:grpSpPr>
+        <a:xfrm>
+          <a:off x="0" y="0"/>
+          <a:ext cx="0" cy="0"/>
+          <a:chOff x="0" y="0"/>
+          <a:chExt cx="0" cy="0"/>
+        </a:xfrm>
+      </p:grpSpPr>
+      <p:sp>
+        <p:nvSpPr>
+          <p:cNvPr id="2" name="Title 1">
+            <a:extLst>
+              <a:ext uri="{FF2B5EF4-FFF2-40B4-BE49-F238E27FC236}">
+                <a16:creationId xmlns:a16="http://schemas.microsoft.com/office/drawing/2014/main" id="{B9864F3A-BCE2-4A09-B243-F3F628234463}"/>
+              </a:ext>
+            </a:extLst>
+          </p:cNvPr>
+          <p:cNvSpPr>
+            <a:spLocks noGrp="1"/>
+          </p:cNvSpPr>
+          <p:nvPr>
+            <p:ph type="title"/>
+          </p:nvPr>
+        </p:nvSpPr>
+        <p:spPr/>
+        <p:txBody>
+          <a:bodyPr/>
+          <a:lstStyle/>
+          <a:p>
+            <a:r>
+              <a:rPr lang="en-US" dirty="0" err="1"/>
+              <a:t>KahnBan</a:t>
+            </a:r>
+            <a:r>
+              <a:rPr lang="en-US" dirty="0"/>
+              <a:t> </a:t>
+            </a:r>
+          </a:p>
+        </p:txBody>
+      </p:sp>
+      <p:sp>
+        <p:nvSpPr>
+          <p:cNvPr id="3" name="Content Placeholder 2">
+            <a:extLst>
+              <a:ext uri="{FF2B5EF4-FFF2-40B4-BE49-F238E27FC236}">
+                <a16:creationId xmlns:a16="http://schemas.microsoft.com/office/drawing/2014/main" id="{7DED94F2-B8BE-4341-9EBE-770D348F7B8E}"/>
+              </a:ext>
+            </a:extLst>
+          </p:cNvPr>
+          <p:cNvSpPr>
+            <a:spLocks noGrp="1"/>
+          </p:cNvSpPr>
+          <p:nvPr>
+            <p:ph idx="1"/>
+          </p:nvPr>
+        </p:nvSpPr>
+        <p:spPr/>
+        <p:txBody>
+          <a:bodyPr/>
+          <a:lstStyle/>
+          <a:p>
+            <a:pPr algn="ctr"/>
+            <a:r>
+              <a:rPr lang="en-US" dirty="0"/>
+              <a:t>Kahn Bahn pages are great for keeping everyone up to speed and everyone knows what to do and what needs done</a:t>
+            </a:r>
+          </a:p>
+          <a:p>
+            <a:pPr algn="ctr"/>
+            <a:r>
+              <a:rPr lang="en-US" dirty="0" err="1"/>
+              <a:t>Kahnban</a:t>
+            </a:r>
+            <a:r>
+              <a:rPr lang="en-US" dirty="0"/>
+              <a:t> pages are structured in columns stating “needs done”, “currently working on”, “done”</a:t>
+            </a:r>
+          </a:p>
+          <a:p>
+            <a:pPr algn="ctr"/>
+            <a:endParaRPr lang="en-US" dirty="0"/>
+          </a:p>
+          <a:p>
+            <a:endParaRPr lang="en-US" dirty="0"/>
+          </a:p>
+        </p:txBody>
+      </p:sp>
+    </p:spTree>
+    <p:extLst>
+      <p:ext uri="{BB962C8B-B14F-4D97-AF65-F5344CB8AC3E}">
+        <p14:creationId xmlns:p14="http://schemas.microsoft.com/office/powerpoint/2010/main" val="861680280"/>
+      </p:ext>
+    </p:extLst>
+  </p:cSld>
+  <p:clrMapOvr>
+    <a:masterClrMapping/>
+  </p:clrMapOvr>
+</p:sld>
+</file>
+
+<file path=ppt/slides/slide5.xml><?xml version="1.0" encoding="utf-8"?>
+<p:sld xmlns:a="http://schemas.openxmlformats.org/drawingml/2006/main" xmlns:r="http://schemas.openxmlformats.org/officeDocument/2006/relationships" xmlns:p="http://schemas.openxmlformats.org/presentationml/2006/main">
+  <p:cSld>
+    <p:spTree>
+      <p:nvGrpSpPr>
+        <p:cNvPr id="1" name=""/>
+        <p:cNvGrpSpPr/>
+        <p:nvPr/>
+      </p:nvGrpSpPr>
+      <p:grpSpPr>
+        <a:xfrm>
+          <a:off x="0" y="0"/>
+          <a:ext cx="0" cy="0"/>
+          <a:chOff x="0" y="0"/>
+          <a:chExt cx="0" cy="0"/>
+        </a:xfrm>
+      </p:grpSpPr>
+      <p:sp>
+        <p:nvSpPr>
+          <p:cNvPr id="2" name="Title 1">
+            <a:extLst>
+              <a:ext uri="{FF2B5EF4-FFF2-40B4-BE49-F238E27FC236}">
+                <a16:creationId xmlns:a16="http://schemas.microsoft.com/office/drawing/2014/main" id="{BF63AA63-1EC3-48D5-88AD-1AB1B8C0980C}"/>
+              </a:ext>
+            </a:extLst>
+          </p:cNvPr>
+          <p:cNvSpPr>
+            <a:spLocks noGrp="1"/>
+          </p:cNvSpPr>
+          <p:nvPr>
+            <p:ph type="title"/>
+          </p:nvPr>
+        </p:nvSpPr>
+        <p:spPr/>
+        <p:txBody>
+          <a:bodyPr/>
+          <a:lstStyle/>
+          <a:p>
+            <a:r>
+              <a:rPr lang="en-US" dirty="0" err="1"/>
+              <a:t>KahnBan</a:t>
+            </a:r>
+            <a:r>
+              <a:rPr lang="en-US" dirty="0"/>
+              <a:t> pt.2</a:t>
+            </a:r>
+          </a:p>
+        </p:txBody>
+      </p:sp>
+      <p:sp>
+        <p:nvSpPr>
+          <p:cNvPr id="3" name="Content Placeholder 2">
+            <a:extLst>
+              <a:ext uri="{FF2B5EF4-FFF2-40B4-BE49-F238E27FC236}">
+                <a16:creationId xmlns:a16="http://schemas.microsoft.com/office/drawing/2014/main" id="{FDE42B3F-9788-4543-98E0-D7CAF76F3FE4}"/>
+              </a:ext>
+            </a:extLst>
+          </p:cNvPr>
+          <p:cNvSpPr>
+            <a:spLocks noGrp="1"/>
+          </p:cNvSpPr>
+          <p:nvPr>
+            <p:ph idx="1"/>
+          </p:nvPr>
+        </p:nvSpPr>
+        <p:spPr/>
+        <p:txBody>
+          <a:bodyPr/>
+          <a:lstStyle/>
+          <a:p>
+            <a:pPr algn="ctr"/>
+            <a:r>
+              <a:rPr lang="en-US" dirty="0"/>
+              <a:t>Trello, Asama, </a:t>
+            </a:r>
+            <a:r>
+              <a:rPr lang="en-US" dirty="0" err="1"/>
+              <a:t>Kanboard</a:t>
+            </a:r>
+            <a:r>
+              <a:rPr lang="en-US" dirty="0"/>
+              <a:t>, Microsoft Planner</a:t>
+            </a:r>
+          </a:p>
+          <a:p>
+            <a:pPr algn="ctr"/>
+            <a:r>
+              <a:rPr lang="en-US" dirty="0"/>
+              <a:t>These are great to keep everyone updates</a:t>
+            </a:r>
+          </a:p>
+          <a:p>
+            <a:pPr algn="ctr"/>
+            <a:r>
+              <a:rPr lang="en-US" dirty="0"/>
+              <a:t>It also doesn’t hurt to mention to your team when the board has been updated</a:t>
+            </a:r>
+          </a:p>
+          <a:p>
+            <a:pPr algn="ctr"/>
+            <a:r>
+              <a:rPr lang="en-US" dirty="0"/>
+              <a:t>Any new project that requires multiple people, go and slap that information into a </a:t>
+            </a:r>
+            <a:r>
+              <a:rPr lang="en-US" dirty="0" err="1"/>
+              <a:t>kahnBan</a:t>
+            </a:r>
+            <a:r>
+              <a:rPr lang="en-US" dirty="0"/>
+              <a:t> page and run and do your work</a:t>
+            </a:r>
+          </a:p>
+        </p:txBody>
+      </p:sp>
+    </p:spTree>
+    <p:extLst>
+      <p:ext uri="{BB962C8B-B14F-4D97-AF65-F5344CB8AC3E}">
+        <p14:creationId xmlns:p14="http://schemas.microsoft.com/office/powerpoint/2010/main" val="1640360448"/>
+      </p:ext>
+    </p:extLst>
+  </p:cSld>
+  <p:clrMapOvr>
+    <a:masterClrMapping/>
+  </p:clrMapOvr>
+</p:sld>
+</file>
+
+<file path=ppt/slides/slide6.xml><?xml version="1.0" encoding="utf-8"?>
+<p:sld xmlns:a="http://schemas.openxmlformats.org/drawingml/2006/main" xmlns:r="http://schemas.openxmlformats.org/officeDocument/2006/relationships" xmlns:p="http://schemas.openxmlformats.org/presentationml/2006/main">
+  <p:cSld>
+    <p:spTree>
+      <p:nvGrpSpPr>
+        <p:cNvPr id="1" name=""/>
+        <p:cNvGrpSpPr/>
+        <p:nvPr/>
+      </p:nvGrpSpPr>
+      <p:grpSpPr>
+        <a:xfrm>
+          <a:off x="0" y="0"/>
+          <a:ext cx="0" cy="0"/>
+          <a:chOff x="0" y="0"/>
+          <a:chExt cx="0" cy="0"/>
+        </a:xfrm>
+      </p:grpSpPr>
+      <p:sp>
+        <p:nvSpPr>
+          <p:cNvPr id="2" name="Title 1">
+            <a:extLst>
+              <a:ext uri="{FF2B5EF4-FFF2-40B4-BE49-F238E27FC236}">
+                <a16:creationId xmlns:a16="http://schemas.microsoft.com/office/drawing/2014/main" id="{3561A41D-2879-44CD-A7F7-8048C1D463B6}"/>
+              </a:ext>
+            </a:extLst>
+          </p:cNvPr>
+          <p:cNvSpPr>
+            <a:spLocks noGrp="1"/>
+          </p:cNvSpPr>
+          <p:nvPr>
+            <p:ph type="title"/>
+          </p:nvPr>
+        </p:nvSpPr>
+        <p:spPr/>
+        <p:txBody>
+          <a:bodyPr/>
+          <a:lstStyle/>
+          <a:p>
+            <a:r>
+              <a:rPr lang="en-US" dirty="0"/>
+              <a:t>Talk to </a:t>
+            </a:r>
+            <a:r>
+              <a:rPr lang="en-US" dirty="0" err="1"/>
+              <a:t>eachother</a:t>
+            </a:r>
+            <a:endParaRPr lang="en-US" dirty="0"/>
+          </a:p>
+        </p:txBody>
+      </p:sp>
+      <p:sp>
+        <p:nvSpPr>
+          <p:cNvPr id="3" name="Content Placeholder 2">
+            <a:extLst>
+              <a:ext uri="{FF2B5EF4-FFF2-40B4-BE49-F238E27FC236}">
+                <a16:creationId xmlns:a16="http://schemas.microsoft.com/office/drawing/2014/main" id="{A3CED4C5-EE19-43F5-94D1-7E1A47A2FA98}"/>
+              </a:ext>
+            </a:extLst>
+          </p:cNvPr>
+          <p:cNvSpPr>
+            <a:spLocks noGrp="1"/>
+          </p:cNvSpPr>
+          <p:nvPr>
+            <p:ph idx="1"/>
+          </p:nvPr>
+        </p:nvSpPr>
+        <p:spPr/>
+        <p:txBody>
+          <a:bodyPr>
+            <a:normAutofit/>
+          </a:bodyPr>
+          <a:lstStyle/>
+          <a:p>
+            <a:pPr algn="ctr"/>
+            <a:r>
+              <a:rPr lang="en-US" dirty="0"/>
+              <a:t>You are literally next to </a:t>
+            </a:r>
+            <a:r>
+              <a:rPr lang="en-US" dirty="0" err="1"/>
+              <a:t>eachother</a:t>
+            </a:r>
+            <a:endParaRPr lang="en-US" dirty="0"/>
+          </a:p>
+          <a:p>
+            <a:pPr algn="ctr"/>
+            <a:r>
+              <a:rPr lang="en-US" dirty="0"/>
+              <a:t>Talk…</a:t>
+            </a:r>
+          </a:p>
+          <a:p>
+            <a:pPr algn="ctr"/>
+            <a:r>
+              <a:rPr lang="en-US" dirty="0"/>
+              <a:t>Ask what are we doing</a:t>
+            </a:r>
+          </a:p>
+          <a:p>
+            <a:pPr algn="ctr"/>
+            <a:r>
+              <a:rPr lang="en-US" dirty="0"/>
+              <a:t>Ask how can I help</a:t>
+            </a:r>
+          </a:p>
+          <a:p>
+            <a:pPr algn="ctr"/>
+            <a:r>
+              <a:rPr lang="en-US" dirty="0"/>
+              <a:t>Ask what have I missed</a:t>
+            </a:r>
+          </a:p>
+          <a:p>
+            <a:pPr algn="ctr"/>
+            <a:r>
+              <a:rPr lang="en-US" dirty="0"/>
+              <a:t>Sitting there and being useless is becoming your personality trait when it shouldn’t be</a:t>
+            </a:r>
+          </a:p>
+          <a:p>
+            <a:pPr lvl="1" algn="ctr"/>
+            <a:r>
+              <a:rPr lang="en-US" b="1" u="sng" dirty="0"/>
+              <a:t>STOP IT!!</a:t>
+            </a:r>
+          </a:p>
+          <a:p>
+            <a:pPr algn="ctr"/>
+            <a:r>
+              <a:rPr lang="en-US" dirty="0"/>
+              <a:t>Do your job, ask questions, ask for help</a:t>
+            </a:r>
+          </a:p>
+        </p:txBody>
+      </p:sp>
+    </p:spTree>
+    <p:extLst>
+      <p:ext uri="{BB962C8B-B14F-4D97-AF65-F5344CB8AC3E}">
+        <p14:creationId xmlns:p14="http://schemas.microsoft.com/office/powerpoint/2010/main" val="2094170780"/>
+      </p:ext>
+    </p:extLst>
+  </p:cSld>
+  <p:clrMapOvr>
+    <a:masterClrMapping/>
+  </p:clrMapOvr>
+  <p:timing>
+    <p:tnLst>
+      <p:par>
+        <p:cTn id="1" dur="indefinite" restart="never" nodeType="tmRoot">
+          <p:childTnLst>
+            <p:seq concurrent="1" nextAc="seek">
+              <p:cTn id="2" dur="indefinite" nodeType="mainSeq">
+                <p:childTnLst>
+                  <p:par>
+                    <p:cTn id="3" fill="hold">
+                      <p:stCondLst>
+                        <p:cond delay="indefinite"/>
+                      </p:stCondLst>
+                      <p:childTnLst>
+                        <p:par>
+                          <p:cTn id="4" fill="hold">
+                            <p:stCondLst>
+                              <p:cond delay="0"/>
+                            </p:stCondLst>
+                            <p:childTnLst>
+                              <p:par>
+                                <p:cTn id="5" presetID="14" presetClass="entr" presetSubtype="10" fill="hold" nodeType="clickEffect">
+                                  <p:stCondLst>
+                                    <p:cond delay="0"/>
+                                  </p:stCondLst>
+                                  <p:iterate type="lt">
+                                    <p:tmPct val="0"/>
+                                  </p:iterate>
+                                  <p:childTnLst>
+                                    <p:set>
+                                      <p:cBhvr>
+                                        <p:cTn id="6" dur="1" fill="hold">
+                                          <p:stCondLst>
+                                            <p:cond delay="0"/>
+                                          </p:stCondLst>
+                                        </p:cTn>
+                                        <p:tgtEl>
+                                          <p:spTgt spid="3">
+                                            <p:txEl>
+                                              <p:pRg st="6" end="6"/>
+                                            </p:txEl>
+                                          </p:spTgt>
+                                        </p:tgtEl>
+                                        <p:attrNameLst>
+                                          <p:attrName>style.visibility</p:attrName>
+                                        </p:attrNameLst>
+                                      </p:cBhvr>
+                                      <p:to>
+                                        <p:strVal val="visible"/>
+                                      </p:to>
+                                    </p:set>
+                                    <p:animEffect transition="in" filter="randombar(horizontal)">
+                                      <p:cBhvr>
+                                        <p:cTn id="7" dur="500"/>
+                                        <p:tgtEl>
+                                          <p:spTgt spid="3">
+                                            <p:txEl>
+                                              <p:pRg st="6" end="6"/>
+                                            </p:txEl>
+                                          </p:spTgt>
+                                        </p:tgtEl>
+                                      </p:cBhvr>
+                                    </p:animEffect>
+                                  </p:childTnLst>
+                                </p:cTn>
+                              </p:par>
+                            </p:childTnLst>
+                          </p:cTn>
+                        </p:par>
+                      </p:childTnLst>
+                    </p:cTn>
+                  </p:par>
+                  <p:par>
+                    <p:cTn id="8" fill="hold">
+                      <p:stCondLst>
+                        <p:cond delay="indefinite"/>
+                      </p:stCondLst>
+                      <p:childTnLst>
+                        <p:par>
+                          <p:cTn id="9" fill="hold">
+                            <p:stCondLst>
+                              <p:cond delay="0"/>
+                            </p:stCondLst>
+                            <p:childTnLst>
+                              <p:par>
+                                <p:cTn id="10" presetID="14" presetClass="entr" presetSubtype="10" fill="hold" nodeType="clickEffect">
+                                  <p:stCondLst>
+                                    <p:cond delay="0"/>
+                                  </p:stCondLst>
+                                  <p:iterate type="lt">
+                                    <p:tmPct val="0"/>
+                                  </p:iterate>
+                                  <p:childTnLst>
+                                    <p:set>
+                                      <p:cBhvr>
+                                        <p:cTn id="11" dur="1" fill="hold">
+                                          <p:stCondLst>
+                                            <p:cond delay="0"/>
+                                          </p:stCondLst>
+                                        </p:cTn>
+                                        <p:tgtEl>
+                                          <p:spTgt spid="3">
+                                            <p:txEl>
+                                              <p:pRg st="7" end="7"/>
+                                            </p:txEl>
+                                          </p:spTgt>
+                                        </p:tgtEl>
+                                        <p:attrNameLst>
+                                          <p:attrName>style.visibility</p:attrName>
+                                        </p:attrNameLst>
+                                      </p:cBhvr>
+                                      <p:to>
+                                        <p:strVal val="visible"/>
+                                      </p:to>
+                                    </p:set>
+                                    <p:animEffect transition="in" filter="randombar(horizontal)">
+                                      <p:cBhvr>
+                                        <p:cTn id="12" dur="500"/>
+                                        <p:tgtEl>
+                                          <p:spTgt spid="3">
+                                            <p:txEl>
+                                              <p:pRg st="7" end="7"/>
+                                            </p:txEl>
+                                          </p:spTgt>
+                                        </p:tgtEl>
+                                      </p:cBhvr>
+                                    </p:animEffect>
+                                  </p:childTnLst>
+                                </p:cTn>
+                              </p:par>
+                            </p:childTnLst>
+                          </p:cTn>
+                        </p:par>
+                      </p:childTnLst>
+                    </p:cTn>
+                  </p:par>
+                  <p:par>
+                    <p:cTn id="13" fill="hold">
+                      <p:stCondLst>
+                        <p:cond delay="indefinite"/>
+                      </p:stCondLst>
+                      <p:childTnLst>
+                        <p:par>
+                          <p:cTn id="14" fill="hold">
+                            <p:stCondLst>
+                              <p:cond delay="0"/>
+                            </p:stCondLst>
+                            <p:childTnLst>
+                              <p:par>
+                                <p:cTn id="15" presetID="16" presetClass="entr" presetSubtype="21" fill="hold" nodeType="clickEffect">
+                                  <p:stCondLst>
+                                    <p:cond delay="0"/>
+                                  </p:stCondLst>
+                                  <p:iterate type="lt">
+                                    <p:tmPct val="0"/>
+                                  </p:iterate>
+                                  <p:childTnLst>
+                                    <p:set>
+                                      <p:cBhvr>
+                                        <p:cTn id="16" dur="1" fill="hold">
+                                          <p:stCondLst>
+                                            <p:cond delay="0"/>
+                                          </p:stCondLst>
+                                        </p:cTn>
+                                        <p:tgtEl>
+                                          <p:spTgt spid="3">
+                                            <p:txEl>
+                                              <p:pRg st="0" end="0"/>
+                                            </p:txEl>
+                                          </p:spTgt>
+                                        </p:tgtEl>
+                                        <p:attrNameLst>
+                                          <p:attrName>style.visibility</p:attrName>
+                                        </p:attrNameLst>
+                                      </p:cBhvr>
+                                      <p:to>
+                                        <p:strVal val="visible"/>
+                                      </p:to>
+                                    </p:set>
+                                    <p:animEffect transition="in" filter="barn(inVertical)">
+                                      <p:cBhvr>
+                                        <p:cTn id="17" dur="500"/>
+                                        <p:tgtEl>
+                                          <p:spTgt spid="3">
+                                            <p:txEl>
+                                              <p:pRg st="0" end="0"/>
+                                            </p:txEl>
+                                          </p:spTgt>
+                                        </p:tgtEl>
+                                      </p:cBhvr>
+                                    </p:animEffect>
+                                  </p:childTnLst>
+                                </p:cTn>
+                              </p:par>
+                            </p:childTnLst>
+                          </p:cTn>
+                        </p:par>
+                      </p:childTnLst>
+                    </p:cTn>
+                  </p:par>
+                  <p:par>
+                    <p:cTn id="18" fill="hold">
+                      <p:stCondLst>
+                        <p:cond delay="indefinite"/>
+                      </p:stCondLst>
+                      <p:childTnLst>
+                        <p:par>
+                          <p:cTn id="19" fill="hold">
+                            <p:stCondLst>
+                              <p:cond delay="0"/>
+                            </p:stCondLst>
+                            <p:childTnLst>
+                              <p:par>
+                                <p:cTn id="20" presetID="22" presetClass="entr" presetSubtype="4" fill="hold" nodeType="clickEffect">
+                                  <p:stCondLst>
+                                    <p:cond delay="0"/>
+                                  </p:stCondLst>
+                                  <p:iterate type="lt">
+                                    <p:tmPct val="0"/>
+                                  </p:iterate>
+                                  <p:childTnLst>
+                                    <p:set>
+                                      <p:cBhvr>
+                                        <p:cTn id="21" dur="1" fill="hold">
+                                          <p:stCondLst>
+                                            <p:cond delay="0"/>
+                                          </p:stCondLst>
+                                        </p:cTn>
+                                        <p:tgtEl>
+                                          <p:spTgt spid="3">
+                                            <p:txEl>
+                                              <p:pRg st="1" end="1"/>
+                                            </p:txEl>
+                                          </p:spTgt>
+                                        </p:tgtEl>
+                                        <p:attrNameLst>
+                                          <p:attrName>style.visibility</p:attrName>
+                                        </p:attrNameLst>
+                                      </p:cBhvr>
+                                      <p:to>
+                                        <p:strVal val="visible"/>
+                                      </p:to>
+                                    </p:set>
+                                    <p:animEffect transition="in" filter="wipe(down)">
+                                      <p:cBhvr>
+                                        <p:cTn id="22" dur="500"/>
+                                        <p:tgtEl>
+                                          <p:spTgt spid="3">
+                                            <p:txEl>
+                                              <p:pRg st="1" end="1"/>
+                                            </p:txEl>
+                                          </p:spTgt>
+                                        </p:tgtEl>
+                                      </p:cBhvr>
+                                    </p:animEffect>
+                                  </p:childTnLst>
+                                </p:cTn>
+                              </p:par>
+                            </p:childTnLst>
+                          </p:cTn>
+                        </p:par>
+                      </p:childTnLst>
+                    </p:cTn>
+                  </p:par>
+                  <p:par>
+                    <p:cTn id="23" fill="hold">
+                      <p:stCondLst>
+                        <p:cond delay="indefinite"/>
+                      </p:stCondLst>
+                      <p:childTnLst>
+                        <p:par>
+                          <p:cTn id="24" fill="hold">
+                            <p:stCondLst>
+                              <p:cond delay="0"/>
+                            </p:stCondLst>
+                            <p:childTnLst>
+                              <p:par>
+                                <p:cTn id="25" presetID="31" presetClass="entr" presetSubtype="0" fill="hold" nodeType="clickEffect">
+                                  <p:stCondLst>
+                                    <p:cond delay="0"/>
+                                  </p:stCondLst>
+                                  <p:iterate type="lt">
+                                    <p:tmPct val="0"/>
+                                  </p:iterate>
+                                  <p:childTnLst>
+                                    <p:set>
+                                      <p:cBhvr>
+                                        <p:cTn id="26" dur="1" fill="hold">
+                                          <p:stCondLst>
+                                            <p:cond delay="0"/>
+                                          </p:stCondLst>
+                                        </p:cTn>
+                                        <p:tgtEl>
+                                          <p:spTgt spid="3">
+                                            <p:txEl>
+                                              <p:pRg st="2" end="2"/>
+                                            </p:txEl>
+                                          </p:spTgt>
+                                        </p:tgtEl>
+                                        <p:attrNameLst>
+                                          <p:attrName>style.visibility</p:attrName>
+                                        </p:attrNameLst>
+                                      </p:cBhvr>
+                                      <p:to>
+                                        <p:strVal val="visible"/>
+                                      </p:to>
+                                    </p:set>
+                                    <p:anim calcmode="lin" valueType="num">
+                                      <p:cBhvr>
+                                        <p:cTn id="27" dur="1000" fill="hold"/>
+                                        <p:tgtEl>
+                                          <p:spTgt spid="3">
+                                            <p:txEl>
+                                              <p:pRg st="2" end="2"/>
+                                            </p:txEl>
+                                          </p:spTgt>
+                                        </p:tgtEl>
+                                        <p:attrNameLst>
+                                          <p:attrName>ppt_w</p:attrName>
+                                        </p:attrNameLst>
+                                      </p:cBhvr>
+                                      <p:tavLst>
+                                        <p:tav tm="0">
+                                          <p:val>
+                                            <p:fltVal val="0"/>
+                                          </p:val>
+                                        </p:tav>
+                                        <p:tav tm="100000">
+                                          <p:val>
+                                            <p:strVal val="#ppt_w"/>
+                                          </p:val>
+                                        </p:tav>
+                                      </p:tavLst>
+                                    </p:anim>
+                                    <p:anim calcmode="lin" valueType="num">
+                                      <p:cBhvr>
+                                        <p:cTn id="28" dur="1000" fill="hold"/>
+                                        <p:tgtEl>
+                                          <p:spTgt spid="3">
+                                            <p:txEl>
+                                              <p:pRg st="2" end="2"/>
+                                            </p:txEl>
+                                          </p:spTgt>
+                                        </p:tgtEl>
+                                        <p:attrNameLst>
+                                          <p:attrName>ppt_h</p:attrName>
+                                        </p:attrNameLst>
+                                      </p:cBhvr>
+                                      <p:tavLst>
+                                        <p:tav tm="0">
+                                          <p:val>
+                                            <p:fltVal val="0"/>
+                                          </p:val>
+                                        </p:tav>
+                                        <p:tav tm="100000">
+                                          <p:val>
+                                            <p:strVal val="#ppt_h"/>
+                                          </p:val>
+                                        </p:tav>
+                                      </p:tavLst>
+                                    </p:anim>
+                                    <p:anim calcmode="lin" valueType="num">
+                                      <p:cBhvr>
+                                        <p:cTn id="29" dur="1000" fill="hold"/>
+                                        <p:tgtEl>
+                                          <p:spTgt spid="3">
+                                            <p:txEl>
+                                              <p:pRg st="2" end="2"/>
+                                            </p:txEl>
+                                          </p:spTgt>
+                                        </p:tgtEl>
+                                        <p:attrNameLst>
+                                          <p:attrName>style.rotation</p:attrName>
+                                        </p:attrNameLst>
+                                      </p:cBhvr>
+                                      <p:tavLst>
+                                        <p:tav tm="0">
+                                          <p:val>
+                                            <p:fltVal val="90"/>
+                                          </p:val>
+                                        </p:tav>
+                                        <p:tav tm="100000">
+                                          <p:val>
+                                            <p:fltVal val="0"/>
+                                          </p:val>
+                                        </p:tav>
+                                      </p:tavLst>
+                                    </p:anim>
+                                    <p:animEffect transition="in" filter="fade">
+                                      <p:cBhvr>
+                                        <p:cTn id="30" dur="1000"/>
+                                        <p:tgtEl>
+                                          <p:spTgt spid="3">
+                                            <p:txEl>
+                                              <p:pRg st="2" end="2"/>
+                                            </p:txEl>
+                                          </p:spTgt>
+                                        </p:tgtEl>
+                                      </p:cBhvr>
+                                    </p:animEffect>
+                                  </p:childTnLst>
+                                </p:cTn>
+                              </p:par>
+                            </p:childTnLst>
+                          </p:cTn>
+                        </p:par>
+                      </p:childTnLst>
+                    </p:cTn>
+                  </p:par>
+                  <p:par>
+                    <p:cTn id="31" fill="hold">
+                      <p:stCondLst>
+                        <p:cond delay="indefinite"/>
+                      </p:stCondLst>
+                      <p:childTnLst>
+                        <p:par>
+                          <p:cTn id="32" fill="hold">
+                            <p:stCondLst>
+                              <p:cond delay="0"/>
+                            </p:stCondLst>
+                            <p:childTnLst>
+                              <p:par>
+                                <p:cTn id="33" presetID="26" presetClass="entr" presetSubtype="0" fill="hold" nodeType="clickEffect">
+                                  <p:stCondLst>
+                                    <p:cond delay="0"/>
+                                  </p:stCondLst>
+                                  <p:iterate type="lt">
+                                    <p:tmPct val="0"/>
+                                  </p:iterate>
+                                  <p:childTnLst>
+                                    <p:set>
+                                      <p:cBhvr>
+                                        <p:cTn id="34" dur="1" fill="hold">
+                                          <p:stCondLst>
+                                            <p:cond delay="0"/>
+                                          </p:stCondLst>
+                                        </p:cTn>
+                                        <p:tgtEl>
+                                          <p:spTgt spid="3">
+                                            <p:txEl>
+                                              <p:pRg st="3" end="3"/>
+                                            </p:txEl>
+                                          </p:spTgt>
+                                        </p:tgtEl>
+                                        <p:attrNameLst>
+                                          <p:attrName>style.visibility</p:attrName>
+                                        </p:attrNameLst>
+                                      </p:cBhvr>
+                                      <p:to>
+                                        <p:strVal val="visible"/>
+                                      </p:to>
+                                    </p:set>
+                                    <p:animEffect transition="in" filter="wipe(down)">
+                                      <p:cBhvr>
+                                        <p:cTn id="35" dur="580">
+                                          <p:stCondLst>
+                                            <p:cond delay="0"/>
+                                          </p:stCondLst>
+                                        </p:cTn>
+                                        <p:tgtEl>
+                                          <p:spTgt spid="3">
+                                            <p:txEl>
+                                              <p:pRg st="3" end="3"/>
+                                            </p:txEl>
+                                          </p:spTgt>
+                                        </p:tgtEl>
+                                      </p:cBhvr>
+                                    </p:animEffect>
+                                    <p:anim calcmode="lin" valueType="num">
+                                      <p:cBhvr>
+                                        <p:cTn id="36" dur="1822" tmFilter="0,0; 0.14,0.36; 0.43,0.73; 0.71,0.91; 1.0,1.0">
+                                          <p:stCondLst>
+                                            <p:cond delay="0"/>
+                                          </p:stCondLst>
+                                        </p:cTn>
+                                        <p:tgtEl>
+                                          <p:spTgt spid="3">
+                                            <p:txEl>
+                                              <p:pRg st="3" end="3"/>
+                                            </p:txEl>
+                                          </p:spTgt>
+                                        </p:tgtEl>
+                                        <p:attrNameLst>
+                                          <p:attrName>ppt_x</p:attrName>
+                                        </p:attrNameLst>
+                                      </p:cBhvr>
+                                      <p:tavLst>
+                                        <p:tav tm="0">
+                                          <p:val>
+                                            <p:strVal val="#ppt_x-0.25"/>
+                                          </p:val>
+                                        </p:tav>
+                                        <p:tav tm="100000">
+                                          <p:val>
+                                            <p:strVal val="#ppt_x"/>
+                                          </p:val>
+                                        </p:tav>
+                                      </p:tavLst>
+                                    </p:anim>
+                                    <p:anim calcmode="lin" valueType="num">
+                                      <p:cBhvr>
+                                        <p:cTn id="37" dur="664" tmFilter="0.0,0.0; 0.25,0.07; 0.50,0.2; 0.75,0.467; 1.0,1.0">
+                                          <p:stCondLst>
+                                            <p:cond delay="0"/>
+                                          </p:stCondLst>
+                                        </p:cTn>
+                                        <p:tgtEl>
+                                          <p:spTgt spid="3">
+                                            <p:txEl>
+                                              <p:pRg st="3" end="3"/>
+                                            </p:txEl>
+                                          </p:spTgt>
+                                        </p:tgtEl>
+                                        <p:attrNameLst>
+                                          <p:attrName>ppt_y</p:attrName>
+                                        </p:attrNameLst>
+                                      </p:cBhvr>
+                                      <p:tavLst>
+                                        <p:tav tm="0" fmla="#ppt_y-sin(pi*$)/3">
+                                          <p:val>
+                                            <p:fltVal val="0.5"/>
+                                          </p:val>
+                                        </p:tav>
+                                        <p:tav tm="100000">
+                                          <p:val>
+                                            <p:fltVal val="1"/>
+                                          </p:val>
+                                        </p:tav>
+                                      </p:tavLst>
+                                    </p:anim>
+                                    <p:anim calcmode="lin" valueType="num">
+                                      <p:cBhvr>
+                                        <p:cTn id="38" dur="664" tmFilter="0, 0; 0.125,0.2665; 0.25,0.4; 0.375,0.465; 0.5,0.5;  0.625,0.535; 0.75,0.6; 0.875,0.7335; 1,1">
+                                          <p:stCondLst>
+                                            <p:cond delay="664"/>
+                                          </p:stCondLst>
+                                        </p:cTn>
+                                        <p:tgtEl>
+                                          <p:spTgt spid="3">
+                                            <p:txEl>
+                                              <p:pRg st="3" end="3"/>
+                                            </p:txEl>
+                                          </p:spTgt>
+                                        </p:tgtEl>
+                                        <p:attrNameLst>
+                                          <p:attrName>ppt_y</p:attrName>
+                                        </p:attrNameLst>
+                                      </p:cBhvr>
+                                      <p:tavLst>
+                                        <p:tav tm="0" fmla="#ppt_y-sin(pi*$)/9">
+                                          <p:val>
+                                            <p:fltVal val="0"/>
+                                          </p:val>
+                                        </p:tav>
+                                        <p:tav tm="100000">
+                                          <p:val>
+                                            <p:fltVal val="1"/>
+                                          </p:val>
+                                        </p:tav>
+                                      </p:tavLst>
+                                    </p:anim>
+                                    <p:anim calcmode="lin" valueType="num">
+                                      <p:cBhvr>
+                                        <p:cTn id="39" dur="332" tmFilter="0, 0; 0.125,0.2665; 0.25,0.4; 0.375,0.465; 0.5,0.5;  0.625,0.535; 0.75,0.6; 0.875,0.7335; 1,1">
+                                          <p:stCondLst>
+                                            <p:cond delay="1324"/>
+                                          </p:stCondLst>
+                                        </p:cTn>
+                                        <p:tgtEl>
+                                          <p:spTgt spid="3">
+                                            <p:txEl>
+                                              <p:pRg st="3" end="3"/>
+                                            </p:txEl>
+                                          </p:spTgt>
+                                        </p:tgtEl>
+                                        <p:attrNameLst>
+                                          <p:attrName>ppt_y</p:attrName>
+                                        </p:attrNameLst>
+                                      </p:cBhvr>
+                                      <p:tavLst>
+                                        <p:tav tm="0" fmla="#ppt_y-sin(pi*$)/27">
+                                          <p:val>
+                                            <p:fltVal val="0"/>
+                                          </p:val>
+                                        </p:tav>
+                                        <p:tav tm="100000">
+                                          <p:val>
+                                            <p:fltVal val="1"/>
+                                          </p:val>
+                                        </p:tav>
+                                      </p:tavLst>
+                                    </p:anim>
+                                    <p:anim calcmode="lin" valueType="num">
+                                      <p:cBhvr>
+                                        <p:cTn id="40" dur="164" tmFilter="0, 0; 0.125,0.2665; 0.25,0.4; 0.375,0.465; 0.5,0.5;  0.625,0.535; 0.75,0.6; 0.875,0.7335; 1,1">
+                                          <p:stCondLst>
+                                            <p:cond delay="1656"/>
+                                          </p:stCondLst>
+                                        </p:cTn>
+                                        <p:tgtEl>
+                                          <p:spTgt spid="3">
+                                            <p:txEl>
+                                              <p:pRg st="3" end="3"/>
+                                            </p:txEl>
+                                          </p:spTgt>
+                                        </p:tgtEl>
+                                        <p:attrNameLst>
+                                          <p:attrName>ppt_y</p:attrName>
+                                        </p:attrNameLst>
+                                      </p:cBhvr>
+                                      <p:tavLst>
+                                        <p:tav tm="0" fmla="#ppt_y-sin(pi*$)/81">
+                                          <p:val>
+                                            <p:fltVal val="0"/>
+                                          </p:val>
+                                        </p:tav>
+                                        <p:tav tm="100000">
+                                          <p:val>
+                                            <p:fltVal val="1"/>
+                                          </p:val>
+                                        </p:tav>
+                                      </p:tavLst>
+                                    </p:anim>
+                                    <p:animScale>
+                                      <p:cBhvr>
+                                        <p:cTn id="41" dur="26">
+                                          <p:stCondLst>
+                                            <p:cond delay="650"/>
+                                          </p:stCondLst>
+                                        </p:cTn>
+                                        <p:tgtEl>
+                                          <p:spTgt spid="3">
+                                            <p:txEl>
+                                              <p:pRg st="3" end="3"/>
+                                            </p:txEl>
+                                          </p:spTgt>
+                                        </p:tgtEl>
+                                      </p:cBhvr>
+                                      <p:to x="100000" y="60000"/>
+                                    </p:animScale>
+                                    <p:animScale>
+                                      <p:cBhvr>
+                                        <p:cTn id="42" dur="166" decel="50000">
+                                          <p:stCondLst>
+                                            <p:cond delay="676"/>
+                                          </p:stCondLst>
+                                        </p:cTn>
+                                        <p:tgtEl>
+                                          <p:spTgt spid="3">
+                                            <p:txEl>
+                                              <p:pRg st="3" end="3"/>
+                                            </p:txEl>
+                                          </p:spTgt>
+                                        </p:tgtEl>
+                                      </p:cBhvr>
+                                      <p:to x="100000" y="100000"/>
+                                    </p:animScale>
+                                    <p:animScale>
+                                      <p:cBhvr>
+                                        <p:cTn id="43" dur="26">
+                                          <p:stCondLst>
+                                            <p:cond delay="1312"/>
+                                          </p:stCondLst>
+                                        </p:cTn>
+                                        <p:tgtEl>
+                                          <p:spTgt spid="3">
+                                            <p:txEl>
+                                              <p:pRg st="3" end="3"/>
+                                            </p:txEl>
+                                          </p:spTgt>
+                                        </p:tgtEl>
+                                      </p:cBhvr>
+                                      <p:to x="100000" y="80000"/>
+                                    </p:animScale>
+                                    <p:animScale>
+                                      <p:cBhvr>
+                                        <p:cTn id="44" dur="166" decel="50000">
+                                          <p:stCondLst>
+                                            <p:cond delay="1338"/>
+                                          </p:stCondLst>
+                                        </p:cTn>
+                                        <p:tgtEl>
+                                          <p:spTgt spid="3">
+                                            <p:txEl>
+                                              <p:pRg st="3" end="3"/>
+                                            </p:txEl>
+                                          </p:spTgt>
+                                        </p:tgtEl>
+                                      </p:cBhvr>
+                                      <p:to x="100000" y="100000"/>
+                                    </p:animScale>
+                                    <p:animScale>
+                                      <p:cBhvr>
+                                        <p:cTn id="45" dur="26">
+                                          <p:stCondLst>
+                                            <p:cond delay="1642"/>
+                                          </p:stCondLst>
+                                        </p:cTn>
+                                        <p:tgtEl>
+                                          <p:spTgt spid="3">
+                                            <p:txEl>
+                                              <p:pRg st="3" end="3"/>
+                                            </p:txEl>
+                                          </p:spTgt>
+                                        </p:tgtEl>
+                                      </p:cBhvr>
+                                      <p:to x="100000" y="90000"/>
+                                    </p:animScale>
+                                    <p:animScale>
+                                      <p:cBhvr>
+                                        <p:cTn id="46" dur="166" decel="50000">
+                                          <p:stCondLst>
+                                            <p:cond delay="1668"/>
+                                          </p:stCondLst>
+                                        </p:cTn>
+                                        <p:tgtEl>
+                                          <p:spTgt spid="3">
+                                            <p:txEl>
+                                              <p:pRg st="3" end="3"/>
+                                            </p:txEl>
+                                          </p:spTgt>
+                                        </p:tgtEl>
+                                      </p:cBhvr>
+                                      <p:to x="100000" y="100000"/>
+                                    </p:animScale>
+                                    <p:animScale>
+                                      <p:cBhvr>
+                                        <p:cTn id="47" dur="26">
+                                          <p:stCondLst>
+                                            <p:cond delay="1808"/>
+                                          </p:stCondLst>
+                                        </p:cTn>
+                                        <p:tgtEl>
+                                          <p:spTgt spid="3">
+                                            <p:txEl>
+                                              <p:pRg st="3" end="3"/>
+                                            </p:txEl>
+                                          </p:spTgt>
+                                        </p:tgtEl>
+                                      </p:cBhvr>
+                                      <p:to x="100000" y="95000"/>
+                                    </p:animScale>
+                                    <p:animScale>
+                                      <p:cBhvr>
+                                        <p:cTn id="48" dur="166" decel="50000">
+                                          <p:stCondLst>
+                                            <p:cond delay="1834"/>
+                                          </p:stCondLst>
+                                        </p:cTn>
+                                        <p:tgtEl>
+                                          <p:spTgt spid="3">
+                                            <p:txEl>
+                                              <p:pRg st="3" end="3"/>
+                                            </p:txEl>
+                                          </p:spTgt>
+                                        </p:tgtEl>
+                                      </p:cBhvr>
+                                      <p:to x="100000" y="100000"/>
+                                    </p:animScale>
+                                  </p:childTnLst>
+                                </p:cTn>
+                              </p:par>
+                            </p:childTnLst>
+                          </p:cTn>
+                        </p:par>
+                      </p:childTnLst>
+                    </p:cTn>
+                  </p:par>
+                  <p:par>
+                    <p:cTn id="49" fill="hold">
+                      <p:stCondLst>
+                        <p:cond delay="indefinite"/>
+                      </p:stCondLst>
+                      <p:childTnLst>
+                        <p:par>
+                          <p:cTn id="50" fill="hold">
+                            <p:stCondLst>
+                              <p:cond delay="0"/>
+                            </p:stCondLst>
+                            <p:childTnLst>
+                              <p:par>
+                                <p:cTn id="51" presetID="1" presetClass="entr" presetSubtype="0" fill="hold" nodeType="clickEffect">
+                                  <p:stCondLst>
+                                    <p:cond delay="0"/>
+                                  </p:stCondLst>
+                                  <p:iterate type="lt">
+                                    <p:tmAbs val="0"/>
+                                  </p:iterate>
+                                  <p:childTnLst>
+                                    <p:set>
+                                      <p:cBhvr>
+                                        <p:cTn id="52" dur="1" fill="hold">
+                                          <p:stCondLst>
+                                            <p:cond delay="0"/>
+                                          </p:stCondLst>
+                                        </p:cTn>
+                                        <p:tgtEl>
+                                          <p:spTgt spid="3">
+                                            <p:txEl>
+                                              <p:pRg st="4" end="4"/>
+                                            </p:txEl>
+                                          </p:spTgt>
+                                        </p:tgtEl>
+                                        <p:attrNameLst>
+                                          <p:attrName>style.visibility</p:attrName>
+                                        </p:attrNameLst>
+                                      </p:cBhvr>
+                                      <p:to>
+                                        <p:strVal val="visible"/>
+                                      </p:to>
+                                    </p:set>
+                                  </p:childTnLst>
+                                </p:cTn>
+                              </p:par>
+                            </p:childTnLst>
+                          </p:cTn>
+                        </p:par>
+                      </p:childTnLst>
+                    </p:cTn>
+                  </p:par>
+                  <p:par>
+                    <p:cTn id="53" fill="hold">
+                      <p:stCondLst>
+                        <p:cond delay="indefinite"/>
+                      </p:stCondLst>
+                      <p:childTnLst>
+                        <p:par>
+                          <p:cTn id="54" fill="hold">
+                            <p:stCondLst>
+                              <p:cond delay="0"/>
+                            </p:stCondLst>
+                            <p:childTnLst>
+                              <p:par>
+                                <p:cTn id="55" presetID="26" presetClass="emph" presetSubtype="0" fill="hold" nodeType="clickEffect">
+                                  <p:stCondLst>
+                                    <p:cond delay="0"/>
+                                  </p:stCondLst>
+                                  <p:iterate type="lt">
+                                    <p:tmPct val="0"/>
+                                  </p:iterate>
+                                  <p:childTnLst>
+                                    <p:animEffect transition="out" filter="fade">
+                                      <p:cBhvr>
+                                        <p:cTn id="56" dur="500" tmFilter="0, 0; .2, .5; .8, .5; 1, 0"/>
+                                        <p:tgtEl>
+                                          <p:spTgt spid="3">
+                                            <p:txEl>
+                                              <p:pRg st="5" end="5"/>
+                                            </p:txEl>
+                                          </p:spTgt>
+                                        </p:tgtEl>
+                                      </p:cBhvr>
+                                    </p:animEffect>
+                                    <p:animScale>
+                                      <p:cBhvr>
+                                        <p:cTn id="57" dur="250" autoRev="1" fill="hold"/>
+                                        <p:tgtEl>
+                                          <p:spTgt spid="3">
+                                            <p:txEl>
+                                              <p:pRg st="5" end="5"/>
+                                            </p:txEl>
+                                          </p:spTgt>
+                                        </p:tgtEl>
+                                      </p:cBhvr>
+                                      <p:by x="105000" y="105000"/>
+                                    </p:animScale>
+                                  </p:childTnLst>
+                                </p:cTn>
+                              </p:par>
+                            </p:childTnLst>
+                          </p:cTn>
+                        </p:par>
+                      </p:childTnLst>
+                    </p:cTn>
+                  </p:par>
+                  <p:par>
+                    <p:cTn id="58" fill="hold">
+                      <p:stCondLst>
+                        <p:cond delay="indefinite"/>
+                      </p:stCondLst>
+                      <p:childTnLst>
+                        <p:par>
+                          <p:cTn id="59" fill="hold">
+                            <p:stCondLst>
+                              <p:cond delay="0"/>
+                            </p:stCondLst>
+                            <p:childTnLst>
+                              <p:par>
+                                <p:cTn id="60" presetID="41" presetClass="entr" presetSubtype="0" fill="hold" grpId="0" nodeType="clickEffect">
+                                  <p:stCondLst>
+                                    <p:cond delay="0"/>
+                                  </p:stCondLst>
+                                  <p:iterate type="lt">
+                                    <p:tmPct val="10000"/>
+                                  </p:iterate>
+                                  <p:childTnLst>
+                                    <p:set>
+                                      <p:cBhvr>
+                                        <p:cTn id="61" dur="1" fill="hold">
+                                          <p:stCondLst>
+                                            <p:cond delay="0"/>
+                                          </p:stCondLst>
+                                        </p:cTn>
+                                        <p:tgtEl>
+                                          <p:spTgt spid="3">
+                                            <p:txEl>
+                                              <p:pRg st="0" end="0"/>
+                                            </p:txEl>
+                                          </p:spTgt>
+                                        </p:tgtEl>
+                                        <p:attrNameLst>
+                                          <p:attrName>style.visibility</p:attrName>
+                                        </p:attrNameLst>
+                                      </p:cBhvr>
+                                      <p:to>
+                                        <p:strVal val="visible"/>
+                                      </p:to>
+                                    </p:set>
+                                    <p:anim calcmode="lin" valueType="num">
+                                      <p:cBhvr>
+                                        <p:cTn id="62" dur="500" fill="hold"/>
+                                        <p:tgtEl>
+                                          <p:spTgt spid="3">
+                                            <p:txEl>
+                                              <p:pRg st="0" end="0"/>
+                                            </p:txEl>
+                                          </p:spTgt>
+                                        </p:tgtEl>
+                                        <p:attrNameLst>
+                                          <p:attrName>ppt_x</p:attrName>
+                                        </p:attrNameLst>
+                                      </p:cBhvr>
+                                      <p:tavLst>
+                                        <p:tav tm="0">
+                                          <p:val>
+                                            <p:strVal val="#ppt_x"/>
+                                          </p:val>
+                                        </p:tav>
+                                        <p:tav tm="50000">
+                                          <p:val>
+                                            <p:strVal val="#ppt_x+.1"/>
+                                          </p:val>
+                                        </p:tav>
+                                        <p:tav tm="100000">
+                                          <p:val>
+                                            <p:strVal val="#ppt_x"/>
+                                          </p:val>
+                                        </p:tav>
+                                      </p:tavLst>
+                                    </p:anim>
+                                    <p:anim calcmode="lin" valueType="num">
+                                      <p:cBhvr>
+                                        <p:cTn id="63" dur="500" fill="hold"/>
+                                        <p:tgtEl>
+                                          <p:spTgt spid="3">
+                                            <p:txEl>
+                                              <p:pRg st="0" end="0"/>
+                                            </p:txEl>
+                                          </p:spTgt>
+                                        </p:tgtEl>
+                                        <p:attrNameLst>
+                                          <p:attrName>ppt_y</p:attrName>
+                                        </p:attrNameLst>
+                                      </p:cBhvr>
+                                      <p:tavLst>
+                                        <p:tav tm="0">
+                                          <p:val>
+                                            <p:strVal val="#ppt_y"/>
+                                          </p:val>
+                                        </p:tav>
+                                        <p:tav tm="100000">
+                                          <p:val>
+                                            <p:strVal val="#ppt_y"/>
+                                          </p:val>
+                                        </p:tav>
+                                      </p:tavLst>
+                                    </p:anim>
+                                    <p:anim calcmode="lin" valueType="num">
+                                      <p:cBhvr>
+                                        <p:cTn id="64" dur="500" fill="hold"/>
+                                        <p:tgtEl>
+                                          <p:spTgt spid="3">
+                                            <p:txEl>
+                                              <p:pRg st="0" end="0"/>
+                                            </p:txEl>
+                                          </p:spTgt>
+                                        </p:tgtEl>
+                                        <p:attrNameLst>
+                                          <p:attrName>ppt_h</p:attrName>
+                                        </p:attrNameLst>
+                                      </p:cBhvr>
+                                      <p:tavLst>
+                                        <p:tav tm="0">
+                                          <p:val>
+                                            <p:strVal val="#ppt_h/10"/>
+                                          </p:val>
+                                        </p:tav>
+                                        <p:tav tm="50000">
+                                          <p:val>
+                                            <p:strVal val="#ppt_h+.01"/>
+                                          </p:val>
+                                        </p:tav>
+                                        <p:tav tm="100000">
+                                          <p:val>
+                                            <p:strVal val="#ppt_h"/>
+                                          </p:val>
+                                        </p:tav>
+                                      </p:tavLst>
+                                    </p:anim>
+                                    <p:anim calcmode="lin" valueType="num">
+                                      <p:cBhvr>
+                                        <p:cTn id="65" dur="500" fill="hold"/>
+                                        <p:tgtEl>
+                                          <p:spTgt spid="3">
+                                            <p:txEl>
+                                              <p:pRg st="0" end="0"/>
+                                            </p:txEl>
+                                          </p:spTgt>
+                                        </p:tgtEl>
+                                        <p:attrNameLst>
+                                          <p:attrName>ppt_w</p:attrName>
+                                        </p:attrNameLst>
+                                      </p:cBhvr>
+                                      <p:tavLst>
+                                        <p:tav tm="0">
+                                          <p:val>
+                                            <p:strVal val="#ppt_w/10"/>
+                                          </p:val>
+                                        </p:tav>
+                                        <p:tav tm="50000">
+                                          <p:val>
+                                            <p:strVal val="#ppt_w+.01"/>
+                                          </p:val>
+                                        </p:tav>
+                                        <p:tav tm="100000">
+                                          <p:val>
+                                            <p:strVal val="#ppt_w"/>
+                                          </p:val>
+                                        </p:tav>
+                                      </p:tavLst>
+                                    </p:anim>
+                                    <p:animEffect transition="in" filter="fade">
+                                      <p:cBhvr>
+                                        <p:cTn id="66" dur="500" tmFilter="0,0; .5, 1; 1, 1"/>
+                                        <p:tgtEl>
+                                          <p:spTgt spid="3">
+                                            <p:txEl>
+                                              <p:pRg st="0" end="0"/>
+                                            </p:txEl>
+                                          </p:spTgt>
+                                        </p:tgtEl>
+                                      </p:cBhvr>
+                                    </p:animEffect>
+                                  </p:childTnLst>
+                                </p:cTn>
+                              </p:par>
+                            </p:childTnLst>
+                          </p:cTn>
+                        </p:par>
+                      </p:childTnLst>
+                    </p:cTn>
+                  </p:par>
+                  <p:par>
+                    <p:cTn id="67" fill="hold">
+                      <p:stCondLst>
+                        <p:cond delay="indefinite"/>
+                      </p:stCondLst>
+                      <p:childTnLst>
+                        <p:par>
+                          <p:cTn id="68" fill="hold">
+                            <p:stCondLst>
+                              <p:cond delay="0"/>
+                            </p:stCondLst>
+                            <p:childTnLst>
+                              <p:par>
+                                <p:cTn id="69" presetID="41" presetClass="entr" presetSubtype="0" fill="hold" grpId="0" nodeType="clickEffect">
+                                  <p:stCondLst>
+                                    <p:cond delay="0"/>
+                                  </p:stCondLst>
+                                  <p:iterate type="lt">
+                                    <p:tmPct val="10000"/>
+                                  </p:iterate>
+                                  <p:childTnLst>
+                                    <p:set>
+                                      <p:cBhvr>
+                                        <p:cTn id="70" dur="1" fill="hold">
+                                          <p:stCondLst>
+                                            <p:cond delay="0"/>
+                                          </p:stCondLst>
+                                        </p:cTn>
+                                        <p:tgtEl>
+                                          <p:spTgt spid="3">
+                                            <p:txEl>
+                                              <p:pRg st="1" end="1"/>
+                                            </p:txEl>
+                                          </p:spTgt>
+                                        </p:tgtEl>
+                                        <p:attrNameLst>
+                                          <p:attrName>style.visibility</p:attrName>
+                                        </p:attrNameLst>
+                                      </p:cBhvr>
+                                      <p:to>
+                                        <p:strVal val="visible"/>
+                                      </p:to>
+                                    </p:set>
+                                    <p:anim calcmode="lin" valueType="num">
+                                      <p:cBhvr>
+                                        <p:cTn id="71" dur="500" fill="hold"/>
+                                        <p:tgtEl>
+                                          <p:spTgt spid="3">
+                                            <p:txEl>
+                                              <p:pRg st="1" end="1"/>
+                                            </p:txEl>
+                                          </p:spTgt>
+                                        </p:tgtEl>
+                                        <p:attrNameLst>
+                                          <p:attrName>ppt_x</p:attrName>
+                                        </p:attrNameLst>
+                                      </p:cBhvr>
+                                      <p:tavLst>
+                                        <p:tav tm="0">
+                                          <p:val>
+                                            <p:strVal val="#ppt_x"/>
+                                          </p:val>
+                                        </p:tav>
+                                        <p:tav tm="50000">
+                                          <p:val>
+                                            <p:strVal val="#ppt_x+.1"/>
+                                          </p:val>
+                                        </p:tav>
+                                        <p:tav tm="100000">
+                                          <p:val>
+                                            <p:strVal val="#ppt_x"/>
+                                          </p:val>
+                                        </p:tav>
+                                      </p:tavLst>
+                                    </p:anim>
+                                    <p:anim calcmode="lin" valueType="num">
+                                      <p:cBhvr>
+                                        <p:cTn id="72" dur="500" fill="hold"/>
+                                        <p:tgtEl>
+                                          <p:spTgt spid="3">
+                                            <p:txEl>
+                                              <p:pRg st="1" end="1"/>
+                                            </p:txEl>
+                                          </p:spTgt>
+                                        </p:tgtEl>
+                                        <p:attrNameLst>
+                                          <p:attrName>ppt_y</p:attrName>
+                                        </p:attrNameLst>
+                                      </p:cBhvr>
+                                      <p:tavLst>
+                                        <p:tav tm="0">
+                                          <p:val>
+                                            <p:strVal val="#ppt_y"/>
+                                          </p:val>
+                                        </p:tav>
+                                        <p:tav tm="100000">
+                                          <p:val>
+                                            <p:strVal val="#ppt_y"/>
+                                          </p:val>
+                                        </p:tav>
+                                      </p:tavLst>
+                                    </p:anim>
+                                    <p:anim calcmode="lin" valueType="num">
+                                      <p:cBhvr>
+                                        <p:cTn id="73" dur="500" fill="hold"/>
+                                        <p:tgtEl>
+                                          <p:spTgt spid="3">
+                                            <p:txEl>
+                                              <p:pRg st="1" end="1"/>
+                                            </p:txEl>
+                                          </p:spTgt>
+                                        </p:tgtEl>
+                                        <p:attrNameLst>
+                                          <p:attrName>ppt_h</p:attrName>
+                                        </p:attrNameLst>
+                                      </p:cBhvr>
+                                      <p:tavLst>
+                                        <p:tav tm="0">
+                                          <p:val>
+                                            <p:strVal val="#ppt_h/10"/>
+                                          </p:val>
+                                        </p:tav>
+                                        <p:tav tm="50000">
+                                          <p:val>
+                                            <p:strVal val="#ppt_h+.01"/>
+                                          </p:val>
+                                        </p:tav>
+                                        <p:tav tm="100000">
+                                          <p:val>
+                                            <p:strVal val="#ppt_h"/>
+                                          </p:val>
+                                        </p:tav>
+                                      </p:tavLst>
+                                    </p:anim>
+                                    <p:anim calcmode="lin" valueType="num">
+                                      <p:cBhvr>
+                                        <p:cTn id="74" dur="500" fill="hold"/>
+                                        <p:tgtEl>
+                                          <p:spTgt spid="3">
+                                            <p:txEl>
+                                              <p:pRg st="1" end="1"/>
+                                            </p:txEl>
+                                          </p:spTgt>
+                                        </p:tgtEl>
+                                        <p:attrNameLst>
+                                          <p:attrName>ppt_w</p:attrName>
+                                        </p:attrNameLst>
+                                      </p:cBhvr>
+                                      <p:tavLst>
+                                        <p:tav tm="0">
+                                          <p:val>
+                                            <p:strVal val="#ppt_w/10"/>
+                                          </p:val>
+                                        </p:tav>
+                                        <p:tav tm="50000">
+                                          <p:val>
+                                            <p:strVal val="#ppt_w+.01"/>
+                                          </p:val>
+                                        </p:tav>
+                                        <p:tav tm="100000">
+                                          <p:val>
+                                            <p:strVal val="#ppt_w"/>
+                                          </p:val>
+                                        </p:tav>
+                                      </p:tavLst>
+                                    </p:anim>
+                                    <p:animEffect transition="in" filter="fade">
+                                      <p:cBhvr>
+                                        <p:cTn id="75" dur="500" tmFilter="0,0; .5, 1; 1, 1"/>
+                                        <p:tgtEl>
+                                          <p:spTgt spid="3">
+                                            <p:txEl>
+                                              <p:pRg st="1" end="1"/>
+                                            </p:txEl>
+                                          </p:spTgt>
+                                        </p:tgtEl>
+                                      </p:cBhvr>
+                                    </p:animEffect>
+                                  </p:childTnLst>
+                                </p:cTn>
+                              </p:par>
+                            </p:childTnLst>
+                          </p:cTn>
+                        </p:par>
+                      </p:childTnLst>
+                    </p:cTn>
+                  </p:par>
+                  <p:par>
+                    <p:cTn id="76" fill="hold">
+                      <p:stCondLst>
+                        <p:cond delay="indefinite"/>
+                      </p:stCondLst>
+                      <p:childTnLst>
+                        <p:par>
+                          <p:cTn id="77" fill="hold">
+                            <p:stCondLst>
+                              <p:cond delay="0"/>
+                            </p:stCondLst>
+                            <p:childTnLst>
+                              <p:par>
+                                <p:cTn id="78" presetID="41" presetClass="entr" presetSubtype="0" fill="hold" grpId="0" nodeType="clickEffect">
+                                  <p:stCondLst>
+                                    <p:cond delay="0"/>
+                                  </p:stCondLst>
+                                  <p:iterate type="lt">
+                                    <p:tmPct val="10000"/>
+                                  </p:iterate>
+                                  <p:childTnLst>
+                                    <p:set>
+                                      <p:cBhvr>
+                                        <p:cTn id="79" dur="1" fill="hold">
+                                          <p:stCondLst>
+                                            <p:cond delay="0"/>
+                                          </p:stCondLst>
+                                        </p:cTn>
+                                        <p:tgtEl>
+                                          <p:spTgt spid="3">
+                                            <p:txEl>
+                                              <p:pRg st="2" end="2"/>
+                                            </p:txEl>
+                                          </p:spTgt>
+                                        </p:tgtEl>
+                                        <p:attrNameLst>
+                                          <p:attrName>style.visibility</p:attrName>
+                                        </p:attrNameLst>
+                                      </p:cBhvr>
+                                      <p:to>
+                                        <p:strVal val="visible"/>
+                                      </p:to>
+                                    </p:set>
+                                    <p:anim calcmode="lin" valueType="num">
+                                      <p:cBhvr>
+                                        <p:cTn id="80" dur="500" fill="hold"/>
+                                        <p:tgtEl>
+                                          <p:spTgt spid="3">
+                                            <p:txEl>
+                                              <p:pRg st="2" end="2"/>
+                                            </p:txEl>
+                                          </p:spTgt>
+                                        </p:tgtEl>
+                                        <p:attrNameLst>
+                                          <p:attrName>ppt_x</p:attrName>
+                                        </p:attrNameLst>
+                                      </p:cBhvr>
+                                      <p:tavLst>
+                                        <p:tav tm="0">
+                                          <p:val>
+                                            <p:strVal val="#ppt_x"/>
+                                          </p:val>
+                                        </p:tav>
+                                        <p:tav tm="50000">
+                                          <p:val>
+                                            <p:strVal val="#ppt_x+.1"/>
+                                          </p:val>
+                                        </p:tav>
+                                        <p:tav tm="100000">
+                                          <p:val>
+                                            <p:strVal val="#ppt_x"/>
+                                          </p:val>
+                                        </p:tav>
+                                      </p:tavLst>
+                                    </p:anim>
+                                    <p:anim calcmode="lin" valueType="num">
+                                      <p:cBhvr>
+                                        <p:cTn id="81" dur="500" fill="hold"/>
+                                        <p:tgtEl>
+                                          <p:spTgt spid="3">
+                                            <p:txEl>
+                                              <p:pRg st="2" end="2"/>
+                                            </p:txEl>
+                                          </p:spTgt>
+                                        </p:tgtEl>
+                                        <p:attrNameLst>
+                                          <p:attrName>ppt_y</p:attrName>
+                                        </p:attrNameLst>
+                                      </p:cBhvr>
+                                      <p:tavLst>
+                                        <p:tav tm="0">
+                                          <p:val>
+                                            <p:strVal val="#ppt_y"/>
+                                          </p:val>
+                                        </p:tav>
+                                        <p:tav tm="100000">
+                                          <p:val>
+                                            <p:strVal val="#ppt_y"/>
+                                          </p:val>
+                                        </p:tav>
+                                      </p:tavLst>
+                                    </p:anim>
+                                    <p:anim calcmode="lin" valueType="num">
+                                      <p:cBhvr>
+                                        <p:cTn id="82" dur="500" fill="hold"/>
+                                        <p:tgtEl>
+                                          <p:spTgt spid="3">
+                                            <p:txEl>
+                                              <p:pRg st="2" end="2"/>
+                                            </p:txEl>
+                                          </p:spTgt>
+                                        </p:tgtEl>
+                                        <p:attrNameLst>
+                                          <p:attrName>ppt_h</p:attrName>
+                                        </p:attrNameLst>
+                                      </p:cBhvr>
+                                      <p:tavLst>
+                                        <p:tav tm="0">
+                                          <p:val>
+                                            <p:strVal val="#ppt_h/10"/>
+                                          </p:val>
+                                        </p:tav>
+                                        <p:tav tm="50000">
+                                          <p:val>
+                                            <p:strVal val="#ppt_h+.01"/>
+                                          </p:val>
+                                        </p:tav>
+                                        <p:tav tm="100000">
+                                          <p:val>
+                                            <p:strVal val="#ppt_h"/>
+                                          </p:val>
+                                        </p:tav>
+                                      </p:tavLst>
+                                    </p:anim>
+                                    <p:anim calcmode="lin" valueType="num">
+                                      <p:cBhvr>
+                                        <p:cTn id="83" dur="500" fill="hold"/>
+                                        <p:tgtEl>
+                                          <p:spTgt spid="3">
+                                            <p:txEl>
+                                              <p:pRg st="2" end="2"/>
+                                            </p:txEl>
+                                          </p:spTgt>
+                                        </p:tgtEl>
+                                        <p:attrNameLst>
+                                          <p:attrName>ppt_w</p:attrName>
+                                        </p:attrNameLst>
+                                      </p:cBhvr>
+                                      <p:tavLst>
+                                        <p:tav tm="0">
+                                          <p:val>
+                                            <p:strVal val="#ppt_w/10"/>
+                                          </p:val>
+                                        </p:tav>
+                                        <p:tav tm="50000">
+                                          <p:val>
+                                            <p:strVal val="#ppt_w+.01"/>
+                                          </p:val>
+                                        </p:tav>
+                                        <p:tav tm="100000">
+                                          <p:val>
+                                            <p:strVal val="#ppt_w"/>
+                                          </p:val>
+                                        </p:tav>
+                                      </p:tavLst>
+                                    </p:anim>
+                                    <p:animEffect transition="in" filter="fade">
+                                      <p:cBhvr>
+                                        <p:cTn id="84" dur="500" tmFilter="0,0; .5, 1; 1, 1"/>
+                                        <p:tgtEl>
+                                          <p:spTgt spid="3">
+                                            <p:txEl>
+                                              <p:pRg st="2" end="2"/>
+                                            </p:txEl>
+                                          </p:spTgt>
+                                        </p:tgtEl>
+                                      </p:cBhvr>
+                                    </p:animEffect>
+                                  </p:childTnLst>
+                                </p:cTn>
+                              </p:par>
+                            </p:childTnLst>
+                          </p:cTn>
+                        </p:par>
+                      </p:childTnLst>
+                    </p:cTn>
+                  </p:par>
+                  <p:par>
+                    <p:cTn id="85" fill="hold">
+                      <p:stCondLst>
+                        <p:cond delay="indefinite"/>
+                      </p:stCondLst>
+                      <p:childTnLst>
+                        <p:par>
+                          <p:cTn id="86" fill="hold">
+                            <p:stCondLst>
+                              <p:cond delay="0"/>
+                            </p:stCondLst>
+                            <p:childTnLst>
+                              <p:par>
+                                <p:cTn id="87" presetID="41" presetClass="entr" presetSubtype="0" fill="hold" grpId="0" nodeType="clickEffect">
+                                  <p:stCondLst>
+                                    <p:cond delay="0"/>
+                                  </p:stCondLst>
+                                  <p:iterate type="lt">
+                                    <p:tmPct val="10000"/>
+                                  </p:iterate>
+                                  <p:childTnLst>
+                                    <p:set>
+                                      <p:cBhvr>
+                                        <p:cTn id="88" dur="1" fill="hold">
+                                          <p:stCondLst>
+                                            <p:cond delay="0"/>
+                                          </p:stCondLst>
+                                        </p:cTn>
+                                        <p:tgtEl>
+                                          <p:spTgt spid="3">
+                                            <p:txEl>
+                                              <p:pRg st="3" end="3"/>
+                                            </p:txEl>
+                                          </p:spTgt>
+                                        </p:tgtEl>
+                                        <p:attrNameLst>
+                                          <p:attrName>style.visibility</p:attrName>
+                                        </p:attrNameLst>
+                                      </p:cBhvr>
+                                      <p:to>
+                                        <p:strVal val="visible"/>
+                                      </p:to>
+                                    </p:set>
+                                    <p:anim calcmode="lin" valueType="num">
+                                      <p:cBhvr>
+                                        <p:cTn id="89" dur="500" fill="hold"/>
+                                        <p:tgtEl>
+                                          <p:spTgt spid="3">
+                                            <p:txEl>
+                                              <p:pRg st="3" end="3"/>
+                                            </p:txEl>
+                                          </p:spTgt>
+                                        </p:tgtEl>
+                                        <p:attrNameLst>
+                                          <p:attrName>ppt_x</p:attrName>
+                                        </p:attrNameLst>
+                                      </p:cBhvr>
+                                      <p:tavLst>
+                                        <p:tav tm="0">
+                                          <p:val>
+                                            <p:strVal val="#ppt_x"/>
+                                          </p:val>
+                                        </p:tav>
+                                        <p:tav tm="50000">
+                                          <p:val>
+                                            <p:strVal val="#ppt_x+.1"/>
+                                          </p:val>
+                                        </p:tav>
+                                        <p:tav tm="100000">
+                                          <p:val>
+                                            <p:strVal val="#ppt_x"/>
+                                          </p:val>
+                                        </p:tav>
+                                      </p:tavLst>
+                                    </p:anim>
+                                    <p:anim calcmode="lin" valueType="num">
+                                      <p:cBhvr>
+                                        <p:cTn id="90" dur="500" fill="hold"/>
+                                        <p:tgtEl>
+                                          <p:spTgt spid="3">
+                                            <p:txEl>
+                                              <p:pRg st="3" end="3"/>
+                                            </p:txEl>
+                                          </p:spTgt>
+                                        </p:tgtEl>
+                                        <p:attrNameLst>
+                                          <p:attrName>ppt_y</p:attrName>
+                                        </p:attrNameLst>
+                                      </p:cBhvr>
+                                      <p:tavLst>
+                                        <p:tav tm="0">
+                                          <p:val>
+                                            <p:strVal val="#ppt_y"/>
+                                          </p:val>
+                                        </p:tav>
+                                        <p:tav tm="100000">
+                                          <p:val>
+                                            <p:strVal val="#ppt_y"/>
+                                          </p:val>
+                                        </p:tav>
+                                      </p:tavLst>
+                                    </p:anim>
+                                    <p:anim calcmode="lin" valueType="num">
+                                      <p:cBhvr>
+                                        <p:cTn id="91" dur="500" fill="hold"/>
+                                        <p:tgtEl>
+                                          <p:spTgt spid="3">
+                                            <p:txEl>
+                                              <p:pRg st="3" end="3"/>
+                                            </p:txEl>
+                                          </p:spTgt>
+                                        </p:tgtEl>
+                                        <p:attrNameLst>
+                                          <p:attrName>ppt_h</p:attrName>
+                                        </p:attrNameLst>
+                                      </p:cBhvr>
+                                      <p:tavLst>
+                                        <p:tav tm="0">
+                                          <p:val>
+                                            <p:strVal val="#ppt_h/10"/>
+                                          </p:val>
+                                        </p:tav>
+                                        <p:tav tm="50000">
+                                          <p:val>
+                                            <p:strVal val="#ppt_h+.01"/>
+                                          </p:val>
+                                        </p:tav>
+                                        <p:tav tm="100000">
+                                          <p:val>
+                                            <p:strVal val="#ppt_h"/>
+                                          </p:val>
+                                        </p:tav>
+                                      </p:tavLst>
+                                    </p:anim>
+                                    <p:anim calcmode="lin" valueType="num">
+                                      <p:cBhvr>
+                                        <p:cTn id="92" dur="500" fill="hold"/>
+                                        <p:tgtEl>
+                                          <p:spTgt spid="3">
+                                            <p:txEl>
+                                              <p:pRg st="3" end="3"/>
+                                            </p:txEl>
+                                          </p:spTgt>
+                                        </p:tgtEl>
+                                        <p:attrNameLst>
+                                          <p:attrName>ppt_w</p:attrName>
+                                        </p:attrNameLst>
+                                      </p:cBhvr>
+                                      <p:tavLst>
+                                        <p:tav tm="0">
+                                          <p:val>
+                                            <p:strVal val="#ppt_w/10"/>
+                                          </p:val>
+                                        </p:tav>
+                                        <p:tav tm="50000">
+                                          <p:val>
+                                            <p:strVal val="#ppt_w+.01"/>
+                                          </p:val>
+                                        </p:tav>
+                                        <p:tav tm="100000">
+                                          <p:val>
+                                            <p:strVal val="#ppt_w"/>
+                                          </p:val>
+                                        </p:tav>
+                                      </p:tavLst>
+                                    </p:anim>
+                                    <p:animEffect transition="in" filter="fade">
+                                      <p:cBhvr>
+                                        <p:cTn id="93" dur="500" tmFilter="0,0; .5, 1; 1, 1"/>
+                                        <p:tgtEl>
+                                          <p:spTgt spid="3">
+                                            <p:txEl>
+                                              <p:pRg st="3" end="3"/>
+                                            </p:txEl>
+                                          </p:spTgt>
+                                        </p:tgtEl>
+                                      </p:cBhvr>
+                                    </p:animEffect>
+                                  </p:childTnLst>
+                                </p:cTn>
+                              </p:par>
+                            </p:childTnLst>
+                          </p:cTn>
+                        </p:par>
+                      </p:childTnLst>
+                    </p:cTn>
+                  </p:par>
+                  <p:par>
+                    <p:cTn id="94" fill="hold">
+                      <p:stCondLst>
+                        <p:cond delay="indefinite"/>
+                      </p:stCondLst>
+                      <p:childTnLst>
+                        <p:par>
+                          <p:cTn id="95" fill="hold">
+                            <p:stCondLst>
+                              <p:cond delay="0"/>
+                            </p:stCondLst>
+                            <p:childTnLst>
+                              <p:par>
+                                <p:cTn id="96" presetID="41" presetClass="entr" presetSubtype="0" fill="hold" grpId="0" nodeType="clickEffect">
+                                  <p:stCondLst>
+                                    <p:cond delay="0"/>
+                                  </p:stCondLst>
+                                  <p:iterate type="lt">
+                                    <p:tmPct val="10000"/>
+                                  </p:iterate>
+                                  <p:childTnLst>
+                                    <p:set>
+                                      <p:cBhvr>
+                                        <p:cTn id="97" dur="1" fill="hold">
+                                          <p:stCondLst>
+                                            <p:cond delay="0"/>
+                                          </p:stCondLst>
+                                        </p:cTn>
+                                        <p:tgtEl>
+                                          <p:spTgt spid="3">
+                                            <p:txEl>
+                                              <p:pRg st="4" end="4"/>
+                                            </p:txEl>
+                                          </p:spTgt>
+                                        </p:tgtEl>
+                                        <p:attrNameLst>
+                                          <p:attrName>style.visibility</p:attrName>
+                                        </p:attrNameLst>
+                                      </p:cBhvr>
+                                      <p:to>
+                                        <p:strVal val="visible"/>
+                                      </p:to>
+                                    </p:set>
+                                    <p:anim calcmode="lin" valueType="num">
+                                      <p:cBhvr>
+                                        <p:cTn id="98" dur="500" fill="hold"/>
+                                        <p:tgtEl>
+                                          <p:spTgt spid="3">
+                                            <p:txEl>
+                                              <p:pRg st="4" end="4"/>
+                                            </p:txEl>
+                                          </p:spTgt>
+                                        </p:tgtEl>
+                                        <p:attrNameLst>
+                                          <p:attrName>ppt_x</p:attrName>
+                                        </p:attrNameLst>
+                                      </p:cBhvr>
+                                      <p:tavLst>
+                                        <p:tav tm="0">
+                                          <p:val>
+                                            <p:strVal val="#ppt_x"/>
+                                          </p:val>
+                                        </p:tav>
+                                        <p:tav tm="50000">
+                                          <p:val>
+                                            <p:strVal val="#ppt_x+.1"/>
+                                          </p:val>
+                                        </p:tav>
+                                        <p:tav tm="100000">
+                                          <p:val>
+                                            <p:strVal val="#ppt_x"/>
+                                          </p:val>
+                                        </p:tav>
+                                      </p:tavLst>
+                                    </p:anim>
+                                    <p:anim calcmode="lin" valueType="num">
+                                      <p:cBhvr>
+                                        <p:cTn id="99" dur="500" fill="hold"/>
+                                        <p:tgtEl>
+                                          <p:spTgt spid="3">
+                                            <p:txEl>
+                                              <p:pRg st="4" end="4"/>
+                                            </p:txEl>
+                                          </p:spTgt>
+                                        </p:tgtEl>
+                                        <p:attrNameLst>
+                                          <p:attrName>ppt_y</p:attrName>
+                                        </p:attrNameLst>
+                                      </p:cBhvr>
+                                      <p:tavLst>
+                                        <p:tav tm="0">
+                                          <p:val>
+                                            <p:strVal val="#ppt_y"/>
+                                          </p:val>
+                                        </p:tav>
+                                        <p:tav tm="100000">
+                                          <p:val>
+                                            <p:strVal val="#ppt_y"/>
+                                          </p:val>
+                                        </p:tav>
+                                      </p:tavLst>
+                                    </p:anim>
+                                    <p:anim calcmode="lin" valueType="num">
+                                      <p:cBhvr>
+                                        <p:cTn id="100" dur="500" fill="hold"/>
+                                        <p:tgtEl>
+                                          <p:spTgt spid="3">
+                                            <p:txEl>
+                                              <p:pRg st="4" end="4"/>
+                                            </p:txEl>
+                                          </p:spTgt>
+                                        </p:tgtEl>
+                                        <p:attrNameLst>
+                                          <p:attrName>ppt_h</p:attrName>
+                                        </p:attrNameLst>
+                                      </p:cBhvr>
+                                      <p:tavLst>
+                                        <p:tav tm="0">
+                                          <p:val>
+                                            <p:strVal val="#ppt_h/10"/>
+                                          </p:val>
+                                        </p:tav>
+                                        <p:tav tm="50000">
+                                          <p:val>
+                                            <p:strVal val="#ppt_h+.01"/>
+                                          </p:val>
+                                        </p:tav>
+                                        <p:tav tm="100000">
+                                          <p:val>
+                                            <p:strVal val="#ppt_h"/>
+                                          </p:val>
+                                        </p:tav>
+                                      </p:tavLst>
+                                    </p:anim>
+                                    <p:anim calcmode="lin" valueType="num">
+                                      <p:cBhvr>
+                                        <p:cTn id="101" dur="500" fill="hold"/>
+                                        <p:tgtEl>
+                                          <p:spTgt spid="3">
+                                            <p:txEl>
+                                              <p:pRg st="4" end="4"/>
+                                            </p:txEl>
+                                          </p:spTgt>
+                                        </p:tgtEl>
+                                        <p:attrNameLst>
+                                          <p:attrName>ppt_w</p:attrName>
+                                        </p:attrNameLst>
+                                      </p:cBhvr>
+                                      <p:tavLst>
+                                        <p:tav tm="0">
+                                          <p:val>
+                                            <p:strVal val="#ppt_w/10"/>
+                                          </p:val>
+                                        </p:tav>
+                                        <p:tav tm="50000">
+                                          <p:val>
+                                            <p:strVal val="#ppt_w+.01"/>
+                                          </p:val>
+                                        </p:tav>
+                                        <p:tav tm="100000">
+                                          <p:val>
+                                            <p:strVal val="#ppt_w"/>
+                                          </p:val>
+                                        </p:tav>
+                                      </p:tavLst>
+                                    </p:anim>
+                                    <p:animEffect transition="in" filter="fade">
+                                      <p:cBhvr>
+                                        <p:cTn id="102" dur="500" tmFilter="0,0; .5, 1; 1, 1"/>
+                                        <p:tgtEl>
+                                          <p:spTgt spid="3">
+                                            <p:txEl>
+                                              <p:pRg st="4" end="4"/>
+                                            </p:txEl>
+                                          </p:spTgt>
+                                        </p:tgtEl>
+                                      </p:cBhvr>
+                                    </p:animEffect>
+                                  </p:childTnLst>
+                                </p:cTn>
+                              </p:par>
+                            </p:childTnLst>
+                          </p:cTn>
+                        </p:par>
+                      </p:childTnLst>
+                    </p:cTn>
+                  </p:par>
+                  <p:par>
+                    <p:cTn id="103" fill="hold">
+                      <p:stCondLst>
+                        <p:cond delay="indefinite"/>
+                      </p:stCondLst>
+                      <p:childTnLst>
+                        <p:par>
+                          <p:cTn id="104" fill="hold">
+                            <p:stCondLst>
+                              <p:cond delay="0"/>
+                            </p:stCondLst>
+                            <p:childTnLst>
+                              <p:par>
+                                <p:cTn id="105" presetID="41" presetClass="entr" presetSubtype="0" fill="hold" grpId="0" nodeType="clickEffect">
+                                  <p:stCondLst>
+                                    <p:cond delay="0"/>
+                                  </p:stCondLst>
+                                  <p:iterate type="lt">
+                                    <p:tmPct val="10000"/>
+                                  </p:iterate>
+                                  <p:childTnLst>
+                                    <p:set>
+                                      <p:cBhvr>
+                                        <p:cTn id="106" dur="1" fill="hold">
+                                          <p:stCondLst>
+                                            <p:cond delay="0"/>
+                                          </p:stCondLst>
+                                        </p:cTn>
+                                        <p:tgtEl>
+                                          <p:spTgt spid="3">
+                                            <p:txEl>
+                                              <p:pRg st="5" end="5"/>
+                                            </p:txEl>
+                                          </p:spTgt>
+                                        </p:tgtEl>
+                                        <p:attrNameLst>
+                                          <p:attrName>style.visibility</p:attrName>
+                                        </p:attrNameLst>
+                                      </p:cBhvr>
+                                      <p:to>
+                                        <p:strVal val="visible"/>
+                                      </p:to>
+                                    </p:set>
+                                    <p:anim calcmode="lin" valueType="num">
+                                      <p:cBhvr>
+                                        <p:cTn id="107" dur="500" fill="hold"/>
+                                        <p:tgtEl>
+                                          <p:spTgt spid="3">
+                                            <p:txEl>
+                                              <p:pRg st="5" end="5"/>
+                                            </p:txEl>
+                                          </p:spTgt>
+                                        </p:tgtEl>
+                                        <p:attrNameLst>
+                                          <p:attrName>ppt_x</p:attrName>
+                                        </p:attrNameLst>
+                                      </p:cBhvr>
+                                      <p:tavLst>
+                                        <p:tav tm="0">
+                                          <p:val>
+                                            <p:strVal val="#ppt_x"/>
+                                          </p:val>
+                                        </p:tav>
+                                        <p:tav tm="50000">
+                                          <p:val>
+                                            <p:strVal val="#ppt_x+.1"/>
+                                          </p:val>
+                                        </p:tav>
+                                        <p:tav tm="100000">
+                                          <p:val>
+                                            <p:strVal val="#ppt_x"/>
+                                          </p:val>
+                                        </p:tav>
+                                      </p:tavLst>
+                                    </p:anim>
+                                    <p:anim calcmode="lin" valueType="num">
+                                      <p:cBhvr>
+                                        <p:cTn id="108" dur="500" fill="hold"/>
+                                        <p:tgtEl>
+                                          <p:spTgt spid="3">
+                                            <p:txEl>
+                                              <p:pRg st="5" end="5"/>
+                                            </p:txEl>
+                                          </p:spTgt>
+                                        </p:tgtEl>
+                                        <p:attrNameLst>
+                                          <p:attrName>ppt_y</p:attrName>
+                                        </p:attrNameLst>
+                                      </p:cBhvr>
+                                      <p:tavLst>
+                                        <p:tav tm="0">
+                                          <p:val>
+                                            <p:strVal val="#ppt_y"/>
+                                          </p:val>
+                                        </p:tav>
+                                        <p:tav tm="100000">
+                                          <p:val>
+                                            <p:strVal val="#ppt_y"/>
+                                          </p:val>
+                                        </p:tav>
+                                      </p:tavLst>
+                                    </p:anim>
+                                    <p:anim calcmode="lin" valueType="num">
+                                      <p:cBhvr>
+                                        <p:cTn id="109" dur="500" fill="hold"/>
+                                        <p:tgtEl>
+                                          <p:spTgt spid="3">
+                                            <p:txEl>
+                                              <p:pRg st="5" end="5"/>
+                                            </p:txEl>
+                                          </p:spTgt>
+                                        </p:tgtEl>
+                                        <p:attrNameLst>
+                                          <p:attrName>ppt_h</p:attrName>
+                                        </p:attrNameLst>
+                                      </p:cBhvr>
+                                      <p:tavLst>
+                                        <p:tav tm="0">
+                                          <p:val>
+                                            <p:strVal val="#ppt_h/10"/>
+                                          </p:val>
+                                        </p:tav>
+                                        <p:tav tm="50000">
+                                          <p:val>
+                                            <p:strVal val="#ppt_h+.01"/>
+                                          </p:val>
+                                        </p:tav>
+                                        <p:tav tm="100000">
+                                          <p:val>
+                                            <p:strVal val="#ppt_h"/>
+                                          </p:val>
+                                        </p:tav>
+                                      </p:tavLst>
+                                    </p:anim>
+                                    <p:anim calcmode="lin" valueType="num">
+                                      <p:cBhvr>
+                                        <p:cTn id="110" dur="500" fill="hold"/>
+                                        <p:tgtEl>
+                                          <p:spTgt spid="3">
+                                            <p:txEl>
+                                              <p:pRg st="5" end="5"/>
+                                            </p:txEl>
+                                          </p:spTgt>
+                                        </p:tgtEl>
+                                        <p:attrNameLst>
+                                          <p:attrName>ppt_w</p:attrName>
+                                        </p:attrNameLst>
+                                      </p:cBhvr>
+                                      <p:tavLst>
+                                        <p:tav tm="0">
+                                          <p:val>
+                                            <p:strVal val="#ppt_w/10"/>
+                                          </p:val>
+                                        </p:tav>
+                                        <p:tav tm="50000">
+                                          <p:val>
+                                            <p:strVal val="#ppt_w+.01"/>
+                                          </p:val>
+                                        </p:tav>
+                                        <p:tav tm="100000">
+                                          <p:val>
+                                            <p:strVal val="#ppt_w"/>
+                                          </p:val>
+                                        </p:tav>
+                                      </p:tavLst>
+                                    </p:anim>
+                                    <p:animEffect transition="in" filter="fade">
+                                      <p:cBhvr>
+                                        <p:cTn id="111" dur="500" tmFilter="0,0; .5, 1; 1, 1"/>
+                                        <p:tgtEl>
+                                          <p:spTgt spid="3">
+                                            <p:txEl>
+                                              <p:pRg st="5" end="5"/>
+                                            </p:txEl>
+                                          </p:spTgt>
+                                        </p:tgtEl>
+                                      </p:cBhvr>
+                                    </p:animEffect>
+                                  </p:childTnLst>
+                                </p:cTn>
+                              </p:par>
+                              <p:par>
+                                <p:cTn id="112" presetID="41" presetClass="entr" presetSubtype="0" fill="hold" grpId="0" nodeType="withEffect">
+                                  <p:stCondLst>
+                                    <p:cond delay="0"/>
+                                  </p:stCondLst>
+                                  <p:iterate type="lt">
+                                    <p:tmPct val="10000"/>
+                                  </p:iterate>
+                                  <p:childTnLst>
+                                    <p:set>
+                                      <p:cBhvr>
+                                        <p:cTn id="113" dur="1" fill="hold">
+                                          <p:stCondLst>
+                                            <p:cond delay="0"/>
+                                          </p:stCondLst>
+                                        </p:cTn>
+                                        <p:tgtEl>
+                                          <p:spTgt spid="3">
+                                            <p:txEl>
+                                              <p:pRg st="6" end="6"/>
+                                            </p:txEl>
+                                          </p:spTgt>
+                                        </p:tgtEl>
+                                        <p:attrNameLst>
+                                          <p:attrName>style.visibility</p:attrName>
+                                        </p:attrNameLst>
+                                      </p:cBhvr>
+                                      <p:to>
+                                        <p:strVal val="visible"/>
+                                      </p:to>
+                                    </p:set>
+                                    <p:anim calcmode="lin" valueType="num">
+                                      <p:cBhvr>
+                                        <p:cTn id="114" dur="500" fill="hold"/>
+                                        <p:tgtEl>
+                                          <p:spTgt spid="3">
+                                            <p:txEl>
+                                              <p:pRg st="6" end="6"/>
+                                            </p:txEl>
+                                          </p:spTgt>
+                                        </p:tgtEl>
+                                        <p:attrNameLst>
+                                          <p:attrName>ppt_x</p:attrName>
+                                        </p:attrNameLst>
+                                      </p:cBhvr>
+                                      <p:tavLst>
+                                        <p:tav tm="0">
+                                          <p:val>
+                                            <p:strVal val="#ppt_x"/>
+                                          </p:val>
+                                        </p:tav>
+                                        <p:tav tm="50000">
+                                          <p:val>
+                                            <p:strVal val="#ppt_x+.1"/>
+                                          </p:val>
+                                        </p:tav>
+                                        <p:tav tm="100000">
+                                          <p:val>
+                                            <p:strVal val="#ppt_x"/>
+                                          </p:val>
+                                        </p:tav>
+                                      </p:tavLst>
+                                    </p:anim>
+                                    <p:anim calcmode="lin" valueType="num">
+                                      <p:cBhvr>
+                                        <p:cTn id="115" dur="500" fill="hold"/>
+                                        <p:tgtEl>
+                                          <p:spTgt spid="3">
+                                            <p:txEl>
+                                              <p:pRg st="6" end="6"/>
+                                            </p:txEl>
+                                          </p:spTgt>
+                                        </p:tgtEl>
+                                        <p:attrNameLst>
+                                          <p:attrName>ppt_y</p:attrName>
+                                        </p:attrNameLst>
+                                      </p:cBhvr>
+                                      <p:tavLst>
+                                        <p:tav tm="0">
+                                          <p:val>
+                                            <p:strVal val="#ppt_y"/>
+                                          </p:val>
+                                        </p:tav>
+                                        <p:tav tm="100000">
+                                          <p:val>
+                                            <p:strVal val="#ppt_y"/>
+                                          </p:val>
+                                        </p:tav>
+                                      </p:tavLst>
+                                    </p:anim>
+                                    <p:anim calcmode="lin" valueType="num">
+                                      <p:cBhvr>
+                                        <p:cTn id="116" dur="500" fill="hold"/>
+                                        <p:tgtEl>
+                                          <p:spTgt spid="3">
+                                            <p:txEl>
+                                              <p:pRg st="6" end="6"/>
+                                            </p:txEl>
+                                          </p:spTgt>
+                                        </p:tgtEl>
+                                        <p:attrNameLst>
+                                          <p:attrName>ppt_h</p:attrName>
+                                        </p:attrNameLst>
+                                      </p:cBhvr>
+                                      <p:tavLst>
+                                        <p:tav tm="0">
+                                          <p:val>
+                                            <p:strVal val="#ppt_h/10"/>
+                                          </p:val>
+                                        </p:tav>
+                                        <p:tav tm="50000">
+                                          <p:val>
+                                            <p:strVal val="#ppt_h+.01"/>
+                                          </p:val>
+                                        </p:tav>
+                                        <p:tav tm="100000">
+                                          <p:val>
+                                            <p:strVal val="#ppt_h"/>
+                                          </p:val>
+                                        </p:tav>
+                                      </p:tavLst>
+                                    </p:anim>
+                                    <p:anim calcmode="lin" valueType="num">
+                                      <p:cBhvr>
+                                        <p:cTn id="117" dur="500" fill="hold"/>
+                                        <p:tgtEl>
+                                          <p:spTgt spid="3">
+                                            <p:txEl>
+                                              <p:pRg st="6" end="6"/>
+                                            </p:txEl>
+                                          </p:spTgt>
+                                        </p:tgtEl>
+                                        <p:attrNameLst>
+                                          <p:attrName>ppt_w</p:attrName>
+                                        </p:attrNameLst>
+                                      </p:cBhvr>
+                                      <p:tavLst>
+                                        <p:tav tm="0">
+                                          <p:val>
+                                            <p:strVal val="#ppt_w/10"/>
+                                          </p:val>
+                                        </p:tav>
+                                        <p:tav tm="50000">
+                                          <p:val>
+                                            <p:strVal val="#ppt_w+.01"/>
+                                          </p:val>
+                                        </p:tav>
+                                        <p:tav tm="100000">
+                                          <p:val>
+                                            <p:strVal val="#ppt_w"/>
+                                          </p:val>
+                                        </p:tav>
+                                      </p:tavLst>
+                                    </p:anim>
+                                    <p:animEffect transition="in" filter="fade">
+                                      <p:cBhvr>
+                                        <p:cTn id="118" dur="500" tmFilter="0,0; .5, 1; 1, 1"/>
+                                        <p:tgtEl>
+                                          <p:spTgt spid="3">
+                                            <p:txEl>
+                                              <p:pRg st="6" end="6"/>
+                                            </p:txEl>
+                                          </p:spTgt>
+                                        </p:tgtEl>
+                                      </p:cBhvr>
+                                    </p:animEffect>
+                                  </p:childTnLst>
+                                </p:cTn>
+                              </p:par>
+                            </p:childTnLst>
+                          </p:cTn>
+                        </p:par>
+                      </p:childTnLst>
+                    </p:cTn>
+                  </p:par>
+                  <p:par>
+                    <p:cTn id="119" fill="hold">
+                      <p:stCondLst>
+                        <p:cond delay="indefinite"/>
+                      </p:stCondLst>
+                      <p:childTnLst>
+                        <p:par>
+                          <p:cTn id="120" fill="hold">
+                            <p:stCondLst>
+                              <p:cond delay="0"/>
+                            </p:stCondLst>
+                            <p:childTnLst>
+                              <p:par>
+                                <p:cTn id="121" presetID="41" presetClass="entr" presetSubtype="0" fill="hold" grpId="0" nodeType="clickEffect">
+                                  <p:stCondLst>
+                                    <p:cond delay="0"/>
+                                  </p:stCondLst>
+                                  <p:iterate type="lt">
+                                    <p:tmPct val="10000"/>
+                                  </p:iterate>
+                                  <p:childTnLst>
+                                    <p:set>
+                                      <p:cBhvr>
+                                        <p:cTn id="122" dur="1" fill="hold">
+                                          <p:stCondLst>
+                                            <p:cond delay="0"/>
+                                          </p:stCondLst>
+                                        </p:cTn>
+                                        <p:tgtEl>
+                                          <p:spTgt spid="3">
+                                            <p:txEl>
+                                              <p:pRg st="7" end="7"/>
+                                            </p:txEl>
+                                          </p:spTgt>
+                                        </p:tgtEl>
+                                        <p:attrNameLst>
+                                          <p:attrName>style.visibility</p:attrName>
+                                        </p:attrNameLst>
+                                      </p:cBhvr>
+                                      <p:to>
+                                        <p:strVal val="visible"/>
+                                      </p:to>
+                                    </p:set>
+                                    <p:anim calcmode="lin" valueType="num">
+                                      <p:cBhvr>
+                                        <p:cTn id="123" dur="500" fill="hold"/>
+                                        <p:tgtEl>
+                                          <p:spTgt spid="3">
+                                            <p:txEl>
+                                              <p:pRg st="7" end="7"/>
+                                            </p:txEl>
+                                          </p:spTgt>
+                                        </p:tgtEl>
+                                        <p:attrNameLst>
+                                          <p:attrName>ppt_x</p:attrName>
+                                        </p:attrNameLst>
+                                      </p:cBhvr>
+                                      <p:tavLst>
+                                        <p:tav tm="0">
+                                          <p:val>
+                                            <p:strVal val="#ppt_x"/>
+                                          </p:val>
+                                        </p:tav>
+                                        <p:tav tm="50000">
+                                          <p:val>
+                                            <p:strVal val="#ppt_x+.1"/>
+                                          </p:val>
+                                        </p:tav>
+                                        <p:tav tm="100000">
+                                          <p:val>
+                                            <p:strVal val="#ppt_x"/>
+                                          </p:val>
+                                        </p:tav>
+                                      </p:tavLst>
+                                    </p:anim>
+                                    <p:anim calcmode="lin" valueType="num">
+                                      <p:cBhvr>
+                                        <p:cTn id="124" dur="500" fill="hold"/>
+                                        <p:tgtEl>
+                                          <p:spTgt spid="3">
+                                            <p:txEl>
+                                              <p:pRg st="7" end="7"/>
+                                            </p:txEl>
+                                          </p:spTgt>
+                                        </p:tgtEl>
+                                        <p:attrNameLst>
+                                          <p:attrName>ppt_y</p:attrName>
+                                        </p:attrNameLst>
+                                      </p:cBhvr>
+                                      <p:tavLst>
+                                        <p:tav tm="0">
+                                          <p:val>
+                                            <p:strVal val="#ppt_y"/>
+                                          </p:val>
+                                        </p:tav>
+                                        <p:tav tm="100000">
+                                          <p:val>
+                                            <p:strVal val="#ppt_y"/>
+                                          </p:val>
+                                        </p:tav>
+                                      </p:tavLst>
+                                    </p:anim>
+                                    <p:anim calcmode="lin" valueType="num">
+                                      <p:cBhvr>
+                                        <p:cTn id="125" dur="500" fill="hold"/>
+                                        <p:tgtEl>
+                                          <p:spTgt spid="3">
+                                            <p:txEl>
+                                              <p:pRg st="7" end="7"/>
+                                            </p:txEl>
+                                          </p:spTgt>
+                                        </p:tgtEl>
+                                        <p:attrNameLst>
+                                          <p:attrName>ppt_h</p:attrName>
+                                        </p:attrNameLst>
+                                      </p:cBhvr>
+                                      <p:tavLst>
+                                        <p:tav tm="0">
+                                          <p:val>
+                                            <p:strVal val="#ppt_h/10"/>
+                                          </p:val>
+                                        </p:tav>
+                                        <p:tav tm="50000">
+                                          <p:val>
+                                            <p:strVal val="#ppt_h+.01"/>
+                                          </p:val>
+                                        </p:tav>
+                                        <p:tav tm="100000">
+                                          <p:val>
+                                            <p:strVal val="#ppt_h"/>
+                                          </p:val>
+                                        </p:tav>
+                                      </p:tavLst>
+                                    </p:anim>
+                                    <p:anim calcmode="lin" valueType="num">
+                                      <p:cBhvr>
+                                        <p:cTn id="126" dur="500" fill="hold"/>
+                                        <p:tgtEl>
+                                          <p:spTgt spid="3">
+                                            <p:txEl>
+                                              <p:pRg st="7" end="7"/>
+                                            </p:txEl>
+                                          </p:spTgt>
+                                        </p:tgtEl>
+                                        <p:attrNameLst>
+                                          <p:attrName>ppt_w</p:attrName>
+                                        </p:attrNameLst>
+                                      </p:cBhvr>
+                                      <p:tavLst>
+                                        <p:tav tm="0">
+                                          <p:val>
+                                            <p:strVal val="#ppt_w/10"/>
+                                          </p:val>
+                                        </p:tav>
+                                        <p:tav tm="50000">
+                                          <p:val>
+                                            <p:strVal val="#ppt_w+.01"/>
+                                          </p:val>
+                                        </p:tav>
+                                        <p:tav tm="100000">
+                                          <p:val>
+                                            <p:strVal val="#ppt_w"/>
+                                          </p:val>
+                                        </p:tav>
+                                      </p:tavLst>
+                                    </p:anim>
+                                    <p:animEffect transition="in" filter="fade">
+                                      <p:cBhvr>
+                                        <p:cTn id="127" dur="500" tmFilter="0,0; .5, 1; 1, 1"/>
+                                        <p:tgtEl>
+                                          <p:spTgt spid="3">
+                                            <p:txEl>
+                                              <p:pRg st="7" end="7"/>
+                                            </p:txEl>
+                                          </p:spTgt>
+                                        </p:tgtEl>
+                                      </p:cBhvr>
+                                    </p:animEffect>
+                                  </p:childTnLst>
+                                </p:cTn>
+                              </p:par>
+                            </p:childTnLst>
+                          </p:cTn>
+                        </p:par>
+                      </p:childTnLst>
+                    </p:cTn>
+                  </p:par>
+                </p:childTnLst>
+              </p:cTn>
+              <p:prevCondLst>
+                <p:cond evt="onPrev" delay="0">
+                  <p:tgtEl>
+                    <p:sldTgt/>
+                  </p:tgtEl>
+                </p:cond>
+              </p:prevCondLst>
+              <p:nextCondLst>
+                <p:cond evt="onNext" delay="0">
+                  <p:tgtEl>
+                    <p:sldTgt/>
+                  </p:tgtEl>
+                </p:cond>
+              </p:nextCondLst>
+            </p:seq>
+          </p:childTnLst>
+        </p:cTn>
+      </p:par>
+    </p:tnLst>
+    <p:bldLst>
+      <p:bldP spid="3" grpId="0" build="p"/>
+    </p:bldLst>
+  </p:timing>
+</p:sld>
+</file>
+
+<file path=ppt/slides/slide7.xml><?xml version="1.0" encoding="utf-8"?>
+<p:sld xmlns:a="http://schemas.openxmlformats.org/drawingml/2006/main" xmlns:r="http://schemas.openxmlformats.org/officeDocument/2006/relationships" xmlns:p="http://schemas.openxmlformats.org/presentationml/2006/main">
+  <p:cSld>
+    <p:spTree>
+      <p:nvGrpSpPr>
+        <p:cNvPr id="1" name=""/>
+        <p:cNvGrpSpPr/>
+        <p:nvPr/>
+      </p:nvGrpSpPr>
+      <p:grpSpPr>
+        <a:xfrm>
+          <a:off x="0" y="0"/>
+          <a:ext cx="0" cy="0"/>
+          <a:chOff x="0" y="0"/>
+          <a:chExt cx="0" cy="0"/>
+        </a:xfrm>
+      </p:grpSpPr>
+      <p:sp>
+        <p:nvSpPr>
+          <p:cNvPr id="2" name="Title 1">
+            <a:extLst>
+              <a:ext uri="{FF2B5EF4-FFF2-40B4-BE49-F238E27FC236}">
+                <a16:creationId xmlns:a16="http://schemas.microsoft.com/office/drawing/2014/main" id="{53FD0F9B-DF3F-4B7E-A57B-80C701B247B8}"/>
+              </a:ext>
+            </a:extLst>
+          </p:cNvPr>
+          <p:cNvSpPr>
+            <a:spLocks noGrp="1"/>
+          </p:cNvSpPr>
+          <p:nvPr>
+            <p:ph type="title"/>
+          </p:nvPr>
+        </p:nvSpPr>
+        <p:spPr/>
+        <p:txBody>
+          <a:bodyPr/>
+          <a:lstStyle/>
+          <a:p>
+            <a:r>
+              <a:rPr lang="en-US" dirty="0"/>
+              <a:t>Slack</a:t>
+            </a:r>
+          </a:p>
+        </p:txBody>
+      </p:sp>
+      <p:sp>
+        <p:nvSpPr>
+          <p:cNvPr id="3" name="Content Placeholder 2">
+            <a:extLst>
+              <a:ext uri="{FF2B5EF4-FFF2-40B4-BE49-F238E27FC236}">
+                <a16:creationId xmlns:a16="http://schemas.microsoft.com/office/drawing/2014/main" id="{CA08C212-55D6-46F3-9B98-F3D651280CE3}"/>
+              </a:ext>
+            </a:extLst>
+          </p:cNvPr>
+          <p:cNvSpPr>
+            <a:spLocks noGrp="1"/>
+          </p:cNvSpPr>
+          <p:nvPr>
+            <p:ph idx="1"/>
+          </p:nvPr>
+        </p:nvSpPr>
+        <p:spPr/>
+        <p:txBody>
+          <a:bodyPr/>
+          <a:lstStyle/>
+          <a:p>
+            <a:pPr algn="ctr"/>
+            <a:r>
+              <a:rPr lang="en-US" dirty="0"/>
+              <a:t>Get Slack on your phone</a:t>
+            </a:r>
+          </a:p>
+          <a:p>
+            <a:pPr algn="ctr"/>
+            <a:r>
+              <a:rPr lang="en-US" dirty="0"/>
+              <a:t>Send your team messages when they are not at school</a:t>
+            </a:r>
+          </a:p>
+          <a:p>
+            <a:pPr algn="ctr"/>
+            <a:r>
+              <a:rPr lang="en-US" dirty="0"/>
+              <a:t>If you are not at school and you didn’t check your phone, that is on </a:t>
+            </a:r>
+            <a:r>
+              <a:rPr lang="en-US" b="1" u="sng" dirty="0"/>
+              <a:t>You</a:t>
+            </a:r>
+            <a:r>
+              <a:rPr lang="en-US" dirty="0"/>
+              <a:t> for missing out on what is going on. </a:t>
+            </a:r>
+          </a:p>
+          <a:p>
+            <a:pPr algn="ctr"/>
+            <a:r>
+              <a:rPr lang="en-US" dirty="0"/>
+              <a:t>Use slack</a:t>
+            </a:r>
+          </a:p>
+          <a:p>
+            <a:endParaRPr lang="en-US" dirty="0"/>
+          </a:p>
+          <a:p>
+            <a:endParaRPr lang="en-US" dirty="0"/>
+          </a:p>
+        </p:txBody>
+      </p:sp>
+    </p:spTree>
+    <p:extLst>
+      <p:ext uri="{BB962C8B-B14F-4D97-AF65-F5344CB8AC3E}">
+        <p14:creationId xmlns:p14="http://schemas.microsoft.com/office/powerpoint/2010/main" val="1883990918"/>
+      </p:ext>
+    </p:extLst>
+  </p:cSld>
+  <p:clrMapOvr>
+    <a:masterClrMapping/>
+  </p:clrMapOvr>
+</p:sld>
+</file>
+
+<file path=ppt/slides/slide8.xml><?xml version="1.0" encoding="utf-8"?>
+<p:sld xmlns:a="http://schemas.openxmlformats.org/drawingml/2006/main" xmlns:r="http://schemas.openxmlformats.org/officeDocument/2006/relationships" xmlns:p="http://schemas.openxmlformats.org/presentationml/2006/main">
+  <p:cSld>
+    <p:spTree>
+      <p:nvGrpSpPr>
+        <p:cNvPr id="1" name=""/>
+        <p:cNvGrpSpPr/>
+        <p:nvPr/>
+      </p:nvGrpSpPr>
+      <p:grpSpPr>
+        <a:xfrm>
+          <a:off x="0" y="0"/>
+          <a:ext cx="0" cy="0"/>
+          <a:chOff x="0" y="0"/>
+          <a:chExt cx="0" cy="0"/>
+        </a:xfrm>
+      </p:grpSpPr>
+      <p:sp>
+        <p:nvSpPr>
+          <p:cNvPr id="2" name="Title 1">
+            <a:extLst>
+              <a:ext uri="{FF2B5EF4-FFF2-40B4-BE49-F238E27FC236}">
+                <a16:creationId xmlns:a16="http://schemas.microsoft.com/office/drawing/2014/main" id="{0A13842D-0901-49AF-AC0F-31B4AB4F480B}"/>
+              </a:ext>
+            </a:extLst>
+          </p:cNvPr>
+          <p:cNvSpPr>
+            <a:spLocks noGrp="1"/>
+          </p:cNvSpPr>
+          <p:nvPr>
+            <p:ph type="title"/>
+          </p:nvPr>
+        </p:nvSpPr>
+        <p:spPr/>
+        <p:txBody>
+          <a:bodyPr/>
+          <a:lstStyle/>
+          <a:p>
+            <a:r>
+              <a:rPr lang="en-US" dirty="0"/>
+              <a:t>Add them both… </a:t>
+            </a:r>
+            <a:r>
+              <a:rPr lang="en-US" b="1" dirty="0"/>
+              <a:t>BOOM</a:t>
+            </a:r>
+            <a:endParaRPr lang="en-US" dirty="0"/>
+          </a:p>
+        </p:txBody>
+      </p:sp>
+      <p:sp>
+        <p:nvSpPr>
+          <p:cNvPr id="3" name="Content Placeholder 2">
+            <a:extLst>
+              <a:ext uri="{FF2B5EF4-FFF2-40B4-BE49-F238E27FC236}">
+                <a16:creationId xmlns:a16="http://schemas.microsoft.com/office/drawing/2014/main" id="{4A23F66F-08F1-4AE3-920F-F226F9CD51E4}"/>
+              </a:ext>
+            </a:extLst>
+          </p:cNvPr>
+          <p:cNvSpPr>
+            <a:spLocks noGrp="1"/>
+          </p:cNvSpPr>
+          <p:nvPr>
+            <p:ph idx="1"/>
+          </p:nvPr>
+        </p:nvSpPr>
+        <p:spPr/>
+        <p:txBody>
+          <a:bodyPr/>
+          <a:lstStyle/>
+          <a:p>
+            <a:r>
+              <a:rPr lang="en-US" dirty="0"/>
+              <a:t>When you add talking to your team, using </a:t>
+            </a:r>
+            <a:r>
+              <a:rPr lang="en-US" dirty="0" err="1"/>
+              <a:t>Kahnban</a:t>
+            </a:r>
+            <a:r>
+              <a:rPr lang="en-US" dirty="0"/>
+              <a:t>, and slack. You are destined for great communication</a:t>
+            </a:r>
+          </a:p>
+          <a:p>
+            <a:r>
+              <a:rPr lang="en-US" dirty="0"/>
+              <a:t>Yes even if your team mates suck</a:t>
+            </a:r>
+          </a:p>
+          <a:p>
+            <a:r>
+              <a:rPr lang="en-US" dirty="0"/>
+              <a:t>Always make sure that you at least try to send your message across</a:t>
+            </a:r>
+          </a:p>
+        </p:txBody>
+      </p:sp>
+    </p:spTree>
+    <p:extLst>
+      <p:ext uri="{BB962C8B-B14F-4D97-AF65-F5344CB8AC3E}">
+        <p14:creationId xmlns:p14="http://schemas.microsoft.com/office/powerpoint/2010/main" val="3150132924"/>
+      </p:ext>
+    </p:extLst>
+  </p:cSld>
+  <p:clrMapOvr>
+    <a:masterClrMapping/>
+  </p:clrMapOvr>
+</p:sld>
+</file>
+
+<file path=ppt/slides/slide9.xml><?xml version="1.0" encoding="utf-8"?>
+<p:sld xmlns:a="http://schemas.openxmlformats.org/drawingml/2006/main" xmlns:r="http://schemas.openxmlformats.org/officeDocument/2006/relationships" xmlns:p="http://schemas.openxmlformats.org/presentationml/2006/main">
+  <p:cSld>
+    <p:spTree>
+      <p:nvGrpSpPr>
+        <p:cNvPr id="1" name=""/>
+        <p:cNvGrpSpPr/>
+        <p:nvPr/>
+      </p:nvGrpSpPr>
+      <p:grpSpPr>
+        <a:xfrm>
+          <a:off x="0" y="0"/>
+          <a:ext cx="0" cy="0"/>
+          <a:chOff x="0" y="0"/>
+          <a:chExt cx="0" cy="0"/>
+        </a:xfrm>
+      </p:grpSpPr>
+      <p:sp>
+        <p:nvSpPr>
+          <p:cNvPr id="2" name="Title 1">
+            <a:extLst>
+              <a:ext uri="{FF2B5EF4-FFF2-40B4-BE49-F238E27FC236}">
+                <a16:creationId xmlns:a16="http://schemas.microsoft.com/office/drawing/2014/main" id="{BCC61E21-B758-4099-A6E5-470C85B11A91}"/>
+              </a:ext>
+            </a:extLst>
+          </p:cNvPr>
+          <p:cNvSpPr>
+            <a:spLocks noGrp="1"/>
+          </p:cNvSpPr>
+          <p:nvPr>
+            <p:ph type="title"/>
+          </p:nvPr>
+        </p:nvSpPr>
+        <p:spPr/>
+        <p:txBody>
+          <a:bodyPr/>
+          <a:lstStyle/>
+          <a:p>
+            <a:endParaRPr lang="en-US"/>
+          </a:p>
+        </p:txBody>
+      </p:sp>
+      <p:sp>
+        <p:nvSpPr>
+          <p:cNvPr id="3" name="Content Placeholder 2">
+            <a:extLst>
+              <a:ext uri="{FF2B5EF4-FFF2-40B4-BE49-F238E27FC236}">
+                <a16:creationId xmlns:a16="http://schemas.microsoft.com/office/drawing/2014/main" id="{D532A9F5-D19D-474A-859B-82F2557D3308}"/>
+              </a:ext>
+            </a:extLst>
+          </p:cNvPr>
+          <p:cNvSpPr>
+            <a:spLocks noGrp="1"/>
+          </p:cNvSpPr>
+          <p:nvPr>
+            <p:ph idx="1"/>
+          </p:nvPr>
+        </p:nvSpPr>
+        <p:spPr/>
+        <p:txBody>
+          <a:bodyPr/>
+          <a:lstStyle/>
+          <a:p>
+            <a:pPr algn="ctr"/>
+            <a:r>
+              <a:rPr lang="en-US" dirty="0"/>
+              <a:t>Just remember, if you don’t know what to do, just…</a:t>
+            </a:r>
+          </a:p>
+          <a:p>
+            <a:pPr algn="ctr"/>
+            <a:r>
+              <a:rPr lang="en-US" sz="9600" b="1" u="sng" dirty="0"/>
+              <a:t>D.I.L.F.</a:t>
+            </a:r>
+          </a:p>
+        </p:txBody>
+      </p:sp>
+    </p:spTree>
+    <p:extLst>
+      <p:ext uri="{BB962C8B-B14F-4D97-AF65-F5344CB8AC3E}">
+        <p14:creationId xmlns:p14="http://schemas.microsoft.com/office/powerpoint/2010/main" val="1744036771"/>
       </p:ext>
     </p:extLst>
   </p:cSld>

--- a/docpac_mar18/Presentation.pptx
+++ b/docpac_mar18/Presentation.pptx
@@ -13,7 +13,11 @@
     <p:sldId id="261" r:id="rId7"/>
     <p:sldId id="263" r:id="rId8"/>
     <p:sldId id="264" r:id="rId9"/>
-    <p:sldId id="262" r:id="rId10"/>
+    <p:sldId id="265" r:id="rId10"/>
+    <p:sldId id="266" r:id="rId11"/>
+    <p:sldId id="267" r:id="rId12"/>
+    <p:sldId id="268" r:id="rId13"/>
+    <p:sldId id="262" r:id="rId14"/>
   </p:sldIdLst>
   <p:sldSz cx="12192000" cy="6858000"/>
   <p:notesSz cx="6858000" cy="9144000"/>
@@ -124,19 +128,19 @@
 <pc:chgInfo xmlns:a="http://schemas.openxmlformats.org/drawingml/2006/main" xmlns:r="http://schemas.openxmlformats.org/officeDocument/2006/relationships" xmlns:ac="http://schemas.microsoft.com/office/drawing/2013/main/command" xmlns:pc="http://schemas.microsoft.com/office/powerpoint/2013/main/command">
   <pc:docChgLst>
     <pc:chgData name="Fink, Parker" userId="980d64e8-f9ac-4cb3-85a7-c84722290ea9" providerId="ADAL" clId="{E796E882-7C7E-4F11-ADF1-62F05D5DF131}"/>
-    <pc:docChg chg="undo custSel addSld modSld">
-      <pc:chgData name="Fink, Parker" userId="980d64e8-f9ac-4cb3-85a7-c84722290ea9" providerId="ADAL" clId="{E796E882-7C7E-4F11-ADF1-62F05D5DF131}" dt="2022-03-15T15:16:30.670" v="1555" actId="20577"/>
+    <pc:docChg chg="undo custSel addSld modSld sldOrd">
+      <pc:chgData name="Fink, Parker" userId="980d64e8-f9ac-4cb3-85a7-c84722290ea9" providerId="ADAL" clId="{E796E882-7C7E-4F11-ADF1-62F05D5DF131}" dt="2022-03-16T12:58:04.858" v="2802" actId="5793"/>
       <pc:docMkLst>
         <pc:docMk/>
       </pc:docMkLst>
       <pc:sldChg chg="delSp modSp delAnim modAnim">
-        <pc:chgData name="Fink, Parker" userId="980d64e8-f9ac-4cb3-85a7-c84722290ea9" providerId="ADAL" clId="{E796E882-7C7E-4F11-ADF1-62F05D5DF131}" dt="2022-03-15T15:08:05.617" v="1250"/>
+        <pc:chgData name="Fink, Parker" userId="980d64e8-f9ac-4cb3-85a7-c84722290ea9" providerId="ADAL" clId="{E796E882-7C7E-4F11-ADF1-62F05D5DF131}" dt="2022-03-16T12:37:42.703" v="2231" actId="20577"/>
         <pc:sldMkLst>
           <pc:docMk/>
           <pc:sldMk cId="3815526219" sldId="256"/>
         </pc:sldMkLst>
         <pc:spChg chg="mod">
-          <ac:chgData name="Fink, Parker" userId="980d64e8-f9ac-4cb3-85a7-c84722290ea9" providerId="ADAL" clId="{E796E882-7C7E-4F11-ADF1-62F05D5DF131}" dt="2022-03-15T14:49:42.065" v="601" actId="20577"/>
+          <ac:chgData name="Fink, Parker" userId="980d64e8-f9ac-4cb3-85a7-c84722290ea9" providerId="ADAL" clId="{E796E882-7C7E-4F11-ADF1-62F05D5DF131}" dt="2022-03-16T12:37:42.703" v="2231" actId="20577"/>
           <ac:spMkLst>
             <pc:docMk/>
             <pc:sldMk cId="3815526219" sldId="256"/>
@@ -153,13 +157,13 @@
         </pc:spChg>
       </pc:sldChg>
       <pc:sldChg chg="modSp modAnim">
-        <pc:chgData name="Fink, Parker" userId="980d64e8-f9ac-4cb3-85a7-c84722290ea9" providerId="ADAL" clId="{E796E882-7C7E-4F11-ADF1-62F05D5DF131}" dt="2022-03-15T15:09:45.039" v="1258" actId="27636"/>
+        <pc:chgData name="Fink, Parker" userId="980d64e8-f9ac-4cb3-85a7-c84722290ea9" providerId="ADAL" clId="{E796E882-7C7E-4F11-ADF1-62F05D5DF131}" dt="2022-03-16T12:39:23.207" v="2272" actId="20577"/>
         <pc:sldMkLst>
           <pc:docMk/>
           <pc:sldMk cId="2649324647" sldId="257"/>
         </pc:sldMkLst>
         <pc:spChg chg="mod">
-          <ac:chgData name="Fink, Parker" userId="980d64e8-f9ac-4cb3-85a7-c84722290ea9" providerId="ADAL" clId="{E796E882-7C7E-4F11-ADF1-62F05D5DF131}" dt="2022-03-15T15:09:45.039" v="1258" actId="27636"/>
+          <ac:chgData name="Fink, Parker" userId="980d64e8-f9ac-4cb3-85a7-c84722290ea9" providerId="ADAL" clId="{E796E882-7C7E-4F11-ADF1-62F05D5DF131}" dt="2022-03-16T12:39:23.207" v="2272" actId="20577"/>
           <ac:spMkLst>
             <pc:docMk/>
             <pc:sldMk cId="2649324647" sldId="257"/>
@@ -213,13 +217,13 @@
         </pc:spChg>
       </pc:sldChg>
       <pc:sldChg chg="modSp modAnim">
-        <pc:chgData name="Fink, Parker" userId="980d64e8-f9ac-4cb3-85a7-c84722290ea9" providerId="ADAL" clId="{E796E882-7C7E-4F11-ADF1-62F05D5DF131}" dt="2022-03-15T15:10:10.743" v="1261" actId="122"/>
+        <pc:chgData name="Fink, Parker" userId="980d64e8-f9ac-4cb3-85a7-c84722290ea9" providerId="ADAL" clId="{E796E882-7C7E-4F11-ADF1-62F05D5DF131}" dt="2022-03-16T12:37:22.440" v="2222" actId="20577"/>
         <pc:sldMkLst>
           <pc:docMk/>
           <pc:sldMk cId="2094170780" sldId="261"/>
         </pc:sldMkLst>
         <pc:spChg chg="mod">
-          <ac:chgData name="Fink, Parker" userId="980d64e8-f9ac-4cb3-85a7-c84722290ea9" providerId="ADAL" clId="{E796E882-7C7E-4F11-ADF1-62F05D5DF131}" dt="2022-03-15T14:39:03.660" v="144" actId="20577"/>
+          <ac:chgData name="Fink, Parker" userId="980d64e8-f9ac-4cb3-85a7-c84722290ea9" providerId="ADAL" clId="{E796E882-7C7E-4F11-ADF1-62F05D5DF131}" dt="2022-03-16T12:37:22.440" v="2222" actId="20577"/>
           <ac:spMkLst>
             <pc:docMk/>
             <pc:sldMk cId="2094170780" sldId="261"/>
@@ -227,7 +231,7 @@
           </ac:spMkLst>
         </pc:spChg>
         <pc:spChg chg="mod">
-          <ac:chgData name="Fink, Parker" userId="980d64e8-f9ac-4cb3-85a7-c84722290ea9" providerId="ADAL" clId="{E796E882-7C7E-4F11-ADF1-62F05D5DF131}" dt="2022-03-15T15:10:10.743" v="1261" actId="122"/>
+          <ac:chgData name="Fink, Parker" userId="980d64e8-f9ac-4cb3-85a7-c84722290ea9" providerId="ADAL" clId="{E796E882-7C7E-4F11-ADF1-62F05D5DF131}" dt="2022-03-16T12:36:10.514" v="2220" actId="20577"/>
           <ac:spMkLst>
             <pc:docMk/>
             <pc:sldMk cId="2094170780" sldId="261"/>
@@ -236,7 +240,7 @@
         </pc:spChg>
       </pc:sldChg>
       <pc:sldChg chg="modSp modAnim">
-        <pc:chgData name="Fink, Parker" userId="980d64e8-f9ac-4cb3-85a7-c84722290ea9" providerId="ADAL" clId="{E796E882-7C7E-4F11-ADF1-62F05D5DF131}" dt="2022-03-15T15:10:25.852" v="1265" actId="20577"/>
+        <pc:chgData name="Fink, Parker" userId="980d64e8-f9ac-4cb3-85a7-c84722290ea9" providerId="ADAL" clId="{E796E882-7C7E-4F11-ADF1-62F05D5DF131}" dt="2022-03-16T12:35:10.404" v="2190"/>
         <pc:sldMkLst>
           <pc:docMk/>
           <pc:sldMk cId="1744036771" sldId="262"/>
@@ -296,6 +300,98 @@
           </ac:spMkLst>
         </pc:spChg>
       </pc:sldChg>
+      <pc:sldChg chg="modSp add ord modAnim">
+        <pc:chgData name="Fink, Parker" userId="980d64e8-f9ac-4cb3-85a7-c84722290ea9" providerId="ADAL" clId="{E796E882-7C7E-4F11-ADF1-62F05D5DF131}" dt="2022-03-16T12:50:24.062" v="2750"/>
+        <pc:sldMkLst>
+          <pc:docMk/>
+          <pc:sldMk cId="3254814377" sldId="265"/>
+        </pc:sldMkLst>
+        <pc:spChg chg="mod">
+          <ac:chgData name="Fink, Parker" userId="980d64e8-f9ac-4cb3-85a7-c84722290ea9" providerId="ADAL" clId="{E796E882-7C7E-4F11-ADF1-62F05D5DF131}" dt="2022-03-16T12:27:48.714" v="1878" actId="20577"/>
+          <ac:spMkLst>
+            <pc:docMk/>
+            <pc:sldMk cId="3254814377" sldId="265"/>
+            <ac:spMk id="2" creationId="{AF7164E3-3715-4256-BE5B-76C16D10B5FB}"/>
+          </ac:spMkLst>
+        </pc:spChg>
+        <pc:spChg chg="mod">
+          <ac:chgData name="Fink, Parker" userId="980d64e8-f9ac-4cb3-85a7-c84722290ea9" providerId="ADAL" clId="{E796E882-7C7E-4F11-ADF1-62F05D5DF131}" dt="2022-03-16T12:49:31.790" v="2741" actId="20577"/>
+          <ac:spMkLst>
+            <pc:docMk/>
+            <pc:sldMk cId="3254814377" sldId="265"/>
+            <ac:spMk id="3" creationId="{85096A9F-1FFC-4146-BBB2-0D7E29789ECE}"/>
+          </ac:spMkLst>
+        </pc:spChg>
+      </pc:sldChg>
+      <pc:sldChg chg="modSp add">
+        <pc:chgData name="Fink, Parker" userId="980d64e8-f9ac-4cb3-85a7-c84722290ea9" providerId="ADAL" clId="{E796E882-7C7E-4F11-ADF1-62F05D5DF131}" dt="2022-03-16T12:45:25.899" v="2733" actId="20577"/>
+        <pc:sldMkLst>
+          <pc:docMk/>
+          <pc:sldMk cId="829007111" sldId="266"/>
+        </pc:sldMkLst>
+        <pc:spChg chg="mod">
+          <ac:chgData name="Fink, Parker" userId="980d64e8-f9ac-4cb3-85a7-c84722290ea9" providerId="ADAL" clId="{E796E882-7C7E-4F11-ADF1-62F05D5DF131}" dt="2022-03-16T12:40:03.920" v="2312" actId="20577"/>
+          <ac:spMkLst>
+            <pc:docMk/>
+            <pc:sldMk cId="829007111" sldId="266"/>
+            <ac:spMk id="2" creationId="{EB7C7565-0F8C-4049-B756-E052EA1D8B66}"/>
+          </ac:spMkLst>
+        </pc:spChg>
+        <pc:spChg chg="mod">
+          <ac:chgData name="Fink, Parker" userId="980d64e8-f9ac-4cb3-85a7-c84722290ea9" providerId="ADAL" clId="{E796E882-7C7E-4F11-ADF1-62F05D5DF131}" dt="2022-03-16T12:45:25.899" v="2733" actId="20577"/>
+          <ac:spMkLst>
+            <pc:docMk/>
+            <pc:sldMk cId="829007111" sldId="266"/>
+            <ac:spMk id="3" creationId="{AE419EE6-4CD0-442E-A8CC-4B4E5A85AF2E}"/>
+          </ac:spMkLst>
+        </pc:spChg>
+      </pc:sldChg>
+      <pc:sldChg chg="addSp delSp modSp add ord">
+        <pc:chgData name="Fink, Parker" userId="980d64e8-f9ac-4cb3-85a7-c84722290ea9" providerId="ADAL" clId="{E796E882-7C7E-4F11-ADF1-62F05D5DF131}" dt="2022-03-16T12:57:41.662" v="2757"/>
+        <pc:sldMkLst>
+          <pc:docMk/>
+          <pc:sldMk cId="42862385" sldId="267"/>
+        </pc:sldMkLst>
+        <pc:spChg chg="del">
+          <ac:chgData name="Fink, Parker" userId="980d64e8-f9ac-4cb3-85a7-c84722290ea9" providerId="ADAL" clId="{E796E882-7C7E-4F11-ADF1-62F05D5DF131}" dt="2022-03-16T12:56:56.889" v="2752"/>
+          <ac:spMkLst>
+            <pc:docMk/>
+            <pc:sldMk cId="42862385" sldId="267"/>
+            <ac:spMk id="3" creationId="{F73FBD76-C3CE-4E3B-AE18-D3F0272460B6}"/>
+          </ac:spMkLst>
+        </pc:spChg>
+        <pc:picChg chg="add mod">
+          <ac:chgData name="Fink, Parker" userId="980d64e8-f9ac-4cb3-85a7-c84722290ea9" providerId="ADAL" clId="{E796E882-7C7E-4F11-ADF1-62F05D5DF131}" dt="2022-03-16T12:57:37.253" v="2756" actId="14100"/>
+          <ac:picMkLst>
+            <pc:docMk/>
+            <pc:sldMk cId="42862385" sldId="267"/>
+            <ac:picMk id="4" creationId="{C54A99FF-ECE2-4524-80CC-CD2A4F9128A3}"/>
+          </ac:picMkLst>
+        </pc:picChg>
+      </pc:sldChg>
+      <pc:sldChg chg="modSp add">
+        <pc:chgData name="Fink, Parker" userId="980d64e8-f9ac-4cb3-85a7-c84722290ea9" providerId="ADAL" clId="{E796E882-7C7E-4F11-ADF1-62F05D5DF131}" dt="2022-03-16T12:58:04.858" v="2802" actId="5793"/>
+        <pc:sldMkLst>
+          <pc:docMk/>
+          <pc:sldMk cId="688927161" sldId="268"/>
+        </pc:sldMkLst>
+        <pc:spChg chg="mod">
+          <ac:chgData name="Fink, Parker" userId="980d64e8-f9ac-4cb3-85a7-c84722290ea9" providerId="ADAL" clId="{E796E882-7C7E-4F11-ADF1-62F05D5DF131}" dt="2022-03-16T12:57:59.582" v="2781" actId="20577"/>
+          <ac:spMkLst>
+            <pc:docMk/>
+            <pc:sldMk cId="688927161" sldId="268"/>
+            <ac:spMk id="2" creationId="{F4D4BD2F-FA2E-4C6D-9CD9-912CAD0A587B}"/>
+          </ac:spMkLst>
+        </pc:spChg>
+        <pc:spChg chg="mod">
+          <ac:chgData name="Fink, Parker" userId="980d64e8-f9ac-4cb3-85a7-c84722290ea9" providerId="ADAL" clId="{E796E882-7C7E-4F11-ADF1-62F05D5DF131}" dt="2022-03-16T12:58:04.858" v="2802" actId="5793"/>
+          <ac:spMkLst>
+            <pc:docMk/>
+            <pc:sldMk cId="688927161" sldId="268"/>
+            <ac:spMk id="3" creationId="{50A6C9B9-8B21-49DB-BCD1-7F465C2FA5F9}"/>
+          </ac:spMkLst>
+        </pc:spChg>
+      </pc:sldChg>
     </pc:docChg>
   </pc:docChgLst>
 </pc:chgInfo>
@@ -448,7 +544,7 @@
           <a:p>
             <a:fld id="{597F59F5-6EDF-45CD-943B-829C40AA6758}" type="datetimeFigureOut">
               <a:rPr lang="en-US" smtClean="0"/>
-              <a:t>3/15/2022</a:t>
+              <a:t>3/16/2022</a:t>
             </a:fld>
             <a:endParaRPr lang="en-US"/>
           </a:p>
@@ -646,7 +742,7 @@
           <a:p>
             <a:fld id="{597F59F5-6EDF-45CD-943B-829C40AA6758}" type="datetimeFigureOut">
               <a:rPr lang="en-US" smtClean="0"/>
-              <a:t>3/15/2022</a:t>
+              <a:t>3/16/2022</a:t>
             </a:fld>
             <a:endParaRPr lang="en-US"/>
           </a:p>
@@ -854,7 +950,7 @@
           <a:p>
             <a:fld id="{597F59F5-6EDF-45CD-943B-829C40AA6758}" type="datetimeFigureOut">
               <a:rPr lang="en-US" smtClean="0"/>
-              <a:t>3/15/2022</a:t>
+              <a:t>3/16/2022</a:t>
             </a:fld>
             <a:endParaRPr lang="en-US"/>
           </a:p>
@@ -1052,7 +1148,7 @@
           <a:p>
             <a:fld id="{597F59F5-6EDF-45CD-943B-829C40AA6758}" type="datetimeFigureOut">
               <a:rPr lang="en-US" smtClean="0"/>
-              <a:t>3/15/2022</a:t>
+              <a:t>3/16/2022</a:t>
             </a:fld>
             <a:endParaRPr lang="en-US"/>
           </a:p>
@@ -1327,7 +1423,7 @@
           <a:p>
             <a:fld id="{597F59F5-6EDF-45CD-943B-829C40AA6758}" type="datetimeFigureOut">
               <a:rPr lang="en-US" smtClean="0"/>
-              <a:t>3/15/2022</a:t>
+              <a:t>3/16/2022</a:t>
             </a:fld>
             <a:endParaRPr lang="en-US"/>
           </a:p>
@@ -1592,7 +1688,7 @@
           <a:p>
             <a:fld id="{597F59F5-6EDF-45CD-943B-829C40AA6758}" type="datetimeFigureOut">
               <a:rPr lang="en-US" smtClean="0"/>
-              <a:t>3/15/2022</a:t>
+              <a:t>3/16/2022</a:t>
             </a:fld>
             <a:endParaRPr lang="en-US"/>
           </a:p>
@@ -2004,7 +2100,7 @@
           <a:p>
             <a:fld id="{597F59F5-6EDF-45CD-943B-829C40AA6758}" type="datetimeFigureOut">
               <a:rPr lang="en-US" smtClean="0"/>
-              <a:t>3/15/2022</a:t>
+              <a:t>3/16/2022</a:t>
             </a:fld>
             <a:endParaRPr lang="en-US"/>
           </a:p>
@@ -2145,7 +2241,7 @@
           <a:p>
             <a:fld id="{597F59F5-6EDF-45CD-943B-829C40AA6758}" type="datetimeFigureOut">
               <a:rPr lang="en-US" smtClean="0"/>
-              <a:t>3/15/2022</a:t>
+              <a:t>3/16/2022</a:t>
             </a:fld>
             <a:endParaRPr lang="en-US"/>
           </a:p>
@@ -2258,7 +2354,7 @@
           <a:p>
             <a:fld id="{597F59F5-6EDF-45CD-943B-829C40AA6758}" type="datetimeFigureOut">
               <a:rPr lang="en-US" smtClean="0"/>
-              <a:t>3/15/2022</a:t>
+              <a:t>3/16/2022</a:t>
             </a:fld>
             <a:endParaRPr lang="en-US"/>
           </a:p>
@@ -2569,7 +2665,7 @@
           <a:p>
             <a:fld id="{597F59F5-6EDF-45CD-943B-829C40AA6758}" type="datetimeFigureOut">
               <a:rPr lang="en-US" smtClean="0"/>
-              <a:t>3/15/2022</a:t>
+              <a:t>3/16/2022</a:t>
             </a:fld>
             <a:endParaRPr lang="en-US"/>
           </a:p>
@@ -2857,7 +2953,7 @@
           <a:p>
             <a:fld id="{597F59F5-6EDF-45CD-943B-829C40AA6758}" type="datetimeFigureOut">
               <a:rPr lang="en-US" smtClean="0"/>
-              <a:t>3/15/2022</a:t>
+              <a:t>3/16/2022</a:t>
             </a:fld>
             <a:endParaRPr lang="en-US"/>
           </a:p>
@@ -3098,7 +3194,7 @@
           <a:p>
             <a:fld id="{597F59F5-6EDF-45CD-943B-829C40AA6758}" type="datetimeFigureOut">
               <a:rPr lang="en-US" smtClean="0"/>
-              <a:t>3/15/2022</a:t>
+              <a:t>3/16/2022</a:t>
             </a:fld>
             <a:endParaRPr lang="en-US"/>
           </a:p>
@@ -3537,12 +3633,8 @@
           <a:lstStyle/>
           <a:p>
             <a:r>
-              <a:rPr lang="en-US" dirty="0" err="1"/>
-              <a:t>Dilfs</a:t>
-            </a:r>
-            <a:r>
               <a:rPr lang="en-US" dirty="0"/>
-              <a:t>?</a:t>
+              <a:t>DILFS?</a:t>
             </a:r>
           </a:p>
         </p:txBody>
@@ -3785,6 +3877,467 @@
 </p:sld>
 </file>
 
+<file path=ppt/slides/slide10.xml><?xml version="1.0" encoding="utf-8"?>
+<p:sld xmlns:a="http://schemas.openxmlformats.org/drawingml/2006/main" xmlns:r="http://schemas.openxmlformats.org/officeDocument/2006/relationships" xmlns:p="http://schemas.openxmlformats.org/presentationml/2006/main">
+  <p:cSld>
+    <p:spTree>
+      <p:nvGrpSpPr>
+        <p:cNvPr id="1" name=""/>
+        <p:cNvGrpSpPr/>
+        <p:nvPr/>
+      </p:nvGrpSpPr>
+      <p:grpSpPr>
+        <a:xfrm>
+          <a:off x="0" y="0"/>
+          <a:ext cx="0" cy="0"/>
+          <a:chOff x="0" y="0"/>
+          <a:chExt cx="0" cy="0"/>
+        </a:xfrm>
+      </p:grpSpPr>
+      <p:sp>
+        <p:nvSpPr>
+          <p:cNvPr id="2" name="Title 1">
+            <a:extLst>
+              <a:ext uri="{FF2B5EF4-FFF2-40B4-BE49-F238E27FC236}">
+                <a16:creationId xmlns:a16="http://schemas.microsoft.com/office/drawing/2014/main" id="{EB7C7565-0F8C-4049-B756-E052EA1D8B66}"/>
+              </a:ext>
+            </a:extLst>
+          </p:cNvPr>
+          <p:cNvSpPr>
+            <a:spLocks noGrp="1"/>
+          </p:cNvSpPr>
+          <p:nvPr>
+            <p:ph type="title"/>
+          </p:nvPr>
+        </p:nvSpPr>
+        <p:spPr/>
+        <p:txBody>
+          <a:bodyPr/>
+          <a:lstStyle/>
+          <a:p>
+            <a:r>
+              <a:rPr lang="en-US" dirty="0"/>
+              <a:t>Errors of communication</a:t>
+            </a:r>
+          </a:p>
+        </p:txBody>
+      </p:sp>
+      <p:sp>
+        <p:nvSpPr>
+          <p:cNvPr id="3" name="Content Placeholder 2">
+            <a:extLst>
+              <a:ext uri="{FF2B5EF4-FFF2-40B4-BE49-F238E27FC236}">
+                <a16:creationId xmlns:a16="http://schemas.microsoft.com/office/drawing/2014/main" id="{AE419EE6-4CD0-442E-A8CC-4B4E5A85AF2E}"/>
+              </a:ext>
+            </a:extLst>
+          </p:cNvPr>
+          <p:cNvSpPr>
+            <a:spLocks noGrp="1"/>
+          </p:cNvSpPr>
+          <p:nvPr>
+            <p:ph idx="1"/>
+          </p:nvPr>
+        </p:nvSpPr>
+        <p:spPr/>
+        <p:txBody>
+          <a:bodyPr/>
+          <a:lstStyle/>
+          <a:p>
+            <a:r>
+              <a:rPr lang="en-US" dirty="0"/>
+              <a:t>Hypothetically speaking, say we are a company that mass produces </a:t>
+            </a:r>
+            <a:r>
+              <a:rPr lang="en-US" dirty="0" err="1"/>
+              <a:t>airpods</a:t>
+            </a:r>
+            <a:r>
+              <a:rPr lang="en-US" dirty="0"/>
+              <a:t>. You are told that the company produces earbuds from Lenovo. You go to create a new factory that produces the wrong earbuds so you just made the company waste billions of dollars. That’s on you for miscommunicating</a:t>
+            </a:r>
+          </a:p>
+          <a:p>
+            <a:r>
+              <a:rPr lang="en-US" dirty="0"/>
+              <a:t>Communication is very important for reasons exactly like this</a:t>
+            </a:r>
+          </a:p>
+        </p:txBody>
+      </p:sp>
+    </p:spTree>
+    <p:extLst>
+      <p:ext uri="{BB962C8B-B14F-4D97-AF65-F5344CB8AC3E}">
+        <p14:creationId xmlns:p14="http://schemas.microsoft.com/office/powerpoint/2010/main" val="829007111"/>
+      </p:ext>
+    </p:extLst>
+  </p:cSld>
+  <p:clrMapOvr>
+    <a:masterClrMapping/>
+  </p:clrMapOvr>
+</p:sld>
+</file>
+
+<file path=ppt/slides/slide11.xml><?xml version="1.0" encoding="utf-8"?>
+<p:sld xmlns:a="http://schemas.openxmlformats.org/drawingml/2006/main" xmlns:r="http://schemas.openxmlformats.org/officeDocument/2006/relationships" xmlns:p="http://schemas.openxmlformats.org/presentationml/2006/main">
+  <p:cSld>
+    <p:spTree>
+      <p:nvGrpSpPr>
+        <p:cNvPr id="1" name=""/>
+        <p:cNvGrpSpPr/>
+        <p:nvPr/>
+      </p:nvGrpSpPr>
+      <p:grpSpPr>
+        <a:xfrm>
+          <a:off x="0" y="0"/>
+          <a:ext cx="0" cy="0"/>
+          <a:chOff x="0" y="0"/>
+          <a:chExt cx="0" cy="0"/>
+        </a:xfrm>
+      </p:grpSpPr>
+      <p:sp>
+        <p:nvSpPr>
+          <p:cNvPr id="2" name="Title 1">
+            <a:extLst>
+              <a:ext uri="{FF2B5EF4-FFF2-40B4-BE49-F238E27FC236}">
+                <a16:creationId xmlns:a16="http://schemas.microsoft.com/office/drawing/2014/main" id="{D67C600D-B83E-49F2-B00E-E0E15AE30F7F}"/>
+              </a:ext>
+            </a:extLst>
+          </p:cNvPr>
+          <p:cNvSpPr>
+            <a:spLocks noGrp="1"/>
+          </p:cNvSpPr>
+          <p:nvPr>
+            <p:ph type="title"/>
+          </p:nvPr>
+        </p:nvSpPr>
+        <p:spPr/>
+        <p:txBody>
+          <a:bodyPr/>
+          <a:lstStyle/>
+          <a:p>
+            <a:endParaRPr lang="en-US"/>
+          </a:p>
+        </p:txBody>
+      </p:sp>
+      <p:pic>
+        <p:nvPicPr>
+          <p:cNvPr id="4" name="Online Media 3" title="Why Communication Is Important">
+            <a:hlinkClick r:id="" action="ppaction://media"/>
+            <a:extLst>
+              <a:ext uri="{FF2B5EF4-FFF2-40B4-BE49-F238E27FC236}">
+                <a16:creationId xmlns:a16="http://schemas.microsoft.com/office/drawing/2014/main" id="{C54A99FF-ECE2-4524-80CC-CD2A4F9128A3}"/>
+              </a:ext>
+            </a:extLst>
+          </p:cNvPr>
+          <p:cNvPicPr>
+            <a:picLocks noGrp="1" noRot="1" noChangeAspect="1"/>
+          </p:cNvPicPr>
+          <p:nvPr>
+            <p:ph idx="1"/>
+            <a:videoFile r:link="rId1"/>
+          </p:nvPr>
+        </p:nvPicPr>
+        <p:blipFill>
+          <a:blip r:embed="rId3"/>
+          <a:stretch>
+            <a:fillRect/>
+          </a:stretch>
+        </p:blipFill>
+        <p:spPr>
+          <a:xfrm>
+            <a:off x="0" y="0"/>
+            <a:ext cx="12192000" cy="6858000"/>
+          </a:xfrm>
+          <a:prstGeom prst="rect">
+            <a:avLst/>
+          </a:prstGeom>
+        </p:spPr>
+      </p:pic>
+    </p:spTree>
+    <p:extLst>
+      <p:ext uri="{BB962C8B-B14F-4D97-AF65-F5344CB8AC3E}">
+        <p14:creationId xmlns:p14="http://schemas.microsoft.com/office/powerpoint/2010/main" val="42862385"/>
+      </p:ext>
+    </p:extLst>
+  </p:cSld>
+  <p:clrMapOvr>
+    <a:masterClrMapping/>
+  </p:clrMapOvr>
+</p:sld>
+</file>
+
+<file path=ppt/slides/slide12.xml><?xml version="1.0" encoding="utf-8"?>
+<p:sld xmlns:a="http://schemas.openxmlformats.org/drawingml/2006/main" xmlns:r="http://schemas.openxmlformats.org/officeDocument/2006/relationships" xmlns:p="http://schemas.openxmlformats.org/presentationml/2006/main">
+  <p:cSld>
+    <p:spTree>
+      <p:nvGrpSpPr>
+        <p:cNvPr id="1" name=""/>
+        <p:cNvGrpSpPr/>
+        <p:nvPr/>
+      </p:nvGrpSpPr>
+      <p:grpSpPr>
+        <a:xfrm>
+          <a:off x="0" y="0"/>
+          <a:ext cx="0" cy="0"/>
+          <a:chOff x="0" y="0"/>
+          <a:chExt cx="0" cy="0"/>
+        </a:xfrm>
+      </p:grpSpPr>
+      <p:sp>
+        <p:nvSpPr>
+          <p:cNvPr id="2" name="Title 1">
+            <a:extLst>
+              <a:ext uri="{FF2B5EF4-FFF2-40B4-BE49-F238E27FC236}">
+                <a16:creationId xmlns:a16="http://schemas.microsoft.com/office/drawing/2014/main" id="{F4D4BD2F-FA2E-4C6D-9CD9-912CAD0A587B}"/>
+              </a:ext>
+            </a:extLst>
+          </p:cNvPr>
+          <p:cNvSpPr>
+            <a:spLocks noGrp="1"/>
+          </p:cNvSpPr>
+          <p:nvPr>
+            <p:ph type="title"/>
+          </p:nvPr>
+        </p:nvSpPr>
+        <p:spPr/>
+        <p:txBody>
+          <a:bodyPr/>
+          <a:lstStyle/>
+          <a:p>
+            <a:r>
+              <a:rPr lang="en-US" dirty="0"/>
+              <a:t>I have nothing else</a:t>
+            </a:r>
+          </a:p>
+        </p:txBody>
+      </p:sp>
+      <p:sp>
+        <p:nvSpPr>
+          <p:cNvPr id="3" name="Content Placeholder 2">
+            <a:extLst>
+              <a:ext uri="{FF2B5EF4-FFF2-40B4-BE49-F238E27FC236}">
+                <a16:creationId xmlns:a16="http://schemas.microsoft.com/office/drawing/2014/main" id="{50A6C9B9-8B21-49DB-BCD1-7F465C2FA5F9}"/>
+              </a:ext>
+            </a:extLst>
+          </p:cNvPr>
+          <p:cNvSpPr>
+            <a:spLocks noGrp="1"/>
+          </p:cNvSpPr>
+          <p:nvPr>
+            <p:ph idx="1"/>
+          </p:nvPr>
+        </p:nvSpPr>
+        <p:spPr/>
+        <p:txBody>
+          <a:bodyPr/>
+          <a:lstStyle/>
+          <a:p>
+            <a:r>
+              <a:rPr lang="en-US" dirty="0"/>
+              <a:t>You get </a:t>
+            </a:r>
+            <a:r>
+              <a:rPr lang="en-US"/>
+              <a:t>the idea…</a:t>
+            </a:r>
+          </a:p>
+        </p:txBody>
+      </p:sp>
+    </p:spTree>
+    <p:extLst>
+      <p:ext uri="{BB962C8B-B14F-4D97-AF65-F5344CB8AC3E}">
+        <p14:creationId xmlns:p14="http://schemas.microsoft.com/office/powerpoint/2010/main" val="688927161"/>
+      </p:ext>
+    </p:extLst>
+  </p:cSld>
+  <p:clrMapOvr>
+    <a:masterClrMapping/>
+  </p:clrMapOvr>
+</p:sld>
+</file>
+
+<file path=ppt/slides/slide13.xml><?xml version="1.0" encoding="utf-8"?>
+<p:sld xmlns:a="http://schemas.openxmlformats.org/drawingml/2006/main" xmlns:r="http://schemas.openxmlformats.org/officeDocument/2006/relationships" xmlns:p="http://schemas.openxmlformats.org/presentationml/2006/main">
+  <p:cSld>
+    <p:spTree>
+      <p:nvGrpSpPr>
+        <p:cNvPr id="1" name=""/>
+        <p:cNvGrpSpPr/>
+        <p:nvPr/>
+      </p:nvGrpSpPr>
+      <p:grpSpPr>
+        <a:xfrm>
+          <a:off x="0" y="0"/>
+          <a:ext cx="0" cy="0"/>
+          <a:chOff x="0" y="0"/>
+          <a:chExt cx="0" cy="0"/>
+        </a:xfrm>
+      </p:grpSpPr>
+      <p:sp>
+        <p:nvSpPr>
+          <p:cNvPr id="2" name="Title 1">
+            <a:extLst>
+              <a:ext uri="{FF2B5EF4-FFF2-40B4-BE49-F238E27FC236}">
+                <a16:creationId xmlns:a16="http://schemas.microsoft.com/office/drawing/2014/main" id="{BCC61E21-B758-4099-A6E5-470C85B11A91}"/>
+              </a:ext>
+            </a:extLst>
+          </p:cNvPr>
+          <p:cNvSpPr>
+            <a:spLocks noGrp="1"/>
+          </p:cNvSpPr>
+          <p:nvPr>
+            <p:ph type="title"/>
+          </p:nvPr>
+        </p:nvSpPr>
+        <p:spPr/>
+        <p:txBody>
+          <a:bodyPr/>
+          <a:lstStyle/>
+          <a:p>
+            <a:endParaRPr lang="en-US"/>
+          </a:p>
+        </p:txBody>
+      </p:sp>
+      <p:sp>
+        <p:nvSpPr>
+          <p:cNvPr id="3" name="Content Placeholder 2">
+            <a:extLst>
+              <a:ext uri="{FF2B5EF4-FFF2-40B4-BE49-F238E27FC236}">
+                <a16:creationId xmlns:a16="http://schemas.microsoft.com/office/drawing/2014/main" id="{D532A9F5-D19D-474A-859B-82F2557D3308}"/>
+              </a:ext>
+            </a:extLst>
+          </p:cNvPr>
+          <p:cNvSpPr>
+            <a:spLocks noGrp="1"/>
+          </p:cNvSpPr>
+          <p:nvPr>
+            <p:ph idx="1"/>
+          </p:nvPr>
+        </p:nvSpPr>
+        <p:spPr/>
+        <p:txBody>
+          <a:bodyPr/>
+          <a:lstStyle/>
+          <a:p>
+            <a:pPr algn="ctr"/>
+            <a:r>
+              <a:rPr lang="en-US" dirty="0"/>
+              <a:t>Just remember, if you don’t know what to do, just…</a:t>
+            </a:r>
+          </a:p>
+          <a:p>
+            <a:pPr algn="ctr"/>
+            <a:r>
+              <a:rPr lang="en-US" sz="9600" b="1" u="sng" dirty="0"/>
+              <a:t>D.I.L.F.</a:t>
+            </a:r>
+          </a:p>
+        </p:txBody>
+      </p:sp>
+    </p:spTree>
+    <p:extLst>
+      <p:ext uri="{BB962C8B-B14F-4D97-AF65-F5344CB8AC3E}">
+        <p14:creationId xmlns:p14="http://schemas.microsoft.com/office/powerpoint/2010/main" val="1744036771"/>
+      </p:ext>
+    </p:extLst>
+  </p:cSld>
+  <p:clrMapOvr>
+    <a:masterClrMapping/>
+  </p:clrMapOvr>
+  <p:timing>
+    <p:tnLst>
+      <p:par>
+        <p:cTn id="1" dur="indefinite" restart="never" nodeType="tmRoot">
+          <p:childTnLst>
+            <p:seq concurrent="1" nextAc="seek">
+              <p:cTn id="2" dur="indefinite" nodeType="mainSeq">
+                <p:childTnLst>
+                  <p:par>
+                    <p:cTn id="3" fill="hold">
+                      <p:stCondLst>
+                        <p:cond delay="indefinite"/>
+                      </p:stCondLst>
+                      <p:childTnLst>
+                        <p:par>
+                          <p:cTn id="4" fill="hold">
+                            <p:stCondLst>
+                              <p:cond delay="0"/>
+                            </p:stCondLst>
+                            <p:childTnLst>
+                              <p:par>
+                                <p:cTn id="5" presetID="10" presetClass="entr" presetSubtype="0" fill="hold" nodeType="clickEffect">
+                                  <p:stCondLst>
+                                    <p:cond delay="0"/>
+                                  </p:stCondLst>
+                                  <p:childTnLst>
+                                    <p:set>
+                                      <p:cBhvr>
+                                        <p:cTn id="6" dur="1" fill="hold">
+                                          <p:stCondLst>
+                                            <p:cond delay="0"/>
+                                          </p:stCondLst>
+                                        </p:cTn>
+                                        <p:tgtEl>
+                                          <p:spTgt spid="3">
+                                            <p:txEl>
+                                              <p:pRg st="1" end="1"/>
+                                            </p:txEl>
+                                          </p:spTgt>
+                                        </p:tgtEl>
+                                        <p:attrNameLst>
+                                          <p:attrName>style.visibility</p:attrName>
+                                        </p:attrNameLst>
+                                      </p:cBhvr>
+                                      <p:to>
+                                        <p:strVal val="visible"/>
+                                      </p:to>
+                                    </p:set>
+                                    <p:animEffect transition="in" filter="fade">
+                                      <p:cBhvr>
+                                        <p:cTn id="7" dur="500"/>
+                                        <p:tgtEl>
+                                          <p:spTgt spid="3">
+                                            <p:txEl>
+                                              <p:pRg st="1" end="1"/>
+                                            </p:txEl>
+                                          </p:spTgt>
+                                        </p:tgtEl>
+                                      </p:cBhvr>
+                                    </p:animEffect>
+                                  </p:childTnLst>
+                                </p:cTn>
+                              </p:par>
+                            </p:childTnLst>
+                          </p:cTn>
+                        </p:par>
+                      </p:childTnLst>
+                    </p:cTn>
+                  </p:par>
+                </p:childTnLst>
+              </p:cTn>
+              <p:prevCondLst>
+                <p:cond evt="onPrev" delay="0">
+                  <p:tgtEl>
+                    <p:sldTgt/>
+                  </p:tgtEl>
+                </p:cond>
+              </p:prevCondLst>
+              <p:nextCondLst>
+                <p:cond evt="onNext" delay="0">
+                  <p:tgtEl>
+                    <p:sldTgt/>
+                  </p:tgtEl>
+                </p:cond>
+              </p:nextCondLst>
+            </p:seq>
+          </p:childTnLst>
+        </p:cTn>
+      </p:par>
+    </p:tnLst>
+  </p:timing>
+</p:sld>
+</file>
+
 <file path=ppt/slides/slide2.xml><?xml version="1.0" encoding="utf-8"?>
 <p:sld xmlns:a="http://schemas.openxmlformats.org/drawingml/2006/main" xmlns:r="http://schemas.openxmlformats.org/officeDocument/2006/relationships" xmlns:p="http://schemas.openxmlformats.org/presentationml/2006/main">
   <p:cSld>
@@ -3868,7 +4421,11 @@
             <a:pPr algn="ctr"/>
             <a:r>
               <a:rPr lang="en-US" sz="4400" b="1" dirty="0"/>
-              <a:t>I</a:t>
+              <a:t>It </a:t>
+            </a:r>
+            <a:r>
+              <a:rPr lang="en-US" sz="2600" dirty="0"/>
+              <a:t>i</a:t>
             </a:r>
             <a:r>
               <a:rPr lang="en-US" dirty="0"/>
@@ -3892,10 +4449,7 @@
               <a:rPr lang="en-US" sz="4400" b="1" dirty="0"/>
               <a:t>F</a:t>
             </a:r>
-            <a:r>
-              <a:rPr lang="en-US" dirty="0"/>
-              <a:t>or real you need to communicate</a:t>
-            </a:r>
+            <a:endParaRPr lang="en-US" dirty="0"/>
           </a:p>
           <a:p>
             <a:pPr algn="ctr"/>
@@ -4802,13 +5356,8 @@
           <a:p>
             <a:r>
               <a:rPr lang="en-US" dirty="0"/>
-              <a:t>Talk to </a:t>
-            </a:r>
-            <a:r>
-              <a:rPr lang="en-US" dirty="0" err="1"/>
-              <a:t>eachother</a:t>
-            </a:r>
-            <a:endParaRPr lang="en-US" dirty="0"/>
+              <a:t>Talk to each other</a:t>
+            </a:r>
           </a:p>
         </p:txBody>
       </p:sp>
@@ -4871,7 +5420,7 @@
             <a:pPr algn="ctr"/>
             <a:r>
               <a:rPr lang="en-US" dirty="0"/>
-              <a:t>Ask what have I missed</a:t>
+              <a:t>Ask your team what have I missed</a:t>
             </a:r>
           </a:p>
           <a:p>
@@ -4928,13 +5477,10 @@
                             </p:stCondLst>
                             <p:childTnLst>
                               <p:par>
-                                <p:cTn id="5" presetID="14" presetClass="entr" presetSubtype="10" fill="hold" nodeType="clickEffect">
+                                <p:cTn id="5" presetID="10" presetClass="entr" presetSubtype="0" fill="hold" grpId="0" nodeType="clickEffect">
                                   <p:stCondLst>
                                     <p:cond delay="0"/>
                                   </p:stCondLst>
-                                  <p:iterate type="lt">
-                                    <p:tmPct val="0"/>
-                                  </p:iterate>
                                   <p:childTnLst>
                                     <p:set>
                                       <p:cBhvr>
@@ -4946,7 +5492,7 @@
                                         <p:tgtEl>
                                           <p:spTgt spid="3">
                                             <p:txEl>
-                                              <p:pRg st="6" end="6"/>
+                                              <p:pRg st="0" end="0"/>
                                             </p:txEl>
                                           </p:spTgt>
                                         </p:tgtEl>
@@ -4958,13 +5504,13 @@
                                         <p:strVal val="visible"/>
                                       </p:to>
                                     </p:set>
-                                    <p:animEffect transition="in" filter="randombar(horizontal)">
+                                    <p:animEffect transition="in" filter="fade">
                                       <p:cBhvr>
                                         <p:cTn id="7" dur="500"/>
                                         <p:tgtEl>
                                           <p:spTgt spid="3">
                                             <p:txEl>
-                                              <p:pRg st="6" end="6"/>
+                                              <p:pRg st="0" end="0"/>
                                             </p:txEl>
                                           </p:spTgt>
                                         </p:tgtEl>
@@ -4992,13 +5538,10 @@
                             </p:stCondLst>
                             <p:childTnLst>
                               <p:par>
-                                <p:cTn id="10" presetID="14" presetClass="entr" presetSubtype="10" fill="hold" nodeType="clickEffect">
+                                <p:cTn id="10" presetID="10" presetClass="entr" presetSubtype="0" fill="hold" grpId="0" nodeType="clickEffect">
                                   <p:stCondLst>
                                     <p:cond delay="0"/>
                                   </p:stCondLst>
-                                  <p:iterate type="lt">
-                                    <p:tmPct val="0"/>
-                                  </p:iterate>
                                   <p:childTnLst>
                                     <p:set>
                                       <p:cBhvr>
@@ -5010,7 +5553,7 @@
                                         <p:tgtEl>
                                           <p:spTgt spid="3">
                                             <p:txEl>
-                                              <p:pRg st="7" end="7"/>
+                                              <p:pRg st="1" end="1"/>
                                             </p:txEl>
                                           </p:spTgt>
                                         </p:tgtEl>
@@ -5022,13 +5565,13 @@
                                         <p:strVal val="visible"/>
                                       </p:to>
                                     </p:set>
-                                    <p:animEffect transition="in" filter="randombar(horizontal)">
+                                    <p:animEffect transition="in" filter="fade">
                                       <p:cBhvr>
                                         <p:cTn id="12" dur="500"/>
                                         <p:tgtEl>
                                           <p:spTgt spid="3">
                                             <p:txEl>
-                                              <p:pRg st="7" end="7"/>
+                                              <p:pRg st="1" end="1"/>
                                             </p:txEl>
                                           </p:spTgt>
                                         </p:tgtEl>
@@ -5056,13 +5599,10 @@
                             </p:stCondLst>
                             <p:childTnLst>
                               <p:par>
-                                <p:cTn id="15" presetID="16" presetClass="entr" presetSubtype="21" fill="hold" nodeType="clickEffect">
+                                <p:cTn id="15" presetID="10" presetClass="entr" presetSubtype="0" fill="hold" grpId="0" nodeType="clickEffect">
                                   <p:stCondLst>
                                     <p:cond delay="0"/>
                                   </p:stCondLst>
-                                  <p:iterate type="lt">
-                                    <p:tmPct val="0"/>
-                                  </p:iterate>
                                   <p:childTnLst>
                                     <p:set>
                                       <p:cBhvr>
@@ -5074,7 +5614,7 @@
                                         <p:tgtEl>
                                           <p:spTgt spid="3">
                                             <p:txEl>
-                                              <p:pRg st="0" end="0"/>
+                                              <p:pRg st="2" end="2"/>
                                             </p:txEl>
                                           </p:spTgt>
                                         </p:tgtEl>
@@ -5086,13 +5626,13 @@
                                         <p:strVal val="visible"/>
                                       </p:to>
                                     </p:set>
-                                    <p:animEffect transition="in" filter="barn(inVertical)">
+                                    <p:animEffect transition="in" filter="fade">
                                       <p:cBhvr>
                                         <p:cTn id="17" dur="500"/>
                                         <p:tgtEl>
                                           <p:spTgt spid="3">
                                             <p:txEl>
-                                              <p:pRg st="0" end="0"/>
+                                              <p:pRg st="2" end="2"/>
                                             </p:txEl>
                                           </p:spTgt>
                                         </p:tgtEl>
@@ -5120,13 +5660,10 @@
                             </p:stCondLst>
                             <p:childTnLst>
                               <p:par>
-                                <p:cTn id="20" presetID="22" presetClass="entr" presetSubtype="4" fill="hold" nodeType="clickEffect">
+                                <p:cTn id="20" presetID="10" presetClass="entr" presetSubtype="0" fill="hold" grpId="0" nodeType="clickEffect">
                                   <p:stCondLst>
                                     <p:cond delay="0"/>
                                   </p:stCondLst>
-                                  <p:iterate type="lt">
-                                    <p:tmPct val="0"/>
-                                  </p:iterate>
                                   <p:childTnLst>
                                     <p:set>
                                       <p:cBhvr>
@@ -5138,7 +5675,7 @@
                                         <p:tgtEl>
                                           <p:spTgt spid="3">
                                             <p:txEl>
-                                              <p:pRg st="1" end="1"/>
+                                              <p:pRg st="3" end="3"/>
                                             </p:txEl>
                                           </p:spTgt>
                                         </p:tgtEl>
@@ -5150,13 +5687,13 @@
                                         <p:strVal val="visible"/>
                                       </p:to>
                                     </p:set>
-                                    <p:animEffect transition="in" filter="wipe(down)">
+                                    <p:animEffect transition="in" filter="fade">
                                       <p:cBhvr>
                                         <p:cTn id="22" dur="500"/>
                                         <p:tgtEl>
                                           <p:spTgt spid="3">
                                             <p:txEl>
-                                              <p:pRg st="1" end="1"/>
+                                              <p:pRg st="3" end="3"/>
                                             </p:txEl>
                                           </p:spTgt>
                                         </p:tgtEl>
@@ -5184,521 +5721,14 @@
                             </p:stCondLst>
                             <p:childTnLst>
                               <p:par>
-                                <p:cTn id="25" presetID="31" presetClass="entr" presetSubtype="0" fill="hold" nodeType="clickEffect">
+                                <p:cTn id="25" presetID="10" presetClass="entr" presetSubtype="0" fill="hold" grpId="0" nodeType="clickEffect">
                                   <p:stCondLst>
                                     <p:cond delay="0"/>
                                   </p:stCondLst>
-                                  <p:iterate type="lt">
-                                    <p:tmPct val="0"/>
-                                  </p:iterate>
                                   <p:childTnLst>
                                     <p:set>
                                       <p:cBhvr>
                                         <p:cTn id="26" dur="1" fill="hold">
-                                          <p:stCondLst>
-                                            <p:cond delay="0"/>
-                                          </p:stCondLst>
-                                        </p:cTn>
-                                        <p:tgtEl>
-                                          <p:spTgt spid="3">
-                                            <p:txEl>
-                                              <p:pRg st="2" end="2"/>
-                                            </p:txEl>
-                                          </p:spTgt>
-                                        </p:tgtEl>
-                                        <p:attrNameLst>
-                                          <p:attrName>style.visibility</p:attrName>
-                                        </p:attrNameLst>
-                                      </p:cBhvr>
-                                      <p:to>
-                                        <p:strVal val="visible"/>
-                                      </p:to>
-                                    </p:set>
-                                    <p:anim calcmode="lin" valueType="num">
-                                      <p:cBhvr>
-                                        <p:cTn id="27" dur="1000" fill="hold"/>
-                                        <p:tgtEl>
-                                          <p:spTgt spid="3">
-                                            <p:txEl>
-                                              <p:pRg st="2" end="2"/>
-                                            </p:txEl>
-                                          </p:spTgt>
-                                        </p:tgtEl>
-                                        <p:attrNameLst>
-                                          <p:attrName>ppt_w</p:attrName>
-                                        </p:attrNameLst>
-                                      </p:cBhvr>
-                                      <p:tavLst>
-                                        <p:tav tm="0">
-                                          <p:val>
-                                            <p:fltVal val="0"/>
-                                          </p:val>
-                                        </p:tav>
-                                        <p:tav tm="100000">
-                                          <p:val>
-                                            <p:strVal val="#ppt_w"/>
-                                          </p:val>
-                                        </p:tav>
-                                      </p:tavLst>
-                                    </p:anim>
-                                    <p:anim calcmode="lin" valueType="num">
-                                      <p:cBhvr>
-                                        <p:cTn id="28" dur="1000" fill="hold"/>
-                                        <p:tgtEl>
-                                          <p:spTgt spid="3">
-                                            <p:txEl>
-                                              <p:pRg st="2" end="2"/>
-                                            </p:txEl>
-                                          </p:spTgt>
-                                        </p:tgtEl>
-                                        <p:attrNameLst>
-                                          <p:attrName>ppt_h</p:attrName>
-                                        </p:attrNameLst>
-                                      </p:cBhvr>
-                                      <p:tavLst>
-                                        <p:tav tm="0">
-                                          <p:val>
-                                            <p:fltVal val="0"/>
-                                          </p:val>
-                                        </p:tav>
-                                        <p:tav tm="100000">
-                                          <p:val>
-                                            <p:strVal val="#ppt_h"/>
-                                          </p:val>
-                                        </p:tav>
-                                      </p:tavLst>
-                                    </p:anim>
-                                    <p:anim calcmode="lin" valueType="num">
-                                      <p:cBhvr>
-                                        <p:cTn id="29" dur="1000" fill="hold"/>
-                                        <p:tgtEl>
-                                          <p:spTgt spid="3">
-                                            <p:txEl>
-                                              <p:pRg st="2" end="2"/>
-                                            </p:txEl>
-                                          </p:spTgt>
-                                        </p:tgtEl>
-                                        <p:attrNameLst>
-                                          <p:attrName>style.rotation</p:attrName>
-                                        </p:attrNameLst>
-                                      </p:cBhvr>
-                                      <p:tavLst>
-                                        <p:tav tm="0">
-                                          <p:val>
-                                            <p:fltVal val="90"/>
-                                          </p:val>
-                                        </p:tav>
-                                        <p:tav tm="100000">
-                                          <p:val>
-                                            <p:fltVal val="0"/>
-                                          </p:val>
-                                        </p:tav>
-                                      </p:tavLst>
-                                    </p:anim>
-                                    <p:animEffect transition="in" filter="fade">
-                                      <p:cBhvr>
-                                        <p:cTn id="30" dur="1000"/>
-                                        <p:tgtEl>
-                                          <p:spTgt spid="3">
-                                            <p:txEl>
-                                              <p:pRg st="2" end="2"/>
-                                            </p:txEl>
-                                          </p:spTgt>
-                                        </p:tgtEl>
-                                      </p:cBhvr>
-                                    </p:animEffect>
-                                  </p:childTnLst>
-                                </p:cTn>
-                              </p:par>
-                            </p:childTnLst>
-                          </p:cTn>
-                        </p:par>
-                      </p:childTnLst>
-                    </p:cTn>
-                  </p:par>
-                  <p:par>
-                    <p:cTn id="31" fill="hold">
-                      <p:stCondLst>
-                        <p:cond delay="indefinite"/>
-                      </p:stCondLst>
-                      <p:childTnLst>
-                        <p:par>
-                          <p:cTn id="32" fill="hold">
-                            <p:stCondLst>
-                              <p:cond delay="0"/>
-                            </p:stCondLst>
-                            <p:childTnLst>
-                              <p:par>
-                                <p:cTn id="33" presetID="26" presetClass="entr" presetSubtype="0" fill="hold" nodeType="clickEffect">
-                                  <p:stCondLst>
-                                    <p:cond delay="0"/>
-                                  </p:stCondLst>
-                                  <p:iterate type="lt">
-                                    <p:tmPct val="0"/>
-                                  </p:iterate>
-                                  <p:childTnLst>
-                                    <p:set>
-                                      <p:cBhvr>
-                                        <p:cTn id="34" dur="1" fill="hold">
-                                          <p:stCondLst>
-                                            <p:cond delay="0"/>
-                                          </p:stCondLst>
-                                        </p:cTn>
-                                        <p:tgtEl>
-                                          <p:spTgt spid="3">
-                                            <p:txEl>
-                                              <p:pRg st="3" end="3"/>
-                                            </p:txEl>
-                                          </p:spTgt>
-                                        </p:tgtEl>
-                                        <p:attrNameLst>
-                                          <p:attrName>style.visibility</p:attrName>
-                                        </p:attrNameLst>
-                                      </p:cBhvr>
-                                      <p:to>
-                                        <p:strVal val="visible"/>
-                                      </p:to>
-                                    </p:set>
-                                    <p:animEffect transition="in" filter="wipe(down)">
-                                      <p:cBhvr>
-                                        <p:cTn id="35" dur="580">
-                                          <p:stCondLst>
-                                            <p:cond delay="0"/>
-                                          </p:stCondLst>
-                                        </p:cTn>
-                                        <p:tgtEl>
-                                          <p:spTgt spid="3">
-                                            <p:txEl>
-                                              <p:pRg st="3" end="3"/>
-                                            </p:txEl>
-                                          </p:spTgt>
-                                        </p:tgtEl>
-                                      </p:cBhvr>
-                                    </p:animEffect>
-                                    <p:anim calcmode="lin" valueType="num">
-                                      <p:cBhvr>
-                                        <p:cTn id="36" dur="1822" tmFilter="0,0; 0.14,0.36; 0.43,0.73; 0.71,0.91; 1.0,1.0">
-                                          <p:stCondLst>
-                                            <p:cond delay="0"/>
-                                          </p:stCondLst>
-                                        </p:cTn>
-                                        <p:tgtEl>
-                                          <p:spTgt spid="3">
-                                            <p:txEl>
-                                              <p:pRg st="3" end="3"/>
-                                            </p:txEl>
-                                          </p:spTgt>
-                                        </p:tgtEl>
-                                        <p:attrNameLst>
-                                          <p:attrName>ppt_x</p:attrName>
-                                        </p:attrNameLst>
-                                      </p:cBhvr>
-                                      <p:tavLst>
-                                        <p:tav tm="0">
-                                          <p:val>
-                                            <p:strVal val="#ppt_x-0.25"/>
-                                          </p:val>
-                                        </p:tav>
-                                        <p:tav tm="100000">
-                                          <p:val>
-                                            <p:strVal val="#ppt_x"/>
-                                          </p:val>
-                                        </p:tav>
-                                      </p:tavLst>
-                                    </p:anim>
-                                    <p:anim calcmode="lin" valueType="num">
-                                      <p:cBhvr>
-                                        <p:cTn id="37" dur="664" tmFilter="0.0,0.0; 0.25,0.07; 0.50,0.2; 0.75,0.467; 1.0,1.0">
-                                          <p:stCondLst>
-                                            <p:cond delay="0"/>
-                                          </p:stCondLst>
-                                        </p:cTn>
-                                        <p:tgtEl>
-                                          <p:spTgt spid="3">
-                                            <p:txEl>
-                                              <p:pRg st="3" end="3"/>
-                                            </p:txEl>
-                                          </p:spTgt>
-                                        </p:tgtEl>
-                                        <p:attrNameLst>
-                                          <p:attrName>ppt_y</p:attrName>
-                                        </p:attrNameLst>
-                                      </p:cBhvr>
-                                      <p:tavLst>
-                                        <p:tav tm="0" fmla="#ppt_y-sin(pi*$)/3">
-                                          <p:val>
-                                            <p:fltVal val="0.5"/>
-                                          </p:val>
-                                        </p:tav>
-                                        <p:tav tm="100000">
-                                          <p:val>
-                                            <p:fltVal val="1"/>
-                                          </p:val>
-                                        </p:tav>
-                                      </p:tavLst>
-                                    </p:anim>
-                                    <p:anim calcmode="lin" valueType="num">
-                                      <p:cBhvr>
-                                        <p:cTn id="38" dur="664" tmFilter="0, 0; 0.125,0.2665; 0.25,0.4; 0.375,0.465; 0.5,0.5;  0.625,0.535; 0.75,0.6; 0.875,0.7335; 1,1">
-                                          <p:stCondLst>
-                                            <p:cond delay="664"/>
-                                          </p:stCondLst>
-                                        </p:cTn>
-                                        <p:tgtEl>
-                                          <p:spTgt spid="3">
-                                            <p:txEl>
-                                              <p:pRg st="3" end="3"/>
-                                            </p:txEl>
-                                          </p:spTgt>
-                                        </p:tgtEl>
-                                        <p:attrNameLst>
-                                          <p:attrName>ppt_y</p:attrName>
-                                        </p:attrNameLst>
-                                      </p:cBhvr>
-                                      <p:tavLst>
-                                        <p:tav tm="0" fmla="#ppt_y-sin(pi*$)/9">
-                                          <p:val>
-                                            <p:fltVal val="0"/>
-                                          </p:val>
-                                        </p:tav>
-                                        <p:tav tm="100000">
-                                          <p:val>
-                                            <p:fltVal val="1"/>
-                                          </p:val>
-                                        </p:tav>
-                                      </p:tavLst>
-                                    </p:anim>
-                                    <p:anim calcmode="lin" valueType="num">
-                                      <p:cBhvr>
-                                        <p:cTn id="39" dur="332" tmFilter="0, 0; 0.125,0.2665; 0.25,0.4; 0.375,0.465; 0.5,0.5;  0.625,0.535; 0.75,0.6; 0.875,0.7335; 1,1">
-                                          <p:stCondLst>
-                                            <p:cond delay="1324"/>
-                                          </p:stCondLst>
-                                        </p:cTn>
-                                        <p:tgtEl>
-                                          <p:spTgt spid="3">
-                                            <p:txEl>
-                                              <p:pRg st="3" end="3"/>
-                                            </p:txEl>
-                                          </p:spTgt>
-                                        </p:tgtEl>
-                                        <p:attrNameLst>
-                                          <p:attrName>ppt_y</p:attrName>
-                                        </p:attrNameLst>
-                                      </p:cBhvr>
-                                      <p:tavLst>
-                                        <p:tav tm="0" fmla="#ppt_y-sin(pi*$)/27">
-                                          <p:val>
-                                            <p:fltVal val="0"/>
-                                          </p:val>
-                                        </p:tav>
-                                        <p:tav tm="100000">
-                                          <p:val>
-                                            <p:fltVal val="1"/>
-                                          </p:val>
-                                        </p:tav>
-                                      </p:tavLst>
-                                    </p:anim>
-                                    <p:anim calcmode="lin" valueType="num">
-                                      <p:cBhvr>
-                                        <p:cTn id="40" dur="164" tmFilter="0, 0; 0.125,0.2665; 0.25,0.4; 0.375,0.465; 0.5,0.5;  0.625,0.535; 0.75,0.6; 0.875,0.7335; 1,1">
-                                          <p:stCondLst>
-                                            <p:cond delay="1656"/>
-                                          </p:stCondLst>
-                                        </p:cTn>
-                                        <p:tgtEl>
-                                          <p:spTgt spid="3">
-                                            <p:txEl>
-                                              <p:pRg st="3" end="3"/>
-                                            </p:txEl>
-                                          </p:spTgt>
-                                        </p:tgtEl>
-                                        <p:attrNameLst>
-                                          <p:attrName>ppt_y</p:attrName>
-                                        </p:attrNameLst>
-                                      </p:cBhvr>
-                                      <p:tavLst>
-                                        <p:tav tm="0" fmla="#ppt_y-sin(pi*$)/81">
-                                          <p:val>
-                                            <p:fltVal val="0"/>
-                                          </p:val>
-                                        </p:tav>
-                                        <p:tav tm="100000">
-                                          <p:val>
-                                            <p:fltVal val="1"/>
-                                          </p:val>
-                                        </p:tav>
-                                      </p:tavLst>
-                                    </p:anim>
-                                    <p:animScale>
-                                      <p:cBhvr>
-                                        <p:cTn id="41" dur="26">
-                                          <p:stCondLst>
-                                            <p:cond delay="650"/>
-                                          </p:stCondLst>
-                                        </p:cTn>
-                                        <p:tgtEl>
-                                          <p:spTgt spid="3">
-                                            <p:txEl>
-                                              <p:pRg st="3" end="3"/>
-                                            </p:txEl>
-                                          </p:spTgt>
-                                        </p:tgtEl>
-                                      </p:cBhvr>
-                                      <p:to x="100000" y="60000"/>
-                                    </p:animScale>
-                                    <p:animScale>
-                                      <p:cBhvr>
-                                        <p:cTn id="42" dur="166" decel="50000">
-                                          <p:stCondLst>
-                                            <p:cond delay="676"/>
-                                          </p:stCondLst>
-                                        </p:cTn>
-                                        <p:tgtEl>
-                                          <p:spTgt spid="3">
-                                            <p:txEl>
-                                              <p:pRg st="3" end="3"/>
-                                            </p:txEl>
-                                          </p:spTgt>
-                                        </p:tgtEl>
-                                      </p:cBhvr>
-                                      <p:to x="100000" y="100000"/>
-                                    </p:animScale>
-                                    <p:animScale>
-                                      <p:cBhvr>
-                                        <p:cTn id="43" dur="26">
-                                          <p:stCondLst>
-                                            <p:cond delay="1312"/>
-                                          </p:stCondLst>
-                                        </p:cTn>
-                                        <p:tgtEl>
-                                          <p:spTgt spid="3">
-                                            <p:txEl>
-                                              <p:pRg st="3" end="3"/>
-                                            </p:txEl>
-                                          </p:spTgt>
-                                        </p:tgtEl>
-                                      </p:cBhvr>
-                                      <p:to x="100000" y="80000"/>
-                                    </p:animScale>
-                                    <p:animScale>
-                                      <p:cBhvr>
-                                        <p:cTn id="44" dur="166" decel="50000">
-                                          <p:stCondLst>
-                                            <p:cond delay="1338"/>
-                                          </p:stCondLst>
-                                        </p:cTn>
-                                        <p:tgtEl>
-                                          <p:spTgt spid="3">
-                                            <p:txEl>
-                                              <p:pRg st="3" end="3"/>
-                                            </p:txEl>
-                                          </p:spTgt>
-                                        </p:tgtEl>
-                                      </p:cBhvr>
-                                      <p:to x="100000" y="100000"/>
-                                    </p:animScale>
-                                    <p:animScale>
-                                      <p:cBhvr>
-                                        <p:cTn id="45" dur="26">
-                                          <p:stCondLst>
-                                            <p:cond delay="1642"/>
-                                          </p:stCondLst>
-                                        </p:cTn>
-                                        <p:tgtEl>
-                                          <p:spTgt spid="3">
-                                            <p:txEl>
-                                              <p:pRg st="3" end="3"/>
-                                            </p:txEl>
-                                          </p:spTgt>
-                                        </p:tgtEl>
-                                      </p:cBhvr>
-                                      <p:to x="100000" y="90000"/>
-                                    </p:animScale>
-                                    <p:animScale>
-                                      <p:cBhvr>
-                                        <p:cTn id="46" dur="166" decel="50000">
-                                          <p:stCondLst>
-                                            <p:cond delay="1668"/>
-                                          </p:stCondLst>
-                                        </p:cTn>
-                                        <p:tgtEl>
-                                          <p:spTgt spid="3">
-                                            <p:txEl>
-                                              <p:pRg st="3" end="3"/>
-                                            </p:txEl>
-                                          </p:spTgt>
-                                        </p:tgtEl>
-                                      </p:cBhvr>
-                                      <p:to x="100000" y="100000"/>
-                                    </p:animScale>
-                                    <p:animScale>
-                                      <p:cBhvr>
-                                        <p:cTn id="47" dur="26">
-                                          <p:stCondLst>
-                                            <p:cond delay="1808"/>
-                                          </p:stCondLst>
-                                        </p:cTn>
-                                        <p:tgtEl>
-                                          <p:spTgt spid="3">
-                                            <p:txEl>
-                                              <p:pRg st="3" end="3"/>
-                                            </p:txEl>
-                                          </p:spTgt>
-                                        </p:tgtEl>
-                                      </p:cBhvr>
-                                      <p:to x="100000" y="95000"/>
-                                    </p:animScale>
-                                    <p:animScale>
-                                      <p:cBhvr>
-                                        <p:cTn id="48" dur="166" decel="50000">
-                                          <p:stCondLst>
-                                            <p:cond delay="1834"/>
-                                          </p:stCondLst>
-                                        </p:cTn>
-                                        <p:tgtEl>
-                                          <p:spTgt spid="3">
-                                            <p:txEl>
-                                              <p:pRg st="3" end="3"/>
-                                            </p:txEl>
-                                          </p:spTgt>
-                                        </p:tgtEl>
-                                      </p:cBhvr>
-                                      <p:to x="100000" y="100000"/>
-                                    </p:animScale>
-                                  </p:childTnLst>
-                                </p:cTn>
-                              </p:par>
-                            </p:childTnLst>
-                          </p:cTn>
-                        </p:par>
-                      </p:childTnLst>
-                    </p:cTn>
-                  </p:par>
-                  <p:par>
-                    <p:cTn id="49" fill="hold">
-                      <p:stCondLst>
-                        <p:cond delay="indefinite"/>
-                      </p:stCondLst>
-                      <p:childTnLst>
-                        <p:par>
-                          <p:cTn id="50" fill="hold">
-                            <p:stCondLst>
-                              <p:cond delay="0"/>
-                            </p:stCondLst>
-                            <p:childTnLst>
-                              <p:par>
-                                <p:cTn id="51" presetID="1" presetClass="entr" presetSubtype="0" fill="hold" nodeType="clickEffect">
-                                  <p:stCondLst>
-                                    <p:cond delay="0"/>
-                                  </p:stCondLst>
-                                  <p:iterate type="lt">
-                                    <p:tmAbs val="0"/>
-                                  </p:iterate>
-                                  <p:childTnLst>
-                                    <p:set>
-                                      <p:cBhvr>
-                                        <p:cTn id="52" dur="1" fill="hold">
                                           <p:stCondLst>
                                             <p:cond delay="0"/>
                                           </p:stCondLst>
@@ -5718,987 +5748,9 @@
                                         <p:strVal val="visible"/>
                                       </p:to>
                                     </p:set>
-                                  </p:childTnLst>
-                                </p:cTn>
-                              </p:par>
-                            </p:childTnLst>
-                          </p:cTn>
-                        </p:par>
-                      </p:childTnLst>
-                    </p:cTn>
-                  </p:par>
-                  <p:par>
-                    <p:cTn id="53" fill="hold">
-                      <p:stCondLst>
-                        <p:cond delay="indefinite"/>
-                      </p:stCondLst>
-                      <p:childTnLst>
-                        <p:par>
-                          <p:cTn id="54" fill="hold">
-                            <p:stCondLst>
-                              <p:cond delay="0"/>
-                            </p:stCondLst>
-                            <p:childTnLst>
-                              <p:par>
-                                <p:cTn id="55" presetID="26" presetClass="emph" presetSubtype="0" fill="hold" nodeType="clickEffect">
-                                  <p:stCondLst>
-                                    <p:cond delay="0"/>
-                                  </p:stCondLst>
-                                  <p:iterate type="lt">
-                                    <p:tmPct val="0"/>
-                                  </p:iterate>
-                                  <p:childTnLst>
-                                    <p:animEffect transition="out" filter="fade">
-                                      <p:cBhvr>
-                                        <p:cTn id="56" dur="500" tmFilter="0, 0; .2, .5; .8, .5; 1, 0"/>
-                                        <p:tgtEl>
-                                          <p:spTgt spid="3">
-                                            <p:txEl>
-                                              <p:pRg st="5" end="5"/>
-                                            </p:txEl>
-                                          </p:spTgt>
-                                        </p:tgtEl>
-                                      </p:cBhvr>
-                                    </p:animEffect>
-                                    <p:animScale>
-                                      <p:cBhvr>
-                                        <p:cTn id="57" dur="250" autoRev="1" fill="hold"/>
-                                        <p:tgtEl>
-                                          <p:spTgt spid="3">
-                                            <p:txEl>
-                                              <p:pRg st="5" end="5"/>
-                                            </p:txEl>
-                                          </p:spTgt>
-                                        </p:tgtEl>
-                                      </p:cBhvr>
-                                      <p:by x="105000" y="105000"/>
-                                    </p:animScale>
-                                  </p:childTnLst>
-                                </p:cTn>
-                              </p:par>
-                            </p:childTnLst>
-                          </p:cTn>
-                        </p:par>
-                      </p:childTnLst>
-                    </p:cTn>
-                  </p:par>
-                  <p:par>
-                    <p:cTn id="58" fill="hold">
-                      <p:stCondLst>
-                        <p:cond delay="indefinite"/>
-                      </p:stCondLst>
-                      <p:childTnLst>
-                        <p:par>
-                          <p:cTn id="59" fill="hold">
-                            <p:stCondLst>
-                              <p:cond delay="0"/>
-                            </p:stCondLst>
-                            <p:childTnLst>
-                              <p:par>
-                                <p:cTn id="60" presetID="41" presetClass="entr" presetSubtype="0" fill="hold" grpId="0" nodeType="clickEffect">
-                                  <p:stCondLst>
-                                    <p:cond delay="0"/>
-                                  </p:stCondLst>
-                                  <p:iterate type="lt">
-                                    <p:tmPct val="10000"/>
-                                  </p:iterate>
-                                  <p:childTnLst>
-                                    <p:set>
-                                      <p:cBhvr>
-                                        <p:cTn id="61" dur="1" fill="hold">
-                                          <p:stCondLst>
-                                            <p:cond delay="0"/>
-                                          </p:stCondLst>
-                                        </p:cTn>
-                                        <p:tgtEl>
-                                          <p:spTgt spid="3">
-                                            <p:txEl>
-                                              <p:pRg st="0" end="0"/>
-                                            </p:txEl>
-                                          </p:spTgt>
-                                        </p:tgtEl>
-                                        <p:attrNameLst>
-                                          <p:attrName>style.visibility</p:attrName>
-                                        </p:attrNameLst>
-                                      </p:cBhvr>
-                                      <p:to>
-                                        <p:strVal val="visible"/>
-                                      </p:to>
-                                    </p:set>
-                                    <p:anim calcmode="lin" valueType="num">
-                                      <p:cBhvr>
-                                        <p:cTn id="62" dur="500" fill="hold"/>
-                                        <p:tgtEl>
-                                          <p:spTgt spid="3">
-                                            <p:txEl>
-                                              <p:pRg st="0" end="0"/>
-                                            </p:txEl>
-                                          </p:spTgt>
-                                        </p:tgtEl>
-                                        <p:attrNameLst>
-                                          <p:attrName>ppt_x</p:attrName>
-                                        </p:attrNameLst>
-                                      </p:cBhvr>
-                                      <p:tavLst>
-                                        <p:tav tm="0">
-                                          <p:val>
-                                            <p:strVal val="#ppt_x"/>
-                                          </p:val>
-                                        </p:tav>
-                                        <p:tav tm="50000">
-                                          <p:val>
-                                            <p:strVal val="#ppt_x+.1"/>
-                                          </p:val>
-                                        </p:tav>
-                                        <p:tav tm="100000">
-                                          <p:val>
-                                            <p:strVal val="#ppt_x"/>
-                                          </p:val>
-                                        </p:tav>
-                                      </p:tavLst>
-                                    </p:anim>
-                                    <p:anim calcmode="lin" valueType="num">
-                                      <p:cBhvr>
-                                        <p:cTn id="63" dur="500" fill="hold"/>
-                                        <p:tgtEl>
-                                          <p:spTgt spid="3">
-                                            <p:txEl>
-                                              <p:pRg st="0" end="0"/>
-                                            </p:txEl>
-                                          </p:spTgt>
-                                        </p:tgtEl>
-                                        <p:attrNameLst>
-                                          <p:attrName>ppt_y</p:attrName>
-                                        </p:attrNameLst>
-                                      </p:cBhvr>
-                                      <p:tavLst>
-                                        <p:tav tm="0">
-                                          <p:val>
-                                            <p:strVal val="#ppt_y"/>
-                                          </p:val>
-                                        </p:tav>
-                                        <p:tav tm="100000">
-                                          <p:val>
-                                            <p:strVal val="#ppt_y"/>
-                                          </p:val>
-                                        </p:tav>
-                                      </p:tavLst>
-                                    </p:anim>
-                                    <p:anim calcmode="lin" valueType="num">
-                                      <p:cBhvr>
-                                        <p:cTn id="64" dur="500" fill="hold"/>
-                                        <p:tgtEl>
-                                          <p:spTgt spid="3">
-                                            <p:txEl>
-                                              <p:pRg st="0" end="0"/>
-                                            </p:txEl>
-                                          </p:spTgt>
-                                        </p:tgtEl>
-                                        <p:attrNameLst>
-                                          <p:attrName>ppt_h</p:attrName>
-                                        </p:attrNameLst>
-                                      </p:cBhvr>
-                                      <p:tavLst>
-                                        <p:tav tm="0">
-                                          <p:val>
-                                            <p:strVal val="#ppt_h/10"/>
-                                          </p:val>
-                                        </p:tav>
-                                        <p:tav tm="50000">
-                                          <p:val>
-                                            <p:strVal val="#ppt_h+.01"/>
-                                          </p:val>
-                                        </p:tav>
-                                        <p:tav tm="100000">
-                                          <p:val>
-                                            <p:strVal val="#ppt_h"/>
-                                          </p:val>
-                                        </p:tav>
-                                      </p:tavLst>
-                                    </p:anim>
-                                    <p:anim calcmode="lin" valueType="num">
-                                      <p:cBhvr>
-                                        <p:cTn id="65" dur="500" fill="hold"/>
-                                        <p:tgtEl>
-                                          <p:spTgt spid="3">
-                                            <p:txEl>
-                                              <p:pRg st="0" end="0"/>
-                                            </p:txEl>
-                                          </p:spTgt>
-                                        </p:tgtEl>
-                                        <p:attrNameLst>
-                                          <p:attrName>ppt_w</p:attrName>
-                                        </p:attrNameLst>
-                                      </p:cBhvr>
-                                      <p:tavLst>
-                                        <p:tav tm="0">
-                                          <p:val>
-                                            <p:strVal val="#ppt_w/10"/>
-                                          </p:val>
-                                        </p:tav>
-                                        <p:tav tm="50000">
-                                          <p:val>
-                                            <p:strVal val="#ppt_w+.01"/>
-                                          </p:val>
-                                        </p:tav>
-                                        <p:tav tm="100000">
-                                          <p:val>
-                                            <p:strVal val="#ppt_w"/>
-                                          </p:val>
-                                        </p:tav>
-                                      </p:tavLst>
-                                    </p:anim>
                                     <p:animEffect transition="in" filter="fade">
                                       <p:cBhvr>
-                                        <p:cTn id="66" dur="500" tmFilter="0,0; .5, 1; 1, 1"/>
-                                        <p:tgtEl>
-                                          <p:spTgt spid="3">
-                                            <p:txEl>
-                                              <p:pRg st="0" end="0"/>
-                                            </p:txEl>
-                                          </p:spTgt>
-                                        </p:tgtEl>
-                                      </p:cBhvr>
-                                    </p:animEffect>
-                                  </p:childTnLst>
-                                </p:cTn>
-                              </p:par>
-                            </p:childTnLst>
-                          </p:cTn>
-                        </p:par>
-                      </p:childTnLst>
-                    </p:cTn>
-                  </p:par>
-                  <p:par>
-                    <p:cTn id="67" fill="hold">
-                      <p:stCondLst>
-                        <p:cond delay="indefinite"/>
-                      </p:stCondLst>
-                      <p:childTnLst>
-                        <p:par>
-                          <p:cTn id="68" fill="hold">
-                            <p:stCondLst>
-                              <p:cond delay="0"/>
-                            </p:stCondLst>
-                            <p:childTnLst>
-                              <p:par>
-                                <p:cTn id="69" presetID="41" presetClass="entr" presetSubtype="0" fill="hold" grpId="0" nodeType="clickEffect">
-                                  <p:stCondLst>
-                                    <p:cond delay="0"/>
-                                  </p:stCondLst>
-                                  <p:iterate type="lt">
-                                    <p:tmPct val="10000"/>
-                                  </p:iterate>
-                                  <p:childTnLst>
-                                    <p:set>
-                                      <p:cBhvr>
-                                        <p:cTn id="70" dur="1" fill="hold">
-                                          <p:stCondLst>
-                                            <p:cond delay="0"/>
-                                          </p:stCondLst>
-                                        </p:cTn>
-                                        <p:tgtEl>
-                                          <p:spTgt spid="3">
-                                            <p:txEl>
-                                              <p:pRg st="1" end="1"/>
-                                            </p:txEl>
-                                          </p:spTgt>
-                                        </p:tgtEl>
-                                        <p:attrNameLst>
-                                          <p:attrName>style.visibility</p:attrName>
-                                        </p:attrNameLst>
-                                      </p:cBhvr>
-                                      <p:to>
-                                        <p:strVal val="visible"/>
-                                      </p:to>
-                                    </p:set>
-                                    <p:anim calcmode="lin" valueType="num">
-                                      <p:cBhvr>
-                                        <p:cTn id="71" dur="500" fill="hold"/>
-                                        <p:tgtEl>
-                                          <p:spTgt spid="3">
-                                            <p:txEl>
-                                              <p:pRg st="1" end="1"/>
-                                            </p:txEl>
-                                          </p:spTgt>
-                                        </p:tgtEl>
-                                        <p:attrNameLst>
-                                          <p:attrName>ppt_x</p:attrName>
-                                        </p:attrNameLst>
-                                      </p:cBhvr>
-                                      <p:tavLst>
-                                        <p:tav tm="0">
-                                          <p:val>
-                                            <p:strVal val="#ppt_x"/>
-                                          </p:val>
-                                        </p:tav>
-                                        <p:tav tm="50000">
-                                          <p:val>
-                                            <p:strVal val="#ppt_x+.1"/>
-                                          </p:val>
-                                        </p:tav>
-                                        <p:tav tm="100000">
-                                          <p:val>
-                                            <p:strVal val="#ppt_x"/>
-                                          </p:val>
-                                        </p:tav>
-                                      </p:tavLst>
-                                    </p:anim>
-                                    <p:anim calcmode="lin" valueType="num">
-                                      <p:cBhvr>
-                                        <p:cTn id="72" dur="500" fill="hold"/>
-                                        <p:tgtEl>
-                                          <p:spTgt spid="3">
-                                            <p:txEl>
-                                              <p:pRg st="1" end="1"/>
-                                            </p:txEl>
-                                          </p:spTgt>
-                                        </p:tgtEl>
-                                        <p:attrNameLst>
-                                          <p:attrName>ppt_y</p:attrName>
-                                        </p:attrNameLst>
-                                      </p:cBhvr>
-                                      <p:tavLst>
-                                        <p:tav tm="0">
-                                          <p:val>
-                                            <p:strVal val="#ppt_y"/>
-                                          </p:val>
-                                        </p:tav>
-                                        <p:tav tm="100000">
-                                          <p:val>
-                                            <p:strVal val="#ppt_y"/>
-                                          </p:val>
-                                        </p:tav>
-                                      </p:tavLst>
-                                    </p:anim>
-                                    <p:anim calcmode="lin" valueType="num">
-                                      <p:cBhvr>
-                                        <p:cTn id="73" dur="500" fill="hold"/>
-                                        <p:tgtEl>
-                                          <p:spTgt spid="3">
-                                            <p:txEl>
-                                              <p:pRg st="1" end="1"/>
-                                            </p:txEl>
-                                          </p:spTgt>
-                                        </p:tgtEl>
-                                        <p:attrNameLst>
-                                          <p:attrName>ppt_h</p:attrName>
-                                        </p:attrNameLst>
-                                      </p:cBhvr>
-                                      <p:tavLst>
-                                        <p:tav tm="0">
-                                          <p:val>
-                                            <p:strVal val="#ppt_h/10"/>
-                                          </p:val>
-                                        </p:tav>
-                                        <p:tav tm="50000">
-                                          <p:val>
-                                            <p:strVal val="#ppt_h+.01"/>
-                                          </p:val>
-                                        </p:tav>
-                                        <p:tav tm="100000">
-                                          <p:val>
-                                            <p:strVal val="#ppt_h"/>
-                                          </p:val>
-                                        </p:tav>
-                                      </p:tavLst>
-                                    </p:anim>
-                                    <p:anim calcmode="lin" valueType="num">
-                                      <p:cBhvr>
-                                        <p:cTn id="74" dur="500" fill="hold"/>
-                                        <p:tgtEl>
-                                          <p:spTgt spid="3">
-                                            <p:txEl>
-                                              <p:pRg st="1" end="1"/>
-                                            </p:txEl>
-                                          </p:spTgt>
-                                        </p:tgtEl>
-                                        <p:attrNameLst>
-                                          <p:attrName>ppt_w</p:attrName>
-                                        </p:attrNameLst>
-                                      </p:cBhvr>
-                                      <p:tavLst>
-                                        <p:tav tm="0">
-                                          <p:val>
-                                            <p:strVal val="#ppt_w/10"/>
-                                          </p:val>
-                                        </p:tav>
-                                        <p:tav tm="50000">
-                                          <p:val>
-                                            <p:strVal val="#ppt_w+.01"/>
-                                          </p:val>
-                                        </p:tav>
-                                        <p:tav tm="100000">
-                                          <p:val>
-                                            <p:strVal val="#ppt_w"/>
-                                          </p:val>
-                                        </p:tav>
-                                      </p:tavLst>
-                                    </p:anim>
-                                    <p:animEffect transition="in" filter="fade">
-                                      <p:cBhvr>
-                                        <p:cTn id="75" dur="500" tmFilter="0,0; .5, 1; 1, 1"/>
-                                        <p:tgtEl>
-                                          <p:spTgt spid="3">
-                                            <p:txEl>
-                                              <p:pRg st="1" end="1"/>
-                                            </p:txEl>
-                                          </p:spTgt>
-                                        </p:tgtEl>
-                                      </p:cBhvr>
-                                    </p:animEffect>
-                                  </p:childTnLst>
-                                </p:cTn>
-                              </p:par>
-                            </p:childTnLst>
-                          </p:cTn>
-                        </p:par>
-                      </p:childTnLst>
-                    </p:cTn>
-                  </p:par>
-                  <p:par>
-                    <p:cTn id="76" fill="hold">
-                      <p:stCondLst>
-                        <p:cond delay="indefinite"/>
-                      </p:stCondLst>
-                      <p:childTnLst>
-                        <p:par>
-                          <p:cTn id="77" fill="hold">
-                            <p:stCondLst>
-                              <p:cond delay="0"/>
-                            </p:stCondLst>
-                            <p:childTnLst>
-                              <p:par>
-                                <p:cTn id="78" presetID="41" presetClass="entr" presetSubtype="0" fill="hold" grpId="0" nodeType="clickEffect">
-                                  <p:stCondLst>
-                                    <p:cond delay="0"/>
-                                  </p:stCondLst>
-                                  <p:iterate type="lt">
-                                    <p:tmPct val="10000"/>
-                                  </p:iterate>
-                                  <p:childTnLst>
-                                    <p:set>
-                                      <p:cBhvr>
-                                        <p:cTn id="79" dur="1" fill="hold">
-                                          <p:stCondLst>
-                                            <p:cond delay="0"/>
-                                          </p:stCondLst>
-                                        </p:cTn>
-                                        <p:tgtEl>
-                                          <p:spTgt spid="3">
-                                            <p:txEl>
-                                              <p:pRg st="2" end="2"/>
-                                            </p:txEl>
-                                          </p:spTgt>
-                                        </p:tgtEl>
-                                        <p:attrNameLst>
-                                          <p:attrName>style.visibility</p:attrName>
-                                        </p:attrNameLst>
-                                      </p:cBhvr>
-                                      <p:to>
-                                        <p:strVal val="visible"/>
-                                      </p:to>
-                                    </p:set>
-                                    <p:anim calcmode="lin" valueType="num">
-                                      <p:cBhvr>
-                                        <p:cTn id="80" dur="500" fill="hold"/>
-                                        <p:tgtEl>
-                                          <p:spTgt spid="3">
-                                            <p:txEl>
-                                              <p:pRg st="2" end="2"/>
-                                            </p:txEl>
-                                          </p:spTgt>
-                                        </p:tgtEl>
-                                        <p:attrNameLst>
-                                          <p:attrName>ppt_x</p:attrName>
-                                        </p:attrNameLst>
-                                      </p:cBhvr>
-                                      <p:tavLst>
-                                        <p:tav tm="0">
-                                          <p:val>
-                                            <p:strVal val="#ppt_x"/>
-                                          </p:val>
-                                        </p:tav>
-                                        <p:tav tm="50000">
-                                          <p:val>
-                                            <p:strVal val="#ppt_x+.1"/>
-                                          </p:val>
-                                        </p:tav>
-                                        <p:tav tm="100000">
-                                          <p:val>
-                                            <p:strVal val="#ppt_x"/>
-                                          </p:val>
-                                        </p:tav>
-                                      </p:tavLst>
-                                    </p:anim>
-                                    <p:anim calcmode="lin" valueType="num">
-                                      <p:cBhvr>
-                                        <p:cTn id="81" dur="500" fill="hold"/>
-                                        <p:tgtEl>
-                                          <p:spTgt spid="3">
-                                            <p:txEl>
-                                              <p:pRg st="2" end="2"/>
-                                            </p:txEl>
-                                          </p:spTgt>
-                                        </p:tgtEl>
-                                        <p:attrNameLst>
-                                          <p:attrName>ppt_y</p:attrName>
-                                        </p:attrNameLst>
-                                      </p:cBhvr>
-                                      <p:tavLst>
-                                        <p:tav tm="0">
-                                          <p:val>
-                                            <p:strVal val="#ppt_y"/>
-                                          </p:val>
-                                        </p:tav>
-                                        <p:tav tm="100000">
-                                          <p:val>
-                                            <p:strVal val="#ppt_y"/>
-                                          </p:val>
-                                        </p:tav>
-                                      </p:tavLst>
-                                    </p:anim>
-                                    <p:anim calcmode="lin" valueType="num">
-                                      <p:cBhvr>
-                                        <p:cTn id="82" dur="500" fill="hold"/>
-                                        <p:tgtEl>
-                                          <p:spTgt spid="3">
-                                            <p:txEl>
-                                              <p:pRg st="2" end="2"/>
-                                            </p:txEl>
-                                          </p:spTgt>
-                                        </p:tgtEl>
-                                        <p:attrNameLst>
-                                          <p:attrName>ppt_h</p:attrName>
-                                        </p:attrNameLst>
-                                      </p:cBhvr>
-                                      <p:tavLst>
-                                        <p:tav tm="0">
-                                          <p:val>
-                                            <p:strVal val="#ppt_h/10"/>
-                                          </p:val>
-                                        </p:tav>
-                                        <p:tav tm="50000">
-                                          <p:val>
-                                            <p:strVal val="#ppt_h+.01"/>
-                                          </p:val>
-                                        </p:tav>
-                                        <p:tav tm="100000">
-                                          <p:val>
-                                            <p:strVal val="#ppt_h"/>
-                                          </p:val>
-                                        </p:tav>
-                                      </p:tavLst>
-                                    </p:anim>
-                                    <p:anim calcmode="lin" valueType="num">
-                                      <p:cBhvr>
-                                        <p:cTn id="83" dur="500" fill="hold"/>
-                                        <p:tgtEl>
-                                          <p:spTgt spid="3">
-                                            <p:txEl>
-                                              <p:pRg st="2" end="2"/>
-                                            </p:txEl>
-                                          </p:spTgt>
-                                        </p:tgtEl>
-                                        <p:attrNameLst>
-                                          <p:attrName>ppt_w</p:attrName>
-                                        </p:attrNameLst>
-                                      </p:cBhvr>
-                                      <p:tavLst>
-                                        <p:tav tm="0">
-                                          <p:val>
-                                            <p:strVal val="#ppt_w/10"/>
-                                          </p:val>
-                                        </p:tav>
-                                        <p:tav tm="50000">
-                                          <p:val>
-                                            <p:strVal val="#ppt_w+.01"/>
-                                          </p:val>
-                                        </p:tav>
-                                        <p:tav tm="100000">
-                                          <p:val>
-                                            <p:strVal val="#ppt_w"/>
-                                          </p:val>
-                                        </p:tav>
-                                      </p:tavLst>
-                                    </p:anim>
-                                    <p:animEffect transition="in" filter="fade">
-                                      <p:cBhvr>
-                                        <p:cTn id="84" dur="500" tmFilter="0,0; .5, 1; 1, 1"/>
-                                        <p:tgtEl>
-                                          <p:spTgt spid="3">
-                                            <p:txEl>
-                                              <p:pRg st="2" end="2"/>
-                                            </p:txEl>
-                                          </p:spTgt>
-                                        </p:tgtEl>
-                                      </p:cBhvr>
-                                    </p:animEffect>
-                                  </p:childTnLst>
-                                </p:cTn>
-                              </p:par>
-                            </p:childTnLst>
-                          </p:cTn>
-                        </p:par>
-                      </p:childTnLst>
-                    </p:cTn>
-                  </p:par>
-                  <p:par>
-                    <p:cTn id="85" fill="hold">
-                      <p:stCondLst>
-                        <p:cond delay="indefinite"/>
-                      </p:stCondLst>
-                      <p:childTnLst>
-                        <p:par>
-                          <p:cTn id="86" fill="hold">
-                            <p:stCondLst>
-                              <p:cond delay="0"/>
-                            </p:stCondLst>
-                            <p:childTnLst>
-                              <p:par>
-                                <p:cTn id="87" presetID="41" presetClass="entr" presetSubtype="0" fill="hold" grpId="0" nodeType="clickEffect">
-                                  <p:stCondLst>
-                                    <p:cond delay="0"/>
-                                  </p:stCondLst>
-                                  <p:iterate type="lt">
-                                    <p:tmPct val="10000"/>
-                                  </p:iterate>
-                                  <p:childTnLst>
-                                    <p:set>
-                                      <p:cBhvr>
-                                        <p:cTn id="88" dur="1" fill="hold">
-                                          <p:stCondLst>
-                                            <p:cond delay="0"/>
-                                          </p:stCondLst>
-                                        </p:cTn>
-                                        <p:tgtEl>
-                                          <p:spTgt spid="3">
-                                            <p:txEl>
-                                              <p:pRg st="3" end="3"/>
-                                            </p:txEl>
-                                          </p:spTgt>
-                                        </p:tgtEl>
-                                        <p:attrNameLst>
-                                          <p:attrName>style.visibility</p:attrName>
-                                        </p:attrNameLst>
-                                      </p:cBhvr>
-                                      <p:to>
-                                        <p:strVal val="visible"/>
-                                      </p:to>
-                                    </p:set>
-                                    <p:anim calcmode="lin" valueType="num">
-                                      <p:cBhvr>
-                                        <p:cTn id="89" dur="500" fill="hold"/>
-                                        <p:tgtEl>
-                                          <p:spTgt spid="3">
-                                            <p:txEl>
-                                              <p:pRg st="3" end="3"/>
-                                            </p:txEl>
-                                          </p:spTgt>
-                                        </p:tgtEl>
-                                        <p:attrNameLst>
-                                          <p:attrName>ppt_x</p:attrName>
-                                        </p:attrNameLst>
-                                      </p:cBhvr>
-                                      <p:tavLst>
-                                        <p:tav tm="0">
-                                          <p:val>
-                                            <p:strVal val="#ppt_x"/>
-                                          </p:val>
-                                        </p:tav>
-                                        <p:tav tm="50000">
-                                          <p:val>
-                                            <p:strVal val="#ppt_x+.1"/>
-                                          </p:val>
-                                        </p:tav>
-                                        <p:tav tm="100000">
-                                          <p:val>
-                                            <p:strVal val="#ppt_x"/>
-                                          </p:val>
-                                        </p:tav>
-                                      </p:tavLst>
-                                    </p:anim>
-                                    <p:anim calcmode="lin" valueType="num">
-                                      <p:cBhvr>
-                                        <p:cTn id="90" dur="500" fill="hold"/>
-                                        <p:tgtEl>
-                                          <p:spTgt spid="3">
-                                            <p:txEl>
-                                              <p:pRg st="3" end="3"/>
-                                            </p:txEl>
-                                          </p:spTgt>
-                                        </p:tgtEl>
-                                        <p:attrNameLst>
-                                          <p:attrName>ppt_y</p:attrName>
-                                        </p:attrNameLst>
-                                      </p:cBhvr>
-                                      <p:tavLst>
-                                        <p:tav tm="0">
-                                          <p:val>
-                                            <p:strVal val="#ppt_y"/>
-                                          </p:val>
-                                        </p:tav>
-                                        <p:tav tm="100000">
-                                          <p:val>
-                                            <p:strVal val="#ppt_y"/>
-                                          </p:val>
-                                        </p:tav>
-                                      </p:tavLst>
-                                    </p:anim>
-                                    <p:anim calcmode="lin" valueType="num">
-                                      <p:cBhvr>
-                                        <p:cTn id="91" dur="500" fill="hold"/>
-                                        <p:tgtEl>
-                                          <p:spTgt spid="3">
-                                            <p:txEl>
-                                              <p:pRg st="3" end="3"/>
-                                            </p:txEl>
-                                          </p:spTgt>
-                                        </p:tgtEl>
-                                        <p:attrNameLst>
-                                          <p:attrName>ppt_h</p:attrName>
-                                        </p:attrNameLst>
-                                      </p:cBhvr>
-                                      <p:tavLst>
-                                        <p:tav tm="0">
-                                          <p:val>
-                                            <p:strVal val="#ppt_h/10"/>
-                                          </p:val>
-                                        </p:tav>
-                                        <p:tav tm="50000">
-                                          <p:val>
-                                            <p:strVal val="#ppt_h+.01"/>
-                                          </p:val>
-                                        </p:tav>
-                                        <p:tav tm="100000">
-                                          <p:val>
-                                            <p:strVal val="#ppt_h"/>
-                                          </p:val>
-                                        </p:tav>
-                                      </p:tavLst>
-                                    </p:anim>
-                                    <p:anim calcmode="lin" valueType="num">
-                                      <p:cBhvr>
-                                        <p:cTn id="92" dur="500" fill="hold"/>
-                                        <p:tgtEl>
-                                          <p:spTgt spid="3">
-                                            <p:txEl>
-                                              <p:pRg st="3" end="3"/>
-                                            </p:txEl>
-                                          </p:spTgt>
-                                        </p:tgtEl>
-                                        <p:attrNameLst>
-                                          <p:attrName>ppt_w</p:attrName>
-                                        </p:attrNameLst>
-                                      </p:cBhvr>
-                                      <p:tavLst>
-                                        <p:tav tm="0">
-                                          <p:val>
-                                            <p:strVal val="#ppt_w/10"/>
-                                          </p:val>
-                                        </p:tav>
-                                        <p:tav tm="50000">
-                                          <p:val>
-                                            <p:strVal val="#ppt_w+.01"/>
-                                          </p:val>
-                                        </p:tav>
-                                        <p:tav tm="100000">
-                                          <p:val>
-                                            <p:strVal val="#ppt_w"/>
-                                          </p:val>
-                                        </p:tav>
-                                      </p:tavLst>
-                                    </p:anim>
-                                    <p:animEffect transition="in" filter="fade">
-                                      <p:cBhvr>
-                                        <p:cTn id="93" dur="500" tmFilter="0,0; .5, 1; 1, 1"/>
-                                        <p:tgtEl>
-                                          <p:spTgt spid="3">
-                                            <p:txEl>
-                                              <p:pRg st="3" end="3"/>
-                                            </p:txEl>
-                                          </p:spTgt>
-                                        </p:tgtEl>
-                                      </p:cBhvr>
-                                    </p:animEffect>
-                                  </p:childTnLst>
-                                </p:cTn>
-                              </p:par>
-                            </p:childTnLst>
-                          </p:cTn>
-                        </p:par>
-                      </p:childTnLst>
-                    </p:cTn>
-                  </p:par>
-                  <p:par>
-                    <p:cTn id="94" fill="hold">
-                      <p:stCondLst>
-                        <p:cond delay="indefinite"/>
-                      </p:stCondLst>
-                      <p:childTnLst>
-                        <p:par>
-                          <p:cTn id="95" fill="hold">
-                            <p:stCondLst>
-                              <p:cond delay="0"/>
-                            </p:stCondLst>
-                            <p:childTnLst>
-                              <p:par>
-                                <p:cTn id="96" presetID="41" presetClass="entr" presetSubtype="0" fill="hold" grpId="0" nodeType="clickEffect">
-                                  <p:stCondLst>
-                                    <p:cond delay="0"/>
-                                  </p:stCondLst>
-                                  <p:iterate type="lt">
-                                    <p:tmPct val="10000"/>
-                                  </p:iterate>
-                                  <p:childTnLst>
-                                    <p:set>
-                                      <p:cBhvr>
-                                        <p:cTn id="97" dur="1" fill="hold">
-                                          <p:stCondLst>
-                                            <p:cond delay="0"/>
-                                          </p:stCondLst>
-                                        </p:cTn>
-                                        <p:tgtEl>
-                                          <p:spTgt spid="3">
-                                            <p:txEl>
-                                              <p:pRg st="4" end="4"/>
-                                            </p:txEl>
-                                          </p:spTgt>
-                                        </p:tgtEl>
-                                        <p:attrNameLst>
-                                          <p:attrName>style.visibility</p:attrName>
-                                        </p:attrNameLst>
-                                      </p:cBhvr>
-                                      <p:to>
-                                        <p:strVal val="visible"/>
-                                      </p:to>
-                                    </p:set>
-                                    <p:anim calcmode="lin" valueType="num">
-                                      <p:cBhvr>
-                                        <p:cTn id="98" dur="500" fill="hold"/>
-                                        <p:tgtEl>
-                                          <p:spTgt spid="3">
-                                            <p:txEl>
-                                              <p:pRg st="4" end="4"/>
-                                            </p:txEl>
-                                          </p:spTgt>
-                                        </p:tgtEl>
-                                        <p:attrNameLst>
-                                          <p:attrName>ppt_x</p:attrName>
-                                        </p:attrNameLst>
-                                      </p:cBhvr>
-                                      <p:tavLst>
-                                        <p:tav tm="0">
-                                          <p:val>
-                                            <p:strVal val="#ppt_x"/>
-                                          </p:val>
-                                        </p:tav>
-                                        <p:tav tm="50000">
-                                          <p:val>
-                                            <p:strVal val="#ppt_x+.1"/>
-                                          </p:val>
-                                        </p:tav>
-                                        <p:tav tm="100000">
-                                          <p:val>
-                                            <p:strVal val="#ppt_x"/>
-                                          </p:val>
-                                        </p:tav>
-                                      </p:tavLst>
-                                    </p:anim>
-                                    <p:anim calcmode="lin" valueType="num">
-                                      <p:cBhvr>
-                                        <p:cTn id="99" dur="500" fill="hold"/>
-                                        <p:tgtEl>
-                                          <p:spTgt spid="3">
-                                            <p:txEl>
-                                              <p:pRg st="4" end="4"/>
-                                            </p:txEl>
-                                          </p:spTgt>
-                                        </p:tgtEl>
-                                        <p:attrNameLst>
-                                          <p:attrName>ppt_y</p:attrName>
-                                        </p:attrNameLst>
-                                      </p:cBhvr>
-                                      <p:tavLst>
-                                        <p:tav tm="0">
-                                          <p:val>
-                                            <p:strVal val="#ppt_y"/>
-                                          </p:val>
-                                        </p:tav>
-                                        <p:tav tm="100000">
-                                          <p:val>
-                                            <p:strVal val="#ppt_y"/>
-                                          </p:val>
-                                        </p:tav>
-                                      </p:tavLst>
-                                    </p:anim>
-                                    <p:anim calcmode="lin" valueType="num">
-                                      <p:cBhvr>
-                                        <p:cTn id="100" dur="500" fill="hold"/>
-                                        <p:tgtEl>
-                                          <p:spTgt spid="3">
-                                            <p:txEl>
-                                              <p:pRg st="4" end="4"/>
-                                            </p:txEl>
-                                          </p:spTgt>
-                                        </p:tgtEl>
-                                        <p:attrNameLst>
-                                          <p:attrName>ppt_h</p:attrName>
-                                        </p:attrNameLst>
-                                      </p:cBhvr>
-                                      <p:tavLst>
-                                        <p:tav tm="0">
-                                          <p:val>
-                                            <p:strVal val="#ppt_h/10"/>
-                                          </p:val>
-                                        </p:tav>
-                                        <p:tav tm="50000">
-                                          <p:val>
-                                            <p:strVal val="#ppt_h+.01"/>
-                                          </p:val>
-                                        </p:tav>
-                                        <p:tav tm="100000">
-                                          <p:val>
-                                            <p:strVal val="#ppt_h"/>
-                                          </p:val>
-                                        </p:tav>
-                                      </p:tavLst>
-                                    </p:anim>
-                                    <p:anim calcmode="lin" valueType="num">
-                                      <p:cBhvr>
-                                        <p:cTn id="101" dur="500" fill="hold"/>
-                                        <p:tgtEl>
-                                          <p:spTgt spid="3">
-                                            <p:txEl>
-                                              <p:pRg st="4" end="4"/>
-                                            </p:txEl>
-                                          </p:spTgt>
-                                        </p:tgtEl>
-                                        <p:attrNameLst>
-                                          <p:attrName>ppt_w</p:attrName>
-                                        </p:attrNameLst>
-                                      </p:cBhvr>
-                                      <p:tavLst>
-                                        <p:tav tm="0">
-                                          <p:val>
-                                            <p:strVal val="#ppt_w/10"/>
-                                          </p:val>
-                                        </p:tav>
-                                        <p:tav tm="50000">
-                                          <p:val>
-                                            <p:strVal val="#ppt_w+.01"/>
-                                          </p:val>
-                                        </p:tav>
-                                        <p:tav tm="100000">
-                                          <p:val>
-                                            <p:strVal val="#ppt_w"/>
-                                          </p:val>
-                                        </p:tav>
-                                      </p:tavLst>
-                                    </p:anim>
-                                    <p:animEffect transition="in" filter="fade">
-                                      <p:cBhvr>
-                                        <p:cTn id="102" dur="500" tmFilter="0,0; .5, 1; 1, 1"/>
+                                        <p:cTn id="27" dur="500"/>
                                         <p:tgtEl>
                                           <p:spTgt spid="3">
                                             <p:txEl>
@@ -6718,29 +5770,26 @@
                     </p:cTn>
                   </p:par>
                   <p:par>
-                    <p:cTn id="103" fill="hold">
+                    <p:cTn id="28" fill="hold">
                       <p:stCondLst>
                         <p:cond delay="indefinite"/>
                       </p:stCondLst>
                       <p:childTnLst>
                         <p:par>
-                          <p:cTn id="104" fill="hold">
+                          <p:cTn id="29" fill="hold">
                             <p:stCondLst>
                               <p:cond delay="0"/>
                             </p:stCondLst>
                             <p:childTnLst>
                               <p:par>
-                                <p:cTn id="105" presetID="41" presetClass="entr" presetSubtype="0" fill="hold" grpId="0" nodeType="clickEffect">
+                                <p:cTn id="30" presetID="10" presetClass="entr" presetSubtype="0" fill="hold" grpId="0" nodeType="clickEffect">
                                   <p:stCondLst>
                                     <p:cond delay="0"/>
                                   </p:stCondLst>
-                                  <p:iterate type="lt">
-                                    <p:tmPct val="10000"/>
-                                  </p:iterate>
                                   <p:childTnLst>
                                     <p:set>
                                       <p:cBhvr>
-                                        <p:cTn id="106" dur="1" fill="hold">
+                                        <p:cTn id="31" dur="1" fill="hold">
                                           <p:stCondLst>
                                             <p:cond delay="0"/>
                                           </p:stCondLst>
@@ -6760,132 +5809,9 @@
                                         <p:strVal val="visible"/>
                                       </p:to>
                                     </p:set>
-                                    <p:anim calcmode="lin" valueType="num">
-                                      <p:cBhvr>
-                                        <p:cTn id="107" dur="500" fill="hold"/>
-                                        <p:tgtEl>
-                                          <p:spTgt spid="3">
-                                            <p:txEl>
-                                              <p:pRg st="5" end="5"/>
-                                            </p:txEl>
-                                          </p:spTgt>
-                                        </p:tgtEl>
-                                        <p:attrNameLst>
-                                          <p:attrName>ppt_x</p:attrName>
-                                        </p:attrNameLst>
-                                      </p:cBhvr>
-                                      <p:tavLst>
-                                        <p:tav tm="0">
-                                          <p:val>
-                                            <p:strVal val="#ppt_x"/>
-                                          </p:val>
-                                        </p:tav>
-                                        <p:tav tm="50000">
-                                          <p:val>
-                                            <p:strVal val="#ppt_x+.1"/>
-                                          </p:val>
-                                        </p:tav>
-                                        <p:tav tm="100000">
-                                          <p:val>
-                                            <p:strVal val="#ppt_x"/>
-                                          </p:val>
-                                        </p:tav>
-                                      </p:tavLst>
-                                    </p:anim>
-                                    <p:anim calcmode="lin" valueType="num">
-                                      <p:cBhvr>
-                                        <p:cTn id="108" dur="500" fill="hold"/>
-                                        <p:tgtEl>
-                                          <p:spTgt spid="3">
-                                            <p:txEl>
-                                              <p:pRg st="5" end="5"/>
-                                            </p:txEl>
-                                          </p:spTgt>
-                                        </p:tgtEl>
-                                        <p:attrNameLst>
-                                          <p:attrName>ppt_y</p:attrName>
-                                        </p:attrNameLst>
-                                      </p:cBhvr>
-                                      <p:tavLst>
-                                        <p:tav tm="0">
-                                          <p:val>
-                                            <p:strVal val="#ppt_y"/>
-                                          </p:val>
-                                        </p:tav>
-                                        <p:tav tm="100000">
-                                          <p:val>
-                                            <p:strVal val="#ppt_y"/>
-                                          </p:val>
-                                        </p:tav>
-                                      </p:tavLst>
-                                    </p:anim>
-                                    <p:anim calcmode="lin" valueType="num">
-                                      <p:cBhvr>
-                                        <p:cTn id="109" dur="500" fill="hold"/>
-                                        <p:tgtEl>
-                                          <p:spTgt spid="3">
-                                            <p:txEl>
-                                              <p:pRg st="5" end="5"/>
-                                            </p:txEl>
-                                          </p:spTgt>
-                                        </p:tgtEl>
-                                        <p:attrNameLst>
-                                          <p:attrName>ppt_h</p:attrName>
-                                        </p:attrNameLst>
-                                      </p:cBhvr>
-                                      <p:tavLst>
-                                        <p:tav tm="0">
-                                          <p:val>
-                                            <p:strVal val="#ppt_h/10"/>
-                                          </p:val>
-                                        </p:tav>
-                                        <p:tav tm="50000">
-                                          <p:val>
-                                            <p:strVal val="#ppt_h+.01"/>
-                                          </p:val>
-                                        </p:tav>
-                                        <p:tav tm="100000">
-                                          <p:val>
-                                            <p:strVal val="#ppt_h"/>
-                                          </p:val>
-                                        </p:tav>
-                                      </p:tavLst>
-                                    </p:anim>
-                                    <p:anim calcmode="lin" valueType="num">
-                                      <p:cBhvr>
-                                        <p:cTn id="110" dur="500" fill="hold"/>
-                                        <p:tgtEl>
-                                          <p:spTgt spid="3">
-                                            <p:txEl>
-                                              <p:pRg st="5" end="5"/>
-                                            </p:txEl>
-                                          </p:spTgt>
-                                        </p:tgtEl>
-                                        <p:attrNameLst>
-                                          <p:attrName>ppt_w</p:attrName>
-                                        </p:attrNameLst>
-                                      </p:cBhvr>
-                                      <p:tavLst>
-                                        <p:tav tm="0">
-                                          <p:val>
-                                            <p:strVal val="#ppt_w/10"/>
-                                          </p:val>
-                                        </p:tav>
-                                        <p:tav tm="50000">
-                                          <p:val>
-                                            <p:strVal val="#ppt_w+.01"/>
-                                          </p:val>
-                                        </p:tav>
-                                        <p:tav tm="100000">
-                                          <p:val>
-                                            <p:strVal val="#ppt_w"/>
-                                          </p:val>
-                                        </p:tav>
-                                      </p:tavLst>
-                                    </p:anim>
                                     <p:animEffect transition="in" filter="fade">
                                       <p:cBhvr>
-                                        <p:cTn id="111" dur="500" tmFilter="0,0; .5, 1; 1, 1"/>
+                                        <p:cTn id="32" dur="500"/>
                                         <p:tgtEl>
                                           <p:spTgt spid="3">
                                             <p:txEl>
@@ -6899,17 +5825,14 @@
                                 </p:cTn>
                               </p:par>
                               <p:par>
-                                <p:cTn id="112" presetID="41" presetClass="entr" presetSubtype="0" fill="hold" grpId="0" nodeType="withEffect">
+                                <p:cTn id="33" presetID="10" presetClass="entr" presetSubtype="0" fill="hold" grpId="0" nodeType="withEffect">
                                   <p:stCondLst>
                                     <p:cond delay="0"/>
                                   </p:stCondLst>
-                                  <p:iterate type="lt">
-                                    <p:tmPct val="10000"/>
-                                  </p:iterate>
                                   <p:childTnLst>
                                     <p:set>
                                       <p:cBhvr>
-                                        <p:cTn id="113" dur="1" fill="hold">
+                                        <p:cTn id="34" dur="1" fill="hold">
                                           <p:stCondLst>
                                             <p:cond delay="0"/>
                                           </p:stCondLst>
@@ -6929,132 +5852,9 @@
                                         <p:strVal val="visible"/>
                                       </p:to>
                                     </p:set>
-                                    <p:anim calcmode="lin" valueType="num">
-                                      <p:cBhvr>
-                                        <p:cTn id="114" dur="500" fill="hold"/>
-                                        <p:tgtEl>
-                                          <p:spTgt spid="3">
-                                            <p:txEl>
-                                              <p:pRg st="6" end="6"/>
-                                            </p:txEl>
-                                          </p:spTgt>
-                                        </p:tgtEl>
-                                        <p:attrNameLst>
-                                          <p:attrName>ppt_x</p:attrName>
-                                        </p:attrNameLst>
-                                      </p:cBhvr>
-                                      <p:tavLst>
-                                        <p:tav tm="0">
-                                          <p:val>
-                                            <p:strVal val="#ppt_x"/>
-                                          </p:val>
-                                        </p:tav>
-                                        <p:tav tm="50000">
-                                          <p:val>
-                                            <p:strVal val="#ppt_x+.1"/>
-                                          </p:val>
-                                        </p:tav>
-                                        <p:tav tm="100000">
-                                          <p:val>
-                                            <p:strVal val="#ppt_x"/>
-                                          </p:val>
-                                        </p:tav>
-                                      </p:tavLst>
-                                    </p:anim>
-                                    <p:anim calcmode="lin" valueType="num">
-                                      <p:cBhvr>
-                                        <p:cTn id="115" dur="500" fill="hold"/>
-                                        <p:tgtEl>
-                                          <p:spTgt spid="3">
-                                            <p:txEl>
-                                              <p:pRg st="6" end="6"/>
-                                            </p:txEl>
-                                          </p:spTgt>
-                                        </p:tgtEl>
-                                        <p:attrNameLst>
-                                          <p:attrName>ppt_y</p:attrName>
-                                        </p:attrNameLst>
-                                      </p:cBhvr>
-                                      <p:tavLst>
-                                        <p:tav tm="0">
-                                          <p:val>
-                                            <p:strVal val="#ppt_y"/>
-                                          </p:val>
-                                        </p:tav>
-                                        <p:tav tm="100000">
-                                          <p:val>
-                                            <p:strVal val="#ppt_y"/>
-                                          </p:val>
-                                        </p:tav>
-                                      </p:tavLst>
-                                    </p:anim>
-                                    <p:anim calcmode="lin" valueType="num">
-                                      <p:cBhvr>
-                                        <p:cTn id="116" dur="500" fill="hold"/>
-                                        <p:tgtEl>
-                                          <p:spTgt spid="3">
-                                            <p:txEl>
-                                              <p:pRg st="6" end="6"/>
-                                            </p:txEl>
-                                          </p:spTgt>
-                                        </p:tgtEl>
-                                        <p:attrNameLst>
-                                          <p:attrName>ppt_h</p:attrName>
-                                        </p:attrNameLst>
-                                      </p:cBhvr>
-                                      <p:tavLst>
-                                        <p:tav tm="0">
-                                          <p:val>
-                                            <p:strVal val="#ppt_h/10"/>
-                                          </p:val>
-                                        </p:tav>
-                                        <p:tav tm="50000">
-                                          <p:val>
-                                            <p:strVal val="#ppt_h+.01"/>
-                                          </p:val>
-                                        </p:tav>
-                                        <p:tav tm="100000">
-                                          <p:val>
-                                            <p:strVal val="#ppt_h"/>
-                                          </p:val>
-                                        </p:tav>
-                                      </p:tavLst>
-                                    </p:anim>
-                                    <p:anim calcmode="lin" valueType="num">
-                                      <p:cBhvr>
-                                        <p:cTn id="117" dur="500" fill="hold"/>
-                                        <p:tgtEl>
-                                          <p:spTgt spid="3">
-                                            <p:txEl>
-                                              <p:pRg st="6" end="6"/>
-                                            </p:txEl>
-                                          </p:spTgt>
-                                        </p:tgtEl>
-                                        <p:attrNameLst>
-                                          <p:attrName>ppt_w</p:attrName>
-                                        </p:attrNameLst>
-                                      </p:cBhvr>
-                                      <p:tavLst>
-                                        <p:tav tm="0">
-                                          <p:val>
-                                            <p:strVal val="#ppt_w/10"/>
-                                          </p:val>
-                                        </p:tav>
-                                        <p:tav tm="50000">
-                                          <p:val>
-                                            <p:strVal val="#ppt_w+.01"/>
-                                          </p:val>
-                                        </p:tav>
-                                        <p:tav tm="100000">
-                                          <p:val>
-                                            <p:strVal val="#ppt_w"/>
-                                          </p:val>
-                                        </p:tav>
-                                      </p:tavLst>
-                                    </p:anim>
                                     <p:animEffect transition="in" filter="fade">
                                       <p:cBhvr>
-                                        <p:cTn id="118" dur="500" tmFilter="0,0; .5, 1; 1, 1"/>
+                                        <p:cTn id="35" dur="500"/>
                                         <p:tgtEl>
                                           <p:spTgt spid="3">
                                             <p:txEl>
@@ -7074,29 +5874,26 @@
                     </p:cTn>
                   </p:par>
                   <p:par>
-                    <p:cTn id="119" fill="hold">
+                    <p:cTn id="36" fill="hold">
                       <p:stCondLst>
                         <p:cond delay="indefinite"/>
                       </p:stCondLst>
                       <p:childTnLst>
                         <p:par>
-                          <p:cTn id="120" fill="hold">
+                          <p:cTn id="37" fill="hold">
                             <p:stCondLst>
                               <p:cond delay="0"/>
                             </p:stCondLst>
                             <p:childTnLst>
                               <p:par>
-                                <p:cTn id="121" presetID="41" presetClass="entr" presetSubtype="0" fill="hold" grpId="0" nodeType="clickEffect">
+                                <p:cTn id="38" presetID="10" presetClass="entr" presetSubtype="0" fill="hold" grpId="0" nodeType="clickEffect">
                                   <p:stCondLst>
                                     <p:cond delay="0"/>
                                   </p:stCondLst>
-                                  <p:iterate type="lt">
-                                    <p:tmPct val="10000"/>
-                                  </p:iterate>
                                   <p:childTnLst>
                                     <p:set>
                                       <p:cBhvr>
-                                        <p:cTn id="122" dur="1" fill="hold">
+                                        <p:cTn id="39" dur="1" fill="hold">
                                           <p:stCondLst>
                                             <p:cond delay="0"/>
                                           </p:stCondLst>
@@ -7116,132 +5913,9 @@
                                         <p:strVal val="visible"/>
                                       </p:to>
                                     </p:set>
-                                    <p:anim calcmode="lin" valueType="num">
-                                      <p:cBhvr>
-                                        <p:cTn id="123" dur="500" fill="hold"/>
-                                        <p:tgtEl>
-                                          <p:spTgt spid="3">
-                                            <p:txEl>
-                                              <p:pRg st="7" end="7"/>
-                                            </p:txEl>
-                                          </p:spTgt>
-                                        </p:tgtEl>
-                                        <p:attrNameLst>
-                                          <p:attrName>ppt_x</p:attrName>
-                                        </p:attrNameLst>
-                                      </p:cBhvr>
-                                      <p:tavLst>
-                                        <p:tav tm="0">
-                                          <p:val>
-                                            <p:strVal val="#ppt_x"/>
-                                          </p:val>
-                                        </p:tav>
-                                        <p:tav tm="50000">
-                                          <p:val>
-                                            <p:strVal val="#ppt_x+.1"/>
-                                          </p:val>
-                                        </p:tav>
-                                        <p:tav tm="100000">
-                                          <p:val>
-                                            <p:strVal val="#ppt_x"/>
-                                          </p:val>
-                                        </p:tav>
-                                      </p:tavLst>
-                                    </p:anim>
-                                    <p:anim calcmode="lin" valueType="num">
-                                      <p:cBhvr>
-                                        <p:cTn id="124" dur="500" fill="hold"/>
-                                        <p:tgtEl>
-                                          <p:spTgt spid="3">
-                                            <p:txEl>
-                                              <p:pRg st="7" end="7"/>
-                                            </p:txEl>
-                                          </p:spTgt>
-                                        </p:tgtEl>
-                                        <p:attrNameLst>
-                                          <p:attrName>ppt_y</p:attrName>
-                                        </p:attrNameLst>
-                                      </p:cBhvr>
-                                      <p:tavLst>
-                                        <p:tav tm="0">
-                                          <p:val>
-                                            <p:strVal val="#ppt_y"/>
-                                          </p:val>
-                                        </p:tav>
-                                        <p:tav tm="100000">
-                                          <p:val>
-                                            <p:strVal val="#ppt_y"/>
-                                          </p:val>
-                                        </p:tav>
-                                      </p:tavLst>
-                                    </p:anim>
-                                    <p:anim calcmode="lin" valueType="num">
-                                      <p:cBhvr>
-                                        <p:cTn id="125" dur="500" fill="hold"/>
-                                        <p:tgtEl>
-                                          <p:spTgt spid="3">
-                                            <p:txEl>
-                                              <p:pRg st="7" end="7"/>
-                                            </p:txEl>
-                                          </p:spTgt>
-                                        </p:tgtEl>
-                                        <p:attrNameLst>
-                                          <p:attrName>ppt_h</p:attrName>
-                                        </p:attrNameLst>
-                                      </p:cBhvr>
-                                      <p:tavLst>
-                                        <p:tav tm="0">
-                                          <p:val>
-                                            <p:strVal val="#ppt_h/10"/>
-                                          </p:val>
-                                        </p:tav>
-                                        <p:tav tm="50000">
-                                          <p:val>
-                                            <p:strVal val="#ppt_h+.01"/>
-                                          </p:val>
-                                        </p:tav>
-                                        <p:tav tm="100000">
-                                          <p:val>
-                                            <p:strVal val="#ppt_h"/>
-                                          </p:val>
-                                        </p:tav>
-                                      </p:tavLst>
-                                    </p:anim>
-                                    <p:anim calcmode="lin" valueType="num">
-                                      <p:cBhvr>
-                                        <p:cTn id="126" dur="500" fill="hold"/>
-                                        <p:tgtEl>
-                                          <p:spTgt spid="3">
-                                            <p:txEl>
-                                              <p:pRg st="7" end="7"/>
-                                            </p:txEl>
-                                          </p:spTgt>
-                                        </p:tgtEl>
-                                        <p:attrNameLst>
-                                          <p:attrName>ppt_w</p:attrName>
-                                        </p:attrNameLst>
-                                      </p:cBhvr>
-                                      <p:tavLst>
-                                        <p:tav tm="0">
-                                          <p:val>
-                                            <p:strVal val="#ppt_w/10"/>
-                                          </p:val>
-                                        </p:tav>
-                                        <p:tav tm="50000">
-                                          <p:val>
-                                            <p:strVal val="#ppt_w+.01"/>
-                                          </p:val>
-                                        </p:tav>
-                                        <p:tav tm="100000">
-                                          <p:val>
-                                            <p:strVal val="#ppt_w"/>
-                                          </p:val>
-                                        </p:tav>
-                                      </p:tavLst>
-                                    </p:anim>
                                     <p:animEffect transition="in" filter="fade">
                                       <p:cBhvr>
-                                        <p:cTn id="127" dur="500" tmFilter="0,0; .5, 1; 1, 1"/>
+                                        <p:cTn id="40" dur="500"/>
                                         <p:tgtEl>
                                           <p:spTgt spid="3">
                                             <p:txEl>
@@ -7543,7 +6217,7 @@
           <p:cNvPr id="2" name="Title 1">
             <a:extLst>
               <a:ext uri="{FF2B5EF4-FFF2-40B4-BE49-F238E27FC236}">
-                <a16:creationId xmlns:a16="http://schemas.microsoft.com/office/drawing/2014/main" id="{BCC61E21-B758-4099-A6E5-470C85B11A91}"/>
+                <a16:creationId xmlns:a16="http://schemas.microsoft.com/office/drawing/2014/main" id="{AF7164E3-3715-4256-BE5B-76C16D10B5FB}"/>
               </a:ext>
             </a:extLst>
           </p:cNvPr>
@@ -7559,7 +6233,10 @@
           <a:bodyPr/>
           <a:lstStyle/>
           <a:p>
-            <a:endParaRPr lang="en-US"/>
+            <a:r>
+              <a:rPr lang="en-US" dirty="0"/>
+              <a:t>“but what if I don’t want to go out of my way to communicate	”</a:t>
+            </a:r>
           </a:p>
         </p:txBody>
       </p:sp>
@@ -7568,7 +6245,7 @@
           <p:cNvPr id="3" name="Content Placeholder 2">
             <a:extLst>
               <a:ext uri="{FF2B5EF4-FFF2-40B4-BE49-F238E27FC236}">
-                <a16:creationId xmlns:a16="http://schemas.microsoft.com/office/drawing/2014/main" id="{D532A9F5-D19D-474A-859B-82F2557D3308}"/>
+                <a16:creationId xmlns:a16="http://schemas.microsoft.com/office/drawing/2014/main" id="{85096A9F-1FFC-4146-BBB2-0D7E29789ECE}"/>
               </a:ext>
             </a:extLst>
           </p:cNvPr>
@@ -7584,31 +6261,362 @@
           <a:bodyPr/>
           <a:lstStyle/>
           <a:p>
-            <a:pPr algn="ctr"/>
             <a:r>
               <a:rPr lang="en-US" dirty="0"/>
-              <a:t>Just remember, if you don’t know what to do, just…</a:t>
-            </a:r>
-          </a:p>
-          <a:p>
-            <a:pPr algn="ctr"/>
-            <a:r>
-              <a:rPr lang="en-US" sz="9600" b="1" u="sng" dirty="0"/>
-              <a:t>D.I.L.F.</a:t>
-            </a:r>
+              <a:t>Shut up</a:t>
+            </a:r>
+          </a:p>
+          <a:p>
+            <a:r>
+              <a:rPr lang="en-US" dirty="0"/>
+              <a:t>I assume you like money, correct?</a:t>
+            </a:r>
+          </a:p>
+          <a:p>
+            <a:r>
+              <a:rPr lang="en-US" dirty="0"/>
+              <a:t>That’s what I thought</a:t>
+            </a:r>
+          </a:p>
+          <a:p>
+            <a:pPr lvl="1"/>
+            <a:r>
+              <a:rPr lang="en-US" dirty="0"/>
+              <a:t>Any employer you want to be hired by will not want to hire you if you cannot do basic communication let alone go out of your way to communicate</a:t>
+            </a:r>
+          </a:p>
+          <a:p>
+            <a:pPr lvl="1"/>
+            <a:endParaRPr lang="en-US" dirty="0"/>
           </a:p>
         </p:txBody>
       </p:sp>
     </p:spTree>
     <p:extLst>
       <p:ext uri="{BB962C8B-B14F-4D97-AF65-F5344CB8AC3E}">
-        <p14:creationId xmlns:p14="http://schemas.microsoft.com/office/powerpoint/2010/main" val="1744036771"/>
+        <p14:creationId xmlns:p14="http://schemas.microsoft.com/office/powerpoint/2010/main" val="3254814377"/>
       </p:ext>
     </p:extLst>
   </p:cSld>
   <p:clrMapOvr>
     <a:masterClrMapping/>
   </p:clrMapOvr>
+  <p:timing>
+    <p:tnLst>
+      <p:par>
+        <p:cTn id="1" dur="indefinite" restart="never" nodeType="tmRoot">
+          <p:childTnLst>
+            <p:seq concurrent="1" nextAc="seek">
+              <p:cTn id="2" dur="indefinite" nodeType="mainSeq">
+                <p:childTnLst>
+                  <p:par>
+                    <p:cTn id="3" fill="hold">
+                      <p:stCondLst>
+                        <p:cond delay="indefinite"/>
+                      </p:stCondLst>
+                      <p:childTnLst>
+                        <p:par>
+                          <p:cTn id="4" fill="hold">
+                            <p:stCondLst>
+                              <p:cond delay="0"/>
+                            </p:stCondLst>
+                            <p:childTnLst>
+                              <p:par>
+                                <p:cTn id="5" presetID="10" presetClass="entr" presetSubtype="0" fill="hold" nodeType="clickEffect">
+                                  <p:stCondLst>
+                                    <p:cond delay="0"/>
+                                  </p:stCondLst>
+                                  <p:childTnLst>
+                                    <p:set>
+                                      <p:cBhvr>
+                                        <p:cTn id="6" dur="1" fill="hold">
+                                          <p:stCondLst>
+                                            <p:cond delay="0"/>
+                                          </p:stCondLst>
+                                        </p:cTn>
+                                        <p:tgtEl>
+                                          <p:spTgt spid="3">
+                                            <p:txEl>
+                                              <p:pRg st="0" end="0"/>
+                                            </p:txEl>
+                                          </p:spTgt>
+                                        </p:tgtEl>
+                                        <p:attrNameLst>
+                                          <p:attrName>style.visibility</p:attrName>
+                                        </p:attrNameLst>
+                                      </p:cBhvr>
+                                      <p:to>
+                                        <p:strVal val="visible"/>
+                                      </p:to>
+                                    </p:set>
+                                    <p:animEffect transition="in" filter="fade">
+                                      <p:cBhvr>
+                                        <p:cTn id="7" dur="500"/>
+                                        <p:tgtEl>
+                                          <p:spTgt spid="3">
+                                            <p:txEl>
+                                              <p:pRg st="0" end="0"/>
+                                            </p:txEl>
+                                          </p:spTgt>
+                                        </p:tgtEl>
+                                      </p:cBhvr>
+                                    </p:animEffect>
+                                  </p:childTnLst>
+                                </p:cTn>
+                              </p:par>
+                            </p:childTnLst>
+                          </p:cTn>
+                        </p:par>
+                      </p:childTnLst>
+                    </p:cTn>
+                  </p:par>
+                  <p:par>
+                    <p:cTn id="8" fill="hold">
+                      <p:stCondLst>
+                        <p:cond delay="indefinite"/>
+                      </p:stCondLst>
+                      <p:childTnLst>
+                        <p:par>
+                          <p:cTn id="9" fill="hold">
+                            <p:stCondLst>
+                              <p:cond delay="0"/>
+                            </p:stCondLst>
+                            <p:childTnLst>
+                              <p:par>
+                                <p:cTn id="10" presetID="2" presetClass="entr" presetSubtype="4" fill="hold" nodeType="clickEffect">
+                                  <p:stCondLst>
+                                    <p:cond delay="0"/>
+                                  </p:stCondLst>
+                                  <p:childTnLst>
+                                    <p:set>
+                                      <p:cBhvr>
+                                        <p:cTn id="11" dur="1" fill="hold">
+                                          <p:stCondLst>
+                                            <p:cond delay="0"/>
+                                          </p:stCondLst>
+                                        </p:cTn>
+                                        <p:tgtEl>
+                                          <p:spTgt spid="3">
+                                            <p:txEl>
+                                              <p:pRg st="1" end="1"/>
+                                            </p:txEl>
+                                          </p:spTgt>
+                                        </p:tgtEl>
+                                        <p:attrNameLst>
+                                          <p:attrName>style.visibility</p:attrName>
+                                        </p:attrNameLst>
+                                      </p:cBhvr>
+                                      <p:to>
+                                        <p:strVal val="visible"/>
+                                      </p:to>
+                                    </p:set>
+                                    <p:anim calcmode="lin" valueType="num">
+                                      <p:cBhvr additive="base">
+                                        <p:cTn id="12" dur="500" fill="hold"/>
+                                        <p:tgtEl>
+                                          <p:spTgt spid="3">
+                                            <p:txEl>
+                                              <p:pRg st="1" end="1"/>
+                                            </p:txEl>
+                                          </p:spTgt>
+                                        </p:tgtEl>
+                                        <p:attrNameLst>
+                                          <p:attrName>ppt_x</p:attrName>
+                                        </p:attrNameLst>
+                                      </p:cBhvr>
+                                      <p:tavLst>
+                                        <p:tav tm="0">
+                                          <p:val>
+                                            <p:strVal val="#ppt_x"/>
+                                          </p:val>
+                                        </p:tav>
+                                        <p:tav tm="100000">
+                                          <p:val>
+                                            <p:strVal val="#ppt_x"/>
+                                          </p:val>
+                                        </p:tav>
+                                      </p:tavLst>
+                                    </p:anim>
+                                    <p:anim calcmode="lin" valueType="num">
+                                      <p:cBhvr additive="base">
+                                        <p:cTn id="13" dur="500" fill="hold"/>
+                                        <p:tgtEl>
+                                          <p:spTgt spid="3">
+                                            <p:txEl>
+                                              <p:pRg st="1" end="1"/>
+                                            </p:txEl>
+                                          </p:spTgt>
+                                        </p:tgtEl>
+                                        <p:attrNameLst>
+                                          <p:attrName>ppt_y</p:attrName>
+                                        </p:attrNameLst>
+                                      </p:cBhvr>
+                                      <p:tavLst>
+                                        <p:tav tm="0">
+                                          <p:val>
+                                            <p:strVal val="1+#ppt_h/2"/>
+                                          </p:val>
+                                        </p:tav>
+                                        <p:tav tm="100000">
+                                          <p:val>
+                                            <p:strVal val="#ppt_y"/>
+                                          </p:val>
+                                        </p:tav>
+                                      </p:tavLst>
+                                    </p:anim>
+                                  </p:childTnLst>
+                                </p:cTn>
+                              </p:par>
+                            </p:childTnLst>
+                          </p:cTn>
+                        </p:par>
+                      </p:childTnLst>
+                    </p:cTn>
+                  </p:par>
+                  <p:par>
+                    <p:cTn id="14" fill="hold">
+                      <p:stCondLst>
+                        <p:cond delay="indefinite"/>
+                      </p:stCondLst>
+                      <p:childTnLst>
+                        <p:par>
+                          <p:cTn id="15" fill="hold">
+                            <p:stCondLst>
+                              <p:cond delay="0"/>
+                            </p:stCondLst>
+                            <p:childTnLst>
+                              <p:par>
+                                <p:cTn id="16" presetID="22" presetClass="entr" presetSubtype="4" fill="hold" nodeType="clickEffect">
+                                  <p:stCondLst>
+                                    <p:cond delay="0"/>
+                                  </p:stCondLst>
+                                  <p:childTnLst>
+                                    <p:set>
+                                      <p:cBhvr>
+                                        <p:cTn id="17" dur="1" fill="hold">
+                                          <p:stCondLst>
+                                            <p:cond delay="0"/>
+                                          </p:stCondLst>
+                                        </p:cTn>
+                                        <p:tgtEl>
+                                          <p:spTgt spid="3">
+                                            <p:txEl>
+                                              <p:pRg st="2" end="2"/>
+                                            </p:txEl>
+                                          </p:spTgt>
+                                        </p:tgtEl>
+                                        <p:attrNameLst>
+                                          <p:attrName>style.visibility</p:attrName>
+                                        </p:attrNameLst>
+                                      </p:cBhvr>
+                                      <p:to>
+                                        <p:strVal val="visible"/>
+                                      </p:to>
+                                    </p:set>
+                                    <p:animEffect transition="in" filter="wipe(down)">
+                                      <p:cBhvr>
+                                        <p:cTn id="18" dur="500"/>
+                                        <p:tgtEl>
+                                          <p:spTgt spid="3">
+                                            <p:txEl>
+                                              <p:pRg st="2" end="2"/>
+                                            </p:txEl>
+                                          </p:spTgt>
+                                        </p:tgtEl>
+                                      </p:cBhvr>
+                                    </p:animEffect>
+                                  </p:childTnLst>
+                                </p:cTn>
+                              </p:par>
+                            </p:childTnLst>
+                          </p:cTn>
+                        </p:par>
+                      </p:childTnLst>
+                    </p:cTn>
+                  </p:par>
+                  <p:par>
+                    <p:cTn id="19" fill="hold">
+                      <p:stCondLst>
+                        <p:cond delay="indefinite"/>
+                      </p:stCondLst>
+                      <p:childTnLst>
+                        <p:par>
+                          <p:cTn id="20" fill="hold">
+                            <p:stCondLst>
+                              <p:cond delay="0"/>
+                            </p:stCondLst>
+                            <p:childTnLst>
+                              <p:par>
+                                <p:cTn id="21" presetID="21" presetClass="entr" presetSubtype="1" fill="hold" nodeType="clickEffect">
+                                  <p:stCondLst>
+                                    <p:cond delay="0"/>
+                                  </p:stCondLst>
+                                  <p:childTnLst>
+                                    <p:set>
+                                      <p:cBhvr>
+                                        <p:cTn id="22" dur="1" fill="hold">
+                                          <p:stCondLst>
+                                            <p:cond delay="0"/>
+                                          </p:stCondLst>
+                                        </p:cTn>
+                                        <p:tgtEl>
+                                          <p:spTgt spid="3">
+                                            <p:txEl>
+                                              <p:pRg st="3" end="3"/>
+                                            </p:txEl>
+                                          </p:spTgt>
+                                        </p:tgtEl>
+                                        <p:attrNameLst>
+                                          <p:attrName>style.visibility</p:attrName>
+                                        </p:attrNameLst>
+                                      </p:cBhvr>
+                                      <p:to>
+                                        <p:strVal val="visible"/>
+                                      </p:to>
+                                    </p:set>
+                                    <p:animEffect transition="in" filter="wheel(1)">
+                                      <p:cBhvr>
+                                        <p:cTn id="23" dur="2000"/>
+                                        <p:tgtEl>
+                                          <p:spTgt spid="3">
+                                            <p:txEl>
+                                              <p:pRg st="3" end="3"/>
+                                            </p:txEl>
+                                          </p:spTgt>
+                                        </p:tgtEl>
+                                      </p:cBhvr>
+                                    </p:animEffect>
+                                  </p:childTnLst>
+                                </p:cTn>
+                              </p:par>
+                            </p:childTnLst>
+                          </p:cTn>
+                        </p:par>
+                      </p:childTnLst>
+                    </p:cTn>
+                  </p:par>
+                </p:childTnLst>
+              </p:cTn>
+              <p:prevCondLst>
+                <p:cond evt="onPrev" delay="0">
+                  <p:tgtEl>
+                    <p:sldTgt/>
+                  </p:tgtEl>
+                </p:cond>
+              </p:prevCondLst>
+              <p:nextCondLst>
+                <p:cond evt="onNext" delay="0">
+                  <p:tgtEl>
+                    <p:sldTgt/>
+                  </p:tgtEl>
+                </p:cond>
+              </p:nextCondLst>
+            </p:seq>
+          </p:childTnLst>
+        </p:cTn>
+      </p:par>
+    </p:tnLst>
+  </p:timing>
 </p:sld>
 </file>
 

--- a/docpac_mar18/Presentation.pptx
+++ b/docpac_mar18/Presentation.pptx
@@ -2,7 +2,7 @@
 <file path=ppt/presentation.xml><?xml version="1.0" encoding="utf-8"?>
 <p:presentation xmlns:a="http://schemas.openxmlformats.org/drawingml/2006/main" xmlns:r="http://schemas.openxmlformats.org/officeDocument/2006/relationships" xmlns:p="http://schemas.openxmlformats.org/presentationml/2006/main" saveSubsetFonts="1">
   <p:sldMasterIdLst>
-    <p:sldMasterId id="2147483648" r:id="rId1"/>
+    <p:sldMasterId id="2147483660" r:id="rId1"/>
   </p:sldMasterIdLst>
   <p:sldIdLst>
     <p:sldId id="256" r:id="rId2"/>
@@ -25,7 +25,7 @@
     <a:defPPr>
       <a:defRPr lang="en-US"/>
     </a:defPPr>
-    <a:lvl1pPr marL="0" algn="l" defTabSz="914400" rtl="0" eaLnBrk="1" latinLnBrk="0" hangingPunct="1">
+    <a:lvl1pPr marL="0" algn="l" defTabSz="457200" rtl="0" eaLnBrk="1" latinLnBrk="0" hangingPunct="1">
       <a:defRPr sz="1800" kern="1200">
         <a:solidFill>
           <a:schemeClr val="tx1"/>
@@ -35,7 +35,7 @@
         <a:cs typeface="+mn-cs"/>
       </a:defRPr>
     </a:lvl1pPr>
-    <a:lvl2pPr marL="457200" algn="l" defTabSz="914400" rtl="0" eaLnBrk="1" latinLnBrk="0" hangingPunct="1">
+    <a:lvl2pPr marL="457200" algn="l" defTabSz="457200" rtl="0" eaLnBrk="1" latinLnBrk="0" hangingPunct="1">
       <a:defRPr sz="1800" kern="1200">
         <a:solidFill>
           <a:schemeClr val="tx1"/>
@@ -45,7 +45,7 @@
         <a:cs typeface="+mn-cs"/>
       </a:defRPr>
     </a:lvl2pPr>
-    <a:lvl3pPr marL="914400" algn="l" defTabSz="914400" rtl="0" eaLnBrk="1" latinLnBrk="0" hangingPunct="1">
+    <a:lvl3pPr marL="914400" algn="l" defTabSz="457200" rtl="0" eaLnBrk="1" latinLnBrk="0" hangingPunct="1">
       <a:defRPr sz="1800" kern="1200">
         <a:solidFill>
           <a:schemeClr val="tx1"/>
@@ -55,7 +55,7 @@
         <a:cs typeface="+mn-cs"/>
       </a:defRPr>
     </a:lvl3pPr>
-    <a:lvl4pPr marL="1371600" algn="l" defTabSz="914400" rtl="0" eaLnBrk="1" latinLnBrk="0" hangingPunct="1">
+    <a:lvl4pPr marL="1371600" algn="l" defTabSz="457200" rtl="0" eaLnBrk="1" latinLnBrk="0" hangingPunct="1">
       <a:defRPr sz="1800" kern="1200">
         <a:solidFill>
           <a:schemeClr val="tx1"/>
@@ -65,7 +65,7 @@
         <a:cs typeface="+mn-cs"/>
       </a:defRPr>
     </a:lvl4pPr>
-    <a:lvl5pPr marL="1828800" algn="l" defTabSz="914400" rtl="0" eaLnBrk="1" latinLnBrk="0" hangingPunct="1">
+    <a:lvl5pPr marL="1828800" algn="l" defTabSz="457200" rtl="0" eaLnBrk="1" latinLnBrk="0" hangingPunct="1">
       <a:defRPr sz="1800" kern="1200">
         <a:solidFill>
           <a:schemeClr val="tx1"/>
@@ -75,7 +75,7 @@
         <a:cs typeface="+mn-cs"/>
       </a:defRPr>
     </a:lvl5pPr>
-    <a:lvl6pPr marL="2286000" algn="l" defTabSz="914400" rtl="0" eaLnBrk="1" latinLnBrk="0" hangingPunct="1">
+    <a:lvl6pPr marL="2286000" algn="l" defTabSz="457200" rtl="0" eaLnBrk="1" latinLnBrk="0" hangingPunct="1">
       <a:defRPr sz="1800" kern="1200">
         <a:solidFill>
           <a:schemeClr val="tx1"/>
@@ -85,7 +85,7 @@
         <a:cs typeface="+mn-cs"/>
       </a:defRPr>
     </a:lvl6pPr>
-    <a:lvl7pPr marL="2743200" algn="l" defTabSz="914400" rtl="0" eaLnBrk="1" latinLnBrk="0" hangingPunct="1">
+    <a:lvl7pPr marL="2743200" algn="l" defTabSz="457200" rtl="0" eaLnBrk="1" latinLnBrk="0" hangingPunct="1">
       <a:defRPr sz="1800" kern="1200">
         <a:solidFill>
           <a:schemeClr val="tx1"/>
@@ -95,7 +95,7 @@
         <a:cs typeface="+mn-cs"/>
       </a:defRPr>
     </a:lvl7pPr>
-    <a:lvl8pPr marL="3200400" algn="l" defTabSz="914400" rtl="0" eaLnBrk="1" latinLnBrk="0" hangingPunct="1">
+    <a:lvl8pPr marL="3200400" algn="l" defTabSz="457200" rtl="0" eaLnBrk="1" latinLnBrk="0" hangingPunct="1">
       <a:defRPr sz="1800" kern="1200">
         <a:solidFill>
           <a:schemeClr val="tx1"/>
@@ -105,7 +105,7 @@
         <a:cs typeface="+mn-cs"/>
       </a:defRPr>
     </a:lvl8pPr>
-    <a:lvl9pPr marL="3657600" algn="l" defTabSz="914400" rtl="0" eaLnBrk="1" latinLnBrk="0" hangingPunct="1">
+    <a:lvl9pPr marL="3657600" algn="l" defTabSz="457200" rtl="0" eaLnBrk="1" latinLnBrk="0" hangingPunct="1">
       <a:defRPr sz="1800" kern="1200">
         <a:solidFill>
           <a:schemeClr val="tx1"/>
@@ -398,7 +398,7 @@
 </file>
 
 <file path=ppt/slideLayouts/slideLayout1.xml><?xml version="1.0" encoding="utf-8"?>
-<p:sldLayout xmlns:a="http://schemas.openxmlformats.org/drawingml/2006/main" xmlns:r="http://schemas.openxmlformats.org/officeDocument/2006/relationships" xmlns:p="http://schemas.openxmlformats.org/presentationml/2006/main" type="title" preserve="1">
+<p:sldLayout xmlns:a="http://schemas.openxmlformats.org/drawingml/2006/main" xmlns:r="http://schemas.openxmlformats.org/officeDocument/2006/relationships" xmlns:p="http://schemas.openxmlformats.org/presentationml/2006/main" showMasterSp="0" type="title" preserve="1">
   <p:cSld name="Title Slide">
     <p:spTree>
       <p:nvGrpSpPr>
@@ -416,13 +416,7 @@
       </p:grpSpPr>
       <p:sp>
         <p:nvSpPr>
-          <p:cNvPr id="2" name="Title 1">
-            <a:extLst>
-              <a:ext uri="{FF2B5EF4-FFF2-40B4-BE49-F238E27FC236}">
-                <a16:creationId xmlns:a16="http://schemas.microsoft.com/office/drawing/2014/main" id="{7F65085E-7491-458E-90EF-1E03C93DEC5C}"/>
-              </a:ext>
-            </a:extLst>
-          </p:cNvPr>
+          <p:cNvPr id="2" name="Title 1"/>
           <p:cNvSpPr>
             <a:spLocks noGrp="1"/>
           </p:cNvSpPr>
@@ -432,15 +426,19 @@
         </p:nvSpPr>
         <p:spPr>
           <a:xfrm>
-            <a:off x="1524000" y="1122363"/>
-            <a:ext cx="9144000" cy="2387600"/>
+            <a:off x="684212" y="685799"/>
+            <a:ext cx="8001000" cy="2971801"/>
           </a:xfrm>
         </p:spPr>
         <p:txBody>
-          <a:bodyPr anchor="b"/>
+          <a:bodyPr anchor="b">
+            <a:normAutofit/>
+          </a:bodyPr>
           <a:lstStyle>
-            <a:lvl1pPr algn="ctr">
-              <a:defRPr sz="6000"/>
+            <a:lvl1pPr algn="l">
+              <a:defRPr sz="4800">
+                <a:effectLst/>
+              </a:defRPr>
             </a:lvl1pPr>
           </a:lstStyle>
           <a:p>
@@ -448,18 +446,13 @@
               <a:rPr lang="en-US"/>
               <a:t>Click to edit Master title style</a:t>
             </a:r>
-          </a:p>
-        </p:txBody>
-      </p:sp>
-      <p:sp>
-        <p:nvSpPr>
-          <p:cNvPr id="3" name="Subtitle 2">
-            <a:extLst>
-              <a:ext uri="{FF2B5EF4-FFF2-40B4-BE49-F238E27FC236}">
-                <a16:creationId xmlns:a16="http://schemas.microsoft.com/office/drawing/2014/main" id="{1BA061D5-722A-4D51-812F-6DE1BF211CC4}"/>
-              </a:ext>
-            </a:extLst>
-          </p:cNvPr>
+            <a:endParaRPr lang="en-US" dirty="0"/>
+          </a:p>
+        </p:txBody>
+      </p:sp>
+      <p:sp>
+        <p:nvSpPr>
+          <p:cNvPr id="3" name="Subtitle 2"/>
           <p:cNvSpPr>
             <a:spLocks noGrp="1"/>
           </p:cNvSpPr>
@@ -469,48 +462,104 @@
         </p:nvSpPr>
         <p:spPr>
           <a:xfrm>
-            <a:off x="1524000" y="3602038"/>
-            <a:ext cx="9144000" cy="1655762"/>
+            <a:off x="684212" y="3843867"/>
+            <a:ext cx="6400800" cy="1947333"/>
           </a:xfrm>
         </p:spPr>
         <p:txBody>
-          <a:bodyPr/>
+          <a:bodyPr anchor="t">
+            <a:normAutofit/>
+          </a:bodyPr>
           <a:lstStyle>
-            <a:lvl1pPr marL="0" indent="0" algn="ctr">
-              <a:buNone/>
-              <a:defRPr sz="2400"/>
+            <a:lvl1pPr marL="0" indent="0" algn="l">
+              <a:buNone/>
+              <a:defRPr sz="2100">
+                <a:solidFill>
+                  <a:schemeClr val="bg2">
+                    <a:lumMod val="75000"/>
+                  </a:schemeClr>
+                </a:solidFill>
+              </a:defRPr>
             </a:lvl1pPr>
             <a:lvl2pPr marL="457200" indent="0" algn="ctr">
               <a:buNone/>
-              <a:defRPr sz="2000"/>
+              <a:defRPr>
+                <a:solidFill>
+                  <a:schemeClr val="tx1">
+                    <a:tint val="75000"/>
+                  </a:schemeClr>
+                </a:solidFill>
+              </a:defRPr>
             </a:lvl2pPr>
             <a:lvl3pPr marL="914400" indent="0" algn="ctr">
               <a:buNone/>
-              <a:defRPr sz="1800"/>
+              <a:defRPr>
+                <a:solidFill>
+                  <a:schemeClr val="tx1">
+                    <a:tint val="75000"/>
+                  </a:schemeClr>
+                </a:solidFill>
+              </a:defRPr>
             </a:lvl3pPr>
             <a:lvl4pPr marL="1371600" indent="0" algn="ctr">
               <a:buNone/>
-              <a:defRPr sz="1600"/>
+              <a:defRPr>
+                <a:solidFill>
+                  <a:schemeClr val="tx1">
+                    <a:tint val="75000"/>
+                  </a:schemeClr>
+                </a:solidFill>
+              </a:defRPr>
             </a:lvl4pPr>
             <a:lvl5pPr marL="1828800" indent="0" algn="ctr">
               <a:buNone/>
-              <a:defRPr sz="1600"/>
+              <a:defRPr>
+                <a:solidFill>
+                  <a:schemeClr val="tx1">
+                    <a:tint val="75000"/>
+                  </a:schemeClr>
+                </a:solidFill>
+              </a:defRPr>
             </a:lvl5pPr>
             <a:lvl6pPr marL="2286000" indent="0" algn="ctr">
               <a:buNone/>
-              <a:defRPr sz="1600"/>
+              <a:defRPr>
+                <a:solidFill>
+                  <a:schemeClr val="tx1">
+                    <a:tint val="75000"/>
+                  </a:schemeClr>
+                </a:solidFill>
+              </a:defRPr>
             </a:lvl6pPr>
             <a:lvl7pPr marL="2743200" indent="0" algn="ctr">
               <a:buNone/>
-              <a:defRPr sz="1600"/>
+              <a:defRPr>
+                <a:solidFill>
+                  <a:schemeClr val="tx1">
+                    <a:tint val="75000"/>
+                  </a:schemeClr>
+                </a:solidFill>
+              </a:defRPr>
             </a:lvl7pPr>
             <a:lvl8pPr marL="3200400" indent="0" algn="ctr">
               <a:buNone/>
-              <a:defRPr sz="1600"/>
+              <a:defRPr>
+                <a:solidFill>
+                  <a:schemeClr val="tx1">
+                    <a:tint val="75000"/>
+                  </a:schemeClr>
+                </a:solidFill>
+              </a:defRPr>
             </a:lvl8pPr>
             <a:lvl9pPr marL="3657600" indent="0" algn="ctr">
               <a:buNone/>
-              <a:defRPr sz="1600"/>
+              <a:defRPr>
+                <a:solidFill>
+                  <a:schemeClr val="tx1">
+                    <a:tint val="75000"/>
+                  </a:schemeClr>
+                </a:solidFill>
+              </a:defRPr>
             </a:lvl9pPr>
           </a:lstStyle>
           <a:p>
@@ -518,18 +567,13 @@
               <a:rPr lang="en-US"/>
               <a:t>Click to edit Master subtitle style</a:t>
             </a:r>
-          </a:p>
-        </p:txBody>
-      </p:sp>
-      <p:sp>
-        <p:nvSpPr>
-          <p:cNvPr id="4" name="Date Placeholder 3">
-            <a:extLst>
-              <a:ext uri="{FF2B5EF4-FFF2-40B4-BE49-F238E27FC236}">
-                <a16:creationId xmlns:a16="http://schemas.microsoft.com/office/drawing/2014/main" id="{F4EDF1C2-42E5-4B83-9DDB-5A23C5687CA2}"/>
-              </a:ext>
-            </a:extLst>
-          </p:cNvPr>
+            <a:endParaRPr lang="en-US" dirty="0"/>
+          </a:p>
+        </p:txBody>
+      </p:sp>
+      <p:sp>
+        <p:nvSpPr>
+          <p:cNvPr id="4" name="Date Placeholder 3"/>
           <p:cNvSpPr>
             <a:spLocks noGrp="1"/>
           </p:cNvSpPr>
@@ -552,13 +596,7 @@
       </p:sp>
       <p:sp>
         <p:nvSpPr>
-          <p:cNvPr id="5" name="Footer Placeholder 4">
-            <a:extLst>
-              <a:ext uri="{FF2B5EF4-FFF2-40B4-BE49-F238E27FC236}">
-                <a16:creationId xmlns:a16="http://schemas.microsoft.com/office/drawing/2014/main" id="{698513B4-D0B9-4B63-8842-8B8829F7DBBF}"/>
-              </a:ext>
-            </a:extLst>
-          </p:cNvPr>
+          <p:cNvPr id="5" name="Footer Placeholder 4"/>
           <p:cNvSpPr>
             <a:spLocks noGrp="1"/>
           </p:cNvSpPr>
@@ -577,13 +615,7 @@
       </p:sp>
       <p:sp>
         <p:nvSpPr>
-          <p:cNvPr id="6" name="Slide Number Placeholder 5">
-            <a:extLst>
-              <a:ext uri="{FF2B5EF4-FFF2-40B4-BE49-F238E27FC236}">
-                <a16:creationId xmlns:a16="http://schemas.microsoft.com/office/drawing/2014/main" id="{049AE01D-E2BA-42B9-A03D-18CEA04B0FE7}"/>
-              </a:ext>
-            </a:extLst>
-          </p:cNvPr>
+          <p:cNvPr id="6" name="Slide Number Placeholder 5"/>
           <p:cNvSpPr>
             <a:spLocks noGrp="1"/>
           </p:cNvSpPr>
@@ -604,10 +636,185 @@
           </a:p>
         </p:txBody>
       </p:sp>
+      <p:cxnSp>
+        <p:nvCxnSpPr>
+          <p:cNvPr id="16" name="Straight Connector 15"/>
+          <p:cNvCxnSpPr/>
+          <p:nvPr/>
+        </p:nvCxnSpPr>
+        <p:spPr>
+          <a:xfrm flipH="1">
+            <a:off x="8228012" y="8467"/>
+            <a:ext cx="3810000" cy="3810000"/>
+          </a:xfrm>
+          <a:prstGeom prst="line">
+            <a:avLst/>
+          </a:prstGeom>
+          <a:ln w="12700">
+            <a:solidFill>
+              <a:schemeClr val="tx1"/>
+            </a:solidFill>
+          </a:ln>
+        </p:spPr>
+        <p:style>
+          <a:lnRef idx="2">
+            <a:schemeClr val="accent1"/>
+          </a:lnRef>
+          <a:fillRef idx="0">
+            <a:schemeClr val="accent1"/>
+          </a:fillRef>
+          <a:effectRef idx="1">
+            <a:schemeClr val="accent1"/>
+          </a:effectRef>
+          <a:fontRef idx="minor">
+            <a:schemeClr val="tx1"/>
+          </a:fontRef>
+        </p:style>
+      </p:cxnSp>
+      <p:cxnSp>
+        <p:nvCxnSpPr>
+          <p:cNvPr id="17" name="Straight Connector 16"/>
+          <p:cNvCxnSpPr/>
+          <p:nvPr/>
+        </p:nvCxnSpPr>
+        <p:spPr>
+          <a:xfrm flipH="1">
+            <a:off x="6108170" y="91545"/>
+            <a:ext cx="6080655" cy="6080655"/>
+          </a:xfrm>
+          <a:prstGeom prst="line">
+            <a:avLst/>
+          </a:prstGeom>
+          <a:ln w="12700">
+            <a:solidFill>
+              <a:schemeClr val="tx1"/>
+            </a:solidFill>
+          </a:ln>
+        </p:spPr>
+        <p:style>
+          <a:lnRef idx="2">
+            <a:schemeClr val="accent1"/>
+          </a:lnRef>
+          <a:fillRef idx="0">
+            <a:schemeClr val="accent1"/>
+          </a:fillRef>
+          <a:effectRef idx="1">
+            <a:schemeClr val="accent1"/>
+          </a:effectRef>
+          <a:fontRef idx="minor">
+            <a:schemeClr val="tx1"/>
+          </a:fontRef>
+        </p:style>
+      </p:cxnSp>
+      <p:cxnSp>
+        <p:nvCxnSpPr>
+          <p:cNvPr id="19" name="Straight Connector 18"/>
+          <p:cNvCxnSpPr/>
+          <p:nvPr/>
+        </p:nvCxnSpPr>
+        <p:spPr>
+          <a:xfrm flipH="1">
+            <a:off x="7235825" y="228600"/>
+            <a:ext cx="4953000" cy="4953000"/>
+          </a:xfrm>
+          <a:prstGeom prst="line">
+            <a:avLst/>
+          </a:prstGeom>
+          <a:ln w="12700">
+            <a:solidFill>
+              <a:schemeClr val="tx1"/>
+            </a:solidFill>
+          </a:ln>
+        </p:spPr>
+        <p:style>
+          <a:lnRef idx="2">
+            <a:schemeClr val="accent1"/>
+          </a:lnRef>
+          <a:fillRef idx="0">
+            <a:schemeClr val="accent1"/>
+          </a:fillRef>
+          <a:effectRef idx="1">
+            <a:schemeClr val="accent1"/>
+          </a:effectRef>
+          <a:fontRef idx="minor">
+            <a:schemeClr val="tx1"/>
+          </a:fontRef>
+        </p:style>
+      </p:cxnSp>
+      <p:cxnSp>
+        <p:nvCxnSpPr>
+          <p:cNvPr id="21" name="Straight Connector 20"/>
+          <p:cNvCxnSpPr/>
+          <p:nvPr/>
+        </p:nvCxnSpPr>
+        <p:spPr>
+          <a:xfrm flipH="1">
+            <a:off x="7335837" y="32278"/>
+            <a:ext cx="4852989" cy="4852989"/>
+          </a:xfrm>
+          <a:prstGeom prst="line">
+            <a:avLst/>
+          </a:prstGeom>
+          <a:ln w="31750">
+            <a:solidFill>
+              <a:schemeClr val="tx1"/>
+            </a:solidFill>
+          </a:ln>
+        </p:spPr>
+        <p:style>
+          <a:lnRef idx="2">
+            <a:schemeClr val="accent1"/>
+          </a:lnRef>
+          <a:fillRef idx="0">
+            <a:schemeClr val="accent1"/>
+          </a:fillRef>
+          <a:effectRef idx="1">
+            <a:schemeClr val="accent1"/>
+          </a:effectRef>
+          <a:fontRef idx="minor">
+            <a:schemeClr val="tx1"/>
+          </a:fontRef>
+        </p:style>
+      </p:cxnSp>
+      <p:cxnSp>
+        <p:nvCxnSpPr>
+          <p:cNvPr id="23" name="Straight Connector 22"/>
+          <p:cNvCxnSpPr/>
+          <p:nvPr/>
+        </p:nvCxnSpPr>
+        <p:spPr>
+          <a:xfrm flipH="1">
+            <a:off x="7845426" y="609601"/>
+            <a:ext cx="4343399" cy="4343399"/>
+          </a:xfrm>
+          <a:prstGeom prst="line">
+            <a:avLst/>
+          </a:prstGeom>
+          <a:ln w="31750">
+            <a:solidFill>
+              <a:schemeClr val="tx1"/>
+            </a:solidFill>
+          </a:ln>
+        </p:spPr>
+        <p:style>
+          <a:lnRef idx="2">
+            <a:schemeClr val="accent1"/>
+          </a:lnRef>
+          <a:fillRef idx="0">
+            <a:schemeClr val="accent1"/>
+          </a:fillRef>
+          <a:effectRef idx="1">
+            <a:schemeClr val="accent1"/>
+          </a:effectRef>
+          <a:fontRef idx="minor">
+            <a:schemeClr val="tx1"/>
+          </a:fontRef>
+        </p:style>
+      </p:cxnSp>
     </p:spTree>
     <p:extLst>
       <p:ext uri="{BB962C8B-B14F-4D97-AF65-F5344CB8AC3E}">
-        <p14:creationId xmlns:p14="http://schemas.microsoft.com/office/powerpoint/2010/main" val="802021653"/>
+        <p14:creationId xmlns:p14="http://schemas.microsoft.com/office/powerpoint/2010/main" val="2495590612"/>
       </p:ext>
     </p:extLst>
   </p:cSld>
@@ -618,6 +825,1812 @@
 </file>
 
 <file path=ppt/slideLayouts/slideLayout10.xml><?xml version="1.0" encoding="utf-8"?>
+<p:sldLayout xmlns:a="http://schemas.openxmlformats.org/drawingml/2006/main" xmlns:r="http://schemas.openxmlformats.org/officeDocument/2006/relationships" xmlns:p="http://schemas.openxmlformats.org/presentationml/2006/main" preserve="1">
+  <p:cSld name="Panoramic Picture with Caption">
+    <p:spTree>
+      <p:nvGrpSpPr>
+        <p:cNvPr id="1" name=""/>
+        <p:cNvGrpSpPr/>
+        <p:nvPr/>
+      </p:nvGrpSpPr>
+      <p:grpSpPr>
+        <a:xfrm>
+          <a:off x="0" y="0"/>
+          <a:ext cx="0" cy="0"/>
+          <a:chOff x="0" y="0"/>
+          <a:chExt cx="0" cy="0"/>
+        </a:xfrm>
+      </p:grpSpPr>
+      <p:sp>
+        <p:nvSpPr>
+          <p:cNvPr id="2" name="Title 1"/>
+          <p:cNvSpPr>
+            <a:spLocks noGrp="1"/>
+          </p:cNvSpPr>
+          <p:nvPr>
+            <p:ph type="title"/>
+          </p:nvPr>
+        </p:nvSpPr>
+        <p:spPr/>
+        <p:txBody>
+          <a:bodyPr/>
+          <a:lstStyle/>
+          <a:p>
+            <a:r>
+              <a:rPr lang="en-US"/>
+              <a:t>Click to edit Master title style</a:t>
+            </a:r>
+            <a:endParaRPr lang="en-US" dirty="0"/>
+          </a:p>
+        </p:txBody>
+      </p:sp>
+      <p:sp>
+        <p:nvSpPr>
+          <p:cNvPr id="17" name="Picture Placeholder 2"/>
+          <p:cNvSpPr>
+            <a:spLocks noGrp="1" noChangeAspect="1"/>
+          </p:cNvSpPr>
+          <p:nvPr>
+            <p:ph type="pic" idx="13"/>
+          </p:nvPr>
+        </p:nvSpPr>
+        <p:spPr>
+          <a:xfrm>
+            <a:off x="685800" y="533400"/>
+            <a:ext cx="10818812" cy="3124200"/>
+          </a:xfrm>
+          <a:prstGeom prst="snip2DiagRect">
+            <a:avLst>
+              <a:gd name="adj1" fmla="val 10815"/>
+              <a:gd name="adj2" fmla="val 0"/>
+            </a:avLst>
+          </a:prstGeom>
+          <a:ln w="15875">
+            <a:solidFill>
+              <a:schemeClr val="tx1">
+                <a:alpha val="40000"/>
+              </a:schemeClr>
+            </a:solidFill>
+          </a:ln>
+          <a:effectLst>
+            <a:innerShdw blurRad="57150" dist="38100" dir="14460000">
+              <a:srgbClr val="000000">
+                <a:alpha val="70000"/>
+              </a:srgbClr>
+            </a:innerShdw>
+          </a:effectLst>
+        </p:spPr>
+        <p:txBody>
+          <a:bodyPr anchor="t">
+            <a:normAutofit/>
+          </a:bodyPr>
+          <a:lstStyle>
+            <a:lvl1pPr marL="0" indent="0" algn="ctr">
+              <a:buNone/>
+              <a:defRPr sz="1600"/>
+            </a:lvl1pPr>
+            <a:lvl2pPr marL="457200" indent="0">
+              <a:buNone/>
+              <a:defRPr sz="1600"/>
+            </a:lvl2pPr>
+            <a:lvl3pPr marL="914400" indent="0">
+              <a:buNone/>
+              <a:defRPr sz="1600"/>
+            </a:lvl3pPr>
+            <a:lvl4pPr marL="1371600" indent="0">
+              <a:buNone/>
+              <a:defRPr sz="1600"/>
+            </a:lvl4pPr>
+            <a:lvl5pPr marL="1828800" indent="0">
+              <a:buNone/>
+              <a:defRPr sz="1600"/>
+            </a:lvl5pPr>
+            <a:lvl6pPr marL="2286000" indent="0">
+              <a:buNone/>
+              <a:defRPr sz="1600"/>
+            </a:lvl6pPr>
+            <a:lvl7pPr marL="2743200" indent="0">
+              <a:buNone/>
+              <a:defRPr sz="1600"/>
+            </a:lvl7pPr>
+            <a:lvl8pPr marL="3200400" indent="0">
+              <a:buNone/>
+              <a:defRPr sz="1600"/>
+            </a:lvl8pPr>
+            <a:lvl9pPr marL="3657600" indent="0">
+              <a:buNone/>
+              <a:defRPr sz="1600"/>
+            </a:lvl9pPr>
+          </a:lstStyle>
+          <a:p>
+            <a:r>
+              <a:rPr lang="en-US"/>
+              <a:t>Click icon to add picture</a:t>
+            </a:r>
+            <a:endParaRPr lang="en-US" dirty="0"/>
+          </a:p>
+        </p:txBody>
+      </p:sp>
+      <p:sp>
+        <p:nvSpPr>
+          <p:cNvPr id="16" name="Text Placeholder 9"/>
+          <p:cNvSpPr>
+            <a:spLocks noGrp="1"/>
+          </p:cNvSpPr>
+          <p:nvPr>
+            <p:ph type="body" sz="quarter" idx="14"/>
+          </p:nvPr>
+        </p:nvSpPr>
+        <p:spPr>
+          <a:xfrm>
+            <a:off x="914402" y="3843867"/>
+            <a:ext cx="8304210" cy="457200"/>
+          </a:xfrm>
+        </p:spPr>
+        <p:txBody>
+          <a:bodyPr anchor="t">
+            <a:normAutofit/>
+          </a:bodyPr>
+          <a:lstStyle>
+            <a:lvl1pPr marL="0" indent="0">
+              <a:buFontTx/>
+              <a:buNone/>
+              <a:defRPr sz="1600"/>
+            </a:lvl1pPr>
+            <a:lvl2pPr marL="457200" indent="0">
+              <a:buFontTx/>
+              <a:buNone/>
+              <a:defRPr/>
+            </a:lvl2pPr>
+            <a:lvl3pPr marL="914400" indent="0">
+              <a:buFontTx/>
+              <a:buNone/>
+              <a:defRPr/>
+            </a:lvl3pPr>
+            <a:lvl4pPr marL="1371600" indent="0">
+              <a:buFontTx/>
+              <a:buNone/>
+              <a:defRPr/>
+            </a:lvl4pPr>
+            <a:lvl5pPr marL="1828800" indent="0">
+              <a:buFontTx/>
+              <a:buNone/>
+              <a:defRPr/>
+            </a:lvl5pPr>
+          </a:lstStyle>
+          <a:p>
+            <a:pPr lvl="0"/>
+            <a:r>
+              <a:rPr lang="en-US"/>
+              <a:t>Edit Master text styles</a:t>
+            </a:r>
+          </a:p>
+        </p:txBody>
+      </p:sp>
+      <p:sp>
+        <p:nvSpPr>
+          <p:cNvPr id="3" name="Date Placeholder 2"/>
+          <p:cNvSpPr>
+            <a:spLocks noGrp="1"/>
+          </p:cNvSpPr>
+          <p:nvPr>
+            <p:ph type="dt" sz="half" idx="10"/>
+          </p:nvPr>
+        </p:nvSpPr>
+        <p:spPr/>
+        <p:txBody>
+          <a:bodyPr/>
+          <a:lstStyle/>
+          <a:p>
+            <a:fld id="{597F59F5-6EDF-45CD-943B-829C40AA6758}" type="datetimeFigureOut">
+              <a:rPr lang="en-US" smtClean="0"/>
+              <a:t>3/16/2022</a:t>
+            </a:fld>
+            <a:endParaRPr lang="en-US"/>
+          </a:p>
+        </p:txBody>
+      </p:sp>
+      <p:sp>
+        <p:nvSpPr>
+          <p:cNvPr id="4" name="Footer Placeholder 3"/>
+          <p:cNvSpPr>
+            <a:spLocks noGrp="1"/>
+          </p:cNvSpPr>
+          <p:nvPr>
+            <p:ph type="ftr" sz="quarter" idx="11"/>
+          </p:nvPr>
+        </p:nvSpPr>
+        <p:spPr/>
+        <p:txBody>
+          <a:bodyPr/>
+          <a:lstStyle/>
+          <a:p>
+            <a:endParaRPr lang="en-US"/>
+          </a:p>
+        </p:txBody>
+      </p:sp>
+      <p:sp>
+        <p:nvSpPr>
+          <p:cNvPr id="5" name="Slide Number Placeholder 4"/>
+          <p:cNvSpPr>
+            <a:spLocks noGrp="1"/>
+          </p:cNvSpPr>
+          <p:nvPr>
+            <p:ph type="sldNum" sz="quarter" idx="12"/>
+          </p:nvPr>
+        </p:nvSpPr>
+        <p:spPr/>
+        <p:txBody>
+          <a:bodyPr/>
+          <a:lstStyle/>
+          <a:p>
+            <a:fld id="{9EA2DD1F-6B4A-489E-8EAA-AE675F17C5C9}" type="slidenum">
+              <a:rPr lang="en-US" smtClean="0"/>
+              <a:t>‹#›</a:t>
+            </a:fld>
+            <a:endParaRPr lang="en-US"/>
+          </a:p>
+        </p:txBody>
+      </p:sp>
+    </p:spTree>
+    <p:extLst>
+      <p:ext uri="{BB962C8B-B14F-4D97-AF65-F5344CB8AC3E}">
+        <p14:creationId xmlns:p14="http://schemas.microsoft.com/office/powerpoint/2010/main" val="1636323365"/>
+      </p:ext>
+    </p:extLst>
+  </p:cSld>
+  <p:clrMapOvr>
+    <a:masterClrMapping/>
+  </p:clrMapOvr>
+</p:sldLayout>
+</file>
+
+<file path=ppt/slideLayouts/slideLayout11.xml><?xml version="1.0" encoding="utf-8"?>
+<p:sldLayout xmlns:a="http://schemas.openxmlformats.org/drawingml/2006/main" xmlns:r="http://schemas.openxmlformats.org/officeDocument/2006/relationships" xmlns:p="http://schemas.openxmlformats.org/presentationml/2006/main" preserve="1">
+  <p:cSld name="Title and Caption">
+    <p:spTree>
+      <p:nvGrpSpPr>
+        <p:cNvPr id="1" name=""/>
+        <p:cNvGrpSpPr/>
+        <p:nvPr/>
+      </p:nvGrpSpPr>
+      <p:grpSpPr>
+        <a:xfrm>
+          <a:off x="0" y="0"/>
+          <a:ext cx="0" cy="0"/>
+          <a:chOff x="0" y="0"/>
+          <a:chExt cx="0" cy="0"/>
+        </a:xfrm>
+      </p:grpSpPr>
+      <p:sp>
+        <p:nvSpPr>
+          <p:cNvPr id="2" name="Title 1"/>
+          <p:cNvSpPr>
+            <a:spLocks noGrp="1"/>
+          </p:cNvSpPr>
+          <p:nvPr>
+            <p:ph type="title"/>
+          </p:nvPr>
+        </p:nvSpPr>
+        <p:spPr>
+          <a:xfrm>
+            <a:off x="684213" y="685800"/>
+            <a:ext cx="10058400" cy="2743200"/>
+          </a:xfrm>
+        </p:spPr>
+        <p:txBody>
+          <a:bodyPr anchor="ctr">
+            <a:normAutofit/>
+          </a:bodyPr>
+          <a:lstStyle>
+            <a:lvl1pPr algn="l">
+              <a:defRPr sz="3200" b="0" cap="all"/>
+            </a:lvl1pPr>
+          </a:lstStyle>
+          <a:p>
+            <a:r>
+              <a:rPr lang="en-US"/>
+              <a:t>Click to edit Master title style</a:t>
+            </a:r>
+            <a:endParaRPr lang="en-US" dirty="0"/>
+          </a:p>
+        </p:txBody>
+      </p:sp>
+      <p:sp>
+        <p:nvSpPr>
+          <p:cNvPr id="3" name="Text Placeholder 2"/>
+          <p:cNvSpPr>
+            <a:spLocks noGrp="1"/>
+          </p:cNvSpPr>
+          <p:nvPr>
+            <p:ph type="body" idx="1"/>
+          </p:nvPr>
+        </p:nvSpPr>
+        <p:spPr>
+          <a:xfrm>
+            <a:off x="684212" y="4114800"/>
+            <a:ext cx="8535988" cy="1879600"/>
+          </a:xfrm>
+        </p:spPr>
+        <p:txBody>
+          <a:bodyPr anchor="ctr">
+            <a:normAutofit/>
+          </a:bodyPr>
+          <a:lstStyle>
+            <a:lvl1pPr marL="0" indent="0" algn="l">
+              <a:buNone/>
+              <a:defRPr sz="2000">
+                <a:solidFill>
+                  <a:schemeClr val="bg2">
+                    <a:lumMod val="75000"/>
+                  </a:schemeClr>
+                </a:solidFill>
+              </a:defRPr>
+            </a:lvl1pPr>
+            <a:lvl2pPr marL="457200" indent="0">
+              <a:buNone/>
+              <a:defRPr sz="1800">
+                <a:solidFill>
+                  <a:schemeClr val="tx1">
+                    <a:tint val="75000"/>
+                  </a:schemeClr>
+                </a:solidFill>
+              </a:defRPr>
+            </a:lvl2pPr>
+            <a:lvl3pPr marL="914400" indent="0">
+              <a:buNone/>
+              <a:defRPr sz="1600">
+                <a:solidFill>
+                  <a:schemeClr val="tx1">
+                    <a:tint val="75000"/>
+                  </a:schemeClr>
+                </a:solidFill>
+              </a:defRPr>
+            </a:lvl3pPr>
+            <a:lvl4pPr marL="1371600" indent="0">
+              <a:buNone/>
+              <a:defRPr sz="1400">
+                <a:solidFill>
+                  <a:schemeClr val="tx1">
+                    <a:tint val="75000"/>
+                  </a:schemeClr>
+                </a:solidFill>
+              </a:defRPr>
+            </a:lvl4pPr>
+            <a:lvl5pPr marL="1828800" indent="0">
+              <a:buNone/>
+              <a:defRPr sz="1400">
+                <a:solidFill>
+                  <a:schemeClr val="tx1">
+                    <a:tint val="75000"/>
+                  </a:schemeClr>
+                </a:solidFill>
+              </a:defRPr>
+            </a:lvl5pPr>
+            <a:lvl6pPr marL="2286000" indent="0">
+              <a:buNone/>
+              <a:defRPr sz="1400">
+                <a:solidFill>
+                  <a:schemeClr val="tx1">
+                    <a:tint val="75000"/>
+                  </a:schemeClr>
+                </a:solidFill>
+              </a:defRPr>
+            </a:lvl6pPr>
+            <a:lvl7pPr marL="2743200" indent="0">
+              <a:buNone/>
+              <a:defRPr sz="1400">
+                <a:solidFill>
+                  <a:schemeClr val="tx1">
+                    <a:tint val="75000"/>
+                  </a:schemeClr>
+                </a:solidFill>
+              </a:defRPr>
+            </a:lvl7pPr>
+            <a:lvl8pPr marL="3200400" indent="0">
+              <a:buNone/>
+              <a:defRPr sz="1400">
+                <a:solidFill>
+                  <a:schemeClr val="tx1">
+                    <a:tint val="75000"/>
+                  </a:schemeClr>
+                </a:solidFill>
+              </a:defRPr>
+            </a:lvl8pPr>
+            <a:lvl9pPr marL="3657600" indent="0">
+              <a:buNone/>
+              <a:defRPr sz="1400">
+                <a:solidFill>
+                  <a:schemeClr val="tx1">
+                    <a:tint val="75000"/>
+                  </a:schemeClr>
+                </a:solidFill>
+              </a:defRPr>
+            </a:lvl9pPr>
+          </a:lstStyle>
+          <a:p>
+            <a:pPr lvl="0"/>
+            <a:r>
+              <a:rPr lang="en-US"/>
+              <a:t>Edit Master text styles</a:t>
+            </a:r>
+          </a:p>
+        </p:txBody>
+      </p:sp>
+      <p:sp>
+        <p:nvSpPr>
+          <p:cNvPr id="4" name="Date Placeholder 3"/>
+          <p:cNvSpPr>
+            <a:spLocks noGrp="1"/>
+          </p:cNvSpPr>
+          <p:nvPr>
+            <p:ph type="dt" sz="half" idx="10"/>
+          </p:nvPr>
+        </p:nvSpPr>
+        <p:spPr/>
+        <p:txBody>
+          <a:bodyPr/>
+          <a:lstStyle/>
+          <a:p>
+            <a:fld id="{597F59F5-6EDF-45CD-943B-829C40AA6758}" type="datetimeFigureOut">
+              <a:rPr lang="en-US" smtClean="0"/>
+              <a:t>3/16/2022</a:t>
+            </a:fld>
+            <a:endParaRPr lang="en-US"/>
+          </a:p>
+        </p:txBody>
+      </p:sp>
+      <p:sp>
+        <p:nvSpPr>
+          <p:cNvPr id="5" name="Footer Placeholder 4"/>
+          <p:cNvSpPr>
+            <a:spLocks noGrp="1"/>
+          </p:cNvSpPr>
+          <p:nvPr>
+            <p:ph type="ftr" sz="quarter" idx="11"/>
+          </p:nvPr>
+        </p:nvSpPr>
+        <p:spPr/>
+        <p:txBody>
+          <a:bodyPr/>
+          <a:lstStyle/>
+          <a:p>
+            <a:endParaRPr lang="en-US"/>
+          </a:p>
+        </p:txBody>
+      </p:sp>
+      <p:sp>
+        <p:nvSpPr>
+          <p:cNvPr id="6" name="Slide Number Placeholder 5"/>
+          <p:cNvSpPr>
+            <a:spLocks noGrp="1"/>
+          </p:cNvSpPr>
+          <p:nvPr>
+            <p:ph type="sldNum" sz="quarter" idx="12"/>
+          </p:nvPr>
+        </p:nvSpPr>
+        <p:spPr/>
+        <p:txBody>
+          <a:bodyPr/>
+          <a:lstStyle/>
+          <a:p>
+            <a:fld id="{9EA2DD1F-6B4A-489E-8EAA-AE675F17C5C9}" type="slidenum">
+              <a:rPr lang="en-US" smtClean="0"/>
+              <a:t>‹#›</a:t>
+            </a:fld>
+            <a:endParaRPr lang="en-US"/>
+          </a:p>
+        </p:txBody>
+      </p:sp>
+    </p:spTree>
+    <p:extLst>
+      <p:ext uri="{BB962C8B-B14F-4D97-AF65-F5344CB8AC3E}">
+        <p14:creationId xmlns:p14="http://schemas.microsoft.com/office/powerpoint/2010/main" val="2397931950"/>
+      </p:ext>
+    </p:extLst>
+  </p:cSld>
+  <p:clrMapOvr>
+    <a:masterClrMapping/>
+  </p:clrMapOvr>
+</p:sldLayout>
+</file>
+
+<file path=ppt/slideLayouts/slideLayout12.xml><?xml version="1.0" encoding="utf-8"?>
+<p:sldLayout xmlns:a="http://schemas.openxmlformats.org/drawingml/2006/main" xmlns:r="http://schemas.openxmlformats.org/officeDocument/2006/relationships" xmlns:p="http://schemas.openxmlformats.org/presentationml/2006/main" preserve="1">
+  <p:cSld name="Quote with Caption">
+    <p:spTree>
+      <p:nvGrpSpPr>
+        <p:cNvPr id="1" name=""/>
+        <p:cNvGrpSpPr/>
+        <p:nvPr/>
+      </p:nvGrpSpPr>
+      <p:grpSpPr>
+        <a:xfrm>
+          <a:off x="0" y="0"/>
+          <a:ext cx="0" cy="0"/>
+          <a:chOff x="0" y="0"/>
+          <a:chExt cx="0" cy="0"/>
+        </a:xfrm>
+      </p:grpSpPr>
+      <p:sp>
+        <p:nvSpPr>
+          <p:cNvPr id="2" name="Title 1"/>
+          <p:cNvSpPr>
+            <a:spLocks noGrp="1"/>
+          </p:cNvSpPr>
+          <p:nvPr>
+            <p:ph type="title"/>
+          </p:nvPr>
+        </p:nvSpPr>
+        <p:spPr>
+          <a:xfrm>
+            <a:off x="1141411" y="685800"/>
+            <a:ext cx="9144001" cy="2743200"/>
+          </a:xfrm>
+        </p:spPr>
+        <p:txBody>
+          <a:bodyPr anchor="ctr">
+            <a:normAutofit/>
+          </a:bodyPr>
+          <a:lstStyle>
+            <a:lvl1pPr algn="l">
+              <a:defRPr sz="3200" b="0" cap="all">
+                <a:solidFill>
+                  <a:schemeClr val="tx1"/>
+                </a:solidFill>
+              </a:defRPr>
+            </a:lvl1pPr>
+          </a:lstStyle>
+          <a:p>
+            <a:r>
+              <a:rPr lang="en-US"/>
+              <a:t>Click to edit Master title style</a:t>
+            </a:r>
+            <a:endParaRPr lang="en-US" dirty="0"/>
+          </a:p>
+        </p:txBody>
+      </p:sp>
+      <p:sp>
+        <p:nvSpPr>
+          <p:cNvPr id="10" name="Text Placeholder 9"/>
+          <p:cNvSpPr>
+            <a:spLocks noGrp="1"/>
+          </p:cNvSpPr>
+          <p:nvPr>
+            <p:ph type="body" sz="quarter" idx="13"/>
+          </p:nvPr>
+        </p:nvSpPr>
+        <p:spPr>
+          <a:xfrm>
+            <a:off x="1446212" y="3429000"/>
+            <a:ext cx="8534400" cy="381000"/>
+          </a:xfrm>
+        </p:spPr>
+        <p:txBody>
+          <a:bodyPr anchor="ctr"/>
+          <a:lstStyle>
+            <a:lvl1pPr marL="0" indent="0">
+              <a:buFontTx/>
+              <a:buNone/>
+              <a:defRPr/>
+            </a:lvl1pPr>
+            <a:lvl2pPr marL="457200" indent="0">
+              <a:buFontTx/>
+              <a:buNone/>
+              <a:defRPr/>
+            </a:lvl2pPr>
+            <a:lvl3pPr marL="914400" indent="0">
+              <a:buFontTx/>
+              <a:buNone/>
+              <a:defRPr/>
+            </a:lvl3pPr>
+            <a:lvl4pPr marL="1371600" indent="0">
+              <a:buFontTx/>
+              <a:buNone/>
+              <a:defRPr/>
+            </a:lvl4pPr>
+            <a:lvl5pPr marL="1828800" indent="0">
+              <a:buFontTx/>
+              <a:buNone/>
+              <a:defRPr/>
+            </a:lvl5pPr>
+          </a:lstStyle>
+          <a:p>
+            <a:pPr lvl="0"/>
+            <a:r>
+              <a:rPr lang="en-US"/>
+              <a:t>Edit Master text styles</a:t>
+            </a:r>
+          </a:p>
+        </p:txBody>
+      </p:sp>
+      <p:sp>
+        <p:nvSpPr>
+          <p:cNvPr id="3" name="Text Placeholder 2"/>
+          <p:cNvSpPr>
+            <a:spLocks noGrp="1"/>
+          </p:cNvSpPr>
+          <p:nvPr>
+            <p:ph type="body" idx="1"/>
+          </p:nvPr>
+        </p:nvSpPr>
+        <p:spPr>
+          <a:xfrm>
+            <a:off x="684213" y="4301067"/>
+            <a:ext cx="8534400" cy="1684865"/>
+          </a:xfrm>
+        </p:spPr>
+        <p:txBody>
+          <a:bodyPr anchor="ctr">
+            <a:normAutofit/>
+          </a:bodyPr>
+          <a:lstStyle>
+            <a:lvl1pPr marL="0" indent="0" algn="l">
+              <a:buNone/>
+              <a:defRPr sz="2000">
+                <a:solidFill>
+                  <a:schemeClr val="bg2">
+                    <a:lumMod val="75000"/>
+                  </a:schemeClr>
+                </a:solidFill>
+              </a:defRPr>
+            </a:lvl1pPr>
+            <a:lvl2pPr marL="457200" indent="0">
+              <a:buNone/>
+              <a:defRPr sz="1800">
+                <a:solidFill>
+                  <a:schemeClr val="tx1">
+                    <a:tint val="75000"/>
+                  </a:schemeClr>
+                </a:solidFill>
+              </a:defRPr>
+            </a:lvl2pPr>
+            <a:lvl3pPr marL="914400" indent="0">
+              <a:buNone/>
+              <a:defRPr sz="1600">
+                <a:solidFill>
+                  <a:schemeClr val="tx1">
+                    <a:tint val="75000"/>
+                  </a:schemeClr>
+                </a:solidFill>
+              </a:defRPr>
+            </a:lvl3pPr>
+            <a:lvl4pPr marL="1371600" indent="0">
+              <a:buNone/>
+              <a:defRPr sz="1400">
+                <a:solidFill>
+                  <a:schemeClr val="tx1">
+                    <a:tint val="75000"/>
+                  </a:schemeClr>
+                </a:solidFill>
+              </a:defRPr>
+            </a:lvl4pPr>
+            <a:lvl5pPr marL="1828800" indent="0">
+              <a:buNone/>
+              <a:defRPr sz="1400">
+                <a:solidFill>
+                  <a:schemeClr val="tx1">
+                    <a:tint val="75000"/>
+                  </a:schemeClr>
+                </a:solidFill>
+              </a:defRPr>
+            </a:lvl5pPr>
+            <a:lvl6pPr marL="2286000" indent="0">
+              <a:buNone/>
+              <a:defRPr sz="1400">
+                <a:solidFill>
+                  <a:schemeClr val="tx1">
+                    <a:tint val="75000"/>
+                  </a:schemeClr>
+                </a:solidFill>
+              </a:defRPr>
+            </a:lvl6pPr>
+            <a:lvl7pPr marL="2743200" indent="0">
+              <a:buNone/>
+              <a:defRPr sz="1400">
+                <a:solidFill>
+                  <a:schemeClr val="tx1">
+                    <a:tint val="75000"/>
+                  </a:schemeClr>
+                </a:solidFill>
+              </a:defRPr>
+            </a:lvl7pPr>
+            <a:lvl8pPr marL="3200400" indent="0">
+              <a:buNone/>
+              <a:defRPr sz="1400">
+                <a:solidFill>
+                  <a:schemeClr val="tx1">
+                    <a:tint val="75000"/>
+                  </a:schemeClr>
+                </a:solidFill>
+              </a:defRPr>
+            </a:lvl8pPr>
+            <a:lvl9pPr marL="3657600" indent="0">
+              <a:buNone/>
+              <a:defRPr sz="1400">
+                <a:solidFill>
+                  <a:schemeClr val="tx1">
+                    <a:tint val="75000"/>
+                  </a:schemeClr>
+                </a:solidFill>
+              </a:defRPr>
+            </a:lvl9pPr>
+          </a:lstStyle>
+          <a:p>
+            <a:pPr lvl="0"/>
+            <a:r>
+              <a:rPr lang="en-US"/>
+              <a:t>Edit Master text styles</a:t>
+            </a:r>
+          </a:p>
+        </p:txBody>
+      </p:sp>
+      <p:sp>
+        <p:nvSpPr>
+          <p:cNvPr id="4" name="Date Placeholder 3"/>
+          <p:cNvSpPr>
+            <a:spLocks noGrp="1"/>
+          </p:cNvSpPr>
+          <p:nvPr>
+            <p:ph type="dt" sz="half" idx="10"/>
+          </p:nvPr>
+        </p:nvSpPr>
+        <p:spPr/>
+        <p:txBody>
+          <a:bodyPr/>
+          <a:lstStyle/>
+          <a:p>
+            <a:fld id="{597F59F5-6EDF-45CD-943B-829C40AA6758}" type="datetimeFigureOut">
+              <a:rPr lang="en-US" smtClean="0"/>
+              <a:t>3/16/2022</a:t>
+            </a:fld>
+            <a:endParaRPr lang="en-US"/>
+          </a:p>
+        </p:txBody>
+      </p:sp>
+      <p:sp>
+        <p:nvSpPr>
+          <p:cNvPr id="5" name="Footer Placeholder 4"/>
+          <p:cNvSpPr>
+            <a:spLocks noGrp="1"/>
+          </p:cNvSpPr>
+          <p:nvPr>
+            <p:ph type="ftr" sz="quarter" idx="11"/>
+          </p:nvPr>
+        </p:nvSpPr>
+        <p:spPr/>
+        <p:txBody>
+          <a:bodyPr/>
+          <a:lstStyle/>
+          <a:p>
+            <a:endParaRPr lang="en-US"/>
+          </a:p>
+        </p:txBody>
+      </p:sp>
+      <p:sp>
+        <p:nvSpPr>
+          <p:cNvPr id="6" name="Slide Number Placeholder 5"/>
+          <p:cNvSpPr>
+            <a:spLocks noGrp="1"/>
+          </p:cNvSpPr>
+          <p:nvPr>
+            <p:ph type="sldNum" sz="quarter" idx="12"/>
+          </p:nvPr>
+        </p:nvSpPr>
+        <p:spPr/>
+        <p:txBody>
+          <a:bodyPr/>
+          <a:lstStyle/>
+          <a:p>
+            <a:fld id="{9EA2DD1F-6B4A-489E-8EAA-AE675F17C5C9}" type="slidenum">
+              <a:rPr lang="en-US" smtClean="0"/>
+              <a:t>‹#›</a:t>
+            </a:fld>
+            <a:endParaRPr lang="en-US"/>
+          </a:p>
+        </p:txBody>
+      </p:sp>
+      <p:sp>
+        <p:nvSpPr>
+          <p:cNvPr id="14" name="TextBox 13"/>
+          <p:cNvSpPr txBox="1"/>
+          <p:nvPr/>
+        </p:nvSpPr>
+        <p:spPr>
+          <a:xfrm>
+            <a:off x="531812" y="812222"/>
+            <a:ext cx="609600" cy="584776"/>
+          </a:xfrm>
+          <a:prstGeom prst="rect">
+            <a:avLst/>
+          </a:prstGeom>
+        </p:spPr>
+        <p:txBody>
+          <a:bodyPr vert="horz" lIns="91440" tIns="45720" rIns="91440" bIns="45720" rtlCol="0" anchor="ctr">
+            <a:noAutofit/>
+          </a:bodyPr>
+          <a:lstStyle/>
+          <a:p>
+            <a:pPr lvl="0"/>
+            <a:r>
+              <a:rPr lang="en-US" sz="8000" dirty="0">
+                <a:solidFill>
+                  <a:schemeClr val="tx1"/>
+                </a:solidFill>
+                <a:effectLst/>
+              </a:rPr>
+              <a:t>“</a:t>
+            </a:r>
+          </a:p>
+        </p:txBody>
+      </p:sp>
+      <p:sp>
+        <p:nvSpPr>
+          <p:cNvPr id="15" name="TextBox 14"/>
+          <p:cNvSpPr txBox="1"/>
+          <p:nvPr/>
+        </p:nvSpPr>
+        <p:spPr>
+          <a:xfrm>
+            <a:off x="10285412" y="2768601"/>
+            <a:ext cx="609600" cy="584776"/>
+          </a:xfrm>
+          <a:prstGeom prst="rect">
+            <a:avLst/>
+          </a:prstGeom>
+        </p:spPr>
+        <p:txBody>
+          <a:bodyPr vert="horz" lIns="91440" tIns="45720" rIns="91440" bIns="45720" rtlCol="0" anchor="ctr">
+            <a:noAutofit/>
+          </a:bodyPr>
+          <a:lstStyle/>
+          <a:p>
+            <a:pPr lvl="0" algn="r"/>
+            <a:r>
+              <a:rPr lang="en-US" sz="8000" dirty="0">
+                <a:solidFill>
+                  <a:schemeClr val="tx1"/>
+                </a:solidFill>
+                <a:effectLst/>
+              </a:rPr>
+              <a:t>”</a:t>
+            </a:r>
+          </a:p>
+        </p:txBody>
+      </p:sp>
+    </p:spTree>
+    <p:extLst>
+      <p:ext uri="{BB962C8B-B14F-4D97-AF65-F5344CB8AC3E}">
+        <p14:creationId xmlns:p14="http://schemas.microsoft.com/office/powerpoint/2010/main" val="1444545747"/>
+      </p:ext>
+    </p:extLst>
+  </p:cSld>
+  <p:clrMapOvr>
+    <a:masterClrMapping/>
+  </p:clrMapOvr>
+</p:sldLayout>
+</file>
+
+<file path=ppt/slideLayouts/slideLayout13.xml><?xml version="1.0" encoding="utf-8"?>
+<p:sldLayout xmlns:a="http://schemas.openxmlformats.org/drawingml/2006/main" xmlns:r="http://schemas.openxmlformats.org/officeDocument/2006/relationships" xmlns:p="http://schemas.openxmlformats.org/presentationml/2006/main" preserve="1">
+  <p:cSld name="Name Card">
+    <p:spTree>
+      <p:nvGrpSpPr>
+        <p:cNvPr id="1" name=""/>
+        <p:cNvGrpSpPr/>
+        <p:nvPr/>
+      </p:nvGrpSpPr>
+      <p:grpSpPr>
+        <a:xfrm>
+          <a:off x="0" y="0"/>
+          <a:ext cx="0" cy="0"/>
+          <a:chOff x="0" y="0"/>
+          <a:chExt cx="0" cy="0"/>
+        </a:xfrm>
+      </p:grpSpPr>
+      <p:sp>
+        <p:nvSpPr>
+          <p:cNvPr id="2" name="Title 1"/>
+          <p:cNvSpPr>
+            <a:spLocks noGrp="1"/>
+          </p:cNvSpPr>
+          <p:nvPr>
+            <p:ph type="title"/>
+          </p:nvPr>
+        </p:nvSpPr>
+        <p:spPr>
+          <a:xfrm>
+            <a:off x="684212" y="3429000"/>
+            <a:ext cx="8534400" cy="1697400"/>
+          </a:xfrm>
+        </p:spPr>
+        <p:txBody>
+          <a:bodyPr anchor="b">
+            <a:normAutofit/>
+          </a:bodyPr>
+          <a:lstStyle>
+            <a:lvl1pPr algn="l">
+              <a:defRPr sz="3200" b="0" cap="all"/>
+            </a:lvl1pPr>
+          </a:lstStyle>
+          <a:p>
+            <a:r>
+              <a:rPr lang="en-US"/>
+              <a:t>Click to edit Master title style</a:t>
+            </a:r>
+            <a:endParaRPr lang="en-US" dirty="0"/>
+          </a:p>
+        </p:txBody>
+      </p:sp>
+      <p:sp>
+        <p:nvSpPr>
+          <p:cNvPr id="3" name="Text Placeholder 2"/>
+          <p:cNvSpPr>
+            <a:spLocks noGrp="1"/>
+          </p:cNvSpPr>
+          <p:nvPr>
+            <p:ph type="body" idx="1"/>
+          </p:nvPr>
+        </p:nvSpPr>
+        <p:spPr>
+          <a:xfrm>
+            <a:off x="684211" y="5132981"/>
+            <a:ext cx="8535990" cy="860400"/>
+          </a:xfrm>
+        </p:spPr>
+        <p:txBody>
+          <a:bodyPr anchor="t">
+            <a:normAutofit/>
+          </a:bodyPr>
+          <a:lstStyle>
+            <a:lvl1pPr marL="0" indent="0" algn="l">
+              <a:buNone/>
+              <a:defRPr sz="2000">
+                <a:solidFill>
+                  <a:schemeClr val="bg2">
+                    <a:lumMod val="75000"/>
+                  </a:schemeClr>
+                </a:solidFill>
+              </a:defRPr>
+            </a:lvl1pPr>
+            <a:lvl2pPr marL="457200" indent="0">
+              <a:buNone/>
+              <a:defRPr sz="1800">
+                <a:solidFill>
+                  <a:schemeClr val="tx1">
+                    <a:tint val="75000"/>
+                  </a:schemeClr>
+                </a:solidFill>
+              </a:defRPr>
+            </a:lvl2pPr>
+            <a:lvl3pPr marL="914400" indent="0">
+              <a:buNone/>
+              <a:defRPr sz="1600">
+                <a:solidFill>
+                  <a:schemeClr val="tx1">
+                    <a:tint val="75000"/>
+                  </a:schemeClr>
+                </a:solidFill>
+              </a:defRPr>
+            </a:lvl3pPr>
+            <a:lvl4pPr marL="1371600" indent="0">
+              <a:buNone/>
+              <a:defRPr sz="1400">
+                <a:solidFill>
+                  <a:schemeClr val="tx1">
+                    <a:tint val="75000"/>
+                  </a:schemeClr>
+                </a:solidFill>
+              </a:defRPr>
+            </a:lvl4pPr>
+            <a:lvl5pPr marL="1828800" indent="0">
+              <a:buNone/>
+              <a:defRPr sz="1400">
+                <a:solidFill>
+                  <a:schemeClr val="tx1">
+                    <a:tint val="75000"/>
+                  </a:schemeClr>
+                </a:solidFill>
+              </a:defRPr>
+            </a:lvl5pPr>
+            <a:lvl6pPr marL="2286000" indent="0">
+              <a:buNone/>
+              <a:defRPr sz="1400">
+                <a:solidFill>
+                  <a:schemeClr val="tx1">
+                    <a:tint val="75000"/>
+                  </a:schemeClr>
+                </a:solidFill>
+              </a:defRPr>
+            </a:lvl6pPr>
+            <a:lvl7pPr marL="2743200" indent="0">
+              <a:buNone/>
+              <a:defRPr sz="1400">
+                <a:solidFill>
+                  <a:schemeClr val="tx1">
+                    <a:tint val="75000"/>
+                  </a:schemeClr>
+                </a:solidFill>
+              </a:defRPr>
+            </a:lvl7pPr>
+            <a:lvl8pPr marL="3200400" indent="0">
+              <a:buNone/>
+              <a:defRPr sz="1400">
+                <a:solidFill>
+                  <a:schemeClr val="tx1">
+                    <a:tint val="75000"/>
+                  </a:schemeClr>
+                </a:solidFill>
+              </a:defRPr>
+            </a:lvl8pPr>
+            <a:lvl9pPr marL="3657600" indent="0">
+              <a:buNone/>
+              <a:defRPr sz="1400">
+                <a:solidFill>
+                  <a:schemeClr val="tx1">
+                    <a:tint val="75000"/>
+                  </a:schemeClr>
+                </a:solidFill>
+              </a:defRPr>
+            </a:lvl9pPr>
+          </a:lstStyle>
+          <a:p>
+            <a:pPr lvl="0"/>
+            <a:r>
+              <a:rPr lang="en-US"/>
+              <a:t>Edit Master text styles</a:t>
+            </a:r>
+          </a:p>
+        </p:txBody>
+      </p:sp>
+      <p:sp>
+        <p:nvSpPr>
+          <p:cNvPr id="4" name="Date Placeholder 3"/>
+          <p:cNvSpPr>
+            <a:spLocks noGrp="1"/>
+          </p:cNvSpPr>
+          <p:nvPr>
+            <p:ph type="dt" sz="half" idx="10"/>
+          </p:nvPr>
+        </p:nvSpPr>
+        <p:spPr/>
+        <p:txBody>
+          <a:bodyPr/>
+          <a:lstStyle/>
+          <a:p>
+            <a:fld id="{597F59F5-6EDF-45CD-943B-829C40AA6758}" type="datetimeFigureOut">
+              <a:rPr lang="en-US" smtClean="0"/>
+              <a:t>3/16/2022</a:t>
+            </a:fld>
+            <a:endParaRPr lang="en-US"/>
+          </a:p>
+        </p:txBody>
+      </p:sp>
+      <p:sp>
+        <p:nvSpPr>
+          <p:cNvPr id="5" name="Footer Placeholder 4"/>
+          <p:cNvSpPr>
+            <a:spLocks noGrp="1"/>
+          </p:cNvSpPr>
+          <p:nvPr>
+            <p:ph type="ftr" sz="quarter" idx="11"/>
+          </p:nvPr>
+        </p:nvSpPr>
+        <p:spPr/>
+        <p:txBody>
+          <a:bodyPr/>
+          <a:lstStyle/>
+          <a:p>
+            <a:endParaRPr lang="en-US"/>
+          </a:p>
+        </p:txBody>
+      </p:sp>
+      <p:sp>
+        <p:nvSpPr>
+          <p:cNvPr id="6" name="Slide Number Placeholder 5"/>
+          <p:cNvSpPr>
+            <a:spLocks noGrp="1"/>
+          </p:cNvSpPr>
+          <p:nvPr>
+            <p:ph type="sldNum" sz="quarter" idx="12"/>
+          </p:nvPr>
+        </p:nvSpPr>
+        <p:spPr/>
+        <p:txBody>
+          <a:bodyPr/>
+          <a:lstStyle/>
+          <a:p>
+            <a:fld id="{9EA2DD1F-6B4A-489E-8EAA-AE675F17C5C9}" type="slidenum">
+              <a:rPr lang="en-US" smtClean="0"/>
+              <a:t>‹#›</a:t>
+            </a:fld>
+            <a:endParaRPr lang="en-US"/>
+          </a:p>
+        </p:txBody>
+      </p:sp>
+    </p:spTree>
+    <p:extLst>
+      <p:ext uri="{BB962C8B-B14F-4D97-AF65-F5344CB8AC3E}">
+        <p14:creationId xmlns:p14="http://schemas.microsoft.com/office/powerpoint/2010/main" val="602214692"/>
+      </p:ext>
+    </p:extLst>
+  </p:cSld>
+  <p:clrMapOvr>
+    <a:masterClrMapping/>
+  </p:clrMapOvr>
+</p:sldLayout>
+</file>
+
+<file path=ppt/slideLayouts/slideLayout14.xml><?xml version="1.0" encoding="utf-8"?>
+<p:sldLayout xmlns:a="http://schemas.openxmlformats.org/drawingml/2006/main" xmlns:r="http://schemas.openxmlformats.org/officeDocument/2006/relationships" xmlns:p="http://schemas.openxmlformats.org/presentationml/2006/main" preserve="1">
+  <p:cSld name="Quote Name Card">
+    <p:spTree>
+      <p:nvGrpSpPr>
+        <p:cNvPr id="1" name=""/>
+        <p:cNvGrpSpPr/>
+        <p:nvPr/>
+      </p:nvGrpSpPr>
+      <p:grpSpPr>
+        <a:xfrm>
+          <a:off x="0" y="0"/>
+          <a:ext cx="0" cy="0"/>
+          <a:chOff x="0" y="0"/>
+          <a:chExt cx="0" cy="0"/>
+        </a:xfrm>
+      </p:grpSpPr>
+      <p:sp>
+        <p:nvSpPr>
+          <p:cNvPr id="2" name="Title 1"/>
+          <p:cNvSpPr>
+            <a:spLocks noGrp="1"/>
+          </p:cNvSpPr>
+          <p:nvPr>
+            <p:ph type="title"/>
+          </p:nvPr>
+        </p:nvSpPr>
+        <p:spPr>
+          <a:xfrm>
+            <a:off x="1141413" y="685800"/>
+            <a:ext cx="9144000" cy="2743200"/>
+          </a:xfrm>
+        </p:spPr>
+        <p:txBody>
+          <a:bodyPr anchor="ctr">
+            <a:normAutofit/>
+          </a:bodyPr>
+          <a:lstStyle>
+            <a:lvl1pPr algn="l">
+              <a:defRPr sz="3200" b="0" cap="all">
+                <a:solidFill>
+                  <a:schemeClr val="tx1"/>
+                </a:solidFill>
+              </a:defRPr>
+            </a:lvl1pPr>
+          </a:lstStyle>
+          <a:p>
+            <a:r>
+              <a:rPr lang="en-US"/>
+              <a:t>Click to edit Master title style</a:t>
+            </a:r>
+            <a:endParaRPr lang="en-US" dirty="0"/>
+          </a:p>
+        </p:txBody>
+      </p:sp>
+      <p:sp>
+        <p:nvSpPr>
+          <p:cNvPr id="10" name="Text Placeholder 9"/>
+          <p:cNvSpPr>
+            <a:spLocks noGrp="1"/>
+          </p:cNvSpPr>
+          <p:nvPr>
+            <p:ph type="body" sz="quarter" idx="13"/>
+          </p:nvPr>
+        </p:nvSpPr>
+        <p:spPr>
+          <a:xfrm>
+            <a:off x="684212" y="3928534"/>
+            <a:ext cx="8534401" cy="1049866"/>
+          </a:xfrm>
+        </p:spPr>
+        <p:txBody>
+          <a:bodyPr vert="horz" lIns="91440" tIns="45720" rIns="91440" bIns="45720" rtlCol="0" anchor="b">
+            <a:normAutofit/>
+          </a:bodyPr>
+          <a:lstStyle>
+            <a:lvl1pPr>
+              <a:buNone/>
+              <a:defRPr lang="en-US" sz="2400" b="0" cap="all" dirty="0">
+                <a:ln w="3175" cmpd="sng">
+                  <a:noFill/>
+                </a:ln>
+                <a:solidFill>
+                  <a:schemeClr val="tx1"/>
+                </a:solidFill>
+                <a:effectLst/>
+              </a:defRPr>
+            </a:lvl1pPr>
+          </a:lstStyle>
+          <a:p>
+            <a:pPr marL="0" lvl="0">
+              <a:spcBef>
+                <a:spcPct val="0"/>
+              </a:spcBef>
+              <a:buNone/>
+            </a:pPr>
+            <a:r>
+              <a:rPr lang="en-US"/>
+              <a:t>Edit Master text styles</a:t>
+            </a:r>
+          </a:p>
+        </p:txBody>
+      </p:sp>
+      <p:sp>
+        <p:nvSpPr>
+          <p:cNvPr id="3" name="Text Placeholder 2"/>
+          <p:cNvSpPr>
+            <a:spLocks noGrp="1"/>
+          </p:cNvSpPr>
+          <p:nvPr>
+            <p:ph type="body" idx="1"/>
+          </p:nvPr>
+        </p:nvSpPr>
+        <p:spPr>
+          <a:xfrm>
+            <a:off x="684211" y="4978400"/>
+            <a:ext cx="8534401" cy="1016000"/>
+          </a:xfrm>
+        </p:spPr>
+        <p:txBody>
+          <a:bodyPr anchor="t">
+            <a:normAutofit/>
+          </a:bodyPr>
+          <a:lstStyle>
+            <a:lvl1pPr marL="0" indent="0" algn="l">
+              <a:buNone/>
+              <a:defRPr sz="1800">
+                <a:solidFill>
+                  <a:schemeClr val="bg2">
+                    <a:lumMod val="75000"/>
+                  </a:schemeClr>
+                </a:solidFill>
+              </a:defRPr>
+            </a:lvl1pPr>
+            <a:lvl2pPr marL="457200" indent="0">
+              <a:buNone/>
+              <a:defRPr sz="1800">
+                <a:solidFill>
+                  <a:schemeClr val="tx1">
+                    <a:tint val="75000"/>
+                  </a:schemeClr>
+                </a:solidFill>
+              </a:defRPr>
+            </a:lvl2pPr>
+            <a:lvl3pPr marL="914400" indent="0">
+              <a:buNone/>
+              <a:defRPr sz="1600">
+                <a:solidFill>
+                  <a:schemeClr val="tx1">
+                    <a:tint val="75000"/>
+                  </a:schemeClr>
+                </a:solidFill>
+              </a:defRPr>
+            </a:lvl3pPr>
+            <a:lvl4pPr marL="1371600" indent="0">
+              <a:buNone/>
+              <a:defRPr sz="1400">
+                <a:solidFill>
+                  <a:schemeClr val="tx1">
+                    <a:tint val="75000"/>
+                  </a:schemeClr>
+                </a:solidFill>
+              </a:defRPr>
+            </a:lvl4pPr>
+            <a:lvl5pPr marL="1828800" indent="0">
+              <a:buNone/>
+              <a:defRPr sz="1400">
+                <a:solidFill>
+                  <a:schemeClr val="tx1">
+                    <a:tint val="75000"/>
+                  </a:schemeClr>
+                </a:solidFill>
+              </a:defRPr>
+            </a:lvl5pPr>
+            <a:lvl6pPr marL="2286000" indent="0">
+              <a:buNone/>
+              <a:defRPr sz="1400">
+                <a:solidFill>
+                  <a:schemeClr val="tx1">
+                    <a:tint val="75000"/>
+                  </a:schemeClr>
+                </a:solidFill>
+              </a:defRPr>
+            </a:lvl6pPr>
+            <a:lvl7pPr marL="2743200" indent="0">
+              <a:buNone/>
+              <a:defRPr sz="1400">
+                <a:solidFill>
+                  <a:schemeClr val="tx1">
+                    <a:tint val="75000"/>
+                  </a:schemeClr>
+                </a:solidFill>
+              </a:defRPr>
+            </a:lvl7pPr>
+            <a:lvl8pPr marL="3200400" indent="0">
+              <a:buNone/>
+              <a:defRPr sz="1400">
+                <a:solidFill>
+                  <a:schemeClr val="tx1">
+                    <a:tint val="75000"/>
+                  </a:schemeClr>
+                </a:solidFill>
+              </a:defRPr>
+            </a:lvl8pPr>
+            <a:lvl9pPr marL="3657600" indent="0">
+              <a:buNone/>
+              <a:defRPr sz="1400">
+                <a:solidFill>
+                  <a:schemeClr val="tx1">
+                    <a:tint val="75000"/>
+                  </a:schemeClr>
+                </a:solidFill>
+              </a:defRPr>
+            </a:lvl9pPr>
+          </a:lstStyle>
+          <a:p>
+            <a:pPr lvl="0"/>
+            <a:r>
+              <a:rPr lang="en-US"/>
+              <a:t>Edit Master text styles</a:t>
+            </a:r>
+          </a:p>
+        </p:txBody>
+      </p:sp>
+      <p:sp>
+        <p:nvSpPr>
+          <p:cNvPr id="4" name="Date Placeholder 3"/>
+          <p:cNvSpPr>
+            <a:spLocks noGrp="1"/>
+          </p:cNvSpPr>
+          <p:nvPr>
+            <p:ph type="dt" sz="half" idx="10"/>
+          </p:nvPr>
+        </p:nvSpPr>
+        <p:spPr/>
+        <p:txBody>
+          <a:bodyPr/>
+          <a:lstStyle/>
+          <a:p>
+            <a:fld id="{597F59F5-6EDF-45CD-943B-829C40AA6758}" type="datetimeFigureOut">
+              <a:rPr lang="en-US" smtClean="0"/>
+              <a:t>3/16/2022</a:t>
+            </a:fld>
+            <a:endParaRPr lang="en-US"/>
+          </a:p>
+        </p:txBody>
+      </p:sp>
+      <p:sp>
+        <p:nvSpPr>
+          <p:cNvPr id="5" name="Footer Placeholder 4"/>
+          <p:cNvSpPr>
+            <a:spLocks noGrp="1"/>
+          </p:cNvSpPr>
+          <p:nvPr>
+            <p:ph type="ftr" sz="quarter" idx="11"/>
+          </p:nvPr>
+        </p:nvSpPr>
+        <p:spPr/>
+        <p:txBody>
+          <a:bodyPr/>
+          <a:lstStyle/>
+          <a:p>
+            <a:endParaRPr lang="en-US"/>
+          </a:p>
+        </p:txBody>
+      </p:sp>
+      <p:sp>
+        <p:nvSpPr>
+          <p:cNvPr id="6" name="Slide Number Placeholder 5"/>
+          <p:cNvSpPr>
+            <a:spLocks noGrp="1"/>
+          </p:cNvSpPr>
+          <p:nvPr>
+            <p:ph type="sldNum" sz="quarter" idx="12"/>
+          </p:nvPr>
+        </p:nvSpPr>
+        <p:spPr/>
+        <p:txBody>
+          <a:bodyPr/>
+          <a:lstStyle/>
+          <a:p>
+            <a:fld id="{9EA2DD1F-6B4A-489E-8EAA-AE675F17C5C9}" type="slidenum">
+              <a:rPr lang="en-US" smtClean="0"/>
+              <a:t>‹#›</a:t>
+            </a:fld>
+            <a:endParaRPr lang="en-US"/>
+          </a:p>
+        </p:txBody>
+      </p:sp>
+      <p:sp>
+        <p:nvSpPr>
+          <p:cNvPr id="11" name="TextBox 10"/>
+          <p:cNvSpPr txBox="1"/>
+          <p:nvPr/>
+        </p:nvSpPr>
+        <p:spPr>
+          <a:xfrm>
+            <a:off x="531812" y="812222"/>
+            <a:ext cx="609600" cy="584776"/>
+          </a:xfrm>
+          <a:prstGeom prst="rect">
+            <a:avLst/>
+          </a:prstGeom>
+        </p:spPr>
+        <p:txBody>
+          <a:bodyPr vert="horz" lIns="91440" tIns="45720" rIns="91440" bIns="45720" rtlCol="0" anchor="ctr">
+            <a:noAutofit/>
+          </a:bodyPr>
+          <a:lstStyle/>
+          <a:p>
+            <a:pPr lvl="0"/>
+            <a:r>
+              <a:rPr lang="en-US" sz="8000" dirty="0">
+                <a:solidFill>
+                  <a:schemeClr val="tx1"/>
+                </a:solidFill>
+                <a:effectLst/>
+              </a:rPr>
+              <a:t>“</a:t>
+            </a:r>
+          </a:p>
+        </p:txBody>
+      </p:sp>
+      <p:sp>
+        <p:nvSpPr>
+          <p:cNvPr id="12" name="TextBox 11"/>
+          <p:cNvSpPr txBox="1"/>
+          <p:nvPr/>
+        </p:nvSpPr>
+        <p:spPr>
+          <a:xfrm>
+            <a:off x="10285412" y="2768601"/>
+            <a:ext cx="609600" cy="584776"/>
+          </a:xfrm>
+          <a:prstGeom prst="rect">
+            <a:avLst/>
+          </a:prstGeom>
+        </p:spPr>
+        <p:txBody>
+          <a:bodyPr vert="horz" lIns="91440" tIns="45720" rIns="91440" bIns="45720" rtlCol="0" anchor="ctr">
+            <a:noAutofit/>
+          </a:bodyPr>
+          <a:lstStyle/>
+          <a:p>
+            <a:pPr lvl="0" algn="r"/>
+            <a:r>
+              <a:rPr lang="en-US" sz="8000" dirty="0">
+                <a:solidFill>
+                  <a:schemeClr val="tx1"/>
+                </a:solidFill>
+                <a:effectLst/>
+              </a:rPr>
+              <a:t>”</a:t>
+            </a:r>
+          </a:p>
+        </p:txBody>
+      </p:sp>
+    </p:spTree>
+    <p:extLst>
+      <p:ext uri="{BB962C8B-B14F-4D97-AF65-F5344CB8AC3E}">
+        <p14:creationId xmlns:p14="http://schemas.microsoft.com/office/powerpoint/2010/main" val="1156707344"/>
+      </p:ext>
+    </p:extLst>
+  </p:cSld>
+  <p:clrMapOvr>
+    <a:masterClrMapping/>
+  </p:clrMapOvr>
+</p:sldLayout>
+</file>
+
+<file path=ppt/slideLayouts/slideLayout15.xml><?xml version="1.0" encoding="utf-8"?>
+<p:sldLayout xmlns:a="http://schemas.openxmlformats.org/drawingml/2006/main" xmlns:r="http://schemas.openxmlformats.org/officeDocument/2006/relationships" xmlns:p="http://schemas.openxmlformats.org/presentationml/2006/main" preserve="1">
+  <p:cSld name="True or False">
+    <p:spTree>
+      <p:nvGrpSpPr>
+        <p:cNvPr id="1" name=""/>
+        <p:cNvGrpSpPr/>
+        <p:nvPr/>
+      </p:nvGrpSpPr>
+      <p:grpSpPr>
+        <a:xfrm>
+          <a:off x="0" y="0"/>
+          <a:ext cx="0" cy="0"/>
+          <a:chOff x="0" y="0"/>
+          <a:chExt cx="0" cy="0"/>
+        </a:xfrm>
+      </p:grpSpPr>
+      <p:sp>
+        <p:nvSpPr>
+          <p:cNvPr id="2" name="Title 1"/>
+          <p:cNvSpPr>
+            <a:spLocks noGrp="1"/>
+          </p:cNvSpPr>
+          <p:nvPr>
+            <p:ph type="title"/>
+          </p:nvPr>
+        </p:nvSpPr>
+        <p:spPr>
+          <a:xfrm>
+            <a:off x="684213" y="685800"/>
+            <a:ext cx="10058400" cy="2743200"/>
+          </a:xfrm>
+        </p:spPr>
+        <p:txBody>
+          <a:bodyPr vert="horz" lIns="91440" tIns="45720" rIns="91440" bIns="45720" rtlCol="0" anchor="ctr">
+            <a:normAutofit/>
+          </a:bodyPr>
+          <a:lstStyle>
+            <a:lvl1pPr>
+              <a:defRPr lang="en-US" b="0" dirty="0"/>
+            </a:lvl1pPr>
+          </a:lstStyle>
+          <a:p>
+            <a:pPr marL="0" lvl="0"/>
+            <a:r>
+              <a:rPr lang="en-US"/>
+              <a:t>Click to edit Master title style</a:t>
+            </a:r>
+            <a:endParaRPr lang="en-US" dirty="0"/>
+          </a:p>
+        </p:txBody>
+      </p:sp>
+      <p:sp>
+        <p:nvSpPr>
+          <p:cNvPr id="10" name="Text Placeholder 9"/>
+          <p:cNvSpPr>
+            <a:spLocks noGrp="1"/>
+          </p:cNvSpPr>
+          <p:nvPr>
+            <p:ph type="body" sz="quarter" idx="13"/>
+          </p:nvPr>
+        </p:nvSpPr>
+        <p:spPr>
+          <a:xfrm>
+            <a:off x="684212" y="3928534"/>
+            <a:ext cx="8534400" cy="838200"/>
+          </a:xfrm>
+        </p:spPr>
+        <p:txBody>
+          <a:bodyPr vert="horz" lIns="91440" tIns="45720" rIns="91440" bIns="45720" rtlCol="0" anchor="b">
+            <a:normAutofit/>
+          </a:bodyPr>
+          <a:lstStyle>
+            <a:lvl1pPr>
+              <a:buNone/>
+              <a:defRPr lang="en-US" sz="2400" b="0" cap="all" dirty="0">
+                <a:ln w="3175" cmpd="sng">
+                  <a:noFill/>
+                </a:ln>
+                <a:solidFill>
+                  <a:schemeClr val="tx1"/>
+                </a:solidFill>
+                <a:effectLst/>
+              </a:defRPr>
+            </a:lvl1pPr>
+          </a:lstStyle>
+          <a:p>
+            <a:pPr marL="0" lvl="0">
+              <a:spcBef>
+                <a:spcPct val="0"/>
+              </a:spcBef>
+              <a:buNone/>
+            </a:pPr>
+            <a:r>
+              <a:rPr lang="en-US"/>
+              <a:t>Edit Master text styles</a:t>
+            </a:r>
+          </a:p>
+        </p:txBody>
+      </p:sp>
+      <p:sp>
+        <p:nvSpPr>
+          <p:cNvPr id="3" name="Text Placeholder 2"/>
+          <p:cNvSpPr>
+            <a:spLocks noGrp="1"/>
+          </p:cNvSpPr>
+          <p:nvPr>
+            <p:ph type="body" idx="1"/>
+          </p:nvPr>
+        </p:nvSpPr>
+        <p:spPr>
+          <a:xfrm>
+            <a:off x="684211" y="4766732"/>
+            <a:ext cx="8534401" cy="1227667"/>
+          </a:xfrm>
+        </p:spPr>
+        <p:txBody>
+          <a:bodyPr anchor="t">
+            <a:normAutofit/>
+          </a:bodyPr>
+          <a:lstStyle>
+            <a:lvl1pPr marL="0" indent="0" algn="l">
+              <a:buNone/>
+              <a:defRPr sz="1800">
+                <a:solidFill>
+                  <a:schemeClr val="bg2">
+                    <a:lumMod val="75000"/>
+                  </a:schemeClr>
+                </a:solidFill>
+              </a:defRPr>
+            </a:lvl1pPr>
+            <a:lvl2pPr marL="457200" indent="0">
+              <a:buNone/>
+              <a:defRPr sz="1800">
+                <a:solidFill>
+                  <a:schemeClr val="tx1">
+                    <a:tint val="75000"/>
+                  </a:schemeClr>
+                </a:solidFill>
+              </a:defRPr>
+            </a:lvl2pPr>
+            <a:lvl3pPr marL="914400" indent="0">
+              <a:buNone/>
+              <a:defRPr sz="1600">
+                <a:solidFill>
+                  <a:schemeClr val="tx1">
+                    <a:tint val="75000"/>
+                  </a:schemeClr>
+                </a:solidFill>
+              </a:defRPr>
+            </a:lvl3pPr>
+            <a:lvl4pPr marL="1371600" indent="0">
+              <a:buNone/>
+              <a:defRPr sz="1400">
+                <a:solidFill>
+                  <a:schemeClr val="tx1">
+                    <a:tint val="75000"/>
+                  </a:schemeClr>
+                </a:solidFill>
+              </a:defRPr>
+            </a:lvl4pPr>
+            <a:lvl5pPr marL="1828800" indent="0">
+              <a:buNone/>
+              <a:defRPr sz="1400">
+                <a:solidFill>
+                  <a:schemeClr val="tx1">
+                    <a:tint val="75000"/>
+                  </a:schemeClr>
+                </a:solidFill>
+              </a:defRPr>
+            </a:lvl5pPr>
+            <a:lvl6pPr marL="2286000" indent="0">
+              <a:buNone/>
+              <a:defRPr sz="1400">
+                <a:solidFill>
+                  <a:schemeClr val="tx1">
+                    <a:tint val="75000"/>
+                  </a:schemeClr>
+                </a:solidFill>
+              </a:defRPr>
+            </a:lvl6pPr>
+            <a:lvl7pPr marL="2743200" indent="0">
+              <a:buNone/>
+              <a:defRPr sz="1400">
+                <a:solidFill>
+                  <a:schemeClr val="tx1">
+                    <a:tint val="75000"/>
+                  </a:schemeClr>
+                </a:solidFill>
+              </a:defRPr>
+            </a:lvl7pPr>
+            <a:lvl8pPr marL="3200400" indent="0">
+              <a:buNone/>
+              <a:defRPr sz="1400">
+                <a:solidFill>
+                  <a:schemeClr val="tx1">
+                    <a:tint val="75000"/>
+                  </a:schemeClr>
+                </a:solidFill>
+              </a:defRPr>
+            </a:lvl8pPr>
+            <a:lvl9pPr marL="3657600" indent="0">
+              <a:buNone/>
+              <a:defRPr sz="1400">
+                <a:solidFill>
+                  <a:schemeClr val="tx1">
+                    <a:tint val="75000"/>
+                  </a:schemeClr>
+                </a:solidFill>
+              </a:defRPr>
+            </a:lvl9pPr>
+          </a:lstStyle>
+          <a:p>
+            <a:pPr lvl="0"/>
+            <a:r>
+              <a:rPr lang="en-US"/>
+              <a:t>Edit Master text styles</a:t>
+            </a:r>
+          </a:p>
+        </p:txBody>
+      </p:sp>
+      <p:sp>
+        <p:nvSpPr>
+          <p:cNvPr id="4" name="Date Placeholder 3"/>
+          <p:cNvSpPr>
+            <a:spLocks noGrp="1"/>
+          </p:cNvSpPr>
+          <p:nvPr>
+            <p:ph type="dt" sz="half" idx="10"/>
+          </p:nvPr>
+        </p:nvSpPr>
+        <p:spPr/>
+        <p:txBody>
+          <a:bodyPr/>
+          <a:lstStyle/>
+          <a:p>
+            <a:fld id="{597F59F5-6EDF-45CD-943B-829C40AA6758}" type="datetimeFigureOut">
+              <a:rPr lang="en-US" smtClean="0"/>
+              <a:t>3/16/2022</a:t>
+            </a:fld>
+            <a:endParaRPr lang="en-US"/>
+          </a:p>
+        </p:txBody>
+      </p:sp>
+      <p:sp>
+        <p:nvSpPr>
+          <p:cNvPr id="5" name="Footer Placeholder 4"/>
+          <p:cNvSpPr>
+            <a:spLocks noGrp="1"/>
+          </p:cNvSpPr>
+          <p:nvPr>
+            <p:ph type="ftr" sz="quarter" idx="11"/>
+          </p:nvPr>
+        </p:nvSpPr>
+        <p:spPr/>
+        <p:txBody>
+          <a:bodyPr/>
+          <a:lstStyle/>
+          <a:p>
+            <a:endParaRPr lang="en-US"/>
+          </a:p>
+        </p:txBody>
+      </p:sp>
+      <p:sp>
+        <p:nvSpPr>
+          <p:cNvPr id="6" name="Slide Number Placeholder 5"/>
+          <p:cNvSpPr>
+            <a:spLocks noGrp="1"/>
+          </p:cNvSpPr>
+          <p:nvPr>
+            <p:ph type="sldNum" sz="quarter" idx="12"/>
+          </p:nvPr>
+        </p:nvSpPr>
+        <p:spPr/>
+        <p:txBody>
+          <a:bodyPr/>
+          <a:lstStyle/>
+          <a:p>
+            <a:fld id="{9EA2DD1F-6B4A-489E-8EAA-AE675F17C5C9}" type="slidenum">
+              <a:rPr lang="en-US" smtClean="0"/>
+              <a:t>‹#›</a:t>
+            </a:fld>
+            <a:endParaRPr lang="en-US"/>
+          </a:p>
+        </p:txBody>
+      </p:sp>
+    </p:spTree>
+    <p:extLst>
+      <p:ext uri="{BB962C8B-B14F-4D97-AF65-F5344CB8AC3E}">
+        <p14:creationId xmlns:p14="http://schemas.microsoft.com/office/powerpoint/2010/main" val="291650799"/>
+      </p:ext>
+    </p:extLst>
+  </p:cSld>
+  <p:clrMapOvr>
+    <a:masterClrMapping/>
+  </p:clrMapOvr>
+</p:sldLayout>
+</file>
+
+<file path=ppt/slideLayouts/slideLayout16.xml><?xml version="1.0" encoding="utf-8"?>
 <p:sldLayout xmlns:a="http://schemas.openxmlformats.org/drawingml/2006/main" xmlns:r="http://schemas.openxmlformats.org/officeDocument/2006/relationships" xmlns:p="http://schemas.openxmlformats.org/presentationml/2006/main" type="vertTx" preserve="1">
   <p:cSld name="Title and Vertical Text">
     <p:spTree>
@@ -636,13 +2649,7 @@
       </p:grpSpPr>
       <p:sp>
         <p:nvSpPr>
-          <p:cNvPr id="2" name="Title 1">
-            <a:extLst>
-              <a:ext uri="{FF2B5EF4-FFF2-40B4-BE49-F238E27FC236}">
-                <a16:creationId xmlns:a16="http://schemas.microsoft.com/office/drawing/2014/main" id="{590CDB41-F659-45EE-B754-8A240366B0A5}"/>
-              </a:ext>
-            </a:extLst>
-          </p:cNvPr>
+          <p:cNvPr id="2" name="Title 1"/>
           <p:cNvSpPr>
             <a:spLocks noGrp="1"/>
           </p:cNvSpPr>
@@ -653,24 +2660,23 @@
         <p:spPr/>
         <p:txBody>
           <a:bodyPr/>
-          <a:lstStyle/>
+          <a:lstStyle>
+            <a:lvl1pPr algn="l">
+              <a:defRPr/>
+            </a:lvl1pPr>
+          </a:lstStyle>
           <a:p>
             <a:r>
               <a:rPr lang="en-US"/>
               <a:t>Click to edit Master title style</a:t>
             </a:r>
-          </a:p>
-        </p:txBody>
-      </p:sp>
-      <p:sp>
-        <p:nvSpPr>
-          <p:cNvPr id="3" name="Vertical Text Placeholder 2">
-            <a:extLst>
-              <a:ext uri="{FF2B5EF4-FFF2-40B4-BE49-F238E27FC236}">
-                <a16:creationId xmlns:a16="http://schemas.microsoft.com/office/drawing/2014/main" id="{250A1304-56EB-44E1-9026-8D7A17412682}"/>
-              </a:ext>
-            </a:extLst>
-          </p:cNvPr>
+            <a:endParaRPr lang="en-US" dirty="0"/>
+          </a:p>
+        </p:txBody>
+      </p:sp>
+      <p:sp>
+        <p:nvSpPr>
+          <p:cNvPr id="3" name="Vertical Text Placeholder 2"/>
           <p:cNvSpPr>
             <a:spLocks noGrp="1"/>
           </p:cNvSpPr>
@@ -680,7 +2686,7 @@
         </p:nvSpPr>
         <p:spPr/>
         <p:txBody>
-          <a:bodyPr vert="eaVert"/>
+          <a:bodyPr vert="eaVert" anchor="t"/>
           <a:lstStyle/>
           <a:p>
             <a:pPr lvl="0"/>
@@ -716,18 +2722,13 @@
               <a:rPr lang="en-US"/>
               <a:t>Fifth level</a:t>
             </a:r>
-          </a:p>
-        </p:txBody>
-      </p:sp>
-      <p:sp>
-        <p:nvSpPr>
-          <p:cNvPr id="4" name="Date Placeholder 3">
-            <a:extLst>
-              <a:ext uri="{FF2B5EF4-FFF2-40B4-BE49-F238E27FC236}">
-                <a16:creationId xmlns:a16="http://schemas.microsoft.com/office/drawing/2014/main" id="{DF3F0E3F-2176-40CE-8829-6BE6B8F729E4}"/>
-              </a:ext>
-            </a:extLst>
-          </p:cNvPr>
+            <a:endParaRPr lang="en-US" dirty="0"/>
+          </a:p>
+        </p:txBody>
+      </p:sp>
+      <p:sp>
+        <p:nvSpPr>
+          <p:cNvPr id="4" name="Date Placeholder 3"/>
           <p:cNvSpPr>
             <a:spLocks noGrp="1"/>
           </p:cNvSpPr>
@@ -750,13 +2751,7 @@
       </p:sp>
       <p:sp>
         <p:nvSpPr>
-          <p:cNvPr id="5" name="Footer Placeholder 4">
-            <a:extLst>
-              <a:ext uri="{FF2B5EF4-FFF2-40B4-BE49-F238E27FC236}">
-                <a16:creationId xmlns:a16="http://schemas.microsoft.com/office/drawing/2014/main" id="{CC619BD3-4DB7-462A-A121-0480AB71E828}"/>
-              </a:ext>
-            </a:extLst>
-          </p:cNvPr>
+          <p:cNvPr id="5" name="Footer Placeholder 4"/>
           <p:cNvSpPr>
             <a:spLocks noGrp="1"/>
           </p:cNvSpPr>
@@ -775,13 +2770,7 @@
       </p:sp>
       <p:sp>
         <p:nvSpPr>
-          <p:cNvPr id="6" name="Slide Number Placeholder 5">
-            <a:extLst>
-              <a:ext uri="{FF2B5EF4-FFF2-40B4-BE49-F238E27FC236}">
-                <a16:creationId xmlns:a16="http://schemas.microsoft.com/office/drawing/2014/main" id="{54EB5A4D-EB37-4243-837B-BFAE0A9640B5}"/>
-              </a:ext>
-            </a:extLst>
-          </p:cNvPr>
+          <p:cNvPr id="6" name="Slide Number Placeholder 5"/>
           <p:cNvSpPr>
             <a:spLocks noGrp="1"/>
           </p:cNvSpPr>
@@ -805,7 +2794,7 @@
     </p:spTree>
     <p:extLst>
       <p:ext uri="{BB962C8B-B14F-4D97-AF65-F5344CB8AC3E}">
-        <p14:creationId xmlns:p14="http://schemas.microsoft.com/office/powerpoint/2010/main" val="473351053"/>
+        <p14:creationId xmlns:p14="http://schemas.microsoft.com/office/powerpoint/2010/main" val="1595691455"/>
       </p:ext>
     </p:extLst>
   </p:cSld>
@@ -815,7 +2804,7 @@
 </p:sldLayout>
 </file>
 
-<file path=ppt/slideLayouts/slideLayout11.xml><?xml version="1.0" encoding="utf-8"?>
+<file path=ppt/slideLayouts/slideLayout17.xml><?xml version="1.0" encoding="utf-8"?>
 <p:sldLayout xmlns:a="http://schemas.openxmlformats.org/drawingml/2006/main" xmlns:r="http://schemas.openxmlformats.org/officeDocument/2006/relationships" xmlns:p="http://schemas.openxmlformats.org/presentationml/2006/main" type="vertTitleAndTx" preserve="1">
   <p:cSld name="Vertical Title and Text">
     <p:spTree>
@@ -834,13 +2823,7 @@
       </p:grpSpPr>
       <p:sp>
         <p:nvSpPr>
-          <p:cNvPr id="2" name="Vertical Title 1">
-            <a:extLst>
-              <a:ext uri="{FF2B5EF4-FFF2-40B4-BE49-F238E27FC236}">
-                <a16:creationId xmlns:a16="http://schemas.microsoft.com/office/drawing/2014/main" id="{61F85561-B3BF-4B11-96B2-33423B4106A2}"/>
-              </a:ext>
-            </a:extLst>
-          </p:cNvPr>
+          <p:cNvPr id="2" name="Vertical Title 1"/>
           <p:cNvSpPr>
             <a:spLocks noGrp="1"/>
           </p:cNvSpPr>
@@ -850,8 +2833,8 @@
         </p:nvSpPr>
         <p:spPr>
           <a:xfrm>
-            <a:off x="8724900" y="365125"/>
-            <a:ext cx="2628900" cy="5811838"/>
+            <a:off x="8685212" y="685800"/>
+            <a:ext cx="2057400" cy="4572000"/>
           </a:xfrm>
         </p:spPr>
         <p:txBody>
@@ -862,18 +2845,13 @@
               <a:rPr lang="en-US"/>
               <a:t>Click to edit Master title style</a:t>
             </a:r>
-          </a:p>
-        </p:txBody>
-      </p:sp>
-      <p:sp>
-        <p:nvSpPr>
-          <p:cNvPr id="3" name="Vertical Text Placeholder 2">
-            <a:extLst>
-              <a:ext uri="{FF2B5EF4-FFF2-40B4-BE49-F238E27FC236}">
-                <a16:creationId xmlns:a16="http://schemas.microsoft.com/office/drawing/2014/main" id="{9618C3B1-A7C3-4A93-96B2-4BDE7F6CE34E}"/>
-              </a:ext>
-            </a:extLst>
-          </p:cNvPr>
+            <a:endParaRPr lang="en-US" dirty="0"/>
+          </a:p>
+        </p:txBody>
+      </p:sp>
+      <p:sp>
+        <p:nvSpPr>
+          <p:cNvPr id="3" name="Vertical Text Placeholder 2"/>
           <p:cNvSpPr>
             <a:spLocks noGrp="1"/>
           </p:cNvSpPr>
@@ -883,12 +2861,12 @@
         </p:nvSpPr>
         <p:spPr>
           <a:xfrm>
-            <a:off x="838200" y="365125"/>
-            <a:ext cx="7734300" cy="5811838"/>
+            <a:off x="685800" y="685800"/>
+            <a:ext cx="7823200" cy="5308600"/>
           </a:xfrm>
         </p:spPr>
         <p:txBody>
-          <a:bodyPr vert="eaVert"/>
+          <a:bodyPr vert="eaVert" anchor="t"/>
           <a:lstStyle/>
           <a:p>
             <a:pPr lvl="0"/>
@@ -924,18 +2902,13 @@
               <a:rPr lang="en-US"/>
               <a:t>Fifth level</a:t>
             </a:r>
-          </a:p>
-        </p:txBody>
-      </p:sp>
-      <p:sp>
-        <p:nvSpPr>
-          <p:cNvPr id="4" name="Date Placeholder 3">
-            <a:extLst>
-              <a:ext uri="{FF2B5EF4-FFF2-40B4-BE49-F238E27FC236}">
-                <a16:creationId xmlns:a16="http://schemas.microsoft.com/office/drawing/2014/main" id="{3575C143-837F-47F8-A6D5-FCD6F23855BC}"/>
-              </a:ext>
-            </a:extLst>
-          </p:cNvPr>
+            <a:endParaRPr lang="en-US" dirty="0"/>
+          </a:p>
+        </p:txBody>
+      </p:sp>
+      <p:sp>
+        <p:nvSpPr>
+          <p:cNvPr id="4" name="Date Placeholder 3"/>
           <p:cNvSpPr>
             <a:spLocks noGrp="1"/>
           </p:cNvSpPr>
@@ -958,13 +2931,7 @@
       </p:sp>
       <p:sp>
         <p:nvSpPr>
-          <p:cNvPr id="5" name="Footer Placeholder 4">
-            <a:extLst>
-              <a:ext uri="{FF2B5EF4-FFF2-40B4-BE49-F238E27FC236}">
-                <a16:creationId xmlns:a16="http://schemas.microsoft.com/office/drawing/2014/main" id="{468685C9-1D96-49AE-A541-62744EAF1F2B}"/>
-              </a:ext>
-            </a:extLst>
-          </p:cNvPr>
+          <p:cNvPr id="5" name="Footer Placeholder 4"/>
           <p:cNvSpPr>
             <a:spLocks noGrp="1"/>
           </p:cNvSpPr>
@@ -983,13 +2950,7 @@
       </p:sp>
       <p:sp>
         <p:nvSpPr>
-          <p:cNvPr id="6" name="Slide Number Placeholder 5">
-            <a:extLst>
-              <a:ext uri="{FF2B5EF4-FFF2-40B4-BE49-F238E27FC236}">
-                <a16:creationId xmlns:a16="http://schemas.microsoft.com/office/drawing/2014/main" id="{BA7E4B2A-411D-4805-8DDB-231575BB4F8C}"/>
-              </a:ext>
-            </a:extLst>
-          </p:cNvPr>
+          <p:cNvPr id="6" name="Slide Number Placeholder 5"/>
           <p:cNvSpPr>
             <a:spLocks noGrp="1"/>
           </p:cNvSpPr>
@@ -1013,7 +2974,7 @@
     </p:spTree>
     <p:extLst>
       <p:ext uri="{BB962C8B-B14F-4D97-AF65-F5344CB8AC3E}">
-        <p14:creationId xmlns:p14="http://schemas.microsoft.com/office/powerpoint/2010/main" val="185407193"/>
+        <p14:creationId xmlns:p14="http://schemas.microsoft.com/office/powerpoint/2010/main" val="3256996635"/>
       </p:ext>
     </p:extLst>
   </p:cSld>
@@ -1042,13 +3003,7 @@
       </p:grpSpPr>
       <p:sp>
         <p:nvSpPr>
-          <p:cNvPr id="2" name="Title 1">
-            <a:extLst>
-              <a:ext uri="{FF2B5EF4-FFF2-40B4-BE49-F238E27FC236}">
-                <a16:creationId xmlns:a16="http://schemas.microsoft.com/office/drawing/2014/main" id="{A7A82E2B-ADC8-4456-A161-0BC794887853}"/>
-              </a:ext>
-            </a:extLst>
-          </p:cNvPr>
+          <p:cNvPr id="2" name="Title 1"/>
           <p:cNvSpPr>
             <a:spLocks noGrp="1"/>
           </p:cNvSpPr>
@@ -1065,18 +3020,13 @@
               <a:rPr lang="en-US"/>
               <a:t>Click to edit Master title style</a:t>
             </a:r>
-          </a:p>
-        </p:txBody>
-      </p:sp>
-      <p:sp>
-        <p:nvSpPr>
-          <p:cNvPr id="3" name="Content Placeholder 2">
-            <a:extLst>
-              <a:ext uri="{FF2B5EF4-FFF2-40B4-BE49-F238E27FC236}">
-                <a16:creationId xmlns:a16="http://schemas.microsoft.com/office/drawing/2014/main" id="{28852880-73AE-4889-AD9A-46039A5B7B1E}"/>
-              </a:ext>
-            </a:extLst>
-          </p:cNvPr>
+            <a:endParaRPr lang="en-US" dirty="0"/>
+          </a:p>
+        </p:txBody>
+      </p:sp>
+      <p:sp>
+        <p:nvSpPr>
+          <p:cNvPr id="3" name="Content Placeholder 2"/>
           <p:cNvSpPr>
             <a:spLocks noGrp="1"/>
           </p:cNvSpPr>
@@ -1086,7 +3036,7 @@
         </p:nvSpPr>
         <p:spPr/>
         <p:txBody>
-          <a:bodyPr/>
+          <a:bodyPr anchor="ctr"/>
           <a:lstStyle/>
           <a:p>
             <a:pPr lvl="0"/>
@@ -1122,18 +3072,13 @@
               <a:rPr lang="en-US"/>
               <a:t>Fifth level</a:t>
             </a:r>
-          </a:p>
-        </p:txBody>
-      </p:sp>
-      <p:sp>
-        <p:nvSpPr>
-          <p:cNvPr id="4" name="Date Placeholder 3">
-            <a:extLst>
-              <a:ext uri="{FF2B5EF4-FFF2-40B4-BE49-F238E27FC236}">
-                <a16:creationId xmlns:a16="http://schemas.microsoft.com/office/drawing/2014/main" id="{8AF4B789-9960-45C7-B337-32A630218CB5}"/>
-              </a:ext>
-            </a:extLst>
-          </p:cNvPr>
+            <a:endParaRPr lang="en-US" dirty="0"/>
+          </a:p>
+        </p:txBody>
+      </p:sp>
+      <p:sp>
+        <p:nvSpPr>
+          <p:cNvPr id="4" name="Date Placeholder 3"/>
           <p:cNvSpPr>
             <a:spLocks noGrp="1"/>
           </p:cNvSpPr>
@@ -1156,13 +3101,7 @@
       </p:sp>
       <p:sp>
         <p:nvSpPr>
-          <p:cNvPr id="5" name="Footer Placeholder 4">
-            <a:extLst>
-              <a:ext uri="{FF2B5EF4-FFF2-40B4-BE49-F238E27FC236}">
-                <a16:creationId xmlns:a16="http://schemas.microsoft.com/office/drawing/2014/main" id="{BE335971-5E6F-4982-91AB-814CC1C8169D}"/>
-              </a:ext>
-            </a:extLst>
-          </p:cNvPr>
+          <p:cNvPr id="5" name="Footer Placeholder 4"/>
           <p:cNvSpPr>
             <a:spLocks noGrp="1"/>
           </p:cNvSpPr>
@@ -1181,13 +3120,7 @@
       </p:sp>
       <p:sp>
         <p:nvSpPr>
-          <p:cNvPr id="6" name="Slide Number Placeholder 5">
-            <a:extLst>
-              <a:ext uri="{FF2B5EF4-FFF2-40B4-BE49-F238E27FC236}">
-                <a16:creationId xmlns:a16="http://schemas.microsoft.com/office/drawing/2014/main" id="{BBFC2229-B5F1-40EC-B1FA-513443F2CDCB}"/>
-              </a:ext>
-            </a:extLst>
-          </p:cNvPr>
+          <p:cNvPr id="6" name="Slide Number Placeholder 5"/>
           <p:cNvSpPr>
             <a:spLocks noGrp="1"/>
           </p:cNvSpPr>
@@ -1211,7 +3144,7 @@
     </p:spTree>
     <p:extLst>
       <p:ext uri="{BB962C8B-B14F-4D97-AF65-F5344CB8AC3E}">
-        <p14:creationId xmlns:p14="http://schemas.microsoft.com/office/powerpoint/2010/main" val="1076762550"/>
+        <p14:creationId xmlns:p14="http://schemas.microsoft.com/office/powerpoint/2010/main" val="765098109"/>
       </p:ext>
     </p:extLst>
   </p:cSld>
@@ -1240,13 +3173,7 @@
       </p:grpSpPr>
       <p:sp>
         <p:nvSpPr>
-          <p:cNvPr id="2" name="Title 1">
-            <a:extLst>
-              <a:ext uri="{FF2B5EF4-FFF2-40B4-BE49-F238E27FC236}">
-                <a16:creationId xmlns:a16="http://schemas.microsoft.com/office/drawing/2014/main" id="{80CDD20A-E9F3-40C4-8891-9510A18FE342}"/>
-              </a:ext>
-            </a:extLst>
-          </p:cNvPr>
+          <p:cNvPr id="2" name="Title 1"/>
           <p:cNvSpPr>
             <a:spLocks noGrp="1"/>
           </p:cNvSpPr>
@@ -1256,15 +3183,17 @@
         </p:nvSpPr>
         <p:spPr>
           <a:xfrm>
-            <a:off x="831850" y="1709738"/>
-            <a:ext cx="10515600" cy="2852737"/>
+            <a:off x="684211" y="2006600"/>
+            <a:ext cx="8534401" cy="2281600"/>
           </a:xfrm>
         </p:spPr>
         <p:txBody>
-          <a:bodyPr anchor="b"/>
+          <a:bodyPr anchor="b">
+            <a:normAutofit/>
+          </a:bodyPr>
           <a:lstStyle>
-            <a:lvl1pPr>
-              <a:defRPr sz="6000"/>
+            <a:lvl1pPr algn="l">
+              <a:defRPr sz="3600" b="0" cap="all"/>
             </a:lvl1pPr>
           </a:lstStyle>
           <a:p>
@@ -1272,18 +3201,13 @@
               <a:rPr lang="en-US"/>
               <a:t>Click to edit Master title style</a:t>
             </a:r>
-          </a:p>
-        </p:txBody>
-      </p:sp>
-      <p:sp>
-        <p:nvSpPr>
-          <p:cNvPr id="3" name="Text Placeholder 2">
-            <a:extLst>
-              <a:ext uri="{FF2B5EF4-FFF2-40B4-BE49-F238E27FC236}">
-                <a16:creationId xmlns:a16="http://schemas.microsoft.com/office/drawing/2014/main" id="{39CEA9AE-1CB5-4E00-A4A6-318B89E5F2DD}"/>
-              </a:ext>
-            </a:extLst>
-          </p:cNvPr>
+            <a:endParaRPr lang="en-US" dirty="0"/>
+          </a:p>
+        </p:txBody>
+      </p:sp>
+      <p:sp>
+        <p:nvSpPr>
+          <p:cNvPr id="3" name="Text Placeholder 2"/>
           <p:cNvSpPr>
             <a:spLocks noGrp="1"/>
           </p:cNvSpPr>
@@ -1293,26 +3217,28 @@
         </p:nvSpPr>
         <p:spPr>
           <a:xfrm>
-            <a:off x="831850" y="4589463"/>
-            <a:ext cx="10515600" cy="1500187"/>
+            <a:off x="684213" y="4495800"/>
+            <a:ext cx="8534400" cy="1498600"/>
           </a:xfrm>
         </p:spPr>
         <p:txBody>
-          <a:bodyPr/>
+          <a:bodyPr anchor="t">
+            <a:normAutofit/>
+          </a:bodyPr>
           <a:lstStyle>
-            <a:lvl1pPr marL="0" indent="0">
-              <a:buNone/>
-              <a:defRPr sz="2400">
+            <a:lvl1pPr marL="0" indent="0" algn="l">
+              <a:buNone/>
+              <a:defRPr sz="1800">
                 <a:solidFill>
-                  <a:schemeClr val="tx1">
-                    <a:tint val="75000"/>
+                  <a:schemeClr val="bg2">
+                    <a:lumMod val="75000"/>
                   </a:schemeClr>
                 </a:solidFill>
               </a:defRPr>
             </a:lvl1pPr>
             <a:lvl2pPr marL="457200" indent="0">
               <a:buNone/>
-              <a:defRPr sz="2000">
+              <a:defRPr sz="1800">
                 <a:solidFill>
                   <a:schemeClr val="tx1">
                     <a:tint val="75000"/>
@@ -1322,7 +3248,7 @@
             </a:lvl2pPr>
             <a:lvl3pPr marL="914400" indent="0">
               <a:buNone/>
-              <a:defRPr sz="1800">
+              <a:defRPr sz="1600">
                 <a:solidFill>
                   <a:schemeClr val="tx1">
                     <a:tint val="75000"/>
@@ -1332,7 +3258,7 @@
             </a:lvl3pPr>
             <a:lvl4pPr marL="1371600" indent="0">
               <a:buNone/>
-              <a:defRPr sz="1600">
+              <a:defRPr sz="1400">
                 <a:solidFill>
                   <a:schemeClr val="tx1">
                     <a:tint val="75000"/>
@@ -1342,7 +3268,7 @@
             </a:lvl4pPr>
             <a:lvl5pPr marL="1828800" indent="0">
               <a:buNone/>
-              <a:defRPr sz="1600">
+              <a:defRPr sz="1400">
                 <a:solidFill>
                   <a:schemeClr val="tx1">
                     <a:tint val="75000"/>
@@ -1352,7 +3278,7 @@
             </a:lvl5pPr>
             <a:lvl6pPr marL="2286000" indent="0">
               <a:buNone/>
-              <a:defRPr sz="1600">
+              <a:defRPr sz="1400">
                 <a:solidFill>
                   <a:schemeClr val="tx1">
                     <a:tint val="75000"/>
@@ -1362,7 +3288,7 @@
             </a:lvl6pPr>
             <a:lvl7pPr marL="2743200" indent="0">
               <a:buNone/>
-              <a:defRPr sz="1600">
+              <a:defRPr sz="1400">
                 <a:solidFill>
                   <a:schemeClr val="tx1">
                     <a:tint val="75000"/>
@@ -1372,7 +3298,7 @@
             </a:lvl7pPr>
             <a:lvl8pPr marL="3200400" indent="0">
               <a:buNone/>
-              <a:defRPr sz="1600">
+              <a:defRPr sz="1400">
                 <a:solidFill>
                   <a:schemeClr val="tx1">
                     <a:tint val="75000"/>
@@ -1382,7 +3308,7 @@
             </a:lvl8pPr>
             <a:lvl9pPr marL="3657600" indent="0">
               <a:buNone/>
-              <a:defRPr sz="1600">
+              <a:defRPr sz="1400">
                 <a:solidFill>
                   <a:schemeClr val="tx1">
                     <a:tint val="75000"/>
@@ -1402,13 +3328,7 @@
       </p:sp>
       <p:sp>
         <p:nvSpPr>
-          <p:cNvPr id="4" name="Date Placeholder 3">
-            <a:extLst>
-              <a:ext uri="{FF2B5EF4-FFF2-40B4-BE49-F238E27FC236}">
-                <a16:creationId xmlns:a16="http://schemas.microsoft.com/office/drawing/2014/main" id="{4577CCAE-5BEE-4D6C-8850-32D4B1C4FDB2}"/>
-              </a:ext>
-            </a:extLst>
-          </p:cNvPr>
+          <p:cNvPr id="4" name="Date Placeholder 3"/>
           <p:cNvSpPr>
             <a:spLocks noGrp="1"/>
           </p:cNvSpPr>
@@ -1431,13 +3351,7 @@
       </p:sp>
       <p:sp>
         <p:nvSpPr>
-          <p:cNvPr id="5" name="Footer Placeholder 4">
-            <a:extLst>
-              <a:ext uri="{FF2B5EF4-FFF2-40B4-BE49-F238E27FC236}">
-                <a16:creationId xmlns:a16="http://schemas.microsoft.com/office/drawing/2014/main" id="{47C72093-AA0C-4A32-8311-CD9A83E32189}"/>
-              </a:ext>
-            </a:extLst>
-          </p:cNvPr>
+          <p:cNvPr id="5" name="Footer Placeholder 4"/>
           <p:cNvSpPr>
             <a:spLocks noGrp="1"/>
           </p:cNvSpPr>
@@ -1456,13 +3370,7 @@
       </p:sp>
       <p:sp>
         <p:nvSpPr>
-          <p:cNvPr id="6" name="Slide Number Placeholder 5">
-            <a:extLst>
-              <a:ext uri="{FF2B5EF4-FFF2-40B4-BE49-F238E27FC236}">
-                <a16:creationId xmlns:a16="http://schemas.microsoft.com/office/drawing/2014/main" id="{722F71BF-44A1-4C9F-B715-5C2461E0F03F}"/>
-              </a:ext>
-            </a:extLst>
-          </p:cNvPr>
+          <p:cNvPr id="6" name="Slide Number Placeholder 5"/>
           <p:cNvSpPr>
             <a:spLocks noGrp="1"/>
           </p:cNvSpPr>
@@ -1486,7 +3394,7 @@
     </p:spTree>
     <p:extLst>
       <p:ext uri="{BB962C8B-B14F-4D97-AF65-F5344CB8AC3E}">
-        <p14:creationId xmlns:p14="http://schemas.microsoft.com/office/powerpoint/2010/main" val="2603859326"/>
+        <p14:creationId xmlns:p14="http://schemas.microsoft.com/office/powerpoint/2010/main" val="2418445701"/>
       </p:ext>
     </p:extLst>
   </p:cSld>
@@ -1515,13 +3423,7 @@
       </p:grpSpPr>
       <p:sp>
         <p:nvSpPr>
-          <p:cNvPr id="2" name="Title 1">
-            <a:extLst>
-              <a:ext uri="{FF2B5EF4-FFF2-40B4-BE49-F238E27FC236}">
-                <a16:creationId xmlns:a16="http://schemas.microsoft.com/office/drawing/2014/main" id="{F59B3D0C-D83F-422E-A71E-646E9EC34E3F}"/>
-              </a:ext>
-            </a:extLst>
-          </p:cNvPr>
+          <p:cNvPr id="2" name="Title 1"/>
           <p:cNvSpPr>
             <a:spLocks noGrp="1"/>
           </p:cNvSpPr>
@@ -1538,18 +3440,13 @@
               <a:rPr lang="en-US"/>
               <a:t>Click to edit Master title style</a:t>
             </a:r>
-          </a:p>
-        </p:txBody>
-      </p:sp>
-      <p:sp>
-        <p:nvSpPr>
-          <p:cNvPr id="3" name="Content Placeholder 2">
-            <a:extLst>
-              <a:ext uri="{FF2B5EF4-FFF2-40B4-BE49-F238E27FC236}">
-                <a16:creationId xmlns:a16="http://schemas.microsoft.com/office/drawing/2014/main" id="{2CF20E7C-FEA2-42DD-AB68-4E5537439508}"/>
-              </a:ext>
-            </a:extLst>
-          </p:cNvPr>
+            <a:endParaRPr lang="en-US" dirty="0"/>
+          </a:p>
+        </p:txBody>
+      </p:sp>
+      <p:sp>
+        <p:nvSpPr>
+          <p:cNvPr id="3" name="Content Placeholder 2"/>
           <p:cNvSpPr>
             <a:spLocks noGrp="1"/>
           </p:cNvSpPr>
@@ -1559,12 +3456,14 @@
         </p:nvSpPr>
         <p:spPr>
           <a:xfrm>
-            <a:off x="838200" y="1825625"/>
-            <a:ext cx="5181600" cy="4351338"/>
+            <a:off x="684211" y="685800"/>
+            <a:ext cx="4937655" cy="3615267"/>
           </a:xfrm>
         </p:spPr>
         <p:txBody>
-          <a:bodyPr/>
+          <a:bodyPr>
+            <a:normAutofit/>
+          </a:bodyPr>
           <a:lstStyle/>
           <a:p>
             <a:pPr lvl="0"/>
@@ -1600,18 +3499,13 @@
               <a:rPr lang="en-US"/>
               <a:t>Fifth level</a:t>
             </a:r>
-          </a:p>
-        </p:txBody>
-      </p:sp>
-      <p:sp>
-        <p:nvSpPr>
-          <p:cNvPr id="4" name="Content Placeholder 3">
-            <a:extLst>
-              <a:ext uri="{FF2B5EF4-FFF2-40B4-BE49-F238E27FC236}">
-                <a16:creationId xmlns:a16="http://schemas.microsoft.com/office/drawing/2014/main" id="{F5EC36C5-DA29-4557-9984-1F098382C319}"/>
-              </a:ext>
-            </a:extLst>
-          </p:cNvPr>
+            <a:endParaRPr lang="en-US" dirty="0"/>
+          </a:p>
+        </p:txBody>
+      </p:sp>
+      <p:sp>
+        <p:nvSpPr>
+          <p:cNvPr id="4" name="Content Placeholder 3"/>
           <p:cNvSpPr>
             <a:spLocks noGrp="1"/>
           </p:cNvSpPr>
@@ -1621,12 +3515,14 @@
         </p:nvSpPr>
         <p:spPr>
           <a:xfrm>
-            <a:off x="6172200" y="1825625"/>
-            <a:ext cx="5181600" cy="4351338"/>
+            <a:off x="5808133" y="685801"/>
+            <a:ext cx="4934479" cy="3615266"/>
           </a:xfrm>
         </p:spPr>
         <p:txBody>
-          <a:bodyPr/>
+          <a:bodyPr>
+            <a:normAutofit/>
+          </a:bodyPr>
           <a:lstStyle/>
           <a:p>
             <a:pPr lvl="0"/>
@@ -1662,18 +3558,13 @@
               <a:rPr lang="en-US"/>
               <a:t>Fifth level</a:t>
             </a:r>
-          </a:p>
-        </p:txBody>
-      </p:sp>
-      <p:sp>
-        <p:nvSpPr>
-          <p:cNvPr id="5" name="Date Placeholder 4">
-            <a:extLst>
-              <a:ext uri="{FF2B5EF4-FFF2-40B4-BE49-F238E27FC236}">
-                <a16:creationId xmlns:a16="http://schemas.microsoft.com/office/drawing/2014/main" id="{F6DDBA26-FAD9-4394-A9B5-50638C24EBE9}"/>
-              </a:ext>
-            </a:extLst>
-          </p:cNvPr>
+            <a:endParaRPr lang="en-US" dirty="0"/>
+          </a:p>
+        </p:txBody>
+      </p:sp>
+      <p:sp>
+        <p:nvSpPr>
+          <p:cNvPr id="5" name="Date Placeholder 4"/>
           <p:cNvSpPr>
             <a:spLocks noGrp="1"/>
           </p:cNvSpPr>
@@ -1696,13 +3587,7 @@
       </p:sp>
       <p:sp>
         <p:nvSpPr>
-          <p:cNvPr id="6" name="Footer Placeholder 5">
-            <a:extLst>
-              <a:ext uri="{FF2B5EF4-FFF2-40B4-BE49-F238E27FC236}">
-                <a16:creationId xmlns:a16="http://schemas.microsoft.com/office/drawing/2014/main" id="{3516093A-7ED0-4F41-B4A7-389478D3A73C}"/>
-              </a:ext>
-            </a:extLst>
-          </p:cNvPr>
+          <p:cNvPr id="6" name="Footer Placeholder 5"/>
           <p:cNvSpPr>
             <a:spLocks noGrp="1"/>
           </p:cNvSpPr>
@@ -1721,13 +3606,7 @@
       </p:sp>
       <p:sp>
         <p:nvSpPr>
-          <p:cNvPr id="7" name="Slide Number Placeholder 6">
-            <a:extLst>
-              <a:ext uri="{FF2B5EF4-FFF2-40B4-BE49-F238E27FC236}">
-                <a16:creationId xmlns:a16="http://schemas.microsoft.com/office/drawing/2014/main" id="{2EE28DD8-C737-426F-B0FF-C57D261CE0C4}"/>
-              </a:ext>
-            </a:extLst>
-          </p:cNvPr>
+          <p:cNvPr id="7" name="Slide Number Placeholder 6"/>
           <p:cNvSpPr>
             <a:spLocks noGrp="1"/>
           </p:cNvSpPr>
@@ -1751,7 +3630,7 @@
     </p:spTree>
     <p:extLst>
       <p:ext uri="{BB962C8B-B14F-4D97-AF65-F5344CB8AC3E}">
-        <p14:creationId xmlns:p14="http://schemas.microsoft.com/office/powerpoint/2010/main" val="2657005781"/>
+        <p14:creationId xmlns:p14="http://schemas.microsoft.com/office/powerpoint/2010/main" val="443304306"/>
       </p:ext>
     </p:extLst>
   </p:cSld>
@@ -1780,65 +3659,59 @@
       </p:grpSpPr>
       <p:sp>
         <p:nvSpPr>
-          <p:cNvPr id="2" name="Title 1">
-            <a:extLst>
-              <a:ext uri="{FF2B5EF4-FFF2-40B4-BE49-F238E27FC236}">
-                <a16:creationId xmlns:a16="http://schemas.microsoft.com/office/drawing/2014/main" id="{4E8A027F-C958-42D9-B5D4-6FCC2F8D7B1E}"/>
-              </a:ext>
-            </a:extLst>
-          </p:cNvPr>
+          <p:cNvPr id="2" name="Title 1"/>
           <p:cNvSpPr>
             <a:spLocks noGrp="1"/>
           </p:cNvSpPr>
           <p:nvPr>
             <p:ph type="title"/>
+          </p:nvPr>
+        </p:nvSpPr>
+        <p:spPr/>
+        <p:txBody>
+          <a:bodyPr/>
+          <a:lstStyle>
+            <a:lvl1pPr>
+              <a:defRPr/>
+            </a:lvl1pPr>
+          </a:lstStyle>
+          <a:p>
+            <a:r>
+              <a:rPr lang="en-US"/>
+              <a:t>Click to edit Master title style</a:t>
+            </a:r>
+            <a:endParaRPr lang="en-US" dirty="0"/>
+          </a:p>
+        </p:txBody>
+      </p:sp>
+      <p:sp>
+        <p:nvSpPr>
+          <p:cNvPr id="3" name="Text Placeholder 2"/>
+          <p:cNvSpPr>
+            <a:spLocks noGrp="1"/>
+          </p:cNvSpPr>
+          <p:nvPr>
+            <p:ph type="body" idx="1"/>
           </p:nvPr>
         </p:nvSpPr>
         <p:spPr>
           <a:xfrm>
-            <a:off x="839788" y="365125"/>
-            <a:ext cx="10515600" cy="1325563"/>
+            <a:off x="972080" y="685800"/>
+            <a:ext cx="4649787" cy="576262"/>
           </a:xfrm>
         </p:spPr>
         <p:txBody>
-          <a:bodyPr/>
-          <a:lstStyle/>
-          <a:p>
-            <a:r>
-              <a:rPr lang="en-US"/>
-              <a:t>Click to edit Master title style</a:t>
-            </a:r>
-          </a:p>
-        </p:txBody>
-      </p:sp>
-      <p:sp>
-        <p:nvSpPr>
-          <p:cNvPr id="3" name="Text Placeholder 2">
-            <a:extLst>
-              <a:ext uri="{FF2B5EF4-FFF2-40B4-BE49-F238E27FC236}">
-                <a16:creationId xmlns:a16="http://schemas.microsoft.com/office/drawing/2014/main" id="{74556F55-EEE9-4A08-A27A-1EB23F7A15DC}"/>
-              </a:ext>
-            </a:extLst>
-          </p:cNvPr>
-          <p:cNvSpPr>
-            <a:spLocks noGrp="1"/>
-          </p:cNvSpPr>
-          <p:nvPr>
-            <p:ph type="body" idx="1"/>
-          </p:nvPr>
-        </p:nvSpPr>
-        <p:spPr>
-          <a:xfrm>
-            <a:off x="839788" y="1681163"/>
-            <a:ext cx="5157787" cy="823912"/>
-          </a:xfrm>
-        </p:spPr>
-        <p:txBody>
-          <a:bodyPr anchor="b"/>
+          <a:bodyPr anchor="b">
+            <a:noAutofit/>
+          </a:bodyPr>
           <a:lstStyle>
             <a:lvl1pPr marL="0" indent="0">
               <a:buNone/>
-              <a:defRPr sz="2400" b="1"/>
+              <a:defRPr sz="2800" b="0">
+                <a:solidFill>
+                  <a:schemeClr val="tx1"/>
+                </a:solidFill>
+              </a:defRPr>
             </a:lvl1pPr>
             <a:lvl2pPr marL="457200" indent="0">
               <a:buNone/>
@@ -1884,13 +3757,7 @@
       </p:sp>
       <p:sp>
         <p:nvSpPr>
-          <p:cNvPr id="4" name="Content Placeholder 3">
-            <a:extLst>
-              <a:ext uri="{FF2B5EF4-FFF2-40B4-BE49-F238E27FC236}">
-                <a16:creationId xmlns:a16="http://schemas.microsoft.com/office/drawing/2014/main" id="{0B8172A5-D162-407E-BE40-FB8B37C6F8A3}"/>
-              </a:ext>
-            </a:extLst>
-          </p:cNvPr>
+          <p:cNvPr id="4" name="Content Placeholder 3"/>
           <p:cNvSpPr>
             <a:spLocks noGrp="1"/>
           </p:cNvSpPr>
@@ -1900,12 +3767,14 @@
         </p:nvSpPr>
         <p:spPr>
           <a:xfrm>
-            <a:off x="839788" y="2505075"/>
-            <a:ext cx="5157787" cy="3684588"/>
+            <a:off x="684211" y="1270529"/>
+            <a:ext cx="4937655" cy="3030538"/>
           </a:xfrm>
         </p:spPr>
         <p:txBody>
-          <a:bodyPr/>
+          <a:bodyPr anchor="t">
+            <a:normAutofit/>
+          </a:bodyPr>
           <a:lstStyle/>
           <a:p>
             <a:pPr lvl="0"/>
@@ -1941,18 +3810,13 @@
               <a:rPr lang="en-US"/>
               <a:t>Fifth level</a:t>
             </a:r>
-          </a:p>
-        </p:txBody>
-      </p:sp>
-      <p:sp>
-        <p:nvSpPr>
-          <p:cNvPr id="5" name="Text Placeholder 4">
-            <a:extLst>
-              <a:ext uri="{FF2B5EF4-FFF2-40B4-BE49-F238E27FC236}">
-                <a16:creationId xmlns:a16="http://schemas.microsoft.com/office/drawing/2014/main" id="{910AEBB0-F033-46DF-BAB0-41A67268A4E4}"/>
-              </a:ext>
-            </a:extLst>
-          </p:cNvPr>
+            <a:endParaRPr lang="en-US" dirty="0"/>
+          </a:p>
+        </p:txBody>
+      </p:sp>
+      <p:sp>
+        <p:nvSpPr>
+          <p:cNvPr id="5" name="Text Placeholder 4"/>
           <p:cNvSpPr>
             <a:spLocks noGrp="1"/>
           </p:cNvSpPr>
@@ -1962,16 +3826,22 @@
         </p:nvSpPr>
         <p:spPr>
           <a:xfrm>
-            <a:off x="6172200" y="1681163"/>
-            <a:ext cx="5183188" cy="823912"/>
+            <a:off x="6079066" y="685800"/>
+            <a:ext cx="4665134" cy="576262"/>
           </a:xfrm>
         </p:spPr>
         <p:txBody>
-          <a:bodyPr anchor="b"/>
+          <a:bodyPr anchor="b">
+            <a:noAutofit/>
+          </a:bodyPr>
           <a:lstStyle>
             <a:lvl1pPr marL="0" indent="0">
               <a:buNone/>
-              <a:defRPr sz="2400" b="1"/>
+              <a:defRPr sz="2800" b="0">
+                <a:solidFill>
+                  <a:schemeClr val="tx1"/>
+                </a:solidFill>
+              </a:defRPr>
             </a:lvl1pPr>
             <a:lvl2pPr marL="457200" indent="0">
               <a:buNone/>
@@ -2017,13 +3887,7 @@
       </p:sp>
       <p:sp>
         <p:nvSpPr>
-          <p:cNvPr id="6" name="Content Placeholder 5">
-            <a:extLst>
-              <a:ext uri="{FF2B5EF4-FFF2-40B4-BE49-F238E27FC236}">
-                <a16:creationId xmlns:a16="http://schemas.microsoft.com/office/drawing/2014/main" id="{813BE41B-D031-4E6F-A4AD-82C4E436F01D}"/>
-              </a:ext>
-            </a:extLst>
-          </p:cNvPr>
+          <p:cNvPr id="6" name="Content Placeholder 5"/>
           <p:cNvSpPr>
             <a:spLocks noGrp="1"/>
           </p:cNvSpPr>
@@ -2033,12 +3897,14 @@
         </p:nvSpPr>
         <p:spPr>
           <a:xfrm>
-            <a:off x="6172200" y="2505075"/>
-            <a:ext cx="5183188" cy="3684588"/>
+            <a:off x="5806545" y="1262062"/>
+            <a:ext cx="4929188" cy="3030538"/>
           </a:xfrm>
         </p:spPr>
         <p:txBody>
-          <a:bodyPr/>
+          <a:bodyPr anchor="t">
+            <a:normAutofit/>
+          </a:bodyPr>
           <a:lstStyle/>
           <a:p>
             <a:pPr lvl="0"/>
@@ -2074,18 +3940,13 @@
               <a:rPr lang="en-US"/>
               <a:t>Fifth level</a:t>
             </a:r>
-          </a:p>
-        </p:txBody>
-      </p:sp>
-      <p:sp>
-        <p:nvSpPr>
-          <p:cNvPr id="7" name="Date Placeholder 6">
-            <a:extLst>
-              <a:ext uri="{FF2B5EF4-FFF2-40B4-BE49-F238E27FC236}">
-                <a16:creationId xmlns:a16="http://schemas.microsoft.com/office/drawing/2014/main" id="{32923526-055D-49E5-A9A9-53080CDA9709}"/>
-              </a:ext>
-            </a:extLst>
-          </p:cNvPr>
+            <a:endParaRPr lang="en-US" dirty="0"/>
+          </a:p>
+        </p:txBody>
+      </p:sp>
+      <p:sp>
+        <p:nvSpPr>
+          <p:cNvPr id="7" name="Date Placeholder 6"/>
           <p:cNvSpPr>
             <a:spLocks noGrp="1"/>
           </p:cNvSpPr>
@@ -2108,13 +3969,7 @@
       </p:sp>
       <p:sp>
         <p:nvSpPr>
-          <p:cNvPr id="8" name="Footer Placeholder 7">
-            <a:extLst>
-              <a:ext uri="{FF2B5EF4-FFF2-40B4-BE49-F238E27FC236}">
-                <a16:creationId xmlns:a16="http://schemas.microsoft.com/office/drawing/2014/main" id="{ED905B09-D227-432B-A3D5-561A4F42514F}"/>
-              </a:ext>
-            </a:extLst>
-          </p:cNvPr>
+          <p:cNvPr id="8" name="Footer Placeholder 7"/>
           <p:cNvSpPr>
             <a:spLocks noGrp="1"/>
           </p:cNvSpPr>
@@ -2133,13 +3988,7 @@
       </p:sp>
       <p:sp>
         <p:nvSpPr>
-          <p:cNvPr id="9" name="Slide Number Placeholder 8">
-            <a:extLst>
-              <a:ext uri="{FF2B5EF4-FFF2-40B4-BE49-F238E27FC236}">
-                <a16:creationId xmlns:a16="http://schemas.microsoft.com/office/drawing/2014/main" id="{8676C7D8-E176-4EA8-A8E2-20F88DA328BD}"/>
-              </a:ext>
-            </a:extLst>
-          </p:cNvPr>
+          <p:cNvPr id="9" name="Slide Number Placeholder 8"/>
           <p:cNvSpPr>
             <a:spLocks noGrp="1"/>
           </p:cNvSpPr>
@@ -2163,7 +4012,7 @@
     </p:spTree>
     <p:extLst>
       <p:ext uri="{BB962C8B-B14F-4D97-AF65-F5344CB8AC3E}">
-        <p14:creationId xmlns:p14="http://schemas.microsoft.com/office/powerpoint/2010/main" val="786272467"/>
+        <p14:creationId xmlns:p14="http://schemas.microsoft.com/office/powerpoint/2010/main" val="661007320"/>
       </p:ext>
     </p:extLst>
   </p:cSld>
@@ -2192,13 +4041,7 @@
       </p:grpSpPr>
       <p:sp>
         <p:nvSpPr>
-          <p:cNvPr id="2" name="Title 1">
-            <a:extLst>
-              <a:ext uri="{FF2B5EF4-FFF2-40B4-BE49-F238E27FC236}">
-                <a16:creationId xmlns:a16="http://schemas.microsoft.com/office/drawing/2014/main" id="{6203A227-2F7B-4251-989A-21BEBA546F06}"/>
-              </a:ext>
-            </a:extLst>
-          </p:cNvPr>
+          <p:cNvPr id="2" name="Title 1"/>
           <p:cNvSpPr>
             <a:spLocks noGrp="1"/>
           </p:cNvSpPr>
@@ -2215,18 +4058,13 @@
               <a:rPr lang="en-US"/>
               <a:t>Click to edit Master title style</a:t>
             </a:r>
-          </a:p>
-        </p:txBody>
-      </p:sp>
-      <p:sp>
-        <p:nvSpPr>
-          <p:cNvPr id="3" name="Date Placeholder 2">
-            <a:extLst>
-              <a:ext uri="{FF2B5EF4-FFF2-40B4-BE49-F238E27FC236}">
-                <a16:creationId xmlns:a16="http://schemas.microsoft.com/office/drawing/2014/main" id="{524B738F-768D-4D03-9A84-6C15BAD48BC2}"/>
-              </a:ext>
-            </a:extLst>
-          </p:cNvPr>
+            <a:endParaRPr lang="en-US" dirty="0"/>
+          </a:p>
+        </p:txBody>
+      </p:sp>
+      <p:sp>
+        <p:nvSpPr>
+          <p:cNvPr id="3" name="Date Placeholder 2"/>
           <p:cNvSpPr>
             <a:spLocks noGrp="1"/>
           </p:cNvSpPr>
@@ -2249,13 +4087,7 @@
       </p:sp>
       <p:sp>
         <p:nvSpPr>
-          <p:cNvPr id="4" name="Footer Placeholder 3">
-            <a:extLst>
-              <a:ext uri="{FF2B5EF4-FFF2-40B4-BE49-F238E27FC236}">
-                <a16:creationId xmlns:a16="http://schemas.microsoft.com/office/drawing/2014/main" id="{2F96C17B-03A4-4BDA-9258-98ACC7CB41AA}"/>
-              </a:ext>
-            </a:extLst>
-          </p:cNvPr>
+          <p:cNvPr id="4" name="Footer Placeholder 3"/>
           <p:cNvSpPr>
             <a:spLocks noGrp="1"/>
           </p:cNvSpPr>
@@ -2274,13 +4106,7 @@
       </p:sp>
       <p:sp>
         <p:nvSpPr>
-          <p:cNvPr id="5" name="Slide Number Placeholder 4">
-            <a:extLst>
-              <a:ext uri="{FF2B5EF4-FFF2-40B4-BE49-F238E27FC236}">
-                <a16:creationId xmlns:a16="http://schemas.microsoft.com/office/drawing/2014/main" id="{3BA3B4F7-52D4-4720-BA11-D4A54FC0EDAF}"/>
-              </a:ext>
-            </a:extLst>
-          </p:cNvPr>
+          <p:cNvPr id="5" name="Slide Number Placeholder 4"/>
           <p:cNvSpPr>
             <a:spLocks noGrp="1"/>
           </p:cNvSpPr>
@@ -2304,7 +4130,7 @@
     </p:spTree>
     <p:extLst>
       <p:ext uri="{BB962C8B-B14F-4D97-AF65-F5344CB8AC3E}">
-        <p14:creationId xmlns:p14="http://schemas.microsoft.com/office/powerpoint/2010/main" val="2691249877"/>
+        <p14:creationId xmlns:p14="http://schemas.microsoft.com/office/powerpoint/2010/main" val="903100519"/>
       </p:ext>
     </p:extLst>
   </p:cSld>
@@ -2333,13 +4159,7 @@
       </p:grpSpPr>
       <p:sp>
         <p:nvSpPr>
-          <p:cNvPr id="2" name="Date Placeholder 1">
-            <a:extLst>
-              <a:ext uri="{FF2B5EF4-FFF2-40B4-BE49-F238E27FC236}">
-                <a16:creationId xmlns:a16="http://schemas.microsoft.com/office/drawing/2014/main" id="{F14CD39B-685A-494B-9773-B810B0535977}"/>
-              </a:ext>
-            </a:extLst>
-          </p:cNvPr>
+          <p:cNvPr id="2" name="Date Placeholder 1"/>
           <p:cNvSpPr>
             <a:spLocks noGrp="1"/>
           </p:cNvSpPr>
@@ -2362,13 +4182,7 @@
       </p:sp>
       <p:sp>
         <p:nvSpPr>
-          <p:cNvPr id="3" name="Footer Placeholder 2">
-            <a:extLst>
-              <a:ext uri="{FF2B5EF4-FFF2-40B4-BE49-F238E27FC236}">
-                <a16:creationId xmlns:a16="http://schemas.microsoft.com/office/drawing/2014/main" id="{A3079E1B-7EDD-49DA-AEAF-9A2CBAEEB0DA}"/>
-              </a:ext>
-            </a:extLst>
-          </p:cNvPr>
+          <p:cNvPr id="3" name="Footer Placeholder 2"/>
           <p:cNvSpPr>
             <a:spLocks noGrp="1"/>
           </p:cNvSpPr>
@@ -2387,13 +4201,7 @@
       </p:sp>
       <p:sp>
         <p:nvSpPr>
-          <p:cNvPr id="4" name="Slide Number Placeholder 3">
-            <a:extLst>
-              <a:ext uri="{FF2B5EF4-FFF2-40B4-BE49-F238E27FC236}">
-                <a16:creationId xmlns:a16="http://schemas.microsoft.com/office/drawing/2014/main" id="{B8AF03E7-A123-466D-B93E-FAEEE712B505}"/>
-              </a:ext>
-            </a:extLst>
-          </p:cNvPr>
+          <p:cNvPr id="4" name="Slide Number Placeholder 3"/>
           <p:cNvSpPr>
             <a:spLocks noGrp="1"/>
           </p:cNvSpPr>
@@ -2417,7 +4225,7 @@
     </p:spTree>
     <p:extLst>
       <p:ext uri="{BB962C8B-B14F-4D97-AF65-F5344CB8AC3E}">
-        <p14:creationId xmlns:p14="http://schemas.microsoft.com/office/powerpoint/2010/main" val="4020057835"/>
+        <p14:creationId xmlns:p14="http://schemas.microsoft.com/office/powerpoint/2010/main" val="3266767079"/>
       </p:ext>
     </p:extLst>
   </p:cSld>
@@ -2446,13 +4254,7 @@
       </p:grpSpPr>
       <p:sp>
         <p:nvSpPr>
-          <p:cNvPr id="2" name="Title 1">
-            <a:extLst>
-              <a:ext uri="{FF2B5EF4-FFF2-40B4-BE49-F238E27FC236}">
-                <a16:creationId xmlns:a16="http://schemas.microsoft.com/office/drawing/2014/main" id="{1B55B48E-BCBD-4D5D-83A9-4759B96828C6}"/>
-              </a:ext>
-            </a:extLst>
-          </p:cNvPr>
+          <p:cNvPr id="2" name="Title 1"/>
           <p:cNvSpPr>
             <a:spLocks noGrp="1"/>
           </p:cNvSpPr>
@@ -2462,15 +4264,17 @@
         </p:nvSpPr>
         <p:spPr>
           <a:xfrm>
-            <a:off x="839788" y="457200"/>
-            <a:ext cx="3932237" cy="1600200"/>
+            <a:off x="7085012" y="685800"/>
+            <a:ext cx="3657600" cy="1371600"/>
           </a:xfrm>
         </p:spPr>
         <p:txBody>
-          <a:bodyPr anchor="b"/>
+          <a:bodyPr anchor="b">
+            <a:normAutofit/>
+          </a:bodyPr>
           <a:lstStyle>
-            <a:lvl1pPr>
-              <a:defRPr sz="3200"/>
+            <a:lvl1pPr algn="l">
+              <a:defRPr sz="2400" b="0"/>
             </a:lvl1pPr>
           </a:lstStyle>
           <a:p>
@@ -2478,18 +4282,13 @@
               <a:rPr lang="en-US"/>
               <a:t>Click to edit Master title style</a:t>
             </a:r>
-          </a:p>
-        </p:txBody>
-      </p:sp>
-      <p:sp>
-        <p:nvSpPr>
-          <p:cNvPr id="3" name="Content Placeholder 2">
-            <a:extLst>
-              <a:ext uri="{FF2B5EF4-FFF2-40B4-BE49-F238E27FC236}">
-                <a16:creationId xmlns:a16="http://schemas.microsoft.com/office/drawing/2014/main" id="{3E0A1173-A278-4984-8A6B-48B8B8BD23B4}"/>
-              </a:ext>
-            </a:extLst>
-          </p:cNvPr>
+            <a:endParaRPr lang="en-US" dirty="0"/>
+          </a:p>
+        </p:txBody>
+      </p:sp>
+      <p:sp>
+        <p:nvSpPr>
+          <p:cNvPr id="3" name="Content Placeholder 2"/>
           <p:cNvSpPr>
             <a:spLocks noGrp="1"/>
           </p:cNvSpPr>
@@ -2499,41 +4298,15 @@
         </p:nvSpPr>
         <p:spPr>
           <a:xfrm>
-            <a:off x="5183188" y="987425"/>
-            <a:ext cx="6172200" cy="4873625"/>
+            <a:off x="684212" y="685800"/>
+            <a:ext cx="5943601" cy="5308600"/>
           </a:xfrm>
         </p:spPr>
         <p:txBody>
-          <a:bodyPr/>
-          <a:lstStyle>
-            <a:lvl1pPr>
-              <a:defRPr sz="3200"/>
-            </a:lvl1pPr>
-            <a:lvl2pPr>
-              <a:defRPr sz="2800"/>
-            </a:lvl2pPr>
-            <a:lvl3pPr>
-              <a:defRPr sz="2400"/>
-            </a:lvl3pPr>
-            <a:lvl4pPr>
-              <a:defRPr sz="2000"/>
-            </a:lvl4pPr>
-            <a:lvl5pPr>
-              <a:defRPr sz="2000"/>
-            </a:lvl5pPr>
-            <a:lvl6pPr>
-              <a:defRPr sz="2000"/>
-            </a:lvl6pPr>
-            <a:lvl7pPr>
-              <a:defRPr sz="2000"/>
-            </a:lvl7pPr>
-            <a:lvl8pPr>
-              <a:defRPr sz="2000"/>
-            </a:lvl8pPr>
-            <a:lvl9pPr>
-              <a:defRPr sz="2000"/>
-            </a:lvl9pPr>
-          </a:lstStyle>
+          <a:bodyPr anchor="ctr">
+            <a:normAutofit/>
+          </a:bodyPr>
+          <a:lstStyle/>
           <a:p>
             <a:pPr lvl="0"/>
             <a:r>
@@ -2568,18 +4341,13 @@
               <a:rPr lang="en-US"/>
               <a:t>Fifth level</a:t>
             </a:r>
-          </a:p>
-        </p:txBody>
-      </p:sp>
-      <p:sp>
-        <p:nvSpPr>
-          <p:cNvPr id="4" name="Text Placeholder 3">
-            <a:extLst>
-              <a:ext uri="{FF2B5EF4-FFF2-40B4-BE49-F238E27FC236}">
-                <a16:creationId xmlns:a16="http://schemas.microsoft.com/office/drawing/2014/main" id="{82B8C397-8BB6-415D-B380-8082B87F6CB4}"/>
-              </a:ext>
-            </a:extLst>
-          </p:cNvPr>
+            <a:endParaRPr lang="en-US" dirty="0"/>
+          </a:p>
+        </p:txBody>
+      </p:sp>
+      <p:sp>
+        <p:nvSpPr>
+          <p:cNvPr id="4" name="Text Placeholder 3"/>
           <p:cNvSpPr>
             <a:spLocks noGrp="1"/>
           </p:cNvSpPr>
@@ -2589,12 +4357,14 @@
         </p:nvSpPr>
         <p:spPr>
           <a:xfrm>
-            <a:off x="839788" y="2057400"/>
-            <a:ext cx="3932237" cy="3811588"/>
+            <a:off x="7085012" y="2209799"/>
+            <a:ext cx="3657600" cy="2091267"/>
           </a:xfrm>
         </p:spPr>
         <p:txBody>
-          <a:bodyPr/>
+          <a:bodyPr anchor="t">
+            <a:normAutofit/>
+          </a:bodyPr>
           <a:lstStyle>
             <a:lvl1pPr marL="0" indent="0">
               <a:buNone/>
@@ -2602,35 +4372,35 @@
             </a:lvl1pPr>
             <a:lvl2pPr marL="457200" indent="0">
               <a:buNone/>
-              <a:defRPr sz="1400"/>
+              <a:defRPr sz="1200"/>
             </a:lvl2pPr>
             <a:lvl3pPr marL="914400" indent="0">
               <a:buNone/>
-              <a:defRPr sz="1200"/>
+              <a:defRPr sz="1000"/>
             </a:lvl3pPr>
             <a:lvl4pPr marL="1371600" indent="0">
               <a:buNone/>
-              <a:defRPr sz="1000"/>
+              <a:defRPr sz="900"/>
             </a:lvl4pPr>
             <a:lvl5pPr marL="1828800" indent="0">
               <a:buNone/>
-              <a:defRPr sz="1000"/>
+              <a:defRPr sz="900"/>
             </a:lvl5pPr>
             <a:lvl6pPr marL="2286000" indent="0">
               <a:buNone/>
-              <a:defRPr sz="1000"/>
+              <a:defRPr sz="900"/>
             </a:lvl6pPr>
             <a:lvl7pPr marL="2743200" indent="0">
               <a:buNone/>
-              <a:defRPr sz="1000"/>
+              <a:defRPr sz="900"/>
             </a:lvl7pPr>
             <a:lvl8pPr marL="3200400" indent="0">
               <a:buNone/>
-              <a:defRPr sz="1000"/>
+              <a:defRPr sz="900"/>
             </a:lvl8pPr>
             <a:lvl9pPr marL="3657600" indent="0">
               <a:buNone/>
-              <a:defRPr sz="1000"/>
+              <a:defRPr sz="900"/>
             </a:lvl9pPr>
           </a:lstStyle>
           <a:p>
@@ -2644,13 +4414,7 @@
       </p:sp>
       <p:sp>
         <p:nvSpPr>
-          <p:cNvPr id="5" name="Date Placeholder 4">
-            <a:extLst>
-              <a:ext uri="{FF2B5EF4-FFF2-40B4-BE49-F238E27FC236}">
-                <a16:creationId xmlns:a16="http://schemas.microsoft.com/office/drawing/2014/main" id="{038D5D01-AB2F-4DE5-9F34-3DFF85C007CD}"/>
-              </a:ext>
-            </a:extLst>
-          </p:cNvPr>
+          <p:cNvPr id="5" name="Date Placeholder 4"/>
           <p:cNvSpPr>
             <a:spLocks noGrp="1"/>
           </p:cNvSpPr>
@@ -2673,13 +4437,7 @@
       </p:sp>
       <p:sp>
         <p:nvSpPr>
-          <p:cNvPr id="6" name="Footer Placeholder 5">
-            <a:extLst>
-              <a:ext uri="{FF2B5EF4-FFF2-40B4-BE49-F238E27FC236}">
-                <a16:creationId xmlns:a16="http://schemas.microsoft.com/office/drawing/2014/main" id="{B3700325-507C-4AE3-B112-EC39CA464D56}"/>
-              </a:ext>
-            </a:extLst>
-          </p:cNvPr>
+          <p:cNvPr id="6" name="Footer Placeholder 5"/>
           <p:cNvSpPr>
             <a:spLocks noGrp="1"/>
           </p:cNvSpPr>
@@ -2698,13 +4456,7 @@
       </p:sp>
       <p:sp>
         <p:nvSpPr>
-          <p:cNvPr id="7" name="Slide Number Placeholder 6">
-            <a:extLst>
-              <a:ext uri="{FF2B5EF4-FFF2-40B4-BE49-F238E27FC236}">
-                <a16:creationId xmlns:a16="http://schemas.microsoft.com/office/drawing/2014/main" id="{4EA3A610-2177-48EE-81D1-78D7B80C4995}"/>
-              </a:ext>
-            </a:extLst>
-          </p:cNvPr>
+          <p:cNvPr id="7" name="Slide Number Placeholder 6"/>
           <p:cNvSpPr>
             <a:spLocks noGrp="1"/>
           </p:cNvSpPr>
@@ -2728,7 +4480,7 @@
     </p:spTree>
     <p:extLst>
       <p:ext uri="{BB962C8B-B14F-4D97-AF65-F5344CB8AC3E}">
-        <p14:creationId xmlns:p14="http://schemas.microsoft.com/office/powerpoint/2010/main" val="1132501368"/>
+        <p14:creationId xmlns:p14="http://schemas.microsoft.com/office/powerpoint/2010/main" val="3668780668"/>
       </p:ext>
     </p:extLst>
   </p:cSld>
@@ -2757,13 +4509,7 @@
       </p:grpSpPr>
       <p:sp>
         <p:nvSpPr>
-          <p:cNvPr id="2" name="Title 1">
-            <a:extLst>
-              <a:ext uri="{FF2B5EF4-FFF2-40B4-BE49-F238E27FC236}">
-                <a16:creationId xmlns:a16="http://schemas.microsoft.com/office/drawing/2014/main" id="{CD4519E5-4B36-4C0D-B8D3-E0F5D87905E3}"/>
-              </a:ext>
-            </a:extLst>
-          </p:cNvPr>
+          <p:cNvPr id="2" name="Title 1"/>
           <p:cNvSpPr>
             <a:spLocks noGrp="1"/>
           </p:cNvSpPr>
@@ -2773,15 +4519,17 @@
         </p:nvSpPr>
         <p:spPr>
           <a:xfrm>
-            <a:off x="839788" y="457200"/>
-            <a:ext cx="3932237" cy="1600200"/>
+            <a:off x="4722812" y="1447800"/>
+            <a:ext cx="6019800" cy="1143000"/>
           </a:xfrm>
         </p:spPr>
         <p:txBody>
-          <a:bodyPr anchor="b"/>
+          <a:bodyPr anchor="b">
+            <a:normAutofit/>
+          </a:bodyPr>
           <a:lstStyle>
-            <a:lvl1pPr>
-              <a:defRPr sz="3200"/>
+            <a:lvl1pPr algn="l">
+              <a:defRPr sz="2800" b="0"/>
             </a:lvl1pPr>
           </a:lstStyle>
           <a:p>
@@ -2789,20 +4537,15 @@
               <a:rPr lang="en-US"/>
               <a:t>Click to edit Master title style</a:t>
             </a:r>
-          </a:p>
-        </p:txBody>
-      </p:sp>
-      <p:sp>
-        <p:nvSpPr>
-          <p:cNvPr id="3" name="Picture Placeholder 2">
-            <a:extLst>
-              <a:ext uri="{FF2B5EF4-FFF2-40B4-BE49-F238E27FC236}">
-                <a16:creationId xmlns:a16="http://schemas.microsoft.com/office/drawing/2014/main" id="{4E7E5C05-16B0-48FD-847F-2236EDD52B11}"/>
-              </a:ext>
-            </a:extLst>
-          </p:cNvPr>
-          <p:cNvSpPr>
-            <a:spLocks noGrp="1"/>
+            <a:endParaRPr lang="en-US" dirty="0"/>
+          </a:p>
+        </p:txBody>
+      </p:sp>
+      <p:sp>
+        <p:nvSpPr>
+          <p:cNvPr id="14" name="Picture Placeholder 2"/>
+          <p:cNvSpPr>
+            <a:spLocks noGrp="1" noChangeAspect="1"/>
           </p:cNvSpPr>
           <p:nvPr>
             <p:ph type="pic" idx="1"/>
@@ -2810,118 +4553,140 @@
         </p:nvSpPr>
         <p:spPr>
           <a:xfrm>
-            <a:off x="5183188" y="987425"/>
-            <a:ext cx="6172200" cy="4873625"/>
+            <a:off x="989012" y="914400"/>
+            <a:ext cx="3280974" cy="4572000"/>
           </a:xfrm>
+          <a:prstGeom prst="snip2DiagRect">
+            <a:avLst>
+              <a:gd name="adj1" fmla="val 10815"/>
+              <a:gd name="adj2" fmla="val 0"/>
+            </a:avLst>
+          </a:prstGeom>
+          <a:ln w="15875">
+            <a:solidFill>
+              <a:schemeClr val="tx1">
+                <a:alpha val="40000"/>
+              </a:schemeClr>
+            </a:solidFill>
+          </a:ln>
+          <a:effectLst>
+            <a:innerShdw blurRad="57150" dist="38100" dir="14460000">
+              <a:srgbClr val="000000">
+                <a:alpha val="70000"/>
+              </a:srgbClr>
+            </a:innerShdw>
+          </a:effectLst>
         </p:spPr>
         <p:txBody>
-          <a:bodyPr/>
+          <a:bodyPr anchor="t">
+            <a:normAutofit/>
+          </a:bodyPr>
           <a:lstStyle>
-            <a:lvl1pPr marL="0" indent="0">
-              <a:buNone/>
-              <a:defRPr sz="3200"/>
-            </a:lvl1pPr>
-            <a:lvl2pPr marL="457200" indent="0">
-              <a:buNone/>
-              <a:defRPr sz="2800"/>
-            </a:lvl2pPr>
-            <a:lvl3pPr marL="914400" indent="0">
-              <a:buNone/>
-              <a:defRPr sz="2400"/>
-            </a:lvl3pPr>
-            <a:lvl4pPr marL="1371600" indent="0">
-              <a:buNone/>
-              <a:defRPr sz="2000"/>
-            </a:lvl4pPr>
-            <a:lvl5pPr marL="1828800" indent="0">
-              <a:buNone/>
-              <a:defRPr sz="2000"/>
-            </a:lvl5pPr>
-            <a:lvl6pPr marL="2286000" indent="0">
-              <a:buNone/>
-              <a:defRPr sz="2000"/>
-            </a:lvl6pPr>
-            <a:lvl7pPr marL="2743200" indent="0">
-              <a:buNone/>
-              <a:defRPr sz="2000"/>
-            </a:lvl7pPr>
-            <a:lvl8pPr marL="3200400" indent="0">
-              <a:buNone/>
-              <a:defRPr sz="2000"/>
-            </a:lvl8pPr>
-            <a:lvl9pPr marL="3657600" indent="0">
-              <a:buNone/>
-              <a:defRPr sz="2000"/>
-            </a:lvl9pPr>
-          </a:lstStyle>
-          <a:p>
-            <a:endParaRPr lang="en-US"/>
-          </a:p>
-        </p:txBody>
-      </p:sp>
-      <p:sp>
-        <p:nvSpPr>
-          <p:cNvPr id="4" name="Text Placeholder 3">
-            <a:extLst>
-              <a:ext uri="{FF2B5EF4-FFF2-40B4-BE49-F238E27FC236}">
-                <a16:creationId xmlns:a16="http://schemas.microsoft.com/office/drawing/2014/main" id="{CBAF0991-F2E8-425F-951C-E3859C0A7632}"/>
-              </a:ext>
-            </a:extLst>
-          </p:cNvPr>
-          <p:cNvSpPr>
-            <a:spLocks noGrp="1"/>
-          </p:cNvSpPr>
-          <p:nvPr>
-            <p:ph type="body" sz="half" idx="2"/>
-          </p:nvPr>
-        </p:nvSpPr>
-        <p:spPr>
-          <a:xfrm>
-            <a:off x="839788" y="2057400"/>
-            <a:ext cx="3932237" cy="3811588"/>
-          </a:xfrm>
-        </p:spPr>
-        <p:txBody>
-          <a:bodyPr/>
-          <a:lstStyle>
-            <a:lvl1pPr marL="0" indent="0">
+            <a:lvl1pPr marL="0" indent="0" algn="ctr">
               <a:buNone/>
               <a:defRPr sz="1600"/>
             </a:lvl1pPr>
             <a:lvl2pPr marL="457200" indent="0">
               <a:buNone/>
-              <a:defRPr sz="1400"/>
+              <a:defRPr sz="1600"/>
             </a:lvl2pPr>
             <a:lvl3pPr marL="914400" indent="0">
               <a:buNone/>
-              <a:defRPr sz="1200"/>
+              <a:defRPr sz="1600"/>
             </a:lvl3pPr>
             <a:lvl4pPr marL="1371600" indent="0">
               <a:buNone/>
-              <a:defRPr sz="1000"/>
+              <a:defRPr sz="1600"/>
             </a:lvl4pPr>
             <a:lvl5pPr marL="1828800" indent="0">
               <a:buNone/>
-              <a:defRPr sz="1000"/>
+              <a:defRPr sz="1600"/>
             </a:lvl5pPr>
             <a:lvl6pPr marL="2286000" indent="0">
               <a:buNone/>
-              <a:defRPr sz="1000"/>
+              <a:defRPr sz="1600"/>
             </a:lvl6pPr>
             <a:lvl7pPr marL="2743200" indent="0">
               <a:buNone/>
-              <a:defRPr sz="1000"/>
+              <a:defRPr sz="1600"/>
             </a:lvl7pPr>
             <a:lvl8pPr marL="3200400" indent="0">
               <a:buNone/>
-              <a:defRPr sz="1000"/>
+              <a:defRPr sz="1600"/>
             </a:lvl8pPr>
             <a:lvl9pPr marL="3657600" indent="0">
               <a:buNone/>
-              <a:defRPr sz="1000"/>
+              <a:defRPr sz="1600"/>
             </a:lvl9pPr>
           </a:lstStyle>
           <a:p>
+            <a:r>
+              <a:rPr lang="en-US"/>
+              <a:t>Click icon to add picture</a:t>
+            </a:r>
+            <a:endParaRPr lang="en-US" dirty="0"/>
+          </a:p>
+        </p:txBody>
+      </p:sp>
+      <p:sp>
+        <p:nvSpPr>
+          <p:cNvPr id="4" name="Text Placeholder 3"/>
+          <p:cNvSpPr>
+            <a:spLocks noGrp="1"/>
+          </p:cNvSpPr>
+          <p:nvPr>
+            <p:ph type="body" sz="half" idx="2"/>
+          </p:nvPr>
+        </p:nvSpPr>
+        <p:spPr>
+          <a:xfrm>
+            <a:off x="4722812" y="2777066"/>
+            <a:ext cx="6021388" cy="2048933"/>
+          </a:xfrm>
+        </p:spPr>
+        <p:txBody>
+          <a:bodyPr anchor="t">
+            <a:normAutofit/>
+          </a:bodyPr>
+          <a:lstStyle>
+            <a:lvl1pPr marL="0" indent="0">
+              <a:buNone/>
+              <a:defRPr sz="1800"/>
+            </a:lvl1pPr>
+            <a:lvl2pPr marL="457200" indent="0">
+              <a:buNone/>
+              <a:defRPr sz="1200"/>
+            </a:lvl2pPr>
+            <a:lvl3pPr marL="914400" indent="0">
+              <a:buNone/>
+              <a:defRPr sz="1000"/>
+            </a:lvl3pPr>
+            <a:lvl4pPr marL="1371600" indent="0">
+              <a:buNone/>
+              <a:defRPr sz="900"/>
+            </a:lvl4pPr>
+            <a:lvl5pPr marL="1828800" indent="0">
+              <a:buNone/>
+              <a:defRPr sz="900"/>
+            </a:lvl5pPr>
+            <a:lvl6pPr marL="2286000" indent="0">
+              <a:buNone/>
+              <a:defRPr sz="900"/>
+            </a:lvl6pPr>
+            <a:lvl7pPr marL="2743200" indent="0">
+              <a:buNone/>
+              <a:defRPr sz="900"/>
+            </a:lvl7pPr>
+            <a:lvl8pPr marL="3200400" indent="0">
+              <a:buNone/>
+              <a:defRPr sz="900"/>
+            </a:lvl8pPr>
+            <a:lvl9pPr marL="3657600" indent="0">
+              <a:buNone/>
+              <a:defRPr sz="900"/>
+            </a:lvl9pPr>
+          </a:lstStyle>
+          <a:p>
             <a:pPr lvl="0"/>
             <a:r>
               <a:rPr lang="en-US"/>
@@ -2932,13 +4697,7 @@
       </p:sp>
       <p:sp>
         <p:nvSpPr>
-          <p:cNvPr id="5" name="Date Placeholder 4">
-            <a:extLst>
-              <a:ext uri="{FF2B5EF4-FFF2-40B4-BE49-F238E27FC236}">
-                <a16:creationId xmlns:a16="http://schemas.microsoft.com/office/drawing/2014/main" id="{FA642BCD-E596-43FC-85DC-21EAD77E3BBE}"/>
-              </a:ext>
-            </a:extLst>
-          </p:cNvPr>
+          <p:cNvPr id="5" name="Date Placeholder 4"/>
           <p:cNvSpPr>
             <a:spLocks noGrp="1"/>
           </p:cNvSpPr>
@@ -2961,13 +4720,7 @@
       </p:sp>
       <p:sp>
         <p:nvSpPr>
-          <p:cNvPr id="6" name="Footer Placeholder 5">
-            <a:extLst>
-              <a:ext uri="{FF2B5EF4-FFF2-40B4-BE49-F238E27FC236}">
-                <a16:creationId xmlns:a16="http://schemas.microsoft.com/office/drawing/2014/main" id="{27A67938-0537-475B-9205-4476415E21D7}"/>
-              </a:ext>
-            </a:extLst>
-          </p:cNvPr>
+          <p:cNvPr id="6" name="Footer Placeholder 5"/>
           <p:cNvSpPr>
             <a:spLocks noGrp="1"/>
           </p:cNvSpPr>
@@ -2986,13 +4739,7 @@
       </p:sp>
       <p:sp>
         <p:nvSpPr>
-          <p:cNvPr id="7" name="Slide Number Placeholder 6">
-            <a:extLst>
-              <a:ext uri="{FF2B5EF4-FFF2-40B4-BE49-F238E27FC236}">
-                <a16:creationId xmlns:a16="http://schemas.microsoft.com/office/drawing/2014/main" id="{AB13DFD5-0E1D-445B-83BA-41A01B346A2E}"/>
-              </a:ext>
-            </a:extLst>
-          </p:cNvPr>
+          <p:cNvPr id="7" name="Slide Number Placeholder 6"/>
           <p:cNvSpPr>
             <a:spLocks noGrp="1"/>
           </p:cNvSpPr>
@@ -3016,7 +4763,7 @@
     </p:spTree>
     <p:extLst>
       <p:ext uri="{BB962C8B-B14F-4D97-AF65-F5344CB8AC3E}">
-        <p14:creationId xmlns:p14="http://schemas.microsoft.com/office/powerpoint/2010/main" val="2342978742"/>
+        <p14:creationId xmlns:p14="http://schemas.microsoft.com/office/powerpoint/2010/main" val="747684093"/>
       </p:ext>
     </p:extLst>
   </p:cSld>
@@ -3030,8 +4777,8 @@
 <p:sldMaster xmlns:a="http://schemas.openxmlformats.org/drawingml/2006/main" xmlns:r="http://schemas.openxmlformats.org/officeDocument/2006/relationships" xmlns:p="http://schemas.openxmlformats.org/presentationml/2006/main">
   <p:cSld>
     <p:bg>
-      <p:bgRef idx="1001">
-        <a:schemeClr val="bg1"/>
+      <p:bgRef idx="1002">
+        <a:schemeClr val="bg2"/>
       </p:bgRef>
     </p:bg>
     <p:spTree>
@@ -3048,15 +4795,199 @@
           <a:chExt cx="0" cy="0"/>
         </a:xfrm>
       </p:grpSpPr>
-      <p:sp>
-        <p:nvSpPr>
-          <p:cNvPr id="2" name="Title Placeholder 1">
-            <a:extLst>
-              <a:ext uri="{FF2B5EF4-FFF2-40B4-BE49-F238E27FC236}">
-                <a16:creationId xmlns:a16="http://schemas.microsoft.com/office/drawing/2014/main" id="{341F4D24-1E43-44DC-966C-4E21FDD96102}"/>
-              </a:ext>
-            </a:extLst>
-          </p:cNvPr>
+      <p:grpSp>
+        <p:nvGrpSpPr>
+          <p:cNvPr id="7" name="Group 6"/>
+          <p:cNvGrpSpPr/>
+          <p:nvPr/>
+        </p:nvGrpSpPr>
+        <p:grpSpPr>
+          <a:xfrm>
+            <a:off x="9206969" y="2963333"/>
+            <a:ext cx="2981858" cy="3208867"/>
+            <a:chOff x="9206969" y="2963333"/>
+            <a:chExt cx="2981858" cy="3208867"/>
+          </a:xfrm>
+        </p:grpSpPr>
+        <p:cxnSp>
+          <p:nvCxnSpPr>
+            <p:cNvPr id="8" name="Straight Connector 7"/>
+            <p:cNvCxnSpPr/>
+            <p:nvPr/>
+          </p:nvCxnSpPr>
+          <p:spPr>
+            <a:xfrm flipH="1">
+              <a:off x="11276012" y="2963333"/>
+              <a:ext cx="912814" cy="912812"/>
+            </a:xfrm>
+            <a:prstGeom prst="line">
+              <a:avLst/>
+            </a:prstGeom>
+            <a:ln w="9525">
+              <a:solidFill>
+                <a:schemeClr val="tx1"/>
+              </a:solidFill>
+            </a:ln>
+          </p:spPr>
+          <p:style>
+            <a:lnRef idx="2">
+              <a:schemeClr val="accent1"/>
+            </a:lnRef>
+            <a:fillRef idx="0">
+              <a:schemeClr val="accent1"/>
+            </a:fillRef>
+            <a:effectRef idx="1">
+              <a:schemeClr val="accent1"/>
+            </a:effectRef>
+            <a:fontRef idx="minor">
+              <a:schemeClr val="tx1"/>
+            </a:fontRef>
+          </p:style>
+        </p:cxnSp>
+        <p:cxnSp>
+          <p:nvCxnSpPr>
+            <p:cNvPr id="9" name="Straight Connector 8"/>
+            <p:cNvCxnSpPr/>
+            <p:nvPr/>
+          </p:nvCxnSpPr>
+          <p:spPr>
+            <a:xfrm flipH="1">
+              <a:off x="9206969" y="3190344"/>
+              <a:ext cx="2981857" cy="2981856"/>
+            </a:xfrm>
+            <a:prstGeom prst="line">
+              <a:avLst/>
+            </a:prstGeom>
+            <a:ln w="9525">
+              <a:solidFill>
+                <a:schemeClr val="tx1"/>
+              </a:solidFill>
+            </a:ln>
+          </p:spPr>
+          <p:style>
+            <a:lnRef idx="2">
+              <a:schemeClr val="accent1"/>
+            </a:lnRef>
+            <a:fillRef idx="0">
+              <a:schemeClr val="accent1"/>
+            </a:fillRef>
+            <a:effectRef idx="1">
+              <a:schemeClr val="accent1"/>
+            </a:effectRef>
+            <a:fontRef idx="minor">
+              <a:schemeClr val="tx1"/>
+            </a:fontRef>
+          </p:style>
+        </p:cxnSp>
+        <p:cxnSp>
+          <p:nvCxnSpPr>
+            <p:cNvPr id="10" name="Straight Connector 9"/>
+            <p:cNvCxnSpPr/>
+            <p:nvPr/>
+          </p:nvCxnSpPr>
+          <p:spPr>
+            <a:xfrm flipH="1">
+              <a:off x="10292292" y="3285067"/>
+              <a:ext cx="1896534" cy="1896533"/>
+            </a:xfrm>
+            <a:prstGeom prst="line">
+              <a:avLst/>
+            </a:prstGeom>
+            <a:ln w="9525">
+              <a:solidFill>
+                <a:schemeClr val="tx1"/>
+              </a:solidFill>
+            </a:ln>
+          </p:spPr>
+          <p:style>
+            <a:lnRef idx="2">
+              <a:schemeClr val="accent1"/>
+            </a:lnRef>
+            <a:fillRef idx="0">
+              <a:schemeClr val="accent1"/>
+            </a:fillRef>
+            <a:effectRef idx="1">
+              <a:schemeClr val="accent1"/>
+            </a:effectRef>
+            <a:fontRef idx="minor">
+              <a:schemeClr val="tx1"/>
+            </a:fontRef>
+          </p:style>
+        </p:cxnSp>
+        <p:cxnSp>
+          <p:nvCxnSpPr>
+            <p:cNvPr id="11" name="Straight Connector 10"/>
+            <p:cNvCxnSpPr/>
+            <p:nvPr/>
+          </p:nvCxnSpPr>
+          <p:spPr>
+            <a:xfrm flipH="1">
+              <a:off x="10443103" y="3131080"/>
+              <a:ext cx="1745722" cy="1745720"/>
+            </a:xfrm>
+            <a:prstGeom prst="line">
+              <a:avLst/>
+            </a:prstGeom>
+            <a:ln w="28575">
+              <a:solidFill>
+                <a:schemeClr val="tx1"/>
+              </a:solidFill>
+            </a:ln>
+          </p:spPr>
+          <p:style>
+            <a:lnRef idx="2">
+              <a:schemeClr val="accent1"/>
+            </a:lnRef>
+            <a:fillRef idx="0">
+              <a:schemeClr val="accent1"/>
+            </a:fillRef>
+            <a:effectRef idx="1">
+              <a:schemeClr val="accent1"/>
+            </a:effectRef>
+            <a:fontRef idx="minor">
+              <a:schemeClr val="tx1"/>
+            </a:fontRef>
+          </p:style>
+        </p:cxnSp>
+        <p:cxnSp>
+          <p:nvCxnSpPr>
+            <p:cNvPr id="12" name="Straight Connector 11"/>
+            <p:cNvCxnSpPr/>
+            <p:nvPr/>
+          </p:nvCxnSpPr>
+          <p:spPr>
+            <a:xfrm flipH="1">
+              <a:off x="10918826" y="3683001"/>
+              <a:ext cx="1270001" cy="1269999"/>
+            </a:xfrm>
+            <a:prstGeom prst="line">
+              <a:avLst/>
+            </a:prstGeom>
+            <a:ln w="28575">
+              <a:solidFill>
+                <a:schemeClr val="tx1"/>
+              </a:solidFill>
+            </a:ln>
+          </p:spPr>
+          <p:style>
+            <a:lnRef idx="2">
+              <a:schemeClr val="accent1"/>
+            </a:lnRef>
+            <a:fillRef idx="0">
+              <a:schemeClr val="accent1"/>
+            </a:fillRef>
+            <a:effectRef idx="1">
+              <a:schemeClr val="accent1"/>
+            </a:effectRef>
+            <a:fontRef idx="minor">
+              <a:schemeClr val="tx1"/>
+            </a:fontRef>
+          </p:style>
+        </p:cxnSp>
+      </p:grpSp>
+      <p:sp>
+        <p:nvSpPr>
+          <p:cNvPr id="2" name="Title Placeholder 1"/>
           <p:cNvSpPr>
             <a:spLocks noGrp="1"/>
           </p:cNvSpPr>
@@ -3066,8 +4997,42 @@
         </p:nvSpPr>
         <p:spPr>
           <a:xfrm>
-            <a:off x="838200" y="365125"/>
-            <a:ext cx="10515600" cy="1325563"/>
+            <a:off x="684212" y="4487332"/>
+            <a:ext cx="8534400" cy="1507067"/>
+          </a:xfrm>
+          <a:prstGeom prst="rect">
+            <a:avLst/>
+          </a:prstGeom>
+          <a:effectLst/>
+        </p:spPr>
+        <p:txBody>
+          <a:bodyPr vert="horz" lIns="91440" tIns="45720" rIns="91440" bIns="45720" rtlCol="0" anchor="ctr">
+            <a:normAutofit/>
+          </a:bodyPr>
+          <a:lstStyle/>
+          <a:p>
+            <a:r>
+              <a:rPr lang="en-US"/>
+              <a:t>Click to edit Master title style</a:t>
+            </a:r>
+            <a:endParaRPr lang="en-US" dirty="0"/>
+          </a:p>
+        </p:txBody>
+      </p:sp>
+      <p:sp>
+        <p:nvSpPr>
+          <p:cNvPr id="3" name="Text Placeholder 2"/>
+          <p:cNvSpPr>
+            <a:spLocks noGrp="1"/>
+          </p:cNvSpPr>
+          <p:nvPr>
+            <p:ph type="body" idx="1"/>
+          </p:nvPr>
+        </p:nvSpPr>
+        <p:spPr>
+          <a:xfrm>
+            <a:off x="684212" y="685800"/>
+            <a:ext cx="8534400" cy="3615267"/>
           </a:xfrm>
           <a:prstGeom prst="rect">
             <a:avLst/>
@@ -3079,205 +5044,156 @@
           </a:bodyPr>
           <a:lstStyle/>
           <a:p>
+            <a:pPr lvl="0"/>
             <a:r>
               <a:rPr lang="en-US"/>
-              <a:t>Click to edit Master title style</a:t>
-            </a:r>
-          </a:p>
-        </p:txBody>
-      </p:sp>
-      <p:sp>
-        <p:nvSpPr>
-          <p:cNvPr id="3" name="Text Placeholder 2">
-            <a:extLst>
-              <a:ext uri="{FF2B5EF4-FFF2-40B4-BE49-F238E27FC236}">
-                <a16:creationId xmlns:a16="http://schemas.microsoft.com/office/drawing/2014/main" id="{64B7A776-7BF0-44F0-8C25-C78DFC8CF2FC}"/>
-              </a:ext>
-            </a:extLst>
-          </p:cNvPr>
-          <p:cNvSpPr>
-            <a:spLocks noGrp="1"/>
-          </p:cNvSpPr>
-          <p:nvPr>
-            <p:ph type="body" idx="1"/>
+              <a:t>Edit Master text styles</a:t>
+            </a:r>
+          </a:p>
+          <a:p>
+            <a:pPr lvl="1"/>
+            <a:r>
+              <a:rPr lang="en-US"/>
+              <a:t>Second level</a:t>
+            </a:r>
+          </a:p>
+          <a:p>
+            <a:pPr lvl="2"/>
+            <a:r>
+              <a:rPr lang="en-US"/>
+              <a:t>Third level</a:t>
+            </a:r>
+          </a:p>
+          <a:p>
+            <a:pPr lvl="3"/>
+            <a:r>
+              <a:rPr lang="en-US"/>
+              <a:t>Fourth level</a:t>
+            </a:r>
+          </a:p>
+          <a:p>
+            <a:pPr lvl="4"/>
+            <a:r>
+              <a:rPr lang="en-US"/>
+              <a:t>Fifth level</a:t>
+            </a:r>
+            <a:endParaRPr lang="en-US" dirty="0"/>
+          </a:p>
+        </p:txBody>
+      </p:sp>
+      <p:sp>
+        <p:nvSpPr>
+          <p:cNvPr id="4" name="Date Placeholder 3"/>
+          <p:cNvSpPr>
+            <a:spLocks noGrp="1"/>
+          </p:cNvSpPr>
+          <p:nvPr>
+            <p:ph type="dt" sz="half" idx="2"/>
           </p:nvPr>
         </p:nvSpPr>
         <p:spPr>
           <a:xfrm>
-            <a:off x="838200" y="1825625"/>
-            <a:ext cx="10515600" cy="4351338"/>
+            <a:off x="9904412" y="6172200"/>
+            <a:ext cx="1600200" cy="365125"/>
           </a:xfrm>
           <a:prstGeom prst="rect">
             <a:avLst/>
           </a:prstGeom>
         </p:spPr>
         <p:txBody>
-          <a:bodyPr vert="horz" lIns="91440" tIns="45720" rIns="91440" bIns="45720" rtlCol="0">
-            <a:normAutofit/>
-          </a:bodyPr>
-          <a:lstStyle/>
-          <a:p>
-            <a:pPr lvl="0"/>
-            <a:r>
-              <a:rPr lang="en-US"/>
-              <a:t>Edit Master text styles</a:t>
-            </a:r>
-          </a:p>
-          <a:p>
-            <a:pPr lvl="1"/>
-            <a:r>
-              <a:rPr lang="en-US"/>
-              <a:t>Second level</a:t>
-            </a:r>
-          </a:p>
-          <a:p>
-            <a:pPr lvl="2"/>
-            <a:r>
-              <a:rPr lang="en-US"/>
-              <a:t>Third level</a:t>
-            </a:r>
-          </a:p>
-          <a:p>
-            <a:pPr lvl="3"/>
-            <a:r>
-              <a:rPr lang="en-US"/>
-              <a:t>Fourth level</a:t>
-            </a:r>
-          </a:p>
-          <a:p>
-            <a:pPr lvl="4"/>
-            <a:r>
-              <a:rPr lang="en-US"/>
-              <a:t>Fifth level</a:t>
-            </a:r>
-          </a:p>
-        </p:txBody>
-      </p:sp>
-      <p:sp>
-        <p:nvSpPr>
-          <p:cNvPr id="4" name="Date Placeholder 3">
-            <a:extLst>
-              <a:ext uri="{FF2B5EF4-FFF2-40B4-BE49-F238E27FC236}">
-                <a16:creationId xmlns:a16="http://schemas.microsoft.com/office/drawing/2014/main" id="{59251ABA-FAEB-4BD5-8E6D-24B912B4CBDE}"/>
-              </a:ext>
-            </a:extLst>
-          </p:cNvPr>
-          <p:cNvSpPr>
-            <a:spLocks noGrp="1"/>
-          </p:cNvSpPr>
-          <p:nvPr>
-            <p:ph type="dt" sz="half" idx="2"/>
+          <a:bodyPr vert="horz" lIns="91440" tIns="45720" rIns="91440" bIns="45720" rtlCol="0" anchor="t"/>
+          <a:lstStyle>
+            <a:lvl1pPr algn="r">
+              <a:defRPr sz="1000" b="0" i="0">
+                <a:solidFill>
+                  <a:schemeClr val="bg2">
+                    <a:lumMod val="50000"/>
+                  </a:schemeClr>
+                </a:solidFill>
+                <a:effectLst/>
+                <a:latin typeface="+mn-lt"/>
+              </a:defRPr>
+            </a:lvl1pPr>
+          </a:lstStyle>
+          <a:p>
+            <a:fld id="{597F59F5-6EDF-45CD-943B-829C40AA6758}" type="datetimeFigureOut">
+              <a:rPr lang="en-US" smtClean="0"/>
+              <a:t>3/16/2022</a:t>
+            </a:fld>
+            <a:endParaRPr lang="en-US"/>
+          </a:p>
+        </p:txBody>
+      </p:sp>
+      <p:sp>
+        <p:nvSpPr>
+          <p:cNvPr id="5" name="Footer Placeholder 4"/>
+          <p:cNvSpPr>
+            <a:spLocks noGrp="1"/>
+          </p:cNvSpPr>
+          <p:nvPr>
+            <p:ph type="ftr" sz="quarter" idx="3"/>
           </p:nvPr>
         </p:nvSpPr>
         <p:spPr>
           <a:xfrm>
-            <a:off x="838200" y="6356350"/>
-            <a:ext cx="2743200" cy="365125"/>
+            <a:off x="684212" y="6172200"/>
+            <a:ext cx="7543800" cy="365125"/>
           </a:xfrm>
           <a:prstGeom prst="rect">
             <a:avLst/>
           </a:prstGeom>
         </p:spPr>
         <p:txBody>
-          <a:bodyPr vert="horz" lIns="91440" tIns="45720" rIns="91440" bIns="45720" rtlCol="0" anchor="ctr"/>
+          <a:bodyPr vert="horz" lIns="91440" tIns="45720" rIns="91440" bIns="45720" rtlCol="0" anchor="t"/>
           <a:lstStyle>
             <a:lvl1pPr algn="l">
-              <a:defRPr sz="1200">
+              <a:defRPr sz="1000" b="0" i="0">
                 <a:solidFill>
-                  <a:schemeClr val="tx1">
-                    <a:tint val="75000"/>
+                  <a:schemeClr val="bg2">
+                    <a:lumMod val="50000"/>
                   </a:schemeClr>
                 </a:solidFill>
+                <a:effectLst/>
+                <a:latin typeface="+mn-lt"/>
               </a:defRPr>
             </a:lvl1pPr>
           </a:lstStyle>
           <a:p>
-            <a:fld id="{597F59F5-6EDF-45CD-943B-829C40AA6758}" type="datetimeFigureOut">
-              <a:rPr lang="en-US" smtClean="0"/>
-              <a:t>3/16/2022</a:t>
-            </a:fld>
             <a:endParaRPr lang="en-US"/>
           </a:p>
         </p:txBody>
       </p:sp>
       <p:sp>
         <p:nvSpPr>
-          <p:cNvPr id="5" name="Footer Placeholder 4">
-            <a:extLst>
-              <a:ext uri="{FF2B5EF4-FFF2-40B4-BE49-F238E27FC236}">
-                <a16:creationId xmlns:a16="http://schemas.microsoft.com/office/drawing/2014/main" id="{7CAD9252-9707-4F70-86DA-F5486E7CF9B1}"/>
-              </a:ext>
-            </a:extLst>
-          </p:cNvPr>
-          <p:cNvSpPr>
-            <a:spLocks noGrp="1"/>
-          </p:cNvSpPr>
-          <p:nvPr>
-            <p:ph type="ftr" sz="quarter" idx="3"/>
+          <p:cNvPr id="6" name="Slide Number Placeholder 5"/>
+          <p:cNvSpPr>
+            <a:spLocks noGrp="1"/>
+          </p:cNvSpPr>
+          <p:nvPr>
+            <p:ph type="sldNum" sz="quarter" idx="4"/>
           </p:nvPr>
         </p:nvSpPr>
         <p:spPr>
           <a:xfrm>
-            <a:off x="4038600" y="6356350"/>
-            <a:ext cx="4114800" cy="365125"/>
+            <a:off x="10363200" y="5578475"/>
+            <a:ext cx="1142245" cy="669925"/>
           </a:xfrm>
           <a:prstGeom prst="rect">
             <a:avLst/>
           </a:prstGeom>
         </p:spPr>
         <p:txBody>
-          <a:bodyPr vert="horz" lIns="91440" tIns="45720" rIns="91440" bIns="45720" rtlCol="0" anchor="ctr"/>
+          <a:bodyPr vert="horz" lIns="91440" tIns="45720" rIns="91440" bIns="45720" rtlCol="0" anchor="b"/>
           <a:lstStyle>
-            <a:lvl1pPr algn="ctr">
-              <a:defRPr sz="1200">
+            <a:lvl1pPr algn="r">
+              <a:defRPr sz="3200" b="0" i="0">
                 <a:solidFill>
-                  <a:schemeClr val="tx1">
-                    <a:tint val="75000"/>
+                  <a:schemeClr val="bg2">
+                    <a:lumMod val="50000"/>
                   </a:schemeClr>
                 </a:solidFill>
-              </a:defRPr>
-            </a:lvl1pPr>
-          </a:lstStyle>
-          <a:p>
-            <a:endParaRPr lang="en-US"/>
-          </a:p>
-        </p:txBody>
-      </p:sp>
-      <p:sp>
-        <p:nvSpPr>
-          <p:cNvPr id="6" name="Slide Number Placeholder 5">
-            <a:extLst>
-              <a:ext uri="{FF2B5EF4-FFF2-40B4-BE49-F238E27FC236}">
-                <a16:creationId xmlns:a16="http://schemas.microsoft.com/office/drawing/2014/main" id="{E44C73EE-4B39-4281-B59A-FDFDDDAE370B}"/>
-              </a:ext>
-            </a:extLst>
-          </p:cNvPr>
-          <p:cNvSpPr>
-            <a:spLocks noGrp="1"/>
-          </p:cNvSpPr>
-          <p:nvPr>
-            <p:ph type="sldNum" sz="quarter" idx="4"/>
-          </p:nvPr>
-        </p:nvSpPr>
-        <p:spPr>
-          <a:xfrm>
-            <a:off x="8610600" y="6356350"/>
-            <a:ext cx="2743200" cy="365125"/>
-          </a:xfrm>
-          <a:prstGeom prst="rect">
-            <a:avLst/>
-          </a:prstGeom>
-        </p:spPr>
-        <p:txBody>
-          <a:bodyPr vert="horz" lIns="91440" tIns="45720" rIns="91440" bIns="45720" rtlCol="0" anchor="ctr"/>
-          <a:lstStyle>
-            <a:lvl1pPr algn="r">
-              <a:defRPr sz="1200">
-                <a:solidFill>
-                  <a:schemeClr val="tx1">
-                    <a:tint val="75000"/>
-                  </a:schemeClr>
-                </a:solidFill>
+                <a:effectLst/>
+                <a:latin typeface="+mn-lt"/>
               </a:defRPr>
             </a:lvl1pPr>
           </a:lstStyle>
@@ -3293,202 +5209,328 @@
     </p:spTree>
     <p:extLst>
       <p:ext uri="{BB962C8B-B14F-4D97-AF65-F5344CB8AC3E}">
-        <p14:creationId xmlns:p14="http://schemas.microsoft.com/office/powerpoint/2010/main" val="3522124527"/>
+        <p14:creationId xmlns:p14="http://schemas.microsoft.com/office/powerpoint/2010/main" val="663961808"/>
       </p:ext>
     </p:extLst>
   </p:cSld>
-  <p:clrMap bg1="lt1" tx1="dk1" bg2="lt2" tx2="dk2" accent1="accent1" accent2="accent2" accent3="accent3" accent4="accent4" accent5="accent5" accent6="accent6" hlink="hlink" folHlink="folHlink"/>
+  <p:clrMap bg1="dk1" tx1="lt1" bg2="dk2" tx2="lt2" accent1="accent1" accent2="accent2" accent3="accent3" accent4="accent4" accent5="accent5" accent6="accent6" hlink="hlink" folHlink="folHlink"/>
   <p:sldLayoutIdLst>
-    <p:sldLayoutId id="2147483649" r:id="rId1"/>
-    <p:sldLayoutId id="2147483650" r:id="rId2"/>
-    <p:sldLayoutId id="2147483651" r:id="rId3"/>
-    <p:sldLayoutId id="2147483652" r:id="rId4"/>
-    <p:sldLayoutId id="2147483653" r:id="rId5"/>
-    <p:sldLayoutId id="2147483654" r:id="rId6"/>
-    <p:sldLayoutId id="2147483655" r:id="rId7"/>
-    <p:sldLayoutId id="2147483656" r:id="rId8"/>
-    <p:sldLayoutId id="2147483657" r:id="rId9"/>
-    <p:sldLayoutId id="2147483658" r:id="rId10"/>
-    <p:sldLayoutId id="2147483659" r:id="rId11"/>
+    <p:sldLayoutId id="2147483661" r:id="rId1"/>
+    <p:sldLayoutId id="2147483662" r:id="rId2"/>
+    <p:sldLayoutId id="2147483663" r:id="rId3"/>
+    <p:sldLayoutId id="2147483664" r:id="rId4"/>
+    <p:sldLayoutId id="2147483665" r:id="rId5"/>
+    <p:sldLayoutId id="2147483666" r:id="rId6"/>
+    <p:sldLayoutId id="2147483667" r:id="rId7"/>
+    <p:sldLayoutId id="2147483668" r:id="rId8"/>
+    <p:sldLayoutId id="2147483669" r:id="rId9"/>
+    <p:sldLayoutId id="2147483670" r:id="rId10"/>
+    <p:sldLayoutId id="2147483671" r:id="rId11"/>
+    <p:sldLayoutId id="2147483672" r:id="rId12"/>
+    <p:sldLayoutId id="2147483673" r:id="rId13"/>
+    <p:sldLayoutId id="2147483674" r:id="rId14"/>
+    <p:sldLayoutId id="2147483675" r:id="rId15"/>
+    <p:sldLayoutId id="2147483676" r:id="rId16"/>
+    <p:sldLayoutId id="2147483677" r:id="rId17"/>
   </p:sldLayoutIdLst>
   <p:txStyles>
     <p:titleStyle>
-      <a:lvl1pPr algn="l" defTabSz="914400" rtl="0" eaLnBrk="1" latinLnBrk="0" hangingPunct="1">
-        <a:lnSpc>
-          <a:spcPct val="90000"/>
-        </a:lnSpc>
+      <a:lvl1pPr algn="l" defTabSz="457200" rtl="0" eaLnBrk="1" latinLnBrk="0" hangingPunct="1">
         <a:spcBef>
           <a:spcPct val="0"/>
         </a:spcBef>
         <a:buNone/>
-        <a:defRPr sz="4400" kern="1200">
+        <a:defRPr sz="3600" kern="1200" cap="all">
+          <a:ln w="3175" cmpd="sng">
+            <a:noFill/>
+          </a:ln>
           <a:solidFill>
             <a:schemeClr val="tx1"/>
           </a:solidFill>
+          <a:effectLst/>
           <a:latin typeface="+mj-lt"/>
           <a:ea typeface="+mj-ea"/>
           <a:cs typeface="+mj-cs"/>
         </a:defRPr>
       </a:lvl1pPr>
+      <a:lvl2pPr eaLnBrk="1" hangingPunct="1">
+        <a:defRPr>
+          <a:solidFill>
+            <a:schemeClr val="tx2"/>
+          </a:solidFill>
+        </a:defRPr>
+      </a:lvl2pPr>
+      <a:lvl3pPr eaLnBrk="1" hangingPunct="1">
+        <a:defRPr>
+          <a:solidFill>
+            <a:schemeClr val="tx2"/>
+          </a:solidFill>
+        </a:defRPr>
+      </a:lvl3pPr>
+      <a:lvl4pPr eaLnBrk="1" hangingPunct="1">
+        <a:defRPr>
+          <a:solidFill>
+            <a:schemeClr val="tx2"/>
+          </a:solidFill>
+        </a:defRPr>
+      </a:lvl4pPr>
+      <a:lvl5pPr eaLnBrk="1" hangingPunct="1">
+        <a:defRPr>
+          <a:solidFill>
+            <a:schemeClr val="tx2"/>
+          </a:solidFill>
+        </a:defRPr>
+      </a:lvl5pPr>
+      <a:lvl6pPr eaLnBrk="1" hangingPunct="1">
+        <a:defRPr>
+          <a:solidFill>
+            <a:schemeClr val="tx2"/>
+          </a:solidFill>
+        </a:defRPr>
+      </a:lvl6pPr>
+      <a:lvl7pPr eaLnBrk="1" hangingPunct="1">
+        <a:defRPr>
+          <a:solidFill>
+            <a:schemeClr val="tx2"/>
+          </a:solidFill>
+        </a:defRPr>
+      </a:lvl7pPr>
+      <a:lvl8pPr eaLnBrk="1" hangingPunct="1">
+        <a:defRPr>
+          <a:solidFill>
+            <a:schemeClr val="tx2"/>
+          </a:solidFill>
+        </a:defRPr>
+      </a:lvl8pPr>
+      <a:lvl9pPr eaLnBrk="1" hangingPunct="1">
+        <a:defRPr>
+          <a:solidFill>
+            <a:schemeClr val="tx2"/>
+          </a:solidFill>
+        </a:defRPr>
+      </a:lvl9pPr>
     </p:titleStyle>
     <p:bodyStyle>
-      <a:lvl1pPr marL="228600" indent="-228600" algn="l" defTabSz="914400" rtl="0" eaLnBrk="1" latinLnBrk="0" hangingPunct="1">
-        <a:lnSpc>
-          <a:spcPct val="90000"/>
-        </a:lnSpc>
+      <a:lvl1pPr marL="285750" indent="-285750" algn="l" defTabSz="457200" rtl="0" eaLnBrk="1" latinLnBrk="0" hangingPunct="1">
         <a:spcBef>
-          <a:spcPts val="1000"/>
+          <a:spcPct val="20000"/>
         </a:spcBef>
-        <a:buFont typeface="Arial" panose="020B0604020202020204" pitchFamily="34" charset="0"/>
-        <a:buChar char="•"/>
-        <a:defRPr sz="2800" kern="1200">
+        <a:spcAft>
+          <a:spcPts val="600"/>
+        </a:spcAft>
+        <a:buClr>
+          <a:schemeClr val="tx1"/>
+        </a:buClr>
+        <a:buSzPct val="80000"/>
+        <a:buFont typeface="Wingdings 3" panose="05040102010807070707" pitchFamily="18" charset="2"/>
+        <a:buChar char=""/>
+        <a:defRPr sz="2000" kern="1200" cap="none">
           <a:solidFill>
-            <a:schemeClr val="tx1"/>
+            <a:schemeClr val="bg2">
+              <a:lumMod val="75000"/>
+            </a:schemeClr>
           </a:solidFill>
+          <a:effectLst/>
           <a:latin typeface="+mn-lt"/>
           <a:ea typeface="+mn-ea"/>
           <a:cs typeface="+mn-cs"/>
         </a:defRPr>
       </a:lvl1pPr>
-      <a:lvl2pPr marL="685800" indent="-228600" algn="l" defTabSz="914400" rtl="0" eaLnBrk="1" latinLnBrk="0" hangingPunct="1">
-        <a:lnSpc>
-          <a:spcPct val="90000"/>
-        </a:lnSpc>
+      <a:lvl2pPr marL="742950" indent="-285750" algn="l" defTabSz="457200" rtl="0" eaLnBrk="1" latinLnBrk="0" hangingPunct="1">
         <a:spcBef>
-          <a:spcPts val="500"/>
+          <a:spcPct val="20000"/>
         </a:spcBef>
-        <a:buFont typeface="Arial" panose="020B0604020202020204" pitchFamily="34" charset="0"/>
-        <a:buChar char="•"/>
-        <a:defRPr sz="2400" kern="1200">
+        <a:spcAft>
+          <a:spcPts val="600"/>
+        </a:spcAft>
+        <a:buClr>
+          <a:schemeClr val="tx1"/>
+        </a:buClr>
+        <a:buSzPct val="80000"/>
+        <a:buFont typeface="Wingdings 3" panose="05040102010807070707" pitchFamily="18" charset="2"/>
+        <a:buChar char=""/>
+        <a:defRPr sz="1800" kern="1200" cap="none">
           <a:solidFill>
-            <a:schemeClr val="tx1"/>
+            <a:schemeClr val="bg2">
+              <a:lumMod val="75000"/>
+            </a:schemeClr>
           </a:solidFill>
+          <a:effectLst/>
           <a:latin typeface="+mn-lt"/>
           <a:ea typeface="+mn-ea"/>
           <a:cs typeface="+mn-cs"/>
         </a:defRPr>
       </a:lvl2pPr>
-      <a:lvl3pPr marL="1143000" indent="-228600" algn="l" defTabSz="914400" rtl="0" eaLnBrk="1" latinLnBrk="0" hangingPunct="1">
-        <a:lnSpc>
-          <a:spcPct val="90000"/>
-        </a:lnSpc>
+      <a:lvl3pPr marL="1200150" indent="-285750" algn="l" defTabSz="457200" rtl="0" eaLnBrk="1" latinLnBrk="0" hangingPunct="1">
         <a:spcBef>
-          <a:spcPts val="500"/>
+          <a:spcPct val="20000"/>
         </a:spcBef>
-        <a:buFont typeface="Arial" panose="020B0604020202020204" pitchFamily="34" charset="0"/>
-        <a:buChar char="•"/>
-        <a:defRPr sz="2000" kern="1200">
+        <a:spcAft>
+          <a:spcPts val="600"/>
+        </a:spcAft>
+        <a:buClr>
+          <a:schemeClr val="tx1"/>
+        </a:buClr>
+        <a:buSzPct val="80000"/>
+        <a:buFont typeface="Wingdings 3" panose="05040102010807070707" pitchFamily="18" charset="2"/>
+        <a:buChar char=""/>
+        <a:defRPr sz="1600" kern="1200" cap="none">
           <a:solidFill>
-            <a:schemeClr val="tx1"/>
+            <a:schemeClr val="bg2">
+              <a:lumMod val="75000"/>
+            </a:schemeClr>
           </a:solidFill>
+          <a:effectLst/>
           <a:latin typeface="+mn-lt"/>
           <a:ea typeface="+mn-ea"/>
           <a:cs typeface="+mn-cs"/>
         </a:defRPr>
       </a:lvl3pPr>
-      <a:lvl4pPr marL="1600200" indent="-228600" algn="l" defTabSz="914400" rtl="0" eaLnBrk="1" latinLnBrk="0" hangingPunct="1">
-        <a:lnSpc>
-          <a:spcPct val="90000"/>
-        </a:lnSpc>
+      <a:lvl4pPr marL="1543050" indent="-171450" algn="l" defTabSz="457200" rtl="0" eaLnBrk="1" latinLnBrk="0" hangingPunct="1">
         <a:spcBef>
-          <a:spcPts val="500"/>
+          <a:spcPct val="20000"/>
         </a:spcBef>
-        <a:buFont typeface="Arial" panose="020B0604020202020204" pitchFamily="34" charset="0"/>
-        <a:buChar char="•"/>
-        <a:defRPr sz="1800" kern="1200">
+        <a:spcAft>
+          <a:spcPts val="600"/>
+        </a:spcAft>
+        <a:buClr>
+          <a:schemeClr val="tx1"/>
+        </a:buClr>
+        <a:buSzPct val="80000"/>
+        <a:buFont typeface="Wingdings 3" panose="05040102010807070707" pitchFamily="18" charset="2"/>
+        <a:buChar char=""/>
+        <a:defRPr sz="1400" kern="1200" cap="none">
           <a:solidFill>
-            <a:schemeClr val="tx1"/>
+            <a:schemeClr val="bg2">
+              <a:lumMod val="75000"/>
+            </a:schemeClr>
           </a:solidFill>
+          <a:effectLst/>
           <a:latin typeface="+mn-lt"/>
           <a:ea typeface="+mn-ea"/>
           <a:cs typeface="+mn-cs"/>
         </a:defRPr>
       </a:lvl4pPr>
-      <a:lvl5pPr marL="2057400" indent="-228600" algn="l" defTabSz="914400" rtl="0" eaLnBrk="1" latinLnBrk="0" hangingPunct="1">
-        <a:lnSpc>
-          <a:spcPct val="90000"/>
-        </a:lnSpc>
+      <a:lvl5pPr marL="2000250" indent="-171450" algn="l" defTabSz="457200" rtl="0" eaLnBrk="1" latinLnBrk="0" hangingPunct="1">
         <a:spcBef>
-          <a:spcPts val="500"/>
+          <a:spcPct val="20000"/>
         </a:spcBef>
-        <a:buFont typeface="Arial" panose="020B0604020202020204" pitchFamily="34" charset="0"/>
-        <a:buChar char="•"/>
-        <a:defRPr sz="1800" kern="1200">
+        <a:spcAft>
+          <a:spcPts val="600"/>
+        </a:spcAft>
+        <a:buClr>
+          <a:schemeClr val="tx1"/>
+        </a:buClr>
+        <a:buSzPct val="80000"/>
+        <a:buFont typeface="Wingdings 3" panose="05040102010807070707" pitchFamily="18" charset="2"/>
+        <a:buChar char=""/>
+        <a:defRPr sz="1400" kern="1200" cap="none">
           <a:solidFill>
-            <a:schemeClr val="tx1"/>
+            <a:schemeClr val="bg2">
+              <a:lumMod val="75000"/>
+            </a:schemeClr>
           </a:solidFill>
+          <a:effectLst/>
           <a:latin typeface="+mn-lt"/>
           <a:ea typeface="+mn-ea"/>
           <a:cs typeface="+mn-cs"/>
         </a:defRPr>
       </a:lvl5pPr>
-      <a:lvl6pPr marL="2514600" indent="-228600" algn="l" defTabSz="914400" rtl="0" eaLnBrk="1" latinLnBrk="0" hangingPunct="1">
-        <a:lnSpc>
-          <a:spcPct val="90000"/>
-        </a:lnSpc>
+      <a:lvl6pPr marL="2514600" indent="-228600" algn="l" defTabSz="457200" rtl="0" eaLnBrk="1" latinLnBrk="0" hangingPunct="1">
         <a:spcBef>
-          <a:spcPts val="500"/>
+          <a:spcPct val="20000"/>
         </a:spcBef>
-        <a:buFont typeface="Arial" panose="020B0604020202020204" pitchFamily="34" charset="0"/>
-        <a:buChar char="•"/>
-        <a:defRPr sz="1800" kern="1200">
+        <a:spcAft>
+          <a:spcPts val="600"/>
+        </a:spcAft>
+        <a:buClr>
+          <a:schemeClr val="tx1"/>
+        </a:buClr>
+        <a:buSzPct val="80000"/>
+        <a:buFont typeface="Wingdings 3" panose="05040102010807070707" pitchFamily="18" charset="2"/>
+        <a:buChar char=""/>
+        <a:defRPr sz="1400" kern="1200" cap="none">
           <a:solidFill>
-            <a:schemeClr val="tx1"/>
+            <a:schemeClr val="bg2">
+              <a:lumMod val="75000"/>
+            </a:schemeClr>
           </a:solidFill>
+          <a:effectLst/>
           <a:latin typeface="+mn-lt"/>
           <a:ea typeface="+mn-ea"/>
           <a:cs typeface="+mn-cs"/>
         </a:defRPr>
       </a:lvl6pPr>
-      <a:lvl7pPr marL="2971800" indent="-228600" algn="l" defTabSz="914400" rtl="0" eaLnBrk="1" latinLnBrk="0" hangingPunct="1">
-        <a:lnSpc>
-          <a:spcPct val="90000"/>
-        </a:lnSpc>
+      <a:lvl7pPr marL="2971800" indent="-228600" algn="l" defTabSz="457200" rtl="0" eaLnBrk="1" latinLnBrk="0" hangingPunct="1">
         <a:spcBef>
-          <a:spcPts val="500"/>
+          <a:spcPct val="20000"/>
         </a:spcBef>
-        <a:buFont typeface="Arial" panose="020B0604020202020204" pitchFamily="34" charset="0"/>
-        <a:buChar char="•"/>
-        <a:defRPr sz="1800" kern="1200">
+        <a:spcAft>
+          <a:spcPts val="600"/>
+        </a:spcAft>
+        <a:buClr>
+          <a:schemeClr val="tx1"/>
+        </a:buClr>
+        <a:buSzPct val="80000"/>
+        <a:buFont typeface="Wingdings 3" panose="05040102010807070707" pitchFamily="18" charset="2"/>
+        <a:buChar char=""/>
+        <a:defRPr sz="1400" kern="1200" cap="none">
           <a:solidFill>
-            <a:schemeClr val="tx1"/>
+            <a:schemeClr val="bg2">
+              <a:lumMod val="75000"/>
+            </a:schemeClr>
           </a:solidFill>
+          <a:effectLst/>
           <a:latin typeface="+mn-lt"/>
           <a:ea typeface="+mn-ea"/>
           <a:cs typeface="+mn-cs"/>
         </a:defRPr>
       </a:lvl7pPr>
-      <a:lvl8pPr marL="3429000" indent="-228600" algn="l" defTabSz="914400" rtl="0" eaLnBrk="1" latinLnBrk="0" hangingPunct="1">
-        <a:lnSpc>
-          <a:spcPct val="90000"/>
-        </a:lnSpc>
+      <a:lvl8pPr marL="3429000" indent="-228600" algn="l" defTabSz="457200" rtl="0" eaLnBrk="1" latinLnBrk="0" hangingPunct="1">
         <a:spcBef>
-          <a:spcPts val="500"/>
+          <a:spcPct val="20000"/>
         </a:spcBef>
-        <a:buFont typeface="Arial" panose="020B0604020202020204" pitchFamily="34" charset="0"/>
-        <a:buChar char="•"/>
-        <a:defRPr sz="1800" kern="1200">
+        <a:spcAft>
+          <a:spcPts val="600"/>
+        </a:spcAft>
+        <a:buClr>
+          <a:schemeClr val="tx1"/>
+        </a:buClr>
+        <a:buSzPct val="80000"/>
+        <a:buFont typeface="Wingdings 3" panose="05040102010807070707" pitchFamily="18" charset="2"/>
+        <a:buChar char=""/>
+        <a:defRPr sz="1400" kern="1200" cap="none">
           <a:solidFill>
-            <a:schemeClr val="tx1"/>
+            <a:schemeClr val="bg2">
+              <a:lumMod val="75000"/>
+            </a:schemeClr>
           </a:solidFill>
+          <a:effectLst/>
           <a:latin typeface="+mn-lt"/>
           <a:ea typeface="+mn-ea"/>
           <a:cs typeface="+mn-cs"/>
         </a:defRPr>
       </a:lvl8pPr>
-      <a:lvl9pPr marL="3886200" indent="-228600" algn="l" defTabSz="914400" rtl="0" eaLnBrk="1" latinLnBrk="0" hangingPunct="1">
-        <a:lnSpc>
-          <a:spcPct val="90000"/>
-        </a:lnSpc>
+      <a:lvl9pPr marL="3886200" indent="-228600" algn="l" defTabSz="457200" rtl="0" eaLnBrk="1" latinLnBrk="0" hangingPunct="1">
         <a:spcBef>
-          <a:spcPts val="500"/>
+          <a:spcPct val="20000"/>
         </a:spcBef>
-        <a:buFont typeface="Arial" panose="020B0604020202020204" pitchFamily="34" charset="0"/>
-        <a:buChar char="•"/>
-        <a:defRPr sz="1800" kern="1200">
+        <a:spcAft>
+          <a:spcPts val="600"/>
+        </a:spcAft>
+        <a:buClr>
+          <a:schemeClr val="tx1"/>
+        </a:buClr>
+        <a:buSzPct val="80000"/>
+        <a:buFont typeface="Wingdings 3" panose="05040102010807070707" pitchFamily="18" charset="2"/>
+        <a:buChar char=""/>
+        <a:defRPr sz="1400" kern="1200" cap="none">
           <a:solidFill>
-            <a:schemeClr val="tx1"/>
+            <a:schemeClr val="bg2">
+              <a:lumMod val="75000"/>
+            </a:schemeClr>
           </a:solidFill>
+          <a:effectLst/>
           <a:latin typeface="+mn-lt"/>
           <a:ea typeface="+mn-ea"/>
           <a:cs typeface="+mn-cs"/>
@@ -3499,7 +5541,7 @@
       <a:defPPr>
         <a:defRPr lang="en-US"/>
       </a:defPPr>
-      <a:lvl1pPr marL="0" algn="l" defTabSz="914400" rtl="0" eaLnBrk="1" latinLnBrk="0" hangingPunct="1">
+      <a:lvl1pPr marL="0" algn="l" defTabSz="457200" rtl="0" eaLnBrk="1" latinLnBrk="0" hangingPunct="1">
         <a:defRPr sz="1800" kern="1200">
           <a:solidFill>
             <a:schemeClr val="tx1"/>
@@ -3509,7 +5551,7 @@
           <a:cs typeface="+mn-cs"/>
         </a:defRPr>
       </a:lvl1pPr>
-      <a:lvl2pPr marL="457200" algn="l" defTabSz="914400" rtl="0" eaLnBrk="1" latinLnBrk="0" hangingPunct="1">
+      <a:lvl2pPr marL="457200" algn="l" defTabSz="457200" rtl="0" eaLnBrk="1" latinLnBrk="0" hangingPunct="1">
         <a:defRPr sz="1800" kern="1200">
           <a:solidFill>
             <a:schemeClr val="tx1"/>
@@ -3519,7 +5561,7 @@
           <a:cs typeface="+mn-cs"/>
         </a:defRPr>
       </a:lvl2pPr>
-      <a:lvl3pPr marL="914400" algn="l" defTabSz="914400" rtl="0" eaLnBrk="1" latinLnBrk="0" hangingPunct="1">
+      <a:lvl3pPr marL="914400" algn="l" defTabSz="457200" rtl="0" eaLnBrk="1" latinLnBrk="0" hangingPunct="1">
         <a:defRPr sz="1800" kern="1200">
           <a:solidFill>
             <a:schemeClr val="tx1"/>
@@ -3529,7 +5571,7 @@
           <a:cs typeface="+mn-cs"/>
         </a:defRPr>
       </a:lvl3pPr>
-      <a:lvl4pPr marL="1371600" algn="l" defTabSz="914400" rtl="0" eaLnBrk="1" latinLnBrk="0" hangingPunct="1">
+      <a:lvl4pPr marL="1371600" algn="l" defTabSz="457200" rtl="0" eaLnBrk="1" latinLnBrk="0" hangingPunct="1">
         <a:defRPr sz="1800" kern="1200">
           <a:solidFill>
             <a:schemeClr val="tx1"/>
@@ -3539,7 +5581,7 @@
           <a:cs typeface="+mn-cs"/>
         </a:defRPr>
       </a:lvl4pPr>
-      <a:lvl5pPr marL="1828800" algn="l" defTabSz="914400" rtl="0" eaLnBrk="1" latinLnBrk="0" hangingPunct="1">
+      <a:lvl5pPr marL="1828800" algn="l" defTabSz="457200" rtl="0" eaLnBrk="1" latinLnBrk="0" hangingPunct="1">
         <a:defRPr sz="1800" kern="1200">
           <a:solidFill>
             <a:schemeClr val="tx1"/>
@@ -3549,7 +5591,7 @@
           <a:cs typeface="+mn-cs"/>
         </a:defRPr>
       </a:lvl5pPr>
-      <a:lvl6pPr marL="2286000" algn="l" defTabSz="914400" rtl="0" eaLnBrk="1" latinLnBrk="0" hangingPunct="1">
+      <a:lvl6pPr marL="2286000" algn="l" defTabSz="457200" rtl="0" eaLnBrk="1" latinLnBrk="0" hangingPunct="1">
         <a:defRPr sz="1800" kern="1200">
           <a:solidFill>
             <a:schemeClr val="tx1"/>
@@ -3559,7 +5601,7 @@
           <a:cs typeface="+mn-cs"/>
         </a:defRPr>
       </a:lvl6pPr>
-      <a:lvl7pPr marL="2743200" algn="l" defTabSz="914400" rtl="0" eaLnBrk="1" latinLnBrk="0" hangingPunct="1">
+      <a:lvl7pPr marL="2743200" algn="l" defTabSz="457200" rtl="0" eaLnBrk="1" latinLnBrk="0" hangingPunct="1">
         <a:defRPr sz="1800" kern="1200">
           <a:solidFill>
             <a:schemeClr val="tx1"/>
@@ -3569,7 +5611,7 @@
           <a:cs typeface="+mn-cs"/>
         </a:defRPr>
       </a:lvl7pPr>
-      <a:lvl8pPr marL="3200400" algn="l" defTabSz="914400" rtl="0" eaLnBrk="1" latinLnBrk="0" hangingPunct="1">
+      <a:lvl8pPr marL="3200400" algn="l" defTabSz="457200" rtl="0" eaLnBrk="1" latinLnBrk="0" hangingPunct="1">
         <a:defRPr sz="1800" kern="1200">
           <a:solidFill>
             <a:schemeClr val="tx1"/>
@@ -3579,7 +5621,7 @@
           <a:cs typeface="+mn-cs"/>
         </a:defRPr>
       </a:lvl8pPr>
-      <a:lvl9pPr marL="3657600" algn="l" defTabSz="914400" rtl="0" eaLnBrk="1" latinLnBrk="0" hangingPunct="1">
+      <a:lvl9pPr marL="3657600" algn="l" defTabSz="457200" rtl="0" eaLnBrk="1" latinLnBrk="0" hangingPunct="1">
         <a:defRPr sz="1800" kern="1200">
           <a:solidFill>
             <a:schemeClr val="tx1"/>
@@ -4021,11 +6063,11 @@
       </p:sp>
       <p:pic>
         <p:nvPicPr>
-          <p:cNvPr id="4" name="Online Media 3" title="Why Communication Is Important">
+          <p:cNvPr id="6" name="Online Media 5" title="Why Communication Is Important">
             <a:hlinkClick r:id="" action="ppaction://media"/>
             <a:extLst>
               <a:ext uri="{FF2B5EF4-FFF2-40B4-BE49-F238E27FC236}">
-                <a16:creationId xmlns:a16="http://schemas.microsoft.com/office/drawing/2014/main" id="{C54A99FF-ECE2-4524-80CC-CD2A4F9128A3}"/>
+                <a16:creationId xmlns:a16="http://schemas.microsoft.com/office/drawing/2014/main" id="{5C20FAFD-83D3-4DF3-9505-E50A4455B4E4}"/>
               </a:ext>
             </a:extLst>
           </p:cNvPr>
@@ -4045,8 +6087,8 @@
         </p:blipFill>
         <p:spPr>
           <a:xfrm>
-            <a:off x="0" y="0"/>
-            <a:ext cx="12192000" cy="6858000"/>
+            <a:off x="2665413" y="1208088"/>
+            <a:ext cx="4572000" cy="2571750"/>
           </a:xfrm>
           <a:prstGeom prst="rect">
             <a:avLst/>
@@ -4403,7 +6445,7 @@
         <p:spPr/>
         <p:txBody>
           <a:bodyPr>
-            <a:normAutofit fontScale="92500" lnSpcReduction="20000"/>
+            <a:normAutofit fontScale="70000" lnSpcReduction="20000"/>
           </a:bodyPr>
           <a:lstStyle/>
           <a:p>
@@ -5380,7 +7422,7 @@
         <p:spPr/>
         <p:txBody>
           <a:bodyPr>
-            <a:normAutofit/>
+            <a:normAutofit lnSpcReduction="10000"/>
           </a:bodyPr>
           <a:lstStyle/>
           <a:p>
@@ -5406,7 +7448,15 @@
             <a:pPr algn="ctr"/>
             <a:r>
               <a:rPr lang="en-US" dirty="0"/>
-              <a:t>Ask what are we doing</a:t>
+              <a:t>Ask your team or read the </a:t>
+            </a:r>
+            <a:r>
+              <a:rPr lang="en-US" dirty="0" err="1"/>
+              <a:t>docpac</a:t>
+            </a:r>
+            <a:r>
+              <a:rPr lang="en-US" dirty="0"/>
+              <a:t> on what we are we doing</a:t>
             </a:r>
           </a:p>
           <a:p>
@@ -6230,7 +8280,9 @@
         </p:nvSpPr>
         <p:spPr/>
         <p:txBody>
-          <a:bodyPr/>
+          <a:bodyPr>
+            <a:normAutofit fontScale="90000"/>
+          </a:bodyPr>
           <a:lstStyle/>
           <a:p>
             <a:r>
@@ -6621,9 +8673,9 @@
 </file>
 
 <file path=ppt/theme/theme1.xml><?xml version="1.0" encoding="utf-8"?>
-<a:theme xmlns:a="http://schemas.openxmlformats.org/drawingml/2006/main" name="Office Theme">
+<a:theme xmlns:a="http://schemas.openxmlformats.org/drawingml/2006/main" name="Slice">
   <a:themeElements>
-    <a:clrScheme name="Office">
+    <a:clrScheme name="Slice">
       <a:dk1>
         <a:sysClr val="windowText" lastClr="000000"/>
       </a:dk1>
@@ -6631,100 +8683,48 @@
         <a:sysClr val="window" lastClr="FFFFFF"/>
       </a:lt1>
       <a:dk2>
-        <a:srgbClr val="44546A"/>
+        <a:srgbClr val="146194"/>
       </a:dk2>
       <a:lt2>
-        <a:srgbClr val="E7E6E6"/>
+        <a:srgbClr val="76DBF4"/>
       </a:lt2>
       <a:accent1>
-        <a:srgbClr val="4472C4"/>
+        <a:srgbClr val="052F61"/>
       </a:accent1>
       <a:accent2>
-        <a:srgbClr val="ED7D31"/>
+        <a:srgbClr val="A50E82"/>
       </a:accent2>
       <a:accent3>
-        <a:srgbClr val="A5A5A5"/>
+        <a:srgbClr val="14967C"/>
       </a:accent3>
       <a:accent4>
-        <a:srgbClr val="FFC000"/>
+        <a:srgbClr val="6A9E1F"/>
       </a:accent4>
       <a:accent5>
-        <a:srgbClr val="5B9BD5"/>
+        <a:srgbClr val="E87D37"/>
       </a:accent5>
       <a:accent6>
-        <a:srgbClr val="70AD47"/>
+        <a:srgbClr val="C62324"/>
       </a:accent6>
       <a:hlink>
-        <a:srgbClr val="0563C1"/>
+        <a:srgbClr val="0D2E46"/>
       </a:hlink>
       <a:folHlink>
-        <a:srgbClr val="954F72"/>
+        <a:srgbClr val="356A95"/>
       </a:folHlink>
     </a:clrScheme>
-    <a:fontScheme name="Office">
+    <a:fontScheme name="Slice">
       <a:majorFont>
-        <a:latin typeface="Calibri Light" panose="020F0302020204030204"/>
+        <a:latin typeface="Century Gothic" panose="020B0502020202020204"/>
         <a:ea typeface=""/>
         <a:cs typeface=""/>
-        <a:font script="Jpan" typeface="游ゴシック Light"/>
-        <a:font script="Hang" typeface="맑은 고딕"/>
-        <a:font script="Hans" typeface="等线 Light"/>
-        <a:font script="Hant" typeface="新細明體"/>
-        <a:font script="Arab" typeface="Times New Roman"/>
-        <a:font script="Hebr" typeface="Times New Roman"/>
-        <a:font script="Thai" typeface="Angsana New"/>
-        <a:font script="Ethi" typeface="Nyala"/>
-        <a:font script="Beng" typeface="Vrinda"/>
-        <a:font script="Gujr" typeface="Shruti"/>
-        <a:font script="Khmr" typeface="MoolBoran"/>
-        <a:font script="Knda" typeface="Tunga"/>
-        <a:font script="Guru" typeface="Raavi"/>
-        <a:font script="Cans" typeface="Euphemia"/>
-        <a:font script="Cher" typeface="Plantagenet Cherokee"/>
-        <a:font script="Yiii" typeface="Microsoft Yi Baiti"/>
-        <a:font script="Tibt" typeface="Microsoft Himalaya"/>
-        <a:font script="Thaa" typeface="MV Boli"/>
-        <a:font script="Deva" typeface="Mangal"/>
-        <a:font script="Telu" typeface="Gautami"/>
-        <a:font script="Taml" typeface="Latha"/>
-        <a:font script="Syrc" typeface="Estrangelo Edessa"/>
-        <a:font script="Orya" typeface="Kalinga"/>
-        <a:font script="Mlym" typeface="Kartika"/>
-        <a:font script="Laoo" typeface="DokChampa"/>
-        <a:font script="Sinh" typeface="Iskoola Pota"/>
-        <a:font script="Mong" typeface="Mongolian Baiti"/>
-        <a:font script="Viet" typeface="Times New Roman"/>
-        <a:font script="Uigh" typeface="Microsoft Uighur"/>
-        <a:font script="Geor" typeface="Sylfaen"/>
-        <a:font script="Armn" typeface="Arial"/>
-        <a:font script="Bugi" typeface="Leelawadee UI"/>
-        <a:font script="Bopo" typeface="Microsoft JhengHei"/>
-        <a:font script="Java" typeface="Javanese Text"/>
-        <a:font script="Lisu" typeface="Segoe UI"/>
-        <a:font script="Mymr" typeface="Myanmar Text"/>
-        <a:font script="Nkoo" typeface="Ebrima"/>
-        <a:font script="Olck" typeface="Nirmala UI"/>
-        <a:font script="Osma" typeface="Ebrima"/>
-        <a:font script="Phag" typeface="Phagspa"/>
-        <a:font script="Syrn" typeface="Estrangelo Edessa"/>
-        <a:font script="Syrj" typeface="Estrangelo Edessa"/>
-        <a:font script="Syre" typeface="Estrangelo Edessa"/>
-        <a:font script="Sora" typeface="Nirmala UI"/>
-        <a:font script="Tale" typeface="Microsoft Tai Le"/>
-        <a:font script="Talu" typeface="Microsoft New Tai Lue"/>
-        <a:font script="Tfng" typeface="Ebrima"/>
-      </a:majorFont>
-      <a:minorFont>
-        <a:latin typeface="Calibri" panose="020F0502020204030204"/>
-        <a:ea typeface=""/>
-        <a:cs typeface=""/>
-        <a:font script="Jpan" typeface="游ゴシック"/>
-        <a:font script="Hang" typeface="맑은 고딕"/>
-        <a:font script="Hans" typeface="等线"/>
-        <a:font script="Hant" typeface="新細明體"/>
-        <a:font script="Arab" typeface="Arial"/>
-        <a:font script="Hebr" typeface="Arial"/>
-        <a:font script="Thai" typeface="Cordia New"/>
+        <a:font script="Jpan" typeface="メイリオ"/>
+        <a:font script="Hang" typeface="HY중고딕"/>
+        <a:font script="Hans" typeface="幼圆"/>
+        <a:font script="Hant" typeface="微軟正黑體"/>
+        <a:font script="Arab" typeface="Tahoma"/>
+        <a:font script="Hebr" typeface="Gisha"/>
+        <a:font script="Thai" typeface="DilleniaUPC"/>
         <a:font script="Ethi" typeface="Nyala"/>
         <a:font script="Beng" typeface="Vrinda"/>
         <a:font script="Gujr" typeface="Shruti"/>
@@ -6745,29 +8745,47 @@
         <a:font script="Laoo" typeface="DokChampa"/>
         <a:font script="Sinh" typeface="Iskoola Pota"/>
         <a:font script="Mong" typeface="Mongolian Baiti"/>
-        <a:font script="Viet" typeface="Arial"/>
+        <a:font script="Viet" typeface="Tahoma"/>
         <a:font script="Uigh" typeface="Microsoft Uighur"/>
         <a:font script="Geor" typeface="Sylfaen"/>
-        <a:font script="Armn" typeface="Arial"/>
-        <a:font script="Bugi" typeface="Leelawadee UI"/>
-        <a:font script="Bopo" typeface="Microsoft JhengHei"/>
-        <a:font script="Java" typeface="Javanese Text"/>
-        <a:font script="Lisu" typeface="Segoe UI"/>
-        <a:font script="Mymr" typeface="Myanmar Text"/>
-        <a:font script="Nkoo" typeface="Ebrima"/>
-        <a:font script="Olck" typeface="Nirmala UI"/>
-        <a:font script="Osma" typeface="Ebrima"/>
-        <a:font script="Phag" typeface="Phagspa"/>
-        <a:font script="Syrn" typeface="Estrangelo Edessa"/>
-        <a:font script="Syrj" typeface="Estrangelo Edessa"/>
-        <a:font script="Syre" typeface="Estrangelo Edessa"/>
-        <a:font script="Sora" typeface="Nirmala UI"/>
-        <a:font script="Tale" typeface="Microsoft Tai Le"/>
-        <a:font script="Talu" typeface="Microsoft New Tai Lue"/>
-        <a:font script="Tfng" typeface="Ebrima"/>
+      </a:majorFont>
+      <a:minorFont>
+        <a:latin typeface="Century Gothic" panose="020B0502020202020204"/>
+        <a:ea typeface=""/>
+        <a:cs typeface=""/>
+        <a:font script="Jpan" typeface="メイリオ"/>
+        <a:font script="Hang" typeface="HY중고딕"/>
+        <a:font script="Hans" typeface="幼圆"/>
+        <a:font script="Hant" typeface="微軟正黑體"/>
+        <a:font script="Arab" typeface="Tahoma"/>
+        <a:font script="Hebr" typeface="Gisha"/>
+        <a:font script="Thai" typeface="DilleniaUPC"/>
+        <a:font script="Ethi" typeface="Nyala"/>
+        <a:font script="Beng" typeface="Vrinda"/>
+        <a:font script="Gujr" typeface="Shruti"/>
+        <a:font script="Khmr" typeface="DaunPenh"/>
+        <a:font script="Knda" typeface="Tunga"/>
+        <a:font script="Guru" typeface="Raavi"/>
+        <a:font script="Cans" typeface="Euphemia"/>
+        <a:font script="Cher" typeface="Plantagenet Cherokee"/>
+        <a:font script="Yiii" typeface="Microsoft Yi Baiti"/>
+        <a:font script="Tibt" typeface="Microsoft Himalaya"/>
+        <a:font script="Thaa" typeface="MV Boli"/>
+        <a:font script="Deva" typeface="Mangal"/>
+        <a:font script="Telu" typeface="Gautami"/>
+        <a:font script="Taml" typeface="Latha"/>
+        <a:font script="Syrc" typeface="Estrangelo Edessa"/>
+        <a:font script="Orya" typeface="Kalinga"/>
+        <a:font script="Mlym" typeface="Kartika"/>
+        <a:font script="Laoo" typeface="DokChampa"/>
+        <a:font script="Sinh" typeface="Iskoola Pota"/>
+        <a:font script="Mong" typeface="Mongolian Baiti"/>
+        <a:font script="Viet" typeface="Tahoma"/>
+        <a:font script="Uigh" typeface="Microsoft Uighur"/>
+        <a:font script="Geor" typeface="Sylfaen"/>
       </a:minorFont>
     </a:fontScheme>
-    <a:fmtScheme name="Office">
+    <a:fmtScheme name="Slice">
       <a:fillStyleLst>
         <a:solidFill>
           <a:schemeClr val="phClr"/>
@@ -6776,23 +8794,16 @@
           <a:gsLst>
             <a:gs pos="0">
               <a:schemeClr val="phClr">
+                <a:tint val="62000"/>
+                <a:hueMod val="94000"/>
+                <a:satMod val="140000"/>
                 <a:lumMod val="110000"/>
-                <a:satMod val="105000"/>
-                <a:tint val="67000"/>
-              </a:schemeClr>
-            </a:gs>
-            <a:gs pos="50000">
-              <a:schemeClr val="phClr">
-                <a:lumMod val="105000"/>
-                <a:satMod val="103000"/>
-                <a:tint val="73000"/>
               </a:schemeClr>
             </a:gs>
             <a:gs pos="100000">
               <a:schemeClr val="phClr">
-                <a:lumMod val="105000"/>
-                <a:satMod val="109000"/>
-                <a:tint val="81000"/>
+                <a:tint val="84000"/>
+                <a:satMod val="160000"/>
               </a:schemeClr>
             </a:gs>
           </a:gsLst>
@@ -6802,23 +8813,16 @@
           <a:gsLst>
             <a:gs pos="0">
               <a:schemeClr val="phClr">
-                <a:satMod val="103000"/>
-                <a:lumMod val="102000"/>
-                <a:tint val="94000"/>
-              </a:schemeClr>
-            </a:gs>
-            <a:gs pos="50000">
-              <a:schemeClr val="phClr">
-                <a:satMod val="110000"/>
-                <a:lumMod val="100000"/>
-                <a:shade val="100000"/>
+                <a:tint val="98000"/>
+                <a:hueMod val="94000"/>
+                <a:satMod val="130000"/>
+                <a:lumMod val="128000"/>
               </a:schemeClr>
             </a:gs>
             <a:gs pos="100000">
               <a:schemeClr val="phClr">
-                <a:lumMod val="99000"/>
-                <a:satMod val="120000"/>
-                <a:shade val="78000"/>
+                <a:shade val="94000"/>
+                <a:lumMod val="88000"/>
               </a:schemeClr>
             </a:gs>
           </a:gsLst>
@@ -6826,26 +8830,29 @@
         </a:gradFill>
       </a:fillStyleLst>
       <a:lnStyleLst>
-        <a:ln w="6350" cap="flat" cmpd="sng" algn="ctr">
+        <a:ln w="9525" cap="rnd" cmpd="sng" algn="ctr">
+          <a:solidFill>
+            <a:schemeClr val="phClr">
+              <a:tint val="76000"/>
+              <a:alpha val="60000"/>
+              <a:hueMod val="94000"/>
+            </a:schemeClr>
+          </a:solidFill>
+          <a:prstDash val="solid"/>
+        </a:ln>
+        <a:ln w="15875" cap="rnd" cmpd="sng" algn="ctr">
+          <a:solidFill>
+            <a:schemeClr val="phClr">
+              <a:hueMod val="94000"/>
+            </a:schemeClr>
+          </a:solidFill>
+          <a:prstDash val="solid"/>
+        </a:ln>
+        <a:ln w="28575" cap="rnd" cmpd="sng" algn="ctr">
           <a:solidFill>
             <a:schemeClr val="phClr"/>
           </a:solidFill>
           <a:prstDash val="solid"/>
-          <a:miter lim="800000"/>
-        </a:ln>
-        <a:ln w="12700" cap="flat" cmpd="sng" algn="ctr">
-          <a:solidFill>
-            <a:schemeClr val="phClr"/>
-          </a:solidFill>
-          <a:prstDash val="solid"/>
-          <a:miter lim="800000"/>
-        </a:ln>
-        <a:ln w="19050" cap="flat" cmpd="sng" algn="ctr">
-          <a:solidFill>
-            <a:schemeClr val="phClr"/>
-          </a:solidFill>
-          <a:prstDash val="solid"/>
-          <a:miter lim="800000"/>
         </a:ln>
       </a:lnStyleLst>
       <a:effectStyleLst>
@@ -6853,54 +8860,78 @@
           <a:effectLst/>
         </a:effectStyle>
         <a:effectStyle>
-          <a:effectLst/>
+          <a:effectLst>
+            <a:innerShdw blurRad="25400" dist="12700" dir="13500000">
+              <a:srgbClr val="000000">
+                <a:alpha val="45000"/>
+              </a:srgbClr>
+            </a:innerShdw>
+          </a:effectLst>
         </a:effectStyle>
         <a:effectStyle>
           <a:effectLst>
-            <a:outerShdw blurRad="57150" dist="19050" dir="5400000" algn="ctr" rotWithShape="0">
+            <a:outerShdw blurRad="50800" dist="38100" dir="5400000" rotWithShape="0">
               <a:srgbClr val="000000">
-                <a:alpha val="63000"/>
+                <a:alpha val="46000"/>
               </a:srgbClr>
             </a:outerShdw>
           </a:effectLst>
+          <a:scene3d>
+            <a:camera prst="orthographicFront">
+              <a:rot lat="0" lon="0" rev="0"/>
+            </a:camera>
+            <a:lightRig rig="threePt" dir="t"/>
+          </a:scene3d>
+          <a:sp3d prstMaterial="plastic">
+            <a:bevelT w="25400" h="25400"/>
+          </a:sp3d>
         </a:effectStyle>
       </a:effectStyleLst>
       <a:bgFillStyleLst>
         <a:solidFill>
           <a:schemeClr val="phClr"/>
         </a:solidFill>
-        <a:solidFill>
-          <a:schemeClr val="phClr">
-            <a:tint val="95000"/>
-            <a:satMod val="170000"/>
-          </a:schemeClr>
-        </a:solidFill>
+        <a:gradFill rotWithShape="1">
+          <a:gsLst>
+            <a:gs pos="10000">
+              <a:schemeClr val="phClr">
+                <a:tint val="97000"/>
+                <a:hueMod val="92000"/>
+                <a:satMod val="169000"/>
+                <a:lumMod val="164000"/>
+              </a:schemeClr>
+            </a:gs>
+            <a:gs pos="100000">
+              <a:schemeClr val="phClr">
+                <a:shade val="96000"/>
+                <a:satMod val="120000"/>
+                <a:lumMod val="90000"/>
+              </a:schemeClr>
+            </a:gs>
+          </a:gsLst>
+          <a:lin ang="6120000" scaled="1"/>
+        </a:gradFill>
         <a:gradFill rotWithShape="1">
           <a:gsLst>
             <a:gs pos="0">
               <a:schemeClr val="phClr">
-                <a:tint val="93000"/>
-                <a:satMod val="150000"/>
-                <a:shade val="98000"/>
-                <a:lumMod val="102000"/>
-              </a:schemeClr>
-            </a:gs>
-            <a:gs pos="50000">
-              <a:schemeClr val="phClr">
-                <a:tint val="98000"/>
-                <a:satMod val="130000"/>
-                <a:shade val="90000"/>
-                <a:lumMod val="103000"/>
+                <a:tint val="97000"/>
+                <a:hueMod val="92000"/>
+                <a:satMod val="169000"/>
+                <a:lumMod val="164000"/>
               </a:schemeClr>
             </a:gs>
             <a:gs pos="100000">
               <a:schemeClr val="phClr">
-                <a:shade val="63000"/>
+                <a:shade val="96000"/>
                 <a:satMod val="120000"/>
+                <a:lumMod val="90000"/>
               </a:schemeClr>
             </a:gs>
           </a:gsLst>
-          <a:lin ang="5400000" scaled="0"/>
+          <a:path path="circle">
+            <a:fillToRect b="100000"/>
+          </a:path>
         </a:gradFill>
       </a:bgFillStyleLst>
     </a:fmtScheme>
@@ -6909,7 +8940,7 @@
   <a:extraClrSchemeLst/>
   <a:extLst>
     <a:ext uri="{05A4C25C-085E-4340-85A3-A5531E510DB2}">
-      <thm15:themeFamily xmlns:thm15="http://schemas.microsoft.com/office/thememl/2012/main" name="Office Theme" id="{62F939B6-93AF-4DB8-9C6B-D6C7DFDC589F}" vid="{4A3C46E8-61CC-4603-A589-7422A47A8E4A}"/>
+      <thm15:themeFamily xmlns:thm15="http://schemas.microsoft.com/office/thememl/2012/main" name="Slice" id="{0507925B-6AC9-4358-8E18-C330545D08F8}" vid="{13FEC7C6-62A9-40C4-99D2-581AACACAA2F}"/>
     </a:ext>
   </a:extLst>
 </a:theme>

--- a/docpac_mar18/Presentation.pptx
+++ b/docpac_mar18/Presentation.pptx
@@ -2,7 +2,7 @@
 <file path=ppt/presentation.xml><?xml version="1.0" encoding="utf-8"?>
 <p:presentation xmlns:a="http://schemas.openxmlformats.org/drawingml/2006/main" xmlns:r="http://schemas.openxmlformats.org/officeDocument/2006/relationships" xmlns:p="http://schemas.openxmlformats.org/presentationml/2006/main" saveSubsetFonts="1">
   <p:sldMasterIdLst>
-    <p:sldMasterId id="2147483660" r:id="rId1"/>
+    <p:sldMasterId id="2147483648" r:id="rId1"/>
   </p:sldMasterIdLst>
   <p:sldIdLst>
     <p:sldId id="256" r:id="rId2"/>
@@ -25,7 +25,7 @@
     <a:defPPr>
       <a:defRPr lang="en-US"/>
     </a:defPPr>
-    <a:lvl1pPr marL="0" algn="l" defTabSz="457200" rtl="0" eaLnBrk="1" latinLnBrk="0" hangingPunct="1">
+    <a:lvl1pPr marL="0" algn="l" defTabSz="914400" rtl="0" eaLnBrk="1" latinLnBrk="0" hangingPunct="1">
       <a:defRPr sz="1800" kern="1200">
         <a:solidFill>
           <a:schemeClr val="tx1"/>
@@ -35,7 +35,7 @@
         <a:cs typeface="+mn-cs"/>
       </a:defRPr>
     </a:lvl1pPr>
-    <a:lvl2pPr marL="457200" algn="l" defTabSz="457200" rtl="0" eaLnBrk="1" latinLnBrk="0" hangingPunct="1">
+    <a:lvl2pPr marL="457200" algn="l" defTabSz="914400" rtl="0" eaLnBrk="1" latinLnBrk="0" hangingPunct="1">
       <a:defRPr sz="1800" kern="1200">
         <a:solidFill>
           <a:schemeClr val="tx1"/>
@@ -45,7 +45,7 @@
         <a:cs typeface="+mn-cs"/>
       </a:defRPr>
     </a:lvl2pPr>
-    <a:lvl3pPr marL="914400" algn="l" defTabSz="457200" rtl="0" eaLnBrk="1" latinLnBrk="0" hangingPunct="1">
+    <a:lvl3pPr marL="914400" algn="l" defTabSz="914400" rtl="0" eaLnBrk="1" latinLnBrk="0" hangingPunct="1">
       <a:defRPr sz="1800" kern="1200">
         <a:solidFill>
           <a:schemeClr val="tx1"/>
@@ -55,7 +55,7 @@
         <a:cs typeface="+mn-cs"/>
       </a:defRPr>
     </a:lvl3pPr>
-    <a:lvl4pPr marL="1371600" algn="l" defTabSz="457200" rtl="0" eaLnBrk="1" latinLnBrk="0" hangingPunct="1">
+    <a:lvl4pPr marL="1371600" algn="l" defTabSz="914400" rtl="0" eaLnBrk="1" latinLnBrk="0" hangingPunct="1">
       <a:defRPr sz="1800" kern="1200">
         <a:solidFill>
           <a:schemeClr val="tx1"/>
@@ -65,7 +65,7 @@
         <a:cs typeface="+mn-cs"/>
       </a:defRPr>
     </a:lvl4pPr>
-    <a:lvl5pPr marL="1828800" algn="l" defTabSz="457200" rtl="0" eaLnBrk="1" latinLnBrk="0" hangingPunct="1">
+    <a:lvl5pPr marL="1828800" algn="l" defTabSz="914400" rtl="0" eaLnBrk="1" latinLnBrk="0" hangingPunct="1">
       <a:defRPr sz="1800" kern="1200">
         <a:solidFill>
           <a:schemeClr val="tx1"/>
@@ -75,7 +75,7 @@
         <a:cs typeface="+mn-cs"/>
       </a:defRPr>
     </a:lvl5pPr>
-    <a:lvl6pPr marL="2286000" algn="l" defTabSz="457200" rtl="0" eaLnBrk="1" latinLnBrk="0" hangingPunct="1">
+    <a:lvl6pPr marL="2286000" algn="l" defTabSz="914400" rtl="0" eaLnBrk="1" latinLnBrk="0" hangingPunct="1">
       <a:defRPr sz="1800" kern="1200">
         <a:solidFill>
           <a:schemeClr val="tx1"/>
@@ -85,7 +85,7 @@
         <a:cs typeface="+mn-cs"/>
       </a:defRPr>
     </a:lvl6pPr>
-    <a:lvl7pPr marL="2743200" algn="l" defTabSz="457200" rtl="0" eaLnBrk="1" latinLnBrk="0" hangingPunct="1">
+    <a:lvl7pPr marL="2743200" algn="l" defTabSz="914400" rtl="0" eaLnBrk="1" latinLnBrk="0" hangingPunct="1">
       <a:defRPr sz="1800" kern="1200">
         <a:solidFill>
           <a:schemeClr val="tx1"/>
@@ -95,7 +95,7 @@
         <a:cs typeface="+mn-cs"/>
       </a:defRPr>
     </a:lvl7pPr>
-    <a:lvl8pPr marL="3200400" algn="l" defTabSz="457200" rtl="0" eaLnBrk="1" latinLnBrk="0" hangingPunct="1">
+    <a:lvl8pPr marL="3200400" algn="l" defTabSz="914400" rtl="0" eaLnBrk="1" latinLnBrk="0" hangingPunct="1">
       <a:defRPr sz="1800" kern="1200">
         <a:solidFill>
           <a:schemeClr val="tx1"/>
@@ -105,7 +105,7 @@
         <a:cs typeface="+mn-cs"/>
       </a:defRPr>
     </a:lvl8pPr>
-    <a:lvl9pPr marL="3657600" algn="l" defTabSz="457200" rtl="0" eaLnBrk="1" latinLnBrk="0" hangingPunct="1">
+    <a:lvl9pPr marL="3657600" algn="l" defTabSz="914400" rtl="0" eaLnBrk="1" latinLnBrk="0" hangingPunct="1">
       <a:defRPr sz="1800" kern="1200">
         <a:solidFill>
           <a:schemeClr val="tx1"/>
@@ -398,7 +398,7 @@
 </file>
 
 <file path=ppt/slideLayouts/slideLayout1.xml><?xml version="1.0" encoding="utf-8"?>
-<p:sldLayout xmlns:a="http://schemas.openxmlformats.org/drawingml/2006/main" xmlns:r="http://schemas.openxmlformats.org/officeDocument/2006/relationships" xmlns:p="http://schemas.openxmlformats.org/presentationml/2006/main" showMasterSp="0" type="title" preserve="1">
+<p:sldLayout xmlns:a="http://schemas.openxmlformats.org/drawingml/2006/main" xmlns:r="http://schemas.openxmlformats.org/officeDocument/2006/relationships" xmlns:p="http://schemas.openxmlformats.org/presentationml/2006/main" type="title" preserve="1">
   <p:cSld name="Title Slide">
     <p:spTree>
       <p:nvGrpSpPr>
@@ -416,7 +416,13 @@
       </p:grpSpPr>
       <p:sp>
         <p:nvSpPr>
-          <p:cNvPr id="2" name="Title 1"/>
+          <p:cNvPr id="2" name="Title 1">
+            <a:extLst>
+              <a:ext uri="{FF2B5EF4-FFF2-40B4-BE49-F238E27FC236}">
+                <a16:creationId xmlns:a16="http://schemas.microsoft.com/office/drawing/2014/main" id="{7F65085E-7491-458E-90EF-1E03C93DEC5C}"/>
+              </a:ext>
+            </a:extLst>
+          </p:cNvPr>
           <p:cNvSpPr>
             <a:spLocks noGrp="1"/>
           </p:cNvSpPr>
@@ -426,19 +432,15 @@
         </p:nvSpPr>
         <p:spPr>
           <a:xfrm>
-            <a:off x="684212" y="685799"/>
-            <a:ext cx="8001000" cy="2971801"/>
+            <a:off x="1524000" y="1122363"/>
+            <a:ext cx="9144000" cy="2387600"/>
           </a:xfrm>
         </p:spPr>
         <p:txBody>
-          <a:bodyPr anchor="b">
-            <a:normAutofit/>
-          </a:bodyPr>
+          <a:bodyPr anchor="b"/>
           <a:lstStyle>
-            <a:lvl1pPr algn="l">
-              <a:defRPr sz="4800">
-                <a:effectLst/>
-              </a:defRPr>
+            <a:lvl1pPr algn="ctr">
+              <a:defRPr sz="6000"/>
             </a:lvl1pPr>
           </a:lstStyle>
           <a:p>
@@ -446,13 +448,18 @@
               <a:rPr lang="en-US"/>
               <a:t>Click to edit Master title style</a:t>
             </a:r>
-            <a:endParaRPr lang="en-US" dirty="0"/>
-          </a:p>
-        </p:txBody>
-      </p:sp>
-      <p:sp>
-        <p:nvSpPr>
-          <p:cNvPr id="3" name="Subtitle 2"/>
+          </a:p>
+        </p:txBody>
+      </p:sp>
+      <p:sp>
+        <p:nvSpPr>
+          <p:cNvPr id="3" name="Subtitle 2">
+            <a:extLst>
+              <a:ext uri="{FF2B5EF4-FFF2-40B4-BE49-F238E27FC236}">
+                <a16:creationId xmlns:a16="http://schemas.microsoft.com/office/drawing/2014/main" id="{1BA061D5-722A-4D51-812F-6DE1BF211CC4}"/>
+              </a:ext>
+            </a:extLst>
+          </p:cNvPr>
           <p:cNvSpPr>
             <a:spLocks noGrp="1"/>
           </p:cNvSpPr>
@@ -462,104 +469,48 @@
         </p:nvSpPr>
         <p:spPr>
           <a:xfrm>
-            <a:off x="684212" y="3843867"/>
-            <a:ext cx="6400800" cy="1947333"/>
+            <a:off x="1524000" y="3602038"/>
+            <a:ext cx="9144000" cy="1655762"/>
           </a:xfrm>
         </p:spPr>
         <p:txBody>
-          <a:bodyPr anchor="t">
-            <a:normAutofit/>
-          </a:bodyPr>
+          <a:bodyPr/>
           <a:lstStyle>
-            <a:lvl1pPr marL="0" indent="0" algn="l">
+            <a:lvl1pPr marL="0" indent="0" algn="ctr">
               <a:buNone/>
-              <a:defRPr sz="2100">
-                <a:solidFill>
-                  <a:schemeClr val="bg2">
-                    <a:lumMod val="75000"/>
-                  </a:schemeClr>
-                </a:solidFill>
-              </a:defRPr>
+              <a:defRPr sz="2400"/>
             </a:lvl1pPr>
             <a:lvl2pPr marL="457200" indent="0" algn="ctr">
               <a:buNone/>
-              <a:defRPr>
-                <a:solidFill>
-                  <a:schemeClr val="tx1">
-                    <a:tint val="75000"/>
-                  </a:schemeClr>
-                </a:solidFill>
-              </a:defRPr>
+              <a:defRPr sz="2000"/>
             </a:lvl2pPr>
             <a:lvl3pPr marL="914400" indent="0" algn="ctr">
               <a:buNone/>
-              <a:defRPr>
-                <a:solidFill>
-                  <a:schemeClr val="tx1">
-                    <a:tint val="75000"/>
-                  </a:schemeClr>
-                </a:solidFill>
-              </a:defRPr>
+              <a:defRPr sz="1800"/>
             </a:lvl3pPr>
             <a:lvl4pPr marL="1371600" indent="0" algn="ctr">
               <a:buNone/>
-              <a:defRPr>
-                <a:solidFill>
-                  <a:schemeClr val="tx1">
-                    <a:tint val="75000"/>
-                  </a:schemeClr>
-                </a:solidFill>
-              </a:defRPr>
+              <a:defRPr sz="1600"/>
             </a:lvl4pPr>
             <a:lvl5pPr marL="1828800" indent="0" algn="ctr">
               <a:buNone/>
-              <a:defRPr>
-                <a:solidFill>
-                  <a:schemeClr val="tx1">
-                    <a:tint val="75000"/>
-                  </a:schemeClr>
-                </a:solidFill>
-              </a:defRPr>
+              <a:defRPr sz="1600"/>
             </a:lvl5pPr>
             <a:lvl6pPr marL="2286000" indent="0" algn="ctr">
               <a:buNone/>
-              <a:defRPr>
-                <a:solidFill>
-                  <a:schemeClr val="tx1">
-                    <a:tint val="75000"/>
-                  </a:schemeClr>
-                </a:solidFill>
-              </a:defRPr>
+              <a:defRPr sz="1600"/>
             </a:lvl6pPr>
             <a:lvl7pPr marL="2743200" indent="0" algn="ctr">
               <a:buNone/>
-              <a:defRPr>
-                <a:solidFill>
-                  <a:schemeClr val="tx1">
-                    <a:tint val="75000"/>
-                  </a:schemeClr>
-                </a:solidFill>
-              </a:defRPr>
+              <a:defRPr sz="1600"/>
             </a:lvl7pPr>
             <a:lvl8pPr marL="3200400" indent="0" algn="ctr">
               <a:buNone/>
-              <a:defRPr>
-                <a:solidFill>
-                  <a:schemeClr val="tx1">
-                    <a:tint val="75000"/>
-                  </a:schemeClr>
-                </a:solidFill>
-              </a:defRPr>
+              <a:defRPr sz="1600"/>
             </a:lvl8pPr>
             <a:lvl9pPr marL="3657600" indent="0" algn="ctr">
               <a:buNone/>
-              <a:defRPr>
-                <a:solidFill>
-                  <a:schemeClr val="tx1">
-                    <a:tint val="75000"/>
-                  </a:schemeClr>
-                </a:solidFill>
-              </a:defRPr>
+              <a:defRPr sz="1600"/>
             </a:lvl9pPr>
           </a:lstStyle>
           <a:p>
@@ -567,13 +518,18 @@
               <a:rPr lang="en-US"/>
               <a:t>Click to edit Master subtitle style</a:t>
             </a:r>
-            <a:endParaRPr lang="en-US" dirty="0"/>
-          </a:p>
-        </p:txBody>
-      </p:sp>
-      <p:sp>
-        <p:nvSpPr>
-          <p:cNvPr id="4" name="Date Placeholder 3"/>
+          </a:p>
+        </p:txBody>
+      </p:sp>
+      <p:sp>
+        <p:nvSpPr>
+          <p:cNvPr id="4" name="Date Placeholder 3">
+            <a:extLst>
+              <a:ext uri="{FF2B5EF4-FFF2-40B4-BE49-F238E27FC236}">
+                <a16:creationId xmlns:a16="http://schemas.microsoft.com/office/drawing/2014/main" id="{F4EDF1C2-42E5-4B83-9DDB-5A23C5687CA2}"/>
+              </a:ext>
+            </a:extLst>
+          </p:cNvPr>
           <p:cNvSpPr>
             <a:spLocks noGrp="1"/>
           </p:cNvSpPr>
@@ -596,7 +552,13 @@
       </p:sp>
       <p:sp>
         <p:nvSpPr>
-          <p:cNvPr id="5" name="Footer Placeholder 4"/>
+          <p:cNvPr id="5" name="Footer Placeholder 4">
+            <a:extLst>
+              <a:ext uri="{FF2B5EF4-FFF2-40B4-BE49-F238E27FC236}">
+                <a16:creationId xmlns:a16="http://schemas.microsoft.com/office/drawing/2014/main" id="{698513B4-D0B9-4B63-8842-8B8829F7DBBF}"/>
+              </a:ext>
+            </a:extLst>
+          </p:cNvPr>
           <p:cNvSpPr>
             <a:spLocks noGrp="1"/>
           </p:cNvSpPr>
@@ -615,7 +577,13 @@
       </p:sp>
       <p:sp>
         <p:nvSpPr>
-          <p:cNvPr id="6" name="Slide Number Placeholder 5"/>
+          <p:cNvPr id="6" name="Slide Number Placeholder 5">
+            <a:extLst>
+              <a:ext uri="{FF2B5EF4-FFF2-40B4-BE49-F238E27FC236}">
+                <a16:creationId xmlns:a16="http://schemas.microsoft.com/office/drawing/2014/main" id="{049AE01D-E2BA-42B9-A03D-18CEA04B0FE7}"/>
+              </a:ext>
+            </a:extLst>
+          </p:cNvPr>
           <p:cNvSpPr>
             <a:spLocks noGrp="1"/>
           </p:cNvSpPr>
@@ -636,185 +604,10 @@
           </a:p>
         </p:txBody>
       </p:sp>
-      <p:cxnSp>
-        <p:nvCxnSpPr>
-          <p:cNvPr id="16" name="Straight Connector 15"/>
-          <p:cNvCxnSpPr/>
-          <p:nvPr/>
-        </p:nvCxnSpPr>
-        <p:spPr>
-          <a:xfrm flipH="1">
-            <a:off x="8228012" y="8467"/>
-            <a:ext cx="3810000" cy="3810000"/>
-          </a:xfrm>
-          <a:prstGeom prst="line">
-            <a:avLst/>
-          </a:prstGeom>
-          <a:ln w="12700">
-            <a:solidFill>
-              <a:schemeClr val="tx1"/>
-            </a:solidFill>
-          </a:ln>
-        </p:spPr>
-        <p:style>
-          <a:lnRef idx="2">
-            <a:schemeClr val="accent1"/>
-          </a:lnRef>
-          <a:fillRef idx="0">
-            <a:schemeClr val="accent1"/>
-          </a:fillRef>
-          <a:effectRef idx="1">
-            <a:schemeClr val="accent1"/>
-          </a:effectRef>
-          <a:fontRef idx="minor">
-            <a:schemeClr val="tx1"/>
-          </a:fontRef>
-        </p:style>
-      </p:cxnSp>
-      <p:cxnSp>
-        <p:nvCxnSpPr>
-          <p:cNvPr id="17" name="Straight Connector 16"/>
-          <p:cNvCxnSpPr/>
-          <p:nvPr/>
-        </p:nvCxnSpPr>
-        <p:spPr>
-          <a:xfrm flipH="1">
-            <a:off x="6108170" y="91545"/>
-            <a:ext cx="6080655" cy="6080655"/>
-          </a:xfrm>
-          <a:prstGeom prst="line">
-            <a:avLst/>
-          </a:prstGeom>
-          <a:ln w="12700">
-            <a:solidFill>
-              <a:schemeClr val="tx1"/>
-            </a:solidFill>
-          </a:ln>
-        </p:spPr>
-        <p:style>
-          <a:lnRef idx="2">
-            <a:schemeClr val="accent1"/>
-          </a:lnRef>
-          <a:fillRef idx="0">
-            <a:schemeClr val="accent1"/>
-          </a:fillRef>
-          <a:effectRef idx="1">
-            <a:schemeClr val="accent1"/>
-          </a:effectRef>
-          <a:fontRef idx="minor">
-            <a:schemeClr val="tx1"/>
-          </a:fontRef>
-        </p:style>
-      </p:cxnSp>
-      <p:cxnSp>
-        <p:nvCxnSpPr>
-          <p:cNvPr id="19" name="Straight Connector 18"/>
-          <p:cNvCxnSpPr/>
-          <p:nvPr/>
-        </p:nvCxnSpPr>
-        <p:spPr>
-          <a:xfrm flipH="1">
-            <a:off x="7235825" y="228600"/>
-            <a:ext cx="4953000" cy="4953000"/>
-          </a:xfrm>
-          <a:prstGeom prst="line">
-            <a:avLst/>
-          </a:prstGeom>
-          <a:ln w="12700">
-            <a:solidFill>
-              <a:schemeClr val="tx1"/>
-            </a:solidFill>
-          </a:ln>
-        </p:spPr>
-        <p:style>
-          <a:lnRef idx="2">
-            <a:schemeClr val="accent1"/>
-          </a:lnRef>
-          <a:fillRef idx="0">
-            <a:schemeClr val="accent1"/>
-          </a:fillRef>
-          <a:effectRef idx="1">
-            <a:schemeClr val="accent1"/>
-          </a:effectRef>
-          <a:fontRef idx="minor">
-            <a:schemeClr val="tx1"/>
-          </a:fontRef>
-        </p:style>
-      </p:cxnSp>
-      <p:cxnSp>
-        <p:nvCxnSpPr>
-          <p:cNvPr id="21" name="Straight Connector 20"/>
-          <p:cNvCxnSpPr/>
-          <p:nvPr/>
-        </p:nvCxnSpPr>
-        <p:spPr>
-          <a:xfrm flipH="1">
-            <a:off x="7335837" y="32278"/>
-            <a:ext cx="4852989" cy="4852989"/>
-          </a:xfrm>
-          <a:prstGeom prst="line">
-            <a:avLst/>
-          </a:prstGeom>
-          <a:ln w="31750">
-            <a:solidFill>
-              <a:schemeClr val="tx1"/>
-            </a:solidFill>
-          </a:ln>
-        </p:spPr>
-        <p:style>
-          <a:lnRef idx="2">
-            <a:schemeClr val="accent1"/>
-          </a:lnRef>
-          <a:fillRef idx="0">
-            <a:schemeClr val="accent1"/>
-          </a:fillRef>
-          <a:effectRef idx="1">
-            <a:schemeClr val="accent1"/>
-          </a:effectRef>
-          <a:fontRef idx="minor">
-            <a:schemeClr val="tx1"/>
-          </a:fontRef>
-        </p:style>
-      </p:cxnSp>
-      <p:cxnSp>
-        <p:nvCxnSpPr>
-          <p:cNvPr id="23" name="Straight Connector 22"/>
-          <p:cNvCxnSpPr/>
-          <p:nvPr/>
-        </p:nvCxnSpPr>
-        <p:spPr>
-          <a:xfrm flipH="1">
-            <a:off x="7845426" y="609601"/>
-            <a:ext cx="4343399" cy="4343399"/>
-          </a:xfrm>
-          <a:prstGeom prst="line">
-            <a:avLst/>
-          </a:prstGeom>
-          <a:ln w="31750">
-            <a:solidFill>
-              <a:schemeClr val="tx1"/>
-            </a:solidFill>
-          </a:ln>
-        </p:spPr>
-        <p:style>
-          <a:lnRef idx="2">
-            <a:schemeClr val="accent1"/>
-          </a:lnRef>
-          <a:fillRef idx="0">
-            <a:schemeClr val="accent1"/>
-          </a:fillRef>
-          <a:effectRef idx="1">
-            <a:schemeClr val="accent1"/>
-          </a:effectRef>
-          <a:fontRef idx="minor">
-            <a:schemeClr val="tx1"/>
-          </a:fontRef>
-        </p:style>
-      </p:cxnSp>
     </p:spTree>
     <p:extLst>
       <p:ext uri="{BB962C8B-B14F-4D97-AF65-F5344CB8AC3E}">
-        <p14:creationId xmlns:p14="http://schemas.microsoft.com/office/powerpoint/2010/main" val="2495590612"/>
+        <p14:creationId xmlns:p14="http://schemas.microsoft.com/office/powerpoint/2010/main" val="802021653"/>
       </p:ext>
     </p:extLst>
   </p:cSld>
@@ -825,1812 +618,6 @@
 </file>
 
 <file path=ppt/slideLayouts/slideLayout10.xml><?xml version="1.0" encoding="utf-8"?>
-<p:sldLayout xmlns:a="http://schemas.openxmlformats.org/drawingml/2006/main" xmlns:r="http://schemas.openxmlformats.org/officeDocument/2006/relationships" xmlns:p="http://schemas.openxmlformats.org/presentationml/2006/main" preserve="1">
-  <p:cSld name="Panoramic Picture with Caption">
-    <p:spTree>
-      <p:nvGrpSpPr>
-        <p:cNvPr id="1" name=""/>
-        <p:cNvGrpSpPr/>
-        <p:nvPr/>
-      </p:nvGrpSpPr>
-      <p:grpSpPr>
-        <a:xfrm>
-          <a:off x="0" y="0"/>
-          <a:ext cx="0" cy="0"/>
-          <a:chOff x="0" y="0"/>
-          <a:chExt cx="0" cy="0"/>
-        </a:xfrm>
-      </p:grpSpPr>
-      <p:sp>
-        <p:nvSpPr>
-          <p:cNvPr id="2" name="Title 1"/>
-          <p:cNvSpPr>
-            <a:spLocks noGrp="1"/>
-          </p:cNvSpPr>
-          <p:nvPr>
-            <p:ph type="title"/>
-          </p:nvPr>
-        </p:nvSpPr>
-        <p:spPr/>
-        <p:txBody>
-          <a:bodyPr/>
-          <a:lstStyle/>
-          <a:p>
-            <a:r>
-              <a:rPr lang="en-US"/>
-              <a:t>Click to edit Master title style</a:t>
-            </a:r>
-            <a:endParaRPr lang="en-US" dirty="0"/>
-          </a:p>
-        </p:txBody>
-      </p:sp>
-      <p:sp>
-        <p:nvSpPr>
-          <p:cNvPr id="17" name="Picture Placeholder 2"/>
-          <p:cNvSpPr>
-            <a:spLocks noGrp="1" noChangeAspect="1"/>
-          </p:cNvSpPr>
-          <p:nvPr>
-            <p:ph type="pic" idx="13"/>
-          </p:nvPr>
-        </p:nvSpPr>
-        <p:spPr>
-          <a:xfrm>
-            <a:off x="685800" y="533400"/>
-            <a:ext cx="10818812" cy="3124200"/>
-          </a:xfrm>
-          <a:prstGeom prst="snip2DiagRect">
-            <a:avLst>
-              <a:gd name="adj1" fmla="val 10815"/>
-              <a:gd name="adj2" fmla="val 0"/>
-            </a:avLst>
-          </a:prstGeom>
-          <a:ln w="15875">
-            <a:solidFill>
-              <a:schemeClr val="tx1">
-                <a:alpha val="40000"/>
-              </a:schemeClr>
-            </a:solidFill>
-          </a:ln>
-          <a:effectLst>
-            <a:innerShdw blurRad="57150" dist="38100" dir="14460000">
-              <a:srgbClr val="000000">
-                <a:alpha val="70000"/>
-              </a:srgbClr>
-            </a:innerShdw>
-          </a:effectLst>
-        </p:spPr>
-        <p:txBody>
-          <a:bodyPr anchor="t">
-            <a:normAutofit/>
-          </a:bodyPr>
-          <a:lstStyle>
-            <a:lvl1pPr marL="0" indent="0" algn="ctr">
-              <a:buNone/>
-              <a:defRPr sz="1600"/>
-            </a:lvl1pPr>
-            <a:lvl2pPr marL="457200" indent="0">
-              <a:buNone/>
-              <a:defRPr sz="1600"/>
-            </a:lvl2pPr>
-            <a:lvl3pPr marL="914400" indent="0">
-              <a:buNone/>
-              <a:defRPr sz="1600"/>
-            </a:lvl3pPr>
-            <a:lvl4pPr marL="1371600" indent="0">
-              <a:buNone/>
-              <a:defRPr sz="1600"/>
-            </a:lvl4pPr>
-            <a:lvl5pPr marL="1828800" indent="0">
-              <a:buNone/>
-              <a:defRPr sz="1600"/>
-            </a:lvl5pPr>
-            <a:lvl6pPr marL="2286000" indent="0">
-              <a:buNone/>
-              <a:defRPr sz="1600"/>
-            </a:lvl6pPr>
-            <a:lvl7pPr marL="2743200" indent="0">
-              <a:buNone/>
-              <a:defRPr sz="1600"/>
-            </a:lvl7pPr>
-            <a:lvl8pPr marL="3200400" indent="0">
-              <a:buNone/>
-              <a:defRPr sz="1600"/>
-            </a:lvl8pPr>
-            <a:lvl9pPr marL="3657600" indent="0">
-              <a:buNone/>
-              <a:defRPr sz="1600"/>
-            </a:lvl9pPr>
-          </a:lstStyle>
-          <a:p>
-            <a:r>
-              <a:rPr lang="en-US"/>
-              <a:t>Click icon to add picture</a:t>
-            </a:r>
-            <a:endParaRPr lang="en-US" dirty="0"/>
-          </a:p>
-        </p:txBody>
-      </p:sp>
-      <p:sp>
-        <p:nvSpPr>
-          <p:cNvPr id="16" name="Text Placeholder 9"/>
-          <p:cNvSpPr>
-            <a:spLocks noGrp="1"/>
-          </p:cNvSpPr>
-          <p:nvPr>
-            <p:ph type="body" sz="quarter" idx="14"/>
-          </p:nvPr>
-        </p:nvSpPr>
-        <p:spPr>
-          <a:xfrm>
-            <a:off x="914402" y="3843867"/>
-            <a:ext cx="8304210" cy="457200"/>
-          </a:xfrm>
-        </p:spPr>
-        <p:txBody>
-          <a:bodyPr anchor="t">
-            <a:normAutofit/>
-          </a:bodyPr>
-          <a:lstStyle>
-            <a:lvl1pPr marL="0" indent="0">
-              <a:buFontTx/>
-              <a:buNone/>
-              <a:defRPr sz="1600"/>
-            </a:lvl1pPr>
-            <a:lvl2pPr marL="457200" indent="0">
-              <a:buFontTx/>
-              <a:buNone/>
-              <a:defRPr/>
-            </a:lvl2pPr>
-            <a:lvl3pPr marL="914400" indent="0">
-              <a:buFontTx/>
-              <a:buNone/>
-              <a:defRPr/>
-            </a:lvl3pPr>
-            <a:lvl4pPr marL="1371600" indent="0">
-              <a:buFontTx/>
-              <a:buNone/>
-              <a:defRPr/>
-            </a:lvl4pPr>
-            <a:lvl5pPr marL="1828800" indent="0">
-              <a:buFontTx/>
-              <a:buNone/>
-              <a:defRPr/>
-            </a:lvl5pPr>
-          </a:lstStyle>
-          <a:p>
-            <a:pPr lvl="0"/>
-            <a:r>
-              <a:rPr lang="en-US"/>
-              <a:t>Edit Master text styles</a:t>
-            </a:r>
-          </a:p>
-        </p:txBody>
-      </p:sp>
-      <p:sp>
-        <p:nvSpPr>
-          <p:cNvPr id="3" name="Date Placeholder 2"/>
-          <p:cNvSpPr>
-            <a:spLocks noGrp="1"/>
-          </p:cNvSpPr>
-          <p:nvPr>
-            <p:ph type="dt" sz="half" idx="10"/>
-          </p:nvPr>
-        </p:nvSpPr>
-        <p:spPr/>
-        <p:txBody>
-          <a:bodyPr/>
-          <a:lstStyle/>
-          <a:p>
-            <a:fld id="{597F59F5-6EDF-45CD-943B-829C40AA6758}" type="datetimeFigureOut">
-              <a:rPr lang="en-US" smtClean="0"/>
-              <a:t>3/16/2022</a:t>
-            </a:fld>
-            <a:endParaRPr lang="en-US"/>
-          </a:p>
-        </p:txBody>
-      </p:sp>
-      <p:sp>
-        <p:nvSpPr>
-          <p:cNvPr id="4" name="Footer Placeholder 3"/>
-          <p:cNvSpPr>
-            <a:spLocks noGrp="1"/>
-          </p:cNvSpPr>
-          <p:nvPr>
-            <p:ph type="ftr" sz="quarter" idx="11"/>
-          </p:nvPr>
-        </p:nvSpPr>
-        <p:spPr/>
-        <p:txBody>
-          <a:bodyPr/>
-          <a:lstStyle/>
-          <a:p>
-            <a:endParaRPr lang="en-US"/>
-          </a:p>
-        </p:txBody>
-      </p:sp>
-      <p:sp>
-        <p:nvSpPr>
-          <p:cNvPr id="5" name="Slide Number Placeholder 4"/>
-          <p:cNvSpPr>
-            <a:spLocks noGrp="1"/>
-          </p:cNvSpPr>
-          <p:nvPr>
-            <p:ph type="sldNum" sz="quarter" idx="12"/>
-          </p:nvPr>
-        </p:nvSpPr>
-        <p:spPr/>
-        <p:txBody>
-          <a:bodyPr/>
-          <a:lstStyle/>
-          <a:p>
-            <a:fld id="{9EA2DD1F-6B4A-489E-8EAA-AE675F17C5C9}" type="slidenum">
-              <a:rPr lang="en-US" smtClean="0"/>
-              <a:t>‹#›</a:t>
-            </a:fld>
-            <a:endParaRPr lang="en-US"/>
-          </a:p>
-        </p:txBody>
-      </p:sp>
-    </p:spTree>
-    <p:extLst>
-      <p:ext uri="{BB962C8B-B14F-4D97-AF65-F5344CB8AC3E}">
-        <p14:creationId xmlns:p14="http://schemas.microsoft.com/office/powerpoint/2010/main" val="1636323365"/>
-      </p:ext>
-    </p:extLst>
-  </p:cSld>
-  <p:clrMapOvr>
-    <a:masterClrMapping/>
-  </p:clrMapOvr>
-</p:sldLayout>
-</file>
-
-<file path=ppt/slideLayouts/slideLayout11.xml><?xml version="1.0" encoding="utf-8"?>
-<p:sldLayout xmlns:a="http://schemas.openxmlformats.org/drawingml/2006/main" xmlns:r="http://schemas.openxmlformats.org/officeDocument/2006/relationships" xmlns:p="http://schemas.openxmlformats.org/presentationml/2006/main" preserve="1">
-  <p:cSld name="Title and Caption">
-    <p:spTree>
-      <p:nvGrpSpPr>
-        <p:cNvPr id="1" name=""/>
-        <p:cNvGrpSpPr/>
-        <p:nvPr/>
-      </p:nvGrpSpPr>
-      <p:grpSpPr>
-        <a:xfrm>
-          <a:off x="0" y="0"/>
-          <a:ext cx="0" cy="0"/>
-          <a:chOff x="0" y="0"/>
-          <a:chExt cx="0" cy="0"/>
-        </a:xfrm>
-      </p:grpSpPr>
-      <p:sp>
-        <p:nvSpPr>
-          <p:cNvPr id="2" name="Title 1"/>
-          <p:cNvSpPr>
-            <a:spLocks noGrp="1"/>
-          </p:cNvSpPr>
-          <p:nvPr>
-            <p:ph type="title"/>
-          </p:nvPr>
-        </p:nvSpPr>
-        <p:spPr>
-          <a:xfrm>
-            <a:off x="684213" y="685800"/>
-            <a:ext cx="10058400" cy="2743200"/>
-          </a:xfrm>
-        </p:spPr>
-        <p:txBody>
-          <a:bodyPr anchor="ctr">
-            <a:normAutofit/>
-          </a:bodyPr>
-          <a:lstStyle>
-            <a:lvl1pPr algn="l">
-              <a:defRPr sz="3200" b="0" cap="all"/>
-            </a:lvl1pPr>
-          </a:lstStyle>
-          <a:p>
-            <a:r>
-              <a:rPr lang="en-US"/>
-              <a:t>Click to edit Master title style</a:t>
-            </a:r>
-            <a:endParaRPr lang="en-US" dirty="0"/>
-          </a:p>
-        </p:txBody>
-      </p:sp>
-      <p:sp>
-        <p:nvSpPr>
-          <p:cNvPr id="3" name="Text Placeholder 2"/>
-          <p:cNvSpPr>
-            <a:spLocks noGrp="1"/>
-          </p:cNvSpPr>
-          <p:nvPr>
-            <p:ph type="body" idx="1"/>
-          </p:nvPr>
-        </p:nvSpPr>
-        <p:spPr>
-          <a:xfrm>
-            <a:off x="684212" y="4114800"/>
-            <a:ext cx="8535988" cy="1879600"/>
-          </a:xfrm>
-        </p:spPr>
-        <p:txBody>
-          <a:bodyPr anchor="ctr">
-            <a:normAutofit/>
-          </a:bodyPr>
-          <a:lstStyle>
-            <a:lvl1pPr marL="0" indent="0" algn="l">
-              <a:buNone/>
-              <a:defRPr sz="2000">
-                <a:solidFill>
-                  <a:schemeClr val="bg2">
-                    <a:lumMod val="75000"/>
-                  </a:schemeClr>
-                </a:solidFill>
-              </a:defRPr>
-            </a:lvl1pPr>
-            <a:lvl2pPr marL="457200" indent="0">
-              <a:buNone/>
-              <a:defRPr sz="1800">
-                <a:solidFill>
-                  <a:schemeClr val="tx1">
-                    <a:tint val="75000"/>
-                  </a:schemeClr>
-                </a:solidFill>
-              </a:defRPr>
-            </a:lvl2pPr>
-            <a:lvl3pPr marL="914400" indent="0">
-              <a:buNone/>
-              <a:defRPr sz="1600">
-                <a:solidFill>
-                  <a:schemeClr val="tx1">
-                    <a:tint val="75000"/>
-                  </a:schemeClr>
-                </a:solidFill>
-              </a:defRPr>
-            </a:lvl3pPr>
-            <a:lvl4pPr marL="1371600" indent="0">
-              <a:buNone/>
-              <a:defRPr sz="1400">
-                <a:solidFill>
-                  <a:schemeClr val="tx1">
-                    <a:tint val="75000"/>
-                  </a:schemeClr>
-                </a:solidFill>
-              </a:defRPr>
-            </a:lvl4pPr>
-            <a:lvl5pPr marL="1828800" indent="0">
-              <a:buNone/>
-              <a:defRPr sz="1400">
-                <a:solidFill>
-                  <a:schemeClr val="tx1">
-                    <a:tint val="75000"/>
-                  </a:schemeClr>
-                </a:solidFill>
-              </a:defRPr>
-            </a:lvl5pPr>
-            <a:lvl6pPr marL="2286000" indent="0">
-              <a:buNone/>
-              <a:defRPr sz="1400">
-                <a:solidFill>
-                  <a:schemeClr val="tx1">
-                    <a:tint val="75000"/>
-                  </a:schemeClr>
-                </a:solidFill>
-              </a:defRPr>
-            </a:lvl6pPr>
-            <a:lvl7pPr marL="2743200" indent="0">
-              <a:buNone/>
-              <a:defRPr sz="1400">
-                <a:solidFill>
-                  <a:schemeClr val="tx1">
-                    <a:tint val="75000"/>
-                  </a:schemeClr>
-                </a:solidFill>
-              </a:defRPr>
-            </a:lvl7pPr>
-            <a:lvl8pPr marL="3200400" indent="0">
-              <a:buNone/>
-              <a:defRPr sz="1400">
-                <a:solidFill>
-                  <a:schemeClr val="tx1">
-                    <a:tint val="75000"/>
-                  </a:schemeClr>
-                </a:solidFill>
-              </a:defRPr>
-            </a:lvl8pPr>
-            <a:lvl9pPr marL="3657600" indent="0">
-              <a:buNone/>
-              <a:defRPr sz="1400">
-                <a:solidFill>
-                  <a:schemeClr val="tx1">
-                    <a:tint val="75000"/>
-                  </a:schemeClr>
-                </a:solidFill>
-              </a:defRPr>
-            </a:lvl9pPr>
-          </a:lstStyle>
-          <a:p>
-            <a:pPr lvl="0"/>
-            <a:r>
-              <a:rPr lang="en-US"/>
-              <a:t>Edit Master text styles</a:t>
-            </a:r>
-          </a:p>
-        </p:txBody>
-      </p:sp>
-      <p:sp>
-        <p:nvSpPr>
-          <p:cNvPr id="4" name="Date Placeholder 3"/>
-          <p:cNvSpPr>
-            <a:spLocks noGrp="1"/>
-          </p:cNvSpPr>
-          <p:nvPr>
-            <p:ph type="dt" sz="half" idx="10"/>
-          </p:nvPr>
-        </p:nvSpPr>
-        <p:spPr/>
-        <p:txBody>
-          <a:bodyPr/>
-          <a:lstStyle/>
-          <a:p>
-            <a:fld id="{597F59F5-6EDF-45CD-943B-829C40AA6758}" type="datetimeFigureOut">
-              <a:rPr lang="en-US" smtClean="0"/>
-              <a:t>3/16/2022</a:t>
-            </a:fld>
-            <a:endParaRPr lang="en-US"/>
-          </a:p>
-        </p:txBody>
-      </p:sp>
-      <p:sp>
-        <p:nvSpPr>
-          <p:cNvPr id="5" name="Footer Placeholder 4"/>
-          <p:cNvSpPr>
-            <a:spLocks noGrp="1"/>
-          </p:cNvSpPr>
-          <p:nvPr>
-            <p:ph type="ftr" sz="quarter" idx="11"/>
-          </p:nvPr>
-        </p:nvSpPr>
-        <p:spPr/>
-        <p:txBody>
-          <a:bodyPr/>
-          <a:lstStyle/>
-          <a:p>
-            <a:endParaRPr lang="en-US"/>
-          </a:p>
-        </p:txBody>
-      </p:sp>
-      <p:sp>
-        <p:nvSpPr>
-          <p:cNvPr id="6" name="Slide Number Placeholder 5"/>
-          <p:cNvSpPr>
-            <a:spLocks noGrp="1"/>
-          </p:cNvSpPr>
-          <p:nvPr>
-            <p:ph type="sldNum" sz="quarter" idx="12"/>
-          </p:nvPr>
-        </p:nvSpPr>
-        <p:spPr/>
-        <p:txBody>
-          <a:bodyPr/>
-          <a:lstStyle/>
-          <a:p>
-            <a:fld id="{9EA2DD1F-6B4A-489E-8EAA-AE675F17C5C9}" type="slidenum">
-              <a:rPr lang="en-US" smtClean="0"/>
-              <a:t>‹#›</a:t>
-            </a:fld>
-            <a:endParaRPr lang="en-US"/>
-          </a:p>
-        </p:txBody>
-      </p:sp>
-    </p:spTree>
-    <p:extLst>
-      <p:ext uri="{BB962C8B-B14F-4D97-AF65-F5344CB8AC3E}">
-        <p14:creationId xmlns:p14="http://schemas.microsoft.com/office/powerpoint/2010/main" val="2397931950"/>
-      </p:ext>
-    </p:extLst>
-  </p:cSld>
-  <p:clrMapOvr>
-    <a:masterClrMapping/>
-  </p:clrMapOvr>
-</p:sldLayout>
-</file>
-
-<file path=ppt/slideLayouts/slideLayout12.xml><?xml version="1.0" encoding="utf-8"?>
-<p:sldLayout xmlns:a="http://schemas.openxmlformats.org/drawingml/2006/main" xmlns:r="http://schemas.openxmlformats.org/officeDocument/2006/relationships" xmlns:p="http://schemas.openxmlformats.org/presentationml/2006/main" preserve="1">
-  <p:cSld name="Quote with Caption">
-    <p:spTree>
-      <p:nvGrpSpPr>
-        <p:cNvPr id="1" name=""/>
-        <p:cNvGrpSpPr/>
-        <p:nvPr/>
-      </p:nvGrpSpPr>
-      <p:grpSpPr>
-        <a:xfrm>
-          <a:off x="0" y="0"/>
-          <a:ext cx="0" cy="0"/>
-          <a:chOff x="0" y="0"/>
-          <a:chExt cx="0" cy="0"/>
-        </a:xfrm>
-      </p:grpSpPr>
-      <p:sp>
-        <p:nvSpPr>
-          <p:cNvPr id="2" name="Title 1"/>
-          <p:cNvSpPr>
-            <a:spLocks noGrp="1"/>
-          </p:cNvSpPr>
-          <p:nvPr>
-            <p:ph type="title"/>
-          </p:nvPr>
-        </p:nvSpPr>
-        <p:spPr>
-          <a:xfrm>
-            <a:off x="1141411" y="685800"/>
-            <a:ext cx="9144001" cy="2743200"/>
-          </a:xfrm>
-        </p:spPr>
-        <p:txBody>
-          <a:bodyPr anchor="ctr">
-            <a:normAutofit/>
-          </a:bodyPr>
-          <a:lstStyle>
-            <a:lvl1pPr algn="l">
-              <a:defRPr sz="3200" b="0" cap="all">
-                <a:solidFill>
-                  <a:schemeClr val="tx1"/>
-                </a:solidFill>
-              </a:defRPr>
-            </a:lvl1pPr>
-          </a:lstStyle>
-          <a:p>
-            <a:r>
-              <a:rPr lang="en-US"/>
-              <a:t>Click to edit Master title style</a:t>
-            </a:r>
-            <a:endParaRPr lang="en-US" dirty="0"/>
-          </a:p>
-        </p:txBody>
-      </p:sp>
-      <p:sp>
-        <p:nvSpPr>
-          <p:cNvPr id="10" name="Text Placeholder 9"/>
-          <p:cNvSpPr>
-            <a:spLocks noGrp="1"/>
-          </p:cNvSpPr>
-          <p:nvPr>
-            <p:ph type="body" sz="quarter" idx="13"/>
-          </p:nvPr>
-        </p:nvSpPr>
-        <p:spPr>
-          <a:xfrm>
-            <a:off x="1446212" y="3429000"/>
-            <a:ext cx="8534400" cy="381000"/>
-          </a:xfrm>
-        </p:spPr>
-        <p:txBody>
-          <a:bodyPr anchor="ctr"/>
-          <a:lstStyle>
-            <a:lvl1pPr marL="0" indent="0">
-              <a:buFontTx/>
-              <a:buNone/>
-              <a:defRPr/>
-            </a:lvl1pPr>
-            <a:lvl2pPr marL="457200" indent="0">
-              <a:buFontTx/>
-              <a:buNone/>
-              <a:defRPr/>
-            </a:lvl2pPr>
-            <a:lvl3pPr marL="914400" indent="0">
-              <a:buFontTx/>
-              <a:buNone/>
-              <a:defRPr/>
-            </a:lvl3pPr>
-            <a:lvl4pPr marL="1371600" indent="0">
-              <a:buFontTx/>
-              <a:buNone/>
-              <a:defRPr/>
-            </a:lvl4pPr>
-            <a:lvl5pPr marL="1828800" indent="0">
-              <a:buFontTx/>
-              <a:buNone/>
-              <a:defRPr/>
-            </a:lvl5pPr>
-          </a:lstStyle>
-          <a:p>
-            <a:pPr lvl="0"/>
-            <a:r>
-              <a:rPr lang="en-US"/>
-              <a:t>Edit Master text styles</a:t>
-            </a:r>
-          </a:p>
-        </p:txBody>
-      </p:sp>
-      <p:sp>
-        <p:nvSpPr>
-          <p:cNvPr id="3" name="Text Placeholder 2"/>
-          <p:cNvSpPr>
-            <a:spLocks noGrp="1"/>
-          </p:cNvSpPr>
-          <p:nvPr>
-            <p:ph type="body" idx="1"/>
-          </p:nvPr>
-        </p:nvSpPr>
-        <p:spPr>
-          <a:xfrm>
-            <a:off x="684213" y="4301067"/>
-            <a:ext cx="8534400" cy="1684865"/>
-          </a:xfrm>
-        </p:spPr>
-        <p:txBody>
-          <a:bodyPr anchor="ctr">
-            <a:normAutofit/>
-          </a:bodyPr>
-          <a:lstStyle>
-            <a:lvl1pPr marL="0" indent="0" algn="l">
-              <a:buNone/>
-              <a:defRPr sz="2000">
-                <a:solidFill>
-                  <a:schemeClr val="bg2">
-                    <a:lumMod val="75000"/>
-                  </a:schemeClr>
-                </a:solidFill>
-              </a:defRPr>
-            </a:lvl1pPr>
-            <a:lvl2pPr marL="457200" indent="0">
-              <a:buNone/>
-              <a:defRPr sz="1800">
-                <a:solidFill>
-                  <a:schemeClr val="tx1">
-                    <a:tint val="75000"/>
-                  </a:schemeClr>
-                </a:solidFill>
-              </a:defRPr>
-            </a:lvl2pPr>
-            <a:lvl3pPr marL="914400" indent="0">
-              <a:buNone/>
-              <a:defRPr sz="1600">
-                <a:solidFill>
-                  <a:schemeClr val="tx1">
-                    <a:tint val="75000"/>
-                  </a:schemeClr>
-                </a:solidFill>
-              </a:defRPr>
-            </a:lvl3pPr>
-            <a:lvl4pPr marL="1371600" indent="0">
-              <a:buNone/>
-              <a:defRPr sz="1400">
-                <a:solidFill>
-                  <a:schemeClr val="tx1">
-                    <a:tint val="75000"/>
-                  </a:schemeClr>
-                </a:solidFill>
-              </a:defRPr>
-            </a:lvl4pPr>
-            <a:lvl5pPr marL="1828800" indent="0">
-              <a:buNone/>
-              <a:defRPr sz="1400">
-                <a:solidFill>
-                  <a:schemeClr val="tx1">
-                    <a:tint val="75000"/>
-                  </a:schemeClr>
-                </a:solidFill>
-              </a:defRPr>
-            </a:lvl5pPr>
-            <a:lvl6pPr marL="2286000" indent="0">
-              <a:buNone/>
-              <a:defRPr sz="1400">
-                <a:solidFill>
-                  <a:schemeClr val="tx1">
-                    <a:tint val="75000"/>
-                  </a:schemeClr>
-                </a:solidFill>
-              </a:defRPr>
-            </a:lvl6pPr>
-            <a:lvl7pPr marL="2743200" indent="0">
-              <a:buNone/>
-              <a:defRPr sz="1400">
-                <a:solidFill>
-                  <a:schemeClr val="tx1">
-                    <a:tint val="75000"/>
-                  </a:schemeClr>
-                </a:solidFill>
-              </a:defRPr>
-            </a:lvl7pPr>
-            <a:lvl8pPr marL="3200400" indent="0">
-              <a:buNone/>
-              <a:defRPr sz="1400">
-                <a:solidFill>
-                  <a:schemeClr val="tx1">
-                    <a:tint val="75000"/>
-                  </a:schemeClr>
-                </a:solidFill>
-              </a:defRPr>
-            </a:lvl8pPr>
-            <a:lvl9pPr marL="3657600" indent="0">
-              <a:buNone/>
-              <a:defRPr sz="1400">
-                <a:solidFill>
-                  <a:schemeClr val="tx1">
-                    <a:tint val="75000"/>
-                  </a:schemeClr>
-                </a:solidFill>
-              </a:defRPr>
-            </a:lvl9pPr>
-          </a:lstStyle>
-          <a:p>
-            <a:pPr lvl="0"/>
-            <a:r>
-              <a:rPr lang="en-US"/>
-              <a:t>Edit Master text styles</a:t>
-            </a:r>
-          </a:p>
-        </p:txBody>
-      </p:sp>
-      <p:sp>
-        <p:nvSpPr>
-          <p:cNvPr id="4" name="Date Placeholder 3"/>
-          <p:cNvSpPr>
-            <a:spLocks noGrp="1"/>
-          </p:cNvSpPr>
-          <p:nvPr>
-            <p:ph type="dt" sz="half" idx="10"/>
-          </p:nvPr>
-        </p:nvSpPr>
-        <p:spPr/>
-        <p:txBody>
-          <a:bodyPr/>
-          <a:lstStyle/>
-          <a:p>
-            <a:fld id="{597F59F5-6EDF-45CD-943B-829C40AA6758}" type="datetimeFigureOut">
-              <a:rPr lang="en-US" smtClean="0"/>
-              <a:t>3/16/2022</a:t>
-            </a:fld>
-            <a:endParaRPr lang="en-US"/>
-          </a:p>
-        </p:txBody>
-      </p:sp>
-      <p:sp>
-        <p:nvSpPr>
-          <p:cNvPr id="5" name="Footer Placeholder 4"/>
-          <p:cNvSpPr>
-            <a:spLocks noGrp="1"/>
-          </p:cNvSpPr>
-          <p:nvPr>
-            <p:ph type="ftr" sz="quarter" idx="11"/>
-          </p:nvPr>
-        </p:nvSpPr>
-        <p:spPr/>
-        <p:txBody>
-          <a:bodyPr/>
-          <a:lstStyle/>
-          <a:p>
-            <a:endParaRPr lang="en-US"/>
-          </a:p>
-        </p:txBody>
-      </p:sp>
-      <p:sp>
-        <p:nvSpPr>
-          <p:cNvPr id="6" name="Slide Number Placeholder 5"/>
-          <p:cNvSpPr>
-            <a:spLocks noGrp="1"/>
-          </p:cNvSpPr>
-          <p:nvPr>
-            <p:ph type="sldNum" sz="quarter" idx="12"/>
-          </p:nvPr>
-        </p:nvSpPr>
-        <p:spPr/>
-        <p:txBody>
-          <a:bodyPr/>
-          <a:lstStyle/>
-          <a:p>
-            <a:fld id="{9EA2DD1F-6B4A-489E-8EAA-AE675F17C5C9}" type="slidenum">
-              <a:rPr lang="en-US" smtClean="0"/>
-              <a:t>‹#›</a:t>
-            </a:fld>
-            <a:endParaRPr lang="en-US"/>
-          </a:p>
-        </p:txBody>
-      </p:sp>
-      <p:sp>
-        <p:nvSpPr>
-          <p:cNvPr id="14" name="TextBox 13"/>
-          <p:cNvSpPr txBox="1"/>
-          <p:nvPr/>
-        </p:nvSpPr>
-        <p:spPr>
-          <a:xfrm>
-            <a:off x="531812" y="812222"/>
-            <a:ext cx="609600" cy="584776"/>
-          </a:xfrm>
-          <a:prstGeom prst="rect">
-            <a:avLst/>
-          </a:prstGeom>
-        </p:spPr>
-        <p:txBody>
-          <a:bodyPr vert="horz" lIns="91440" tIns="45720" rIns="91440" bIns="45720" rtlCol="0" anchor="ctr">
-            <a:noAutofit/>
-          </a:bodyPr>
-          <a:lstStyle/>
-          <a:p>
-            <a:pPr lvl="0"/>
-            <a:r>
-              <a:rPr lang="en-US" sz="8000" dirty="0">
-                <a:solidFill>
-                  <a:schemeClr val="tx1"/>
-                </a:solidFill>
-                <a:effectLst/>
-              </a:rPr>
-              <a:t>“</a:t>
-            </a:r>
-          </a:p>
-        </p:txBody>
-      </p:sp>
-      <p:sp>
-        <p:nvSpPr>
-          <p:cNvPr id="15" name="TextBox 14"/>
-          <p:cNvSpPr txBox="1"/>
-          <p:nvPr/>
-        </p:nvSpPr>
-        <p:spPr>
-          <a:xfrm>
-            <a:off x="10285412" y="2768601"/>
-            <a:ext cx="609600" cy="584776"/>
-          </a:xfrm>
-          <a:prstGeom prst="rect">
-            <a:avLst/>
-          </a:prstGeom>
-        </p:spPr>
-        <p:txBody>
-          <a:bodyPr vert="horz" lIns="91440" tIns="45720" rIns="91440" bIns="45720" rtlCol="0" anchor="ctr">
-            <a:noAutofit/>
-          </a:bodyPr>
-          <a:lstStyle/>
-          <a:p>
-            <a:pPr lvl="0" algn="r"/>
-            <a:r>
-              <a:rPr lang="en-US" sz="8000" dirty="0">
-                <a:solidFill>
-                  <a:schemeClr val="tx1"/>
-                </a:solidFill>
-                <a:effectLst/>
-              </a:rPr>
-              <a:t>”</a:t>
-            </a:r>
-          </a:p>
-        </p:txBody>
-      </p:sp>
-    </p:spTree>
-    <p:extLst>
-      <p:ext uri="{BB962C8B-B14F-4D97-AF65-F5344CB8AC3E}">
-        <p14:creationId xmlns:p14="http://schemas.microsoft.com/office/powerpoint/2010/main" val="1444545747"/>
-      </p:ext>
-    </p:extLst>
-  </p:cSld>
-  <p:clrMapOvr>
-    <a:masterClrMapping/>
-  </p:clrMapOvr>
-</p:sldLayout>
-</file>
-
-<file path=ppt/slideLayouts/slideLayout13.xml><?xml version="1.0" encoding="utf-8"?>
-<p:sldLayout xmlns:a="http://schemas.openxmlformats.org/drawingml/2006/main" xmlns:r="http://schemas.openxmlformats.org/officeDocument/2006/relationships" xmlns:p="http://schemas.openxmlformats.org/presentationml/2006/main" preserve="1">
-  <p:cSld name="Name Card">
-    <p:spTree>
-      <p:nvGrpSpPr>
-        <p:cNvPr id="1" name=""/>
-        <p:cNvGrpSpPr/>
-        <p:nvPr/>
-      </p:nvGrpSpPr>
-      <p:grpSpPr>
-        <a:xfrm>
-          <a:off x="0" y="0"/>
-          <a:ext cx="0" cy="0"/>
-          <a:chOff x="0" y="0"/>
-          <a:chExt cx="0" cy="0"/>
-        </a:xfrm>
-      </p:grpSpPr>
-      <p:sp>
-        <p:nvSpPr>
-          <p:cNvPr id="2" name="Title 1"/>
-          <p:cNvSpPr>
-            <a:spLocks noGrp="1"/>
-          </p:cNvSpPr>
-          <p:nvPr>
-            <p:ph type="title"/>
-          </p:nvPr>
-        </p:nvSpPr>
-        <p:spPr>
-          <a:xfrm>
-            <a:off x="684212" y="3429000"/>
-            <a:ext cx="8534400" cy="1697400"/>
-          </a:xfrm>
-        </p:spPr>
-        <p:txBody>
-          <a:bodyPr anchor="b">
-            <a:normAutofit/>
-          </a:bodyPr>
-          <a:lstStyle>
-            <a:lvl1pPr algn="l">
-              <a:defRPr sz="3200" b="0" cap="all"/>
-            </a:lvl1pPr>
-          </a:lstStyle>
-          <a:p>
-            <a:r>
-              <a:rPr lang="en-US"/>
-              <a:t>Click to edit Master title style</a:t>
-            </a:r>
-            <a:endParaRPr lang="en-US" dirty="0"/>
-          </a:p>
-        </p:txBody>
-      </p:sp>
-      <p:sp>
-        <p:nvSpPr>
-          <p:cNvPr id="3" name="Text Placeholder 2"/>
-          <p:cNvSpPr>
-            <a:spLocks noGrp="1"/>
-          </p:cNvSpPr>
-          <p:nvPr>
-            <p:ph type="body" idx="1"/>
-          </p:nvPr>
-        </p:nvSpPr>
-        <p:spPr>
-          <a:xfrm>
-            <a:off x="684211" y="5132981"/>
-            <a:ext cx="8535990" cy="860400"/>
-          </a:xfrm>
-        </p:spPr>
-        <p:txBody>
-          <a:bodyPr anchor="t">
-            <a:normAutofit/>
-          </a:bodyPr>
-          <a:lstStyle>
-            <a:lvl1pPr marL="0" indent="0" algn="l">
-              <a:buNone/>
-              <a:defRPr sz="2000">
-                <a:solidFill>
-                  <a:schemeClr val="bg2">
-                    <a:lumMod val="75000"/>
-                  </a:schemeClr>
-                </a:solidFill>
-              </a:defRPr>
-            </a:lvl1pPr>
-            <a:lvl2pPr marL="457200" indent="0">
-              <a:buNone/>
-              <a:defRPr sz="1800">
-                <a:solidFill>
-                  <a:schemeClr val="tx1">
-                    <a:tint val="75000"/>
-                  </a:schemeClr>
-                </a:solidFill>
-              </a:defRPr>
-            </a:lvl2pPr>
-            <a:lvl3pPr marL="914400" indent="0">
-              <a:buNone/>
-              <a:defRPr sz="1600">
-                <a:solidFill>
-                  <a:schemeClr val="tx1">
-                    <a:tint val="75000"/>
-                  </a:schemeClr>
-                </a:solidFill>
-              </a:defRPr>
-            </a:lvl3pPr>
-            <a:lvl4pPr marL="1371600" indent="0">
-              <a:buNone/>
-              <a:defRPr sz="1400">
-                <a:solidFill>
-                  <a:schemeClr val="tx1">
-                    <a:tint val="75000"/>
-                  </a:schemeClr>
-                </a:solidFill>
-              </a:defRPr>
-            </a:lvl4pPr>
-            <a:lvl5pPr marL="1828800" indent="0">
-              <a:buNone/>
-              <a:defRPr sz="1400">
-                <a:solidFill>
-                  <a:schemeClr val="tx1">
-                    <a:tint val="75000"/>
-                  </a:schemeClr>
-                </a:solidFill>
-              </a:defRPr>
-            </a:lvl5pPr>
-            <a:lvl6pPr marL="2286000" indent="0">
-              <a:buNone/>
-              <a:defRPr sz="1400">
-                <a:solidFill>
-                  <a:schemeClr val="tx1">
-                    <a:tint val="75000"/>
-                  </a:schemeClr>
-                </a:solidFill>
-              </a:defRPr>
-            </a:lvl6pPr>
-            <a:lvl7pPr marL="2743200" indent="0">
-              <a:buNone/>
-              <a:defRPr sz="1400">
-                <a:solidFill>
-                  <a:schemeClr val="tx1">
-                    <a:tint val="75000"/>
-                  </a:schemeClr>
-                </a:solidFill>
-              </a:defRPr>
-            </a:lvl7pPr>
-            <a:lvl8pPr marL="3200400" indent="0">
-              <a:buNone/>
-              <a:defRPr sz="1400">
-                <a:solidFill>
-                  <a:schemeClr val="tx1">
-                    <a:tint val="75000"/>
-                  </a:schemeClr>
-                </a:solidFill>
-              </a:defRPr>
-            </a:lvl8pPr>
-            <a:lvl9pPr marL="3657600" indent="0">
-              <a:buNone/>
-              <a:defRPr sz="1400">
-                <a:solidFill>
-                  <a:schemeClr val="tx1">
-                    <a:tint val="75000"/>
-                  </a:schemeClr>
-                </a:solidFill>
-              </a:defRPr>
-            </a:lvl9pPr>
-          </a:lstStyle>
-          <a:p>
-            <a:pPr lvl="0"/>
-            <a:r>
-              <a:rPr lang="en-US"/>
-              <a:t>Edit Master text styles</a:t>
-            </a:r>
-          </a:p>
-        </p:txBody>
-      </p:sp>
-      <p:sp>
-        <p:nvSpPr>
-          <p:cNvPr id="4" name="Date Placeholder 3"/>
-          <p:cNvSpPr>
-            <a:spLocks noGrp="1"/>
-          </p:cNvSpPr>
-          <p:nvPr>
-            <p:ph type="dt" sz="half" idx="10"/>
-          </p:nvPr>
-        </p:nvSpPr>
-        <p:spPr/>
-        <p:txBody>
-          <a:bodyPr/>
-          <a:lstStyle/>
-          <a:p>
-            <a:fld id="{597F59F5-6EDF-45CD-943B-829C40AA6758}" type="datetimeFigureOut">
-              <a:rPr lang="en-US" smtClean="0"/>
-              <a:t>3/16/2022</a:t>
-            </a:fld>
-            <a:endParaRPr lang="en-US"/>
-          </a:p>
-        </p:txBody>
-      </p:sp>
-      <p:sp>
-        <p:nvSpPr>
-          <p:cNvPr id="5" name="Footer Placeholder 4"/>
-          <p:cNvSpPr>
-            <a:spLocks noGrp="1"/>
-          </p:cNvSpPr>
-          <p:nvPr>
-            <p:ph type="ftr" sz="quarter" idx="11"/>
-          </p:nvPr>
-        </p:nvSpPr>
-        <p:spPr/>
-        <p:txBody>
-          <a:bodyPr/>
-          <a:lstStyle/>
-          <a:p>
-            <a:endParaRPr lang="en-US"/>
-          </a:p>
-        </p:txBody>
-      </p:sp>
-      <p:sp>
-        <p:nvSpPr>
-          <p:cNvPr id="6" name="Slide Number Placeholder 5"/>
-          <p:cNvSpPr>
-            <a:spLocks noGrp="1"/>
-          </p:cNvSpPr>
-          <p:nvPr>
-            <p:ph type="sldNum" sz="quarter" idx="12"/>
-          </p:nvPr>
-        </p:nvSpPr>
-        <p:spPr/>
-        <p:txBody>
-          <a:bodyPr/>
-          <a:lstStyle/>
-          <a:p>
-            <a:fld id="{9EA2DD1F-6B4A-489E-8EAA-AE675F17C5C9}" type="slidenum">
-              <a:rPr lang="en-US" smtClean="0"/>
-              <a:t>‹#›</a:t>
-            </a:fld>
-            <a:endParaRPr lang="en-US"/>
-          </a:p>
-        </p:txBody>
-      </p:sp>
-    </p:spTree>
-    <p:extLst>
-      <p:ext uri="{BB962C8B-B14F-4D97-AF65-F5344CB8AC3E}">
-        <p14:creationId xmlns:p14="http://schemas.microsoft.com/office/powerpoint/2010/main" val="602214692"/>
-      </p:ext>
-    </p:extLst>
-  </p:cSld>
-  <p:clrMapOvr>
-    <a:masterClrMapping/>
-  </p:clrMapOvr>
-</p:sldLayout>
-</file>
-
-<file path=ppt/slideLayouts/slideLayout14.xml><?xml version="1.0" encoding="utf-8"?>
-<p:sldLayout xmlns:a="http://schemas.openxmlformats.org/drawingml/2006/main" xmlns:r="http://schemas.openxmlformats.org/officeDocument/2006/relationships" xmlns:p="http://schemas.openxmlformats.org/presentationml/2006/main" preserve="1">
-  <p:cSld name="Quote Name Card">
-    <p:spTree>
-      <p:nvGrpSpPr>
-        <p:cNvPr id="1" name=""/>
-        <p:cNvGrpSpPr/>
-        <p:nvPr/>
-      </p:nvGrpSpPr>
-      <p:grpSpPr>
-        <a:xfrm>
-          <a:off x="0" y="0"/>
-          <a:ext cx="0" cy="0"/>
-          <a:chOff x="0" y="0"/>
-          <a:chExt cx="0" cy="0"/>
-        </a:xfrm>
-      </p:grpSpPr>
-      <p:sp>
-        <p:nvSpPr>
-          <p:cNvPr id="2" name="Title 1"/>
-          <p:cNvSpPr>
-            <a:spLocks noGrp="1"/>
-          </p:cNvSpPr>
-          <p:nvPr>
-            <p:ph type="title"/>
-          </p:nvPr>
-        </p:nvSpPr>
-        <p:spPr>
-          <a:xfrm>
-            <a:off x="1141413" y="685800"/>
-            <a:ext cx="9144000" cy="2743200"/>
-          </a:xfrm>
-        </p:spPr>
-        <p:txBody>
-          <a:bodyPr anchor="ctr">
-            <a:normAutofit/>
-          </a:bodyPr>
-          <a:lstStyle>
-            <a:lvl1pPr algn="l">
-              <a:defRPr sz="3200" b="0" cap="all">
-                <a:solidFill>
-                  <a:schemeClr val="tx1"/>
-                </a:solidFill>
-              </a:defRPr>
-            </a:lvl1pPr>
-          </a:lstStyle>
-          <a:p>
-            <a:r>
-              <a:rPr lang="en-US"/>
-              <a:t>Click to edit Master title style</a:t>
-            </a:r>
-            <a:endParaRPr lang="en-US" dirty="0"/>
-          </a:p>
-        </p:txBody>
-      </p:sp>
-      <p:sp>
-        <p:nvSpPr>
-          <p:cNvPr id="10" name="Text Placeholder 9"/>
-          <p:cNvSpPr>
-            <a:spLocks noGrp="1"/>
-          </p:cNvSpPr>
-          <p:nvPr>
-            <p:ph type="body" sz="quarter" idx="13"/>
-          </p:nvPr>
-        </p:nvSpPr>
-        <p:spPr>
-          <a:xfrm>
-            <a:off x="684212" y="3928534"/>
-            <a:ext cx="8534401" cy="1049866"/>
-          </a:xfrm>
-        </p:spPr>
-        <p:txBody>
-          <a:bodyPr vert="horz" lIns="91440" tIns="45720" rIns="91440" bIns="45720" rtlCol="0" anchor="b">
-            <a:normAutofit/>
-          </a:bodyPr>
-          <a:lstStyle>
-            <a:lvl1pPr>
-              <a:buNone/>
-              <a:defRPr lang="en-US" sz="2400" b="0" cap="all" dirty="0">
-                <a:ln w="3175" cmpd="sng">
-                  <a:noFill/>
-                </a:ln>
-                <a:solidFill>
-                  <a:schemeClr val="tx1"/>
-                </a:solidFill>
-                <a:effectLst/>
-              </a:defRPr>
-            </a:lvl1pPr>
-          </a:lstStyle>
-          <a:p>
-            <a:pPr marL="0" lvl="0">
-              <a:spcBef>
-                <a:spcPct val="0"/>
-              </a:spcBef>
-              <a:buNone/>
-            </a:pPr>
-            <a:r>
-              <a:rPr lang="en-US"/>
-              <a:t>Edit Master text styles</a:t>
-            </a:r>
-          </a:p>
-        </p:txBody>
-      </p:sp>
-      <p:sp>
-        <p:nvSpPr>
-          <p:cNvPr id="3" name="Text Placeholder 2"/>
-          <p:cNvSpPr>
-            <a:spLocks noGrp="1"/>
-          </p:cNvSpPr>
-          <p:nvPr>
-            <p:ph type="body" idx="1"/>
-          </p:nvPr>
-        </p:nvSpPr>
-        <p:spPr>
-          <a:xfrm>
-            <a:off x="684211" y="4978400"/>
-            <a:ext cx="8534401" cy="1016000"/>
-          </a:xfrm>
-        </p:spPr>
-        <p:txBody>
-          <a:bodyPr anchor="t">
-            <a:normAutofit/>
-          </a:bodyPr>
-          <a:lstStyle>
-            <a:lvl1pPr marL="0" indent="0" algn="l">
-              <a:buNone/>
-              <a:defRPr sz="1800">
-                <a:solidFill>
-                  <a:schemeClr val="bg2">
-                    <a:lumMod val="75000"/>
-                  </a:schemeClr>
-                </a:solidFill>
-              </a:defRPr>
-            </a:lvl1pPr>
-            <a:lvl2pPr marL="457200" indent="0">
-              <a:buNone/>
-              <a:defRPr sz="1800">
-                <a:solidFill>
-                  <a:schemeClr val="tx1">
-                    <a:tint val="75000"/>
-                  </a:schemeClr>
-                </a:solidFill>
-              </a:defRPr>
-            </a:lvl2pPr>
-            <a:lvl3pPr marL="914400" indent="0">
-              <a:buNone/>
-              <a:defRPr sz="1600">
-                <a:solidFill>
-                  <a:schemeClr val="tx1">
-                    <a:tint val="75000"/>
-                  </a:schemeClr>
-                </a:solidFill>
-              </a:defRPr>
-            </a:lvl3pPr>
-            <a:lvl4pPr marL="1371600" indent="0">
-              <a:buNone/>
-              <a:defRPr sz="1400">
-                <a:solidFill>
-                  <a:schemeClr val="tx1">
-                    <a:tint val="75000"/>
-                  </a:schemeClr>
-                </a:solidFill>
-              </a:defRPr>
-            </a:lvl4pPr>
-            <a:lvl5pPr marL="1828800" indent="0">
-              <a:buNone/>
-              <a:defRPr sz="1400">
-                <a:solidFill>
-                  <a:schemeClr val="tx1">
-                    <a:tint val="75000"/>
-                  </a:schemeClr>
-                </a:solidFill>
-              </a:defRPr>
-            </a:lvl5pPr>
-            <a:lvl6pPr marL="2286000" indent="0">
-              <a:buNone/>
-              <a:defRPr sz="1400">
-                <a:solidFill>
-                  <a:schemeClr val="tx1">
-                    <a:tint val="75000"/>
-                  </a:schemeClr>
-                </a:solidFill>
-              </a:defRPr>
-            </a:lvl6pPr>
-            <a:lvl7pPr marL="2743200" indent="0">
-              <a:buNone/>
-              <a:defRPr sz="1400">
-                <a:solidFill>
-                  <a:schemeClr val="tx1">
-                    <a:tint val="75000"/>
-                  </a:schemeClr>
-                </a:solidFill>
-              </a:defRPr>
-            </a:lvl7pPr>
-            <a:lvl8pPr marL="3200400" indent="0">
-              <a:buNone/>
-              <a:defRPr sz="1400">
-                <a:solidFill>
-                  <a:schemeClr val="tx1">
-                    <a:tint val="75000"/>
-                  </a:schemeClr>
-                </a:solidFill>
-              </a:defRPr>
-            </a:lvl8pPr>
-            <a:lvl9pPr marL="3657600" indent="0">
-              <a:buNone/>
-              <a:defRPr sz="1400">
-                <a:solidFill>
-                  <a:schemeClr val="tx1">
-                    <a:tint val="75000"/>
-                  </a:schemeClr>
-                </a:solidFill>
-              </a:defRPr>
-            </a:lvl9pPr>
-          </a:lstStyle>
-          <a:p>
-            <a:pPr lvl="0"/>
-            <a:r>
-              <a:rPr lang="en-US"/>
-              <a:t>Edit Master text styles</a:t>
-            </a:r>
-          </a:p>
-        </p:txBody>
-      </p:sp>
-      <p:sp>
-        <p:nvSpPr>
-          <p:cNvPr id="4" name="Date Placeholder 3"/>
-          <p:cNvSpPr>
-            <a:spLocks noGrp="1"/>
-          </p:cNvSpPr>
-          <p:nvPr>
-            <p:ph type="dt" sz="half" idx="10"/>
-          </p:nvPr>
-        </p:nvSpPr>
-        <p:spPr/>
-        <p:txBody>
-          <a:bodyPr/>
-          <a:lstStyle/>
-          <a:p>
-            <a:fld id="{597F59F5-6EDF-45CD-943B-829C40AA6758}" type="datetimeFigureOut">
-              <a:rPr lang="en-US" smtClean="0"/>
-              <a:t>3/16/2022</a:t>
-            </a:fld>
-            <a:endParaRPr lang="en-US"/>
-          </a:p>
-        </p:txBody>
-      </p:sp>
-      <p:sp>
-        <p:nvSpPr>
-          <p:cNvPr id="5" name="Footer Placeholder 4"/>
-          <p:cNvSpPr>
-            <a:spLocks noGrp="1"/>
-          </p:cNvSpPr>
-          <p:nvPr>
-            <p:ph type="ftr" sz="quarter" idx="11"/>
-          </p:nvPr>
-        </p:nvSpPr>
-        <p:spPr/>
-        <p:txBody>
-          <a:bodyPr/>
-          <a:lstStyle/>
-          <a:p>
-            <a:endParaRPr lang="en-US"/>
-          </a:p>
-        </p:txBody>
-      </p:sp>
-      <p:sp>
-        <p:nvSpPr>
-          <p:cNvPr id="6" name="Slide Number Placeholder 5"/>
-          <p:cNvSpPr>
-            <a:spLocks noGrp="1"/>
-          </p:cNvSpPr>
-          <p:nvPr>
-            <p:ph type="sldNum" sz="quarter" idx="12"/>
-          </p:nvPr>
-        </p:nvSpPr>
-        <p:spPr/>
-        <p:txBody>
-          <a:bodyPr/>
-          <a:lstStyle/>
-          <a:p>
-            <a:fld id="{9EA2DD1F-6B4A-489E-8EAA-AE675F17C5C9}" type="slidenum">
-              <a:rPr lang="en-US" smtClean="0"/>
-              <a:t>‹#›</a:t>
-            </a:fld>
-            <a:endParaRPr lang="en-US"/>
-          </a:p>
-        </p:txBody>
-      </p:sp>
-      <p:sp>
-        <p:nvSpPr>
-          <p:cNvPr id="11" name="TextBox 10"/>
-          <p:cNvSpPr txBox="1"/>
-          <p:nvPr/>
-        </p:nvSpPr>
-        <p:spPr>
-          <a:xfrm>
-            <a:off x="531812" y="812222"/>
-            <a:ext cx="609600" cy="584776"/>
-          </a:xfrm>
-          <a:prstGeom prst="rect">
-            <a:avLst/>
-          </a:prstGeom>
-        </p:spPr>
-        <p:txBody>
-          <a:bodyPr vert="horz" lIns="91440" tIns="45720" rIns="91440" bIns="45720" rtlCol="0" anchor="ctr">
-            <a:noAutofit/>
-          </a:bodyPr>
-          <a:lstStyle/>
-          <a:p>
-            <a:pPr lvl="0"/>
-            <a:r>
-              <a:rPr lang="en-US" sz="8000" dirty="0">
-                <a:solidFill>
-                  <a:schemeClr val="tx1"/>
-                </a:solidFill>
-                <a:effectLst/>
-              </a:rPr>
-              <a:t>“</a:t>
-            </a:r>
-          </a:p>
-        </p:txBody>
-      </p:sp>
-      <p:sp>
-        <p:nvSpPr>
-          <p:cNvPr id="12" name="TextBox 11"/>
-          <p:cNvSpPr txBox="1"/>
-          <p:nvPr/>
-        </p:nvSpPr>
-        <p:spPr>
-          <a:xfrm>
-            <a:off x="10285412" y="2768601"/>
-            <a:ext cx="609600" cy="584776"/>
-          </a:xfrm>
-          <a:prstGeom prst="rect">
-            <a:avLst/>
-          </a:prstGeom>
-        </p:spPr>
-        <p:txBody>
-          <a:bodyPr vert="horz" lIns="91440" tIns="45720" rIns="91440" bIns="45720" rtlCol="0" anchor="ctr">
-            <a:noAutofit/>
-          </a:bodyPr>
-          <a:lstStyle/>
-          <a:p>
-            <a:pPr lvl="0" algn="r"/>
-            <a:r>
-              <a:rPr lang="en-US" sz="8000" dirty="0">
-                <a:solidFill>
-                  <a:schemeClr val="tx1"/>
-                </a:solidFill>
-                <a:effectLst/>
-              </a:rPr>
-              <a:t>”</a:t>
-            </a:r>
-          </a:p>
-        </p:txBody>
-      </p:sp>
-    </p:spTree>
-    <p:extLst>
-      <p:ext uri="{BB962C8B-B14F-4D97-AF65-F5344CB8AC3E}">
-        <p14:creationId xmlns:p14="http://schemas.microsoft.com/office/powerpoint/2010/main" val="1156707344"/>
-      </p:ext>
-    </p:extLst>
-  </p:cSld>
-  <p:clrMapOvr>
-    <a:masterClrMapping/>
-  </p:clrMapOvr>
-</p:sldLayout>
-</file>
-
-<file path=ppt/slideLayouts/slideLayout15.xml><?xml version="1.0" encoding="utf-8"?>
-<p:sldLayout xmlns:a="http://schemas.openxmlformats.org/drawingml/2006/main" xmlns:r="http://schemas.openxmlformats.org/officeDocument/2006/relationships" xmlns:p="http://schemas.openxmlformats.org/presentationml/2006/main" preserve="1">
-  <p:cSld name="True or False">
-    <p:spTree>
-      <p:nvGrpSpPr>
-        <p:cNvPr id="1" name=""/>
-        <p:cNvGrpSpPr/>
-        <p:nvPr/>
-      </p:nvGrpSpPr>
-      <p:grpSpPr>
-        <a:xfrm>
-          <a:off x="0" y="0"/>
-          <a:ext cx="0" cy="0"/>
-          <a:chOff x="0" y="0"/>
-          <a:chExt cx="0" cy="0"/>
-        </a:xfrm>
-      </p:grpSpPr>
-      <p:sp>
-        <p:nvSpPr>
-          <p:cNvPr id="2" name="Title 1"/>
-          <p:cNvSpPr>
-            <a:spLocks noGrp="1"/>
-          </p:cNvSpPr>
-          <p:nvPr>
-            <p:ph type="title"/>
-          </p:nvPr>
-        </p:nvSpPr>
-        <p:spPr>
-          <a:xfrm>
-            <a:off x="684213" y="685800"/>
-            <a:ext cx="10058400" cy="2743200"/>
-          </a:xfrm>
-        </p:spPr>
-        <p:txBody>
-          <a:bodyPr vert="horz" lIns="91440" tIns="45720" rIns="91440" bIns="45720" rtlCol="0" anchor="ctr">
-            <a:normAutofit/>
-          </a:bodyPr>
-          <a:lstStyle>
-            <a:lvl1pPr>
-              <a:defRPr lang="en-US" b="0" dirty="0"/>
-            </a:lvl1pPr>
-          </a:lstStyle>
-          <a:p>
-            <a:pPr marL="0" lvl="0"/>
-            <a:r>
-              <a:rPr lang="en-US"/>
-              <a:t>Click to edit Master title style</a:t>
-            </a:r>
-            <a:endParaRPr lang="en-US" dirty="0"/>
-          </a:p>
-        </p:txBody>
-      </p:sp>
-      <p:sp>
-        <p:nvSpPr>
-          <p:cNvPr id="10" name="Text Placeholder 9"/>
-          <p:cNvSpPr>
-            <a:spLocks noGrp="1"/>
-          </p:cNvSpPr>
-          <p:nvPr>
-            <p:ph type="body" sz="quarter" idx="13"/>
-          </p:nvPr>
-        </p:nvSpPr>
-        <p:spPr>
-          <a:xfrm>
-            <a:off x="684212" y="3928534"/>
-            <a:ext cx="8534400" cy="838200"/>
-          </a:xfrm>
-        </p:spPr>
-        <p:txBody>
-          <a:bodyPr vert="horz" lIns="91440" tIns="45720" rIns="91440" bIns="45720" rtlCol="0" anchor="b">
-            <a:normAutofit/>
-          </a:bodyPr>
-          <a:lstStyle>
-            <a:lvl1pPr>
-              <a:buNone/>
-              <a:defRPr lang="en-US" sz="2400" b="0" cap="all" dirty="0">
-                <a:ln w="3175" cmpd="sng">
-                  <a:noFill/>
-                </a:ln>
-                <a:solidFill>
-                  <a:schemeClr val="tx1"/>
-                </a:solidFill>
-                <a:effectLst/>
-              </a:defRPr>
-            </a:lvl1pPr>
-          </a:lstStyle>
-          <a:p>
-            <a:pPr marL="0" lvl="0">
-              <a:spcBef>
-                <a:spcPct val="0"/>
-              </a:spcBef>
-              <a:buNone/>
-            </a:pPr>
-            <a:r>
-              <a:rPr lang="en-US"/>
-              <a:t>Edit Master text styles</a:t>
-            </a:r>
-          </a:p>
-        </p:txBody>
-      </p:sp>
-      <p:sp>
-        <p:nvSpPr>
-          <p:cNvPr id="3" name="Text Placeholder 2"/>
-          <p:cNvSpPr>
-            <a:spLocks noGrp="1"/>
-          </p:cNvSpPr>
-          <p:nvPr>
-            <p:ph type="body" idx="1"/>
-          </p:nvPr>
-        </p:nvSpPr>
-        <p:spPr>
-          <a:xfrm>
-            <a:off x="684211" y="4766732"/>
-            <a:ext cx="8534401" cy="1227667"/>
-          </a:xfrm>
-        </p:spPr>
-        <p:txBody>
-          <a:bodyPr anchor="t">
-            <a:normAutofit/>
-          </a:bodyPr>
-          <a:lstStyle>
-            <a:lvl1pPr marL="0" indent="0" algn="l">
-              <a:buNone/>
-              <a:defRPr sz="1800">
-                <a:solidFill>
-                  <a:schemeClr val="bg2">
-                    <a:lumMod val="75000"/>
-                  </a:schemeClr>
-                </a:solidFill>
-              </a:defRPr>
-            </a:lvl1pPr>
-            <a:lvl2pPr marL="457200" indent="0">
-              <a:buNone/>
-              <a:defRPr sz="1800">
-                <a:solidFill>
-                  <a:schemeClr val="tx1">
-                    <a:tint val="75000"/>
-                  </a:schemeClr>
-                </a:solidFill>
-              </a:defRPr>
-            </a:lvl2pPr>
-            <a:lvl3pPr marL="914400" indent="0">
-              <a:buNone/>
-              <a:defRPr sz="1600">
-                <a:solidFill>
-                  <a:schemeClr val="tx1">
-                    <a:tint val="75000"/>
-                  </a:schemeClr>
-                </a:solidFill>
-              </a:defRPr>
-            </a:lvl3pPr>
-            <a:lvl4pPr marL="1371600" indent="0">
-              <a:buNone/>
-              <a:defRPr sz="1400">
-                <a:solidFill>
-                  <a:schemeClr val="tx1">
-                    <a:tint val="75000"/>
-                  </a:schemeClr>
-                </a:solidFill>
-              </a:defRPr>
-            </a:lvl4pPr>
-            <a:lvl5pPr marL="1828800" indent="0">
-              <a:buNone/>
-              <a:defRPr sz="1400">
-                <a:solidFill>
-                  <a:schemeClr val="tx1">
-                    <a:tint val="75000"/>
-                  </a:schemeClr>
-                </a:solidFill>
-              </a:defRPr>
-            </a:lvl5pPr>
-            <a:lvl6pPr marL="2286000" indent="0">
-              <a:buNone/>
-              <a:defRPr sz="1400">
-                <a:solidFill>
-                  <a:schemeClr val="tx1">
-                    <a:tint val="75000"/>
-                  </a:schemeClr>
-                </a:solidFill>
-              </a:defRPr>
-            </a:lvl6pPr>
-            <a:lvl7pPr marL="2743200" indent="0">
-              <a:buNone/>
-              <a:defRPr sz="1400">
-                <a:solidFill>
-                  <a:schemeClr val="tx1">
-                    <a:tint val="75000"/>
-                  </a:schemeClr>
-                </a:solidFill>
-              </a:defRPr>
-            </a:lvl7pPr>
-            <a:lvl8pPr marL="3200400" indent="0">
-              <a:buNone/>
-              <a:defRPr sz="1400">
-                <a:solidFill>
-                  <a:schemeClr val="tx1">
-                    <a:tint val="75000"/>
-                  </a:schemeClr>
-                </a:solidFill>
-              </a:defRPr>
-            </a:lvl8pPr>
-            <a:lvl9pPr marL="3657600" indent="0">
-              <a:buNone/>
-              <a:defRPr sz="1400">
-                <a:solidFill>
-                  <a:schemeClr val="tx1">
-                    <a:tint val="75000"/>
-                  </a:schemeClr>
-                </a:solidFill>
-              </a:defRPr>
-            </a:lvl9pPr>
-          </a:lstStyle>
-          <a:p>
-            <a:pPr lvl="0"/>
-            <a:r>
-              <a:rPr lang="en-US"/>
-              <a:t>Edit Master text styles</a:t>
-            </a:r>
-          </a:p>
-        </p:txBody>
-      </p:sp>
-      <p:sp>
-        <p:nvSpPr>
-          <p:cNvPr id="4" name="Date Placeholder 3"/>
-          <p:cNvSpPr>
-            <a:spLocks noGrp="1"/>
-          </p:cNvSpPr>
-          <p:nvPr>
-            <p:ph type="dt" sz="half" idx="10"/>
-          </p:nvPr>
-        </p:nvSpPr>
-        <p:spPr/>
-        <p:txBody>
-          <a:bodyPr/>
-          <a:lstStyle/>
-          <a:p>
-            <a:fld id="{597F59F5-6EDF-45CD-943B-829C40AA6758}" type="datetimeFigureOut">
-              <a:rPr lang="en-US" smtClean="0"/>
-              <a:t>3/16/2022</a:t>
-            </a:fld>
-            <a:endParaRPr lang="en-US"/>
-          </a:p>
-        </p:txBody>
-      </p:sp>
-      <p:sp>
-        <p:nvSpPr>
-          <p:cNvPr id="5" name="Footer Placeholder 4"/>
-          <p:cNvSpPr>
-            <a:spLocks noGrp="1"/>
-          </p:cNvSpPr>
-          <p:nvPr>
-            <p:ph type="ftr" sz="quarter" idx="11"/>
-          </p:nvPr>
-        </p:nvSpPr>
-        <p:spPr/>
-        <p:txBody>
-          <a:bodyPr/>
-          <a:lstStyle/>
-          <a:p>
-            <a:endParaRPr lang="en-US"/>
-          </a:p>
-        </p:txBody>
-      </p:sp>
-      <p:sp>
-        <p:nvSpPr>
-          <p:cNvPr id="6" name="Slide Number Placeholder 5"/>
-          <p:cNvSpPr>
-            <a:spLocks noGrp="1"/>
-          </p:cNvSpPr>
-          <p:nvPr>
-            <p:ph type="sldNum" sz="quarter" idx="12"/>
-          </p:nvPr>
-        </p:nvSpPr>
-        <p:spPr/>
-        <p:txBody>
-          <a:bodyPr/>
-          <a:lstStyle/>
-          <a:p>
-            <a:fld id="{9EA2DD1F-6B4A-489E-8EAA-AE675F17C5C9}" type="slidenum">
-              <a:rPr lang="en-US" smtClean="0"/>
-              <a:t>‹#›</a:t>
-            </a:fld>
-            <a:endParaRPr lang="en-US"/>
-          </a:p>
-        </p:txBody>
-      </p:sp>
-    </p:spTree>
-    <p:extLst>
-      <p:ext uri="{BB962C8B-B14F-4D97-AF65-F5344CB8AC3E}">
-        <p14:creationId xmlns:p14="http://schemas.microsoft.com/office/powerpoint/2010/main" val="291650799"/>
-      </p:ext>
-    </p:extLst>
-  </p:cSld>
-  <p:clrMapOvr>
-    <a:masterClrMapping/>
-  </p:clrMapOvr>
-</p:sldLayout>
-</file>
-
-<file path=ppt/slideLayouts/slideLayout16.xml><?xml version="1.0" encoding="utf-8"?>
 <p:sldLayout xmlns:a="http://schemas.openxmlformats.org/drawingml/2006/main" xmlns:r="http://schemas.openxmlformats.org/officeDocument/2006/relationships" xmlns:p="http://schemas.openxmlformats.org/presentationml/2006/main" type="vertTx" preserve="1">
   <p:cSld name="Title and Vertical Text">
     <p:spTree>
@@ -2649,7 +636,13 @@
       </p:grpSpPr>
       <p:sp>
         <p:nvSpPr>
-          <p:cNvPr id="2" name="Title 1"/>
+          <p:cNvPr id="2" name="Title 1">
+            <a:extLst>
+              <a:ext uri="{FF2B5EF4-FFF2-40B4-BE49-F238E27FC236}">
+                <a16:creationId xmlns:a16="http://schemas.microsoft.com/office/drawing/2014/main" id="{590CDB41-F659-45EE-B754-8A240366B0A5}"/>
+              </a:ext>
+            </a:extLst>
+          </p:cNvPr>
           <p:cNvSpPr>
             <a:spLocks noGrp="1"/>
           </p:cNvSpPr>
@@ -2660,23 +653,24 @@
         <p:spPr/>
         <p:txBody>
           <a:bodyPr/>
-          <a:lstStyle>
-            <a:lvl1pPr algn="l">
-              <a:defRPr/>
-            </a:lvl1pPr>
-          </a:lstStyle>
+          <a:lstStyle/>
           <a:p>
             <a:r>
               <a:rPr lang="en-US"/>
               <a:t>Click to edit Master title style</a:t>
             </a:r>
-            <a:endParaRPr lang="en-US" dirty="0"/>
-          </a:p>
-        </p:txBody>
-      </p:sp>
-      <p:sp>
-        <p:nvSpPr>
-          <p:cNvPr id="3" name="Vertical Text Placeholder 2"/>
+          </a:p>
+        </p:txBody>
+      </p:sp>
+      <p:sp>
+        <p:nvSpPr>
+          <p:cNvPr id="3" name="Vertical Text Placeholder 2">
+            <a:extLst>
+              <a:ext uri="{FF2B5EF4-FFF2-40B4-BE49-F238E27FC236}">
+                <a16:creationId xmlns:a16="http://schemas.microsoft.com/office/drawing/2014/main" id="{250A1304-56EB-44E1-9026-8D7A17412682}"/>
+              </a:ext>
+            </a:extLst>
+          </p:cNvPr>
           <p:cNvSpPr>
             <a:spLocks noGrp="1"/>
           </p:cNvSpPr>
@@ -2686,7 +680,7 @@
         </p:nvSpPr>
         <p:spPr/>
         <p:txBody>
-          <a:bodyPr vert="eaVert" anchor="t"/>
+          <a:bodyPr vert="eaVert"/>
           <a:lstStyle/>
           <a:p>
             <a:pPr lvl="0"/>
@@ -2722,13 +716,18 @@
               <a:rPr lang="en-US"/>
               <a:t>Fifth level</a:t>
             </a:r>
-            <a:endParaRPr lang="en-US" dirty="0"/>
-          </a:p>
-        </p:txBody>
-      </p:sp>
-      <p:sp>
-        <p:nvSpPr>
-          <p:cNvPr id="4" name="Date Placeholder 3"/>
+          </a:p>
+        </p:txBody>
+      </p:sp>
+      <p:sp>
+        <p:nvSpPr>
+          <p:cNvPr id="4" name="Date Placeholder 3">
+            <a:extLst>
+              <a:ext uri="{FF2B5EF4-FFF2-40B4-BE49-F238E27FC236}">
+                <a16:creationId xmlns:a16="http://schemas.microsoft.com/office/drawing/2014/main" id="{DF3F0E3F-2176-40CE-8829-6BE6B8F729E4}"/>
+              </a:ext>
+            </a:extLst>
+          </p:cNvPr>
           <p:cNvSpPr>
             <a:spLocks noGrp="1"/>
           </p:cNvSpPr>
@@ -2751,7 +750,13 @@
       </p:sp>
       <p:sp>
         <p:nvSpPr>
-          <p:cNvPr id="5" name="Footer Placeholder 4"/>
+          <p:cNvPr id="5" name="Footer Placeholder 4">
+            <a:extLst>
+              <a:ext uri="{FF2B5EF4-FFF2-40B4-BE49-F238E27FC236}">
+                <a16:creationId xmlns:a16="http://schemas.microsoft.com/office/drawing/2014/main" id="{CC619BD3-4DB7-462A-A121-0480AB71E828}"/>
+              </a:ext>
+            </a:extLst>
+          </p:cNvPr>
           <p:cNvSpPr>
             <a:spLocks noGrp="1"/>
           </p:cNvSpPr>
@@ -2770,7 +775,13 @@
       </p:sp>
       <p:sp>
         <p:nvSpPr>
-          <p:cNvPr id="6" name="Slide Number Placeholder 5"/>
+          <p:cNvPr id="6" name="Slide Number Placeholder 5">
+            <a:extLst>
+              <a:ext uri="{FF2B5EF4-FFF2-40B4-BE49-F238E27FC236}">
+                <a16:creationId xmlns:a16="http://schemas.microsoft.com/office/drawing/2014/main" id="{54EB5A4D-EB37-4243-837B-BFAE0A9640B5}"/>
+              </a:ext>
+            </a:extLst>
+          </p:cNvPr>
           <p:cNvSpPr>
             <a:spLocks noGrp="1"/>
           </p:cNvSpPr>
@@ -2794,7 +805,7 @@
     </p:spTree>
     <p:extLst>
       <p:ext uri="{BB962C8B-B14F-4D97-AF65-F5344CB8AC3E}">
-        <p14:creationId xmlns:p14="http://schemas.microsoft.com/office/powerpoint/2010/main" val="1595691455"/>
+        <p14:creationId xmlns:p14="http://schemas.microsoft.com/office/powerpoint/2010/main" val="473351053"/>
       </p:ext>
     </p:extLst>
   </p:cSld>
@@ -2804,7 +815,7 @@
 </p:sldLayout>
 </file>
 
-<file path=ppt/slideLayouts/slideLayout17.xml><?xml version="1.0" encoding="utf-8"?>
+<file path=ppt/slideLayouts/slideLayout11.xml><?xml version="1.0" encoding="utf-8"?>
 <p:sldLayout xmlns:a="http://schemas.openxmlformats.org/drawingml/2006/main" xmlns:r="http://schemas.openxmlformats.org/officeDocument/2006/relationships" xmlns:p="http://schemas.openxmlformats.org/presentationml/2006/main" type="vertTitleAndTx" preserve="1">
   <p:cSld name="Vertical Title and Text">
     <p:spTree>
@@ -2823,7 +834,13 @@
       </p:grpSpPr>
       <p:sp>
         <p:nvSpPr>
-          <p:cNvPr id="2" name="Vertical Title 1"/>
+          <p:cNvPr id="2" name="Vertical Title 1">
+            <a:extLst>
+              <a:ext uri="{FF2B5EF4-FFF2-40B4-BE49-F238E27FC236}">
+                <a16:creationId xmlns:a16="http://schemas.microsoft.com/office/drawing/2014/main" id="{61F85561-B3BF-4B11-96B2-33423B4106A2}"/>
+              </a:ext>
+            </a:extLst>
+          </p:cNvPr>
           <p:cNvSpPr>
             <a:spLocks noGrp="1"/>
           </p:cNvSpPr>
@@ -2833,8 +850,8 @@
         </p:nvSpPr>
         <p:spPr>
           <a:xfrm>
-            <a:off x="8685212" y="685800"/>
-            <a:ext cx="2057400" cy="4572000"/>
+            <a:off x="8724900" y="365125"/>
+            <a:ext cx="2628900" cy="5811838"/>
           </a:xfrm>
         </p:spPr>
         <p:txBody>
@@ -2845,13 +862,18 @@
               <a:rPr lang="en-US"/>
               <a:t>Click to edit Master title style</a:t>
             </a:r>
-            <a:endParaRPr lang="en-US" dirty="0"/>
-          </a:p>
-        </p:txBody>
-      </p:sp>
-      <p:sp>
-        <p:nvSpPr>
-          <p:cNvPr id="3" name="Vertical Text Placeholder 2"/>
+          </a:p>
+        </p:txBody>
+      </p:sp>
+      <p:sp>
+        <p:nvSpPr>
+          <p:cNvPr id="3" name="Vertical Text Placeholder 2">
+            <a:extLst>
+              <a:ext uri="{FF2B5EF4-FFF2-40B4-BE49-F238E27FC236}">
+                <a16:creationId xmlns:a16="http://schemas.microsoft.com/office/drawing/2014/main" id="{9618C3B1-A7C3-4A93-96B2-4BDE7F6CE34E}"/>
+              </a:ext>
+            </a:extLst>
+          </p:cNvPr>
           <p:cNvSpPr>
             <a:spLocks noGrp="1"/>
           </p:cNvSpPr>
@@ -2861,12 +883,12 @@
         </p:nvSpPr>
         <p:spPr>
           <a:xfrm>
-            <a:off x="685800" y="685800"/>
-            <a:ext cx="7823200" cy="5308600"/>
+            <a:off x="838200" y="365125"/>
+            <a:ext cx="7734300" cy="5811838"/>
           </a:xfrm>
         </p:spPr>
         <p:txBody>
-          <a:bodyPr vert="eaVert" anchor="t"/>
+          <a:bodyPr vert="eaVert"/>
           <a:lstStyle/>
           <a:p>
             <a:pPr lvl="0"/>
@@ -2902,13 +924,18 @@
               <a:rPr lang="en-US"/>
               <a:t>Fifth level</a:t>
             </a:r>
-            <a:endParaRPr lang="en-US" dirty="0"/>
-          </a:p>
-        </p:txBody>
-      </p:sp>
-      <p:sp>
-        <p:nvSpPr>
-          <p:cNvPr id="4" name="Date Placeholder 3"/>
+          </a:p>
+        </p:txBody>
+      </p:sp>
+      <p:sp>
+        <p:nvSpPr>
+          <p:cNvPr id="4" name="Date Placeholder 3">
+            <a:extLst>
+              <a:ext uri="{FF2B5EF4-FFF2-40B4-BE49-F238E27FC236}">
+                <a16:creationId xmlns:a16="http://schemas.microsoft.com/office/drawing/2014/main" id="{3575C143-837F-47F8-A6D5-FCD6F23855BC}"/>
+              </a:ext>
+            </a:extLst>
+          </p:cNvPr>
           <p:cNvSpPr>
             <a:spLocks noGrp="1"/>
           </p:cNvSpPr>
@@ -2931,7 +958,13 @@
       </p:sp>
       <p:sp>
         <p:nvSpPr>
-          <p:cNvPr id="5" name="Footer Placeholder 4"/>
+          <p:cNvPr id="5" name="Footer Placeholder 4">
+            <a:extLst>
+              <a:ext uri="{FF2B5EF4-FFF2-40B4-BE49-F238E27FC236}">
+                <a16:creationId xmlns:a16="http://schemas.microsoft.com/office/drawing/2014/main" id="{468685C9-1D96-49AE-A541-62744EAF1F2B}"/>
+              </a:ext>
+            </a:extLst>
+          </p:cNvPr>
           <p:cNvSpPr>
             <a:spLocks noGrp="1"/>
           </p:cNvSpPr>
@@ -2950,7 +983,13 @@
       </p:sp>
       <p:sp>
         <p:nvSpPr>
-          <p:cNvPr id="6" name="Slide Number Placeholder 5"/>
+          <p:cNvPr id="6" name="Slide Number Placeholder 5">
+            <a:extLst>
+              <a:ext uri="{FF2B5EF4-FFF2-40B4-BE49-F238E27FC236}">
+                <a16:creationId xmlns:a16="http://schemas.microsoft.com/office/drawing/2014/main" id="{BA7E4B2A-411D-4805-8DDB-231575BB4F8C}"/>
+              </a:ext>
+            </a:extLst>
+          </p:cNvPr>
           <p:cNvSpPr>
             <a:spLocks noGrp="1"/>
           </p:cNvSpPr>
@@ -2974,7 +1013,7 @@
     </p:spTree>
     <p:extLst>
       <p:ext uri="{BB962C8B-B14F-4D97-AF65-F5344CB8AC3E}">
-        <p14:creationId xmlns:p14="http://schemas.microsoft.com/office/powerpoint/2010/main" val="3256996635"/>
+        <p14:creationId xmlns:p14="http://schemas.microsoft.com/office/powerpoint/2010/main" val="185407193"/>
       </p:ext>
     </p:extLst>
   </p:cSld>
@@ -3003,7 +1042,13 @@
       </p:grpSpPr>
       <p:sp>
         <p:nvSpPr>
-          <p:cNvPr id="2" name="Title 1"/>
+          <p:cNvPr id="2" name="Title 1">
+            <a:extLst>
+              <a:ext uri="{FF2B5EF4-FFF2-40B4-BE49-F238E27FC236}">
+                <a16:creationId xmlns:a16="http://schemas.microsoft.com/office/drawing/2014/main" id="{A7A82E2B-ADC8-4456-A161-0BC794887853}"/>
+              </a:ext>
+            </a:extLst>
+          </p:cNvPr>
           <p:cNvSpPr>
             <a:spLocks noGrp="1"/>
           </p:cNvSpPr>
@@ -3020,13 +1065,18 @@
               <a:rPr lang="en-US"/>
               <a:t>Click to edit Master title style</a:t>
             </a:r>
-            <a:endParaRPr lang="en-US" dirty="0"/>
-          </a:p>
-        </p:txBody>
-      </p:sp>
-      <p:sp>
-        <p:nvSpPr>
-          <p:cNvPr id="3" name="Content Placeholder 2"/>
+          </a:p>
+        </p:txBody>
+      </p:sp>
+      <p:sp>
+        <p:nvSpPr>
+          <p:cNvPr id="3" name="Content Placeholder 2">
+            <a:extLst>
+              <a:ext uri="{FF2B5EF4-FFF2-40B4-BE49-F238E27FC236}">
+                <a16:creationId xmlns:a16="http://schemas.microsoft.com/office/drawing/2014/main" id="{28852880-73AE-4889-AD9A-46039A5B7B1E}"/>
+              </a:ext>
+            </a:extLst>
+          </p:cNvPr>
           <p:cNvSpPr>
             <a:spLocks noGrp="1"/>
           </p:cNvSpPr>
@@ -3036,7 +1086,7 @@
         </p:nvSpPr>
         <p:spPr/>
         <p:txBody>
-          <a:bodyPr anchor="ctr"/>
+          <a:bodyPr/>
           <a:lstStyle/>
           <a:p>
             <a:pPr lvl="0"/>
@@ -3072,13 +1122,18 @@
               <a:rPr lang="en-US"/>
               <a:t>Fifth level</a:t>
             </a:r>
-            <a:endParaRPr lang="en-US" dirty="0"/>
-          </a:p>
-        </p:txBody>
-      </p:sp>
-      <p:sp>
-        <p:nvSpPr>
-          <p:cNvPr id="4" name="Date Placeholder 3"/>
+          </a:p>
+        </p:txBody>
+      </p:sp>
+      <p:sp>
+        <p:nvSpPr>
+          <p:cNvPr id="4" name="Date Placeholder 3">
+            <a:extLst>
+              <a:ext uri="{FF2B5EF4-FFF2-40B4-BE49-F238E27FC236}">
+                <a16:creationId xmlns:a16="http://schemas.microsoft.com/office/drawing/2014/main" id="{8AF4B789-9960-45C7-B337-32A630218CB5}"/>
+              </a:ext>
+            </a:extLst>
+          </p:cNvPr>
           <p:cNvSpPr>
             <a:spLocks noGrp="1"/>
           </p:cNvSpPr>
@@ -3101,7 +1156,13 @@
       </p:sp>
       <p:sp>
         <p:nvSpPr>
-          <p:cNvPr id="5" name="Footer Placeholder 4"/>
+          <p:cNvPr id="5" name="Footer Placeholder 4">
+            <a:extLst>
+              <a:ext uri="{FF2B5EF4-FFF2-40B4-BE49-F238E27FC236}">
+                <a16:creationId xmlns:a16="http://schemas.microsoft.com/office/drawing/2014/main" id="{BE335971-5E6F-4982-91AB-814CC1C8169D}"/>
+              </a:ext>
+            </a:extLst>
+          </p:cNvPr>
           <p:cNvSpPr>
             <a:spLocks noGrp="1"/>
           </p:cNvSpPr>
@@ -3120,7 +1181,13 @@
       </p:sp>
       <p:sp>
         <p:nvSpPr>
-          <p:cNvPr id="6" name="Slide Number Placeholder 5"/>
+          <p:cNvPr id="6" name="Slide Number Placeholder 5">
+            <a:extLst>
+              <a:ext uri="{FF2B5EF4-FFF2-40B4-BE49-F238E27FC236}">
+                <a16:creationId xmlns:a16="http://schemas.microsoft.com/office/drawing/2014/main" id="{BBFC2229-B5F1-40EC-B1FA-513443F2CDCB}"/>
+              </a:ext>
+            </a:extLst>
+          </p:cNvPr>
           <p:cNvSpPr>
             <a:spLocks noGrp="1"/>
           </p:cNvSpPr>
@@ -3144,7 +1211,7 @@
     </p:spTree>
     <p:extLst>
       <p:ext uri="{BB962C8B-B14F-4D97-AF65-F5344CB8AC3E}">
-        <p14:creationId xmlns:p14="http://schemas.microsoft.com/office/powerpoint/2010/main" val="765098109"/>
+        <p14:creationId xmlns:p14="http://schemas.microsoft.com/office/powerpoint/2010/main" val="1076762550"/>
       </p:ext>
     </p:extLst>
   </p:cSld>
@@ -3173,7 +1240,13 @@
       </p:grpSpPr>
       <p:sp>
         <p:nvSpPr>
-          <p:cNvPr id="2" name="Title 1"/>
+          <p:cNvPr id="2" name="Title 1">
+            <a:extLst>
+              <a:ext uri="{FF2B5EF4-FFF2-40B4-BE49-F238E27FC236}">
+                <a16:creationId xmlns:a16="http://schemas.microsoft.com/office/drawing/2014/main" id="{80CDD20A-E9F3-40C4-8891-9510A18FE342}"/>
+              </a:ext>
+            </a:extLst>
+          </p:cNvPr>
           <p:cNvSpPr>
             <a:spLocks noGrp="1"/>
           </p:cNvSpPr>
@@ -3183,17 +1256,15 @@
         </p:nvSpPr>
         <p:spPr>
           <a:xfrm>
-            <a:off x="684211" y="2006600"/>
-            <a:ext cx="8534401" cy="2281600"/>
+            <a:off x="831850" y="1709738"/>
+            <a:ext cx="10515600" cy="2852737"/>
           </a:xfrm>
         </p:spPr>
         <p:txBody>
-          <a:bodyPr anchor="b">
-            <a:normAutofit/>
-          </a:bodyPr>
+          <a:bodyPr anchor="b"/>
           <a:lstStyle>
-            <a:lvl1pPr algn="l">
-              <a:defRPr sz="3600" b="0" cap="all"/>
+            <a:lvl1pPr>
+              <a:defRPr sz="6000"/>
             </a:lvl1pPr>
           </a:lstStyle>
           <a:p>
@@ -3201,13 +1272,18 @@
               <a:rPr lang="en-US"/>
               <a:t>Click to edit Master title style</a:t>
             </a:r>
-            <a:endParaRPr lang="en-US" dirty="0"/>
-          </a:p>
-        </p:txBody>
-      </p:sp>
-      <p:sp>
-        <p:nvSpPr>
-          <p:cNvPr id="3" name="Text Placeholder 2"/>
+          </a:p>
+        </p:txBody>
+      </p:sp>
+      <p:sp>
+        <p:nvSpPr>
+          <p:cNvPr id="3" name="Text Placeholder 2">
+            <a:extLst>
+              <a:ext uri="{FF2B5EF4-FFF2-40B4-BE49-F238E27FC236}">
+                <a16:creationId xmlns:a16="http://schemas.microsoft.com/office/drawing/2014/main" id="{39CEA9AE-1CB5-4E00-A4A6-318B89E5F2DD}"/>
+              </a:ext>
+            </a:extLst>
+          </p:cNvPr>
           <p:cNvSpPr>
             <a:spLocks noGrp="1"/>
           </p:cNvSpPr>
@@ -3217,28 +1293,26 @@
         </p:nvSpPr>
         <p:spPr>
           <a:xfrm>
-            <a:off x="684213" y="4495800"/>
-            <a:ext cx="8534400" cy="1498600"/>
+            <a:off x="831850" y="4589463"/>
+            <a:ext cx="10515600" cy="1500187"/>
           </a:xfrm>
         </p:spPr>
         <p:txBody>
-          <a:bodyPr anchor="t">
-            <a:normAutofit/>
-          </a:bodyPr>
+          <a:bodyPr/>
           <a:lstStyle>
-            <a:lvl1pPr marL="0" indent="0" algn="l">
+            <a:lvl1pPr marL="0" indent="0">
               <a:buNone/>
-              <a:defRPr sz="1800">
+              <a:defRPr sz="2400">
                 <a:solidFill>
-                  <a:schemeClr val="bg2">
-                    <a:lumMod val="75000"/>
+                  <a:schemeClr val="tx1">
+                    <a:tint val="75000"/>
                   </a:schemeClr>
                 </a:solidFill>
               </a:defRPr>
             </a:lvl1pPr>
             <a:lvl2pPr marL="457200" indent="0">
               <a:buNone/>
-              <a:defRPr sz="1800">
+              <a:defRPr sz="2000">
                 <a:solidFill>
                   <a:schemeClr val="tx1">
                     <a:tint val="75000"/>
@@ -3248,7 +1322,7 @@
             </a:lvl2pPr>
             <a:lvl3pPr marL="914400" indent="0">
               <a:buNone/>
-              <a:defRPr sz="1600">
+              <a:defRPr sz="1800">
                 <a:solidFill>
                   <a:schemeClr val="tx1">
                     <a:tint val="75000"/>
@@ -3258,7 +1332,7 @@
             </a:lvl3pPr>
             <a:lvl4pPr marL="1371600" indent="0">
               <a:buNone/>
-              <a:defRPr sz="1400">
+              <a:defRPr sz="1600">
                 <a:solidFill>
                   <a:schemeClr val="tx1">
                     <a:tint val="75000"/>
@@ -3268,7 +1342,7 @@
             </a:lvl4pPr>
             <a:lvl5pPr marL="1828800" indent="0">
               <a:buNone/>
-              <a:defRPr sz="1400">
+              <a:defRPr sz="1600">
                 <a:solidFill>
                   <a:schemeClr val="tx1">
                     <a:tint val="75000"/>
@@ -3278,7 +1352,7 @@
             </a:lvl5pPr>
             <a:lvl6pPr marL="2286000" indent="0">
               <a:buNone/>
-              <a:defRPr sz="1400">
+              <a:defRPr sz="1600">
                 <a:solidFill>
                   <a:schemeClr val="tx1">
                     <a:tint val="75000"/>
@@ -3288,7 +1362,7 @@
             </a:lvl6pPr>
             <a:lvl7pPr marL="2743200" indent="0">
               <a:buNone/>
-              <a:defRPr sz="1400">
+              <a:defRPr sz="1600">
                 <a:solidFill>
                   <a:schemeClr val="tx1">
                     <a:tint val="75000"/>
@@ -3298,7 +1372,7 @@
             </a:lvl7pPr>
             <a:lvl8pPr marL="3200400" indent="0">
               <a:buNone/>
-              <a:defRPr sz="1400">
+              <a:defRPr sz="1600">
                 <a:solidFill>
                   <a:schemeClr val="tx1">
                     <a:tint val="75000"/>
@@ -3308,7 +1382,7 @@
             </a:lvl8pPr>
             <a:lvl9pPr marL="3657600" indent="0">
               <a:buNone/>
-              <a:defRPr sz="1400">
+              <a:defRPr sz="1600">
                 <a:solidFill>
                   <a:schemeClr val="tx1">
                     <a:tint val="75000"/>
@@ -3328,7 +1402,13 @@
       </p:sp>
       <p:sp>
         <p:nvSpPr>
-          <p:cNvPr id="4" name="Date Placeholder 3"/>
+          <p:cNvPr id="4" name="Date Placeholder 3">
+            <a:extLst>
+              <a:ext uri="{FF2B5EF4-FFF2-40B4-BE49-F238E27FC236}">
+                <a16:creationId xmlns:a16="http://schemas.microsoft.com/office/drawing/2014/main" id="{4577CCAE-5BEE-4D6C-8850-32D4B1C4FDB2}"/>
+              </a:ext>
+            </a:extLst>
+          </p:cNvPr>
           <p:cNvSpPr>
             <a:spLocks noGrp="1"/>
           </p:cNvSpPr>
@@ -3351,7 +1431,13 @@
       </p:sp>
       <p:sp>
         <p:nvSpPr>
-          <p:cNvPr id="5" name="Footer Placeholder 4"/>
+          <p:cNvPr id="5" name="Footer Placeholder 4">
+            <a:extLst>
+              <a:ext uri="{FF2B5EF4-FFF2-40B4-BE49-F238E27FC236}">
+                <a16:creationId xmlns:a16="http://schemas.microsoft.com/office/drawing/2014/main" id="{47C72093-AA0C-4A32-8311-CD9A83E32189}"/>
+              </a:ext>
+            </a:extLst>
+          </p:cNvPr>
           <p:cNvSpPr>
             <a:spLocks noGrp="1"/>
           </p:cNvSpPr>
@@ -3370,7 +1456,13 @@
       </p:sp>
       <p:sp>
         <p:nvSpPr>
-          <p:cNvPr id="6" name="Slide Number Placeholder 5"/>
+          <p:cNvPr id="6" name="Slide Number Placeholder 5">
+            <a:extLst>
+              <a:ext uri="{FF2B5EF4-FFF2-40B4-BE49-F238E27FC236}">
+                <a16:creationId xmlns:a16="http://schemas.microsoft.com/office/drawing/2014/main" id="{722F71BF-44A1-4C9F-B715-5C2461E0F03F}"/>
+              </a:ext>
+            </a:extLst>
+          </p:cNvPr>
           <p:cNvSpPr>
             <a:spLocks noGrp="1"/>
           </p:cNvSpPr>
@@ -3394,7 +1486,7 @@
     </p:spTree>
     <p:extLst>
       <p:ext uri="{BB962C8B-B14F-4D97-AF65-F5344CB8AC3E}">
-        <p14:creationId xmlns:p14="http://schemas.microsoft.com/office/powerpoint/2010/main" val="2418445701"/>
+        <p14:creationId xmlns:p14="http://schemas.microsoft.com/office/powerpoint/2010/main" val="2603859326"/>
       </p:ext>
     </p:extLst>
   </p:cSld>
@@ -3423,7 +1515,13 @@
       </p:grpSpPr>
       <p:sp>
         <p:nvSpPr>
-          <p:cNvPr id="2" name="Title 1"/>
+          <p:cNvPr id="2" name="Title 1">
+            <a:extLst>
+              <a:ext uri="{FF2B5EF4-FFF2-40B4-BE49-F238E27FC236}">
+                <a16:creationId xmlns:a16="http://schemas.microsoft.com/office/drawing/2014/main" id="{F59B3D0C-D83F-422E-A71E-646E9EC34E3F}"/>
+              </a:ext>
+            </a:extLst>
+          </p:cNvPr>
           <p:cNvSpPr>
             <a:spLocks noGrp="1"/>
           </p:cNvSpPr>
@@ -3440,13 +1538,18 @@
               <a:rPr lang="en-US"/>
               <a:t>Click to edit Master title style</a:t>
             </a:r>
-            <a:endParaRPr lang="en-US" dirty="0"/>
-          </a:p>
-        </p:txBody>
-      </p:sp>
-      <p:sp>
-        <p:nvSpPr>
-          <p:cNvPr id="3" name="Content Placeholder 2"/>
+          </a:p>
+        </p:txBody>
+      </p:sp>
+      <p:sp>
+        <p:nvSpPr>
+          <p:cNvPr id="3" name="Content Placeholder 2">
+            <a:extLst>
+              <a:ext uri="{FF2B5EF4-FFF2-40B4-BE49-F238E27FC236}">
+                <a16:creationId xmlns:a16="http://schemas.microsoft.com/office/drawing/2014/main" id="{2CF20E7C-FEA2-42DD-AB68-4E5537439508}"/>
+              </a:ext>
+            </a:extLst>
+          </p:cNvPr>
           <p:cNvSpPr>
             <a:spLocks noGrp="1"/>
           </p:cNvSpPr>
@@ -3456,14 +1559,12 @@
         </p:nvSpPr>
         <p:spPr>
           <a:xfrm>
-            <a:off x="684211" y="685800"/>
-            <a:ext cx="4937655" cy="3615267"/>
+            <a:off x="838200" y="1825625"/>
+            <a:ext cx="5181600" cy="4351338"/>
           </a:xfrm>
         </p:spPr>
         <p:txBody>
-          <a:bodyPr>
-            <a:normAutofit/>
-          </a:bodyPr>
+          <a:bodyPr/>
           <a:lstStyle/>
           <a:p>
             <a:pPr lvl="0"/>
@@ -3499,13 +1600,18 @@
               <a:rPr lang="en-US"/>
               <a:t>Fifth level</a:t>
             </a:r>
-            <a:endParaRPr lang="en-US" dirty="0"/>
-          </a:p>
-        </p:txBody>
-      </p:sp>
-      <p:sp>
-        <p:nvSpPr>
-          <p:cNvPr id="4" name="Content Placeholder 3"/>
+          </a:p>
+        </p:txBody>
+      </p:sp>
+      <p:sp>
+        <p:nvSpPr>
+          <p:cNvPr id="4" name="Content Placeholder 3">
+            <a:extLst>
+              <a:ext uri="{FF2B5EF4-FFF2-40B4-BE49-F238E27FC236}">
+                <a16:creationId xmlns:a16="http://schemas.microsoft.com/office/drawing/2014/main" id="{F5EC36C5-DA29-4557-9984-1F098382C319}"/>
+              </a:ext>
+            </a:extLst>
+          </p:cNvPr>
           <p:cNvSpPr>
             <a:spLocks noGrp="1"/>
           </p:cNvSpPr>
@@ -3515,14 +1621,12 @@
         </p:nvSpPr>
         <p:spPr>
           <a:xfrm>
-            <a:off x="5808133" y="685801"/>
-            <a:ext cx="4934479" cy="3615266"/>
+            <a:off x="6172200" y="1825625"/>
+            <a:ext cx="5181600" cy="4351338"/>
           </a:xfrm>
         </p:spPr>
         <p:txBody>
-          <a:bodyPr>
-            <a:normAutofit/>
-          </a:bodyPr>
+          <a:bodyPr/>
           <a:lstStyle/>
           <a:p>
             <a:pPr lvl="0"/>
@@ -3558,13 +1662,18 @@
               <a:rPr lang="en-US"/>
               <a:t>Fifth level</a:t>
             </a:r>
-            <a:endParaRPr lang="en-US" dirty="0"/>
-          </a:p>
-        </p:txBody>
-      </p:sp>
-      <p:sp>
-        <p:nvSpPr>
-          <p:cNvPr id="5" name="Date Placeholder 4"/>
+          </a:p>
+        </p:txBody>
+      </p:sp>
+      <p:sp>
+        <p:nvSpPr>
+          <p:cNvPr id="5" name="Date Placeholder 4">
+            <a:extLst>
+              <a:ext uri="{FF2B5EF4-FFF2-40B4-BE49-F238E27FC236}">
+                <a16:creationId xmlns:a16="http://schemas.microsoft.com/office/drawing/2014/main" id="{F6DDBA26-FAD9-4394-A9B5-50638C24EBE9}"/>
+              </a:ext>
+            </a:extLst>
+          </p:cNvPr>
           <p:cNvSpPr>
             <a:spLocks noGrp="1"/>
           </p:cNvSpPr>
@@ -3587,7 +1696,13 @@
       </p:sp>
       <p:sp>
         <p:nvSpPr>
-          <p:cNvPr id="6" name="Footer Placeholder 5"/>
+          <p:cNvPr id="6" name="Footer Placeholder 5">
+            <a:extLst>
+              <a:ext uri="{FF2B5EF4-FFF2-40B4-BE49-F238E27FC236}">
+                <a16:creationId xmlns:a16="http://schemas.microsoft.com/office/drawing/2014/main" id="{3516093A-7ED0-4F41-B4A7-389478D3A73C}"/>
+              </a:ext>
+            </a:extLst>
+          </p:cNvPr>
           <p:cNvSpPr>
             <a:spLocks noGrp="1"/>
           </p:cNvSpPr>
@@ -3606,7 +1721,13 @@
       </p:sp>
       <p:sp>
         <p:nvSpPr>
-          <p:cNvPr id="7" name="Slide Number Placeholder 6"/>
+          <p:cNvPr id="7" name="Slide Number Placeholder 6">
+            <a:extLst>
+              <a:ext uri="{FF2B5EF4-FFF2-40B4-BE49-F238E27FC236}">
+                <a16:creationId xmlns:a16="http://schemas.microsoft.com/office/drawing/2014/main" id="{2EE28DD8-C737-426F-B0FF-C57D261CE0C4}"/>
+              </a:ext>
+            </a:extLst>
+          </p:cNvPr>
           <p:cNvSpPr>
             <a:spLocks noGrp="1"/>
           </p:cNvSpPr>
@@ -3630,7 +1751,7 @@
     </p:spTree>
     <p:extLst>
       <p:ext uri="{BB962C8B-B14F-4D97-AF65-F5344CB8AC3E}">
-        <p14:creationId xmlns:p14="http://schemas.microsoft.com/office/powerpoint/2010/main" val="443304306"/>
+        <p14:creationId xmlns:p14="http://schemas.microsoft.com/office/powerpoint/2010/main" val="2657005781"/>
       </p:ext>
     </p:extLst>
   </p:cSld>
@@ -3659,7 +1780,13 @@
       </p:grpSpPr>
       <p:sp>
         <p:nvSpPr>
-          <p:cNvPr id="2" name="Title 1"/>
+          <p:cNvPr id="2" name="Title 1">
+            <a:extLst>
+              <a:ext uri="{FF2B5EF4-FFF2-40B4-BE49-F238E27FC236}">
+                <a16:creationId xmlns:a16="http://schemas.microsoft.com/office/drawing/2014/main" id="{4E8A027F-C958-42D9-B5D4-6FCC2F8D7B1E}"/>
+              </a:ext>
+            </a:extLst>
+          </p:cNvPr>
           <p:cNvSpPr>
             <a:spLocks noGrp="1"/>
           </p:cNvSpPr>
@@ -3667,26 +1794,32 @@
             <p:ph type="title"/>
           </p:nvPr>
         </p:nvSpPr>
-        <p:spPr/>
-        <p:txBody>
-          <a:bodyPr/>
-          <a:lstStyle>
-            <a:lvl1pPr>
-              <a:defRPr/>
-            </a:lvl1pPr>
-          </a:lstStyle>
+        <p:spPr>
+          <a:xfrm>
+            <a:off x="839788" y="365125"/>
+            <a:ext cx="10515600" cy="1325563"/>
+          </a:xfrm>
+        </p:spPr>
+        <p:txBody>
+          <a:bodyPr/>
+          <a:lstStyle/>
           <a:p>
             <a:r>
               <a:rPr lang="en-US"/>
               <a:t>Click to edit Master title style</a:t>
             </a:r>
-            <a:endParaRPr lang="en-US" dirty="0"/>
-          </a:p>
-        </p:txBody>
-      </p:sp>
-      <p:sp>
-        <p:nvSpPr>
-          <p:cNvPr id="3" name="Text Placeholder 2"/>
+          </a:p>
+        </p:txBody>
+      </p:sp>
+      <p:sp>
+        <p:nvSpPr>
+          <p:cNvPr id="3" name="Text Placeholder 2">
+            <a:extLst>
+              <a:ext uri="{FF2B5EF4-FFF2-40B4-BE49-F238E27FC236}">
+                <a16:creationId xmlns:a16="http://schemas.microsoft.com/office/drawing/2014/main" id="{74556F55-EEE9-4A08-A27A-1EB23F7A15DC}"/>
+              </a:ext>
+            </a:extLst>
+          </p:cNvPr>
           <p:cNvSpPr>
             <a:spLocks noGrp="1"/>
           </p:cNvSpPr>
@@ -3696,22 +1829,16 @@
         </p:nvSpPr>
         <p:spPr>
           <a:xfrm>
-            <a:off x="972080" y="685800"/>
-            <a:ext cx="4649787" cy="576262"/>
+            <a:off x="839788" y="1681163"/>
+            <a:ext cx="5157787" cy="823912"/>
           </a:xfrm>
         </p:spPr>
         <p:txBody>
-          <a:bodyPr anchor="b">
-            <a:noAutofit/>
-          </a:bodyPr>
+          <a:bodyPr anchor="b"/>
           <a:lstStyle>
             <a:lvl1pPr marL="0" indent="0">
               <a:buNone/>
-              <a:defRPr sz="2800" b="0">
-                <a:solidFill>
-                  <a:schemeClr val="tx1"/>
-                </a:solidFill>
-              </a:defRPr>
+              <a:defRPr sz="2400" b="1"/>
             </a:lvl1pPr>
             <a:lvl2pPr marL="457200" indent="0">
               <a:buNone/>
@@ -3757,7 +1884,13 @@
       </p:sp>
       <p:sp>
         <p:nvSpPr>
-          <p:cNvPr id="4" name="Content Placeholder 3"/>
+          <p:cNvPr id="4" name="Content Placeholder 3">
+            <a:extLst>
+              <a:ext uri="{FF2B5EF4-FFF2-40B4-BE49-F238E27FC236}">
+                <a16:creationId xmlns:a16="http://schemas.microsoft.com/office/drawing/2014/main" id="{0B8172A5-D162-407E-BE40-FB8B37C6F8A3}"/>
+              </a:ext>
+            </a:extLst>
+          </p:cNvPr>
           <p:cNvSpPr>
             <a:spLocks noGrp="1"/>
           </p:cNvSpPr>
@@ -3767,14 +1900,12 @@
         </p:nvSpPr>
         <p:spPr>
           <a:xfrm>
-            <a:off x="684211" y="1270529"/>
-            <a:ext cx="4937655" cy="3030538"/>
+            <a:off x="839788" y="2505075"/>
+            <a:ext cx="5157787" cy="3684588"/>
           </a:xfrm>
         </p:spPr>
         <p:txBody>
-          <a:bodyPr anchor="t">
-            <a:normAutofit/>
-          </a:bodyPr>
+          <a:bodyPr/>
           <a:lstStyle/>
           <a:p>
             <a:pPr lvl="0"/>
@@ -3810,13 +1941,18 @@
               <a:rPr lang="en-US"/>
               <a:t>Fifth level</a:t>
             </a:r>
-            <a:endParaRPr lang="en-US" dirty="0"/>
-          </a:p>
-        </p:txBody>
-      </p:sp>
-      <p:sp>
-        <p:nvSpPr>
-          <p:cNvPr id="5" name="Text Placeholder 4"/>
+          </a:p>
+        </p:txBody>
+      </p:sp>
+      <p:sp>
+        <p:nvSpPr>
+          <p:cNvPr id="5" name="Text Placeholder 4">
+            <a:extLst>
+              <a:ext uri="{FF2B5EF4-FFF2-40B4-BE49-F238E27FC236}">
+                <a16:creationId xmlns:a16="http://schemas.microsoft.com/office/drawing/2014/main" id="{910AEBB0-F033-46DF-BAB0-41A67268A4E4}"/>
+              </a:ext>
+            </a:extLst>
+          </p:cNvPr>
           <p:cNvSpPr>
             <a:spLocks noGrp="1"/>
           </p:cNvSpPr>
@@ -3826,22 +1962,16 @@
         </p:nvSpPr>
         <p:spPr>
           <a:xfrm>
-            <a:off x="6079066" y="685800"/>
-            <a:ext cx="4665134" cy="576262"/>
+            <a:off x="6172200" y="1681163"/>
+            <a:ext cx="5183188" cy="823912"/>
           </a:xfrm>
         </p:spPr>
         <p:txBody>
-          <a:bodyPr anchor="b">
-            <a:noAutofit/>
-          </a:bodyPr>
+          <a:bodyPr anchor="b"/>
           <a:lstStyle>
             <a:lvl1pPr marL="0" indent="0">
               <a:buNone/>
-              <a:defRPr sz="2800" b="0">
-                <a:solidFill>
-                  <a:schemeClr val="tx1"/>
-                </a:solidFill>
-              </a:defRPr>
+              <a:defRPr sz="2400" b="1"/>
             </a:lvl1pPr>
             <a:lvl2pPr marL="457200" indent="0">
               <a:buNone/>
@@ -3887,7 +2017,13 @@
       </p:sp>
       <p:sp>
         <p:nvSpPr>
-          <p:cNvPr id="6" name="Content Placeholder 5"/>
+          <p:cNvPr id="6" name="Content Placeholder 5">
+            <a:extLst>
+              <a:ext uri="{FF2B5EF4-FFF2-40B4-BE49-F238E27FC236}">
+                <a16:creationId xmlns:a16="http://schemas.microsoft.com/office/drawing/2014/main" id="{813BE41B-D031-4E6F-A4AD-82C4E436F01D}"/>
+              </a:ext>
+            </a:extLst>
+          </p:cNvPr>
           <p:cNvSpPr>
             <a:spLocks noGrp="1"/>
           </p:cNvSpPr>
@@ -3897,14 +2033,12 @@
         </p:nvSpPr>
         <p:spPr>
           <a:xfrm>
-            <a:off x="5806545" y="1262062"/>
-            <a:ext cx="4929188" cy="3030538"/>
+            <a:off x="6172200" y="2505075"/>
+            <a:ext cx="5183188" cy="3684588"/>
           </a:xfrm>
         </p:spPr>
         <p:txBody>
-          <a:bodyPr anchor="t">
-            <a:normAutofit/>
-          </a:bodyPr>
+          <a:bodyPr/>
           <a:lstStyle/>
           <a:p>
             <a:pPr lvl="0"/>
@@ -3940,13 +2074,18 @@
               <a:rPr lang="en-US"/>
               <a:t>Fifth level</a:t>
             </a:r>
-            <a:endParaRPr lang="en-US" dirty="0"/>
-          </a:p>
-        </p:txBody>
-      </p:sp>
-      <p:sp>
-        <p:nvSpPr>
-          <p:cNvPr id="7" name="Date Placeholder 6"/>
+          </a:p>
+        </p:txBody>
+      </p:sp>
+      <p:sp>
+        <p:nvSpPr>
+          <p:cNvPr id="7" name="Date Placeholder 6">
+            <a:extLst>
+              <a:ext uri="{FF2B5EF4-FFF2-40B4-BE49-F238E27FC236}">
+                <a16:creationId xmlns:a16="http://schemas.microsoft.com/office/drawing/2014/main" id="{32923526-055D-49E5-A9A9-53080CDA9709}"/>
+              </a:ext>
+            </a:extLst>
+          </p:cNvPr>
           <p:cNvSpPr>
             <a:spLocks noGrp="1"/>
           </p:cNvSpPr>
@@ -3969,7 +2108,13 @@
       </p:sp>
       <p:sp>
         <p:nvSpPr>
-          <p:cNvPr id="8" name="Footer Placeholder 7"/>
+          <p:cNvPr id="8" name="Footer Placeholder 7">
+            <a:extLst>
+              <a:ext uri="{FF2B5EF4-FFF2-40B4-BE49-F238E27FC236}">
+                <a16:creationId xmlns:a16="http://schemas.microsoft.com/office/drawing/2014/main" id="{ED905B09-D227-432B-A3D5-561A4F42514F}"/>
+              </a:ext>
+            </a:extLst>
+          </p:cNvPr>
           <p:cNvSpPr>
             <a:spLocks noGrp="1"/>
           </p:cNvSpPr>
@@ -3988,7 +2133,13 @@
       </p:sp>
       <p:sp>
         <p:nvSpPr>
-          <p:cNvPr id="9" name="Slide Number Placeholder 8"/>
+          <p:cNvPr id="9" name="Slide Number Placeholder 8">
+            <a:extLst>
+              <a:ext uri="{FF2B5EF4-FFF2-40B4-BE49-F238E27FC236}">
+                <a16:creationId xmlns:a16="http://schemas.microsoft.com/office/drawing/2014/main" id="{8676C7D8-E176-4EA8-A8E2-20F88DA328BD}"/>
+              </a:ext>
+            </a:extLst>
+          </p:cNvPr>
           <p:cNvSpPr>
             <a:spLocks noGrp="1"/>
           </p:cNvSpPr>
@@ -4012,7 +2163,7 @@
     </p:spTree>
     <p:extLst>
       <p:ext uri="{BB962C8B-B14F-4D97-AF65-F5344CB8AC3E}">
-        <p14:creationId xmlns:p14="http://schemas.microsoft.com/office/powerpoint/2010/main" val="661007320"/>
+        <p14:creationId xmlns:p14="http://schemas.microsoft.com/office/powerpoint/2010/main" val="786272467"/>
       </p:ext>
     </p:extLst>
   </p:cSld>
@@ -4041,7 +2192,13 @@
       </p:grpSpPr>
       <p:sp>
         <p:nvSpPr>
-          <p:cNvPr id="2" name="Title 1"/>
+          <p:cNvPr id="2" name="Title 1">
+            <a:extLst>
+              <a:ext uri="{FF2B5EF4-FFF2-40B4-BE49-F238E27FC236}">
+                <a16:creationId xmlns:a16="http://schemas.microsoft.com/office/drawing/2014/main" id="{6203A227-2F7B-4251-989A-21BEBA546F06}"/>
+              </a:ext>
+            </a:extLst>
+          </p:cNvPr>
           <p:cNvSpPr>
             <a:spLocks noGrp="1"/>
           </p:cNvSpPr>
@@ -4058,13 +2215,18 @@
               <a:rPr lang="en-US"/>
               <a:t>Click to edit Master title style</a:t>
             </a:r>
-            <a:endParaRPr lang="en-US" dirty="0"/>
-          </a:p>
-        </p:txBody>
-      </p:sp>
-      <p:sp>
-        <p:nvSpPr>
-          <p:cNvPr id="3" name="Date Placeholder 2"/>
+          </a:p>
+        </p:txBody>
+      </p:sp>
+      <p:sp>
+        <p:nvSpPr>
+          <p:cNvPr id="3" name="Date Placeholder 2">
+            <a:extLst>
+              <a:ext uri="{FF2B5EF4-FFF2-40B4-BE49-F238E27FC236}">
+                <a16:creationId xmlns:a16="http://schemas.microsoft.com/office/drawing/2014/main" id="{524B738F-768D-4D03-9A84-6C15BAD48BC2}"/>
+              </a:ext>
+            </a:extLst>
+          </p:cNvPr>
           <p:cNvSpPr>
             <a:spLocks noGrp="1"/>
           </p:cNvSpPr>
@@ -4087,7 +2249,13 @@
       </p:sp>
       <p:sp>
         <p:nvSpPr>
-          <p:cNvPr id="4" name="Footer Placeholder 3"/>
+          <p:cNvPr id="4" name="Footer Placeholder 3">
+            <a:extLst>
+              <a:ext uri="{FF2B5EF4-FFF2-40B4-BE49-F238E27FC236}">
+                <a16:creationId xmlns:a16="http://schemas.microsoft.com/office/drawing/2014/main" id="{2F96C17B-03A4-4BDA-9258-98ACC7CB41AA}"/>
+              </a:ext>
+            </a:extLst>
+          </p:cNvPr>
           <p:cNvSpPr>
             <a:spLocks noGrp="1"/>
           </p:cNvSpPr>
@@ -4106,7 +2274,13 @@
       </p:sp>
       <p:sp>
         <p:nvSpPr>
-          <p:cNvPr id="5" name="Slide Number Placeholder 4"/>
+          <p:cNvPr id="5" name="Slide Number Placeholder 4">
+            <a:extLst>
+              <a:ext uri="{FF2B5EF4-FFF2-40B4-BE49-F238E27FC236}">
+                <a16:creationId xmlns:a16="http://schemas.microsoft.com/office/drawing/2014/main" id="{3BA3B4F7-52D4-4720-BA11-D4A54FC0EDAF}"/>
+              </a:ext>
+            </a:extLst>
+          </p:cNvPr>
           <p:cNvSpPr>
             <a:spLocks noGrp="1"/>
           </p:cNvSpPr>
@@ -4130,7 +2304,7 @@
     </p:spTree>
     <p:extLst>
       <p:ext uri="{BB962C8B-B14F-4D97-AF65-F5344CB8AC3E}">
-        <p14:creationId xmlns:p14="http://schemas.microsoft.com/office/powerpoint/2010/main" val="903100519"/>
+        <p14:creationId xmlns:p14="http://schemas.microsoft.com/office/powerpoint/2010/main" val="2691249877"/>
       </p:ext>
     </p:extLst>
   </p:cSld>
@@ -4159,7 +2333,13 @@
       </p:grpSpPr>
       <p:sp>
         <p:nvSpPr>
-          <p:cNvPr id="2" name="Date Placeholder 1"/>
+          <p:cNvPr id="2" name="Date Placeholder 1">
+            <a:extLst>
+              <a:ext uri="{FF2B5EF4-FFF2-40B4-BE49-F238E27FC236}">
+                <a16:creationId xmlns:a16="http://schemas.microsoft.com/office/drawing/2014/main" id="{F14CD39B-685A-494B-9773-B810B0535977}"/>
+              </a:ext>
+            </a:extLst>
+          </p:cNvPr>
           <p:cNvSpPr>
             <a:spLocks noGrp="1"/>
           </p:cNvSpPr>
@@ -4182,7 +2362,13 @@
       </p:sp>
       <p:sp>
         <p:nvSpPr>
-          <p:cNvPr id="3" name="Footer Placeholder 2"/>
+          <p:cNvPr id="3" name="Footer Placeholder 2">
+            <a:extLst>
+              <a:ext uri="{FF2B5EF4-FFF2-40B4-BE49-F238E27FC236}">
+                <a16:creationId xmlns:a16="http://schemas.microsoft.com/office/drawing/2014/main" id="{A3079E1B-7EDD-49DA-AEAF-9A2CBAEEB0DA}"/>
+              </a:ext>
+            </a:extLst>
+          </p:cNvPr>
           <p:cNvSpPr>
             <a:spLocks noGrp="1"/>
           </p:cNvSpPr>
@@ -4201,7 +2387,13 @@
       </p:sp>
       <p:sp>
         <p:nvSpPr>
-          <p:cNvPr id="4" name="Slide Number Placeholder 3"/>
+          <p:cNvPr id="4" name="Slide Number Placeholder 3">
+            <a:extLst>
+              <a:ext uri="{FF2B5EF4-FFF2-40B4-BE49-F238E27FC236}">
+                <a16:creationId xmlns:a16="http://schemas.microsoft.com/office/drawing/2014/main" id="{B8AF03E7-A123-466D-B93E-FAEEE712B505}"/>
+              </a:ext>
+            </a:extLst>
+          </p:cNvPr>
           <p:cNvSpPr>
             <a:spLocks noGrp="1"/>
           </p:cNvSpPr>
@@ -4225,7 +2417,7 @@
     </p:spTree>
     <p:extLst>
       <p:ext uri="{BB962C8B-B14F-4D97-AF65-F5344CB8AC3E}">
-        <p14:creationId xmlns:p14="http://schemas.microsoft.com/office/powerpoint/2010/main" val="3266767079"/>
+        <p14:creationId xmlns:p14="http://schemas.microsoft.com/office/powerpoint/2010/main" val="4020057835"/>
       </p:ext>
     </p:extLst>
   </p:cSld>
@@ -4254,7 +2446,13 @@
       </p:grpSpPr>
       <p:sp>
         <p:nvSpPr>
-          <p:cNvPr id="2" name="Title 1"/>
+          <p:cNvPr id="2" name="Title 1">
+            <a:extLst>
+              <a:ext uri="{FF2B5EF4-FFF2-40B4-BE49-F238E27FC236}">
+                <a16:creationId xmlns:a16="http://schemas.microsoft.com/office/drawing/2014/main" id="{1B55B48E-BCBD-4D5D-83A9-4759B96828C6}"/>
+              </a:ext>
+            </a:extLst>
+          </p:cNvPr>
           <p:cNvSpPr>
             <a:spLocks noGrp="1"/>
           </p:cNvSpPr>
@@ -4264,17 +2462,15 @@
         </p:nvSpPr>
         <p:spPr>
           <a:xfrm>
-            <a:off x="7085012" y="685800"/>
-            <a:ext cx="3657600" cy="1371600"/>
+            <a:off x="839788" y="457200"/>
+            <a:ext cx="3932237" cy="1600200"/>
           </a:xfrm>
         </p:spPr>
         <p:txBody>
-          <a:bodyPr anchor="b">
-            <a:normAutofit/>
-          </a:bodyPr>
+          <a:bodyPr anchor="b"/>
           <a:lstStyle>
-            <a:lvl1pPr algn="l">
-              <a:defRPr sz="2400" b="0"/>
+            <a:lvl1pPr>
+              <a:defRPr sz="3200"/>
             </a:lvl1pPr>
           </a:lstStyle>
           <a:p>
@@ -4282,13 +2478,18 @@
               <a:rPr lang="en-US"/>
               <a:t>Click to edit Master title style</a:t>
             </a:r>
-            <a:endParaRPr lang="en-US" dirty="0"/>
-          </a:p>
-        </p:txBody>
-      </p:sp>
-      <p:sp>
-        <p:nvSpPr>
-          <p:cNvPr id="3" name="Content Placeholder 2"/>
+          </a:p>
+        </p:txBody>
+      </p:sp>
+      <p:sp>
+        <p:nvSpPr>
+          <p:cNvPr id="3" name="Content Placeholder 2">
+            <a:extLst>
+              <a:ext uri="{FF2B5EF4-FFF2-40B4-BE49-F238E27FC236}">
+                <a16:creationId xmlns:a16="http://schemas.microsoft.com/office/drawing/2014/main" id="{3E0A1173-A278-4984-8A6B-48B8B8BD23B4}"/>
+              </a:ext>
+            </a:extLst>
+          </p:cNvPr>
           <p:cNvSpPr>
             <a:spLocks noGrp="1"/>
           </p:cNvSpPr>
@@ -4298,15 +2499,41 @@
         </p:nvSpPr>
         <p:spPr>
           <a:xfrm>
-            <a:off x="684212" y="685800"/>
-            <a:ext cx="5943601" cy="5308600"/>
+            <a:off x="5183188" y="987425"/>
+            <a:ext cx="6172200" cy="4873625"/>
           </a:xfrm>
         </p:spPr>
         <p:txBody>
-          <a:bodyPr anchor="ctr">
-            <a:normAutofit/>
-          </a:bodyPr>
-          <a:lstStyle/>
+          <a:bodyPr/>
+          <a:lstStyle>
+            <a:lvl1pPr>
+              <a:defRPr sz="3200"/>
+            </a:lvl1pPr>
+            <a:lvl2pPr>
+              <a:defRPr sz="2800"/>
+            </a:lvl2pPr>
+            <a:lvl3pPr>
+              <a:defRPr sz="2400"/>
+            </a:lvl3pPr>
+            <a:lvl4pPr>
+              <a:defRPr sz="2000"/>
+            </a:lvl4pPr>
+            <a:lvl5pPr>
+              <a:defRPr sz="2000"/>
+            </a:lvl5pPr>
+            <a:lvl6pPr>
+              <a:defRPr sz="2000"/>
+            </a:lvl6pPr>
+            <a:lvl7pPr>
+              <a:defRPr sz="2000"/>
+            </a:lvl7pPr>
+            <a:lvl8pPr>
+              <a:defRPr sz="2000"/>
+            </a:lvl8pPr>
+            <a:lvl9pPr>
+              <a:defRPr sz="2000"/>
+            </a:lvl9pPr>
+          </a:lstStyle>
           <a:p>
             <a:pPr lvl="0"/>
             <a:r>
@@ -4341,13 +2568,18 @@
               <a:rPr lang="en-US"/>
               <a:t>Fifth level</a:t>
             </a:r>
-            <a:endParaRPr lang="en-US" dirty="0"/>
-          </a:p>
-        </p:txBody>
-      </p:sp>
-      <p:sp>
-        <p:nvSpPr>
-          <p:cNvPr id="4" name="Text Placeholder 3"/>
+          </a:p>
+        </p:txBody>
+      </p:sp>
+      <p:sp>
+        <p:nvSpPr>
+          <p:cNvPr id="4" name="Text Placeholder 3">
+            <a:extLst>
+              <a:ext uri="{FF2B5EF4-FFF2-40B4-BE49-F238E27FC236}">
+                <a16:creationId xmlns:a16="http://schemas.microsoft.com/office/drawing/2014/main" id="{82B8C397-8BB6-415D-B380-8082B87F6CB4}"/>
+              </a:ext>
+            </a:extLst>
+          </p:cNvPr>
           <p:cNvSpPr>
             <a:spLocks noGrp="1"/>
           </p:cNvSpPr>
@@ -4357,14 +2589,12 @@
         </p:nvSpPr>
         <p:spPr>
           <a:xfrm>
-            <a:off x="7085012" y="2209799"/>
-            <a:ext cx="3657600" cy="2091267"/>
+            <a:off x="839788" y="2057400"/>
+            <a:ext cx="3932237" cy="3811588"/>
           </a:xfrm>
         </p:spPr>
         <p:txBody>
-          <a:bodyPr anchor="t">
-            <a:normAutofit/>
-          </a:bodyPr>
+          <a:bodyPr/>
           <a:lstStyle>
             <a:lvl1pPr marL="0" indent="0">
               <a:buNone/>
@@ -4372,35 +2602,35 @@
             </a:lvl1pPr>
             <a:lvl2pPr marL="457200" indent="0">
               <a:buNone/>
-              <a:defRPr sz="1200"/>
+              <a:defRPr sz="1400"/>
             </a:lvl2pPr>
             <a:lvl3pPr marL="914400" indent="0">
               <a:buNone/>
-              <a:defRPr sz="1000"/>
+              <a:defRPr sz="1200"/>
             </a:lvl3pPr>
             <a:lvl4pPr marL="1371600" indent="0">
               <a:buNone/>
-              <a:defRPr sz="900"/>
+              <a:defRPr sz="1000"/>
             </a:lvl4pPr>
             <a:lvl5pPr marL="1828800" indent="0">
               <a:buNone/>
-              <a:defRPr sz="900"/>
+              <a:defRPr sz="1000"/>
             </a:lvl5pPr>
             <a:lvl6pPr marL="2286000" indent="0">
               <a:buNone/>
-              <a:defRPr sz="900"/>
+              <a:defRPr sz="1000"/>
             </a:lvl6pPr>
             <a:lvl7pPr marL="2743200" indent="0">
               <a:buNone/>
-              <a:defRPr sz="900"/>
+              <a:defRPr sz="1000"/>
             </a:lvl7pPr>
             <a:lvl8pPr marL="3200400" indent="0">
               <a:buNone/>
-              <a:defRPr sz="900"/>
+              <a:defRPr sz="1000"/>
             </a:lvl8pPr>
             <a:lvl9pPr marL="3657600" indent="0">
               <a:buNone/>
-              <a:defRPr sz="900"/>
+              <a:defRPr sz="1000"/>
             </a:lvl9pPr>
           </a:lstStyle>
           <a:p>
@@ -4414,7 +2644,13 @@
       </p:sp>
       <p:sp>
         <p:nvSpPr>
-          <p:cNvPr id="5" name="Date Placeholder 4"/>
+          <p:cNvPr id="5" name="Date Placeholder 4">
+            <a:extLst>
+              <a:ext uri="{FF2B5EF4-FFF2-40B4-BE49-F238E27FC236}">
+                <a16:creationId xmlns:a16="http://schemas.microsoft.com/office/drawing/2014/main" id="{038D5D01-AB2F-4DE5-9F34-3DFF85C007CD}"/>
+              </a:ext>
+            </a:extLst>
+          </p:cNvPr>
           <p:cNvSpPr>
             <a:spLocks noGrp="1"/>
           </p:cNvSpPr>
@@ -4437,7 +2673,13 @@
       </p:sp>
       <p:sp>
         <p:nvSpPr>
-          <p:cNvPr id="6" name="Footer Placeholder 5"/>
+          <p:cNvPr id="6" name="Footer Placeholder 5">
+            <a:extLst>
+              <a:ext uri="{FF2B5EF4-FFF2-40B4-BE49-F238E27FC236}">
+                <a16:creationId xmlns:a16="http://schemas.microsoft.com/office/drawing/2014/main" id="{B3700325-507C-4AE3-B112-EC39CA464D56}"/>
+              </a:ext>
+            </a:extLst>
+          </p:cNvPr>
           <p:cNvSpPr>
             <a:spLocks noGrp="1"/>
           </p:cNvSpPr>
@@ -4456,7 +2698,13 @@
       </p:sp>
       <p:sp>
         <p:nvSpPr>
-          <p:cNvPr id="7" name="Slide Number Placeholder 6"/>
+          <p:cNvPr id="7" name="Slide Number Placeholder 6">
+            <a:extLst>
+              <a:ext uri="{FF2B5EF4-FFF2-40B4-BE49-F238E27FC236}">
+                <a16:creationId xmlns:a16="http://schemas.microsoft.com/office/drawing/2014/main" id="{4EA3A610-2177-48EE-81D1-78D7B80C4995}"/>
+              </a:ext>
+            </a:extLst>
+          </p:cNvPr>
           <p:cNvSpPr>
             <a:spLocks noGrp="1"/>
           </p:cNvSpPr>
@@ -4480,7 +2728,7 @@
     </p:spTree>
     <p:extLst>
       <p:ext uri="{BB962C8B-B14F-4D97-AF65-F5344CB8AC3E}">
-        <p14:creationId xmlns:p14="http://schemas.microsoft.com/office/powerpoint/2010/main" val="3668780668"/>
+        <p14:creationId xmlns:p14="http://schemas.microsoft.com/office/powerpoint/2010/main" val="1132501368"/>
       </p:ext>
     </p:extLst>
   </p:cSld>
@@ -4509,7 +2757,13 @@
       </p:grpSpPr>
       <p:sp>
         <p:nvSpPr>
-          <p:cNvPr id="2" name="Title 1"/>
+          <p:cNvPr id="2" name="Title 1">
+            <a:extLst>
+              <a:ext uri="{FF2B5EF4-FFF2-40B4-BE49-F238E27FC236}">
+                <a16:creationId xmlns:a16="http://schemas.microsoft.com/office/drawing/2014/main" id="{CD4519E5-4B36-4C0D-B8D3-E0F5D87905E3}"/>
+              </a:ext>
+            </a:extLst>
+          </p:cNvPr>
           <p:cNvSpPr>
             <a:spLocks noGrp="1"/>
           </p:cNvSpPr>
@@ -4519,17 +2773,15 @@
         </p:nvSpPr>
         <p:spPr>
           <a:xfrm>
-            <a:off x="4722812" y="1447800"/>
-            <a:ext cx="6019800" cy="1143000"/>
+            <a:off x="839788" y="457200"/>
+            <a:ext cx="3932237" cy="1600200"/>
           </a:xfrm>
         </p:spPr>
         <p:txBody>
-          <a:bodyPr anchor="b">
-            <a:normAutofit/>
-          </a:bodyPr>
+          <a:bodyPr anchor="b"/>
           <a:lstStyle>
-            <a:lvl1pPr algn="l">
-              <a:defRPr sz="2800" b="0"/>
+            <a:lvl1pPr>
+              <a:defRPr sz="3200"/>
             </a:lvl1pPr>
           </a:lstStyle>
           <a:p>
@@ -4537,15 +2789,20 @@
               <a:rPr lang="en-US"/>
               <a:t>Click to edit Master title style</a:t>
             </a:r>
-            <a:endParaRPr lang="en-US" dirty="0"/>
-          </a:p>
-        </p:txBody>
-      </p:sp>
-      <p:sp>
-        <p:nvSpPr>
-          <p:cNvPr id="14" name="Picture Placeholder 2"/>
-          <p:cNvSpPr>
-            <a:spLocks noGrp="1" noChangeAspect="1"/>
+          </a:p>
+        </p:txBody>
+      </p:sp>
+      <p:sp>
+        <p:nvSpPr>
+          <p:cNvPr id="3" name="Picture Placeholder 2">
+            <a:extLst>
+              <a:ext uri="{FF2B5EF4-FFF2-40B4-BE49-F238E27FC236}">
+                <a16:creationId xmlns:a16="http://schemas.microsoft.com/office/drawing/2014/main" id="{4E7E5C05-16B0-48FD-847F-2236EDD52B11}"/>
+              </a:ext>
+            </a:extLst>
+          </p:cNvPr>
+          <p:cNvSpPr>
+            <a:spLocks noGrp="1"/>
           </p:cNvSpPr>
           <p:nvPr>
             <p:ph type="pic" idx="1"/>
@@ -4553,140 +2810,118 @@
         </p:nvSpPr>
         <p:spPr>
           <a:xfrm>
-            <a:off x="989012" y="914400"/>
-            <a:ext cx="3280974" cy="4572000"/>
+            <a:off x="5183188" y="987425"/>
+            <a:ext cx="6172200" cy="4873625"/>
           </a:xfrm>
-          <a:prstGeom prst="snip2DiagRect">
-            <a:avLst>
-              <a:gd name="adj1" fmla="val 10815"/>
-              <a:gd name="adj2" fmla="val 0"/>
-            </a:avLst>
-          </a:prstGeom>
-          <a:ln w="15875">
-            <a:solidFill>
-              <a:schemeClr val="tx1">
-                <a:alpha val="40000"/>
-              </a:schemeClr>
-            </a:solidFill>
-          </a:ln>
-          <a:effectLst>
-            <a:innerShdw blurRad="57150" dist="38100" dir="14460000">
-              <a:srgbClr val="000000">
-                <a:alpha val="70000"/>
-              </a:srgbClr>
-            </a:innerShdw>
-          </a:effectLst>
         </p:spPr>
         <p:txBody>
-          <a:bodyPr anchor="t">
-            <a:normAutofit/>
-          </a:bodyPr>
+          <a:bodyPr/>
           <a:lstStyle>
-            <a:lvl1pPr marL="0" indent="0" algn="ctr">
+            <a:lvl1pPr marL="0" indent="0">
+              <a:buNone/>
+              <a:defRPr sz="3200"/>
+            </a:lvl1pPr>
+            <a:lvl2pPr marL="457200" indent="0">
+              <a:buNone/>
+              <a:defRPr sz="2800"/>
+            </a:lvl2pPr>
+            <a:lvl3pPr marL="914400" indent="0">
+              <a:buNone/>
+              <a:defRPr sz="2400"/>
+            </a:lvl3pPr>
+            <a:lvl4pPr marL="1371600" indent="0">
+              <a:buNone/>
+              <a:defRPr sz="2000"/>
+            </a:lvl4pPr>
+            <a:lvl5pPr marL="1828800" indent="0">
+              <a:buNone/>
+              <a:defRPr sz="2000"/>
+            </a:lvl5pPr>
+            <a:lvl6pPr marL="2286000" indent="0">
+              <a:buNone/>
+              <a:defRPr sz="2000"/>
+            </a:lvl6pPr>
+            <a:lvl7pPr marL="2743200" indent="0">
+              <a:buNone/>
+              <a:defRPr sz="2000"/>
+            </a:lvl7pPr>
+            <a:lvl8pPr marL="3200400" indent="0">
+              <a:buNone/>
+              <a:defRPr sz="2000"/>
+            </a:lvl8pPr>
+            <a:lvl9pPr marL="3657600" indent="0">
+              <a:buNone/>
+              <a:defRPr sz="2000"/>
+            </a:lvl9pPr>
+          </a:lstStyle>
+          <a:p>
+            <a:endParaRPr lang="en-US"/>
+          </a:p>
+        </p:txBody>
+      </p:sp>
+      <p:sp>
+        <p:nvSpPr>
+          <p:cNvPr id="4" name="Text Placeholder 3">
+            <a:extLst>
+              <a:ext uri="{FF2B5EF4-FFF2-40B4-BE49-F238E27FC236}">
+                <a16:creationId xmlns:a16="http://schemas.microsoft.com/office/drawing/2014/main" id="{CBAF0991-F2E8-425F-951C-E3859C0A7632}"/>
+              </a:ext>
+            </a:extLst>
+          </p:cNvPr>
+          <p:cNvSpPr>
+            <a:spLocks noGrp="1"/>
+          </p:cNvSpPr>
+          <p:nvPr>
+            <p:ph type="body" sz="half" idx="2"/>
+          </p:nvPr>
+        </p:nvSpPr>
+        <p:spPr>
+          <a:xfrm>
+            <a:off x="839788" y="2057400"/>
+            <a:ext cx="3932237" cy="3811588"/>
+          </a:xfrm>
+        </p:spPr>
+        <p:txBody>
+          <a:bodyPr/>
+          <a:lstStyle>
+            <a:lvl1pPr marL="0" indent="0">
               <a:buNone/>
               <a:defRPr sz="1600"/>
             </a:lvl1pPr>
             <a:lvl2pPr marL="457200" indent="0">
               <a:buNone/>
-              <a:defRPr sz="1600"/>
+              <a:defRPr sz="1400"/>
             </a:lvl2pPr>
             <a:lvl3pPr marL="914400" indent="0">
               <a:buNone/>
-              <a:defRPr sz="1600"/>
+              <a:defRPr sz="1200"/>
             </a:lvl3pPr>
             <a:lvl4pPr marL="1371600" indent="0">
               <a:buNone/>
-              <a:defRPr sz="1600"/>
+              <a:defRPr sz="1000"/>
             </a:lvl4pPr>
             <a:lvl5pPr marL="1828800" indent="0">
               <a:buNone/>
-              <a:defRPr sz="1600"/>
+              <a:defRPr sz="1000"/>
             </a:lvl5pPr>
             <a:lvl6pPr marL="2286000" indent="0">
               <a:buNone/>
-              <a:defRPr sz="1600"/>
+              <a:defRPr sz="1000"/>
             </a:lvl6pPr>
             <a:lvl7pPr marL="2743200" indent="0">
               <a:buNone/>
-              <a:defRPr sz="1600"/>
+              <a:defRPr sz="1000"/>
             </a:lvl7pPr>
             <a:lvl8pPr marL="3200400" indent="0">
               <a:buNone/>
-              <a:defRPr sz="1600"/>
+              <a:defRPr sz="1000"/>
             </a:lvl8pPr>
             <a:lvl9pPr marL="3657600" indent="0">
               <a:buNone/>
-              <a:defRPr sz="1600"/>
+              <a:defRPr sz="1000"/>
             </a:lvl9pPr>
           </a:lstStyle>
           <a:p>
-            <a:r>
-              <a:rPr lang="en-US"/>
-              <a:t>Click icon to add picture</a:t>
-            </a:r>
-            <a:endParaRPr lang="en-US" dirty="0"/>
-          </a:p>
-        </p:txBody>
-      </p:sp>
-      <p:sp>
-        <p:nvSpPr>
-          <p:cNvPr id="4" name="Text Placeholder 3"/>
-          <p:cNvSpPr>
-            <a:spLocks noGrp="1"/>
-          </p:cNvSpPr>
-          <p:nvPr>
-            <p:ph type="body" sz="half" idx="2"/>
-          </p:nvPr>
-        </p:nvSpPr>
-        <p:spPr>
-          <a:xfrm>
-            <a:off x="4722812" y="2777066"/>
-            <a:ext cx="6021388" cy="2048933"/>
-          </a:xfrm>
-        </p:spPr>
-        <p:txBody>
-          <a:bodyPr anchor="t">
-            <a:normAutofit/>
-          </a:bodyPr>
-          <a:lstStyle>
-            <a:lvl1pPr marL="0" indent="0">
-              <a:buNone/>
-              <a:defRPr sz="1800"/>
-            </a:lvl1pPr>
-            <a:lvl2pPr marL="457200" indent="0">
-              <a:buNone/>
-              <a:defRPr sz="1200"/>
-            </a:lvl2pPr>
-            <a:lvl3pPr marL="914400" indent="0">
-              <a:buNone/>
-              <a:defRPr sz="1000"/>
-            </a:lvl3pPr>
-            <a:lvl4pPr marL="1371600" indent="0">
-              <a:buNone/>
-              <a:defRPr sz="900"/>
-            </a:lvl4pPr>
-            <a:lvl5pPr marL="1828800" indent="0">
-              <a:buNone/>
-              <a:defRPr sz="900"/>
-            </a:lvl5pPr>
-            <a:lvl6pPr marL="2286000" indent="0">
-              <a:buNone/>
-              <a:defRPr sz="900"/>
-            </a:lvl6pPr>
-            <a:lvl7pPr marL="2743200" indent="0">
-              <a:buNone/>
-              <a:defRPr sz="900"/>
-            </a:lvl7pPr>
-            <a:lvl8pPr marL="3200400" indent="0">
-              <a:buNone/>
-              <a:defRPr sz="900"/>
-            </a:lvl8pPr>
-            <a:lvl9pPr marL="3657600" indent="0">
-              <a:buNone/>
-              <a:defRPr sz="900"/>
-            </a:lvl9pPr>
-          </a:lstStyle>
-          <a:p>
             <a:pPr lvl="0"/>
             <a:r>
               <a:rPr lang="en-US"/>
@@ -4697,7 +2932,13 @@
       </p:sp>
       <p:sp>
         <p:nvSpPr>
-          <p:cNvPr id="5" name="Date Placeholder 4"/>
+          <p:cNvPr id="5" name="Date Placeholder 4">
+            <a:extLst>
+              <a:ext uri="{FF2B5EF4-FFF2-40B4-BE49-F238E27FC236}">
+                <a16:creationId xmlns:a16="http://schemas.microsoft.com/office/drawing/2014/main" id="{FA642BCD-E596-43FC-85DC-21EAD77E3BBE}"/>
+              </a:ext>
+            </a:extLst>
+          </p:cNvPr>
           <p:cNvSpPr>
             <a:spLocks noGrp="1"/>
           </p:cNvSpPr>
@@ -4720,7 +2961,13 @@
       </p:sp>
       <p:sp>
         <p:nvSpPr>
-          <p:cNvPr id="6" name="Footer Placeholder 5"/>
+          <p:cNvPr id="6" name="Footer Placeholder 5">
+            <a:extLst>
+              <a:ext uri="{FF2B5EF4-FFF2-40B4-BE49-F238E27FC236}">
+                <a16:creationId xmlns:a16="http://schemas.microsoft.com/office/drawing/2014/main" id="{27A67938-0537-475B-9205-4476415E21D7}"/>
+              </a:ext>
+            </a:extLst>
+          </p:cNvPr>
           <p:cNvSpPr>
             <a:spLocks noGrp="1"/>
           </p:cNvSpPr>
@@ -4739,7 +2986,13 @@
       </p:sp>
       <p:sp>
         <p:nvSpPr>
-          <p:cNvPr id="7" name="Slide Number Placeholder 6"/>
+          <p:cNvPr id="7" name="Slide Number Placeholder 6">
+            <a:extLst>
+              <a:ext uri="{FF2B5EF4-FFF2-40B4-BE49-F238E27FC236}">
+                <a16:creationId xmlns:a16="http://schemas.microsoft.com/office/drawing/2014/main" id="{AB13DFD5-0E1D-445B-83BA-41A01B346A2E}"/>
+              </a:ext>
+            </a:extLst>
+          </p:cNvPr>
           <p:cNvSpPr>
             <a:spLocks noGrp="1"/>
           </p:cNvSpPr>
@@ -4763,7 +3016,7 @@
     </p:spTree>
     <p:extLst>
       <p:ext uri="{BB962C8B-B14F-4D97-AF65-F5344CB8AC3E}">
-        <p14:creationId xmlns:p14="http://schemas.microsoft.com/office/powerpoint/2010/main" val="747684093"/>
+        <p14:creationId xmlns:p14="http://schemas.microsoft.com/office/powerpoint/2010/main" val="2342978742"/>
       </p:ext>
     </p:extLst>
   </p:cSld>
@@ -4777,8 +3030,8 @@
 <p:sldMaster xmlns:a="http://schemas.openxmlformats.org/drawingml/2006/main" xmlns:r="http://schemas.openxmlformats.org/officeDocument/2006/relationships" xmlns:p="http://schemas.openxmlformats.org/presentationml/2006/main">
   <p:cSld>
     <p:bg>
-      <p:bgRef idx="1002">
-        <a:schemeClr val="bg2"/>
+      <p:bgRef idx="1001">
+        <a:schemeClr val="bg1"/>
       </p:bgRef>
     </p:bg>
     <p:spTree>
@@ -4795,199 +3048,15 @@
           <a:chExt cx="0" cy="0"/>
         </a:xfrm>
       </p:grpSpPr>
-      <p:grpSp>
-        <p:nvGrpSpPr>
-          <p:cNvPr id="7" name="Group 6"/>
-          <p:cNvGrpSpPr/>
-          <p:nvPr/>
-        </p:nvGrpSpPr>
-        <p:grpSpPr>
-          <a:xfrm>
-            <a:off x="9206969" y="2963333"/>
-            <a:ext cx="2981858" cy="3208867"/>
-            <a:chOff x="9206969" y="2963333"/>
-            <a:chExt cx="2981858" cy="3208867"/>
-          </a:xfrm>
-        </p:grpSpPr>
-        <p:cxnSp>
-          <p:nvCxnSpPr>
-            <p:cNvPr id="8" name="Straight Connector 7"/>
-            <p:cNvCxnSpPr/>
-            <p:nvPr/>
-          </p:nvCxnSpPr>
-          <p:spPr>
-            <a:xfrm flipH="1">
-              <a:off x="11276012" y="2963333"/>
-              <a:ext cx="912814" cy="912812"/>
-            </a:xfrm>
-            <a:prstGeom prst="line">
-              <a:avLst/>
-            </a:prstGeom>
-            <a:ln w="9525">
-              <a:solidFill>
-                <a:schemeClr val="tx1"/>
-              </a:solidFill>
-            </a:ln>
-          </p:spPr>
-          <p:style>
-            <a:lnRef idx="2">
-              <a:schemeClr val="accent1"/>
-            </a:lnRef>
-            <a:fillRef idx="0">
-              <a:schemeClr val="accent1"/>
-            </a:fillRef>
-            <a:effectRef idx="1">
-              <a:schemeClr val="accent1"/>
-            </a:effectRef>
-            <a:fontRef idx="minor">
-              <a:schemeClr val="tx1"/>
-            </a:fontRef>
-          </p:style>
-        </p:cxnSp>
-        <p:cxnSp>
-          <p:nvCxnSpPr>
-            <p:cNvPr id="9" name="Straight Connector 8"/>
-            <p:cNvCxnSpPr/>
-            <p:nvPr/>
-          </p:nvCxnSpPr>
-          <p:spPr>
-            <a:xfrm flipH="1">
-              <a:off x="9206969" y="3190344"/>
-              <a:ext cx="2981857" cy="2981856"/>
-            </a:xfrm>
-            <a:prstGeom prst="line">
-              <a:avLst/>
-            </a:prstGeom>
-            <a:ln w="9525">
-              <a:solidFill>
-                <a:schemeClr val="tx1"/>
-              </a:solidFill>
-            </a:ln>
-          </p:spPr>
-          <p:style>
-            <a:lnRef idx="2">
-              <a:schemeClr val="accent1"/>
-            </a:lnRef>
-            <a:fillRef idx="0">
-              <a:schemeClr val="accent1"/>
-            </a:fillRef>
-            <a:effectRef idx="1">
-              <a:schemeClr val="accent1"/>
-            </a:effectRef>
-            <a:fontRef idx="minor">
-              <a:schemeClr val="tx1"/>
-            </a:fontRef>
-          </p:style>
-        </p:cxnSp>
-        <p:cxnSp>
-          <p:nvCxnSpPr>
-            <p:cNvPr id="10" name="Straight Connector 9"/>
-            <p:cNvCxnSpPr/>
-            <p:nvPr/>
-          </p:nvCxnSpPr>
-          <p:spPr>
-            <a:xfrm flipH="1">
-              <a:off x="10292292" y="3285067"/>
-              <a:ext cx="1896534" cy="1896533"/>
-            </a:xfrm>
-            <a:prstGeom prst="line">
-              <a:avLst/>
-            </a:prstGeom>
-            <a:ln w="9525">
-              <a:solidFill>
-                <a:schemeClr val="tx1"/>
-              </a:solidFill>
-            </a:ln>
-          </p:spPr>
-          <p:style>
-            <a:lnRef idx="2">
-              <a:schemeClr val="accent1"/>
-            </a:lnRef>
-            <a:fillRef idx="0">
-              <a:schemeClr val="accent1"/>
-            </a:fillRef>
-            <a:effectRef idx="1">
-              <a:schemeClr val="accent1"/>
-            </a:effectRef>
-            <a:fontRef idx="minor">
-              <a:schemeClr val="tx1"/>
-            </a:fontRef>
-          </p:style>
-        </p:cxnSp>
-        <p:cxnSp>
-          <p:nvCxnSpPr>
-            <p:cNvPr id="11" name="Straight Connector 10"/>
-            <p:cNvCxnSpPr/>
-            <p:nvPr/>
-          </p:nvCxnSpPr>
-          <p:spPr>
-            <a:xfrm flipH="1">
-              <a:off x="10443103" y="3131080"/>
-              <a:ext cx="1745722" cy="1745720"/>
-            </a:xfrm>
-            <a:prstGeom prst="line">
-              <a:avLst/>
-            </a:prstGeom>
-            <a:ln w="28575">
-              <a:solidFill>
-                <a:schemeClr val="tx1"/>
-              </a:solidFill>
-            </a:ln>
-          </p:spPr>
-          <p:style>
-            <a:lnRef idx="2">
-              <a:schemeClr val="accent1"/>
-            </a:lnRef>
-            <a:fillRef idx="0">
-              <a:schemeClr val="accent1"/>
-            </a:fillRef>
-            <a:effectRef idx="1">
-              <a:schemeClr val="accent1"/>
-            </a:effectRef>
-            <a:fontRef idx="minor">
-              <a:schemeClr val="tx1"/>
-            </a:fontRef>
-          </p:style>
-        </p:cxnSp>
-        <p:cxnSp>
-          <p:nvCxnSpPr>
-            <p:cNvPr id="12" name="Straight Connector 11"/>
-            <p:cNvCxnSpPr/>
-            <p:nvPr/>
-          </p:nvCxnSpPr>
-          <p:spPr>
-            <a:xfrm flipH="1">
-              <a:off x="10918826" y="3683001"/>
-              <a:ext cx="1270001" cy="1269999"/>
-            </a:xfrm>
-            <a:prstGeom prst="line">
-              <a:avLst/>
-            </a:prstGeom>
-            <a:ln w="28575">
-              <a:solidFill>
-                <a:schemeClr val="tx1"/>
-              </a:solidFill>
-            </a:ln>
-          </p:spPr>
-          <p:style>
-            <a:lnRef idx="2">
-              <a:schemeClr val="accent1"/>
-            </a:lnRef>
-            <a:fillRef idx="0">
-              <a:schemeClr val="accent1"/>
-            </a:fillRef>
-            <a:effectRef idx="1">
-              <a:schemeClr val="accent1"/>
-            </a:effectRef>
-            <a:fontRef idx="minor">
-              <a:schemeClr val="tx1"/>
-            </a:fontRef>
-          </p:style>
-        </p:cxnSp>
-      </p:grpSp>
-      <p:sp>
-        <p:nvSpPr>
-          <p:cNvPr id="2" name="Title Placeholder 1"/>
+      <p:sp>
+        <p:nvSpPr>
+          <p:cNvPr id="2" name="Title Placeholder 1">
+            <a:extLst>
+              <a:ext uri="{FF2B5EF4-FFF2-40B4-BE49-F238E27FC236}">
+                <a16:creationId xmlns:a16="http://schemas.microsoft.com/office/drawing/2014/main" id="{341F4D24-1E43-44DC-966C-4E21FDD96102}"/>
+              </a:ext>
+            </a:extLst>
+          </p:cNvPr>
           <p:cNvSpPr>
             <a:spLocks noGrp="1"/>
           </p:cNvSpPr>
@@ -4997,42 +3066,8 @@
         </p:nvSpPr>
         <p:spPr>
           <a:xfrm>
-            <a:off x="684212" y="4487332"/>
-            <a:ext cx="8534400" cy="1507067"/>
-          </a:xfrm>
-          <a:prstGeom prst="rect">
-            <a:avLst/>
-          </a:prstGeom>
-          <a:effectLst/>
-        </p:spPr>
-        <p:txBody>
-          <a:bodyPr vert="horz" lIns="91440" tIns="45720" rIns="91440" bIns="45720" rtlCol="0" anchor="ctr">
-            <a:normAutofit/>
-          </a:bodyPr>
-          <a:lstStyle/>
-          <a:p>
-            <a:r>
-              <a:rPr lang="en-US"/>
-              <a:t>Click to edit Master title style</a:t>
-            </a:r>
-            <a:endParaRPr lang="en-US" dirty="0"/>
-          </a:p>
-        </p:txBody>
-      </p:sp>
-      <p:sp>
-        <p:nvSpPr>
-          <p:cNvPr id="3" name="Text Placeholder 2"/>
-          <p:cNvSpPr>
-            <a:spLocks noGrp="1"/>
-          </p:cNvSpPr>
-          <p:nvPr>
-            <p:ph type="body" idx="1"/>
-          </p:nvPr>
-        </p:nvSpPr>
-        <p:spPr>
-          <a:xfrm>
-            <a:off x="684212" y="685800"/>
-            <a:ext cx="8534400" cy="3615267"/>
+            <a:off x="838200" y="365125"/>
+            <a:ext cx="10515600" cy="1325563"/>
           </a:xfrm>
           <a:prstGeom prst="rect">
             <a:avLst/>
@@ -5044,74 +3079,115 @@
           </a:bodyPr>
           <a:lstStyle/>
           <a:p>
-            <a:pPr lvl="0"/>
             <a:r>
               <a:rPr lang="en-US"/>
-              <a:t>Edit Master text styles</a:t>
-            </a:r>
-          </a:p>
-          <a:p>
-            <a:pPr lvl="1"/>
-            <a:r>
-              <a:rPr lang="en-US"/>
-              <a:t>Second level</a:t>
-            </a:r>
-          </a:p>
-          <a:p>
-            <a:pPr lvl="2"/>
-            <a:r>
-              <a:rPr lang="en-US"/>
-              <a:t>Third level</a:t>
-            </a:r>
-          </a:p>
-          <a:p>
-            <a:pPr lvl="3"/>
-            <a:r>
-              <a:rPr lang="en-US"/>
-              <a:t>Fourth level</a:t>
-            </a:r>
-          </a:p>
-          <a:p>
-            <a:pPr lvl="4"/>
-            <a:r>
-              <a:rPr lang="en-US"/>
-              <a:t>Fifth level</a:t>
-            </a:r>
-            <a:endParaRPr lang="en-US" dirty="0"/>
-          </a:p>
-        </p:txBody>
-      </p:sp>
-      <p:sp>
-        <p:nvSpPr>
-          <p:cNvPr id="4" name="Date Placeholder 3"/>
-          <p:cNvSpPr>
-            <a:spLocks noGrp="1"/>
-          </p:cNvSpPr>
-          <p:nvPr>
-            <p:ph type="dt" sz="half" idx="2"/>
+              <a:t>Click to edit Master title style</a:t>
+            </a:r>
+          </a:p>
+        </p:txBody>
+      </p:sp>
+      <p:sp>
+        <p:nvSpPr>
+          <p:cNvPr id="3" name="Text Placeholder 2">
+            <a:extLst>
+              <a:ext uri="{FF2B5EF4-FFF2-40B4-BE49-F238E27FC236}">
+                <a16:creationId xmlns:a16="http://schemas.microsoft.com/office/drawing/2014/main" id="{64B7A776-7BF0-44F0-8C25-C78DFC8CF2FC}"/>
+              </a:ext>
+            </a:extLst>
+          </p:cNvPr>
+          <p:cNvSpPr>
+            <a:spLocks noGrp="1"/>
+          </p:cNvSpPr>
+          <p:nvPr>
+            <p:ph type="body" idx="1"/>
           </p:nvPr>
         </p:nvSpPr>
         <p:spPr>
           <a:xfrm>
-            <a:off x="9904412" y="6172200"/>
-            <a:ext cx="1600200" cy="365125"/>
+            <a:off x="838200" y="1825625"/>
+            <a:ext cx="10515600" cy="4351338"/>
           </a:xfrm>
           <a:prstGeom prst="rect">
             <a:avLst/>
           </a:prstGeom>
         </p:spPr>
         <p:txBody>
-          <a:bodyPr vert="horz" lIns="91440" tIns="45720" rIns="91440" bIns="45720" rtlCol="0" anchor="t"/>
+          <a:bodyPr vert="horz" lIns="91440" tIns="45720" rIns="91440" bIns="45720" rtlCol="0">
+            <a:normAutofit/>
+          </a:bodyPr>
+          <a:lstStyle/>
+          <a:p>
+            <a:pPr lvl="0"/>
+            <a:r>
+              <a:rPr lang="en-US"/>
+              <a:t>Edit Master text styles</a:t>
+            </a:r>
+          </a:p>
+          <a:p>
+            <a:pPr lvl="1"/>
+            <a:r>
+              <a:rPr lang="en-US"/>
+              <a:t>Second level</a:t>
+            </a:r>
+          </a:p>
+          <a:p>
+            <a:pPr lvl="2"/>
+            <a:r>
+              <a:rPr lang="en-US"/>
+              <a:t>Third level</a:t>
+            </a:r>
+          </a:p>
+          <a:p>
+            <a:pPr lvl="3"/>
+            <a:r>
+              <a:rPr lang="en-US"/>
+              <a:t>Fourth level</a:t>
+            </a:r>
+          </a:p>
+          <a:p>
+            <a:pPr lvl="4"/>
+            <a:r>
+              <a:rPr lang="en-US"/>
+              <a:t>Fifth level</a:t>
+            </a:r>
+          </a:p>
+        </p:txBody>
+      </p:sp>
+      <p:sp>
+        <p:nvSpPr>
+          <p:cNvPr id="4" name="Date Placeholder 3">
+            <a:extLst>
+              <a:ext uri="{FF2B5EF4-FFF2-40B4-BE49-F238E27FC236}">
+                <a16:creationId xmlns:a16="http://schemas.microsoft.com/office/drawing/2014/main" id="{59251ABA-FAEB-4BD5-8E6D-24B912B4CBDE}"/>
+              </a:ext>
+            </a:extLst>
+          </p:cNvPr>
+          <p:cNvSpPr>
+            <a:spLocks noGrp="1"/>
+          </p:cNvSpPr>
+          <p:nvPr>
+            <p:ph type="dt" sz="half" idx="2"/>
+          </p:nvPr>
+        </p:nvSpPr>
+        <p:spPr>
+          <a:xfrm>
+            <a:off x="838200" y="6356350"/>
+            <a:ext cx="2743200" cy="365125"/>
+          </a:xfrm>
+          <a:prstGeom prst="rect">
+            <a:avLst/>
+          </a:prstGeom>
+        </p:spPr>
+        <p:txBody>
+          <a:bodyPr vert="horz" lIns="91440" tIns="45720" rIns="91440" bIns="45720" rtlCol="0" anchor="ctr"/>
           <a:lstStyle>
-            <a:lvl1pPr algn="r">
-              <a:defRPr sz="1000" b="0" i="0">
+            <a:lvl1pPr algn="l">
+              <a:defRPr sz="1200">
                 <a:solidFill>
-                  <a:schemeClr val="bg2">
-                    <a:lumMod val="50000"/>
+                  <a:schemeClr val="tx1">
+                    <a:tint val="75000"/>
                   </a:schemeClr>
                 </a:solidFill>
-                <a:effectLst/>
-                <a:latin typeface="+mn-lt"/>
               </a:defRPr>
             </a:lvl1pPr>
           </a:lstStyle>
@@ -5126,7 +3202,13 @@
       </p:sp>
       <p:sp>
         <p:nvSpPr>
-          <p:cNvPr id="5" name="Footer Placeholder 4"/>
+          <p:cNvPr id="5" name="Footer Placeholder 4">
+            <a:extLst>
+              <a:ext uri="{FF2B5EF4-FFF2-40B4-BE49-F238E27FC236}">
+                <a16:creationId xmlns:a16="http://schemas.microsoft.com/office/drawing/2014/main" id="{7CAD9252-9707-4F70-86DA-F5486E7CF9B1}"/>
+              </a:ext>
+            </a:extLst>
+          </p:cNvPr>
           <p:cNvSpPr>
             <a:spLocks noGrp="1"/>
           </p:cNvSpPr>
@@ -5136,25 +3218,23 @@
         </p:nvSpPr>
         <p:spPr>
           <a:xfrm>
-            <a:off x="684212" y="6172200"/>
-            <a:ext cx="7543800" cy="365125"/>
+            <a:off x="4038600" y="6356350"/>
+            <a:ext cx="4114800" cy="365125"/>
           </a:xfrm>
           <a:prstGeom prst="rect">
             <a:avLst/>
           </a:prstGeom>
         </p:spPr>
         <p:txBody>
-          <a:bodyPr vert="horz" lIns="91440" tIns="45720" rIns="91440" bIns="45720" rtlCol="0" anchor="t"/>
+          <a:bodyPr vert="horz" lIns="91440" tIns="45720" rIns="91440" bIns="45720" rtlCol="0" anchor="ctr"/>
           <a:lstStyle>
-            <a:lvl1pPr algn="l">
-              <a:defRPr sz="1000" b="0" i="0">
+            <a:lvl1pPr algn="ctr">
+              <a:defRPr sz="1200">
                 <a:solidFill>
-                  <a:schemeClr val="bg2">
-                    <a:lumMod val="50000"/>
+                  <a:schemeClr val="tx1">
+                    <a:tint val="75000"/>
                   </a:schemeClr>
                 </a:solidFill>
-                <a:effectLst/>
-                <a:latin typeface="+mn-lt"/>
               </a:defRPr>
             </a:lvl1pPr>
           </a:lstStyle>
@@ -5165,7 +3245,13 @@
       </p:sp>
       <p:sp>
         <p:nvSpPr>
-          <p:cNvPr id="6" name="Slide Number Placeholder 5"/>
+          <p:cNvPr id="6" name="Slide Number Placeholder 5">
+            <a:extLst>
+              <a:ext uri="{FF2B5EF4-FFF2-40B4-BE49-F238E27FC236}">
+                <a16:creationId xmlns:a16="http://schemas.microsoft.com/office/drawing/2014/main" id="{E44C73EE-4B39-4281-B59A-FDFDDDAE370B}"/>
+              </a:ext>
+            </a:extLst>
+          </p:cNvPr>
           <p:cNvSpPr>
             <a:spLocks noGrp="1"/>
           </p:cNvSpPr>
@@ -5175,25 +3261,23 @@
         </p:nvSpPr>
         <p:spPr>
           <a:xfrm>
-            <a:off x="10363200" y="5578475"/>
-            <a:ext cx="1142245" cy="669925"/>
+            <a:off x="8610600" y="6356350"/>
+            <a:ext cx="2743200" cy="365125"/>
           </a:xfrm>
           <a:prstGeom prst="rect">
             <a:avLst/>
           </a:prstGeom>
         </p:spPr>
         <p:txBody>
-          <a:bodyPr vert="horz" lIns="91440" tIns="45720" rIns="91440" bIns="45720" rtlCol="0" anchor="b"/>
+          <a:bodyPr vert="horz" lIns="91440" tIns="45720" rIns="91440" bIns="45720" rtlCol="0" anchor="ctr"/>
           <a:lstStyle>
             <a:lvl1pPr algn="r">
-              <a:defRPr sz="3200" b="0" i="0">
+              <a:defRPr sz="1200">
                 <a:solidFill>
-                  <a:schemeClr val="bg2">
-                    <a:lumMod val="50000"/>
+                  <a:schemeClr val="tx1">
+                    <a:tint val="75000"/>
                   </a:schemeClr>
                 </a:solidFill>
-                <a:effectLst/>
-                <a:latin typeface="+mn-lt"/>
               </a:defRPr>
             </a:lvl1pPr>
           </a:lstStyle>
@@ -5209,328 +3293,202 @@
     </p:spTree>
     <p:extLst>
       <p:ext uri="{BB962C8B-B14F-4D97-AF65-F5344CB8AC3E}">
-        <p14:creationId xmlns:p14="http://schemas.microsoft.com/office/powerpoint/2010/main" val="663961808"/>
+        <p14:creationId xmlns:p14="http://schemas.microsoft.com/office/powerpoint/2010/main" val="3522124527"/>
       </p:ext>
     </p:extLst>
   </p:cSld>
-  <p:clrMap bg1="dk1" tx1="lt1" bg2="dk2" tx2="lt2" accent1="accent1" accent2="accent2" accent3="accent3" accent4="accent4" accent5="accent5" accent6="accent6" hlink="hlink" folHlink="folHlink"/>
+  <p:clrMap bg1="lt1" tx1="dk1" bg2="lt2" tx2="dk2" accent1="accent1" accent2="accent2" accent3="accent3" accent4="accent4" accent5="accent5" accent6="accent6" hlink="hlink" folHlink="folHlink"/>
   <p:sldLayoutIdLst>
-    <p:sldLayoutId id="2147483661" r:id="rId1"/>
-    <p:sldLayoutId id="2147483662" r:id="rId2"/>
-    <p:sldLayoutId id="2147483663" r:id="rId3"/>
-    <p:sldLayoutId id="2147483664" r:id="rId4"/>
-    <p:sldLayoutId id="2147483665" r:id="rId5"/>
-    <p:sldLayoutId id="2147483666" r:id="rId6"/>
-    <p:sldLayoutId id="2147483667" r:id="rId7"/>
-    <p:sldLayoutId id="2147483668" r:id="rId8"/>
-    <p:sldLayoutId id="2147483669" r:id="rId9"/>
-    <p:sldLayoutId id="2147483670" r:id="rId10"/>
-    <p:sldLayoutId id="2147483671" r:id="rId11"/>
-    <p:sldLayoutId id="2147483672" r:id="rId12"/>
-    <p:sldLayoutId id="2147483673" r:id="rId13"/>
-    <p:sldLayoutId id="2147483674" r:id="rId14"/>
-    <p:sldLayoutId id="2147483675" r:id="rId15"/>
-    <p:sldLayoutId id="2147483676" r:id="rId16"/>
-    <p:sldLayoutId id="2147483677" r:id="rId17"/>
+    <p:sldLayoutId id="2147483649" r:id="rId1"/>
+    <p:sldLayoutId id="2147483650" r:id="rId2"/>
+    <p:sldLayoutId id="2147483651" r:id="rId3"/>
+    <p:sldLayoutId id="2147483652" r:id="rId4"/>
+    <p:sldLayoutId id="2147483653" r:id="rId5"/>
+    <p:sldLayoutId id="2147483654" r:id="rId6"/>
+    <p:sldLayoutId id="2147483655" r:id="rId7"/>
+    <p:sldLayoutId id="2147483656" r:id="rId8"/>
+    <p:sldLayoutId id="2147483657" r:id="rId9"/>
+    <p:sldLayoutId id="2147483658" r:id="rId10"/>
+    <p:sldLayoutId id="2147483659" r:id="rId11"/>
   </p:sldLayoutIdLst>
   <p:txStyles>
     <p:titleStyle>
-      <a:lvl1pPr algn="l" defTabSz="457200" rtl="0" eaLnBrk="1" latinLnBrk="0" hangingPunct="1">
+      <a:lvl1pPr algn="l" defTabSz="914400" rtl="0" eaLnBrk="1" latinLnBrk="0" hangingPunct="1">
+        <a:lnSpc>
+          <a:spcPct val="90000"/>
+        </a:lnSpc>
         <a:spcBef>
           <a:spcPct val="0"/>
         </a:spcBef>
         <a:buNone/>
-        <a:defRPr sz="3600" kern="1200" cap="all">
-          <a:ln w="3175" cmpd="sng">
-            <a:noFill/>
-          </a:ln>
+        <a:defRPr sz="4400" kern="1200">
           <a:solidFill>
             <a:schemeClr val="tx1"/>
           </a:solidFill>
-          <a:effectLst/>
           <a:latin typeface="+mj-lt"/>
           <a:ea typeface="+mj-ea"/>
           <a:cs typeface="+mj-cs"/>
         </a:defRPr>
       </a:lvl1pPr>
-      <a:lvl2pPr eaLnBrk="1" hangingPunct="1">
-        <a:defRPr>
-          <a:solidFill>
-            <a:schemeClr val="tx2"/>
-          </a:solidFill>
-        </a:defRPr>
-      </a:lvl2pPr>
-      <a:lvl3pPr eaLnBrk="1" hangingPunct="1">
-        <a:defRPr>
-          <a:solidFill>
-            <a:schemeClr val="tx2"/>
-          </a:solidFill>
-        </a:defRPr>
-      </a:lvl3pPr>
-      <a:lvl4pPr eaLnBrk="1" hangingPunct="1">
-        <a:defRPr>
-          <a:solidFill>
-            <a:schemeClr val="tx2"/>
-          </a:solidFill>
-        </a:defRPr>
-      </a:lvl4pPr>
-      <a:lvl5pPr eaLnBrk="1" hangingPunct="1">
-        <a:defRPr>
-          <a:solidFill>
-            <a:schemeClr val="tx2"/>
-          </a:solidFill>
-        </a:defRPr>
-      </a:lvl5pPr>
-      <a:lvl6pPr eaLnBrk="1" hangingPunct="1">
-        <a:defRPr>
-          <a:solidFill>
-            <a:schemeClr val="tx2"/>
-          </a:solidFill>
-        </a:defRPr>
-      </a:lvl6pPr>
-      <a:lvl7pPr eaLnBrk="1" hangingPunct="1">
-        <a:defRPr>
-          <a:solidFill>
-            <a:schemeClr val="tx2"/>
-          </a:solidFill>
-        </a:defRPr>
-      </a:lvl7pPr>
-      <a:lvl8pPr eaLnBrk="1" hangingPunct="1">
-        <a:defRPr>
-          <a:solidFill>
-            <a:schemeClr val="tx2"/>
-          </a:solidFill>
-        </a:defRPr>
-      </a:lvl8pPr>
-      <a:lvl9pPr eaLnBrk="1" hangingPunct="1">
-        <a:defRPr>
-          <a:solidFill>
-            <a:schemeClr val="tx2"/>
-          </a:solidFill>
-        </a:defRPr>
-      </a:lvl9pPr>
     </p:titleStyle>
     <p:bodyStyle>
-      <a:lvl1pPr marL="285750" indent="-285750" algn="l" defTabSz="457200" rtl="0" eaLnBrk="1" latinLnBrk="0" hangingPunct="1">
+      <a:lvl1pPr marL="228600" indent="-228600" algn="l" defTabSz="914400" rtl="0" eaLnBrk="1" latinLnBrk="0" hangingPunct="1">
+        <a:lnSpc>
+          <a:spcPct val="90000"/>
+        </a:lnSpc>
         <a:spcBef>
-          <a:spcPct val="20000"/>
+          <a:spcPts val="1000"/>
         </a:spcBef>
-        <a:spcAft>
-          <a:spcPts val="600"/>
-        </a:spcAft>
-        <a:buClr>
-          <a:schemeClr val="tx1"/>
-        </a:buClr>
-        <a:buSzPct val="80000"/>
-        <a:buFont typeface="Wingdings 3" panose="05040102010807070707" pitchFamily="18" charset="2"/>
-        <a:buChar char=""/>
-        <a:defRPr sz="2000" kern="1200" cap="none">
+        <a:buFont typeface="Arial" panose="020B0604020202020204" pitchFamily="34" charset="0"/>
+        <a:buChar char="•"/>
+        <a:defRPr sz="2800" kern="1200">
           <a:solidFill>
-            <a:schemeClr val="bg2">
-              <a:lumMod val="75000"/>
-            </a:schemeClr>
+            <a:schemeClr val="tx1"/>
           </a:solidFill>
-          <a:effectLst/>
           <a:latin typeface="+mn-lt"/>
           <a:ea typeface="+mn-ea"/>
           <a:cs typeface="+mn-cs"/>
         </a:defRPr>
       </a:lvl1pPr>
-      <a:lvl2pPr marL="742950" indent="-285750" algn="l" defTabSz="457200" rtl="0" eaLnBrk="1" latinLnBrk="0" hangingPunct="1">
+      <a:lvl2pPr marL="685800" indent="-228600" algn="l" defTabSz="914400" rtl="0" eaLnBrk="1" latinLnBrk="0" hangingPunct="1">
+        <a:lnSpc>
+          <a:spcPct val="90000"/>
+        </a:lnSpc>
         <a:spcBef>
-          <a:spcPct val="20000"/>
+          <a:spcPts val="500"/>
         </a:spcBef>
-        <a:spcAft>
-          <a:spcPts val="600"/>
-        </a:spcAft>
-        <a:buClr>
-          <a:schemeClr val="tx1"/>
-        </a:buClr>
-        <a:buSzPct val="80000"/>
-        <a:buFont typeface="Wingdings 3" panose="05040102010807070707" pitchFamily="18" charset="2"/>
-        <a:buChar char=""/>
-        <a:defRPr sz="1800" kern="1200" cap="none">
+        <a:buFont typeface="Arial" panose="020B0604020202020204" pitchFamily="34" charset="0"/>
+        <a:buChar char="•"/>
+        <a:defRPr sz="2400" kern="1200">
           <a:solidFill>
-            <a:schemeClr val="bg2">
-              <a:lumMod val="75000"/>
-            </a:schemeClr>
+            <a:schemeClr val="tx1"/>
           </a:solidFill>
-          <a:effectLst/>
           <a:latin typeface="+mn-lt"/>
           <a:ea typeface="+mn-ea"/>
           <a:cs typeface="+mn-cs"/>
         </a:defRPr>
       </a:lvl2pPr>
-      <a:lvl3pPr marL="1200150" indent="-285750" algn="l" defTabSz="457200" rtl="0" eaLnBrk="1" latinLnBrk="0" hangingPunct="1">
+      <a:lvl3pPr marL="1143000" indent="-228600" algn="l" defTabSz="914400" rtl="0" eaLnBrk="1" latinLnBrk="0" hangingPunct="1">
+        <a:lnSpc>
+          <a:spcPct val="90000"/>
+        </a:lnSpc>
         <a:spcBef>
-          <a:spcPct val="20000"/>
+          <a:spcPts val="500"/>
         </a:spcBef>
-        <a:spcAft>
-          <a:spcPts val="600"/>
-        </a:spcAft>
-        <a:buClr>
-          <a:schemeClr val="tx1"/>
-        </a:buClr>
-        <a:buSzPct val="80000"/>
-        <a:buFont typeface="Wingdings 3" panose="05040102010807070707" pitchFamily="18" charset="2"/>
-        <a:buChar char=""/>
-        <a:defRPr sz="1600" kern="1200" cap="none">
+        <a:buFont typeface="Arial" panose="020B0604020202020204" pitchFamily="34" charset="0"/>
+        <a:buChar char="•"/>
+        <a:defRPr sz="2000" kern="1200">
           <a:solidFill>
-            <a:schemeClr val="bg2">
-              <a:lumMod val="75000"/>
-            </a:schemeClr>
+            <a:schemeClr val="tx1"/>
           </a:solidFill>
-          <a:effectLst/>
           <a:latin typeface="+mn-lt"/>
           <a:ea typeface="+mn-ea"/>
           <a:cs typeface="+mn-cs"/>
         </a:defRPr>
       </a:lvl3pPr>
-      <a:lvl4pPr marL="1543050" indent="-171450" algn="l" defTabSz="457200" rtl="0" eaLnBrk="1" latinLnBrk="0" hangingPunct="1">
+      <a:lvl4pPr marL="1600200" indent="-228600" algn="l" defTabSz="914400" rtl="0" eaLnBrk="1" latinLnBrk="0" hangingPunct="1">
+        <a:lnSpc>
+          <a:spcPct val="90000"/>
+        </a:lnSpc>
         <a:spcBef>
-          <a:spcPct val="20000"/>
+          <a:spcPts val="500"/>
         </a:spcBef>
-        <a:spcAft>
-          <a:spcPts val="600"/>
-        </a:spcAft>
-        <a:buClr>
-          <a:schemeClr val="tx1"/>
-        </a:buClr>
-        <a:buSzPct val="80000"/>
-        <a:buFont typeface="Wingdings 3" panose="05040102010807070707" pitchFamily="18" charset="2"/>
-        <a:buChar char=""/>
-        <a:defRPr sz="1400" kern="1200" cap="none">
+        <a:buFont typeface="Arial" panose="020B0604020202020204" pitchFamily="34" charset="0"/>
+        <a:buChar char="•"/>
+        <a:defRPr sz="1800" kern="1200">
           <a:solidFill>
-            <a:schemeClr val="bg2">
-              <a:lumMod val="75000"/>
-            </a:schemeClr>
+            <a:schemeClr val="tx1"/>
           </a:solidFill>
-          <a:effectLst/>
           <a:latin typeface="+mn-lt"/>
           <a:ea typeface="+mn-ea"/>
           <a:cs typeface="+mn-cs"/>
         </a:defRPr>
       </a:lvl4pPr>
-      <a:lvl5pPr marL="2000250" indent="-171450" algn="l" defTabSz="457200" rtl="0" eaLnBrk="1" latinLnBrk="0" hangingPunct="1">
+      <a:lvl5pPr marL="2057400" indent="-228600" algn="l" defTabSz="914400" rtl="0" eaLnBrk="1" latinLnBrk="0" hangingPunct="1">
+        <a:lnSpc>
+          <a:spcPct val="90000"/>
+        </a:lnSpc>
         <a:spcBef>
-          <a:spcPct val="20000"/>
+          <a:spcPts val="500"/>
         </a:spcBef>
-        <a:spcAft>
-          <a:spcPts val="600"/>
-        </a:spcAft>
-        <a:buClr>
-          <a:schemeClr val="tx1"/>
-        </a:buClr>
-        <a:buSzPct val="80000"/>
-        <a:buFont typeface="Wingdings 3" panose="05040102010807070707" pitchFamily="18" charset="2"/>
-        <a:buChar char=""/>
-        <a:defRPr sz="1400" kern="1200" cap="none">
+        <a:buFont typeface="Arial" panose="020B0604020202020204" pitchFamily="34" charset="0"/>
+        <a:buChar char="•"/>
+        <a:defRPr sz="1800" kern="1200">
           <a:solidFill>
-            <a:schemeClr val="bg2">
-              <a:lumMod val="75000"/>
-            </a:schemeClr>
+            <a:schemeClr val="tx1"/>
           </a:solidFill>
-          <a:effectLst/>
           <a:latin typeface="+mn-lt"/>
           <a:ea typeface="+mn-ea"/>
           <a:cs typeface="+mn-cs"/>
         </a:defRPr>
       </a:lvl5pPr>
-      <a:lvl6pPr marL="2514600" indent="-228600" algn="l" defTabSz="457200" rtl="0" eaLnBrk="1" latinLnBrk="0" hangingPunct="1">
+      <a:lvl6pPr marL="2514600" indent="-228600" algn="l" defTabSz="914400" rtl="0" eaLnBrk="1" latinLnBrk="0" hangingPunct="1">
+        <a:lnSpc>
+          <a:spcPct val="90000"/>
+        </a:lnSpc>
         <a:spcBef>
-          <a:spcPct val="20000"/>
+          <a:spcPts val="500"/>
         </a:spcBef>
-        <a:spcAft>
-          <a:spcPts val="600"/>
-        </a:spcAft>
-        <a:buClr>
-          <a:schemeClr val="tx1"/>
-        </a:buClr>
-        <a:buSzPct val="80000"/>
-        <a:buFont typeface="Wingdings 3" panose="05040102010807070707" pitchFamily="18" charset="2"/>
-        <a:buChar char=""/>
-        <a:defRPr sz="1400" kern="1200" cap="none">
+        <a:buFont typeface="Arial" panose="020B0604020202020204" pitchFamily="34" charset="0"/>
+        <a:buChar char="•"/>
+        <a:defRPr sz="1800" kern="1200">
           <a:solidFill>
-            <a:schemeClr val="bg2">
-              <a:lumMod val="75000"/>
-            </a:schemeClr>
+            <a:schemeClr val="tx1"/>
           </a:solidFill>
-          <a:effectLst/>
           <a:latin typeface="+mn-lt"/>
           <a:ea typeface="+mn-ea"/>
           <a:cs typeface="+mn-cs"/>
         </a:defRPr>
       </a:lvl6pPr>
-      <a:lvl7pPr marL="2971800" indent="-228600" algn="l" defTabSz="457200" rtl="0" eaLnBrk="1" latinLnBrk="0" hangingPunct="1">
+      <a:lvl7pPr marL="2971800" indent="-228600" algn="l" defTabSz="914400" rtl="0" eaLnBrk="1" latinLnBrk="0" hangingPunct="1">
+        <a:lnSpc>
+          <a:spcPct val="90000"/>
+        </a:lnSpc>
         <a:spcBef>
-          <a:spcPct val="20000"/>
+          <a:spcPts val="500"/>
         </a:spcBef>
-        <a:spcAft>
-          <a:spcPts val="600"/>
-        </a:spcAft>
-        <a:buClr>
-          <a:schemeClr val="tx1"/>
-        </a:buClr>
-        <a:buSzPct val="80000"/>
-        <a:buFont typeface="Wingdings 3" panose="05040102010807070707" pitchFamily="18" charset="2"/>
-        <a:buChar char=""/>
-        <a:defRPr sz="1400" kern="1200" cap="none">
+        <a:buFont typeface="Arial" panose="020B0604020202020204" pitchFamily="34" charset="0"/>
+        <a:buChar char="•"/>
+        <a:defRPr sz="1800" kern="1200">
           <a:solidFill>
-            <a:schemeClr val="bg2">
-              <a:lumMod val="75000"/>
-            </a:schemeClr>
+            <a:schemeClr val="tx1"/>
           </a:solidFill>
-          <a:effectLst/>
           <a:latin typeface="+mn-lt"/>
           <a:ea typeface="+mn-ea"/>
           <a:cs typeface="+mn-cs"/>
         </a:defRPr>
       </a:lvl7pPr>
-      <a:lvl8pPr marL="3429000" indent="-228600" algn="l" defTabSz="457200" rtl="0" eaLnBrk="1" latinLnBrk="0" hangingPunct="1">
+      <a:lvl8pPr marL="3429000" indent="-228600" algn="l" defTabSz="914400" rtl="0" eaLnBrk="1" latinLnBrk="0" hangingPunct="1">
+        <a:lnSpc>
+          <a:spcPct val="90000"/>
+        </a:lnSpc>
         <a:spcBef>
-          <a:spcPct val="20000"/>
+          <a:spcPts val="500"/>
         </a:spcBef>
-        <a:spcAft>
-          <a:spcPts val="600"/>
-        </a:spcAft>
-        <a:buClr>
-          <a:schemeClr val="tx1"/>
-        </a:buClr>
-        <a:buSzPct val="80000"/>
-        <a:buFont typeface="Wingdings 3" panose="05040102010807070707" pitchFamily="18" charset="2"/>
-        <a:buChar char=""/>
-        <a:defRPr sz="1400" kern="1200" cap="none">
+        <a:buFont typeface="Arial" panose="020B0604020202020204" pitchFamily="34" charset="0"/>
+        <a:buChar char="•"/>
+        <a:defRPr sz="1800" kern="1200">
           <a:solidFill>
-            <a:schemeClr val="bg2">
-              <a:lumMod val="75000"/>
-            </a:schemeClr>
+            <a:schemeClr val="tx1"/>
           </a:solidFill>
-          <a:effectLst/>
           <a:latin typeface="+mn-lt"/>
           <a:ea typeface="+mn-ea"/>
           <a:cs typeface="+mn-cs"/>
         </a:defRPr>
       </a:lvl8pPr>
-      <a:lvl9pPr marL="3886200" indent="-228600" algn="l" defTabSz="457200" rtl="0" eaLnBrk="1" latinLnBrk="0" hangingPunct="1">
+      <a:lvl9pPr marL="3886200" indent="-228600" algn="l" defTabSz="914400" rtl="0" eaLnBrk="1" latinLnBrk="0" hangingPunct="1">
+        <a:lnSpc>
+          <a:spcPct val="90000"/>
+        </a:lnSpc>
         <a:spcBef>
-          <a:spcPct val="20000"/>
+          <a:spcPts val="500"/>
         </a:spcBef>
-        <a:spcAft>
-          <a:spcPts val="600"/>
-        </a:spcAft>
-        <a:buClr>
-          <a:schemeClr val="tx1"/>
-        </a:buClr>
-        <a:buSzPct val="80000"/>
-        <a:buFont typeface="Wingdings 3" panose="05040102010807070707" pitchFamily="18" charset="2"/>
-        <a:buChar char=""/>
-        <a:defRPr sz="1400" kern="1200" cap="none">
+        <a:buFont typeface="Arial" panose="020B0604020202020204" pitchFamily="34" charset="0"/>
+        <a:buChar char="•"/>
+        <a:defRPr sz="1800" kern="1200">
           <a:solidFill>
-            <a:schemeClr val="bg2">
-              <a:lumMod val="75000"/>
-            </a:schemeClr>
+            <a:schemeClr val="tx1"/>
           </a:solidFill>
-          <a:effectLst/>
           <a:latin typeface="+mn-lt"/>
           <a:ea typeface="+mn-ea"/>
           <a:cs typeface="+mn-cs"/>
@@ -5541,7 +3499,7 @@
       <a:defPPr>
         <a:defRPr lang="en-US"/>
       </a:defPPr>
-      <a:lvl1pPr marL="0" algn="l" defTabSz="457200" rtl="0" eaLnBrk="1" latinLnBrk="0" hangingPunct="1">
+      <a:lvl1pPr marL="0" algn="l" defTabSz="914400" rtl="0" eaLnBrk="1" latinLnBrk="0" hangingPunct="1">
         <a:defRPr sz="1800" kern="1200">
           <a:solidFill>
             <a:schemeClr val="tx1"/>
@@ -5551,7 +3509,7 @@
           <a:cs typeface="+mn-cs"/>
         </a:defRPr>
       </a:lvl1pPr>
-      <a:lvl2pPr marL="457200" algn="l" defTabSz="457200" rtl="0" eaLnBrk="1" latinLnBrk="0" hangingPunct="1">
+      <a:lvl2pPr marL="457200" algn="l" defTabSz="914400" rtl="0" eaLnBrk="1" latinLnBrk="0" hangingPunct="1">
         <a:defRPr sz="1800" kern="1200">
           <a:solidFill>
             <a:schemeClr val="tx1"/>
@@ -5561,7 +3519,7 @@
           <a:cs typeface="+mn-cs"/>
         </a:defRPr>
       </a:lvl2pPr>
-      <a:lvl3pPr marL="914400" algn="l" defTabSz="457200" rtl="0" eaLnBrk="1" latinLnBrk="0" hangingPunct="1">
+      <a:lvl3pPr marL="914400" algn="l" defTabSz="914400" rtl="0" eaLnBrk="1" latinLnBrk="0" hangingPunct="1">
         <a:defRPr sz="1800" kern="1200">
           <a:solidFill>
             <a:schemeClr val="tx1"/>
@@ -5571,7 +3529,7 @@
           <a:cs typeface="+mn-cs"/>
         </a:defRPr>
       </a:lvl3pPr>
-      <a:lvl4pPr marL="1371600" algn="l" defTabSz="457200" rtl="0" eaLnBrk="1" latinLnBrk="0" hangingPunct="1">
+      <a:lvl4pPr marL="1371600" algn="l" defTabSz="914400" rtl="0" eaLnBrk="1" latinLnBrk="0" hangingPunct="1">
         <a:defRPr sz="1800" kern="1200">
           <a:solidFill>
             <a:schemeClr val="tx1"/>
@@ -5581,7 +3539,7 @@
           <a:cs typeface="+mn-cs"/>
         </a:defRPr>
       </a:lvl4pPr>
-      <a:lvl5pPr marL="1828800" algn="l" defTabSz="457200" rtl="0" eaLnBrk="1" latinLnBrk="0" hangingPunct="1">
+      <a:lvl5pPr marL="1828800" algn="l" defTabSz="914400" rtl="0" eaLnBrk="1" latinLnBrk="0" hangingPunct="1">
         <a:defRPr sz="1800" kern="1200">
           <a:solidFill>
             <a:schemeClr val="tx1"/>
@@ -5591,7 +3549,7 @@
           <a:cs typeface="+mn-cs"/>
         </a:defRPr>
       </a:lvl5pPr>
-      <a:lvl6pPr marL="2286000" algn="l" defTabSz="457200" rtl="0" eaLnBrk="1" latinLnBrk="0" hangingPunct="1">
+      <a:lvl6pPr marL="2286000" algn="l" defTabSz="914400" rtl="0" eaLnBrk="1" latinLnBrk="0" hangingPunct="1">
         <a:defRPr sz="1800" kern="1200">
           <a:solidFill>
             <a:schemeClr val="tx1"/>
@@ -5601,7 +3559,7 @@
           <a:cs typeface="+mn-cs"/>
         </a:defRPr>
       </a:lvl6pPr>
-      <a:lvl7pPr marL="2743200" algn="l" defTabSz="457200" rtl="0" eaLnBrk="1" latinLnBrk="0" hangingPunct="1">
+      <a:lvl7pPr marL="2743200" algn="l" defTabSz="914400" rtl="0" eaLnBrk="1" latinLnBrk="0" hangingPunct="1">
         <a:defRPr sz="1800" kern="1200">
           <a:solidFill>
             <a:schemeClr val="tx1"/>
@@ -5611,7 +3569,7 @@
           <a:cs typeface="+mn-cs"/>
         </a:defRPr>
       </a:lvl7pPr>
-      <a:lvl8pPr marL="3200400" algn="l" defTabSz="457200" rtl="0" eaLnBrk="1" latinLnBrk="0" hangingPunct="1">
+      <a:lvl8pPr marL="3200400" algn="l" defTabSz="914400" rtl="0" eaLnBrk="1" latinLnBrk="0" hangingPunct="1">
         <a:defRPr sz="1800" kern="1200">
           <a:solidFill>
             <a:schemeClr val="tx1"/>
@@ -5621,7 +3579,7 @@
           <a:cs typeface="+mn-cs"/>
         </a:defRPr>
       </a:lvl8pPr>
-      <a:lvl9pPr marL="3657600" algn="l" defTabSz="457200" rtl="0" eaLnBrk="1" latinLnBrk="0" hangingPunct="1">
+      <a:lvl9pPr marL="3657600" algn="l" defTabSz="914400" rtl="0" eaLnBrk="1" latinLnBrk="0" hangingPunct="1">
         <a:defRPr sz="1800" kern="1200">
           <a:solidFill>
             <a:schemeClr val="tx1"/>
@@ -6063,11 +4021,11 @@
       </p:sp>
       <p:pic>
         <p:nvPicPr>
-          <p:cNvPr id="6" name="Online Media 5" title="Why Communication Is Important">
+          <p:cNvPr id="4" name="Online Media 3" title="Why Communication Is Important">
             <a:hlinkClick r:id="" action="ppaction://media"/>
             <a:extLst>
               <a:ext uri="{FF2B5EF4-FFF2-40B4-BE49-F238E27FC236}">
-                <a16:creationId xmlns:a16="http://schemas.microsoft.com/office/drawing/2014/main" id="{5C20FAFD-83D3-4DF3-9505-E50A4455B4E4}"/>
+                <a16:creationId xmlns:a16="http://schemas.microsoft.com/office/drawing/2014/main" id="{C54A99FF-ECE2-4524-80CC-CD2A4F9128A3}"/>
               </a:ext>
             </a:extLst>
           </p:cNvPr>
@@ -6087,8 +4045,8 @@
         </p:blipFill>
         <p:spPr>
           <a:xfrm>
-            <a:off x="2665413" y="1208088"/>
-            <a:ext cx="4572000" cy="2571750"/>
+            <a:off x="0" y="0"/>
+            <a:ext cx="12192000" cy="6858000"/>
           </a:xfrm>
           <a:prstGeom prst="rect">
             <a:avLst/>
@@ -6445,7 +4403,7 @@
         <p:spPr/>
         <p:txBody>
           <a:bodyPr>
-            <a:normAutofit fontScale="70000" lnSpcReduction="20000"/>
+            <a:normAutofit fontScale="92500" lnSpcReduction="20000"/>
           </a:bodyPr>
           <a:lstStyle/>
           <a:p>
@@ -7422,7 +5380,7 @@
         <p:spPr/>
         <p:txBody>
           <a:bodyPr>
-            <a:normAutofit lnSpcReduction="10000"/>
+            <a:normAutofit/>
           </a:bodyPr>
           <a:lstStyle/>
           <a:p>
@@ -7448,15 +5406,7 @@
             <a:pPr algn="ctr"/>
             <a:r>
               <a:rPr lang="en-US" dirty="0"/>
-              <a:t>Ask your team or read the </a:t>
-            </a:r>
-            <a:r>
-              <a:rPr lang="en-US" dirty="0" err="1"/>
-              <a:t>docpac</a:t>
-            </a:r>
-            <a:r>
-              <a:rPr lang="en-US" dirty="0"/>
-              <a:t> on what we are we doing</a:t>
+              <a:t>Ask what are we doing</a:t>
             </a:r>
           </a:p>
           <a:p>
@@ -8280,9 +6230,7 @@
         </p:nvSpPr>
         <p:spPr/>
         <p:txBody>
-          <a:bodyPr>
-            <a:normAutofit fontScale="90000"/>
-          </a:bodyPr>
+          <a:bodyPr/>
           <a:lstStyle/>
           <a:p>
             <a:r>
@@ -8673,9 +6621,9 @@
 </file>
 
 <file path=ppt/theme/theme1.xml><?xml version="1.0" encoding="utf-8"?>
-<a:theme xmlns:a="http://schemas.openxmlformats.org/drawingml/2006/main" name="Slice">
+<a:theme xmlns:a="http://schemas.openxmlformats.org/drawingml/2006/main" name="Office Theme">
   <a:themeElements>
-    <a:clrScheme name="Slice">
+    <a:clrScheme name="Office">
       <a:dk1>
         <a:sysClr val="windowText" lastClr="000000"/>
       </a:dk1>
@@ -8683,48 +6631,100 @@
         <a:sysClr val="window" lastClr="FFFFFF"/>
       </a:lt1>
       <a:dk2>
-        <a:srgbClr val="146194"/>
+        <a:srgbClr val="44546A"/>
       </a:dk2>
       <a:lt2>
-        <a:srgbClr val="76DBF4"/>
+        <a:srgbClr val="E7E6E6"/>
       </a:lt2>
       <a:accent1>
-        <a:srgbClr val="052F61"/>
+        <a:srgbClr val="4472C4"/>
       </a:accent1>
       <a:accent2>
-        <a:srgbClr val="A50E82"/>
+        <a:srgbClr val="ED7D31"/>
       </a:accent2>
       <a:accent3>
-        <a:srgbClr val="14967C"/>
+        <a:srgbClr val="A5A5A5"/>
       </a:accent3>
       <a:accent4>
-        <a:srgbClr val="6A9E1F"/>
+        <a:srgbClr val="FFC000"/>
       </a:accent4>
       <a:accent5>
-        <a:srgbClr val="E87D37"/>
+        <a:srgbClr val="5B9BD5"/>
       </a:accent5>
       <a:accent6>
-        <a:srgbClr val="C62324"/>
+        <a:srgbClr val="70AD47"/>
       </a:accent6>
       <a:hlink>
-        <a:srgbClr val="0D2E46"/>
+        <a:srgbClr val="0563C1"/>
       </a:hlink>
       <a:folHlink>
-        <a:srgbClr val="356A95"/>
+        <a:srgbClr val="954F72"/>
       </a:folHlink>
     </a:clrScheme>
-    <a:fontScheme name="Slice">
+    <a:fontScheme name="Office">
       <a:majorFont>
-        <a:latin typeface="Century Gothic" panose="020B0502020202020204"/>
+        <a:latin typeface="Calibri Light" panose="020F0302020204030204"/>
         <a:ea typeface=""/>
         <a:cs typeface=""/>
-        <a:font script="Jpan" typeface="メイリオ"/>
-        <a:font script="Hang" typeface="HY중고딕"/>
-        <a:font script="Hans" typeface="幼圆"/>
-        <a:font script="Hant" typeface="微軟正黑體"/>
-        <a:font script="Arab" typeface="Tahoma"/>
-        <a:font script="Hebr" typeface="Gisha"/>
-        <a:font script="Thai" typeface="DilleniaUPC"/>
+        <a:font script="Jpan" typeface="游ゴシック Light"/>
+        <a:font script="Hang" typeface="맑은 고딕"/>
+        <a:font script="Hans" typeface="等线 Light"/>
+        <a:font script="Hant" typeface="新細明體"/>
+        <a:font script="Arab" typeface="Times New Roman"/>
+        <a:font script="Hebr" typeface="Times New Roman"/>
+        <a:font script="Thai" typeface="Angsana New"/>
+        <a:font script="Ethi" typeface="Nyala"/>
+        <a:font script="Beng" typeface="Vrinda"/>
+        <a:font script="Gujr" typeface="Shruti"/>
+        <a:font script="Khmr" typeface="MoolBoran"/>
+        <a:font script="Knda" typeface="Tunga"/>
+        <a:font script="Guru" typeface="Raavi"/>
+        <a:font script="Cans" typeface="Euphemia"/>
+        <a:font script="Cher" typeface="Plantagenet Cherokee"/>
+        <a:font script="Yiii" typeface="Microsoft Yi Baiti"/>
+        <a:font script="Tibt" typeface="Microsoft Himalaya"/>
+        <a:font script="Thaa" typeface="MV Boli"/>
+        <a:font script="Deva" typeface="Mangal"/>
+        <a:font script="Telu" typeface="Gautami"/>
+        <a:font script="Taml" typeface="Latha"/>
+        <a:font script="Syrc" typeface="Estrangelo Edessa"/>
+        <a:font script="Orya" typeface="Kalinga"/>
+        <a:font script="Mlym" typeface="Kartika"/>
+        <a:font script="Laoo" typeface="DokChampa"/>
+        <a:font script="Sinh" typeface="Iskoola Pota"/>
+        <a:font script="Mong" typeface="Mongolian Baiti"/>
+        <a:font script="Viet" typeface="Times New Roman"/>
+        <a:font script="Uigh" typeface="Microsoft Uighur"/>
+        <a:font script="Geor" typeface="Sylfaen"/>
+        <a:font script="Armn" typeface="Arial"/>
+        <a:font script="Bugi" typeface="Leelawadee UI"/>
+        <a:font script="Bopo" typeface="Microsoft JhengHei"/>
+        <a:font script="Java" typeface="Javanese Text"/>
+        <a:font script="Lisu" typeface="Segoe UI"/>
+        <a:font script="Mymr" typeface="Myanmar Text"/>
+        <a:font script="Nkoo" typeface="Ebrima"/>
+        <a:font script="Olck" typeface="Nirmala UI"/>
+        <a:font script="Osma" typeface="Ebrima"/>
+        <a:font script="Phag" typeface="Phagspa"/>
+        <a:font script="Syrn" typeface="Estrangelo Edessa"/>
+        <a:font script="Syrj" typeface="Estrangelo Edessa"/>
+        <a:font script="Syre" typeface="Estrangelo Edessa"/>
+        <a:font script="Sora" typeface="Nirmala UI"/>
+        <a:font script="Tale" typeface="Microsoft Tai Le"/>
+        <a:font script="Talu" typeface="Microsoft New Tai Lue"/>
+        <a:font script="Tfng" typeface="Ebrima"/>
+      </a:majorFont>
+      <a:minorFont>
+        <a:latin typeface="Calibri" panose="020F0502020204030204"/>
+        <a:ea typeface=""/>
+        <a:cs typeface=""/>
+        <a:font script="Jpan" typeface="游ゴシック"/>
+        <a:font script="Hang" typeface="맑은 고딕"/>
+        <a:font script="Hans" typeface="等线"/>
+        <a:font script="Hant" typeface="新細明體"/>
+        <a:font script="Arab" typeface="Arial"/>
+        <a:font script="Hebr" typeface="Arial"/>
+        <a:font script="Thai" typeface="Cordia New"/>
         <a:font script="Ethi" typeface="Nyala"/>
         <a:font script="Beng" typeface="Vrinda"/>
         <a:font script="Gujr" typeface="Shruti"/>
@@ -8745,47 +6745,29 @@
         <a:font script="Laoo" typeface="DokChampa"/>
         <a:font script="Sinh" typeface="Iskoola Pota"/>
         <a:font script="Mong" typeface="Mongolian Baiti"/>
-        <a:font script="Viet" typeface="Tahoma"/>
+        <a:font script="Viet" typeface="Arial"/>
         <a:font script="Uigh" typeface="Microsoft Uighur"/>
         <a:font script="Geor" typeface="Sylfaen"/>
-      </a:majorFont>
-      <a:minorFont>
-        <a:latin typeface="Century Gothic" panose="020B0502020202020204"/>
-        <a:ea typeface=""/>
-        <a:cs typeface=""/>
-        <a:font script="Jpan" typeface="メイリオ"/>
-        <a:font script="Hang" typeface="HY중고딕"/>
-        <a:font script="Hans" typeface="幼圆"/>
-        <a:font script="Hant" typeface="微軟正黑體"/>
-        <a:font script="Arab" typeface="Tahoma"/>
-        <a:font script="Hebr" typeface="Gisha"/>
-        <a:font script="Thai" typeface="DilleniaUPC"/>
-        <a:font script="Ethi" typeface="Nyala"/>
-        <a:font script="Beng" typeface="Vrinda"/>
-        <a:font script="Gujr" typeface="Shruti"/>
-        <a:font script="Khmr" typeface="DaunPenh"/>
-        <a:font script="Knda" typeface="Tunga"/>
-        <a:font script="Guru" typeface="Raavi"/>
-        <a:font script="Cans" typeface="Euphemia"/>
-        <a:font script="Cher" typeface="Plantagenet Cherokee"/>
-        <a:font script="Yiii" typeface="Microsoft Yi Baiti"/>
-        <a:font script="Tibt" typeface="Microsoft Himalaya"/>
-        <a:font script="Thaa" typeface="MV Boli"/>
-        <a:font script="Deva" typeface="Mangal"/>
-        <a:font script="Telu" typeface="Gautami"/>
-        <a:font script="Taml" typeface="Latha"/>
-        <a:font script="Syrc" typeface="Estrangelo Edessa"/>
-        <a:font script="Orya" typeface="Kalinga"/>
-        <a:font script="Mlym" typeface="Kartika"/>
-        <a:font script="Laoo" typeface="DokChampa"/>
-        <a:font script="Sinh" typeface="Iskoola Pota"/>
-        <a:font script="Mong" typeface="Mongolian Baiti"/>
-        <a:font script="Viet" typeface="Tahoma"/>
-        <a:font script="Uigh" typeface="Microsoft Uighur"/>
-        <a:font script="Geor" typeface="Sylfaen"/>
+        <a:font script="Armn" typeface="Arial"/>
+        <a:font script="Bugi" typeface="Leelawadee UI"/>
+        <a:font script="Bopo" typeface="Microsoft JhengHei"/>
+        <a:font script="Java" typeface="Javanese Text"/>
+        <a:font script="Lisu" typeface="Segoe UI"/>
+        <a:font script="Mymr" typeface="Myanmar Text"/>
+        <a:font script="Nkoo" typeface="Ebrima"/>
+        <a:font script="Olck" typeface="Nirmala UI"/>
+        <a:font script="Osma" typeface="Ebrima"/>
+        <a:font script="Phag" typeface="Phagspa"/>
+        <a:font script="Syrn" typeface="Estrangelo Edessa"/>
+        <a:font script="Syrj" typeface="Estrangelo Edessa"/>
+        <a:font script="Syre" typeface="Estrangelo Edessa"/>
+        <a:font script="Sora" typeface="Nirmala UI"/>
+        <a:font script="Tale" typeface="Microsoft Tai Le"/>
+        <a:font script="Talu" typeface="Microsoft New Tai Lue"/>
+        <a:font script="Tfng" typeface="Ebrima"/>
       </a:minorFont>
     </a:fontScheme>
-    <a:fmtScheme name="Slice">
+    <a:fmtScheme name="Office">
       <a:fillStyleLst>
         <a:solidFill>
           <a:schemeClr val="phClr"/>
@@ -8794,16 +6776,23 @@
           <a:gsLst>
             <a:gs pos="0">
               <a:schemeClr val="phClr">
-                <a:tint val="62000"/>
-                <a:hueMod val="94000"/>
-                <a:satMod val="140000"/>
                 <a:lumMod val="110000"/>
+                <a:satMod val="105000"/>
+                <a:tint val="67000"/>
+              </a:schemeClr>
+            </a:gs>
+            <a:gs pos="50000">
+              <a:schemeClr val="phClr">
+                <a:lumMod val="105000"/>
+                <a:satMod val="103000"/>
+                <a:tint val="73000"/>
               </a:schemeClr>
             </a:gs>
             <a:gs pos="100000">
               <a:schemeClr val="phClr">
-                <a:tint val="84000"/>
-                <a:satMod val="160000"/>
+                <a:lumMod val="105000"/>
+                <a:satMod val="109000"/>
+                <a:tint val="81000"/>
               </a:schemeClr>
             </a:gs>
           </a:gsLst>
@@ -8813,16 +6802,23 @@
           <a:gsLst>
             <a:gs pos="0">
               <a:schemeClr val="phClr">
-                <a:tint val="98000"/>
-                <a:hueMod val="94000"/>
-                <a:satMod val="130000"/>
-                <a:lumMod val="128000"/>
+                <a:satMod val="103000"/>
+                <a:lumMod val="102000"/>
+                <a:tint val="94000"/>
+              </a:schemeClr>
+            </a:gs>
+            <a:gs pos="50000">
+              <a:schemeClr val="phClr">
+                <a:satMod val="110000"/>
+                <a:lumMod val="100000"/>
+                <a:shade val="100000"/>
               </a:schemeClr>
             </a:gs>
             <a:gs pos="100000">
               <a:schemeClr val="phClr">
-                <a:shade val="94000"/>
-                <a:lumMod val="88000"/>
+                <a:lumMod val="99000"/>
+                <a:satMod val="120000"/>
+                <a:shade val="78000"/>
               </a:schemeClr>
             </a:gs>
           </a:gsLst>
@@ -8830,29 +6826,26 @@
         </a:gradFill>
       </a:fillStyleLst>
       <a:lnStyleLst>
-        <a:ln w="9525" cap="rnd" cmpd="sng" algn="ctr">
-          <a:solidFill>
-            <a:schemeClr val="phClr">
-              <a:tint val="76000"/>
-              <a:alpha val="60000"/>
-              <a:hueMod val="94000"/>
-            </a:schemeClr>
-          </a:solidFill>
-          <a:prstDash val="solid"/>
-        </a:ln>
-        <a:ln w="15875" cap="rnd" cmpd="sng" algn="ctr">
-          <a:solidFill>
-            <a:schemeClr val="phClr">
-              <a:hueMod val="94000"/>
-            </a:schemeClr>
-          </a:solidFill>
-          <a:prstDash val="solid"/>
-        </a:ln>
-        <a:ln w="28575" cap="rnd" cmpd="sng" algn="ctr">
+        <a:ln w="6350" cap="flat" cmpd="sng" algn="ctr">
           <a:solidFill>
             <a:schemeClr val="phClr"/>
           </a:solidFill>
           <a:prstDash val="solid"/>
+          <a:miter lim="800000"/>
+        </a:ln>
+        <a:ln w="12700" cap="flat" cmpd="sng" algn="ctr">
+          <a:solidFill>
+            <a:schemeClr val="phClr"/>
+          </a:solidFill>
+          <a:prstDash val="solid"/>
+          <a:miter lim="800000"/>
+        </a:ln>
+        <a:ln w="19050" cap="flat" cmpd="sng" algn="ctr">
+          <a:solidFill>
+            <a:schemeClr val="phClr"/>
+          </a:solidFill>
+          <a:prstDash val="solid"/>
+          <a:miter lim="800000"/>
         </a:ln>
       </a:lnStyleLst>
       <a:effectStyleLst>
@@ -8860,78 +6853,54 @@
           <a:effectLst/>
         </a:effectStyle>
         <a:effectStyle>
-          <a:effectLst>
-            <a:innerShdw blurRad="25400" dist="12700" dir="13500000">
-              <a:srgbClr val="000000">
-                <a:alpha val="45000"/>
-              </a:srgbClr>
-            </a:innerShdw>
-          </a:effectLst>
+          <a:effectLst/>
         </a:effectStyle>
         <a:effectStyle>
           <a:effectLst>
-            <a:outerShdw blurRad="50800" dist="38100" dir="5400000" rotWithShape="0">
+            <a:outerShdw blurRad="57150" dist="19050" dir="5400000" algn="ctr" rotWithShape="0">
               <a:srgbClr val="000000">
-                <a:alpha val="46000"/>
+                <a:alpha val="63000"/>
               </a:srgbClr>
             </a:outerShdw>
           </a:effectLst>
-          <a:scene3d>
-            <a:camera prst="orthographicFront">
-              <a:rot lat="0" lon="0" rev="0"/>
-            </a:camera>
-            <a:lightRig rig="threePt" dir="t"/>
-          </a:scene3d>
-          <a:sp3d prstMaterial="plastic">
-            <a:bevelT w="25400" h="25400"/>
-          </a:sp3d>
         </a:effectStyle>
       </a:effectStyleLst>
       <a:bgFillStyleLst>
         <a:solidFill>
           <a:schemeClr val="phClr"/>
         </a:solidFill>
+        <a:solidFill>
+          <a:schemeClr val="phClr">
+            <a:tint val="95000"/>
+            <a:satMod val="170000"/>
+          </a:schemeClr>
+        </a:solidFill>
         <a:gradFill rotWithShape="1">
           <a:gsLst>
-            <a:gs pos="10000">
+            <a:gs pos="0">
               <a:schemeClr val="phClr">
-                <a:tint val="97000"/>
-                <a:hueMod val="92000"/>
-                <a:satMod val="169000"/>
-                <a:lumMod val="164000"/>
+                <a:tint val="93000"/>
+                <a:satMod val="150000"/>
+                <a:shade val="98000"/>
+                <a:lumMod val="102000"/>
+              </a:schemeClr>
+            </a:gs>
+            <a:gs pos="50000">
+              <a:schemeClr val="phClr">
+                <a:tint val="98000"/>
+                <a:satMod val="130000"/>
+                <a:shade val="90000"/>
+                <a:lumMod val="103000"/>
               </a:schemeClr>
             </a:gs>
             <a:gs pos="100000">
               <a:schemeClr val="phClr">
-                <a:shade val="96000"/>
+                <a:shade val="63000"/>
                 <a:satMod val="120000"/>
-                <a:lumMod val="90000"/>
               </a:schemeClr>
             </a:gs>
           </a:gsLst>
-          <a:lin ang="6120000" scaled="1"/>
-        </a:gradFill>
-        <a:gradFill rotWithShape="1">
-          <a:gsLst>
-            <a:gs pos="0">
-              <a:schemeClr val="phClr">
-                <a:tint val="97000"/>
-                <a:hueMod val="92000"/>
-                <a:satMod val="169000"/>
-                <a:lumMod val="164000"/>
-              </a:schemeClr>
-            </a:gs>
-            <a:gs pos="100000">
-              <a:schemeClr val="phClr">
-                <a:shade val="96000"/>
-                <a:satMod val="120000"/>
-                <a:lumMod val="90000"/>
-              </a:schemeClr>
-            </a:gs>
-          </a:gsLst>
-          <a:path path="circle">
-            <a:fillToRect b="100000"/>
-          </a:path>
+          <a:lin ang="5400000" scaled="0"/>
         </a:gradFill>
       </a:bgFillStyleLst>
     </a:fmtScheme>
@@ -8940,7 +6909,7 @@
   <a:extraClrSchemeLst/>
   <a:extLst>
     <a:ext uri="{05A4C25C-085E-4340-85A3-A5531E510DB2}">
-      <thm15:themeFamily xmlns:thm15="http://schemas.microsoft.com/office/thememl/2012/main" name="Slice" id="{0507925B-6AC9-4358-8E18-C330545D08F8}" vid="{13FEC7C6-62A9-40C4-99D2-581AACACAA2F}"/>
+      <thm15:themeFamily xmlns:thm15="http://schemas.microsoft.com/office/thememl/2012/main" name="Office Theme" id="{62F939B6-93AF-4DB8-9C6B-D6C7DFDC589F}" vid="{4A3C46E8-61CC-4603-A589-7422A47A8E4A}"/>
     </a:ext>
   </a:extLst>
 </a:theme>

--- a/docpac_mar18/Presentation.pptx
+++ b/docpac_mar18/Presentation.pptx
@@ -2,7 +2,7 @@
 <file path=ppt/presentation.xml><?xml version="1.0" encoding="utf-8"?>
 <p:presentation xmlns:a="http://schemas.openxmlformats.org/drawingml/2006/main" xmlns:r="http://schemas.openxmlformats.org/officeDocument/2006/relationships" xmlns:p="http://schemas.openxmlformats.org/presentationml/2006/main" saveSubsetFonts="1">
   <p:sldMasterIdLst>
-    <p:sldMasterId id="2147483648" r:id="rId1"/>
+    <p:sldMasterId id="2147483660" r:id="rId1"/>
   </p:sldMasterIdLst>
   <p:sldIdLst>
     <p:sldId id="256" r:id="rId2"/>
@@ -25,7 +25,7 @@
     <a:defPPr>
       <a:defRPr lang="en-US"/>
     </a:defPPr>
-    <a:lvl1pPr marL="0" algn="l" defTabSz="914400" rtl="0" eaLnBrk="1" latinLnBrk="0" hangingPunct="1">
+    <a:lvl1pPr marL="0" algn="l" defTabSz="457200" rtl="0" eaLnBrk="1" latinLnBrk="0" hangingPunct="1">
       <a:defRPr sz="1800" kern="1200">
         <a:solidFill>
           <a:schemeClr val="tx1"/>
@@ -35,7 +35,7 @@
         <a:cs typeface="+mn-cs"/>
       </a:defRPr>
     </a:lvl1pPr>
-    <a:lvl2pPr marL="457200" algn="l" defTabSz="914400" rtl="0" eaLnBrk="1" latinLnBrk="0" hangingPunct="1">
+    <a:lvl2pPr marL="457200" algn="l" defTabSz="457200" rtl="0" eaLnBrk="1" latinLnBrk="0" hangingPunct="1">
       <a:defRPr sz="1800" kern="1200">
         <a:solidFill>
           <a:schemeClr val="tx1"/>
@@ -45,7 +45,7 @@
         <a:cs typeface="+mn-cs"/>
       </a:defRPr>
     </a:lvl2pPr>
-    <a:lvl3pPr marL="914400" algn="l" defTabSz="914400" rtl="0" eaLnBrk="1" latinLnBrk="0" hangingPunct="1">
+    <a:lvl3pPr marL="914400" algn="l" defTabSz="457200" rtl="0" eaLnBrk="1" latinLnBrk="0" hangingPunct="1">
       <a:defRPr sz="1800" kern="1200">
         <a:solidFill>
           <a:schemeClr val="tx1"/>
@@ -55,7 +55,7 @@
         <a:cs typeface="+mn-cs"/>
       </a:defRPr>
     </a:lvl3pPr>
-    <a:lvl4pPr marL="1371600" algn="l" defTabSz="914400" rtl="0" eaLnBrk="1" latinLnBrk="0" hangingPunct="1">
+    <a:lvl4pPr marL="1371600" algn="l" defTabSz="457200" rtl="0" eaLnBrk="1" latinLnBrk="0" hangingPunct="1">
       <a:defRPr sz="1800" kern="1200">
         <a:solidFill>
           <a:schemeClr val="tx1"/>
@@ -65,7 +65,7 @@
         <a:cs typeface="+mn-cs"/>
       </a:defRPr>
     </a:lvl4pPr>
-    <a:lvl5pPr marL="1828800" algn="l" defTabSz="914400" rtl="0" eaLnBrk="1" latinLnBrk="0" hangingPunct="1">
+    <a:lvl5pPr marL="1828800" algn="l" defTabSz="457200" rtl="0" eaLnBrk="1" latinLnBrk="0" hangingPunct="1">
       <a:defRPr sz="1800" kern="1200">
         <a:solidFill>
           <a:schemeClr val="tx1"/>
@@ -75,7 +75,7 @@
         <a:cs typeface="+mn-cs"/>
       </a:defRPr>
     </a:lvl5pPr>
-    <a:lvl6pPr marL="2286000" algn="l" defTabSz="914400" rtl="0" eaLnBrk="1" latinLnBrk="0" hangingPunct="1">
+    <a:lvl6pPr marL="2286000" algn="l" defTabSz="457200" rtl="0" eaLnBrk="1" latinLnBrk="0" hangingPunct="1">
       <a:defRPr sz="1800" kern="1200">
         <a:solidFill>
           <a:schemeClr val="tx1"/>
@@ -85,7 +85,7 @@
         <a:cs typeface="+mn-cs"/>
       </a:defRPr>
     </a:lvl6pPr>
-    <a:lvl7pPr marL="2743200" algn="l" defTabSz="914400" rtl="0" eaLnBrk="1" latinLnBrk="0" hangingPunct="1">
+    <a:lvl7pPr marL="2743200" algn="l" defTabSz="457200" rtl="0" eaLnBrk="1" latinLnBrk="0" hangingPunct="1">
       <a:defRPr sz="1800" kern="1200">
         <a:solidFill>
           <a:schemeClr val="tx1"/>
@@ -95,7 +95,7 @@
         <a:cs typeface="+mn-cs"/>
       </a:defRPr>
     </a:lvl7pPr>
-    <a:lvl8pPr marL="3200400" algn="l" defTabSz="914400" rtl="0" eaLnBrk="1" latinLnBrk="0" hangingPunct="1">
+    <a:lvl8pPr marL="3200400" algn="l" defTabSz="457200" rtl="0" eaLnBrk="1" latinLnBrk="0" hangingPunct="1">
       <a:defRPr sz="1800" kern="1200">
         <a:solidFill>
           <a:schemeClr val="tx1"/>
@@ -105,7 +105,7 @@
         <a:cs typeface="+mn-cs"/>
       </a:defRPr>
     </a:lvl8pPr>
-    <a:lvl9pPr marL="3657600" algn="l" defTabSz="914400" rtl="0" eaLnBrk="1" latinLnBrk="0" hangingPunct="1">
+    <a:lvl9pPr marL="3657600" algn="l" defTabSz="457200" rtl="0" eaLnBrk="1" latinLnBrk="0" hangingPunct="1">
       <a:defRPr sz="1800" kern="1200">
         <a:solidFill>
           <a:schemeClr val="tx1"/>
@@ -398,7 +398,7 @@
 </file>
 
 <file path=ppt/slideLayouts/slideLayout1.xml><?xml version="1.0" encoding="utf-8"?>
-<p:sldLayout xmlns:a="http://schemas.openxmlformats.org/drawingml/2006/main" xmlns:r="http://schemas.openxmlformats.org/officeDocument/2006/relationships" xmlns:p="http://schemas.openxmlformats.org/presentationml/2006/main" type="title" preserve="1">
+<p:sldLayout xmlns:a="http://schemas.openxmlformats.org/drawingml/2006/main" xmlns:r="http://schemas.openxmlformats.org/officeDocument/2006/relationships" xmlns:p="http://schemas.openxmlformats.org/presentationml/2006/main" showMasterSp="0" type="title" preserve="1">
   <p:cSld name="Title Slide">
     <p:spTree>
       <p:nvGrpSpPr>
@@ -416,13 +416,7 @@
       </p:grpSpPr>
       <p:sp>
         <p:nvSpPr>
-          <p:cNvPr id="2" name="Title 1">
-            <a:extLst>
-              <a:ext uri="{FF2B5EF4-FFF2-40B4-BE49-F238E27FC236}">
-                <a16:creationId xmlns:a16="http://schemas.microsoft.com/office/drawing/2014/main" id="{7F65085E-7491-458E-90EF-1E03C93DEC5C}"/>
-              </a:ext>
-            </a:extLst>
-          </p:cNvPr>
+          <p:cNvPr id="2" name="Title 1"/>
           <p:cNvSpPr>
             <a:spLocks noGrp="1"/>
           </p:cNvSpPr>
@@ -432,15 +426,19 @@
         </p:nvSpPr>
         <p:spPr>
           <a:xfrm>
-            <a:off x="1524000" y="1122363"/>
-            <a:ext cx="9144000" cy="2387600"/>
+            <a:off x="684212" y="685799"/>
+            <a:ext cx="8001000" cy="2971801"/>
           </a:xfrm>
         </p:spPr>
         <p:txBody>
-          <a:bodyPr anchor="b"/>
+          <a:bodyPr anchor="b">
+            <a:normAutofit/>
+          </a:bodyPr>
           <a:lstStyle>
-            <a:lvl1pPr algn="ctr">
-              <a:defRPr sz="6000"/>
+            <a:lvl1pPr algn="l">
+              <a:defRPr sz="4800">
+                <a:effectLst/>
+              </a:defRPr>
             </a:lvl1pPr>
           </a:lstStyle>
           <a:p>
@@ -448,18 +446,13 @@
               <a:rPr lang="en-US"/>
               <a:t>Click to edit Master title style</a:t>
             </a:r>
-          </a:p>
-        </p:txBody>
-      </p:sp>
-      <p:sp>
-        <p:nvSpPr>
-          <p:cNvPr id="3" name="Subtitle 2">
-            <a:extLst>
-              <a:ext uri="{FF2B5EF4-FFF2-40B4-BE49-F238E27FC236}">
-                <a16:creationId xmlns:a16="http://schemas.microsoft.com/office/drawing/2014/main" id="{1BA061D5-722A-4D51-812F-6DE1BF211CC4}"/>
-              </a:ext>
-            </a:extLst>
-          </p:cNvPr>
+            <a:endParaRPr lang="en-US" dirty="0"/>
+          </a:p>
+        </p:txBody>
+      </p:sp>
+      <p:sp>
+        <p:nvSpPr>
+          <p:cNvPr id="3" name="Subtitle 2"/>
           <p:cNvSpPr>
             <a:spLocks noGrp="1"/>
           </p:cNvSpPr>
@@ -469,48 +462,104 @@
         </p:nvSpPr>
         <p:spPr>
           <a:xfrm>
-            <a:off x="1524000" y="3602038"/>
-            <a:ext cx="9144000" cy="1655762"/>
+            <a:off x="684212" y="3843867"/>
+            <a:ext cx="6400800" cy="1947333"/>
           </a:xfrm>
         </p:spPr>
         <p:txBody>
-          <a:bodyPr/>
+          <a:bodyPr anchor="t">
+            <a:normAutofit/>
+          </a:bodyPr>
           <a:lstStyle>
-            <a:lvl1pPr marL="0" indent="0" algn="ctr">
-              <a:buNone/>
-              <a:defRPr sz="2400"/>
+            <a:lvl1pPr marL="0" indent="0" algn="l">
+              <a:buNone/>
+              <a:defRPr sz="2100">
+                <a:solidFill>
+                  <a:schemeClr val="bg2">
+                    <a:lumMod val="75000"/>
+                  </a:schemeClr>
+                </a:solidFill>
+              </a:defRPr>
             </a:lvl1pPr>
             <a:lvl2pPr marL="457200" indent="0" algn="ctr">
               <a:buNone/>
-              <a:defRPr sz="2000"/>
+              <a:defRPr>
+                <a:solidFill>
+                  <a:schemeClr val="tx1">
+                    <a:tint val="75000"/>
+                  </a:schemeClr>
+                </a:solidFill>
+              </a:defRPr>
             </a:lvl2pPr>
             <a:lvl3pPr marL="914400" indent="0" algn="ctr">
               <a:buNone/>
-              <a:defRPr sz="1800"/>
+              <a:defRPr>
+                <a:solidFill>
+                  <a:schemeClr val="tx1">
+                    <a:tint val="75000"/>
+                  </a:schemeClr>
+                </a:solidFill>
+              </a:defRPr>
             </a:lvl3pPr>
             <a:lvl4pPr marL="1371600" indent="0" algn="ctr">
               <a:buNone/>
-              <a:defRPr sz="1600"/>
+              <a:defRPr>
+                <a:solidFill>
+                  <a:schemeClr val="tx1">
+                    <a:tint val="75000"/>
+                  </a:schemeClr>
+                </a:solidFill>
+              </a:defRPr>
             </a:lvl4pPr>
             <a:lvl5pPr marL="1828800" indent="0" algn="ctr">
               <a:buNone/>
-              <a:defRPr sz="1600"/>
+              <a:defRPr>
+                <a:solidFill>
+                  <a:schemeClr val="tx1">
+                    <a:tint val="75000"/>
+                  </a:schemeClr>
+                </a:solidFill>
+              </a:defRPr>
             </a:lvl5pPr>
             <a:lvl6pPr marL="2286000" indent="0" algn="ctr">
               <a:buNone/>
-              <a:defRPr sz="1600"/>
+              <a:defRPr>
+                <a:solidFill>
+                  <a:schemeClr val="tx1">
+                    <a:tint val="75000"/>
+                  </a:schemeClr>
+                </a:solidFill>
+              </a:defRPr>
             </a:lvl6pPr>
             <a:lvl7pPr marL="2743200" indent="0" algn="ctr">
               <a:buNone/>
-              <a:defRPr sz="1600"/>
+              <a:defRPr>
+                <a:solidFill>
+                  <a:schemeClr val="tx1">
+                    <a:tint val="75000"/>
+                  </a:schemeClr>
+                </a:solidFill>
+              </a:defRPr>
             </a:lvl7pPr>
             <a:lvl8pPr marL="3200400" indent="0" algn="ctr">
               <a:buNone/>
-              <a:defRPr sz="1600"/>
+              <a:defRPr>
+                <a:solidFill>
+                  <a:schemeClr val="tx1">
+                    <a:tint val="75000"/>
+                  </a:schemeClr>
+                </a:solidFill>
+              </a:defRPr>
             </a:lvl8pPr>
             <a:lvl9pPr marL="3657600" indent="0" algn="ctr">
               <a:buNone/>
-              <a:defRPr sz="1600"/>
+              <a:defRPr>
+                <a:solidFill>
+                  <a:schemeClr val="tx1">
+                    <a:tint val="75000"/>
+                  </a:schemeClr>
+                </a:solidFill>
+              </a:defRPr>
             </a:lvl9pPr>
           </a:lstStyle>
           <a:p>
@@ -518,18 +567,13 @@
               <a:rPr lang="en-US"/>
               <a:t>Click to edit Master subtitle style</a:t>
             </a:r>
-          </a:p>
-        </p:txBody>
-      </p:sp>
-      <p:sp>
-        <p:nvSpPr>
-          <p:cNvPr id="4" name="Date Placeholder 3">
-            <a:extLst>
-              <a:ext uri="{FF2B5EF4-FFF2-40B4-BE49-F238E27FC236}">
-                <a16:creationId xmlns:a16="http://schemas.microsoft.com/office/drawing/2014/main" id="{F4EDF1C2-42E5-4B83-9DDB-5A23C5687CA2}"/>
-              </a:ext>
-            </a:extLst>
-          </p:cNvPr>
+            <a:endParaRPr lang="en-US" dirty="0"/>
+          </a:p>
+        </p:txBody>
+      </p:sp>
+      <p:sp>
+        <p:nvSpPr>
+          <p:cNvPr id="4" name="Date Placeholder 3"/>
           <p:cNvSpPr>
             <a:spLocks noGrp="1"/>
           </p:cNvSpPr>
@@ -552,13 +596,7 @@
       </p:sp>
       <p:sp>
         <p:nvSpPr>
-          <p:cNvPr id="5" name="Footer Placeholder 4">
-            <a:extLst>
-              <a:ext uri="{FF2B5EF4-FFF2-40B4-BE49-F238E27FC236}">
-                <a16:creationId xmlns:a16="http://schemas.microsoft.com/office/drawing/2014/main" id="{698513B4-D0B9-4B63-8842-8B8829F7DBBF}"/>
-              </a:ext>
-            </a:extLst>
-          </p:cNvPr>
+          <p:cNvPr id="5" name="Footer Placeholder 4"/>
           <p:cNvSpPr>
             <a:spLocks noGrp="1"/>
           </p:cNvSpPr>
@@ -577,13 +615,7 @@
       </p:sp>
       <p:sp>
         <p:nvSpPr>
-          <p:cNvPr id="6" name="Slide Number Placeholder 5">
-            <a:extLst>
-              <a:ext uri="{FF2B5EF4-FFF2-40B4-BE49-F238E27FC236}">
-                <a16:creationId xmlns:a16="http://schemas.microsoft.com/office/drawing/2014/main" id="{049AE01D-E2BA-42B9-A03D-18CEA04B0FE7}"/>
-              </a:ext>
-            </a:extLst>
-          </p:cNvPr>
+          <p:cNvPr id="6" name="Slide Number Placeholder 5"/>
           <p:cNvSpPr>
             <a:spLocks noGrp="1"/>
           </p:cNvSpPr>
@@ -604,10 +636,185 @@
           </a:p>
         </p:txBody>
       </p:sp>
+      <p:cxnSp>
+        <p:nvCxnSpPr>
+          <p:cNvPr id="16" name="Straight Connector 15"/>
+          <p:cNvCxnSpPr/>
+          <p:nvPr/>
+        </p:nvCxnSpPr>
+        <p:spPr>
+          <a:xfrm flipH="1">
+            <a:off x="8228012" y="8467"/>
+            <a:ext cx="3810000" cy="3810000"/>
+          </a:xfrm>
+          <a:prstGeom prst="line">
+            <a:avLst/>
+          </a:prstGeom>
+          <a:ln w="12700">
+            <a:solidFill>
+              <a:schemeClr val="tx1"/>
+            </a:solidFill>
+          </a:ln>
+        </p:spPr>
+        <p:style>
+          <a:lnRef idx="2">
+            <a:schemeClr val="accent1"/>
+          </a:lnRef>
+          <a:fillRef idx="0">
+            <a:schemeClr val="accent1"/>
+          </a:fillRef>
+          <a:effectRef idx="1">
+            <a:schemeClr val="accent1"/>
+          </a:effectRef>
+          <a:fontRef idx="minor">
+            <a:schemeClr val="tx1"/>
+          </a:fontRef>
+        </p:style>
+      </p:cxnSp>
+      <p:cxnSp>
+        <p:nvCxnSpPr>
+          <p:cNvPr id="17" name="Straight Connector 16"/>
+          <p:cNvCxnSpPr/>
+          <p:nvPr/>
+        </p:nvCxnSpPr>
+        <p:spPr>
+          <a:xfrm flipH="1">
+            <a:off x="6108170" y="91545"/>
+            <a:ext cx="6080655" cy="6080655"/>
+          </a:xfrm>
+          <a:prstGeom prst="line">
+            <a:avLst/>
+          </a:prstGeom>
+          <a:ln w="12700">
+            <a:solidFill>
+              <a:schemeClr val="tx1"/>
+            </a:solidFill>
+          </a:ln>
+        </p:spPr>
+        <p:style>
+          <a:lnRef idx="2">
+            <a:schemeClr val="accent1"/>
+          </a:lnRef>
+          <a:fillRef idx="0">
+            <a:schemeClr val="accent1"/>
+          </a:fillRef>
+          <a:effectRef idx="1">
+            <a:schemeClr val="accent1"/>
+          </a:effectRef>
+          <a:fontRef idx="minor">
+            <a:schemeClr val="tx1"/>
+          </a:fontRef>
+        </p:style>
+      </p:cxnSp>
+      <p:cxnSp>
+        <p:nvCxnSpPr>
+          <p:cNvPr id="19" name="Straight Connector 18"/>
+          <p:cNvCxnSpPr/>
+          <p:nvPr/>
+        </p:nvCxnSpPr>
+        <p:spPr>
+          <a:xfrm flipH="1">
+            <a:off x="7235825" y="228600"/>
+            <a:ext cx="4953000" cy="4953000"/>
+          </a:xfrm>
+          <a:prstGeom prst="line">
+            <a:avLst/>
+          </a:prstGeom>
+          <a:ln w="12700">
+            <a:solidFill>
+              <a:schemeClr val="tx1"/>
+            </a:solidFill>
+          </a:ln>
+        </p:spPr>
+        <p:style>
+          <a:lnRef idx="2">
+            <a:schemeClr val="accent1"/>
+          </a:lnRef>
+          <a:fillRef idx="0">
+            <a:schemeClr val="accent1"/>
+          </a:fillRef>
+          <a:effectRef idx="1">
+            <a:schemeClr val="accent1"/>
+          </a:effectRef>
+          <a:fontRef idx="minor">
+            <a:schemeClr val="tx1"/>
+          </a:fontRef>
+        </p:style>
+      </p:cxnSp>
+      <p:cxnSp>
+        <p:nvCxnSpPr>
+          <p:cNvPr id="21" name="Straight Connector 20"/>
+          <p:cNvCxnSpPr/>
+          <p:nvPr/>
+        </p:nvCxnSpPr>
+        <p:spPr>
+          <a:xfrm flipH="1">
+            <a:off x="7335837" y="32278"/>
+            <a:ext cx="4852989" cy="4852989"/>
+          </a:xfrm>
+          <a:prstGeom prst="line">
+            <a:avLst/>
+          </a:prstGeom>
+          <a:ln w="31750">
+            <a:solidFill>
+              <a:schemeClr val="tx1"/>
+            </a:solidFill>
+          </a:ln>
+        </p:spPr>
+        <p:style>
+          <a:lnRef idx="2">
+            <a:schemeClr val="accent1"/>
+          </a:lnRef>
+          <a:fillRef idx="0">
+            <a:schemeClr val="accent1"/>
+          </a:fillRef>
+          <a:effectRef idx="1">
+            <a:schemeClr val="accent1"/>
+          </a:effectRef>
+          <a:fontRef idx="minor">
+            <a:schemeClr val="tx1"/>
+          </a:fontRef>
+        </p:style>
+      </p:cxnSp>
+      <p:cxnSp>
+        <p:nvCxnSpPr>
+          <p:cNvPr id="23" name="Straight Connector 22"/>
+          <p:cNvCxnSpPr/>
+          <p:nvPr/>
+        </p:nvCxnSpPr>
+        <p:spPr>
+          <a:xfrm flipH="1">
+            <a:off x="7845426" y="609601"/>
+            <a:ext cx="4343399" cy="4343399"/>
+          </a:xfrm>
+          <a:prstGeom prst="line">
+            <a:avLst/>
+          </a:prstGeom>
+          <a:ln w="31750">
+            <a:solidFill>
+              <a:schemeClr val="tx1"/>
+            </a:solidFill>
+          </a:ln>
+        </p:spPr>
+        <p:style>
+          <a:lnRef idx="2">
+            <a:schemeClr val="accent1"/>
+          </a:lnRef>
+          <a:fillRef idx="0">
+            <a:schemeClr val="accent1"/>
+          </a:fillRef>
+          <a:effectRef idx="1">
+            <a:schemeClr val="accent1"/>
+          </a:effectRef>
+          <a:fontRef idx="minor">
+            <a:schemeClr val="tx1"/>
+          </a:fontRef>
+        </p:style>
+      </p:cxnSp>
     </p:spTree>
     <p:extLst>
       <p:ext uri="{BB962C8B-B14F-4D97-AF65-F5344CB8AC3E}">
-        <p14:creationId xmlns:p14="http://schemas.microsoft.com/office/powerpoint/2010/main" val="802021653"/>
+        <p14:creationId xmlns:p14="http://schemas.microsoft.com/office/powerpoint/2010/main" val="3421178044"/>
       </p:ext>
     </p:extLst>
   </p:cSld>
@@ -618,6 +825,1812 @@
 </file>
 
 <file path=ppt/slideLayouts/slideLayout10.xml><?xml version="1.0" encoding="utf-8"?>
+<p:sldLayout xmlns:a="http://schemas.openxmlformats.org/drawingml/2006/main" xmlns:r="http://schemas.openxmlformats.org/officeDocument/2006/relationships" xmlns:p="http://schemas.openxmlformats.org/presentationml/2006/main" preserve="1">
+  <p:cSld name="Panoramic Picture with Caption">
+    <p:spTree>
+      <p:nvGrpSpPr>
+        <p:cNvPr id="1" name=""/>
+        <p:cNvGrpSpPr/>
+        <p:nvPr/>
+      </p:nvGrpSpPr>
+      <p:grpSpPr>
+        <a:xfrm>
+          <a:off x="0" y="0"/>
+          <a:ext cx="0" cy="0"/>
+          <a:chOff x="0" y="0"/>
+          <a:chExt cx="0" cy="0"/>
+        </a:xfrm>
+      </p:grpSpPr>
+      <p:sp>
+        <p:nvSpPr>
+          <p:cNvPr id="2" name="Title 1"/>
+          <p:cNvSpPr>
+            <a:spLocks noGrp="1"/>
+          </p:cNvSpPr>
+          <p:nvPr>
+            <p:ph type="title"/>
+          </p:nvPr>
+        </p:nvSpPr>
+        <p:spPr/>
+        <p:txBody>
+          <a:bodyPr/>
+          <a:lstStyle/>
+          <a:p>
+            <a:r>
+              <a:rPr lang="en-US"/>
+              <a:t>Click to edit Master title style</a:t>
+            </a:r>
+            <a:endParaRPr lang="en-US" dirty="0"/>
+          </a:p>
+        </p:txBody>
+      </p:sp>
+      <p:sp>
+        <p:nvSpPr>
+          <p:cNvPr id="17" name="Picture Placeholder 2"/>
+          <p:cNvSpPr>
+            <a:spLocks noGrp="1" noChangeAspect="1"/>
+          </p:cNvSpPr>
+          <p:nvPr>
+            <p:ph type="pic" idx="13"/>
+          </p:nvPr>
+        </p:nvSpPr>
+        <p:spPr>
+          <a:xfrm>
+            <a:off x="685800" y="533400"/>
+            <a:ext cx="10818812" cy="3124200"/>
+          </a:xfrm>
+          <a:prstGeom prst="snip2DiagRect">
+            <a:avLst>
+              <a:gd name="adj1" fmla="val 10815"/>
+              <a:gd name="adj2" fmla="val 0"/>
+            </a:avLst>
+          </a:prstGeom>
+          <a:ln w="15875">
+            <a:solidFill>
+              <a:schemeClr val="tx1">
+                <a:alpha val="40000"/>
+              </a:schemeClr>
+            </a:solidFill>
+          </a:ln>
+          <a:effectLst>
+            <a:innerShdw blurRad="57150" dist="38100" dir="14460000">
+              <a:srgbClr val="000000">
+                <a:alpha val="70000"/>
+              </a:srgbClr>
+            </a:innerShdw>
+          </a:effectLst>
+        </p:spPr>
+        <p:txBody>
+          <a:bodyPr anchor="t">
+            <a:normAutofit/>
+          </a:bodyPr>
+          <a:lstStyle>
+            <a:lvl1pPr marL="0" indent="0" algn="ctr">
+              <a:buNone/>
+              <a:defRPr sz="1600"/>
+            </a:lvl1pPr>
+            <a:lvl2pPr marL="457200" indent="0">
+              <a:buNone/>
+              <a:defRPr sz="1600"/>
+            </a:lvl2pPr>
+            <a:lvl3pPr marL="914400" indent="0">
+              <a:buNone/>
+              <a:defRPr sz="1600"/>
+            </a:lvl3pPr>
+            <a:lvl4pPr marL="1371600" indent="0">
+              <a:buNone/>
+              <a:defRPr sz="1600"/>
+            </a:lvl4pPr>
+            <a:lvl5pPr marL="1828800" indent="0">
+              <a:buNone/>
+              <a:defRPr sz="1600"/>
+            </a:lvl5pPr>
+            <a:lvl6pPr marL="2286000" indent="0">
+              <a:buNone/>
+              <a:defRPr sz="1600"/>
+            </a:lvl6pPr>
+            <a:lvl7pPr marL="2743200" indent="0">
+              <a:buNone/>
+              <a:defRPr sz="1600"/>
+            </a:lvl7pPr>
+            <a:lvl8pPr marL="3200400" indent="0">
+              <a:buNone/>
+              <a:defRPr sz="1600"/>
+            </a:lvl8pPr>
+            <a:lvl9pPr marL="3657600" indent="0">
+              <a:buNone/>
+              <a:defRPr sz="1600"/>
+            </a:lvl9pPr>
+          </a:lstStyle>
+          <a:p>
+            <a:r>
+              <a:rPr lang="en-US"/>
+              <a:t>Click icon to add picture</a:t>
+            </a:r>
+            <a:endParaRPr lang="en-US" dirty="0"/>
+          </a:p>
+        </p:txBody>
+      </p:sp>
+      <p:sp>
+        <p:nvSpPr>
+          <p:cNvPr id="16" name="Text Placeholder 9"/>
+          <p:cNvSpPr>
+            <a:spLocks noGrp="1"/>
+          </p:cNvSpPr>
+          <p:nvPr>
+            <p:ph type="body" sz="quarter" idx="14"/>
+          </p:nvPr>
+        </p:nvSpPr>
+        <p:spPr>
+          <a:xfrm>
+            <a:off x="914402" y="3843867"/>
+            <a:ext cx="8304210" cy="457200"/>
+          </a:xfrm>
+        </p:spPr>
+        <p:txBody>
+          <a:bodyPr anchor="t">
+            <a:normAutofit/>
+          </a:bodyPr>
+          <a:lstStyle>
+            <a:lvl1pPr marL="0" indent="0">
+              <a:buFontTx/>
+              <a:buNone/>
+              <a:defRPr sz="1600"/>
+            </a:lvl1pPr>
+            <a:lvl2pPr marL="457200" indent="0">
+              <a:buFontTx/>
+              <a:buNone/>
+              <a:defRPr/>
+            </a:lvl2pPr>
+            <a:lvl3pPr marL="914400" indent="0">
+              <a:buFontTx/>
+              <a:buNone/>
+              <a:defRPr/>
+            </a:lvl3pPr>
+            <a:lvl4pPr marL="1371600" indent="0">
+              <a:buFontTx/>
+              <a:buNone/>
+              <a:defRPr/>
+            </a:lvl4pPr>
+            <a:lvl5pPr marL="1828800" indent="0">
+              <a:buFontTx/>
+              <a:buNone/>
+              <a:defRPr/>
+            </a:lvl5pPr>
+          </a:lstStyle>
+          <a:p>
+            <a:pPr lvl="0"/>
+            <a:r>
+              <a:rPr lang="en-US"/>
+              <a:t>Edit Master text styles</a:t>
+            </a:r>
+          </a:p>
+        </p:txBody>
+      </p:sp>
+      <p:sp>
+        <p:nvSpPr>
+          <p:cNvPr id="3" name="Date Placeholder 2"/>
+          <p:cNvSpPr>
+            <a:spLocks noGrp="1"/>
+          </p:cNvSpPr>
+          <p:nvPr>
+            <p:ph type="dt" sz="half" idx="10"/>
+          </p:nvPr>
+        </p:nvSpPr>
+        <p:spPr/>
+        <p:txBody>
+          <a:bodyPr/>
+          <a:lstStyle/>
+          <a:p>
+            <a:fld id="{597F59F5-6EDF-45CD-943B-829C40AA6758}" type="datetimeFigureOut">
+              <a:rPr lang="en-US" smtClean="0"/>
+              <a:t>3/16/2022</a:t>
+            </a:fld>
+            <a:endParaRPr lang="en-US"/>
+          </a:p>
+        </p:txBody>
+      </p:sp>
+      <p:sp>
+        <p:nvSpPr>
+          <p:cNvPr id="4" name="Footer Placeholder 3"/>
+          <p:cNvSpPr>
+            <a:spLocks noGrp="1"/>
+          </p:cNvSpPr>
+          <p:nvPr>
+            <p:ph type="ftr" sz="quarter" idx="11"/>
+          </p:nvPr>
+        </p:nvSpPr>
+        <p:spPr/>
+        <p:txBody>
+          <a:bodyPr/>
+          <a:lstStyle/>
+          <a:p>
+            <a:endParaRPr lang="en-US"/>
+          </a:p>
+        </p:txBody>
+      </p:sp>
+      <p:sp>
+        <p:nvSpPr>
+          <p:cNvPr id="5" name="Slide Number Placeholder 4"/>
+          <p:cNvSpPr>
+            <a:spLocks noGrp="1"/>
+          </p:cNvSpPr>
+          <p:nvPr>
+            <p:ph type="sldNum" sz="quarter" idx="12"/>
+          </p:nvPr>
+        </p:nvSpPr>
+        <p:spPr/>
+        <p:txBody>
+          <a:bodyPr/>
+          <a:lstStyle/>
+          <a:p>
+            <a:fld id="{9EA2DD1F-6B4A-489E-8EAA-AE675F17C5C9}" type="slidenum">
+              <a:rPr lang="en-US" smtClean="0"/>
+              <a:t>‹#›</a:t>
+            </a:fld>
+            <a:endParaRPr lang="en-US"/>
+          </a:p>
+        </p:txBody>
+      </p:sp>
+    </p:spTree>
+    <p:extLst>
+      <p:ext uri="{BB962C8B-B14F-4D97-AF65-F5344CB8AC3E}">
+        <p14:creationId xmlns:p14="http://schemas.microsoft.com/office/powerpoint/2010/main" val="2737710965"/>
+      </p:ext>
+    </p:extLst>
+  </p:cSld>
+  <p:clrMapOvr>
+    <a:masterClrMapping/>
+  </p:clrMapOvr>
+</p:sldLayout>
+</file>
+
+<file path=ppt/slideLayouts/slideLayout11.xml><?xml version="1.0" encoding="utf-8"?>
+<p:sldLayout xmlns:a="http://schemas.openxmlformats.org/drawingml/2006/main" xmlns:r="http://schemas.openxmlformats.org/officeDocument/2006/relationships" xmlns:p="http://schemas.openxmlformats.org/presentationml/2006/main" preserve="1">
+  <p:cSld name="Title and Caption">
+    <p:spTree>
+      <p:nvGrpSpPr>
+        <p:cNvPr id="1" name=""/>
+        <p:cNvGrpSpPr/>
+        <p:nvPr/>
+      </p:nvGrpSpPr>
+      <p:grpSpPr>
+        <a:xfrm>
+          <a:off x="0" y="0"/>
+          <a:ext cx="0" cy="0"/>
+          <a:chOff x="0" y="0"/>
+          <a:chExt cx="0" cy="0"/>
+        </a:xfrm>
+      </p:grpSpPr>
+      <p:sp>
+        <p:nvSpPr>
+          <p:cNvPr id="2" name="Title 1"/>
+          <p:cNvSpPr>
+            <a:spLocks noGrp="1"/>
+          </p:cNvSpPr>
+          <p:nvPr>
+            <p:ph type="title"/>
+          </p:nvPr>
+        </p:nvSpPr>
+        <p:spPr>
+          <a:xfrm>
+            <a:off x="684213" y="685800"/>
+            <a:ext cx="10058400" cy="2743200"/>
+          </a:xfrm>
+        </p:spPr>
+        <p:txBody>
+          <a:bodyPr anchor="ctr">
+            <a:normAutofit/>
+          </a:bodyPr>
+          <a:lstStyle>
+            <a:lvl1pPr algn="l">
+              <a:defRPr sz="3200" b="0" cap="all"/>
+            </a:lvl1pPr>
+          </a:lstStyle>
+          <a:p>
+            <a:r>
+              <a:rPr lang="en-US"/>
+              <a:t>Click to edit Master title style</a:t>
+            </a:r>
+            <a:endParaRPr lang="en-US" dirty="0"/>
+          </a:p>
+        </p:txBody>
+      </p:sp>
+      <p:sp>
+        <p:nvSpPr>
+          <p:cNvPr id="3" name="Text Placeholder 2"/>
+          <p:cNvSpPr>
+            <a:spLocks noGrp="1"/>
+          </p:cNvSpPr>
+          <p:nvPr>
+            <p:ph type="body" idx="1"/>
+          </p:nvPr>
+        </p:nvSpPr>
+        <p:spPr>
+          <a:xfrm>
+            <a:off x="684212" y="4114800"/>
+            <a:ext cx="8535988" cy="1879600"/>
+          </a:xfrm>
+        </p:spPr>
+        <p:txBody>
+          <a:bodyPr anchor="ctr">
+            <a:normAutofit/>
+          </a:bodyPr>
+          <a:lstStyle>
+            <a:lvl1pPr marL="0" indent="0" algn="l">
+              <a:buNone/>
+              <a:defRPr sz="2000">
+                <a:solidFill>
+                  <a:schemeClr val="bg2">
+                    <a:lumMod val="75000"/>
+                  </a:schemeClr>
+                </a:solidFill>
+              </a:defRPr>
+            </a:lvl1pPr>
+            <a:lvl2pPr marL="457200" indent="0">
+              <a:buNone/>
+              <a:defRPr sz="1800">
+                <a:solidFill>
+                  <a:schemeClr val="tx1">
+                    <a:tint val="75000"/>
+                  </a:schemeClr>
+                </a:solidFill>
+              </a:defRPr>
+            </a:lvl2pPr>
+            <a:lvl3pPr marL="914400" indent="0">
+              <a:buNone/>
+              <a:defRPr sz="1600">
+                <a:solidFill>
+                  <a:schemeClr val="tx1">
+                    <a:tint val="75000"/>
+                  </a:schemeClr>
+                </a:solidFill>
+              </a:defRPr>
+            </a:lvl3pPr>
+            <a:lvl4pPr marL="1371600" indent="0">
+              <a:buNone/>
+              <a:defRPr sz="1400">
+                <a:solidFill>
+                  <a:schemeClr val="tx1">
+                    <a:tint val="75000"/>
+                  </a:schemeClr>
+                </a:solidFill>
+              </a:defRPr>
+            </a:lvl4pPr>
+            <a:lvl5pPr marL="1828800" indent="0">
+              <a:buNone/>
+              <a:defRPr sz="1400">
+                <a:solidFill>
+                  <a:schemeClr val="tx1">
+                    <a:tint val="75000"/>
+                  </a:schemeClr>
+                </a:solidFill>
+              </a:defRPr>
+            </a:lvl5pPr>
+            <a:lvl6pPr marL="2286000" indent="0">
+              <a:buNone/>
+              <a:defRPr sz="1400">
+                <a:solidFill>
+                  <a:schemeClr val="tx1">
+                    <a:tint val="75000"/>
+                  </a:schemeClr>
+                </a:solidFill>
+              </a:defRPr>
+            </a:lvl6pPr>
+            <a:lvl7pPr marL="2743200" indent="0">
+              <a:buNone/>
+              <a:defRPr sz="1400">
+                <a:solidFill>
+                  <a:schemeClr val="tx1">
+                    <a:tint val="75000"/>
+                  </a:schemeClr>
+                </a:solidFill>
+              </a:defRPr>
+            </a:lvl7pPr>
+            <a:lvl8pPr marL="3200400" indent="0">
+              <a:buNone/>
+              <a:defRPr sz="1400">
+                <a:solidFill>
+                  <a:schemeClr val="tx1">
+                    <a:tint val="75000"/>
+                  </a:schemeClr>
+                </a:solidFill>
+              </a:defRPr>
+            </a:lvl8pPr>
+            <a:lvl9pPr marL="3657600" indent="0">
+              <a:buNone/>
+              <a:defRPr sz="1400">
+                <a:solidFill>
+                  <a:schemeClr val="tx1">
+                    <a:tint val="75000"/>
+                  </a:schemeClr>
+                </a:solidFill>
+              </a:defRPr>
+            </a:lvl9pPr>
+          </a:lstStyle>
+          <a:p>
+            <a:pPr lvl="0"/>
+            <a:r>
+              <a:rPr lang="en-US"/>
+              <a:t>Edit Master text styles</a:t>
+            </a:r>
+          </a:p>
+        </p:txBody>
+      </p:sp>
+      <p:sp>
+        <p:nvSpPr>
+          <p:cNvPr id="4" name="Date Placeholder 3"/>
+          <p:cNvSpPr>
+            <a:spLocks noGrp="1"/>
+          </p:cNvSpPr>
+          <p:nvPr>
+            <p:ph type="dt" sz="half" idx="10"/>
+          </p:nvPr>
+        </p:nvSpPr>
+        <p:spPr/>
+        <p:txBody>
+          <a:bodyPr/>
+          <a:lstStyle/>
+          <a:p>
+            <a:fld id="{597F59F5-6EDF-45CD-943B-829C40AA6758}" type="datetimeFigureOut">
+              <a:rPr lang="en-US" smtClean="0"/>
+              <a:t>3/16/2022</a:t>
+            </a:fld>
+            <a:endParaRPr lang="en-US"/>
+          </a:p>
+        </p:txBody>
+      </p:sp>
+      <p:sp>
+        <p:nvSpPr>
+          <p:cNvPr id="5" name="Footer Placeholder 4"/>
+          <p:cNvSpPr>
+            <a:spLocks noGrp="1"/>
+          </p:cNvSpPr>
+          <p:nvPr>
+            <p:ph type="ftr" sz="quarter" idx="11"/>
+          </p:nvPr>
+        </p:nvSpPr>
+        <p:spPr/>
+        <p:txBody>
+          <a:bodyPr/>
+          <a:lstStyle/>
+          <a:p>
+            <a:endParaRPr lang="en-US"/>
+          </a:p>
+        </p:txBody>
+      </p:sp>
+      <p:sp>
+        <p:nvSpPr>
+          <p:cNvPr id="6" name="Slide Number Placeholder 5"/>
+          <p:cNvSpPr>
+            <a:spLocks noGrp="1"/>
+          </p:cNvSpPr>
+          <p:nvPr>
+            <p:ph type="sldNum" sz="quarter" idx="12"/>
+          </p:nvPr>
+        </p:nvSpPr>
+        <p:spPr/>
+        <p:txBody>
+          <a:bodyPr/>
+          <a:lstStyle/>
+          <a:p>
+            <a:fld id="{9EA2DD1F-6B4A-489E-8EAA-AE675F17C5C9}" type="slidenum">
+              <a:rPr lang="en-US" smtClean="0"/>
+              <a:t>‹#›</a:t>
+            </a:fld>
+            <a:endParaRPr lang="en-US"/>
+          </a:p>
+        </p:txBody>
+      </p:sp>
+    </p:spTree>
+    <p:extLst>
+      <p:ext uri="{BB962C8B-B14F-4D97-AF65-F5344CB8AC3E}">
+        <p14:creationId xmlns:p14="http://schemas.microsoft.com/office/powerpoint/2010/main" val="3764964622"/>
+      </p:ext>
+    </p:extLst>
+  </p:cSld>
+  <p:clrMapOvr>
+    <a:masterClrMapping/>
+  </p:clrMapOvr>
+</p:sldLayout>
+</file>
+
+<file path=ppt/slideLayouts/slideLayout12.xml><?xml version="1.0" encoding="utf-8"?>
+<p:sldLayout xmlns:a="http://schemas.openxmlformats.org/drawingml/2006/main" xmlns:r="http://schemas.openxmlformats.org/officeDocument/2006/relationships" xmlns:p="http://schemas.openxmlformats.org/presentationml/2006/main" preserve="1">
+  <p:cSld name="Quote with Caption">
+    <p:spTree>
+      <p:nvGrpSpPr>
+        <p:cNvPr id="1" name=""/>
+        <p:cNvGrpSpPr/>
+        <p:nvPr/>
+      </p:nvGrpSpPr>
+      <p:grpSpPr>
+        <a:xfrm>
+          <a:off x="0" y="0"/>
+          <a:ext cx="0" cy="0"/>
+          <a:chOff x="0" y="0"/>
+          <a:chExt cx="0" cy="0"/>
+        </a:xfrm>
+      </p:grpSpPr>
+      <p:sp>
+        <p:nvSpPr>
+          <p:cNvPr id="2" name="Title 1"/>
+          <p:cNvSpPr>
+            <a:spLocks noGrp="1"/>
+          </p:cNvSpPr>
+          <p:nvPr>
+            <p:ph type="title"/>
+          </p:nvPr>
+        </p:nvSpPr>
+        <p:spPr>
+          <a:xfrm>
+            <a:off x="1141411" y="685800"/>
+            <a:ext cx="9144001" cy="2743200"/>
+          </a:xfrm>
+        </p:spPr>
+        <p:txBody>
+          <a:bodyPr anchor="ctr">
+            <a:normAutofit/>
+          </a:bodyPr>
+          <a:lstStyle>
+            <a:lvl1pPr algn="l">
+              <a:defRPr sz="3200" b="0" cap="all">
+                <a:solidFill>
+                  <a:schemeClr val="tx1"/>
+                </a:solidFill>
+              </a:defRPr>
+            </a:lvl1pPr>
+          </a:lstStyle>
+          <a:p>
+            <a:r>
+              <a:rPr lang="en-US"/>
+              <a:t>Click to edit Master title style</a:t>
+            </a:r>
+            <a:endParaRPr lang="en-US" dirty="0"/>
+          </a:p>
+        </p:txBody>
+      </p:sp>
+      <p:sp>
+        <p:nvSpPr>
+          <p:cNvPr id="10" name="Text Placeholder 9"/>
+          <p:cNvSpPr>
+            <a:spLocks noGrp="1"/>
+          </p:cNvSpPr>
+          <p:nvPr>
+            <p:ph type="body" sz="quarter" idx="13"/>
+          </p:nvPr>
+        </p:nvSpPr>
+        <p:spPr>
+          <a:xfrm>
+            <a:off x="1446212" y="3429000"/>
+            <a:ext cx="8534400" cy="381000"/>
+          </a:xfrm>
+        </p:spPr>
+        <p:txBody>
+          <a:bodyPr anchor="ctr"/>
+          <a:lstStyle>
+            <a:lvl1pPr marL="0" indent="0">
+              <a:buFontTx/>
+              <a:buNone/>
+              <a:defRPr/>
+            </a:lvl1pPr>
+            <a:lvl2pPr marL="457200" indent="0">
+              <a:buFontTx/>
+              <a:buNone/>
+              <a:defRPr/>
+            </a:lvl2pPr>
+            <a:lvl3pPr marL="914400" indent="0">
+              <a:buFontTx/>
+              <a:buNone/>
+              <a:defRPr/>
+            </a:lvl3pPr>
+            <a:lvl4pPr marL="1371600" indent="0">
+              <a:buFontTx/>
+              <a:buNone/>
+              <a:defRPr/>
+            </a:lvl4pPr>
+            <a:lvl5pPr marL="1828800" indent="0">
+              <a:buFontTx/>
+              <a:buNone/>
+              <a:defRPr/>
+            </a:lvl5pPr>
+          </a:lstStyle>
+          <a:p>
+            <a:pPr lvl="0"/>
+            <a:r>
+              <a:rPr lang="en-US"/>
+              <a:t>Edit Master text styles</a:t>
+            </a:r>
+          </a:p>
+        </p:txBody>
+      </p:sp>
+      <p:sp>
+        <p:nvSpPr>
+          <p:cNvPr id="3" name="Text Placeholder 2"/>
+          <p:cNvSpPr>
+            <a:spLocks noGrp="1"/>
+          </p:cNvSpPr>
+          <p:nvPr>
+            <p:ph type="body" idx="1"/>
+          </p:nvPr>
+        </p:nvSpPr>
+        <p:spPr>
+          <a:xfrm>
+            <a:off x="684213" y="4301067"/>
+            <a:ext cx="8534400" cy="1684865"/>
+          </a:xfrm>
+        </p:spPr>
+        <p:txBody>
+          <a:bodyPr anchor="ctr">
+            <a:normAutofit/>
+          </a:bodyPr>
+          <a:lstStyle>
+            <a:lvl1pPr marL="0" indent="0" algn="l">
+              <a:buNone/>
+              <a:defRPr sz="2000">
+                <a:solidFill>
+                  <a:schemeClr val="bg2">
+                    <a:lumMod val="75000"/>
+                  </a:schemeClr>
+                </a:solidFill>
+              </a:defRPr>
+            </a:lvl1pPr>
+            <a:lvl2pPr marL="457200" indent="0">
+              <a:buNone/>
+              <a:defRPr sz="1800">
+                <a:solidFill>
+                  <a:schemeClr val="tx1">
+                    <a:tint val="75000"/>
+                  </a:schemeClr>
+                </a:solidFill>
+              </a:defRPr>
+            </a:lvl2pPr>
+            <a:lvl3pPr marL="914400" indent="0">
+              <a:buNone/>
+              <a:defRPr sz="1600">
+                <a:solidFill>
+                  <a:schemeClr val="tx1">
+                    <a:tint val="75000"/>
+                  </a:schemeClr>
+                </a:solidFill>
+              </a:defRPr>
+            </a:lvl3pPr>
+            <a:lvl4pPr marL="1371600" indent="0">
+              <a:buNone/>
+              <a:defRPr sz="1400">
+                <a:solidFill>
+                  <a:schemeClr val="tx1">
+                    <a:tint val="75000"/>
+                  </a:schemeClr>
+                </a:solidFill>
+              </a:defRPr>
+            </a:lvl4pPr>
+            <a:lvl5pPr marL="1828800" indent="0">
+              <a:buNone/>
+              <a:defRPr sz="1400">
+                <a:solidFill>
+                  <a:schemeClr val="tx1">
+                    <a:tint val="75000"/>
+                  </a:schemeClr>
+                </a:solidFill>
+              </a:defRPr>
+            </a:lvl5pPr>
+            <a:lvl6pPr marL="2286000" indent="0">
+              <a:buNone/>
+              <a:defRPr sz="1400">
+                <a:solidFill>
+                  <a:schemeClr val="tx1">
+                    <a:tint val="75000"/>
+                  </a:schemeClr>
+                </a:solidFill>
+              </a:defRPr>
+            </a:lvl6pPr>
+            <a:lvl7pPr marL="2743200" indent="0">
+              <a:buNone/>
+              <a:defRPr sz="1400">
+                <a:solidFill>
+                  <a:schemeClr val="tx1">
+                    <a:tint val="75000"/>
+                  </a:schemeClr>
+                </a:solidFill>
+              </a:defRPr>
+            </a:lvl7pPr>
+            <a:lvl8pPr marL="3200400" indent="0">
+              <a:buNone/>
+              <a:defRPr sz="1400">
+                <a:solidFill>
+                  <a:schemeClr val="tx1">
+                    <a:tint val="75000"/>
+                  </a:schemeClr>
+                </a:solidFill>
+              </a:defRPr>
+            </a:lvl8pPr>
+            <a:lvl9pPr marL="3657600" indent="0">
+              <a:buNone/>
+              <a:defRPr sz="1400">
+                <a:solidFill>
+                  <a:schemeClr val="tx1">
+                    <a:tint val="75000"/>
+                  </a:schemeClr>
+                </a:solidFill>
+              </a:defRPr>
+            </a:lvl9pPr>
+          </a:lstStyle>
+          <a:p>
+            <a:pPr lvl="0"/>
+            <a:r>
+              <a:rPr lang="en-US"/>
+              <a:t>Edit Master text styles</a:t>
+            </a:r>
+          </a:p>
+        </p:txBody>
+      </p:sp>
+      <p:sp>
+        <p:nvSpPr>
+          <p:cNvPr id="4" name="Date Placeholder 3"/>
+          <p:cNvSpPr>
+            <a:spLocks noGrp="1"/>
+          </p:cNvSpPr>
+          <p:nvPr>
+            <p:ph type="dt" sz="half" idx="10"/>
+          </p:nvPr>
+        </p:nvSpPr>
+        <p:spPr/>
+        <p:txBody>
+          <a:bodyPr/>
+          <a:lstStyle/>
+          <a:p>
+            <a:fld id="{597F59F5-6EDF-45CD-943B-829C40AA6758}" type="datetimeFigureOut">
+              <a:rPr lang="en-US" smtClean="0"/>
+              <a:t>3/16/2022</a:t>
+            </a:fld>
+            <a:endParaRPr lang="en-US"/>
+          </a:p>
+        </p:txBody>
+      </p:sp>
+      <p:sp>
+        <p:nvSpPr>
+          <p:cNvPr id="5" name="Footer Placeholder 4"/>
+          <p:cNvSpPr>
+            <a:spLocks noGrp="1"/>
+          </p:cNvSpPr>
+          <p:nvPr>
+            <p:ph type="ftr" sz="quarter" idx="11"/>
+          </p:nvPr>
+        </p:nvSpPr>
+        <p:spPr/>
+        <p:txBody>
+          <a:bodyPr/>
+          <a:lstStyle/>
+          <a:p>
+            <a:endParaRPr lang="en-US"/>
+          </a:p>
+        </p:txBody>
+      </p:sp>
+      <p:sp>
+        <p:nvSpPr>
+          <p:cNvPr id="6" name="Slide Number Placeholder 5"/>
+          <p:cNvSpPr>
+            <a:spLocks noGrp="1"/>
+          </p:cNvSpPr>
+          <p:nvPr>
+            <p:ph type="sldNum" sz="quarter" idx="12"/>
+          </p:nvPr>
+        </p:nvSpPr>
+        <p:spPr/>
+        <p:txBody>
+          <a:bodyPr/>
+          <a:lstStyle/>
+          <a:p>
+            <a:fld id="{9EA2DD1F-6B4A-489E-8EAA-AE675F17C5C9}" type="slidenum">
+              <a:rPr lang="en-US" smtClean="0"/>
+              <a:t>‹#›</a:t>
+            </a:fld>
+            <a:endParaRPr lang="en-US"/>
+          </a:p>
+        </p:txBody>
+      </p:sp>
+      <p:sp>
+        <p:nvSpPr>
+          <p:cNvPr id="14" name="TextBox 13"/>
+          <p:cNvSpPr txBox="1"/>
+          <p:nvPr/>
+        </p:nvSpPr>
+        <p:spPr>
+          <a:xfrm>
+            <a:off x="531812" y="812222"/>
+            <a:ext cx="609600" cy="584776"/>
+          </a:xfrm>
+          <a:prstGeom prst="rect">
+            <a:avLst/>
+          </a:prstGeom>
+        </p:spPr>
+        <p:txBody>
+          <a:bodyPr vert="horz" lIns="91440" tIns="45720" rIns="91440" bIns="45720" rtlCol="0" anchor="ctr">
+            <a:noAutofit/>
+          </a:bodyPr>
+          <a:lstStyle/>
+          <a:p>
+            <a:pPr lvl="0"/>
+            <a:r>
+              <a:rPr lang="en-US" sz="8000" dirty="0">
+                <a:solidFill>
+                  <a:schemeClr val="tx1"/>
+                </a:solidFill>
+                <a:effectLst/>
+              </a:rPr>
+              <a:t>“</a:t>
+            </a:r>
+          </a:p>
+        </p:txBody>
+      </p:sp>
+      <p:sp>
+        <p:nvSpPr>
+          <p:cNvPr id="15" name="TextBox 14"/>
+          <p:cNvSpPr txBox="1"/>
+          <p:nvPr/>
+        </p:nvSpPr>
+        <p:spPr>
+          <a:xfrm>
+            <a:off x="10285412" y="2768601"/>
+            <a:ext cx="609600" cy="584776"/>
+          </a:xfrm>
+          <a:prstGeom prst="rect">
+            <a:avLst/>
+          </a:prstGeom>
+        </p:spPr>
+        <p:txBody>
+          <a:bodyPr vert="horz" lIns="91440" tIns="45720" rIns="91440" bIns="45720" rtlCol="0" anchor="ctr">
+            <a:noAutofit/>
+          </a:bodyPr>
+          <a:lstStyle/>
+          <a:p>
+            <a:pPr lvl="0" algn="r"/>
+            <a:r>
+              <a:rPr lang="en-US" sz="8000" dirty="0">
+                <a:solidFill>
+                  <a:schemeClr val="tx1"/>
+                </a:solidFill>
+                <a:effectLst/>
+              </a:rPr>
+              <a:t>”</a:t>
+            </a:r>
+          </a:p>
+        </p:txBody>
+      </p:sp>
+    </p:spTree>
+    <p:extLst>
+      <p:ext uri="{BB962C8B-B14F-4D97-AF65-F5344CB8AC3E}">
+        <p14:creationId xmlns:p14="http://schemas.microsoft.com/office/powerpoint/2010/main" val="1840414368"/>
+      </p:ext>
+    </p:extLst>
+  </p:cSld>
+  <p:clrMapOvr>
+    <a:masterClrMapping/>
+  </p:clrMapOvr>
+</p:sldLayout>
+</file>
+
+<file path=ppt/slideLayouts/slideLayout13.xml><?xml version="1.0" encoding="utf-8"?>
+<p:sldLayout xmlns:a="http://schemas.openxmlformats.org/drawingml/2006/main" xmlns:r="http://schemas.openxmlformats.org/officeDocument/2006/relationships" xmlns:p="http://schemas.openxmlformats.org/presentationml/2006/main" preserve="1">
+  <p:cSld name="Name Card">
+    <p:spTree>
+      <p:nvGrpSpPr>
+        <p:cNvPr id="1" name=""/>
+        <p:cNvGrpSpPr/>
+        <p:nvPr/>
+      </p:nvGrpSpPr>
+      <p:grpSpPr>
+        <a:xfrm>
+          <a:off x="0" y="0"/>
+          <a:ext cx="0" cy="0"/>
+          <a:chOff x="0" y="0"/>
+          <a:chExt cx="0" cy="0"/>
+        </a:xfrm>
+      </p:grpSpPr>
+      <p:sp>
+        <p:nvSpPr>
+          <p:cNvPr id="2" name="Title 1"/>
+          <p:cNvSpPr>
+            <a:spLocks noGrp="1"/>
+          </p:cNvSpPr>
+          <p:nvPr>
+            <p:ph type="title"/>
+          </p:nvPr>
+        </p:nvSpPr>
+        <p:spPr>
+          <a:xfrm>
+            <a:off x="684212" y="3429000"/>
+            <a:ext cx="8534400" cy="1697400"/>
+          </a:xfrm>
+        </p:spPr>
+        <p:txBody>
+          <a:bodyPr anchor="b">
+            <a:normAutofit/>
+          </a:bodyPr>
+          <a:lstStyle>
+            <a:lvl1pPr algn="l">
+              <a:defRPr sz="3200" b="0" cap="all"/>
+            </a:lvl1pPr>
+          </a:lstStyle>
+          <a:p>
+            <a:r>
+              <a:rPr lang="en-US"/>
+              <a:t>Click to edit Master title style</a:t>
+            </a:r>
+            <a:endParaRPr lang="en-US" dirty="0"/>
+          </a:p>
+        </p:txBody>
+      </p:sp>
+      <p:sp>
+        <p:nvSpPr>
+          <p:cNvPr id="3" name="Text Placeholder 2"/>
+          <p:cNvSpPr>
+            <a:spLocks noGrp="1"/>
+          </p:cNvSpPr>
+          <p:nvPr>
+            <p:ph type="body" idx="1"/>
+          </p:nvPr>
+        </p:nvSpPr>
+        <p:spPr>
+          <a:xfrm>
+            <a:off x="684211" y="5132981"/>
+            <a:ext cx="8535990" cy="860400"/>
+          </a:xfrm>
+        </p:spPr>
+        <p:txBody>
+          <a:bodyPr anchor="t">
+            <a:normAutofit/>
+          </a:bodyPr>
+          <a:lstStyle>
+            <a:lvl1pPr marL="0" indent="0" algn="l">
+              <a:buNone/>
+              <a:defRPr sz="2000">
+                <a:solidFill>
+                  <a:schemeClr val="bg2">
+                    <a:lumMod val="75000"/>
+                  </a:schemeClr>
+                </a:solidFill>
+              </a:defRPr>
+            </a:lvl1pPr>
+            <a:lvl2pPr marL="457200" indent="0">
+              <a:buNone/>
+              <a:defRPr sz="1800">
+                <a:solidFill>
+                  <a:schemeClr val="tx1">
+                    <a:tint val="75000"/>
+                  </a:schemeClr>
+                </a:solidFill>
+              </a:defRPr>
+            </a:lvl2pPr>
+            <a:lvl3pPr marL="914400" indent="0">
+              <a:buNone/>
+              <a:defRPr sz="1600">
+                <a:solidFill>
+                  <a:schemeClr val="tx1">
+                    <a:tint val="75000"/>
+                  </a:schemeClr>
+                </a:solidFill>
+              </a:defRPr>
+            </a:lvl3pPr>
+            <a:lvl4pPr marL="1371600" indent="0">
+              <a:buNone/>
+              <a:defRPr sz="1400">
+                <a:solidFill>
+                  <a:schemeClr val="tx1">
+                    <a:tint val="75000"/>
+                  </a:schemeClr>
+                </a:solidFill>
+              </a:defRPr>
+            </a:lvl4pPr>
+            <a:lvl5pPr marL="1828800" indent="0">
+              <a:buNone/>
+              <a:defRPr sz="1400">
+                <a:solidFill>
+                  <a:schemeClr val="tx1">
+                    <a:tint val="75000"/>
+                  </a:schemeClr>
+                </a:solidFill>
+              </a:defRPr>
+            </a:lvl5pPr>
+            <a:lvl6pPr marL="2286000" indent="0">
+              <a:buNone/>
+              <a:defRPr sz="1400">
+                <a:solidFill>
+                  <a:schemeClr val="tx1">
+                    <a:tint val="75000"/>
+                  </a:schemeClr>
+                </a:solidFill>
+              </a:defRPr>
+            </a:lvl6pPr>
+            <a:lvl7pPr marL="2743200" indent="0">
+              <a:buNone/>
+              <a:defRPr sz="1400">
+                <a:solidFill>
+                  <a:schemeClr val="tx1">
+                    <a:tint val="75000"/>
+                  </a:schemeClr>
+                </a:solidFill>
+              </a:defRPr>
+            </a:lvl7pPr>
+            <a:lvl8pPr marL="3200400" indent="0">
+              <a:buNone/>
+              <a:defRPr sz="1400">
+                <a:solidFill>
+                  <a:schemeClr val="tx1">
+                    <a:tint val="75000"/>
+                  </a:schemeClr>
+                </a:solidFill>
+              </a:defRPr>
+            </a:lvl8pPr>
+            <a:lvl9pPr marL="3657600" indent="0">
+              <a:buNone/>
+              <a:defRPr sz="1400">
+                <a:solidFill>
+                  <a:schemeClr val="tx1">
+                    <a:tint val="75000"/>
+                  </a:schemeClr>
+                </a:solidFill>
+              </a:defRPr>
+            </a:lvl9pPr>
+          </a:lstStyle>
+          <a:p>
+            <a:pPr lvl="0"/>
+            <a:r>
+              <a:rPr lang="en-US"/>
+              <a:t>Edit Master text styles</a:t>
+            </a:r>
+          </a:p>
+        </p:txBody>
+      </p:sp>
+      <p:sp>
+        <p:nvSpPr>
+          <p:cNvPr id="4" name="Date Placeholder 3"/>
+          <p:cNvSpPr>
+            <a:spLocks noGrp="1"/>
+          </p:cNvSpPr>
+          <p:nvPr>
+            <p:ph type="dt" sz="half" idx="10"/>
+          </p:nvPr>
+        </p:nvSpPr>
+        <p:spPr/>
+        <p:txBody>
+          <a:bodyPr/>
+          <a:lstStyle/>
+          <a:p>
+            <a:fld id="{597F59F5-6EDF-45CD-943B-829C40AA6758}" type="datetimeFigureOut">
+              <a:rPr lang="en-US" smtClean="0"/>
+              <a:t>3/16/2022</a:t>
+            </a:fld>
+            <a:endParaRPr lang="en-US"/>
+          </a:p>
+        </p:txBody>
+      </p:sp>
+      <p:sp>
+        <p:nvSpPr>
+          <p:cNvPr id="5" name="Footer Placeholder 4"/>
+          <p:cNvSpPr>
+            <a:spLocks noGrp="1"/>
+          </p:cNvSpPr>
+          <p:nvPr>
+            <p:ph type="ftr" sz="quarter" idx="11"/>
+          </p:nvPr>
+        </p:nvSpPr>
+        <p:spPr/>
+        <p:txBody>
+          <a:bodyPr/>
+          <a:lstStyle/>
+          <a:p>
+            <a:endParaRPr lang="en-US"/>
+          </a:p>
+        </p:txBody>
+      </p:sp>
+      <p:sp>
+        <p:nvSpPr>
+          <p:cNvPr id="6" name="Slide Number Placeholder 5"/>
+          <p:cNvSpPr>
+            <a:spLocks noGrp="1"/>
+          </p:cNvSpPr>
+          <p:nvPr>
+            <p:ph type="sldNum" sz="quarter" idx="12"/>
+          </p:nvPr>
+        </p:nvSpPr>
+        <p:spPr/>
+        <p:txBody>
+          <a:bodyPr/>
+          <a:lstStyle/>
+          <a:p>
+            <a:fld id="{9EA2DD1F-6B4A-489E-8EAA-AE675F17C5C9}" type="slidenum">
+              <a:rPr lang="en-US" smtClean="0"/>
+              <a:t>‹#›</a:t>
+            </a:fld>
+            <a:endParaRPr lang="en-US"/>
+          </a:p>
+        </p:txBody>
+      </p:sp>
+    </p:spTree>
+    <p:extLst>
+      <p:ext uri="{BB962C8B-B14F-4D97-AF65-F5344CB8AC3E}">
+        <p14:creationId xmlns:p14="http://schemas.microsoft.com/office/powerpoint/2010/main" val="240603530"/>
+      </p:ext>
+    </p:extLst>
+  </p:cSld>
+  <p:clrMapOvr>
+    <a:masterClrMapping/>
+  </p:clrMapOvr>
+</p:sldLayout>
+</file>
+
+<file path=ppt/slideLayouts/slideLayout14.xml><?xml version="1.0" encoding="utf-8"?>
+<p:sldLayout xmlns:a="http://schemas.openxmlformats.org/drawingml/2006/main" xmlns:r="http://schemas.openxmlformats.org/officeDocument/2006/relationships" xmlns:p="http://schemas.openxmlformats.org/presentationml/2006/main" preserve="1">
+  <p:cSld name="Quote Name Card">
+    <p:spTree>
+      <p:nvGrpSpPr>
+        <p:cNvPr id="1" name=""/>
+        <p:cNvGrpSpPr/>
+        <p:nvPr/>
+      </p:nvGrpSpPr>
+      <p:grpSpPr>
+        <a:xfrm>
+          <a:off x="0" y="0"/>
+          <a:ext cx="0" cy="0"/>
+          <a:chOff x="0" y="0"/>
+          <a:chExt cx="0" cy="0"/>
+        </a:xfrm>
+      </p:grpSpPr>
+      <p:sp>
+        <p:nvSpPr>
+          <p:cNvPr id="2" name="Title 1"/>
+          <p:cNvSpPr>
+            <a:spLocks noGrp="1"/>
+          </p:cNvSpPr>
+          <p:nvPr>
+            <p:ph type="title"/>
+          </p:nvPr>
+        </p:nvSpPr>
+        <p:spPr>
+          <a:xfrm>
+            <a:off x="1141413" y="685800"/>
+            <a:ext cx="9144000" cy="2743200"/>
+          </a:xfrm>
+        </p:spPr>
+        <p:txBody>
+          <a:bodyPr anchor="ctr">
+            <a:normAutofit/>
+          </a:bodyPr>
+          <a:lstStyle>
+            <a:lvl1pPr algn="l">
+              <a:defRPr sz="3200" b="0" cap="all">
+                <a:solidFill>
+                  <a:schemeClr val="tx1"/>
+                </a:solidFill>
+              </a:defRPr>
+            </a:lvl1pPr>
+          </a:lstStyle>
+          <a:p>
+            <a:r>
+              <a:rPr lang="en-US"/>
+              <a:t>Click to edit Master title style</a:t>
+            </a:r>
+            <a:endParaRPr lang="en-US" dirty="0"/>
+          </a:p>
+        </p:txBody>
+      </p:sp>
+      <p:sp>
+        <p:nvSpPr>
+          <p:cNvPr id="10" name="Text Placeholder 9"/>
+          <p:cNvSpPr>
+            <a:spLocks noGrp="1"/>
+          </p:cNvSpPr>
+          <p:nvPr>
+            <p:ph type="body" sz="quarter" idx="13"/>
+          </p:nvPr>
+        </p:nvSpPr>
+        <p:spPr>
+          <a:xfrm>
+            <a:off x="684212" y="3928534"/>
+            <a:ext cx="8534401" cy="1049866"/>
+          </a:xfrm>
+        </p:spPr>
+        <p:txBody>
+          <a:bodyPr vert="horz" lIns="91440" tIns="45720" rIns="91440" bIns="45720" rtlCol="0" anchor="b">
+            <a:normAutofit/>
+          </a:bodyPr>
+          <a:lstStyle>
+            <a:lvl1pPr>
+              <a:buNone/>
+              <a:defRPr lang="en-US" sz="2400" b="0" cap="all" dirty="0">
+                <a:ln w="3175" cmpd="sng">
+                  <a:noFill/>
+                </a:ln>
+                <a:solidFill>
+                  <a:schemeClr val="tx1"/>
+                </a:solidFill>
+                <a:effectLst/>
+              </a:defRPr>
+            </a:lvl1pPr>
+          </a:lstStyle>
+          <a:p>
+            <a:pPr marL="0" lvl="0">
+              <a:spcBef>
+                <a:spcPct val="0"/>
+              </a:spcBef>
+              <a:buNone/>
+            </a:pPr>
+            <a:r>
+              <a:rPr lang="en-US"/>
+              <a:t>Edit Master text styles</a:t>
+            </a:r>
+          </a:p>
+        </p:txBody>
+      </p:sp>
+      <p:sp>
+        <p:nvSpPr>
+          <p:cNvPr id="3" name="Text Placeholder 2"/>
+          <p:cNvSpPr>
+            <a:spLocks noGrp="1"/>
+          </p:cNvSpPr>
+          <p:nvPr>
+            <p:ph type="body" idx="1"/>
+          </p:nvPr>
+        </p:nvSpPr>
+        <p:spPr>
+          <a:xfrm>
+            <a:off x="684211" y="4978400"/>
+            <a:ext cx="8534401" cy="1016000"/>
+          </a:xfrm>
+        </p:spPr>
+        <p:txBody>
+          <a:bodyPr anchor="t">
+            <a:normAutofit/>
+          </a:bodyPr>
+          <a:lstStyle>
+            <a:lvl1pPr marL="0" indent="0" algn="l">
+              <a:buNone/>
+              <a:defRPr sz="1800">
+                <a:solidFill>
+                  <a:schemeClr val="bg2">
+                    <a:lumMod val="75000"/>
+                  </a:schemeClr>
+                </a:solidFill>
+              </a:defRPr>
+            </a:lvl1pPr>
+            <a:lvl2pPr marL="457200" indent="0">
+              <a:buNone/>
+              <a:defRPr sz="1800">
+                <a:solidFill>
+                  <a:schemeClr val="tx1">
+                    <a:tint val="75000"/>
+                  </a:schemeClr>
+                </a:solidFill>
+              </a:defRPr>
+            </a:lvl2pPr>
+            <a:lvl3pPr marL="914400" indent="0">
+              <a:buNone/>
+              <a:defRPr sz="1600">
+                <a:solidFill>
+                  <a:schemeClr val="tx1">
+                    <a:tint val="75000"/>
+                  </a:schemeClr>
+                </a:solidFill>
+              </a:defRPr>
+            </a:lvl3pPr>
+            <a:lvl4pPr marL="1371600" indent="0">
+              <a:buNone/>
+              <a:defRPr sz="1400">
+                <a:solidFill>
+                  <a:schemeClr val="tx1">
+                    <a:tint val="75000"/>
+                  </a:schemeClr>
+                </a:solidFill>
+              </a:defRPr>
+            </a:lvl4pPr>
+            <a:lvl5pPr marL="1828800" indent="0">
+              <a:buNone/>
+              <a:defRPr sz="1400">
+                <a:solidFill>
+                  <a:schemeClr val="tx1">
+                    <a:tint val="75000"/>
+                  </a:schemeClr>
+                </a:solidFill>
+              </a:defRPr>
+            </a:lvl5pPr>
+            <a:lvl6pPr marL="2286000" indent="0">
+              <a:buNone/>
+              <a:defRPr sz="1400">
+                <a:solidFill>
+                  <a:schemeClr val="tx1">
+                    <a:tint val="75000"/>
+                  </a:schemeClr>
+                </a:solidFill>
+              </a:defRPr>
+            </a:lvl6pPr>
+            <a:lvl7pPr marL="2743200" indent="0">
+              <a:buNone/>
+              <a:defRPr sz="1400">
+                <a:solidFill>
+                  <a:schemeClr val="tx1">
+                    <a:tint val="75000"/>
+                  </a:schemeClr>
+                </a:solidFill>
+              </a:defRPr>
+            </a:lvl7pPr>
+            <a:lvl8pPr marL="3200400" indent="0">
+              <a:buNone/>
+              <a:defRPr sz="1400">
+                <a:solidFill>
+                  <a:schemeClr val="tx1">
+                    <a:tint val="75000"/>
+                  </a:schemeClr>
+                </a:solidFill>
+              </a:defRPr>
+            </a:lvl8pPr>
+            <a:lvl9pPr marL="3657600" indent="0">
+              <a:buNone/>
+              <a:defRPr sz="1400">
+                <a:solidFill>
+                  <a:schemeClr val="tx1">
+                    <a:tint val="75000"/>
+                  </a:schemeClr>
+                </a:solidFill>
+              </a:defRPr>
+            </a:lvl9pPr>
+          </a:lstStyle>
+          <a:p>
+            <a:pPr lvl="0"/>
+            <a:r>
+              <a:rPr lang="en-US"/>
+              <a:t>Edit Master text styles</a:t>
+            </a:r>
+          </a:p>
+        </p:txBody>
+      </p:sp>
+      <p:sp>
+        <p:nvSpPr>
+          <p:cNvPr id="4" name="Date Placeholder 3"/>
+          <p:cNvSpPr>
+            <a:spLocks noGrp="1"/>
+          </p:cNvSpPr>
+          <p:nvPr>
+            <p:ph type="dt" sz="half" idx="10"/>
+          </p:nvPr>
+        </p:nvSpPr>
+        <p:spPr/>
+        <p:txBody>
+          <a:bodyPr/>
+          <a:lstStyle/>
+          <a:p>
+            <a:fld id="{597F59F5-6EDF-45CD-943B-829C40AA6758}" type="datetimeFigureOut">
+              <a:rPr lang="en-US" smtClean="0"/>
+              <a:t>3/16/2022</a:t>
+            </a:fld>
+            <a:endParaRPr lang="en-US"/>
+          </a:p>
+        </p:txBody>
+      </p:sp>
+      <p:sp>
+        <p:nvSpPr>
+          <p:cNvPr id="5" name="Footer Placeholder 4"/>
+          <p:cNvSpPr>
+            <a:spLocks noGrp="1"/>
+          </p:cNvSpPr>
+          <p:nvPr>
+            <p:ph type="ftr" sz="quarter" idx="11"/>
+          </p:nvPr>
+        </p:nvSpPr>
+        <p:spPr/>
+        <p:txBody>
+          <a:bodyPr/>
+          <a:lstStyle/>
+          <a:p>
+            <a:endParaRPr lang="en-US"/>
+          </a:p>
+        </p:txBody>
+      </p:sp>
+      <p:sp>
+        <p:nvSpPr>
+          <p:cNvPr id="6" name="Slide Number Placeholder 5"/>
+          <p:cNvSpPr>
+            <a:spLocks noGrp="1"/>
+          </p:cNvSpPr>
+          <p:nvPr>
+            <p:ph type="sldNum" sz="quarter" idx="12"/>
+          </p:nvPr>
+        </p:nvSpPr>
+        <p:spPr/>
+        <p:txBody>
+          <a:bodyPr/>
+          <a:lstStyle/>
+          <a:p>
+            <a:fld id="{9EA2DD1F-6B4A-489E-8EAA-AE675F17C5C9}" type="slidenum">
+              <a:rPr lang="en-US" smtClean="0"/>
+              <a:t>‹#›</a:t>
+            </a:fld>
+            <a:endParaRPr lang="en-US"/>
+          </a:p>
+        </p:txBody>
+      </p:sp>
+      <p:sp>
+        <p:nvSpPr>
+          <p:cNvPr id="11" name="TextBox 10"/>
+          <p:cNvSpPr txBox="1"/>
+          <p:nvPr/>
+        </p:nvSpPr>
+        <p:spPr>
+          <a:xfrm>
+            <a:off x="531812" y="812222"/>
+            <a:ext cx="609600" cy="584776"/>
+          </a:xfrm>
+          <a:prstGeom prst="rect">
+            <a:avLst/>
+          </a:prstGeom>
+        </p:spPr>
+        <p:txBody>
+          <a:bodyPr vert="horz" lIns="91440" tIns="45720" rIns="91440" bIns="45720" rtlCol="0" anchor="ctr">
+            <a:noAutofit/>
+          </a:bodyPr>
+          <a:lstStyle/>
+          <a:p>
+            <a:pPr lvl="0"/>
+            <a:r>
+              <a:rPr lang="en-US" sz="8000" dirty="0">
+                <a:solidFill>
+                  <a:schemeClr val="tx1"/>
+                </a:solidFill>
+                <a:effectLst/>
+              </a:rPr>
+              <a:t>“</a:t>
+            </a:r>
+          </a:p>
+        </p:txBody>
+      </p:sp>
+      <p:sp>
+        <p:nvSpPr>
+          <p:cNvPr id="12" name="TextBox 11"/>
+          <p:cNvSpPr txBox="1"/>
+          <p:nvPr/>
+        </p:nvSpPr>
+        <p:spPr>
+          <a:xfrm>
+            <a:off x="10285412" y="2768601"/>
+            <a:ext cx="609600" cy="584776"/>
+          </a:xfrm>
+          <a:prstGeom prst="rect">
+            <a:avLst/>
+          </a:prstGeom>
+        </p:spPr>
+        <p:txBody>
+          <a:bodyPr vert="horz" lIns="91440" tIns="45720" rIns="91440" bIns="45720" rtlCol="0" anchor="ctr">
+            <a:noAutofit/>
+          </a:bodyPr>
+          <a:lstStyle/>
+          <a:p>
+            <a:pPr lvl="0" algn="r"/>
+            <a:r>
+              <a:rPr lang="en-US" sz="8000" dirty="0">
+                <a:solidFill>
+                  <a:schemeClr val="tx1"/>
+                </a:solidFill>
+                <a:effectLst/>
+              </a:rPr>
+              <a:t>”</a:t>
+            </a:r>
+          </a:p>
+        </p:txBody>
+      </p:sp>
+    </p:spTree>
+    <p:extLst>
+      <p:ext uri="{BB962C8B-B14F-4D97-AF65-F5344CB8AC3E}">
+        <p14:creationId xmlns:p14="http://schemas.microsoft.com/office/powerpoint/2010/main" val="943191110"/>
+      </p:ext>
+    </p:extLst>
+  </p:cSld>
+  <p:clrMapOvr>
+    <a:masterClrMapping/>
+  </p:clrMapOvr>
+</p:sldLayout>
+</file>
+
+<file path=ppt/slideLayouts/slideLayout15.xml><?xml version="1.0" encoding="utf-8"?>
+<p:sldLayout xmlns:a="http://schemas.openxmlformats.org/drawingml/2006/main" xmlns:r="http://schemas.openxmlformats.org/officeDocument/2006/relationships" xmlns:p="http://schemas.openxmlformats.org/presentationml/2006/main" preserve="1">
+  <p:cSld name="True or False">
+    <p:spTree>
+      <p:nvGrpSpPr>
+        <p:cNvPr id="1" name=""/>
+        <p:cNvGrpSpPr/>
+        <p:nvPr/>
+      </p:nvGrpSpPr>
+      <p:grpSpPr>
+        <a:xfrm>
+          <a:off x="0" y="0"/>
+          <a:ext cx="0" cy="0"/>
+          <a:chOff x="0" y="0"/>
+          <a:chExt cx="0" cy="0"/>
+        </a:xfrm>
+      </p:grpSpPr>
+      <p:sp>
+        <p:nvSpPr>
+          <p:cNvPr id="2" name="Title 1"/>
+          <p:cNvSpPr>
+            <a:spLocks noGrp="1"/>
+          </p:cNvSpPr>
+          <p:nvPr>
+            <p:ph type="title"/>
+          </p:nvPr>
+        </p:nvSpPr>
+        <p:spPr>
+          <a:xfrm>
+            <a:off x="684213" y="685800"/>
+            <a:ext cx="10058400" cy="2743200"/>
+          </a:xfrm>
+        </p:spPr>
+        <p:txBody>
+          <a:bodyPr vert="horz" lIns="91440" tIns="45720" rIns="91440" bIns="45720" rtlCol="0" anchor="ctr">
+            <a:normAutofit/>
+          </a:bodyPr>
+          <a:lstStyle>
+            <a:lvl1pPr>
+              <a:defRPr lang="en-US" b="0" dirty="0"/>
+            </a:lvl1pPr>
+          </a:lstStyle>
+          <a:p>
+            <a:pPr marL="0" lvl="0"/>
+            <a:r>
+              <a:rPr lang="en-US"/>
+              <a:t>Click to edit Master title style</a:t>
+            </a:r>
+            <a:endParaRPr lang="en-US" dirty="0"/>
+          </a:p>
+        </p:txBody>
+      </p:sp>
+      <p:sp>
+        <p:nvSpPr>
+          <p:cNvPr id="10" name="Text Placeholder 9"/>
+          <p:cNvSpPr>
+            <a:spLocks noGrp="1"/>
+          </p:cNvSpPr>
+          <p:nvPr>
+            <p:ph type="body" sz="quarter" idx="13"/>
+          </p:nvPr>
+        </p:nvSpPr>
+        <p:spPr>
+          <a:xfrm>
+            <a:off x="684212" y="3928534"/>
+            <a:ext cx="8534400" cy="838200"/>
+          </a:xfrm>
+        </p:spPr>
+        <p:txBody>
+          <a:bodyPr vert="horz" lIns="91440" tIns="45720" rIns="91440" bIns="45720" rtlCol="0" anchor="b">
+            <a:normAutofit/>
+          </a:bodyPr>
+          <a:lstStyle>
+            <a:lvl1pPr>
+              <a:buNone/>
+              <a:defRPr lang="en-US" sz="2400" b="0" cap="all" dirty="0">
+                <a:ln w="3175" cmpd="sng">
+                  <a:noFill/>
+                </a:ln>
+                <a:solidFill>
+                  <a:schemeClr val="tx1"/>
+                </a:solidFill>
+                <a:effectLst/>
+              </a:defRPr>
+            </a:lvl1pPr>
+          </a:lstStyle>
+          <a:p>
+            <a:pPr marL="0" lvl="0">
+              <a:spcBef>
+                <a:spcPct val="0"/>
+              </a:spcBef>
+              <a:buNone/>
+            </a:pPr>
+            <a:r>
+              <a:rPr lang="en-US"/>
+              <a:t>Edit Master text styles</a:t>
+            </a:r>
+          </a:p>
+        </p:txBody>
+      </p:sp>
+      <p:sp>
+        <p:nvSpPr>
+          <p:cNvPr id="3" name="Text Placeholder 2"/>
+          <p:cNvSpPr>
+            <a:spLocks noGrp="1"/>
+          </p:cNvSpPr>
+          <p:nvPr>
+            <p:ph type="body" idx="1"/>
+          </p:nvPr>
+        </p:nvSpPr>
+        <p:spPr>
+          <a:xfrm>
+            <a:off x="684211" y="4766732"/>
+            <a:ext cx="8534401" cy="1227667"/>
+          </a:xfrm>
+        </p:spPr>
+        <p:txBody>
+          <a:bodyPr anchor="t">
+            <a:normAutofit/>
+          </a:bodyPr>
+          <a:lstStyle>
+            <a:lvl1pPr marL="0" indent="0" algn="l">
+              <a:buNone/>
+              <a:defRPr sz="1800">
+                <a:solidFill>
+                  <a:schemeClr val="bg2">
+                    <a:lumMod val="75000"/>
+                  </a:schemeClr>
+                </a:solidFill>
+              </a:defRPr>
+            </a:lvl1pPr>
+            <a:lvl2pPr marL="457200" indent="0">
+              <a:buNone/>
+              <a:defRPr sz="1800">
+                <a:solidFill>
+                  <a:schemeClr val="tx1">
+                    <a:tint val="75000"/>
+                  </a:schemeClr>
+                </a:solidFill>
+              </a:defRPr>
+            </a:lvl2pPr>
+            <a:lvl3pPr marL="914400" indent="0">
+              <a:buNone/>
+              <a:defRPr sz="1600">
+                <a:solidFill>
+                  <a:schemeClr val="tx1">
+                    <a:tint val="75000"/>
+                  </a:schemeClr>
+                </a:solidFill>
+              </a:defRPr>
+            </a:lvl3pPr>
+            <a:lvl4pPr marL="1371600" indent="0">
+              <a:buNone/>
+              <a:defRPr sz="1400">
+                <a:solidFill>
+                  <a:schemeClr val="tx1">
+                    <a:tint val="75000"/>
+                  </a:schemeClr>
+                </a:solidFill>
+              </a:defRPr>
+            </a:lvl4pPr>
+            <a:lvl5pPr marL="1828800" indent="0">
+              <a:buNone/>
+              <a:defRPr sz="1400">
+                <a:solidFill>
+                  <a:schemeClr val="tx1">
+                    <a:tint val="75000"/>
+                  </a:schemeClr>
+                </a:solidFill>
+              </a:defRPr>
+            </a:lvl5pPr>
+            <a:lvl6pPr marL="2286000" indent="0">
+              <a:buNone/>
+              <a:defRPr sz="1400">
+                <a:solidFill>
+                  <a:schemeClr val="tx1">
+                    <a:tint val="75000"/>
+                  </a:schemeClr>
+                </a:solidFill>
+              </a:defRPr>
+            </a:lvl6pPr>
+            <a:lvl7pPr marL="2743200" indent="0">
+              <a:buNone/>
+              <a:defRPr sz="1400">
+                <a:solidFill>
+                  <a:schemeClr val="tx1">
+                    <a:tint val="75000"/>
+                  </a:schemeClr>
+                </a:solidFill>
+              </a:defRPr>
+            </a:lvl7pPr>
+            <a:lvl8pPr marL="3200400" indent="0">
+              <a:buNone/>
+              <a:defRPr sz="1400">
+                <a:solidFill>
+                  <a:schemeClr val="tx1">
+                    <a:tint val="75000"/>
+                  </a:schemeClr>
+                </a:solidFill>
+              </a:defRPr>
+            </a:lvl8pPr>
+            <a:lvl9pPr marL="3657600" indent="0">
+              <a:buNone/>
+              <a:defRPr sz="1400">
+                <a:solidFill>
+                  <a:schemeClr val="tx1">
+                    <a:tint val="75000"/>
+                  </a:schemeClr>
+                </a:solidFill>
+              </a:defRPr>
+            </a:lvl9pPr>
+          </a:lstStyle>
+          <a:p>
+            <a:pPr lvl="0"/>
+            <a:r>
+              <a:rPr lang="en-US"/>
+              <a:t>Edit Master text styles</a:t>
+            </a:r>
+          </a:p>
+        </p:txBody>
+      </p:sp>
+      <p:sp>
+        <p:nvSpPr>
+          <p:cNvPr id="4" name="Date Placeholder 3"/>
+          <p:cNvSpPr>
+            <a:spLocks noGrp="1"/>
+          </p:cNvSpPr>
+          <p:nvPr>
+            <p:ph type="dt" sz="half" idx="10"/>
+          </p:nvPr>
+        </p:nvSpPr>
+        <p:spPr/>
+        <p:txBody>
+          <a:bodyPr/>
+          <a:lstStyle/>
+          <a:p>
+            <a:fld id="{597F59F5-6EDF-45CD-943B-829C40AA6758}" type="datetimeFigureOut">
+              <a:rPr lang="en-US" smtClean="0"/>
+              <a:t>3/16/2022</a:t>
+            </a:fld>
+            <a:endParaRPr lang="en-US"/>
+          </a:p>
+        </p:txBody>
+      </p:sp>
+      <p:sp>
+        <p:nvSpPr>
+          <p:cNvPr id="5" name="Footer Placeholder 4"/>
+          <p:cNvSpPr>
+            <a:spLocks noGrp="1"/>
+          </p:cNvSpPr>
+          <p:nvPr>
+            <p:ph type="ftr" sz="quarter" idx="11"/>
+          </p:nvPr>
+        </p:nvSpPr>
+        <p:spPr/>
+        <p:txBody>
+          <a:bodyPr/>
+          <a:lstStyle/>
+          <a:p>
+            <a:endParaRPr lang="en-US"/>
+          </a:p>
+        </p:txBody>
+      </p:sp>
+      <p:sp>
+        <p:nvSpPr>
+          <p:cNvPr id="6" name="Slide Number Placeholder 5"/>
+          <p:cNvSpPr>
+            <a:spLocks noGrp="1"/>
+          </p:cNvSpPr>
+          <p:nvPr>
+            <p:ph type="sldNum" sz="quarter" idx="12"/>
+          </p:nvPr>
+        </p:nvSpPr>
+        <p:spPr/>
+        <p:txBody>
+          <a:bodyPr/>
+          <a:lstStyle/>
+          <a:p>
+            <a:fld id="{9EA2DD1F-6B4A-489E-8EAA-AE675F17C5C9}" type="slidenum">
+              <a:rPr lang="en-US" smtClean="0"/>
+              <a:t>‹#›</a:t>
+            </a:fld>
+            <a:endParaRPr lang="en-US"/>
+          </a:p>
+        </p:txBody>
+      </p:sp>
+    </p:spTree>
+    <p:extLst>
+      <p:ext uri="{BB962C8B-B14F-4D97-AF65-F5344CB8AC3E}">
+        <p14:creationId xmlns:p14="http://schemas.microsoft.com/office/powerpoint/2010/main" val="2209118287"/>
+      </p:ext>
+    </p:extLst>
+  </p:cSld>
+  <p:clrMapOvr>
+    <a:masterClrMapping/>
+  </p:clrMapOvr>
+</p:sldLayout>
+</file>
+
+<file path=ppt/slideLayouts/slideLayout16.xml><?xml version="1.0" encoding="utf-8"?>
 <p:sldLayout xmlns:a="http://schemas.openxmlformats.org/drawingml/2006/main" xmlns:r="http://schemas.openxmlformats.org/officeDocument/2006/relationships" xmlns:p="http://schemas.openxmlformats.org/presentationml/2006/main" type="vertTx" preserve="1">
   <p:cSld name="Title and Vertical Text">
     <p:spTree>
@@ -636,13 +2649,7 @@
       </p:grpSpPr>
       <p:sp>
         <p:nvSpPr>
-          <p:cNvPr id="2" name="Title 1">
-            <a:extLst>
-              <a:ext uri="{FF2B5EF4-FFF2-40B4-BE49-F238E27FC236}">
-                <a16:creationId xmlns:a16="http://schemas.microsoft.com/office/drawing/2014/main" id="{590CDB41-F659-45EE-B754-8A240366B0A5}"/>
-              </a:ext>
-            </a:extLst>
-          </p:cNvPr>
+          <p:cNvPr id="2" name="Title 1"/>
           <p:cNvSpPr>
             <a:spLocks noGrp="1"/>
           </p:cNvSpPr>
@@ -653,24 +2660,23 @@
         <p:spPr/>
         <p:txBody>
           <a:bodyPr/>
-          <a:lstStyle/>
+          <a:lstStyle>
+            <a:lvl1pPr algn="l">
+              <a:defRPr/>
+            </a:lvl1pPr>
+          </a:lstStyle>
           <a:p>
             <a:r>
               <a:rPr lang="en-US"/>
               <a:t>Click to edit Master title style</a:t>
             </a:r>
-          </a:p>
-        </p:txBody>
-      </p:sp>
-      <p:sp>
-        <p:nvSpPr>
-          <p:cNvPr id="3" name="Vertical Text Placeholder 2">
-            <a:extLst>
-              <a:ext uri="{FF2B5EF4-FFF2-40B4-BE49-F238E27FC236}">
-                <a16:creationId xmlns:a16="http://schemas.microsoft.com/office/drawing/2014/main" id="{250A1304-56EB-44E1-9026-8D7A17412682}"/>
-              </a:ext>
-            </a:extLst>
-          </p:cNvPr>
+            <a:endParaRPr lang="en-US" dirty="0"/>
+          </a:p>
+        </p:txBody>
+      </p:sp>
+      <p:sp>
+        <p:nvSpPr>
+          <p:cNvPr id="3" name="Vertical Text Placeholder 2"/>
           <p:cNvSpPr>
             <a:spLocks noGrp="1"/>
           </p:cNvSpPr>
@@ -680,7 +2686,7 @@
         </p:nvSpPr>
         <p:spPr/>
         <p:txBody>
-          <a:bodyPr vert="eaVert"/>
+          <a:bodyPr vert="eaVert" anchor="t"/>
           <a:lstStyle/>
           <a:p>
             <a:pPr lvl="0"/>
@@ -716,18 +2722,13 @@
               <a:rPr lang="en-US"/>
               <a:t>Fifth level</a:t>
             </a:r>
-          </a:p>
-        </p:txBody>
-      </p:sp>
-      <p:sp>
-        <p:nvSpPr>
-          <p:cNvPr id="4" name="Date Placeholder 3">
-            <a:extLst>
-              <a:ext uri="{FF2B5EF4-FFF2-40B4-BE49-F238E27FC236}">
-                <a16:creationId xmlns:a16="http://schemas.microsoft.com/office/drawing/2014/main" id="{DF3F0E3F-2176-40CE-8829-6BE6B8F729E4}"/>
-              </a:ext>
-            </a:extLst>
-          </p:cNvPr>
+            <a:endParaRPr lang="en-US" dirty="0"/>
+          </a:p>
+        </p:txBody>
+      </p:sp>
+      <p:sp>
+        <p:nvSpPr>
+          <p:cNvPr id="4" name="Date Placeholder 3"/>
           <p:cNvSpPr>
             <a:spLocks noGrp="1"/>
           </p:cNvSpPr>
@@ -750,13 +2751,7 @@
       </p:sp>
       <p:sp>
         <p:nvSpPr>
-          <p:cNvPr id="5" name="Footer Placeholder 4">
-            <a:extLst>
-              <a:ext uri="{FF2B5EF4-FFF2-40B4-BE49-F238E27FC236}">
-                <a16:creationId xmlns:a16="http://schemas.microsoft.com/office/drawing/2014/main" id="{CC619BD3-4DB7-462A-A121-0480AB71E828}"/>
-              </a:ext>
-            </a:extLst>
-          </p:cNvPr>
+          <p:cNvPr id="5" name="Footer Placeholder 4"/>
           <p:cNvSpPr>
             <a:spLocks noGrp="1"/>
           </p:cNvSpPr>
@@ -775,13 +2770,7 @@
       </p:sp>
       <p:sp>
         <p:nvSpPr>
-          <p:cNvPr id="6" name="Slide Number Placeholder 5">
-            <a:extLst>
-              <a:ext uri="{FF2B5EF4-FFF2-40B4-BE49-F238E27FC236}">
-                <a16:creationId xmlns:a16="http://schemas.microsoft.com/office/drawing/2014/main" id="{54EB5A4D-EB37-4243-837B-BFAE0A9640B5}"/>
-              </a:ext>
-            </a:extLst>
-          </p:cNvPr>
+          <p:cNvPr id="6" name="Slide Number Placeholder 5"/>
           <p:cNvSpPr>
             <a:spLocks noGrp="1"/>
           </p:cNvSpPr>
@@ -805,7 +2794,7 @@
     </p:spTree>
     <p:extLst>
       <p:ext uri="{BB962C8B-B14F-4D97-AF65-F5344CB8AC3E}">
-        <p14:creationId xmlns:p14="http://schemas.microsoft.com/office/powerpoint/2010/main" val="473351053"/>
+        <p14:creationId xmlns:p14="http://schemas.microsoft.com/office/powerpoint/2010/main" val="369680929"/>
       </p:ext>
     </p:extLst>
   </p:cSld>
@@ -815,7 +2804,7 @@
 </p:sldLayout>
 </file>
 
-<file path=ppt/slideLayouts/slideLayout11.xml><?xml version="1.0" encoding="utf-8"?>
+<file path=ppt/slideLayouts/slideLayout17.xml><?xml version="1.0" encoding="utf-8"?>
 <p:sldLayout xmlns:a="http://schemas.openxmlformats.org/drawingml/2006/main" xmlns:r="http://schemas.openxmlformats.org/officeDocument/2006/relationships" xmlns:p="http://schemas.openxmlformats.org/presentationml/2006/main" type="vertTitleAndTx" preserve="1">
   <p:cSld name="Vertical Title and Text">
     <p:spTree>
@@ -834,13 +2823,7 @@
       </p:grpSpPr>
       <p:sp>
         <p:nvSpPr>
-          <p:cNvPr id="2" name="Vertical Title 1">
-            <a:extLst>
-              <a:ext uri="{FF2B5EF4-FFF2-40B4-BE49-F238E27FC236}">
-                <a16:creationId xmlns:a16="http://schemas.microsoft.com/office/drawing/2014/main" id="{61F85561-B3BF-4B11-96B2-33423B4106A2}"/>
-              </a:ext>
-            </a:extLst>
-          </p:cNvPr>
+          <p:cNvPr id="2" name="Vertical Title 1"/>
           <p:cNvSpPr>
             <a:spLocks noGrp="1"/>
           </p:cNvSpPr>
@@ -850,8 +2833,8 @@
         </p:nvSpPr>
         <p:spPr>
           <a:xfrm>
-            <a:off x="8724900" y="365125"/>
-            <a:ext cx="2628900" cy="5811838"/>
+            <a:off x="8685212" y="685800"/>
+            <a:ext cx="2057400" cy="4572000"/>
           </a:xfrm>
         </p:spPr>
         <p:txBody>
@@ -862,18 +2845,13 @@
               <a:rPr lang="en-US"/>
               <a:t>Click to edit Master title style</a:t>
             </a:r>
-          </a:p>
-        </p:txBody>
-      </p:sp>
-      <p:sp>
-        <p:nvSpPr>
-          <p:cNvPr id="3" name="Vertical Text Placeholder 2">
-            <a:extLst>
-              <a:ext uri="{FF2B5EF4-FFF2-40B4-BE49-F238E27FC236}">
-                <a16:creationId xmlns:a16="http://schemas.microsoft.com/office/drawing/2014/main" id="{9618C3B1-A7C3-4A93-96B2-4BDE7F6CE34E}"/>
-              </a:ext>
-            </a:extLst>
-          </p:cNvPr>
+            <a:endParaRPr lang="en-US" dirty="0"/>
+          </a:p>
+        </p:txBody>
+      </p:sp>
+      <p:sp>
+        <p:nvSpPr>
+          <p:cNvPr id="3" name="Vertical Text Placeholder 2"/>
           <p:cNvSpPr>
             <a:spLocks noGrp="1"/>
           </p:cNvSpPr>
@@ -883,12 +2861,12 @@
         </p:nvSpPr>
         <p:spPr>
           <a:xfrm>
-            <a:off x="838200" y="365125"/>
-            <a:ext cx="7734300" cy="5811838"/>
+            <a:off x="685800" y="685800"/>
+            <a:ext cx="7823200" cy="5308600"/>
           </a:xfrm>
         </p:spPr>
         <p:txBody>
-          <a:bodyPr vert="eaVert"/>
+          <a:bodyPr vert="eaVert" anchor="t"/>
           <a:lstStyle/>
           <a:p>
             <a:pPr lvl="0"/>
@@ -924,18 +2902,13 @@
               <a:rPr lang="en-US"/>
               <a:t>Fifth level</a:t>
             </a:r>
-          </a:p>
-        </p:txBody>
-      </p:sp>
-      <p:sp>
-        <p:nvSpPr>
-          <p:cNvPr id="4" name="Date Placeholder 3">
-            <a:extLst>
-              <a:ext uri="{FF2B5EF4-FFF2-40B4-BE49-F238E27FC236}">
-                <a16:creationId xmlns:a16="http://schemas.microsoft.com/office/drawing/2014/main" id="{3575C143-837F-47F8-A6D5-FCD6F23855BC}"/>
-              </a:ext>
-            </a:extLst>
-          </p:cNvPr>
+            <a:endParaRPr lang="en-US" dirty="0"/>
+          </a:p>
+        </p:txBody>
+      </p:sp>
+      <p:sp>
+        <p:nvSpPr>
+          <p:cNvPr id="4" name="Date Placeholder 3"/>
           <p:cNvSpPr>
             <a:spLocks noGrp="1"/>
           </p:cNvSpPr>
@@ -958,13 +2931,7 @@
       </p:sp>
       <p:sp>
         <p:nvSpPr>
-          <p:cNvPr id="5" name="Footer Placeholder 4">
-            <a:extLst>
-              <a:ext uri="{FF2B5EF4-FFF2-40B4-BE49-F238E27FC236}">
-                <a16:creationId xmlns:a16="http://schemas.microsoft.com/office/drawing/2014/main" id="{468685C9-1D96-49AE-A541-62744EAF1F2B}"/>
-              </a:ext>
-            </a:extLst>
-          </p:cNvPr>
+          <p:cNvPr id="5" name="Footer Placeholder 4"/>
           <p:cNvSpPr>
             <a:spLocks noGrp="1"/>
           </p:cNvSpPr>
@@ -983,13 +2950,7 @@
       </p:sp>
       <p:sp>
         <p:nvSpPr>
-          <p:cNvPr id="6" name="Slide Number Placeholder 5">
-            <a:extLst>
-              <a:ext uri="{FF2B5EF4-FFF2-40B4-BE49-F238E27FC236}">
-                <a16:creationId xmlns:a16="http://schemas.microsoft.com/office/drawing/2014/main" id="{BA7E4B2A-411D-4805-8DDB-231575BB4F8C}"/>
-              </a:ext>
-            </a:extLst>
-          </p:cNvPr>
+          <p:cNvPr id="6" name="Slide Number Placeholder 5"/>
           <p:cNvSpPr>
             <a:spLocks noGrp="1"/>
           </p:cNvSpPr>
@@ -1013,7 +2974,7 @@
     </p:spTree>
     <p:extLst>
       <p:ext uri="{BB962C8B-B14F-4D97-AF65-F5344CB8AC3E}">
-        <p14:creationId xmlns:p14="http://schemas.microsoft.com/office/powerpoint/2010/main" val="185407193"/>
+        <p14:creationId xmlns:p14="http://schemas.microsoft.com/office/powerpoint/2010/main" val="467269165"/>
       </p:ext>
     </p:extLst>
   </p:cSld>
@@ -1042,13 +3003,7 @@
       </p:grpSpPr>
       <p:sp>
         <p:nvSpPr>
-          <p:cNvPr id="2" name="Title 1">
-            <a:extLst>
-              <a:ext uri="{FF2B5EF4-FFF2-40B4-BE49-F238E27FC236}">
-                <a16:creationId xmlns:a16="http://schemas.microsoft.com/office/drawing/2014/main" id="{A7A82E2B-ADC8-4456-A161-0BC794887853}"/>
-              </a:ext>
-            </a:extLst>
-          </p:cNvPr>
+          <p:cNvPr id="2" name="Title 1"/>
           <p:cNvSpPr>
             <a:spLocks noGrp="1"/>
           </p:cNvSpPr>
@@ -1065,18 +3020,13 @@
               <a:rPr lang="en-US"/>
               <a:t>Click to edit Master title style</a:t>
             </a:r>
-          </a:p>
-        </p:txBody>
-      </p:sp>
-      <p:sp>
-        <p:nvSpPr>
-          <p:cNvPr id="3" name="Content Placeholder 2">
-            <a:extLst>
-              <a:ext uri="{FF2B5EF4-FFF2-40B4-BE49-F238E27FC236}">
-                <a16:creationId xmlns:a16="http://schemas.microsoft.com/office/drawing/2014/main" id="{28852880-73AE-4889-AD9A-46039A5B7B1E}"/>
-              </a:ext>
-            </a:extLst>
-          </p:cNvPr>
+            <a:endParaRPr lang="en-US" dirty="0"/>
+          </a:p>
+        </p:txBody>
+      </p:sp>
+      <p:sp>
+        <p:nvSpPr>
+          <p:cNvPr id="3" name="Content Placeholder 2"/>
           <p:cNvSpPr>
             <a:spLocks noGrp="1"/>
           </p:cNvSpPr>
@@ -1086,7 +3036,7 @@
         </p:nvSpPr>
         <p:spPr/>
         <p:txBody>
-          <a:bodyPr/>
+          <a:bodyPr anchor="ctr"/>
           <a:lstStyle/>
           <a:p>
             <a:pPr lvl="0"/>
@@ -1122,18 +3072,13 @@
               <a:rPr lang="en-US"/>
               <a:t>Fifth level</a:t>
             </a:r>
-          </a:p>
-        </p:txBody>
-      </p:sp>
-      <p:sp>
-        <p:nvSpPr>
-          <p:cNvPr id="4" name="Date Placeholder 3">
-            <a:extLst>
-              <a:ext uri="{FF2B5EF4-FFF2-40B4-BE49-F238E27FC236}">
-                <a16:creationId xmlns:a16="http://schemas.microsoft.com/office/drawing/2014/main" id="{8AF4B789-9960-45C7-B337-32A630218CB5}"/>
-              </a:ext>
-            </a:extLst>
-          </p:cNvPr>
+            <a:endParaRPr lang="en-US" dirty="0"/>
+          </a:p>
+        </p:txBody>
+      </p:sp>
+      <p:sp>
+        <p:nvSpPr>
+          <p:cNvPr id="4" name="Date Placeholder 3"/>
           <p:cNvSpPr>
             <a:spLocks noGrp="1"/>
           </p:cNvSpPr>
@@ -1156,13 +3101,7 @@
       </p:sp>
       <p:sp>
         <p:nvSpPr>
-          <p:cNvPr id="5" name="Footer Placeholder 4">
-            <a:extLst>
-              <a:ext uri="{FF2B5EF4-FFF2-40B4-BE49-F238E27FC236}">
-                <a16:creationId xmlns:a16="http://schemas.microsoft.com/office/drawing/2014/main" id="{BE335971-5E6F-4982-91AB-814CC1C8169D}"/>
-              </a:ext>
-            </a:extLst>
-          </p:cNvPr>
+          <p:cNvPr id="5" name="Footer Placeholder 4"/>
           <p:cNvSpPr>
             <a:spLocks noGrp="1"/>
           </p:cNvSpPr>
@@ -1181,13 +3120,7 @@
       </p:sp>
       <p:sp>
         <p:nvSpPr>
-          <p:cNvPr id="6" name="Slide Number Placeholder 5">
-            <a:extLst>
-              <a:ext uri="{FF2B5EF4-FFF2-40B4-BE49-F238E27FC236}">
-                <a16:creationId xmlns:a16="http://schemas.microsoft.com/office/drawing/2014/main" id="{BBFC2229-B5F1-40EC-B1FA-513443F2CDCB}"/>
-              </a:ext>
-            </a:extLst>
-          </p:cNvPr>
+          <p:cNvPr id="6" name="Slide Number Placeholder 5"/>
           <p:cNvSpPr>
             <a:spLocks noGrp="1"/>
           </p:cNvSpPr>
@@ -1211,7 +3144,7 @@
     </p:spTree>
     <p:extLst>
       <p:ext uri="{BB962C8B-B14F-4D97-AF65-F5344CB8AC3E}">
-        <p14:creationId xmlns:p14="http://schemas.microsoft.com/office/powerpoint/2010/main" val="1076762550"/>
+        <p14:creationId xmlns:p14="http://schemas.microsoft.com/office/powerpoint/2010/main" val="3993704594"/>
       </p:ext>
     </p:extLst>
   </p:cSld>
@@ -1240,13 +3173,7 @@
       </p:grpSpPr>
       <p:sp>
         <p:nvSpPr>
-          <p:cNvPr id="2" name="Title 1">
-            <a:extLst>
-              <a:ext uri="{FF2B5EF4-FFF2-40B4-BE49-F238E27FC236}">
-                <a16:creationId xmlns:a16="http://schemas.microsoft.com/office/drawing/2014/main" id="{80CDD20A-E9F3-40C4-8891-9510A18FE342}"/>
-              </a:ext>
-            </a:extLst>
-          </p:cNvPr>
+          <p:cNvPr id="2" name="Title 1"/>
           <p:cNvSpPr>
             <a:spLocks noGrp="1"/>
           </p:cNvSpPr>
@@ -1256,15 +3183,17 @@
         </p:nvSpPr>
         <p:spPr>
           <a:xfrm>
-            <a:off x="831850" y="1709738"/>
-            <a:ext cx="10515600" cy="2852737"/>
+            <a:off x="684211" y="2006600"/>
+            <a:ext cx="8534401" cy="2281600"/>
           </a:xfrm>
         </p:spPr>
         <p:txBody>
-          <a:bodyPr anchor="b"/>
+          <a:bodyPr anchor="b">
+            <a:normAutofit/>
+          </a:bodyPr>
           <a:lstStyle>
-            <a:lvl1pPr>
-              <a:defRPr sz="6000"/>
+            <a:lvl1pPr algn="l">
+              <a:defRPr sz="3600" b="0" cap="all"/>
             </a:lvl1pPr>
           </a:lstStyle>
           <a:p>
@@ -1272,18 +3201,13 @@
               <a:rPr lang="en-US"/>
               <a:t>Click to edit Master title style</a:t>
             </a:r>
-          </a:p>
-        </p:txBody>
-      </p:sp>
-      <p:sp>
-        <p:nvSpPr>
-          <p:cNvPr id="3" name="Text Placeholder 2">
-            <a:extLst>
-              <a:ext uri="{FF2B5EF4-FFF2-40B4-BE49-F238E27FC236}">
-                <a16:creationId xmlns:a16="http://schemas.microsoft.com/office/drawing/2014/main" id="{39CEA9AE-1CB5-4E00-A4A6-318B89E5F2DD}"/>
-              </a:ext>
-            </a:extLst>
-          </p:cNvPr>
+            <a:endParaRPr lang="en-US" dirty="0"/>
+          </a:p>
+        </p:txBody>
+      </p:sp>
+      <p:sp>
+        <p:nvSpPr>
+          <p:cNvPr id="3" name="Text Placeholder 2"/>
           <p:cNvSpPr>
             <a:spLocks noGrp="1"/>
           </p:cNvSpPr>
@@ -1293,26 +3217,28 @@
         </p:nvSpPr>
         <p:spPr>
           <a:xfrm>
-            <a:off x="831850" y="4589463"/>
-            <a:ext cx="10515600" cy="1500187"/>
+            <a:off x="684213" y="4495800"/>
+            <a:ext cx="8534400" cy="1498600"/>
           </a:xfrm>
         </p:spPr>
         <p:txBody>
-          <a:bodyPr/>
+          <a:bodyPr anchor="t">
+            <a:normAutofit/>
+          </a:bodyPr>
           <a:lstStyle>
-            <a:lvl1pPr marL="0" indent="0">
-              <a:buNone/>
-              <a:defRPr sz="2400">
+            <a:lvl1pPr marL="0" indent="0" algn="l">
+              <a:buNone/>
+              <a:defRPr sz="1800">
                 <a:solidFill>
-                  <a:schemeClr val="tx1">
-                    <a:tint val="75000"/>
+                  <a:schemeClr val="bg2">
+                    <a:lumMod val="75000"/>
                   </a:schemeClr>
                 </a:solidFill>
               </a:defRPr>
             </a:lvl1pPr>
             <a:lvl2pPr marL="457200" indent="0">
               <a:buNone/>
-              <a:defRPr sz="2000">
+              <a:defRPr sz="1800">
                 <a:solidFill>
                   <a:schemeClr val="tx1">
                     <a:tint val="75000"/>
@@ -1322,7 +3248,7 @@
             </a:lvl2pPr>
             <a:lvl3pPr marL="914400" indent="0">
               <a:buNone/>
-              <a:defRPr sz="1800">
+              <a:defRPr sz="1600">
                 <a:solidFill>
                   <a:schemeClr val="tx1">
                     <a:tint val="75000"/>
@@ -1332,7 +3258,7 @@
             </a:lvl3pPr>
             <a:lvl4pPr marL="1371600" indent="0">
               <a:buNone/>
-              <a:defRPr sz="1600">
+              <a:defRPr sz="1400">
                 <a:solidFill>
                   <a:schemeClr val="tx1">
                     <a:tint val="75000"/>
@@ -1342,7 +3268,7 @@
             </a:lvl4pPr>
             <a:lvl5pPr marL="1828800" indent="0">
               <a:buNone/>
-              <a:defRPr sz="1600">
+              <a:defRPr sz="1400">
                 <a:solidFill>
                   <a:schemeClr val="tx1">
                     <a:tint val="75000"/>
@@ -1352,7 +3278,7 @@
             </a:lvl5pPr>
             <a:lvl6pPr marL="2286000" indent="0">
               <a:buNone/>
-              <a:defRPr sz="1600">
+              <a:defRPr sz="1400">
                 <a:solidFill>
                   <a:schemeClr val="tx1">
                     <a:tint val="75000"/>
@@ -1362,7 +3288,7 @@
             </a:lvl6pPr>
             <a:lvl7pPr marL="2743200" indent="0">
               <a:buNone/>
-              <a:defRPr sz="1600">
+              <a:defRPr sz="1400">
                 <a:solidFill>
                   <a:schemeClr val="tx1">
                     <a:tint val="75000"/>
@@ -1372,7 +3298,7 @@
             </a:lvl7pPr>
             <a:lvl8pPr marL="3200400" indent="0">
               <a:buNone/>
-              <a:defRPr sz="1600">
+              <a:defRPr sz="1400">
                 <a:solidFill>
                   <a:schemeClr val="tx1">
                     <a:tint val="75000"/>
@@ -1382,7 +3308,7 @@
             </a:lvl8pPr>
             <a:lvl9pPr marL="3657600" indent="0">
               <a:buNone/>
-              <a:defRPr sz="1600">
+              <a:defRPr sz="1400">
                 <a:solidFill>
                   <a:schemeClr val="tx1">
                     <a:tint val="75000"/>
@@ -1402,13 +3328,7 @@
       </p:sp>
       <p:sp>
         <p:nvSpPr>
-          <p:cNvPr id="4" name="Date Placeholder 3">
-            <a:extLst>
-              <a:ext uri="{FF2B5EF4-FFF2-40B4-BE49-F238E27FC236}">
-                <a16:creationId xmlns:a16="http://schemas.microsoft.com/office/drawing/2014/main" id="{4577CCAE-5BEE-4D6C-8850-32D4B1C4FDB2}"/>
-              </a:ext>
-            </a:extLst>
-          </p:cNvPr>
+          <p:cNvPr id="4" name="Date Placeholder 3"/>
           <p:cNvSpPr>
             <a:spLocks noGrp="1"/>
           </p:cNvSpPr>
@@ -1431,13 +3351,7 @@
       </p:sp>
       <p:sp>
         <p:nvSpPr>
-          <p:cNvPr id="5" name="Footer Placeholder 4">
-            <a:extLst>
-              <a:ext uri="{FF2B5EF4-FFF2-40B4-BE49-F238E27FC236}">
-                <a16:creationId xmlns:a16="http://schemas.microsoft.com/office/drawing/2014/main" id="{47C72093-AA0C-4A32-8311-CD9A83E32189}"/>
-              </a:ext>
-            </a:extLst>
-          </p:cNvPr>
+          <p:cNvPr id="5" name="Footer Placeholder 4"/>
           <p:cNvSpPr>
             <a:spLocks noGrp="1"/>
           </p:cNvSpPr>
@@ -1456,13 +3370,7 @@
       </p:sp>
       <p:sp>
         <p:nvSpPr>
-          <p:cNvPr id="6" name="Slide Number Placeholder 5">
-            <a:extLst>
-              <a:ext uri="{FF2B5EF4-FFF2-40B4-BE49-F238E27FC236}">
-                <a16:creationId xmlns:a16="http://schemas.microsoft.com/office/drawing/2014/main" id="{722F71BF-44A1-4C9F-B715-5C2461E0F03F}"/>
-              </a:ext>
-            </a:extLst>
-          </p:cNvPr>
+          <p:cNvPr id="6" name="Slide Number Placeholder 5"/>
           <p:cNvSpPr>
             <a:spLocks noGrp="1"/>
           </p:cNvSpPr>
@@ -1486,7 +3394,7 @@
     </p:spTree>
     <p:extLst>
       <p:ext uri="{BB962C8B-B14F-4D97-AF65-F5344CB8AC3E}">
-        <p14:creationId xmlns:p14="http://schemas.microsoft.com/office/powerpoint/2010/main" val="2603859326"/>
+        <p14:creationId xmlns:p14="http://schemas.microsoft.com/office/powerpoint/2010/main" val="2860375619"/>
       </p:ext>
     </p:extLst>
   </p:cSld>
@@ -1515,13 +3423,7 @@
       </p:grpSpPr>
       <p:sp>
         <p:nvSpPr>
-          <p:cNvPr id="2" name="Title 1">
-            <a:extLst>
-              <a:ext uri="{FF2B5EF4-FFF2-40B4-BE49-F238E27FC236}">
-                <a16:creationId xmlns:a16="http://schemas.microsoft.com/office/drawing/2014/main" id="{F59B3D0C-D83F-422E-A71E-646E9EC34E3F}"/>
-              </a:ext>
-            </a:extLst>
-          </p:cNvPr>
+          <p:cNvPr id="2" name="Title 1"/>
           <p:cNvSpPr>
             <a:spLocks noGrp="1"/>
           </p:cNvSpPr>
@@ -1538,18 +3440,13 @@
               <a:rPr lang="en-US"/>
               <a:t>Click to edit Master title style</a:t>
             </a:r>
-          </a:p>
-        </p:txBody>
-      </p:sp>
-      <p:sp>
-        <p:nvSpPr>
-          <p:cNvPr id="3" name="Content Placeholder 2">
-            <a:extLst>
-              <a:ext uri="{FF2B5EF4-FFF2-40B4-BE49-F238E27FC236}">
-                <a16:creationId xmlns:a16="http://schemas.microsoft.com/office/drawing/2014/main" id="{2CF20E7C-FEA2-42DD-AB68-4E5537439508}"/>
-              </a:ext>
-            </a:extLst>
-          </p:cNvPr>
+            <a:endParaRPr lang="en-US" dirty="0"/>
+          </a:p>
+        </p:txBody>
+      </p:sp>
+      <p:sp>
+        <p:nvSpPr>
+          <p:cNvPr id="3" name="Content Placeholder 2"/>
           <p:cNvSpPr>
             <a:spLocks noGrp="1"/>
           </p:cNvSpPr>
@@ -1559,12 +3456,14 @@
         </p:nvSpPr>
         <p:spPr>
           <a:xfrm>
-            <a:off x="838200" y="1825625"/>
-            <a:ext cx="5181600" cy="4351338"/>
+            <a:off x="684211" y="685800"/>
+            <a:ext cx="4937655" cy="3615267"/>
           </a:xfrm>
         </p:spPr>
         <p:txBody>
-          <a:bodyPr/>
+          <a:bodyPr>
+            <a:normAutofit/>
+          </a:bodyPr>
           <a:lstStyle/>
           <a:p>
             <a:pPr lvl="0"/>
@@ -1600,18 +3499,13 @@
               <a:rPr lang="en-US"/>
               <a:t>Fifth level</a:t>
             </a:r>
-          </a:p>
-        </p:txBody>
-      </p:sp>
-      <p:sp>
-        <p:nvSpPr>
-          <p:cNvPr id="4" name="Content Placeholder 3">
-            <a:extLst>
-              <a:ext uri="{FF2B5EF4-FFF2-40B4-BE49-F238E27FC236}">
-                <a16:creationId xmlns:a16="http://schemas.microsoft.com/office/drawing/2014/main" id="{F5EC36C5-DA29-4557-9984-1F098382C319}"/>
-              </a:ext>
-            </a:extLst>
-          </p:cNvPr>
+            <a:endParaRPr lang="en-US" dirty="0"/>
+          </a:p>
+        </p:txBody>
+      </p:sp>
+      <p:sp>
+        <p:nvSpPr>
+          <p:cNvPr id="4" name="Content Placeholder 3"/>
           <p:cNvSpPr>
             <a:spLocks noGrp="1"/>
           </p:cNvSpPr>
@@ -1621,12 +3515,14 @@
         </p:nvSpPr>
         <p:spPr>
           <a:xfrm>
-            <a:off x="6172200" y="1825625"/>
-            <a:ext cx="5181600" cy="4351338"/>
+            <a:off x="5808133" y="685801"/>
+            <a:ext cx="4934479" cy="3615266"/>
           </a:xfrm>
         </p:spPr>
         <p:txBody>
-          <a:bodyPr/>
+          <a:bodyPr>
+            <a:normAutofit/>
+          </a:bodyPr>
           <a:lstStyle/>
           <a:p>
             <a:pPr lvl="0"/>
@@ -1662,18 +3558,13 @@
               <a:rPr lang="en-US"/>
               <a:t>Fifth level</a:t>
             </a:r>
-          </a:p>
-        </p:txBody>
-      </p:sp>
-      <p:sp>
-        <p:nvSpPr>
-          <p:cNvPr id="5" name="Date Placeholder 4">
-            <a:extLst>
-              <a:ext uri="{FF2B5EF4-FFF2-40B4-BE49-F238E27FC236}">
-                <a16:creationId xmlns:a16="http://schemas.microsoft.com/office/drawing/2014/main" id="{F6DDBA26-FAD9-4394-A9B5-50638C24EBE9}"/>
-              </a:ext>
-            </a:extLst>
-          </p:cNvPr>
+            <a:endParaRPr lang="en-US" dirty="0"/>
+          </a:p>
+        </p:txBody>
+      </p:sp>
+      <p:sp>
+        <p:nvSpPr>
+          <p:cNvPr id="5" name="Date Placeholder 4"/>
           <p:cNvSpPr>
             <a:spLocks noGrp="1"/>
           </p:cNvSpPr>
@@ -1696,13 +3587,7 @@
       </p:sp>
       <p:sp>
         <p:nvSpPr>
-          <p:cNvPr id="6" name="Footer Placeholder 5">
-            <a:extLst>
-              <a:ext uri="{FF2B5EF4-FFF2-40B4-BE49-F238E27FC236}">
-                <a16:creationId xmlns:a16="http://schemas.microsoft.com/office/drawing/2014/main" id="{3516093A-7ED0-4F41-B4A7-389478D3A73C}"/>
-              </a:ext>
-            </a:extLst>
-          </p:cNvPr>
+          <p:cNvPr id="6" name="Footer Placeholder 5"/>
           <p:cNvSpPr>
             <a:spLocks noGrp="1"/>
           </p:cNvSpPr>
@@ -1721,13 +3606,7 @@
       </p:sp>
       <p:sp>
         <p:nvSpPr>
-          <p:cNvPr id="7" name="Slide Number Placeholder 6">
-            <a:extLst>
-              <a:ext uri="{FF2B5EF4-FFF2-40B4-BE49-F238E27FC236}">
-                <a16:creationId xmlns:a16="http://schemas.microsoft.com/office/drawing/2014/main" id="{2EE28DD8-C737-426F-B0FF-C57D261CE0C4}"/>
-              </a:ext>
-            </a:extLst>
-          </p:cNvPr>
+          <p:cNvPr id="7" name="Slide Number Placeholder 6"/>
           <p:cNvSpPr>
             <a:spLocks noGrp="1"/>
           </p:cNvSpPr>
@@ -1751,7 +3630,7 @@
     </p:spTree>
     <p:extLst>
       <p:ext uri="{BB962C8B-B14F-4D97-AF65-F5344CB8AC3E}">
-        <p14:creationId xmlns:p14="http://schemas.microsoft.com/office/powerpoint/2010/main" val="2657005781"/>
+        <p14:creationId xmlns:p14="http://schemas.microsoft.com/office/powerpoint/2010/main" val="2692202571"/>
       </p:ext>
     </p:extLst>
   </p:cSld>
@@ -1780,65 +3659,59 @@
       </p:grpSpPr>
       <p:sp>
         <p:nvSpPr>
-          <p:cNvPr id="2" name="Title 1">
-            <a:extLst>
-              <a:ext uri="{FF2B5EF4-FFF2-40B4-BE49-F238E27FC236}">
-                <a16:creationId xmlns:a16="http://schemas.microsoft.com/office/drawing/2014/main" id="{4E8A027F-C958-42D9-B5D4-6FCC2F8D7B1E}"/>
-              </a:ext>
-            </a:extLst>
-          </p:cNvPr>
+          <p:cNvPr id="2" name="Title 1"/>
           <p:cNvSpPr>
             <a:spLocks noGrp="1"/>
           </p:cNvSpPr>
           <p:nvPr>
             <p:ph type="title"/>
+          </p:nvPr>
+        </p:nvSpPr>
+        <p:spPr/>
+        <p:txBody>
+          <a:bodyPr/>
+          <a:lstStyle>
+            <a:lvl1pPr>
+              <a:defRPr/>
+            </a:lvl1pPr>
+          </a:lstStyle>
+          <a:p>
+            <a:r>
+              <a:rPr lang="en-US"/>
+              <a:t>Click to edit Master title style</a:t>
+            </a:r>
+            <a:endParaRPr lang="en-US" dirty="0"/>
+          </a:p>
+        </p:txBody>
+      </p:sp>
+      <p:sp>
+        <p:nvSpPr>
+          <p:cNvPr id="3" name="Text Placeholder 2"/>
+          <p:cNvSpPr>
+            <a:spLocks noGrp="1"/>
+          </p:cNvSpPr>
+          <p:nvPr>
+            <p:ph type="body" idx="1"/>
           </p:nvPr>
         </p:nvSpPr>
         <p:spPr>
           <a:xfrm>
-            <a:off x="839788" y="365125"/>
-            <a:ext cx="10515600" cy="1325563"/>
+            <a:off x="972080" y="685800"/>
+            <a:ext cx="4649787" cy="576262"/>
           </a:xfrm>
         </p:spPr>
         <p:txBody>
-          <a:bodyPr/>
-          <a:lstStyle/>
-          <a:p>
-            <a:r>
-              <a:rPr lang="en-US"/>
-              <a:t>Click to edit Master title style</a:t>
-            </a:r>
-          </a:p>
-        </p:txBody>
-      </p:sp>
-      <p:sp>
-        <p:nvSpPr>
-          <p:cNvPr id="3" name="Text Placeholder 2">
-            <a:extLst>
-              <a:ext uri="{FF2B5EF4-FFF2-40B4-BE49-F238E27FC236}">
-                <a16:creationId xmlns:a16="http://schemas.microsoft.com/office/drawing/2014/main" id="{74556F55-EEE9-4A08-A27A-1EB23F7A15DC}"/>
-              </a:ext>
-            </a:extLst>
-          </p:cNvPr>
-          <p:cNvSpPr>
-            <a:spLocks noGrp="1"/>
-          </p:cNvSpPr>
-          <p:nvPr>
-            <p:ph type="body" idx="1"/>
-          </p:nvPr>
-        </p:nvSpPr>
-        <p:spPr>
-          <a:xfrm>
-            <a:off x="839788" y="1681163"/>
-            <a:ext cx="5157787" cy="823912"/>
-          </a:xfrm>
-        </p:spPr>
-        <p:txBody>
-          <a:bodyPr anchor="b"/>
+          <a:bodyPr anchor="b">
+            <a:noAutofit/>
+          </a:bodyPr>
           <a:lstStyle>
             <a:lvl1pPr marL="0" indent="0">
               <a:buNone/>
-              <a:defRPr sz="2400" b="1"/>
+              <a:defRPr sz="2800" b="0">
+                <a:solidFill>
+                  <a:schemeClr val="tx1"/>
+                </a:solidFill>
+              </a:defRPr>
             </a:lvl1pPr>
             <a:lvl2pPr marL="457200" indent="0">
               <a:buNone/>
@@ -1884,13 +3757,7 @@
       </p:sp>
       <p:sp>
         <p:nvSpPr>
-          <p:cNvPr id="4" name="Content Placeholder 3">
-            <a:extLst>
-              <a:ext uri="{FF2B5EF4-FFF2-40B4-BE49-F238E27FC236}">
-                <a16:creationId xmlns:a16="http://schemas.microsoft.com/office/drawing/2014/main" id="{0B8172A5-D162-407E-BE40-FB8B37C6F8A3}"/>
-              </a:ext>
-            </a:extLst>
-          </p:cNvPr>
+          <p:cNvPr id="4" name="Content Placeholder 3"/>
           <p:cNvSpPr>
             <a:spLocks noGrp="1"/>
           </p:cNvSpPr>
@@ -1900,12 +3767,14 @@
         </p:nvSpPr>
         <p:spPr>
           <a:xfrm>
-            <a:off x="839788" y="2505075"/>
-            <a:ext cx="5157787" cy="3684588"/>
+            <a:off x="684211" y="1270529"/>
+            <a:ext cx="4937655" cy="3030538"/>
           </a:xfrm>
         </p:spPr>
         <p:txBody>
-          <a:bodyPr/>
+          <a:bodyPr anchor="t">
+            <a:normAutofit/>
+          </a:bodyPr>
           <a:lstStyle/>
           <a:p>
             <a:pPr lvl="0"/>
@@ -1941,18 +3810,13 @@
               <a:rPr lang="en-US"/>
               <a:t>Fifth level</a:t>
             </a:r>
-          </a:p>
-        </p:txBody>
-      </p:sp>
-      <p:sp>
-        <p:nvSpPr>
-          <p:cNvPr id="5" name="Text Placeholder 4">
-            <a:extLst>
-              <a:ext uri="{FF2B5EF4-FFF2-40B4-BE49-F238E27FC236}">
-                <a16:creationId xmlns:a16="http://schemas.microsoft.com/office/drawing/2014/main" id="{910AEBB0-F033-46DF-BAB0-41A67268A4E4}"/>
-              </a:ext>
-            </a:extLst>
-          </p:cNvPr>
+            <a:endParaRPr lang="en-US" dirty="0"/>
+          </a:p>
+        </p:txBody>
+      </p:sp>
+      <p:sp>
+        <p:nvSpPr>
+          <p:cNvPr id="5" name="Text Placeholder 4"/>
           <p:cNvSpPr>
             <a:spLocks noGrp="1"/>
           </p:cNvSpPr>
@@ -1962,16 +3826,22 @@
         </p:nvSpPr>
         <p:spPr>
           <a:xfrm>
-            <a:off x="6172200" y="1681163"/>
-            <a:ext cx="5183188" cy="823912"/>
+            <a:off x="6079066" y="685800"/>
+            <a:ext cx="4665134" cy="576262"/>
           </a:xfrm>
         </p:spPr>
         <p:txBody>
-          <a:bodyPr anchor="b"/>
+          <a:bodyPr anchor="b">
+            <a:noAutofit/>
+          </a:bodyPr>
           <a:lstStyle>
             <a:lvl1pPr marL="0" indent="0">
               <a:buNone/>
-              <a:defRPr sz="2400" b="1"/>
+              <a:defRPr sz="2800" b="0">
+                <a:solidFill>
+                  <a:schemeClr val="tx1"/>
+                </a:solidFill>
+              </a:defRPr>
             </a:lvl1pPr>
             <a:lvl2pPr marL="457200" indent="0">
               <a:buNone/>
@@ -2017,13 +3887,7 @@
       </p:sp>
       <p:sp>
         <p:nvSpPr>
-          <p:cNvPr id="6" name="Content Placeholder 5">
-            <a:extLst>
-              <a:ext uri="{FF2B5EF4-FFF2-40B4-BE49-F238E27FC236}">
-                <a16:creationId xmlns:a16="http://schemas.microsoft.com/office/drawing/2014/main" id="{813BE41B-D031-4E6F-A4AD-82C4E436F01D}"/>
-              </a:ext>
-            </a:extLst>
-          </p:cNvPr>
+          <p:cNvPr id="6" name="Content Placeholder 5"/>
           <p:cNvSpPr>
             <a:spLocks noGrp="1"/>
           </p:cNvSpPr>
@@ -2033,12 +3897,14 @@
         </p:nvSpPr>
         <p:spPr>
           <a:xfrm>
-            <a:off x="6172200" y="2505075"/>
-            <a:ext cx="5183188" cy="3684588"/>
+            <a:off x="5806545" y="1262062"/>
+            <a:ext cx="4929188" cy="3030538"/>
           </a:xfrm>
         </p:spPr>
         <p:txBody>
-          <a:bodyPr/>
+          <a:bodyPr anchor="t">
+            <a:normAutofit/>
+          </a:bodyPr>
           <a:lstStyle/>
           <a:p>
             <a:pPr lvl="0"/>
@@ -2074,18 +3940,13 @@
               <a:rPr lang="en-US"/>
               <a:t>Fifth level</a:t>
             </a:r>
-          </a:p>
-        </p:txBody>
-      </p:sp>
-      <p:sp>
-        <p:nvSpPr>
-          <p:cNvPr id="7" name="Date Placeholder 6">
-            <a:extLst>
-              <a:ext uri="{FF2B5EF4-FFF2-40B4-BE49-F238E27FC236}">
-                <a16:creationId xmlns:a16="http://schemas.microsoft.com/office/drawing/2014/main" id="{32923526-055D-49E5-A9A9-53080CDA9709}"/>
-              </a:ext>
-            </a:extLst>
-          </p:cNvPr>
+            <a:endParaRPr lang="en-US" dirty="0"/>
+          </a:p>
+        </p:txBody>
+      </p:sp>
+      <p:sp>
+        <p:nvSpPr>
+          <p:cNvPr id="7" name="Date Placeholder 6"/>
           <p:cNvSpPr>
             <a:spLocks noGrp="1"/>
           </p:cNvSpPr>
@@ -2108,13 +3969,7 @@
       </p:sp>
       <p:sp>
         <p:nvSpPr>
-          <p:cNvPr id="8" name="Footer Placeholder 7">
-            <a:extLst>
-              <a:ext uri="{FF2B5EF4-FFF2-40B4-BE49-F238E27FC236}">
-                <a16:creationId xmlns:a16="http://schemas.microsoft.com/office/drawing/2014/main" id="{ED905B09-D227-432B-A3D5-561A4F42514F}"/>
-              </a:ext>
-            </a:extLst>
-          </p:cNvPr>
+          <p:cNvPr id="8" name="Footer Placeholder 7"/>
           <p:cNvSpPr>
             <a:spLocks noGrp="1"/>
           </p:cNvSpPr>
@@ -2133,13 +3988,7 @@
       </p:sp>
       <p:sp>
         <p:nvSpPr>
-          <p:cNvPr id="9" name="Slide Number Placeholder 8">
-            <a:extLst>
-              <a:ext uri="{FF2B5EF4-FFF2-40B4-BE49-F238E27FC236}">
-                <a16:creationId xmlns:a16="http://schemas.microsoft.com/office/drawing/2014/main" id="{8676C7D8-E176-4EA8-A8E2-20F88DA328BD}"/>
-              </a:ext>
-            </a:extLst>
-          </p:cNvPr>
+          <p:cNvPr id="9" name="Slide Number Placeholder 8"/>
           <p:cNvSpPr>
             <a:spLocks noGrp="1"/>
           </p:cNvSpPr>
@@ -2163,7 +4012,7 @@
     </p:spTree>
     <p:extLst>
       <p:ext uri="{BB962C8B-B14F-4D97-AF65-F5344CB8AC3E}">
-        <p14:creationId xmlns:p14="http://schemas.microsoft.com/office/powerpoint/2010/main" val="786272467"/>
+        <p14:creationId xmlns:p14="http://schemas.microsoft.com/office/powerpoint/2010/main" val="886313913"/>
       </p:ext>
     </p:extLst>
   </p:cSld>
@@ -2192,13 +4041,7 @@
       </p:grpSpPr>
       <p:sp>
         <p:nvSpPr>
-          <p:cNvPr id="2" name="Title 1">
-            <a:extLst>
-              <a:ext uri="{FF2B5EF4-FFF2-40B4-BE49-F238E27FC236}">
-                <a16:creationId xmlns:a16="http://schemas.microsoft.com/office/drawing/2014/main" id="{6203A227-2F7B-4251-989A-21BEBA546F06}"/>
-              </a:ext>
-            </a:extLst>
-          </p:cNvPr>
+          <p:cNvPr id="2" name="Title 1"/>
           <p:cNvSpPr>
             <a:spLocks noGrp="1"/>
           </p:cNvSpPr>
@@ -2215,18 +4058,13 @@
               <a:rPr lang="en-US"/>
               <a:t>Click to edit Master title style</a:t>
             </a:r>
-          </a:p>
-        </p:txBody>
-      </p:sp>
-      <p:sp>
-        <p:nvSpPr>
-          <p:cNvPr id="3" name="Date Placeholder 2">
-            <a:extLst>
-              <a:ext uri="{FF2B5EF4-FFF2-40B4-BE49-F238E27FC236}">
-                <a16:creationId xmlns:a16="http://schemas.microsoft.com/office/drawing/2014/main" id="{524B738F-768D-4D03-9A84-6C15BAD48BC2}"/>
-              </a:ext>
-            </a:extLst>
-          </p:cNvPr>
+            <a:endParaRPr lang="en-US" dirty="0"/>
+          </a:p>
+        </p:txBody>
+      </p:sp>
+      <p:sp>
+        <p:nvSpPr>
+          <p:cNvPr id="3" name="Date Placeholder 2"/>
           <p:cNvSpPr>
             <a:spLocks noGrp="1"/>
           </p:cNvSpPr>
@@ -2249,13 +4087,7 @@
       </p:sp>
       <p:sp>
         <p:nvSpPr>
-          <p:cNvPr id="4" name="Footer Placeholder 3">
-            <a:extLst>
-              <a:ext uri="{FF2B5EF4-FFF2-40B4-BE49-F238E27FC236}">
-                <a16:creationId xmlns:a16="http://schemas.microsoft.com/office/drawing/2014/main" id="{2F96C17B-03A4-4BDA-9258-98ACC7CB41AA}"/>
-              </a:ext>
-            </a:extLst>
-          </p:cNvPr>
+          <p:cNvPr id="4" name="Footer Placeholder 3"/>
           <p:cNvSpPr>
             <a:spLocks noGrp="1"/>
           </p:cNvSpPr>
@@ -2274,13 +4106,7 @@
       </p:sp>
       <p:sp>
         <p:nvSpPr>
-          <p:cNvPr id="5" name="Slide Number Placeholder 4">
-            <a:extLst>
-              <a:ext uri="{FF2B5EF4-FFF2-40B4-BE49-F238E27FC236}">
-                <a16:creationId xmlns:a16="http://schemas.microsoft.com/office/drawing/2014/main" id="{3BA3B4F7-52D4-4720-BA11-D4A54FC0EDAF}"/>
-              </a:ext>
-            </a:extLst>
-          </p:cNvPr>
+          <p:cNvPr id="5" name="Slide Number Placeholder 4"/>
           <p:cNvSpPr>
             <a:spLocks noGrp="1"/>
           </p:cNvSpPr>
@@ -2304,7 +4130,7 @@
     </p:spTree>
     <p:extLst>
       <p:ext uri="{BB962C8B-B14F-4D97-AF65-F5344CB8AC3E}">
-        <p14:creationId xmlns:p14="http://schemas.microsoft.com/office/powerpoint/2010/main" val="2691249877"/>
+        <p14:creationId xmlns:p14="http://schemas.microsoft.com/office/powerpoint/2010/main" val="2703772173"/>
       </p:ext>
     </p:extLst>
   </p:cSld>
@@ -2333,13 +4159,7 @@
       </p:grpSpPr>
       <p:sp>
         <p:nvSpPr>
-          <p:cNvPr id="2" name="Date Placeholder 1">
-            <a:extLst>
-              <a:ext uri="{FF2B5EF4-FFF2-40B4-BE49-F238E27FC236}">
-                <a16:creationId xmlns:a16="http://schemas.microsoft.com/office/drawing/2014/main" id="{F14CD39B-685A-494B-9773-B810B0535977}"/>
-              </a:ext>
-            </a:extLst>
-          </p:cNvPr>
+          <p:cNvPr id="2" name="Date Placeholder 1"/>
           <p:cNvSpPr>
             <a:spLocks noGrp="1"/>
           </p:cNvSpPr>
@@ -2362,13 +4182,7 @@
       </p:sp>
       <p:sp>
         <p:nvSpPr>
-          <p:cNvPr id="3" name="Footer Placeholder 2">
-            <a:extLst>
-              <a:ext uri="{FF2B5EF4-FFF2-40B4-BE49-F238E27FC236}">
-                <a16:creationId xmlns:a16="http://schemas.microsoft.com/office/drawing/2014/main" id="{A3079E1B-7EDD-49DA-AEAF-9A2CBAEEB0DA}"/>
-              </a:ext>
-            </a:extLst>
-          </p:cNvPr>
+          <p:cNvPr id="3" name="Footer Placeholder 2"/>
           <p:cNvSpPr>
             <a:spLocks noGrp="1"/>
           </p:cNvSpPr>
@@ -2387,13 +4201,7 @@
       </p:sp>
       <p:sp>
         <p:nvSpPr>
-          <p:cNvPr id="4" name="Slide Number Placeholder 3">
-            <a:extLst>
-              <a:ext uri="{FF2B5EF4-FFF2-40B4-BE49-F238E27FC236}">
-                <a16:creationId xmlns:a16="http://schemas.microsoft.com/office/drawing/2014/main" id="{B8AF03E7-A123-466D-B93E-FAEEE712B505}"/>
-              </a:ext>
-            </a:extLst>
-          </p:cNvPr>
+          <p:cNvPr id="4" name="Slide Number Placeholder 3"/>
           <p:cNvSpPr>
             <a:spLocks noGrp="1"/>
           </p:cNvSpPr>
@@ -2417,7 +4225,7 @@
     </p:spTree>
     <p:extLst>
       <p:ext uri="{BB962C8B-B14F-4D97-AF65-F5344CB8AC3E}">
-        <p14:creationId xmlns:p14="http://schemas.microsoft.com/office/powerpoint/2010/main" val="4020057835"/>
+        <p14:creationId xmlns:p14="http://schemas.microsoft.com/office/powerpoint/2010/main" val="442772383"/>
       </p:ext>
     </p:extLst>
   </p:cSld>
@@ -2446,13 +4254,7 @@
       </p:grpSpPr>
       <p:sp>
         <p:nvSpPr>
-          <p:cNvPr id="2" name="Title 1">
-            <a:extLst>
-              <a:ext uri="{FF2B5EF4-FFF2-40B4-BE49-F238E27FC236}">
-                <a16:creationId xmlns:a16="http://schemas.microsoft.com/office/drawing/2014/main" id="{1B55B48E-BCBD-4D5D-83A9-4759B96828C6}"/>
-              </a:ext>
-            </a:extLst>
-          </p:cNvPr>
+          <p:cNvPr id="2" name="Title 1"/>
           <p:cNvSpPr>
             <a:spLocks noGrp="1"/>
           </p:cNvSpPr>
@@ -2462,15 +4264,17 @@
         </p:nvSpPr>
         <p:spPr>
           <a:xfrm>
-            <a:off x="839788" y="457200"/>
-            <a:ext cx="3932237" cy="1600200"/>
+            <a:off x="7085012" y="685800"/>
+            <a:ext cx="3657600" cy="1371600"/>
           </a:xfrm>
         </p:spPr>
         <p:txBody>
-          <a:bodyPr anchor="b"/>
+          <a:bodyPr anchor="b">
+            <a:normAutofit/>
+          </a:bodyPr>
           <a:lstStyle>
-            <a:lvl1pPr>
-              <a:defRPr sz="3200"/>
+            <a:lvl1pPr algn="l">
+              <a:defRPr sz="2400" b="0"/>
             </a:lvl1pPr>
           </a:lstStyle>
           <a:p>
@@ -2478,18 +4282,13 @@
               <a:rPr lang="en-US"/>
               <a:t>Click to edit Master title style</a:t>
             </a:r>
-          </a:p>
-        </p:txBody>
-      </p:sp>
-      <p:sp>
-        <p:nvSpPr>
-          <p:cNvPr id="3" name="Content Placeholder 2">
-            <a:extLst>
-              <a:ext uri="{FF2B5EF4-FFF2-40B4-BE49-F238E27FC236}">
-                <a16:creationId xmlns:a16="http://schemas.microsoft.com/office/drawing/2014/main" id="{3E0A1173-A278-4984-8A6B-48B8B8BD23B4}"/>
-              </a:ext>
-            </a:extLst>
-          </p:cNvPr>
+            <a:endParaRPr lang="en-US" dirty="0"/>
+          </a:p>
+        </p:txBody>
+      </p:sp>
+      <p:sp>
+        <p:nvSpPr>
+          <p:cNvPr id="3" name="Content Placeholder 2"/>
           <p:cNvSpPr>
             <a:spLocks noGrp="1"/>
           </p:cNvSpPr>
@@ -2499,41 +4298,15 @@
         </p:nvSpPr>
         <p:spPr>
           <a:xfrm>
-            <a:off x="5183188" y="987425"/>
-            <a:ext cx="6172200" cy="4873625"/>
+            <a:off x="684212" y="685800"/>
+            <a:ext cx="5943601" cy="5308600"/>
           </a:xfrm>
         </p:spPr>
         <p:txBody>
-          <a:bodyPr/>
-          <a:lstStyle>
-            <a:lvl1pPr>
-              <a:defRPr sz="3200"/>
-            </a:lvl1pPr>
-            <a:lvl2pPr>
-              <a:defRPr sz="2800"/>
-            </a:lvl2pPr>
-            <a:lvl3pPr>
-              <a:defRPr sz="2400"/>
-            </a:lvl3pPr>
-            <a:lvl4pPr>
-              <a:defRPr sz="2000"/>
-            </a:lvl4pPr>
-            <a:lvl5pPr>
-              <a:defRPr sz="2000"/>
-            </a:lvl5pPr>
-            <a:lvl6pPr>
-              <a:defRPr sz="2000"/>
-            </a:lvl6pPr>
-            <a:lvl7pPr>
-              <a:defRPr sz="2000"/>
-            </a:lvl7pPr>
-            <a:lvl8pPr>
-              <a:defRPr sz="2000"/>
-            </a:lvl8pPr>
-            <a:lvl9pPr>
-              <a:defRPr sz="2000"/>
-            </a:lvl9pPr>
-          </a:lstStyle>
+          <a:bodyPr anchor="ctr">
+            <a:normAutofit/>
+          </a:bodyPr>
+          <a:lstStyle/>
           <a:p>
             <a:pPr lvl="0"/>
             <a:r>
@@ -2568,18 +4341,13 @@
               <a:rPr lang="en-US"/>
               <a:t>Fifth level</a:t>
             </a:r>
-          </a:p>
-        </p:txBody>
-      </p:sp>
-      <p:sp>
-        <p:nvSpPr>
-          <p:cNvPr id="4" name="Text Placeholder 3">
-            <a:extLst>
-              <a:ext uri="{FF2B5EF4-FFF2-40B4-BE49-F238E27FC236}">
-                <a16:creationId xmlns:a16="http://schemas.microsoft.com/office/drawing/2014/main" id="{82B8C397-8BB6-415D-B380-8082B87F6CB4}"/>
-              </a:ext>
-            </a:extLst>
-          </p:cNvPr>
+            <a:endParaRPr lang="en-US" dirty="0"/>
+          </a:p>
+        </p:txBody>
+      </p:sp>
+      <p:sp>
+        <p:nvSpPr>
+          <p:cNvPr id="4" name="Text Placeholder 3"/>
           <p:cNvSpPr>
             <a:spLocks noGrp="1"/>
           </p:cNvSpPr>
@@ -2589,12 +4357,14 @@
         </p:nvSpPr>
         <p:spPr>
           <a:xfrm>
-            <a:off x="839788" y="2057400"/>
-            <a:ext cx="3932237" cy="3811588"/>
+            <a:off x="7085012" y="2209799"/>
+            <a:ext cx="3657600" cy="2091267"/>
           </a:xfrm>
         </p:spPr>
         <p:txBody>
-          <a:bodyPr/>
+          <a:bodyPr anchor="t">
+            <a:normAutofit/>
+          </a:bodyPr>
           <a:lstStyle>
             <a:lvl1pPr marL="0" indent="0">
               <a:buNone/>
@@ -2602,35 +4372,35 @@
             </a:lvl1pPr>
             <a:lvl2pPr marL="457200" indent="0">
               <a:buNone/>
-              <a:defRPr sz="1400"/>
+              <a:defRPr sz="1200"/>
             </a:lvl2pPr>
             <a:lvl3pPr marL="914400" indent="0">
               <a:buNone/>
-              <a:defRPr sz="1200"/>
+              <a:defRPr sz="1000"/>
             </a:lvl3pPr>
             <a:lvl4pPr marL="1371600" indent="0">
               <a:buNone/>
-              <a:defRPr sz="1000"/>
+              <a:defRPr sz="900"/>
             </a:lvl4pPr>
             <a:lvl5pPr marL="1828800" indent="0">
               <a:buNone/>
-              <a:defRPr sz="1000"/>
+              <a:defRPr sz="900"/>
             </a:lvl5pPr>
             <a:lvl6pPr marL="2286000" indent="0">
               <a:buNone/>
-              <a:defRPr sz="1000"/>
+              <a:defRPr sz="900"/>
             </a:lvl6pPr>
             <a:lvl7pPr marL="2743200" indent="0">
               <a:buNone/>
-              <a:defRPr sz="1000"/>
+              <a:defRPr sz="900"/>
             </a:lvl7pPr>
             <a:lvl8pPr marL="3200400" indent="0">
               <a:buNone/>
-              <a:defRPr sz="1000"/>
+              <a:defRPr sz="900"/>
             </a:lvl8pPr>
             <a:lvl9pPr marL="3657600" indent="0">
               <a:buNone/>
-              <a:defRPr sz="1000"/>
+              <a:defRPr sz="900"/>
             </a:lvl9pPr>
           </a:lstStyle>
           <a:p>
@@ -2644,13 +4414,7 @@
       </p:sp>
       <p:sp>
         <p:nvSpPr>
-          <p:cNvPr id="5" name="Date Placeholder 4">
-            <a:extLst>
-              <a:ext uri="{FF2B5EF4-FFF2-40B4-BE49-F238E27FC236}">
-                <a16:creationId xmlns:a16="http://schemas.microsoft.com/office/drawing/2014/main" id="{038D5D01-AB2F-4DE5-9F34-3DFF85C007CD}"/>
-              </a:ext>
-            </a:extLst>
-          </p:cNvPr>
+          <p:cNvPr id="5" name="Date Placeholder 4"/>
           <p:cNvSpPr>
             <a:spLocks noGrp="1"/>
           </p:cNvSpPr>
@@ -2673,13 +4437,7 @@
       </p:sp>
       <p:sp>
         <p:nvSpPr>
-          <p:cNvPr id="6" name="Footer Placeholder 5">
-            <a:extLst>
-              <a:ext uri="{FF2B5EF4-FFF2-40B4-BE49-F238E27FC236}">
-                <a16:creationId xmlns:a16="http://schemas.microsoft.com/office/drawing/2014/main" id="{B3700325-507C-4AE3-B112-EC39CA464D56}"/>
-              </a:ext>
-            </a:extLst>
-          </p:cNvPr>
+          <p:cNvPr id="6" name="Footer Placeholder 5"/>
           <p:cNvSpPr>
             <a:spLocks noGrp="1"/>
           </p:cNvSpPr>
@@ -2698,13 +4456,7 @@
       </p:sp>
       <p:sp>
         <p:nvSpPr>
-          <p:cNvPr id="7" name="Slide Number Placeholder 6">
-            <a:extLst>
-              <a:ext uri="{FF2B5EF4-FFF2-40B4-BE49-F238E27FC236}">
-                <a16:creationId xmlns:a16="http://schemas.microsoft.com/office/drawing/2014/main" id="{4EA3A610-2177-48EE-81D1-78D7B80C4995}"/>
-              </a:ext>
-            </a:extLst>
-          </p:cNvPr>
+          <p:cNvPr id="7" name="Slide Number Placeholder 6"/>
           <p:cNvSpPr>
             <a:spLocks noGrp="1"/>
           </p:cNvSpPr>
@@ -2728,7 +4480,7 @@
     </p:spTree>
     <p:extLst>
       <p:ext uri="{BB962C8B-B14F-4D97-AF65-F5344CB8AC3E}">
-        <p14:creationId xmlns:p14="http://schemas.microsoft.com/office/powerpoint/2010/main" val="1132501368"/>
+        <p14:creationId xmlns:p14="http://schemas.microsoft.com/office/powerpoint/2010/main" val="1033281687"/>
       </p:ext>
     </p:extLst>
   </p:cSld>
@@ -2757,13 +4509,7 @@
       </p:grpSpPr>
       <p:sp>
         <p:nvSpPr>
-          <p:cNvPr id="2" name="Title 1">
-            <a:extLst>
-              <a:ext uri="{FF2B5EF4-FFF2-40B4-BE49-F238E27FC236}">
-                <a16:creationId xmlns:a16="http://schemas.microsoft.com/office/drawing/2014/main" id="{CD4519E5-4B36-4C0D-B8D3-E0F5D87905E3}"/>
-              </a:ext>
-            </a:extLst>
-          </p:cNvPr>
+          <p:cNvPr id="2" name="Title 1"/>
           <p:cNvSpPr>
             <a:spLocks noGrp="1"/>
           </p:cNvSpPr>
@@ -2773,15 +4519,17 @@
         </p:nvSpPr>
         <p:spPr>
           <a:xfrm>
-            <a:off x="839788" y="457200"/>
-            <a:ext cx="3932237" cy="1600200"/>
+            <a:off x="4722812" y="1447800"/>
+            <a:ext cx="6019800" cy="1143000"/>
           </a:xfrm>
         </p:spPr>
         <p:txBody>
-          <a:bodyPr anchor="b"/>
+          <a:bodyPr anchor="b">
+            <a:normAutofit/>
+          </a:bodyPr>
           <a:lstStyle>
-            <a:lvl1pPr>
-              <a:defRPr sz="3200"/>
+            <a:lvl1pPr algn="l">
+              <a:defRPr sz="2800" b="0"/>
             </a:lvl1pPr>
           </a:lstStyle>
           <a:p>
@@ -2789,20 +4537,15 @@
               <a:rPr lang="en-US"/>
               <a:t>Click to edit Master title style</a:t>
             </a:r>
-          </a:p>
-        </p:txBody>
-      </p:sp>
-      <p:sp>
-        <p:nvSpPr>
-          <p:cNvPr id="3" name="Picture Placeholder 2">
-            <a:extLst>
-              <a:ext uri="{FF2B5EF4-FFF2-40B4-BE49-F238E27FC236}">
-                <a16:creationId xmlns:a16="http://schemas.microsoft.com/office/drawing/2014/main" id="{4E7E5C05-16B0-48FD-847F-2236EDD52B11}"/>
-              </a:ext>
-            </a:extLst>
-          </p:cNvPr>
-          <p:cNvSpPr>
-            <a:spLocks noGrp="1"/>
+            <a:endParaRPr lang="en-US" dirty="0"/>
+          </a:p>
+        </p:txBody>
+      </p:sp>
+      <p:sp>
+        <p:nvSpPr>
+          <p:cNvPr id="14" name="Picture Placeholder 2"/>
+          <p:cNvSpPr>
+            <a:spLocks noGrp="1" noChangeAspect="1"/>
           </p:cNvSpPr>
           <p:nvPr>
             <p:ph type="pic" idx="1"/>
@@ -2810,118 +4553,140 @@
         </p:nvSpPr>
         <p:spPr>
           <a:xfrm>
-            <a:off x="5183188" y="987425"/>
-            <a:ext cx="6172200" cy="4873625"/>
+            <a:off x="989012" y="914400"/>
+            <a:ext cx="3280974" cy="4572000"/>
           </a:xfrm>
+          <a:prstGeom prst="snip2DiagRect">
+            <a:avLst>
+              <a:gd name="adj1" fmla="val 10815"/>
+              <a:gd name="adj2" fmla="val 0"/>
+            </a:avLst>
+          </a:prstGeom>
+          <a:ln w="15875">
+            <a:solidFill>
+              <a:schemeClr val="tx1">
+                <a:alpha val="40000"/>
+              </a:schemeClr>
+            </a:solidFill>
+          </a:ln>
+          <a:effectLst>
+            <a:innerShdw blurRad="57150" dist="38100" dir="14460000">
+              <a:srgbClr val="000000">
+                <a:alpha val="70000"/>
+              </a:srgbClr>
+            </a:innerShdw>
+          </a:effectLst>
         </p:spPr>
         <p:txBody>
-          <a:bodyPr/>
+          <a:bodyPr anchor="t">
+            <a:normAutofit/>
+          </a:bodyPr>
           <a:lstStyle>
-            <a:lvl1pPr marL="0" indent="0">
-              <a:buNone/>
-              <a:defRPr sz="3200"/>
-            </a:lvl1pPr>
-            <a:lvl2pPr marL="457200" indent="0">
-              <a:buNone/>
-              <a:defRPr sz="2800"/>
-            </a:lvl2pPr>
-            <a:lvl3pPr marL="914400" indent="0">
-              <a:buNone/>
-              <a:defRPr sz="2400"/>
-            </a:lvl3pPr>
-            <a:lvl4pPr marL="1371600" indent="0">
-              <a:buNone/>
-              <a:defRPr sz="2000"/>
-            </a:lvl4pPr>
-            <a:lvl5pPr marL="1828800" indent="0">
-              <a:buNone/>
-              <a:defRPr sz="2000"/>
-            </a:lvl5pPr>
-            <a:lvl6pPr marL="2286000" indent="0">
-              <a:buNone/>
-              <a:defRPr sz="2000"/>
-            </a:lvl6pPr>
-            <a:lvl7pPr marL="2743200" indent="0">
-              <a:buNone/>
-              <a:defRPr sz="2000"/>
-            </a:lvl7pPr>
-            <a:lvl8pPr marL="3200400" indent="0">
-              <a:buNone/>
-              <a:defRPr sz="2000"/>
-            </a:lvl8pPr>
-            <a:lvl9pPr marL="3657600" indent="0">
-              <a:buNone/>
-              <a:defRPr sz="2000"/>
-            </a:lvl9pPr>
-          </a:lstStyle>
-          <a:p>
-            <a:endParaRPr lang="en-US"/>
-          </a:p>
-        </p:txBody>
-      </p:sp>
-      <p:sp>
-        <p:nvSpPr>
-          <p:cNvPr id="4" name="Text Placeholder 3">
-            <a:extLst>
-              <a:ext uri="{FF2B5EF4-FFF2-40B4-BE49-F238E27FC236}">
-                <a16:creationId xmlns:a16="http://schemas.microsoft.com/office/drawing/2014/main" id="{CBAF0991-F2E8-425F-951C-E3859C0A7632}"/>
-              </a:ext>
-            </a:extLst>
-          </p:cNvPr>
-          <p:cNvSpPr>
-            <a:spLocks noGrp="1"/>
-          </p:cNvSpPr>
-          <p:nvPr>
-            <p:ph type="body" sz="half" idx="2"/>
-          </p:nvPr>
-        </p:nvSpPr>
-        <p:spPr>
-          <a:xfrm>
-            <a:off x="839788" y="2057400"/>
-            <a:ext cx="3932237" cy="3811588"/>
-          </a:xfrm>
-        </p:spPr>
-        <p:txBody>
-          <a:bodyPr/>
-          <a:lstStyle>
-            <a:lvl1pPr marL="0" indent="0">
+            <a:lvl1pPr marL="0" indent="0" algn="ctr">
               <a:buNone/>
               <a:defRPr sz="1600"/>
             </a:lvl1pPr>
             <a:lvl2pPr marL="457200" indent="0">
               <a:buNone/>
-              <a:defRPr sz="1400"/>
+              <a:defRPr sz="1600"/>
             </a:lvl2pPr>
             <a:lvl3pPr marL="914400" indent="0">
               <a:buNone/>
-              <a:defRPr sz="1200"/>
+              <a:defRPr sz="1600"/>
             </a:lvl3pPr>
             <a:lvl4pPr marL="1371600" indent="0">
               <a:buNone/>
-              <a:defRPr sz="1000"/>
+              <a:defRPr sz="1600"/>
             </a:lvl4pPr>
             <a:lvl5pPr marL="1828800" indent="0">
               <a:buNone/>
-              <a:defRPr sz="1000"/>
+              <a:defRPr sz="1600"/>
             </a:lvl5pPr>
             <a:lvl6pPr marL="2286000" indent="0">
               <a:buNone/>
-              <a:defRPr sz="1000"/>
+              <a:defRPr sz="1600"/>
             </a:lvl6pPr>
             <a:lvl7pPr marL="2743200" indent="0">
               <a:buNone/>
-              <a:defRPr sz="1000"/>
+              <a:defRPr sz="1600"/>
             </a:lvl7pPr>
             <a:lvl8pPr marL="3200400" indent="0">
               <a:buNone/>
-              <a:defRPr sz="1000"/>
+              <a:defRPr sz="1600"/>
             </a:lvl8pPr>
             <a:lvl9pPr marL="3657600" indent="0">
               <a:buNone/>
-              <a:defRPr sz="1000"/>
+              <a:defRPr sz="1600"/>
             </a:lvl9pPr>
           </a:lstStyle>
           <a:p>
+            <a:r>
+              <a:rPr lang="en-US"/>
+              <a:t>Click icon to add picture</a:t>
+            </a:r>
+            <a:endParaRPr lang="en-US" dirty="0"/>
+          </a:p>
+        </p:txBody>
+      </p:sp>
+      <p:sp>
+        <p:nvSpPr>
+          <p:cNvPr id="4" name="Text Placeholder 3"/>
+          <p:cNvSpPr>
+            <a:spLocks noGrp="1"/>
+          </p:cNvSpPr>
+          <p:nvPr>
+            <p:ph type="body" sz="half" idx="2"/>
+          </p:nvPr>
+        </p:nvSpPr>
+        <p:spPr>
+          <a:xfrm>
+            <a:off x="4722812" y="2777066"/>
+            <a:ext cx="6021388" cy="2048933"/>
+          </a:xfrm>
+        </p:spPr>
+        <p:txBody>
+          <a:bodyPr anchor="t">
+            <a:normAutofit/>
+          </a:bodyPr>
+          <a:lstStyle>
+            <a:lvl1pPr marL="0" indent="0">
+              <a:buNone/>
+              <a:defRPr sz="1800"/>
+            </a:lvl1pPr>
+            <a:lvl2pPr marL="457200" indent="0">
+              <a:buNone/>
+              <a:defRPr sz="1200"/>
+            </a:lvl2pPr>
+            <a:lvl3pPr marL="914400" indent="0">
+              <a:buNone/>
+              <a:defRPr sz="1000"/>
+            </a:lvl3pPr>
+            <a:lvl4pPr marL="1371600" indent="0">
+              <a:buNone/>
+              <a:defRPr sz="900"/>
+            </a:lvl4pPr>
+            <a:lvl5pPr marL="1828800" indent="0">
+              <a:buNone/>
+              <a:defRPr sz="900"/>
+            </a:lvl5pPr>
+            <a:lvl6pPr marL="2286000" indent="0">
+              <a:buNone/>
+              <a:defRPr sz="900"/>
+            </a:lvl6pPr>
+            <a:lvl7pPr marL="2743200" indent="0">
+              <a:buNone/>
+              <a:defRPr sz="900"/>
+            </a:lvl7pPr>
+            <a:lvl8pPr marL="3200400" indent="0">
+              <a:buNone/>
+              <a:defRPr sz="900"/>
+            </a:lvl8pPr>
+            <a:lvl9pPr marL="3657600" indent="0">
+              <a:buNone/>
+              <a:defRPr sz="900"/>
+            </a:lvl9pPr>
+          </a:lstStyle>
+          <a:p>
             <a:pPr lvl="0"/>
             <a:r>
               <a:rPr lang="en-US"/>
@@ -2932,13 +4697,7 @@
       </p:sp>
       <p:sp>
         <p:nvSpPr>
-          <p:cNvPr id="5" name="Date Placeholder 4">
-            <a:extLst>
-              <a:ext uri="{FF2B5EF4-FFF2-40B4-BE49-F238E27FC236}">
-                <a16:creationId xmlns:a16="http://schemas.microsoft.com/office/drawing/2014/main" id="{FA642BCD-E596-43FC-85DC-21EAD77E3BBE}"/>
-              </a:ext>
-            </a:extLst>
-          </p:cNvPr>
+          <p:cNvPr id="5" name="Date Placeholder 4"/>
           <p:cNvSpPr>
             <a:spLocks noGrp="1"/>
           </p:cNvSpPr>
@@ -2961,13 +4720,7 @@
       </p:sp>
       <p:sp>
         <p:nvSpPr>
-          <p:cNvPr id="6" name="Footer Placeholder 5">
-            <a:extLst>
-              <a:ext uri="{FF2B5EF4-FFF2-40B4-BE49-F238E27FC236}">
-                <a16:creationId xmlns:a16="http://schemas.microsoft.com/office/drawing/2014/main" id="{27A67938-0537-475B-9205-4476415E21D7}"/>
-              </a:ext>
-            </a:extLst>
-          </p:cNvPr>
+          <p:cNvPr id="6" name="Footer Placeholder 5"/>
           <p:cNvSpPr>
             <a:spLocks noGrp="1"/>
           </p:cNvSpPr>
@@ -2986,13 +4739,7 @@
       </p:sp>
       <p:sp>
         <p:nvSpPr>
-          <p:cNvPr id="7" name="Slide Number Placeholder 6">
-            <a:extLst>
-              <a:ext uri="{FF2B5EF4-FFF2-40B4-BE49-F238E27FC236}">
-                <a16:creationId xmlns:a16="http://schemas.microsoft.com/office/drawing/2014/main" id="{AB13DFD5-0E1D-445B-83BA-41A01B346A2E}"/>
-              </a:ext>
-            </a:extLst>
-          </p:cNvPr>
+          <p:cNvPr id="7" name="Slide Number Placeholder 6"/>
           <p:cNvSpPr>
             <a:spLocks noGrp="1"/>
           </p:cNvSpPr>
@@ -3016,7 +4763,7 @@
     </p:spTree>
     <p:extLst>
       <p:ext uri="{BB962C8B-B14F-4D97-AF65-F5344CB8AC3E}">
-        <p14:creationId xmlns:p14="http://schemas.microsoft.com/office/powerpoint/2010/main" val="2342978742"/>
+        <p14:creationId xmlns:p14="http://schemas.microsoft.com/office/powerpoint/2010/main" val="1416269084"/>
       </p:ext>
     </p:extLst>
   </p:cSld>
@@ -3030,8 +4777,8 @@
 <p:sldMaster xmlns:a="http://schemas.openxmlformats.org/drawingml/2006/main" xmlns:r="http://schemas.openxmlformats.org/officeDocument/2006/relationships" xmlns:p="http://schemas.openxmlformats.org/presentationml/2006/main">
   <p:cSld>
     <p:bg>
-      <p:bgRef idx="1001">
-        <a:schemeClr val="bg1"/>
+      <p:bgRef idx="1002">
+        <a:schemeClr val="bg2"/>
       </p:bgRef>
     </p:bg>
     <p:spTree>
@@ -3048,15 +4795,199 @@
           <a:chExt cx="0" cy="0"/>
         </a:xfrm>
       </p:grpSpPr>
-      <p:sp>
-        <p:nvSpPr>
-          <p:cNvPr id="2" name="Title Placeholder 1">
-            <a:extLst>
-              <a:ext uri="{FF2B5EF4-FFF2-40B4-BE49-F238E27FC236}">
-                <a16:creationId xmlns:a16="http://schemas.microsoft.com/office/drawing/2014/main" id="{341F4D24-1E43-44DC-966C-4E21FDD96102}"/>
-              </a:ext>
-            </a:extLst>
-          </p:cNvPr>
+      <p:grpSp>
+        <p:nvGrpSpPr>
+          <p:cNvPr id="7" name="Group 6"/>
+          <p:cNvGrpSpPr/>
+          <p:nvPr/>
+        </p:nvGrpSpPr>
+        <p:grpSpPr>
+          <a:xfrm>
+            <a:off x="9206969" y="2963333"/>
+            <a:ext cx="2981858" cy="3208867"/>
+            <a:chOff x="9206969" y="2963333"/>
+            <a:chExt cx="2981858" cy="3208867"/>
+          </a:xfrm>
+        </p:grpSpPr>
+        <p:cxnSp>
+          <p:nvCxnSpPr>
+            <p:cNvPr id="8" name="Straight Connector 7"/>
+            <p:cNvCxnSpPr/>
+            <p:nvPr/>
+          </p:nvCxnSpPr>
+          <p:spPr>
+            <a:xfrm flipH="1">
+              <a:off x="11276012" y="2963333"/>
+              <a:ext cx="912814" cy="912812"/>
+            </a:xfrm>
+            <a:prstGeom prst="line">
+              <a:avLst/>
+            </a:prstGeom>
+            <a:ln w="9525">
+              <a:solidFill>
+                <a:schemeClr val="tx1"/>
+              </a:solidFill>
+            </a:ln>
+          </p:spPr>
+          <p:style>
+            <a:lnRef idx="2">
+              <a:schemeClr val="accent1"/>
+            </a:lnRef>
+            <a:fillRef idx="0">
+              <a:schemeClr val="accent1"/>
+            </a:fillRef>
+            <a:effectRef idx="1">
+              <a:schemeClr val="accent1"/>
+            </a:effectRef>
+            <a:fontRef idx="minor">
+              <a:schemeClr val="tx1"/>
+            </a:fontRef>
+          </p:style>
+        </p:cxnSp>
+        <p:cxnSp>
+          <p:nvCxnSpPr>
+            <p:cNvPr id="9" name="Straight Connector 8"/>
+            <p:cNvCxnSpPr/>
+            <p:nvPr/>
+          </p:nvCxnSpPr>
+          <p:spPr>
+            <a:xfrm flipH="1">
+              <a:off x="9206969" y="3190344"/>
+              <a:ext cx="2981857" cy="2981856"/>
+            </a:xfrm>
+            <a:prstGeom prst="line">
+              <a:avLst/>
+            </a:prstGeom>
+            <a:ln w="9525">
+              <a:solidFill>
+                <a:schemeClr val="tx1"/>
+              </a:solidFill>
+            </a:ln>
+          </p:spPr>
+          <p:style>
+            <a:lnRef idx="2">
+              <a:schemeClr val="accent1"/>
+            </a:lnRef>
+            <a:fillRef idx="0">
+              <a:schemeClr val="accent1"/>
+            </a:fillRef>
+            <a:effectRef idx="1">
+              <a:schemeClr val="accent1"/>
+            </a:effectRef>
+            <a:fontRef idx="minor">
+              <a:schemeClr val="tx1"/>
+            </a:fontRef>
+          </p:style>
+        </p:cxnSp>
+        <p:cxnSp>
+          <p:nvCxnSpPr>
+            <p:cNvPr id="10" name="Straight Connector 9"/>
+            <p:cNvCxnSpPr/>
+            <p:nvPr/>
+          </p:nvCxnSpPr>
+          <p:spPr>
+            <a:xfrm flipH="1">
+              <a:off x="10292292" y="3285067"/>
+              <a:ext cx="1896534" cy="1896533"/>
+            </a:xfrm>
+            <a:prstGeom prst="line">
+              <a:avLst/>
+            </a:prstGeom>
+            <a:ln w="9525">
+              <a:solidFill>
+                <a:schemeClr val="tx1"/>
+              </a:solidFill>
+            </a:ln>
+          </p:spPr>
+          <p:style>
+            <a:lnRef idx="2">
+              <a:schemeClr val="accent1"/>
+            </a:lnRef>
+            <a:fillRef idx="0">
+              <a:schemeClr val="accent1"/>
+            </a:fillRef>
+            <a:effectRef idx="1">
+              <a:schemeClr val="accent1"/>
+            </a:effectRef>
+            <a:fontRef idx="minor">
+              <a:schemeClr val="tx1"/>
+            </a:fontRef>
+          </p:style>
+        </p:cxnSp>
+        <p:cxnSp>
+          <p:nvCxnSpPr>
+            <p:cNvPr id="11" name="Straight Connector 10"/>
+            <p:cNvCxnSpPr/>
+            <p:nvPr/>
+          </p:nvCxnSpPr>
+          <p:spPr>
+            <a:xfrm flipH="1">
+              <a:off x="10443103" y="3131080"/>
+              <a:ext cx="1745722" cy="1745720"/>
+            </a:xfrm>
+            <a:prstGeom prst="line">
+              <a:avLst/>
+            </a:prstGeom>
+            <a:ln w="28575">
+              <a:solidFill>
+                <a:schemeClr val="tx1"/>
+              </a:solidFill>
+            </a:ln>
+          </p:spPr>
+          <p:style>
+            <a:lnRef idx="2">
+              <a:schemeClr val="accent1"/>
+            </a:lnRef>
+            <a:fillRef idx="0">
+              <a:schemeClr val="accent1"/>
+            </a:fillRef>
+            <a:effectRef idx="1">
+              <a:schemeClr val="accent1"/>
+            </a:effectRef>
+            <a:fontRef idx="minor">
+              <a:schemeClr val="tx1"/>
+            </a:fontRef>
+          </p:style>
+        </p:cxnSp>
+        <p:cxnSp>
+          <p:nvCxnSpPr>
+            <p:cNvPr id="12" name="Straight Connector 11"/>
+            <p:cNvCxnSpPr/>
+            <p:nvPr/>
+          </p:nvCxnSpPr>
+          <p:spPr>
+            <a:xfrm flipH="1">
+              <a:off x="10918826" y="3683001"/>
+              <a:ext cx="1270001" cy="1269999"/>
+            </a:xfrm>
+            <a:prstGeom prst="line">
+              <a:avLst/>
+            </a:prstGeom>
+            <a:ln w="28575">
+              <a:solidFill>
+                <a:schemeClr val="tx1"/>
+              </a:solidFill>
+            </a:ln>
+          </p:spPr>
+          <p:style>
+            <a:lnRef idx="2">
+              <a:schemeClr val="accent1"/>
+            </a:lnRef>
+            <a:fillRef idx="0">
+              <a:schemeClr val="accent1"/>
+            </a:fillRef>
+            <a:effectRef idx="1">
+              <a:schemeClr val="accent1"/>
+            </a:effectRef>
+            <a:fontRef idx="minor">
+              <a:schemeClr val="tx1"/>
+            </a:fontRef>
+          </p:style>
+        </p:cxnSp>
+      </p:grpSp>
+      <p:sp>
+        <p:nvSpPr>
+          <p:cNvPr id="2" name="Title Placeholder 1"/>
           <p:cNvSpPr>
             <a:spLocks noGrp="1"/>
           </p:cNvSpPr>
@@ -3066,8 +4997,42 @@
         </p:nvSpPr>
         <p:spPr>
           <a:xfrm>
-            <a:off x="838200" y="365125"/>
-            <a:ext cx="10515600" cy="1325563"/>
+            <a:off x="684212" y="4487332"/>
+            <a:ext cx="8534400" cy="1507067"/>
+          </a:xfrm>
+          <a:prstGeom prst="rect">
+            <a:avLst/>
+          </a:prstGeom>
+          <a:effectLst/>
+        </p:spPr>
+        <p:txBody>
+          <a:bodyPr vert="horz" lIns="91440" tIns="45720" rIns="91440" bIns="45720" rtlCol="0" anchor="ctr">
+            <a:normAutofit/>
+          </a:bodyPr>
+          <a:lstStyle/>
+          <a:p>
+            <a:r>
+              <a:rPr lang="en-US"/>
+              <a:t>Click to edit Master title style</a:t>
+            </a:r>
+            <a:endParaRPr lang="en-US" dirty="0"/>
+          </a:p>
+        </p:txBody>
+      </p:sp>
+      <p:sp>
+        <p:nvSpPr>
+          <p:cNvPr id="3" name="Text Placeholder 2"/>
+          <p:cNvSpPr>
+            <a:spLocks noGrp="1"/>
+          </p:cNvSpPr>
+          <p:nvPr>
+            <p:ph type="body" idx="1"/>
+          </p:nvPr>
+        </p:nvSpPr>
+        <p:spPr>
+          <a:xfrm>
+            <a:off x="684212" y="685800"/>
+            <a:ext cx="8534400" cy="3615267"/>
           </a:xfrm>
           <a:prstGeom prst="rect">
             <a:avLst/>
@@ -3079,205 +5044,156 @@
           </a:bodyPr>
           <a:lstStyle/>
           <a:p>
+            <a:pPr lvl="0"/>
             <a:r>
               <a:rPr lang="en-US"/>
-              <a:t>Click to edit Master title style</a:t>
-            </a:r>
-          </a:p>
-        </p:txBody>
-      </p:sp>
-      <p:sp>
-        <p:nvSpPr>
-          <p:cNvPr id="3" name="Text Placeholder 2">
-            <a:extLst>
-              <a:ext uri="{FF2B5EF4-FFF2-40B4-BE49-F238E27FC236}">
-                <a16:creationId xmlns:a16="http://schemas.microsoft.com/office/drawing/2014/main" id="{64B7A776-7BF0-44F0-8C25-C78DFC8CF2FC}"/>
-              </a:ext>
-            </a:extLst>
-          </p:cNvPr>
-          <p:cNvSpPr>
-            <a:spLocks noGrp="1"/>
-          </p:cNvSpPr>
-          <p:nvPr>
-            <p:ph type="body" idx="1"/>
+              <a:t>Edit Master text styles</a:t>
+            </a:r>
+          </a:p>
+          <a:p>
+            <a:pPr lvl="1"/>
+            <a:r>
+              <a:rPr lang="en-US"/>
+              <a:t>Second level</a:t>
+            </a:r>
+          </a:p>
+          <a:p>
+            <a:pPr lvl="2"/>
+            <a:r>
+              <a:rPr lang="en-US"/>
+              <a:t>Third level</a:t>
+            </a:r>
+          </a:p>
+          <a:p>
+            <a:pPr lvl="3"/>
+            <a:r>
+              <a:rPr lang="en-US"/>
+              <a:t>Fourth level</a:t>
+            </a:r>
+          </a:p>
+          <a:p>
+            <a:pPr lvl="4"/>
+            <a:r>
+              <a:rPr lang="en-US"/>
+              <a:t>Fifth level</a:t>
+            </a:r>
+            <a:endParaRPr lang="en-US" dirty="0"/>
+          </a:p>
+        </p:txBody>
+      </p:sp>
+      <p:sp>
+        <p:nvSpPr>
+          <p:cNvPr id="4" name="Date Placeholder 3"/>
+          <p:cNvSpPr>
+            <a:spLocks noGrp="1"/>
+          </p:cNvSpPr>
+          <p:nvPr>
+            <p:ph type="dt" sz="half" idx="2"/>
           </p:nvPr>
         </p:nvSpPr>
         <p:spPr>
           <a:xfrm>
-            <a:off x="838200" y="1825625"/>
-            <a:ext cx="10515600" cy="4351338"/>
+            <a:off x="9904412" y="6172200"/>
+            <a:ext cx="1600200" cy="365125"/>
           </a:xfrm>
           <a:prstGeom prst="rect">
             <a:avLst/>
           </a:prstGeom>
         </p:spPr>
         <p:txBody>
-          <a:bodyPr vert="horz" lIns="91440" tIns="45720" rIns="91440" bIns="45720" rtlCol="0">
-            <a:normAutofit/>
-          </a:bodyPr>
-          <a:lstStyle/>
-          <a:p>
-            <a:pPr lvl="0"/>
-            <a:r>
-              <a:rPr lang="en-US"/>
-              <a:t>Edit Master text styles</a:t>
-            </a:r>
-          </a:p>
-          <a:p>
-            <a:pPr lvl="1"/>
-            <a:r>
-              <a:rPr lang="en-US"/>
-              <a:t>Second level</a:t>
-            </a:r>
-          </a:p>
-          <a:p>
-            <a:pPr lvl="2"/>
-            <a:r>
-              <a:rPr lang="en-US"/>
-              <a:t>Third level</a:t>
-            </a:r>
-          </a:p>
-          <a:p>
-            <a:pPr lvl="3"/>
-            <a:r>
-              <a:rPr lang="en-US"/>
-              <a:t>Fourth level</a:t>
-            </a:r>
-          </a:p>
-          <a:p>
-            <a:pPr lvl="4"/>
-            <a:r>
-              <a:rPr lang="en-US"/>
-              <a:t>Fifth level</a:t>
-            </a:r>
-          </a:p>
-        </p:txBody>
-      </p:sp>
-      <p:sp>
-        <p:nvSpPr>
-          <p:cNvPr id="4" name="Date Placeholder 3">
-            <a:extLst>
-              <a:ext uri="{FF2B5EF4-FFF2-40B4-BE49-F238E27FC236}">
-                <a16:creationId xmlns:a16="http://schemas.microsoft.com/office/drawing/2014/main" id="{59251ABA-FAEB-4BD5-8E6D-24B912B4CBDE}"/>
-              </a:ext>
-            </a:extLst>
-          </p:cNvPr>
-          <p:cNvSpPr>
-            <a:spLocks noGrp="1"/>
-          </p:cNvSpPr>
-          <p:nvPr>
-            <p:ph type="dt" sz="half" idx="2"/>
+          <a:bodyPr vert="horz" lIns="91440" tIns="45720" rIns="91440" bIns="45720" rtlCol="0" anchor="t"/>
+          <a:lstStyle>
+            <a:lvl1pPr algn="r">
+              <a:defRPr sz="1000" b="0" i="0">
+                <a:solidFill>
+                  <a:schemeClr val="bg2">
+                    <a:lumMod val="50000"/>
+                  </a:schemeClr>
+                </a:solidFill>
+                <a:effectLst/>
+                <a:latin typeface="+mn-lt"/>
+              </a:defRPr>
+            </a:lvl1pPr>
+          </a:lstStyle>
+          <a:p>
+            <a:fld id="{597F59F5-6EDF-45CD-943B-829C40AA6758}" type="datetimeFigureOut">
+              <a:rPr lang="en-US" smtClean="0"/>
+              <a:t>3/16/2022</a:t>
+            </a:fld>
+            <a:endParaRPr lang="en-US"/>
+          </a:p>
+        </p:txBody>
+      </p:sp>
+      <p:sp>
+        <p:nvSpPr>
+          <p:cNvPr id="5" name="Footer Placeholder 4"/>
+          <p:cNvSpPr>
+            <a:spLocks noGrp="1"/>
+          </p:cNvSpPr>
+          <p:nvPr>
+            <p:ph type="ftr" sz="quarter" idx="3"/>
           </p:nvPr>
         </p:nvSpPr>
         <p:spPr>
           <a:xfrm>
-            <a:off x="838200" y="6356350"/>
-            <a:ext cx="2743200" cy="365125"/>
+            <a:off x="684212" y="6172200"/>
+            <a:ext cx="7543800" cy="365125"/>
           </a:xfrm>
           <a:prstGeom prst="rect">
             <a:avLst/>
           </a:prstGeom>
         </p:spPr>
         <p:txBody>
-          <a:bodyPr vert="horz" lIns="91440" tIns="45720" rIns="91440" bIns="45720" rtlCol="0" anchor="ctr"/>
+          <a:bodyPr vert="horz" lIns="91440" tIns="45720" rIns="91440" bIns="45720" rtlCol="0" anchor="t"/>
           <a:lstStyle>
             <a:lvl1pPr algn="l">
-              <a:defRPr sz="1200">
+              <a:defRPr sz="1000" b="0" i="0">
                 <a:solidFill>
-                  <a:schemeClr val="tx1">
-                    <a:tint val="75000"/>
+                  <a:schemeClr val="bg2">
+                    <a:lumMod val="50000"/>
                   </a:schemeClr>
                 </a:solidFill>
+                <a:effectLst/>
+                <a:latin typeface="+mn-lt"/>
               </a:defRPr>
             </a:lvl1pPr>
           </a:lstStyle>
           <a:p>
-            <a:fld id="{597F59F5-6EDF-45CD-943B-829C40AA6758}" type="datetimeFigureOut">
-              <a:rPr lang="en-US" smtClean="0"/>
-              <a:t>3/16/2022</a:t>
-            </a:fld>
             <a:endParaRPr lang="en-US"/>
           </a:p>
         </p:txBody>
       </p:sp>
       <p:sp>
         <p:nvSpPr>
-          <p:cNvPr id="5" name="Footer Placeholder 4">
-            <a:extLst>
-              <a:ext uri="{FF2B5EF4-FFF2-40B4-BE49-F238E27FC236}">
-                <a16:creationId xmlns:a16="http://schemas.microsoft.com/office/drawing/2014/main" id="{7CAD9252-9707-4F70-86DA-F5486E7CF9B1}"/>
-              </a:ext>
-            </a:extLst>
-          </p:cNvPr>
-          <p:cNvSpPr>
-            <a:spLocks noGrp="1"/>
-          </p:cNvSpPr>
-          <p:nvPr>
-            <p:ph type="ftr" sz="quarter" idx="3"/>
+          <p:cNvPr id="6" name="Slide Number Placeholder 5"/>
+          <p:cNvSpPr>
+            <a:spLocks noGrp="1"/>
+          </p:cNvSpPr>
+          <p:nvPr>
+            <p:ph type="sldNum" sz="quarter" idx="4"/>
           </p:nvPr>
         </p:nvSpPr>
         <p:spPr>
           <a:xfrm>
-            <a:off x="4038600" y="6356350"/>
-            <a:ext cx="4114800" cy="365125"/>
+            <a:off x="10363200" y="5578475"/>
+            <a:ext cx="1142245" cy="669925"/>
           </a:xfrm>
           <a:prstGeom prst="rect">
             <a:avLst/>
           </a:prstGeom>
         </p:spPr>
         <p:txBody>
-          <a:bodyPr vert="horz" lIns="91440" tIns="45720" rIns="91440" bIns="45720" rtlCol="0" anchor="ctr"/>
+          <a:bodyPr vert="horz" lIns="91440" tIns="45720" rIns="91440" bIns="45720" rtlCol="0" anchor="b"/>
           <a:lstStyle>
-            <a:lvl1pPr algn="ctr">
-              <a:defRPr sz="1200">
+            <a:lvl1pPr algn="r">
+              <a:defRPr sz="3200" b="0" i="0">
                 <a:solidFill>
-                  <a:schemeClr val="tx1">
-                    <a:tint val="75000"/>
+                  <a:schemeClr val="bg2">
+                    <a:lumMod val="50000"/>
                   </a:schemeClr>
                 </a:solidFill>
-              </a:defRPr>
-            </a:lvl1pPr>
-          </a:lstStyle>
-          <a:p>
-            <a:endParaRPr lang="en-US"/>
-          </a:p>
-        </p:txBody>
-      </p:sp>
-      <p:sp>
-        <p:nvSpPr>
-          <p:cNvPr id="6" name="Slide Number Placeholder 5">
-            <a:extLst>
-              <a:ext uri="{FF2B5EF4-FFF2-40B4-BE49-F238E27FC236}">
-                <a16:creationId xmlns:a16="http://schemas.microsoft.com/office/drawing/2014/main" id="{E44C73EE-4B39-4281-B59A-FDFDDDAE370B}"/>
-              </a:ext>
-            </a:extLst>
-          </p:cNvPr>
-          <p:cNvSpPr>
-            <a:spLocks noGrp="1"/>
-          </p:cNvSpPr>
-          <p:nvPr>
-            <p:ph type="sldNum" sz="quarter" idx="4"/>
-          </p:nvPr>
-        </p:nvSpPr>
-        <p:spPr>
-          <a:xfrm>
-            <a:off x="8610600" y="6356350"/>
-            <a:ext cx="2743200" cy="365125"/>
-          </a:xfrm>
-          <a:prstGeom prst="rect">
-            <a:avLst/>
-          </a:prstGeom>
-        </p:spPr>
-        <p:txBody>
-          <a:bodyPr vert="horz" lIns="91440" tIns="45720" rIns="91440" bIns="45720" rtlCol="0" anchor="ctr"/>
-          <a:lstStyle>
-            <a:lvl1pPr algn="r">
-              <a:defRPr sz="1200">
-                <a:solidFill>
-                  <a:schemeClr val="tx1">
-                    <a:tint val="75000"/>
-                  </a:schemeClr>
-                </a:solidFill>
+                <a:effectLst/>
+                <a:latin typeface="+mn-lt"/>
               </a:defRPr>
             </a:lvl1pPr>
           </a:lstStyle>
@@ -3293,202 +5209,328 @@
     </p:spTree>
     <p:extLst>
       <p:ext uri="{BB962C8B-B14F-4D97-AF65-F5344CB8AC3E}">
-        <p14:creationId xmlns:p14="http://schemas.microsoft.com/office/powerpoint/2010/main" val="3522124527"/>
+        <p14:creationId xmlns:p14="http://schemas.microsoft.com/office/powerpoint/2010/main" val="1639384088"/>
       </p:ext>
     </p:extLst>
   </p:cSld>
-  <p:clrMap bg1="lt1" tx1="dk1" bg2="lt2" tx2="dk2" accent1="accent1" accent2="accent2" accent3="accent3" accent4="accent4" accent5="accent5" accent6="accent6" hlink="hlink" folHlink="folHlink"/>
+  <p:clrMap bg1="dk1" tx1="lt1" bg2="dk2" tx2="lt2" accent1="accent1" accent2="accent2" accent3="accent3" accent4="accent4" accent5="accent5" accent6="accent6" hlink="hlink" folHlink="folHlink"/>
   <p:sldLayoutIdLst>
-    <p:sldLayoutId id="2147483649" r:id="rId1"/>
-    <p:sldLayoutId id="2147483650" r:id="rId2"/>
-    <p:sldLayoutId id="2147483651" r:id="rId3"/>
-    <p:sldLayoutId id="2147483652" r:id="rId4"/>
-    <p:sldLayoutId id="2147483653" r:id="rId5"/>
-    <p:sldLayoutId id="2147483654" r:id="rId6"/>
-    <p:sldLayoutId id="2147483655" r:id="rId7"/>
-    <p:sldLayoutId id="2147483656" r:id="rId8"/>
-    <p:sldLayoutId id="2147483657" r:id="rId9"/>
-    <p:sldLayoutId id="2147483658" r:id="rId10"/>
-    <p:sldLayoutId id="2147483659" r:id="rId11"/>
+    <p:sldLayoutId id="2147483661" r:id="rId1"/>
+    <p:sldLayoutId id="2147483662" r:id="rId2"/>
+    <p:sldLayoutId id="2147483663" r:id="rId3"/>
+    <p:sldLayoutId id="2147483664" r:id="rId4"/>
+    <p:sldLayoutId id="2147483665" r:id="rId5"/>
+    <p:sldLayoutId id="2147483666" r:id="rId6"/>
+    <p:sldLayoutId id="2147483667" r:id="rId7"/>
+    <p:sldLayoutId id="2147483668" r:id="rId8"/>
+    <p:sldLayoutId id="2147483669" r:id="rId9"/>
+    <p:sldLayoutId id="2147483670" r:id="rId10"/>
+    <p:sldLayoutId id="2147483671" r:id="rId11"/>
+    <p:sldLayoutId id="2147483672" r:id="rId12"/>
+    <p:sldLayoutId id="2147483673" r:id="rId13"/>
+    <p:sldLayoutId id="2147483674" r:id="rId14"/>
+    <p:sldLayoutId id="2147483675" r:id="rId15"/>
+    <p:sldLayoutId id="2147483676" r:id="rId16"/>
+    <p:sldLayoutId id="2147483677" r:id="rId17"/>
   </p:sldLayoutIdLst>
   <p:txStyles>
     <p:titleStyle>
-      <a:lvl1pPr algn="l" defTabSz="914400" rtl="0" eaLnBrk="1" latinLnBrk="0" hangingPunct="1">
-        <a:lnSpc>
-          <a:spcPct val="90000"/>
-        </a:lnSpc>
+      <a:lvl1pPr algn="l" defTabSz="457200" rtl="0" eaLnBrk="1" latinLnBrk="0" hangingPunct="1">
         <a:spcBef>
           <a:spcPct val="0"/>
         </a:spcBef>
         <a:buNone/>
-        <a:defRPr sz="4400" kern="1200">
+        <a:defRPr sz="3600" kern="1200" cap="all">
+          <a:ln w="3175" cmpd="sng">
+            <a:noFill/>
+          </a:ln>
           <a:solidFill>
             <a:schemeClr val="tx1"/>
           </a:solidFill>
+          <a:effectLst/>
           <a:latin typeface="+mj-lt"/>
           <a:ea typeface="+mj-ea"/>
           <a:cs typeface="+mj-cs"/>
         </a:defRPr>
       </a:lvl1pPr>
+      <a:lvl2pPr eaLnBrk="1" hangingPunct="1">
+        <a:defRPr>
+          <a:solidFill>
+            <a:schemeClr val="tx2"/>
+          </a:solidFill>
+        </a:defRPr>
+      </a:lvl2pPr>
+      <a:lvl3pPr eaLnBrk="1" hangingPunct="1">
+        <a:defRPr>
+          <a:solidFill>
+            <a:schemeClr val="tx2"/>
+          </a:solidFill>
+        </a:defRPr>
+      </a:lvl3pPr>
+      <a:lvl4pPr eaLnBrk="1" hangingPunct="1">
+        <a:defRPr>
+          <a:solidFill>
+            <a:schemeClr val="tx2"/>
+          </a:solidFill>
+        </a:defRPr>
+      </a:lvl4pPr>
+      <a:lvl5pPr eaLnBrk="1" hangingPunct="1">
+        <a:defRPr>
+          <a:solidFill>
+            <a:schemeClr val="tx2"/>
+          </a:solidFill>
+        </a:defRPr>
+      </a:lvl5pPr>
+      <a:lvl6pPr eaLnBrk="1" hangingPunct="1">
+        <a:defRPr>
+          <a:solidFill>
+            <a:schemeClr val="tx2"/>
+          </a:solidFill>
+        </a:defRPr>
+      </a:lvl6pPr>
+      <a:lvl7pPr eaLnBrk="1" hangingPunct="1">
+        <a:defRPr>
+          <a:solidFill>
+            <a:schemeClr val="tx2"/>
+          </a:solidFill>
+        </a:defRPr>
+      </a:lvl7pPr>
+      <a:lvl8pPr eaLnBrk="1" hangingPunct="1">
+        <a:defRPr>
+          <a:solidFill>
+            <a:schemeClr val="tx2"/>
+          </a:solidFill>
+        </a:defRPr>
+      </a:lvl8pPr>
+      <a:lvl9pPr eaLnBrk="1" hangingPunct="1">
+        <a:defRPr>
+          <a:solidFill>
+            <a:schemeClr val="tx2"/>
+          </a:solidFill>
+        </a:defRPr>
+      </a:lvl9pPr>
     </p:titleStyle>
     <p:bodyStyle>
-      <a:lvl1pPr marL="228600" indent="-228600" algn="l" defTabSz="914400" rtl="0" eaLnBrk="1" latinLnBrk="0" hangingPunct="1">
-        <a:lnSpc>
-          <a:spcPct val="90000"/>
-        </a:lnSpc>
+      <a:lvl1pPr marL="285750" indent="-285750" algn="l" defTabSz="457200" rtl="0" eaLnBrk="1" latinLnBrk="0" hangingPunct="1">
         <a:spcBef>
-          <a:spcPts val="1000"/>
+          <a:spcPct val="20000"/>
         </a:spcBef>
-        <a:buFont typeface="Arial" panose="020B0604020202020204" pitchFamily="34" charset="0"/>
-        <a:buChar char="•"/>
-        <a:defRPr sz="2800" kern="1200">
+        <a:spcAft>
+          <a:spcPts val="600"/>
+        </a:spcAft>
+        <a:buClr>
+          <a:schemeClr val="tx1"/>
+        </a:buClr>
+        <a:buSzPct val="80000"/>
+        <a:buFont typeface="Wingdings 3" panose="05040102010807070707" pitchFamily="18" charset="2"/>
+        <a:buChar char=""/>
+        <a:defRPr sz="2000" kern="1200" cap="none">
           <a:solidFill>
-            <a:schemeClr val="tx1"/>
+            <a:schemeClr val="bg2">
+              <a:lumMod val="75000"/>
+            </a:schemeClr>
           </a:solidFill>
+          <a:effectLst/>
           <a:latin typeface="+mn-lt"/>
           <a:ea typeface="+mn-ea"/>
           <a:cs typeface="+mn-cs"/>
         </a:defRPr>
       </a:lvl1pPr>
-      <a:lvl2pPr marL="685800" indent="-228600" algn="l" defTabSz="914400" rtl="0" eaLnBrk="1" latinLnBrk="0" hangingPunct="1">
-        <a:lnSpc>
-          <a:spcPct val="90000"/>
-        </a:lnSpc>
+      <a:lvl2pPr marL="742950" indent="-285750" algn="l" defTabSz="457200" rtl="0" eaLnBrk="1" latinLnBrk="0" hangingPunct="1">
         <a:spcBef>
-          <a:spcPts val="500"/>
+          <a:spcPct val="20000"/>
         </a:spcBef>
-        <a:buFont typeface="Arial" panose="020B0604020202020204" pitchFamily="34" charset="0"/>
-        <a:buChar char="•"/>
-        <a:defRPr sz="2400" kern="1200">
+        <a:spcAft>
+          <a:spcPts val="600"/>
+        </a:spcAft>
+        <a:buClr>
+          <a:schemeClr val="tx1"/>
+        </a:buClr>
+        <a:buSzPct val="80000"/>
+        <a:buFont typeface="Wingdings 3" panose="05040102010807070707" pitchFamily="18" charset="2"/>
+        <a:buChar char=""/>
+        <a:defRPr sz="1800" kern="1200" cap="none">
           <a:solidFill>
-            <a:schemeClr val="tx1"/>
+            <a:schemeClr val="bg2">
+              <a:lumMod val="75000"/>
+            </a:schemeClr>
           </a:solidFill>
+          <a:effectLst/>
           <a:latin typeface="+mn-lt"/>
           <a:ea typeface="+mn-ea"/>
           <a:cs typeface="+mn-cs"/>
         </a:defRPr>
       </a:lvl2pPr>
-      <a:lvl3pPr marL="1143000" indent="-228600" algn="l" defTabSz="914400" rtl="0" eaLnBrk="1" latinLnBrk="0" hangingPunct="1">
-        <a:lnSpc>
-          <a:spcPct val="90000"/>
-        </a:lnSpc>
+      <a:lvl3pPr marL="1200150" indent="-285750" algn="l" defTabSz="457200" rtl="0" eaLnBrk="1" latinLnBrk="0" hangingPunct="1">
         <a:spcBef>
-          <a:spcPts val="500"/>
+          <a:spcPct val="20000"/>
         </a:spcBef>
-        <a:buFont typeface="Arial" panose="020B0604020202020204" pitchFamily="34" charset="0"/>
-        <a:buChar char="•"/>
-        <a:defRPr sz="2000" kern="1200">
+        <a:spcAft>
+          <a:spcPts val="600"/>
+        </a:spcAft>
+        <a:buClr>
+          <a:schemeClr val="tx1"/>
+        </a:buClr>
+        <a:buSzPct val="80000"/>
+        <a:buFont typeface="Wingdings 3" panose="05040102010807070707" pitchFamily="18" charset="2"/>
+        <a:buChar char=""/>
+        <a:defRPr sz="1600" kern="1200" cap="none">
           <a:solidFill>
-            <a:schemeClr val="tx1"/>
+            <a:schemeClr val="bg2">
+              <a:lumMod val="75000"/>
+            </a:schemeClr>
           </a:solidFill>
+          <a:effectLst/>
           <a:latin typeface="+mn-lt"/>
           <a:ea typeface="+mn-ea"/>
           <a:cs typeface="+mn-cs"/>
         </a:defRPr>
       </a:lvl3pPr>
-      <a:lvl4pPr marL="1600200" indent="-228600" algn="l" defTabSz="914400" rtl="0" eaLnBrk="1" latinLnBrk="0" hangingPunct="1">
-        <a:lnSpc>
-          <a:spcPct val="90000"/>
-        </a:lnSpc>
+      <a:lvl4pPr marL="1543050" indent="-171450" algn="l" defTabSz="457200" rtl="0" eaLnBrk="1" latinLnBrk="0" hangingPunct="1">
         <a:spcBef>
-          <a:spcPts val="500"/>
+          <a:spcPct val="20000"/>
         </a:spcBef>
-        <a:buFont typeface="Arial" panose="020B0604020202020204" pitchFamily="34" charset="0"/>
-        <a:buChar char="•"/>
-        <a:defRPr sz="1800" kern="1200">
+        <a:spcAft>
+          <a:spcPts val="600"/>
+        </a:spcAft>
+        <a:buClr>
+          <a:schemeClr val="tx1"/>
+        </a:buClr>
+        <a:buSzPct val="80000"/>
+        <a:buFont typeface="Wingdings 3" panose="05040102010807070707" pitchFamily="18" charset="2"/>
+        <a:buChar char=""/>
+        <a:defRPr sz="1400" kern="1200" cap="none">
           <a:solidFill>
-            <a:schemeClr val="tx1"/>
+            <a:schemeClr val="bg2">
+              <a:lumMod val="75000"/>
+            </a:schemeClr>
           </a:solidFill>
+          <a:effectLst/>
           <a:latin typeface="+mn-lt"/>
           <a:ea typeface="+mn-ea"/>
           <a:cs typeface="+mn-cs"/>
         </a:defRPr>
       </a:lvl4pPr>
-      <a:lvl5pPr marL="2057400" indent="-228600" algn="l" defTabSz="914400" rtl="0" eaLnBrk="1" latinLnBrk="0" hangingPunct="1">
-        <a:lnSpc>
-          <a:spcPct val="90000"/>
-        </a:lnSpc>
+      <a:lvl5pPr marL="2000250" indent="-171450" algn="l" defTabSz="457200" rtl="0" eaLnBrk="1" latinLnBrk="0" hangingPunct="1">
         <a:spcBef>
-          <a:spcPts val="500"/>
+          <a:spcPct val="20000"/>
         </a:spcBef>
-        <a:buFont typeface="Arial" panose="020B0604020202020204" pitchFamily="34" charset="0"/>
-        <a:buChar char="•"/>
-        <a:defRPr sz="1800" kern="1200">
+        <a:spcAft>
+          <a:spcPts val="600"/>
+        </a:spcAft>
+        <a:buClr>
+          <a:schemeClr val="tx1"/>
+        </a:buClr>
+        <a:buSzPct val="80000"/>
+        <a:buFont typeface="Wingdings 3" panose="05040102010807070707" pitchFamily="18" charset="2"/>
+        <a:buChar char=""/>
+        <a:defRPr sz="1400" kern="1200" cap="none">
           <a:solidFill>
-            <a:schemeClr val="tx1"/>
+            <a:schemeClr val="bg2">
+              <a:lumMod val="75000"/>
+            </a:schemeClr>
           </a:solidFill>
+          <a:effectLst/>
           <a:latin typeface="+mn-lt"/>
           <a:ea typeface="+mn-ea"/>
           <a:cs typeface="+mn-cs"/>
         </a:defRPr>
       </a:lvl5pPr>
-      <a:lvl6pPr marL="2514600" indent="-228600" algn="l" defTabSz="914400" rtl="0" eaLnBrk="1" latinLnBrk="0" hangingPunct="1">
-        <a:lnSpc>
-          <a:spcPct val="90000"/>
-        </a:lnSpc>
+      <a:lvl6pPr marL="2514600" indent="-228600" algn="l" defTabSz="457200" rtl="0" eaLnBrk="1" latinLnBrk="0" hangingPunct="1">
         <a:spcBef>
-          <a:spcPts val="500"/>
+          <a:spcPct val="20000"/>
         </a:spcBef>
-        <a:buFont typeface="Arial" panose="020B0604020202020204" pitchFamily="34" charset="0"/>
-        <a:buChar char="•"/>
-        <a:defRPr sz="1800" kern="1200">
+        <a:spcAft>
+          <a:spcPts val="600"/>
+        </a:spcAft>
+        <a:buClr>
+          <a:schemeClr val="tx1"/>
+        </a:buClr>
+        <a:buSzPct val="80000"/>
+        <a:buFont typeface="Wingdings 3" panose="05040102010807070707" pitchFamily="18" charset="2"/>
+        <a:buChar char=""/>
+        <a:defRPr sz="1400" kern="1200" cap="none">
           <a:solidFill>
-            <a:schemeClr val="tx1"/>
+            <a:schemeClr val="bg2">
+              <a:lumMod val="75000"/>
+            </a:schemeClr>
           </a:solidFill>
+          <a:effectLst/>
           <a:latin typeface="+mn-lt"/>
           <a:ea typeface="+mn-ea"/>
           <a:cs typeface="+mn-cs"/>
         </a:defRPr>
       </a:lvl6pPr>
-      <a:lvl7pPr marL="2971800" indent="-228600" algn="l" defTabSz="914400" rtl="0" eaLnBrk="1" latinLnBrk="0" hangingPunct="1">
-        <a:lnSpc>
-          <a:spcPct val="90000"/>
-        </a:lnSpc>
+      <a:lvl7pPr marL="2971800" indent="-228600" algn="l" defTabSz="457200" rtl="0" eaLnBrk="1" latinLnBrk="0" hangingPunct="1">
         <a:spcBef>
-          <a:spcPts val="500"/>
+          <a:spcPct val="20000"/>
         </a:spcBef>
-        <a:buFont typeface="Arial" panose="020B0604020202020204" pitchFamily="34" charset="0"/>
-        <a:buChar char="•"/>
-        <a:defRPr sz="1800" kern="1200">
+        <a:spcAft>
+          <a:spcPts val="600"/>
+        </a:spcAft>
+        <a:buClr>
+          <a:schemeClr val="tx1"/>
+        </a:buClr>
+        <a:buSzPct val="80000"/>
+        <a:buFont typeface="Wingdings 3" panose="05040102010807070707" pitchFamily="18" charset="2"/>
+        <a:buChar char=""/>
+        <a:defRPr sz="1400" kern="1200" cap="none">
           <a:solidFill>
-            <a:schemeClr val="tx1"/>
+            <a:schemeClr val="bg2">
+              <a:lumMod val="75000"/>
+            </a:schemeClr>
           </a:solidFill>
+          <a:effectLst/>
           <a:latin typeface="+mn-lt"/>
           <a:ea typeface="+mn-ea"/>
           <a:cs typeface="+mn-cs"/>
         </a:defRPr>
       </a:lvl7pPr>
-      <a:lvl8pPr marL="3429000" indent="-228600" algn="l" defTabSz="914400" rtl="0" eaLnBrk="1" latinLnBrk="0" hangingPunct="1">
-        <a:lnSpc>
-          <a:spcPct val="90000"/>
-        </a:lnSpc>
+      <a:lvl8pPr marL="3429000" indent="-228600" algn="l" defTabSz="457200" rtl="0" eaLnBrk="1" latinLnBrk="0" hangingPunct="1">
         <a:spcBef>
-          <a:spcPts val="500"/>
+          <a:spcPct val="20000"/>
         </a:spcBef>
-        <a:buFont typeface="Arial" panose="020B0604020202020204" pitchFamily="34" charset="0"/>
-        <a:buChar char="•"/>
-        <a:defRPr sz="1800" kern="1200">
+        <a:spcAft>
+          <a:spcPts val="600"/>
+        </a:spcAft>
+        <a:buClr>
+          <a:schemeClr val="tx1"/>
+        </a:buClr>
+        <a:buSzPct val="80000"/>
+        <a:buFont typeface="Wingdings 3" panose="05040102010807070707" pitchFamily="18" charset="2"/>
+        <a:buChar char=""/>
+        <a:defRPr sz="1400" kern="1200" cap="none">
           <a:solidFill>
-            <a:schemeClr val="tx1"/>
+            <a:schemeClr val="bg2">
+              <a:lumMod val="75000"/>
+            </a:schemeClr>
           </a:solidFill>
+          <a:effectLst/>
           <a:latin typeface="+mn-lt"/>
           <a:ea typeface="+mn-ea"/>
           <a:cs typeface="+mn-cs"/>
         </a:defRPr>
       </a:lvl8pPr>
-      <a:lvl9pPr marL="3886200" indent="-228600" algn="l" defTabSz="914400" rtl="0" eaLnBrk="1" latinLnBrk="0" hangingPunct="1">
-        <a:lnSpc>
-          <a:spcPct val="90000"/>
-        </a:lnSpc>
+      <a:lvl9pPr marL="3886200" indent="-228600" algn="l" defTabSz="457200" rtl="0" eaLnBrk="1" latinLnBrk="0" hangingPunct="1">
         <a:spcBef>
-          <a:spcPts val="500"/>
+          <a:spcPct val="20000"/>
         </a:spcBef>
-        <a:buFont typeface="Arial" panose="020B0604020202020204" pitchFamily="34" charset="0"/>
-        <a:buChar char="•"/>
-        <a:defRPr sz="1800" kern="1200">
+        <a:spcAft>
+          <a:spcPts val="600"/>
+        </a:spcAft>
+        <a:buClr>
+          <a:schemeClr val="tx1"/>
+        </a:buClr>
+        <a:buSzPct val="80000"/>
+        <a:buFont typeface="Wingdings 3" panose="05040102010807070707" pitchFamily="18" charset="2"/>
+        <a:buChar char=""/>
+        <a:defRPr sz="1400" kern="1200" cap="none">
           <a:solidFill>
-            <a:schemeClr val="tx1"/>
+            <a:schemeClr val="bg2">
+              <a:lumMod val="75000"/>
+            </a:schemeClr>
           </a:solidFill>
+          <a:effectLst/>
           <a:latin typeface="+mn-lt"/>
           <a:ea typeface="+mn-ea"/>
           <a:cs typeface="+mn-cs"/>
@@ -3499,7 +5541,7 @@
       <a:defPPr>
         <a:defRPr lang="en-US"/>
       </a:defPPr>
-      <a:lvl1pPr marL="0" algn="l" defTabSz="914400" rtl="0" eaLnBrk="1" latinLnBrk="0" hangingPunct="1">
+      <a:lvl1pPr marL="0" algn="l" defTabSz="457200" rtl="0" eaLnBrk="1" latinLnBrk="0" hangingPunct="1">
         <a:defRPr sz="1800" kern="1200">
           <a:solidFill>
             <a:schemeClr val="tx1"/>
@@ -3509,7 +5551,7 @@
           <a:cs typeface="+mn-cs"/>
         </a:defRPr>
       </a:lvl1pPr>
-      <a:lvl2pPr marL="457200" algn="l" defTabSz="914400" rtl="0" eaLnBrk="1" latinLnBrk="0" hangingPunct="1">
+      <a:lvl2pPr marL="457200" algn="l" defTabSz="457200" rtl="0" eaLnBrk="1" latinLnBrk="0" hangingPunct="1">
         <a:defRPr sz="1800" kern="1200">
           <a:solidFill>
             <a:schemeClr val="tx1"/>
@@ -3519,7 +5561,7 @@
           <a:cs typeface="+mn-cs"/>
         </a:defRPr>
       </a:lvl2pPr>
-      <a:lvl3pPr marL="914400" algn="l" defTabSz="914400" rtl="0" eaLnBrk="1" latinLnBrk="0" hangingPunct="1">
+      <a:lvl3pPr marL="914400" algn="l" defTabSz="457200" rtl="0" eaLnBrk="1" latinLnBrk="0" hangingPunct="1">
         <a:defRPr sz="1800" kern="1200">
           <a:solidFill>
             <a:schemeClr val="tx1"/>
@@ -3529,7 +5571,7 @@
           <a:cs typeface="+mn-cs"/>
         </a:defRPr>
       </a:lvl3pPr>
-      <a:lvl4pPr marL="1371600" algn="l" defTabSz="914400" rtl="0" eaLnBrk="1" latinLnBrk="0" hangingPunct="1">
+      <a:lvl4pPr marL="1371600" algn="l" defTabSz="457200" rtl="0" eaLnBrk="1" latinLnBrk="0" hangingPunct="1">
         <a:defRPr sz="1800" kern="1200">
           <a:solidFill>
             <a:schemeClr val="tx1"/>
@@ -3539,7 +5581,7 @@
           <a:cs typeface="+mn-cs"/>
         </a:defRPr>
       </a:lvl4pPr>
-      <a:lvl5pPr marL="1828800" algn="l" defTabSz="914400" rtl="0" eaLnBrk="1" latinLnBrk="0" hangingPunct="1">
+      <a:lvl5pPr marL="1828800" algn="l" defTabSz="457200" rtl="0" eaLnBrk="1" latinLnBrk="0" hangingPunct="1">
         <a:defRPr sz="1800" kern="1200">
           <a:solidFill>
             <a:schemeClr val="tx1"/>
@@ -3549,7 +5591,7 @@
           <a:cs typeface="+mn-cs"/>
         </a:defRPr>
       </a:lvl5pPr>
-      <a:lvl6pPr marL="2286000" algn="l" defTabSz="914400" rtl="0" eaLnBrk="1" latinLnBrk="0" hangingPunct="1">
+      <a:lvl6pPr marL="2286000" algn="l" defTabSz="457200" rtl="0" eaLnBrk="1" latinLnBrk="0" hangingPunct="1">
         <a:defRPr sz="1800" kern="1200">
           <a:solidFill>
             <a:schemeClr val="tx1"/>
@@ -3559,7 +5601,7 @@
           <a:cs typeface="+mn-cs"/>
         </a:defRPr>
       </a:lvl6pPr>
-      <a:lvl7pPr marL="2743200" algn="l" defTabSz="914400" rtl="0" eaLnBrk="1" latinLnBrk="0" hangingPunct="1">
+      <a:lvl7pPr marL="2743200" algn="l" defTabSz="457200" rtl="0" eaLnBrk="1" latinLnBrk="0" hangingPunct="1">
         <a:defRPr sz="1800" kern="1200">
           <a:solidFill>
             <a:schemeClr val="tx1"/>
@@ -3569,7 +5611,7 @@
           <a:cs typeface="+mn-cs"/>
         </a:defRPr>
       </a:lvl7pPr>
-      <a:lvl8pPr marL="3200400" algn="l" defTabSz="914400" rtl="0" eaLnBrk="1" latinLnBrk="0" hangingPunct="1">
+      <a:lvl8pPr marL="3200400" algn="l" defTabSz="457200" rtl="0" eaLnBrk="1" latinLnBrk="0" hangingPunct="1">
         <a:defRPr sz="1800" kern="1200">
           <a:solidFill>
             <a:schemeClr val="tx1"/>
@@ -3579,7 +5621,7 @@
           <a:cs typeface="+mn-cs"/>
         </a:defRPr>
       </a:lvl8pPr>
-      <a:lvl9pPr marL="3657600" algn="l" defTabSz="914400" rtl="0" eaLnBrk="1" latinLnBrk="0" hangingPunct="1">
+      <a:lvl9pPr marL="3657600" algn="l" defTabSz="457200" rtl="0" eaLnBrk="1" latinLnBrk="0" hangingPunct="1">
         <a:defRPr sz="1800" kern="1200">
           <a:solidFill>
             <a:schemeClr val="tx1"/>
@@ -4403,7 +6445,7 @@
         <p:spPr/>
         <p:txBody>
           <a:bodyPr>
-            <a:normAutofit fontScale="92500" lnSpcReduction="20000"/>
+            <a:normAutofit fontScale="70000" lnSpcReduction="20000"/>
           </a:bodyPr>
           <a:lstStyle/>
           <a:p>
@@ -5380,7 +7422,7 @@
         <p:spPr/>
         <p:txBody>
           <a:bodyPr>
-            <a:normAutofit/>
+            <a:normAutofit lnSpcReduction="10000"/>
           </a:bodyPr>
           <a:lstStyle/>
           <a:p>
@@ -6230,7 +8272,9 @@
         </p:nvSpPr>
         <p:spPr/>
         <p:txBody>
-          <a:bodyPr/>
+          <a:bodyPr>
+            <a:normAutofit fontScale="90000"/>
+          </a:bodyPr>
           <a:lstStyle/>
           <a:p>
             <a:r>
@@ -6621,9 +8665,9 @@
 </file>
 
 <file path=ppt/theme/theme1.xml><?xml version="1.0" encoding="utf-8"?>
-<a:theme xmlns:a="http://schemas.openxmlformats.org/drawingml/2006/main" name="Office Theme">
+<a:theme xmlns:a="http://schemas.openxmlformats.org/drawingml/2006/main" name="Slice">
   <a:themeElements>
-    <a:clrScheme name="Office">
+    <a:clrScheme name="Slice">
       <a:dk1>
         <a:sysClr val="windowText" lastClr="000000"/>
       </a:dk1>
@@ -6631,100 +8675,48 @@
         <a:sysClr val="window" lastClr="FFFFFF"/>
       </a:lt1>
       <a:dk2>
-        <a:srgbClr val="44546A"/>
+        <a:srgbClr val="146194"/>
       </a:dk2>
       <a:lt2>
-        <a:srgbClr val="E7E6E6"/>
+        <a:srgbClr val="76DBF4"/>
       </a:lt2>
       <a:accent1>
-        <a:srgbClr val="4472C4"/>
+        <a:srgbClr val="052F61"/>
       </a:accent1>
       <a:accent2>
-        <a:srgbClr val="ED7D31"/>
+        <a:srgbClr val="A50E82"/>
       </a:accent2>
       <a:accent3>
-        <a:srgbClr val="A5A5A5"/>
+        <a:srgbClr val="14967C"/>
       </a:accent3>
       <a:accent4>
-        <a:srgbClr val="FFC000"/>
+        <a:srgbClr val="6A9E1F"/>
       </a:accent4>
       <a:accent5>
-        <a:srgbClr val="5B9BD5"/>
+        <a:srgbClr val="E87D37"/>
       </a:accent5>
       <a:accent6>
-        <a:srgbClr val="70AD47"/>
+        <a:srgbClr val="C62324"/>
       </a:accent6>
       <a:hlink>
-        <a:srgbClr val="0563C1"/>
+        <a:srgbClr val="0D2E46"/>
       </a:hlink>
       <a:folHlink>
-        <a:srgbClr val="954F72"/>
+        <a:srgbClr val="356A95"/>
       </a:folHlink>
     </a:clrScheme>
-    <a:fontScheme name="Office">
+    <a:fontScheme name="Slice">
       <a:majorFont>
-        <a:latin typeface="Calibri Light" panose="020F0302020204030204"/>
+        <a:latin typeface="Century Gothic" panose="020B0502020202020204"/>
         <a:ea typeface=""/>
         <a:cs typeface=""/>
-        <a:font script="Jpan" typeface="游ゴシック Light"/>
-        <a:font script="Hang" typeface="맑은 고딕"/>
-        <a:font script="Hans" typeface="等线 Light"/>
-        <a:font script="Hant" typeface="新細明體"/>
-        <a:font script="Arab" typeface="Times New Roman"/>
-        <a:font script="Hebr" typeface="Times New Roman"/>
-        <a:font script="Thai" typeface="Angsana New"/>
-        <a:font script="Ethi" typeface="Nyala"/>
-        <a:font script="Beng" typeface="Vrinda"/>
-        <a:font script="Gujr" typeface="Shruti"/>
-        <a:font script="Khmr" typeface="MoolBoran"/>
-        <a:font script="Knda" typeface="Tunga"/>
-        <a:font script="Guru" typeface="Raavi"/>
-        <a:font script="Cans" typeface="Euphemia"/>
-        <a:font script="Cher" typeface="Plantagenet Cherokee"/>
-        <a:font script="Yiii" typeface="Microsoft Yi Baiti"/>
-        <a:font script="Tibt" typeface="Microsoft Himalaya"/>
-        <a:font script="Thaa" typeface="MV Boli"/>
-        <a:font script="Deva" typeface="Mangal"/>
-        <a:font script="Telu" typeface="Gautami"/>
-        <a:font script="Taml" typeface="Latha"/>
-        <a:font script="Syrc" typeface="Estrangelo Edessa"/>
-        <a:font script="Orya" typeface="Kalinga"/>
-        <a:font script="Mlym" typeface="Kartika"/>
-        <a:font script="Laoo" typeface="DokChampa"/>
-        <a:font script="Sinh" typeface="Iskoola Pota"/>
-        <a:font script="Mong" typeface="Mongolian Baiti"/>
-        <a:font script="Viet" typeface="Times New Roman"/>
-        <a:font script="Uigh" typeface="Microsoft Uighur"/>
-        <a:font script="Geor" typeface="Sylfaen"/>
-        <a:font script="Armn" typeface="Arial"/>
-        <a:font script="Bugi" typeface="Leelawadee UI"/>
-        <a:font script="Bopo" typeface="Microsoft JhengHei"/>
-        <a:font script="Java" typeface="Javanese Text"/>
-        <a:font script="Lisu" typeface="Segoe UI"/>
-        <a:font script="Mymr" typeface="Myanmar Text"/>
-        <a:font script="Nkoo" typeface="Ebrima"/>
-        <a:font script="Olck" typeface="Nirmala UI"/>
-        <a:font script="Osma" typeface="Ebrima"/>
-        <a:font script="Phag" typeface="Phagspa"/>
-        <a:font script="Syrn" typeface="Estrangelo Edessa"/>
-        <a:font script="Syrj" typeface="Estrangelo Edessa"/>
-        <a:font script="Syre" typeface="Estrangelo Edessa"/>
-        <a:font script="Sora" typeface="Nirmala UI"/>
-        <a:font script="Tale" typeface="Microsoft Tai Le"/>
-        <a:font script="Talu" typeface="Microsoft New Tai Lue"/>
-        <a:font script="Tfng" typeface="Ebrima"/>
-      </a:majorFont>
-      <a:minorFont>
-        <a:latin typeface="Calibri" panose="020F0502020204030204"/>
-        <a:ea typeface=""/>
-        <a:cs typeface=""/>
-        <a:font script="Jpan" typeface="游ゴシック"/>
-        <a:font script="Hang" typeface="맑은 고딕"/>
-        <a:font script="Hans" typeface="等线"/>
-        <a:font script="Hant" typeface="新細明體"/>
-        <a:font script="Arab" typeface="Arial"/>
-        <a:font script="Hebr" typeface="Arial"/>
-        <a:font script="Thai" typeface="Cordia New"/>
+        <a:font script="Jpan" typeface="メイリオ"/>
+        <a:font script="Hang" typeface="HY중고딕"/>
+        <a:font script="Hans" typeface="幼圆"/>
+        <a:font script="Hant" typeface="微軟正黑體"/>
+        <a:font script="Arab" typeface="Tahoma"/>
+        <a:font script="Hebr" typeface="Gisha"/>
+        <a:font script="Thai" typeface="DilleniaUPC"/>
         <a:font script="Ethi" typeface="Nyala"/>
         <a:font script="Beng" typeface="Vrinda"/>
         <a:font script="Gujr" typeface="Shruti"/>
@@ -6745,29 +8737,47 @@
         <a:font script="Laoo" typeface="DokChampa"/>
         <a:font script="Sinh" typeface="Iskoola Pota"/>
         <a:font script="Mong" typeface="Mongolian Baiti"/>
-        <a:font script="Viet" typeface="Arial"/>
+        <a:font script="Viet" typeface="Tahoma"/>
         <a:font script="Uigh" typeface="Microsoft Uighur"/>
         <a:font script="Geor" typeface="Sylfaen"/>
-        <a:font script="Armn" typeface="Arial"/>
-        <a:font script="Bugi" typeface="Leelawadee UI"/>
-        <a:font script="Bopo" typeface="Microsoft JhengHei"/>
-        <a:font script="Java" typeface="Javanese Text"/>
-        <a:font script="Lisu" typeface="Segoe UI"/>
-        <a:font script="Mymr" typeface="Myanmar Text"/>
-        <a:font script="Nkoo" typeface="Ebrima"/>
-        <a:font script="Olck" typeface="Nirmala UI"/>
-        <a:font script="Osma" typeface="Ebrima"/>
-        <a:font script="Phag" typeface="Phagspa"/>
-        <a:font script="Syrn" typeface="Estrangelo Edessa"/>
-        <a:font script="Syrj" typeface="Estrangelo Edessa"/>
-        <a:font script="Syre" typeface="Estrangelo Edessa"/>
-        <a:font script="Sora" typeface="Nirmala UI"/>
-        <a:font script="Tale" typeface="Microsoft Tai Le"/>
-        <a:font script="Talu" typeface="Microsoft New Tai Lue"/>
-        <a:font script="Tfng" typeface="Ebrima"/>
+      </a:majorFont>
+      <a:minorFont>
+        <a:latin typeface="Century Gothic" panose="020B0502020202020204"/>
+        <a:ea typeface=""/>
+        <a:cs typeface=""/>
+        <a:font script="Jpan" typeface="メイリオ"/>
+        <a:font script="Hang" typeface="HY중고딕"/>
+        <a:font script="Hans" typeface="幼圆"/>
+        <a:font script="Hant" typeface="微軟正黑體"/>
+        <a:font script="Arab" typeface="Tahoma"/>
+        <a:font script="Hebr" typeface="Gisha"/>
+        <a:font script="Thai" typeface="DilleniaUPC"/>
+        <a:font script="Ethi" typeface="Nyala"/>
+        <a:font script="Beng" typeface="Vrinda"/>
+        <a:font script="Gujr" typeface="Shruti"/>
+        <a:font script="Khmr" typeface="DaunPenh"/>
+        <a:font script="Knda" typeface="Tunga"/>
+        <a:font script="Guru" typeface="Raavi"/>
+        <a:font script="Cans" typeface="Euphemia"/>
+        <a:font script="Cher" typeface="Plantagenet Cherokee"/>
+        <a:font script="Yiii" typeface="Microsoft Yi Baiti"/>
+        <a:font script="Tibt" typeface="Microsoft Himalaya"/>
+        <a:font script="Thaa" typeface="MV Boli"/>
+        <a:font script="Deva" typeface="Mangal"/>
+        <a:font script="Telu" typeface="Gautami"/>
+        <a:font script="Taml" typeface="Latha"/>
+        <a:font script="Syrc" typeface="Estrangelo Edessa"/>
+        <a:font script="Orya" typeface="Kalinga"/>
+        <a:font script="Mlym" typeface="Kartika"/>
+        <a:font script="Laoo" typeface="DokChampa"/>
+        <a:font script="Sinh" typeface="Iskoola Pota"/>
+        <a:font script="Mong" typeface="Mongolian Baiti"/>
+        <a:font script="Viet" typeface="Tahoma"/>
+        <a:font script="Uigh" typeface="Microsoft Uighur"/>
+        <a:font script="Geor" typeface="Sylfaen"/>
       </a:minorFont>
     </a:fontScheme>
-    <a:fmtScheme name="Office">
+    <a:fmtScheme name="Slice">
       <a:fillStyleLst>
         <a:solidFill>
           <a:schemeClr val="phClr"/>
@@ -6776,23 +8786,16 @@
           <a:gsLst>
             <a:gs pos="0">
               <a:schemeClr val="phClr">
+                <a:tint val="62000"/>
+                <a:hueMod val="94000"/>
+                <a:satMod val="140000"/>
                 <a:lumMod val="110000"/>
-                <a:satMod val="105000"/>
-                <a:tint val="67000"/>
-              </a:schemeClr>
-            </a:gs>
-            <a:gs pos="50000">
-              <a:schemeClr val="phClr">
-                <a:lumMod val="105000"/>
-                <a:satMod val="103000"/>
-                <a:tint val="73000"/>
               </a:schemeClr>
             </a:gs>
             <a:gs pos="100000">
               <a:schemeClr val="phClr">
-                <a:lumMod val="105000"/>
-                <a:satMod val="109000"/>
-                <a:tint val="81000"/>
+                <a:tint val="84000"/>
+                <a:satMod val="160000"/>
               </a:schemeClr>
             </a:gs>
           </a:gsLst>
@@ -6802,23 +8805,16 @@
           <a:gsLst>
             <a:gs pos="0">
               <a:schemeClr val="phClr">
-                <a:satMod val="103000"/>
-                <a:lumMod val="102000"/>
-                <a:tint val="94000"/>
-              </a:schemeClr>
-            </a:gs>
-            <a:gs pos="50000">
-              <a:schemeClr val="phClr">
-                <a:satMod val="110000"/>
-                <a:lumMod val="100000"/>
-                <a:shade val="100000"/>
+                <a:tint val="98000"/>
+                <a:hueMod val="94000"/>
+                <a:satMod val="130000"/>
+                <a:lumMod val="128000"/>
               </a:schemeClr>
             </a:gs>
             <a:gs pos="100000">
               <a:schemeClr val="phClr">
-                <a:lumMod val="99000"/>
-                <a:satMod val="120000"/>
-                <a:shade val="78000"/>
+                <a:shade val="94000"/>
+                <a:lumMod val="88000"/>
               </a:schemeClr>
             </a:gs>
           </a:gsLst>
@@ -6826,26 +8822,29 @@
         </a:gradFill>
       </a:fillStyleLst>
       <a:lnStyleLst>
-        <a:ln w="6350" cap="flat" cmpd="sng" algn="ctr">
+        <a:ln w="9525" cap="rnd" cmpd="sng" algn="ctr">
+          <a:solidFill>
+            <a:schemeClr val="phClr">
+              <a:tint val="76000"/>
+              <a:alpha val="60000"/>
+              <a:hueMod val="94000"/>
+            </a:schemeClr>
+          </a:solidFill>
+          <a:prstDash val="solid"/>
+        </a:ln>
+        <a:ln w="15875" cap="rnd" cmpd="sng" algn="ctr">
+          <a:solidFill>
+            <a:schemeClr val="phClr">
+              <a:hueMod val="94000"/>
+            </a:schemeClr>
+          </a:solidFill>
+          <a:prstDash val="solid"/>
+        </a:ln>
+        <a:ln w="28575" cap="rnd" cmpd="sng" algn="ctr">
           <a:solidFill>
             <a:schemeClr val="phClr"/>
           </a:solidFill>
           <a:prstDash val="solid"/>
-          <a:miter lim="800000"/>
-        </a:ln>
-        <a:ln w="12700" cap="flat" cmpd="sng" algn="ctr">
-          <a:solidFill>
-            <a:schemeClr val="phClr"/>
-          </a:solidFill>
-          <a:prstDash val="solid"/>
-          <a:miter lim="800000"/>
-        </a:ln>
-        <a:ln w="19050" cap="flat" cmpd="sng" algn="ctr">
-          <a:solidFill>
-            <a:schemeClr val="phClr"/>
-          </a:solidFill>
-          <a:prstDash val="solid"/>
-          <a:miter lim="800000"/>
         </a:ln>
       </a:lnStyleLst>
       <a:effectStyleLst>
@@ -6853,54 +8852,78 @@
           <a:effectLst/>
         </a:effectStyle>
         <a:effectStyle>
-          <a:effectLst/>
+          <a:effectLst>
+            <a:innerShdw blurRad="25400" dist="12700" dir="13500000">
+              <a:srgbClr val="000000">
+                <a:alpha val="45000"/>
+              </a:srgbClr>
+            </a:innerShdw>
+          </a:effectLst>
         </a:effectStyle>
         <a:effectStyle>
           <a:effectLst>
-            <a:outerShdw blurRad="57150" dist="19050" dir="5400000" algn="ctr" rotWithShape="0">
+            <a:outerShdw blurRad="50800" dist="38100" dir="5400000" rotWithShape="0">
               <a:srgbClr val="000000">
-                <a:alpha val="63000"/>
+                <a:alpha val="46000"/>
               </a:srgbClr>
             </a:outerShdw>
           </a:effectLst>
+          <a:scene3d>
+            <a:camera prst="orthographicFront">
+              <a:rot lat="0" lon="0" rev="0"/>
+            </a:camera>
+            <a:lightRig rig="threePt" dir="t"/>
+          </a:scene3d>
+          <a:sp3d prstMaterial="plastic">
+            <a:bevelT w="25400" h="25400"/>
+          </a:sp3d>
         </a:effectStyle>
       </a:effectStyleLst>
       <a:bgFillStyleLst>
         <a:solidFill>
           <a:schemeClr val="phClr"/>
         </a:solidFill>
-        <a:solidFill>
-          <a:schemeClr val="phClr">
-            <a:tint val="95000"/>
-            <a:satMod val="170000"/>
-          </a:schemeClr>
-        </a:solidFill>
+        <a:gradFill rotWithShape="1">
+          <a:gsLst>
+            <a:gs pos="10000">
+              <a:schemeClr val="phClr">
+                <a:tint val="97000"/>
+                <a:hueMod val="92000"/>
+                <a:satMod val="169000"/>
+                <a:lumMod val="164000"/>
+              </a:schemeClr>
+            </a:gs>
+            <a:gs pos="100000">
+              <a:schemeClr val="phClr">
+                <a:shade val="96000"/>
+                <a:satMod val="120000"/>
+                <a:lumMod val="90000"/>
+              </a:schemeClr>
+            </a:gs>
+          </a:gsLst>
+          <a:lin ang="6120000" scaled="1"/>
+        </a:gradFill>
         <a:gradFill rotWithShape="1">
           <a:gsLst>
             <a:gs pos="0">
               <a:schemeClr val="phClr">
-                <a:tint val="93000"/>
-                <a:satMod val="150000"/>
-                <a:shade val="98000"/>
-                <a:lumMod val="102000"/>
-              </a:schemeClr>
-            </a:gs>
-            <a:gs pos="50000">
-              <a:schemeClr val="phClr">
-                <a:tint val="98000"/>
-                <a:satMod val="130000"/>
-                <a:shade val="90000"/>
-                <a:lumMod val="103000"/>
+                <a:tint val="97000"/>
+                <a:hueMod val="92000"/>
+                <a:satMod val="169000"/>
+                <a:lumMod val="164000"/>
               </a:schemeClr>
             </a:gs>
             <a:gs pos="100000">
               <a:schemeClr val="phClr">
-                <a:shade val="63000"/>
+                <a:shade val="96000"/>
                 <a:satMod val="120000"/>
+                <a:lumMod val="90000"/>
               </a:schemeClr>
             </a:gs>
           </a:gsLst>
-          <a:lin ang="5400000" scaled="0"/>
+          <a:path path="circle">
+            <a:fillToRect b="100000"/>
+          </a:path>
         </a:gradFill>
       </a:bgFillStyleLst>
     </a:fmtScheme>
@@ -6909,7 +8932,7 @@
   <a:extraClrSchemeLst/>
   <a:extLst>
     <a:ext uri="{05A4C25C-085E-4340-85A3-A5531E510DB2}">
-      <thm15:themeFamily xmlns:thm15="http://schemas.microsoft.com/office/thememl/2012/main" name="Office Theme" id="{62F939B6-93AF-4DB8-9C6B-D6C7DFDC589F}" vid="{4A3C46E8-61CC-4603-A589-7422A47A8E4A}"/>
+      <thm15:themeFamily xmlns:thm15="http://schemas.microsoft.com/office/thememl/2012/main" name="Slice" id="{0507925B-6AC9-4358-8E18-C330545D08F8}" vid="{13FEC7C6-62A9-40C4-99D2-581AACACAA2F}"/>
     </a:ext>
   </a:extLst>
 </a:theme>
